--- a/CaseStudy-04.pptx
+++ b/CaseStudy-04.pptx
@@ -773,6 +773,72 @@
 </file>
 
 <file path=ppt/notesSlides/notesSlide1.xml><?xml version="1.0" encoding="utf-8"?>
+<p:notes xmlns:a="http://schemas.openxmlformats.org/drawingml/2006/main" xmlns:r="http://schemas.openxmlformats.org/officeDocument/2006/relationships" xmlns:p="http://schemas.openxmlformats.org/presentationml/2006/main">
+  <p:cSld>
+    <p:spTree>
+      <p:nvGrpSpPr>
+        <p:cNvPr id="1" name=""/>
+        <p:cNvGrpSpPr/>
+        <p:nvPr/>
+      </p:nvGrpSpPr>
+      <p:grpSpPr>
+        <a:xfrm>
+          <a:off x="0" y="0"/>
+          <a:ext cx="0" cy="0"/>
+          <a:chOff x="0" y="0"/>
+          <a:chExt cx="0" cy="0"/>
+        </a:xfrm>
+      </p:grpSpPr>
+      <p:sp>
+        <p:nvSpPr>
+          <p:cNvPr id="2" name="Slide Image Placeholder 1"/>
+          <p:cNvSpPr>
+            <a:spLocks noGrp="1" noRot="1" noChangeAspect="1"/>
+          </p:cNvSpPr>
+          <p:nvPr>
+            <p:ph type="sldImg"/>
+          </p:nvPr>
+        </p:nvSpPr>
+        <p:spPr>
+          <a:xfrm>
+            <a:off x="381000" y="685800"/>
+            <a:ext cx="6096000" cy="3429000"/>
+          </a:xfrm>
+        </p:spPr>
+      </p:sp>
+      <p:sp>
+        <p:nvSpPr>
+          <p:cNvPr id="3" name="Notes Placeholder 2"/>
+          <p:cNvSpPr>
+            <a:spLocks noGrp="1"/>
+          </p:cNvSpPr>
+          <p:nvPr>
+            <p:ph type="body" idx="1"/>
+          </p:nvPr>
+        </p:nvSpPr>
+        <p:spPr/>
+        <p:txBody>
+          <a:bodyPr/>
+          <a:lstStyle/>
+          <a:p>
+            <a:endParaRPr lang="en-AU" dirty="0"/>
+          </a:p>
+        </p:txBody>
+      </p:sp>
+    </p:spTree>
+    <p:extLst>
+      <p:ext uri="{BB962C8B-B14F-4D97-AF65-F5344CB8AC3E}">
+        <p14:creationId xmlns:p14="http://schemas.microsoft.com/office/powerpoint/2010/main" val="1937987481"/>
+      </p:ext>
+    </p:extLst>
+  </p:cSld>
+  <p:clrMapOvr>
+    <a:masterClrMapping/>
+  </p:clrMapOvr>
+</p:notes>
+</file>
+
+<file path=ppt/notesSlides/notesSlide2.xml><?xml version="1.0" encoding="utf-8"?>
 <p:notes xmlns:a="http://schemas.openxmlformats.org/drawingml/2006/main" xmlns:r="http://schemas.openxmlformats.org/officeDocument/2006/relationships" xmlns:p="http://schemas.openxmlformats.org/presentationml/2006/main" showMasterSp="0" showMasterPhAnim="0">
   <p:cSld>
     <p:spTree>
@@ -876,7 +942,7 @@
 </p:notes>
 </file>
 
-<file path=ppt/notesSlides/notesSlide2.xml><?xml version="1.0" encoding="utf-8"?>
+<file path=ppt/notesSlides/notesSlide3.xml><?xml version="1.0" encoding="utf-8"?>
 <p:notes xmlns:a="http://schemas.openxmlformats.org/drawingml/2006/main" xmlns:r="http://schemas.openxmlformats.org/officeDocument/2006/relationships" xmlns:p="http://schemas.openxmlformats.org/presentationml/2006/main" showMasterSp="0" showMasterPhAnim="0">
   <p:cSld>
     <p:spTree>
@@ -1719,6 +1785,10 @@
           <a:bodyPr/>
           <a:lstStyle/>
           <a:p>
+            <a:r>
+              <a:rPr lang="en-IN"/>
+              <a:t>TSE Custom Initializr</a:t>
+            </a:r>
             <a:endParaRPr lang="en-IN" dirty="0"/>
           </a:p>
         </p:txBody>
@@ -1975,6 +2045,10 @@
           <a:bodyPr/>
           <a:lstStyle/>
           <a:p>
+            <a:r>
+              <a:rPr lang="en-IN"/>
+              <a:t>TSE Custom Initializr</a:t>
+            </a:r>
             <a:endParaRPr lang="en-IN" dirty="0"/>
           </a:p>
         </p:txBody>
@@ -2294,6 +2368,10 @@
           <a:bodyPr/>
           <a:lstStyle/>
           <a:p>
+            <a:r>
+              <a:rPr lang="en-IN"/>
+              <a:t>TSE Custom Initializr</a:t>
+            </a:r>
             <a:endParaRPr lang="en-IN" dirty="0"/>
           </a:p>
         </p:txBody>
@@ -2430,7 +2508,6 @@
   <p:clrMapOvr>
     <a:masterClrMapping/>
   </p:clrMapOvr>
-  <p:hf sldNum="0" hdr="0" ftr="0" dt="0"/>
 </p:sldLayout>
 </file>
 
@@ -2641,6 +2718,10 @@
           <a:bodyPr/>
           <a:lstStyle/>
           <a:p>
+            <a:r>
+              <a:rPr lang="en-IN"/>
+              <a:t>TSE Custom Initializr</a:t>
+            </a:r>
             <a:endParaRPr lang="en-IN" dirty="0"/>
           </a:p>
         </p:txBody>
@@ -2960,6 +3041,10 @@
           <a:bodyPr/>
           <a:lstStyle/>
           <a:p>
+            <a:r>
+              <a:rPr lang="en-IN"/>
+              <a:t>TSE Custom Initializr</a:t>
+            </a:r>
             <a:endParaRPr lang="en-IN" dirty="0"/>
           </a:p>
         </p:txBody>
@@ -3088,7 +3173,6 @@
   <p:clrMapOvr>
     <a:masterClrMapping/>
   </p:clrMapOvr>
-  <p:hf sldNum="0" hdr="0" ftr="0" dt="0"/>
 </p:sldLayout>
 </file>
 
@@ -3359,6 +3443,10 @@
           <a:bodyPr/>
           <a:lstStyle/>
           <a:p>
+            <a:r>
+              <a:rPr lang="en-IN"/>
+              <a:t>TSE Custom Initializr</a:t>
+            </a:r>
             <a:endParaRPr lang="en-IN" dirty="0"/>
           </a:p>
         </p:txBody>
@@ -3405,7 +3493,6 @@
   <p:clrMapOvr>
     <a:masterClrMapping/>
   </p:clrMapOvr>
-  <p:hf sldNum="0" hdr="0" ftr="0" dt="0"/>
 </p:sldLayout>
 </file>
 
@@ -3535,6 +3622,10 @@
           <a:bodyPr/>
           <a:lstStyle/>
           <a:p>
+            <a:r>
+              <a:rPr lang="en-IN"/>
+              <a:t>TSE Custom Initializr</a:t>
+            </a:r>
             <a:endParaRPr lang="en-IN" dirty="0"/>
           </a:p>
         </p:txBody>
@@ -3720,6 +3811,10 @@
           <a:bodyPr/>
           <a:lstStyle/>
           <a:p>
+            <a:r>
+              <a:rPr lang="en-IN"/>
+              <a:t>TSE Custom Initializr</a:t>
+            </a:r>
             <a:endParaRPr lang="en-IN" dirty="0"/>
           </a:p>
         </p:txBody>
@@ -3901,6 +3996,10 @@
           <a:bodyPr/>
           <a:lstStyle/>
           <a:p>
+            <a:r>
+              <a:rPr lang="en-IN"/>
+              <a:t>TSE Custom Initializr</a:t>
+            </a:r>
             <a:endParaRPr lang="en-IN" dirty="0"/>
           </a:p>
         </p:txBody>
@@ -4153,6 +4252,10 @@
           <a:bodyPr/>
           <a:lstStyle/>
           <a:p>
+            <a:r>
+              <a:rPr lang="en-IN"/>
+              <a:t>TSE Custom Initializr</a:t>
+            </a:r>
             <a:endParaRPr lang="en-IN" dirty="0"/>
           </a:p>
         </p:txBody>
@@ -4390,6 +4493,10 @@
           <a:bodyPr/>
           <a:lstStyle/>
           <a:p>
+            <a:r>
+              <a:rPr lang="en-IN"/>
+              <a:t>TSE Custom Initializr</a:t>
+            </a:r>
             <a:endParaRPr lang="en-IN" dirty="0"/>
           </a:p>
         </p:txBody>
@@ -4769,6 +4876,10 @@
           <a:bodyPr/>
           <a:lstStyle/>
           <a:p>
+            <a:r>
+              <a:rPr lang="en-IN"/>
+              <a:t>TSE Custom Initializr</a:t>
+            </a:r>
             <a:endParaRPr lang="en-IN" dirty="0"/>
           </a:p>
         </p:txBody>
@@ -4897,6 +5008,10 @@
           <a:bodyPr/>
           <a:lstStyle/>
           <a:p>
+            <a:r>
+              <a:rPr lang="en-IN"/>
+              <a:t>TSE Custom Initializr</a:t>
+            </a:r>
             <a:endParaRPr lang="en-IN" dirty="0"/>
           </a:p>
         </p:txBody>
@@ -4997,6 +5112,10 @@
           <a:bodyPr/>
           <a:lstStyle/>
           <a:p>
+            <a:r>
+              <a:rPr lang="en-IN"/>
+              <a:t>TSE Custom Initializr</a:t>
+            </a:r>
             <a:endParaRPr lang="en-IN" dirty="0"/>
           </a:p>
         </p:txBody>
@@ -5257,6 +5376,10 @@
           <a:bodyPr/>
           <a:lstStyle/>
           <a:p>
+            <a:r>
+              <a:rPr lang="en-IN"/>
+              <a:t>TSE Custom Initializr</a:t>
+            </a:r>
             <a:endParaRPr lang="en-IN" dirty="0"/>
           </a:p>
         </p:txBody>
@@ -5524,6 +5647,10 @@
           <a:bodyPr/>
           <a:lstStyle/>
           <a:p>
+            <a:r>
+              <a:rPr lang="en-IN"/>
+              <a:t>TSE Custom Initializr</a:t>
+            </a:r>
             <a:endParaRPr lang="en-IN" dirty="0"/>
           </a:p>
         </p:txBody>
@@ -5570,7 +5697,6 @@
   <p:clrMapOvr>
     <a:masterClrMapping/>
   </p:clrMapOvr>
-  <p:hf sldNum="0" hdr="0" ftr="0" dt="0"/>
 </p:sldLayout>
 </file>
 
@@ -6291,6 +6417,10 @@
             </a:lvl1pPr>
           </a:lstStyle>
           <a:p>
+            <a:r>
+              <a:rPr lang="en-IN"/>
+              <a:t>TSE Custom Initializr</a:t>
+            </a:r>
             <a:endParaRPr lang="en-IN" dirty="0"/>
           </a:p>
         </p:txBody>
@@ -6416,7 +6546,7 @@
     <p:sldLayoutId id="2147483743" r:id="rId15"/>
     <p:sldLayoutId id="2147483744" r:id="rId16"/>
   </p:sldLayoutIdLst>
-  <p:hf sldNum="0" hdr="0" ftr="0" dt="0"/>
+  <p:hf hdr="0" ftr="0" dt="0"/>
   <p:txStyles>
     <p:titleStyle>
       <a:lvl1pPr algn="l" defTabSz="342900" rtl="0" eaLnBrk="1" latinLnBrk="0" hangingPunct="1">
@@ -7040,6 +7170,44 @@
           </a:p>
         </p:txBody>
       </p:sp>
+      <p:sp>
+        <p:nvSpPr>
+          <p:cNvPr id="4" name="Slide Number Placeholder 3">
+            <a:extLst>
+              <a:ext uri="{FF2B5EF4-FFF2-40B4-BE49-F238E27FC236}">
+                <a16:creationId xmlns:a16="http://schemas.microsoft.com/office/drawing/2014/main" id="{B465FEC2-1AA0-CAF1-59EB-9A579301CAAF}"/>
+              </a:ext>
+            </a:extLst>
+          </p:cNvPr>
+          <p:cNvSpPr>
+            <a:spLocks noGrp="1"/>
+          </p:cNvSpPr>
+          <p:nvPr>
+            <p:ph type="sldNum" sz="quarter" idx="12"/>
+          </p:nvPr>
+        </p:nvSpPr>
+        <p:spPr/>
+        <p:txBody>
+          <a:bodyPr/>
+          <a:lstStyle/>
+          <a:p>
+            <a:pPr marL="0" lvl="0" indent="0" algn="r" rtl="0">
+              <a:spcBef>
+                <a:spcPts val="0"/>
+              </a:spcBef>
+              <a:spcAft>
+                <a:spcPts val="0"/>
+              </a:spcAft>
+              <a:buNone/>
+            </a:pPr>
+            <a:fld id="{00000000-1234-1234-1234-123412341234}" type="slidenum">
+              <a:rPr lang="en-GB" smtClean="0"/>
+              <a:t>1</a:t>
+            </a:fld>
+            <a:endParaRPr lang="en-GB" dirty="0"/>
+          </a:p>
+        </p:txBody>
+      </p:sp>
     </p:spTree>
     <p:extLst>
       <p:ext uri="{BB962C8B-B14F-4D97-AF65-F5344CB8AC3E}">
@@ -7050,6 +7218,415 @@
   <p:clrMapOvr>
     <a:masterClrMapping/>
   </p:clrMapOvr>
+  <mc:AlternateContent xmlns:mc="http://schemas.openxmlformats.org/markup-compatibility/2006">
+    <mc:Choice xmlns:p159="http://schemas.microsoft.com/office/powerpoint/2015/09/main" Requires="p159">
+      <p:transition xmlns:p14="http://schemas.microsoft.com/office/powerpoint/2010/main" spd="slow" p14:dur="2000">
+        <p159:morph option="byObject"/>
+      </p:transition>
+    </mc:Choice>
+    <mc:Fallback>
+      <p:transition spd="slow">
+        <p:fade/>
+      </p:transition>
+    </mc:Fallback>
+  </mc:AlternateContent>
+  <p:timing>
+    <p:tnLst>
+      <p:par>
+        <p:cTn id="1" dur="indefinite" restart="never" nodeType="tmRoot">
+          <p:childTnLst>
+            <p:seq concurrent="1" nextAc="seek">
+              <p:cTn id="2" dur="indefinite" nodeType="mainSeq">
+                <p:childTnLst>
+                  <p:par>
+                    <p:cTn id="3" fill="hold">
+                      <p:stCondLst>
+                        <p:cond delay="indefinite"/>
+                      </p:stCondLst>
+                      <p:childTnLst>
+                        <p:par>
+                          <p:cTn id="4" fill="hold">
+                            <p:stCondLst>
+                              <p:cond delay="0"/>
+                            </p:stCondLst>
+                            <p:childTnLst>
+                              <p:par>
+                                <p:cTn id="5" presetID="42" presetClass="entr" presetSubtype="0" fill="hold" grpId="0" nodeType="clickEffect">
+                                  <p:stCondLst>
+                                    <p:cond delay="0"/>
+                                  </p:stCondLst>
+                                  <p:childTnLst>
+                                    <p:set>
+                                      <p:cBhvr>
+                                        <p:cTn id="6" dur="1" fill="hold">
+                                          <p:stCondLst>
+                                            <p:cond delay="0"/>
+                                          </p:stCondLst>
+                                        </p:cTn>
+                                        <p:tgtEl>
+                                          <p:spTgt spid="2"/>
+                                        </p:tgtEl>
+                                        <p:attrNameLst>
+                                          <p:attrName>style.visibility</p:attrName>
+                                        </p:attrNameLst>
+                                      </p:cBhvr>
+                                      <p:to>
+                                        <p:strVal val="visible"/>
+                                      </p:to>
+                                    </p:set>
+                                    <p:animEffect transition="in" filter="fade">
+                                      <p:cBhvr>
+                                        <p:cTn id="7" dur="1000"/>
+                                        <p:tgtEl>
+                                          <p:spTgt spid="2"/>
+                                        </p:tgtEl>
+                                      </p:cBhvr>
+                                    </p:animEffect>
+                                    <p:anim calcmode="lin" valueType="num">
+                                      <p:cBhvr>
+                                        <p:cTn id="8" dur="1000" fill="hold"/>
+                                        <p:tgtEl>
+                                          <p:spTgt spid="2"/>
+                                        </p:tgtEl>
+                                        <p:attrNameLst>
+                                          <p:attrName>ppt_x</p:attrName>
+                                        </p:attrNameLst>
+                                      </p:cBhvr>
+                                      <p:tavLst>
+                                        <p:tav tm="0">
+                                          <p:val>
+                                            <p:strVal val="#ppt_x"/>
+                                          </p:val>
+                                        </p:tav>
+                                        <p:tav tm="100000">
+                                          <p:val>
+                                            <p:strVal val="#ppt_x"/>
+                                          </p:val>
+                                        </p:tav>
+                                      </p:tavLst>
+                                    </p:anim>
+                                    <p:anim calcmode="lin" valueType="num">
+                                      <p:cBhvr>
+                                        <p:cTn id="9" dur="1000" fill="hold"/>
+                                        <p:tgtEl>
+                                          <p:spTgt spid="2"/>
+                                        </p:tgtEl>
+                                        <p:attrNameLst>
+                                          <p:attrName>ppt_y</p:attrName>
+                                        </p:attrNameLst>
+                                      </p:cBhvr>
+                                      <p:tavLst>
+                                        <p:tav tm="0">
+                                          <p:val>
+                                            <p:strVal val="#ppt_y+.1"/>
+                                          </p:val>
+                                        </p:tav>
+                                        <p:tav tm="100000">
+                                          <p:val>
+                                            <p:strVal val="#ppt_y"/>
+                                          </p:val>
+                                        </p:tav>
+                                      </p:tavLst>
+                                    </p:anim>
+                                  </p:childTnLst>
+                                </p:cTn>
+                              </p:par>
+                              <p:par>
+                                <p:cTn id="10" presetID="42" presetClass="entr" presetSubtype="0" fill="hold" nodeType="withEffect">
+                                  <p:stCondLst>
+                                    <p:cond delay="0"/>
+                                  </p:stCondLst>
+                                  <p:childTnLst>
+                                    <p:set>
+                                      <p:cBhvr>
+                                        <p:cTn id="11" dur="1" fill="hold">
+                                          <p:stCondLst>
+                                            <p:cond delay="0"/>
+                                          </p:stCondLst>
+                                        </p:cTn>
+                                        <p:tgtEl>
+                                          <p:spTgt spid="5"/>
+                                        </p:tgtEl>
+                                        <p:attrNameLst>
+                                          <p:attrName>style.visibility</p:attrName>
+                                        </p:attrNameLst>
+                                      </p:cBhvr>
+                                      <p:to>
+                                        <p:strVal val="visible"/>
+                                      </p:to>
+                                    </p:set>
+                                    <p:animEffect transition="in" filter="fade">
+                                      <p:cBhvr>
+                                        <p:cTn id="12" dur="1000"/>
+                                        <p:tgtEl>
+                                          <p:spTgt spid="5"/>
+                                        </p:tgtEl>
+                                      </p:cBhvr>
+                                    </p:animEffect>
+                                    <p:anim calcmode="lin" valueType="num">
+                                      <p:cBhvr>
+                                        <p:cTn id="13" dur="1000" fill="hold"/>
+                                        <p:tgtEl>
+                                          <p:spTgt spid="5"/>
+                                        </p:tgtEl>
+                                        <p:attrNameLst>
+                                          <p:attrName>ppt_x</p:attrName>
+                                        </p:attrNameLst>
+                                      </p:cBhvr>
+                                      <p:tavLst>
+                                        <p:tav tm="0">
+                                          <p:val>
+                                            <p:strVal val="#ppt_x"/>
+                                          </p:val>
+                                        </p:tav>
+                                        <p:tav tm="100000">
+                                          <p:val>
+                                            <p:strVal val="#ppt_x"/>
+                                          </p:val>
+                                        </p:tav>
+                                      </p:tavLst>
+                                    </p:anim>
+                                    <p:anim calcmode="lin" valueType="num">
+                                      <p:cBhvr>
+                                        <p:cTn id="14" dur="1000" fill="hold"/>
+                                        <p:tgtEl>
+                                          <p:spTgt spid="5"/>
+                                        </p:tgtEl>
+                                        <p:attrNameLst>
+                                          <p:attrName>ppt_y</p:attrName>
+                                        </p:attrNameLst>
+                                      </p:cBhvr>
+                                      <p:tavLst>
+                                        <p:tav tm="0">
+                                          <p:val>
+                                            <p:strVal val="#ppt_y+.1"/>
+                                          </p:val>
+                                        </p:tav>
+                                        <p:tav tm="100000">
+                                          <p:val>
+                                            <p:strVal val="#ppt_y"/>
+                                          </p:val>
+                                        </p:tav>
+                                      </p:tavLst>
+                                    </p:anim>
+                                  </p:childTnLst>
+                                </p:cTn>
+                              </p:par>
+                            </p:childTnLst>
+                          </p:cTn>
+                        </p:par>
+                      </p:childTnLst>
+                    </p:cTn>
+                  </p:par>
+                  <p:par>
+                    <p:cTn id="15" fill="hold">
+                      <p:stCondLst>
+                        <p:cond delay="indefinite"/>
+                      </p:stCondLst>
+                      <p:childTnLst>
+                        <p:par>
+                          <p:cTn id="16" fill="hold">
+                            <p:stCondLst>
+                              <p:cond delay="0"/>
+                            </p:stCondLst>
+                            <p:childTnLst>
+                              <p:par>
+                                <p:cTn id="17" presetID="14" presetClass="entr" presetSubtype="10" fill="hold" grpId="0" nodeType="clickEffect">
+                                  <p:stCondLst>
+                                    <p:cond delay="0"/>
+                                  </p:stCondLst>
+                                  <p:childTnLst>
+                                    <p:set>
+                                      <p:cBhvr>
+                                        <p:cTn id="18" dur="1" fill="hold">
+                                          <p:stCondLst>
+                                            <p:cond delay="0"/>
+                                          </p:stCondLst>
+                                        </p:cTn>
+                                        <p:tgtEl>
+                                          <p:spTgt spid="3">
+                                            <p:txEl>
+                                              <p:pRg st="0" end="0"/>
+                                            </p:txEl>
+                                          </p:spTgt>
+                                        </p:tgtEl>
+                                        <p:attrNameLst>
+                                          <p:attrName>style.visibility</p:attrName>
+                                        </p:attrNameLst>
+                                      </p:cBhvr>
+                                      <p:to>
+                                        <p:strVal val="visible"/>
+                                      </p:to>
+                                    </p:set>
+                                    <p:animEffect transition="in" filter="randombar(horizontal)">
+                                      <p:cBhvr>
+                                        <p:cTn id="19" dur="500"/>
+                                        <p:tgtEl>
+                                          <p:spTgt spid="3">
+                                            <p:txEl>
+                                              <p:pRg st="0" end="0"/>
+                                            </p:txEl>
+                                          </p:spTgt>
+                                        </p:tgtEl>
+                                      </p:cBhvr>
+                                    </p:animEffect>
+                                  </p:childTnLst>
+                                </p:cTn>
+                              </p:par>
+                            </p:childTnLst>
+                          </p:cTn>
+                        </p:par>
+                      </p:childTnLst>
+                    </p:cTn>
+                  </p:par>
+                  <p:par>
+                    <p:cTn id="20" fill="hold">
+                      <p:stCondLst>
+                        <p:cond delay="indefinite"/>
+                      </p:stCondLst>
+                      <p:childTnLst>
+                        <p:par>
+                          <p:cTn id="21" fill="hold">
+                            <p:stCondLst>
+                              <p:cond delay="0"/>
+                            </p:stCondLst>
+                            <p:childTnLst>
+                              <p:par>
+                                <p:cTn id="22" presetID="14" presetClass="entr" presetSubtype="10" fill="hold" grpId="0" nodeType="clickEffect">
+                                  <p:stCondLst>
+                                    <p:cond delay="0"/>
+                                  </p:stCondLst>
+                                  <p:childTnLst>
+                                    <p:set>
+                                      <p:cBhvr>
+                                        <p:cTn id="23" dur="1" fill="hold">
+                                          <p:stCondLst>
+                                            <p:cond delay="0"/>
+                                          </p:stCondLst>
+                                        </p:cTn>
+                                        <p:tgtEl>
+                                          <p:spTgt spid="3">
+                                            <p:txEl>
+                                              <p:pRg st="1" end="1"/>
+                                            </p:txEl>
+                                          </p:spTgt>
+                                        </p:tgtEl>
+                                        <p:attrNameLst>
+                                          <p:attrName>style.visibility</p:attrName>
+                                        </p:attrNameLst>
+                                      </p:cBhvr>
+                                      <p:to>
+                                        <p:strVal val="visible"/>
+                                      </p:to>
+                                    </p:set>
+                                    <p:animEffect transition="in" filter="randombar(horizontal)">
+                                      <p:cBhvr>
+                                        <p:cTn id="24" dur="500"/>
+                                        <p:tgtEl>
+                                          <p:spTgt spid="3">
+                                            <p:txEl>
+                                              <p:pRg st="1" end="1"/>
+                                            </p:txEl>
+                                          </p:spTgt>
+                                        </p:tgtEl>
+                                      </p:cBhvr>
+                                    </p:animEffect>
+                                  </p:childTnLst>
+                                </p:cTn>
+                              </p:par>
+                            </p:childTnLst>
+                          </p:cTn>
+                        </p:par>
+                      </p:childTnLst>
+                    </p:cTn>
+                  </p:par>
+                  <p:par>
+                    <p:cTn id="25" fill="hold">
+                      <p:stCondLst>
+                        <p:cond delay="indefinite"/>
+                      </p:stCondLst>
+                      <p:childTnLst>
+                        <p:par>
+                          <p:cTn id="26" fill="hold">
+                            <p:stCondLst>
+                              <p:cond delay="0"/>
+                            </p:stCondLst>
+                            <p:childTnLst>
+                              <p:par>
+                                <p:cTn id="27" presetID="14" presetClass="entr" presetSubtype="10" fill="hold" grpId="0" nodeType="clickEffect">
+                                  <p:stCondLst>
+                                    <p:cond delay="0"/>
+                                  </p:stCondLst>
+                                  <p:childTnLst>
+                                    <p:set>
+                                      <p:cBhvr>
+                                        <p:cTn id="28" dur="1" fill="hold">
+                                          <p:stCondLst>
+                                            <p:cond delay="0"/>
+                                          </p:stCondLst>
+                                        </p:cTn>
+                                        <p:tgtEl>
+                                          <p:spTgt spid="3">
+                                            <p:txEl>
+                                              <p:pRg st="2" end="2"/>
+                                            </p:txEl>
+                                          </p:spTgt>
+                                        </p:tgtEl>
+                                        <p:attrNameLst>
+                                          <p:attrName>style.visibility</p:attrName>
+                                        </p:attrNameLst>
+                                      </p:cBhvr>
+                                      <p:to>
+                                        <p:strVal val="visible"/>
+                                      </p:to>
+                                    </p:set>
+                                    <p:animEffect transition="in" filter="randombar(horizontal)">
+                                      <p:cBhvr>
+                                        <p:cTn id="29" dur="500"/>
+                                        <p:tgtEl>
+                                          <p:spTgt spid="3">
+                                            <p:txEl>
+                                              <p:pRg st="2" end="2"/>
+                                            </p:txEl>
+                                          </p:spTgt>
+                                        </p:tgtEl>
+                                      </p:cBhvr>
+                                    </p:animEffect>
+                                  </p:childTnLst>
+                                </p:cTn>
+                              </p:par>
+                            </p:childTnLst>
+                          </p:cTn>
+                        </p:par>
+                      </p:childTnLst>
+                    </p:cTn>
+                  </p:par>
+                </p:childTnLst>
+              </p:cTn>
+              <p:prevCondLst>
+                <p:cond evt="onPrev" delay="0">
+                  <p:tgtEl>
+                    <p:sldTgt/>
+                  </p:tgtEl>
+                </p:cond>
+              </p:prevCondLst>
+              <p:nextCondLst>
+                <p:cond evt="onNext" delay="0">
+                  <p:tgtEl>
+                    <p:sldTgt/>
+                  </p:tgtEl>
+                </p:cond>
+              </p:nextCondLst>
+            </p:seq>
+          </p:childTnLst>
+        </p:cTn>
+      </p:par>
+    </p:tnLst>
+    <p:bldLst>
+      <p:bldP spid="2" grpId="0"/>
+      <p:bldP spid="3" grpId="0" build="p"/>
+    </p:bldLst>
+  </p:timing>
 </p:sld>
 </file>
 
@@ -7171,6 +7748,44 @@
           </a:p>
         </p:txBody>
       </p:sp>
+      <p:sp>
+        <p:nvSpPr>
+          <p:cNvPr id="4" name="Slide Number Placeholder 3">
+            <a:extLst>
+              <a:ext uri="{FF2B5EF4-FFF2-40B4-BE49-F238E27FC236}">
+                <a16:creationId xmlns:a16="http://schemas.microsoft.com/office/drawing/2014/main" id="{A2FB5341-287A-2A2F-8EC8-0817B746DD0E}"/>
+              </a:ext>
+            </a:extLst>
+          </p:cNvPr>
+          <p:cNvSpPr>
+            <a:spLocks noGrp="1"/>
+          </p:cNvSpPr>
+          <p:nvPr>
+            <p:ph type="sldNum" sz="quarter" idx="12"/>
+          </p:nvPr>
+        </p:nvSpPr>
+        <p:spPr/>
+        <p:txBody>
+          <a:bodyPr/>
+          <a:lstStyle/>
+          <a:p>
+            <a:pPr marL="0" lvl="0" indent="0" algn="r" rtl="0">
+              <a:spcBef>
+                <a:spcPts val="0"/>
+              </a:spcBef>
+              <a:spcAft>
+                <a:spcPts val="0"/>
+              </a:spcAft>
+              <a:buNone/>
+            </a:pPr>
+            <a:fld id="{00000000-1234-1234-1234-123412341234}" type="slidenum">
+              <a:rPr lang="en-GB" smtClean="0"/>
+              <a:t>10</a:t>
+            </a:fld>
+            <a:endParaRPr lang="en-GB" dirty="0"/>
+          </a:p>
+        </p:txBody>
+      </p:sp>
     </p:spTree>
     <p:extLst>
       <p:ext uri="{BB962C8B-B14F-4D97-AF65-F5344CB8AC3E}">
@@ -7181,6 +7796,383 @@
   <p:clrMapOvr>
     <a:masterClrMapping/>
   </p:clrMapOvr>
+  <p:timing>
+    <p:tnLst>
+      <p:par>
+        <p:cTn id="1" dur="indefinite" restart="never" nodeType="tmRoot">
+          <p:childTnLst>
+            <p:seq concurrent="1" nextAc="seek">
+              <p:cTn id="2" dur="indefinite" nodeType="mainSeq">
+                <p:childTnLst>
+                  <p:par>
+                    <p:cTn id="3" fill="hold">
+                      <p:stCondLst>
+                        <p:cond delay="indefinite"/>
+                      </p:stCondLst>
+                      <p:childTnLst>
+                        <p:par>
+                          <p:cTn id="4" fill="hold">
+                            <p:stCondLst>
+                              <p:cond delay="0"/>
+                            </p:stCondLst>
+                            <p:childTnLst>
+                              <p:par>
+                                <p:cTn id="5" presetID="42" presetClass="entr" presetSubtype="0" fill="hold" grpId="0" nodeType="clickEffect">
+                                  <p:stCondLst>
+                                    <p:cond delay="0"/>
+                                  </p:stCondLst>
+                                  <p:childTnLst>
+                                    <p:set>
+                                      <p:cBhvr>
+                                        <p:cTn id="6" dur="1" fill="hold">
+                                          <p:stCondLst>
+                                            <p:cond delay="0"/>
+                                          </p:stCondLst>
+                                        </p:cTn>
+                                        <p:tgtEl>
+                                          <p:spTgt spid="2"/>
+                                        </p:tgtEl>
+                                        <p:attrNameLst>
+                                          <p:attrName>style.visibility</p:attrName>
+                                        </p:attrNameLst>
+                                      </p:cBhvr>
+                                      <p:to>
+                                        <p:strVal val="visible"/>
+                                      </p:to>
+                                    </p:set>
+                                    <p:animEffect transition="in" filter="fade">
+                                      <p:cBhvr>
+                                        <p:cTn id="7" dur="1000"/>
+                                        <p:tgtEl>
+                                          <p:spTgt spid="2"/>
+                                        </p:tgtEl>
+                                      </p:cBhvr>
+                                    </p:animEffect>
+                                    <p:anim calcmode="lin" valueType="num">
+                                      <p:cBhvr>
+                                        <p:cTn id="8" dur="1000" fill="hold"/>
+                                        <p:tgtEl>
+                                          <p:spTgt spid="2"/>
+                                        </p:tgtEl>
+                                        <p:attrNameLst>
+                                          <p:attrName>ppt_x</p:attrName>
+                                        </p:attrNameLst>
+                                      </p:cBhvr>
+                                      <p:tavLst>
+                                        <p:tav tm="0">
+                                          <p:val>
+                                            <p:strVal val="#ppt_x"/>
+                                          </p:val>
+                                        </p:tav>
+                                        <p:tav tm="100000">
+                                          <p:val>
+                                            <p:strVal val="#ppt_x"/>
+                                          </p:val>
+                                        </p:tav>
+                                      </p:tavLst>
+                                    </p:anim>
+                                    <p:anim calcmode="lin" valueType="num">
+                                      <p:cBhvr>
+                                        <p:cTn id="9" dur="1000" fill="hold"/>
+                                        <p:tgtEl>
+                                          <p:spTgt spid="2"/>
+                                        </p:tgtEl>
+                                        <p:attrNameLst>
+                                          <p:attrName>ppt_y</p:attrName>
+                                        </p:attrNameLst>
+                                      </p:cBhvr>
+                                      <p:tavLst>
+                                        <p:tav tm="0">
+                                          <p:val>
+                                            <p:strVal val="#ppt_y+.1"/>
+                                          </p:val>
+                                        </p:tav>
+                                        <p:tav tm="100000">
+                                          <p:val>
+                                            <p:strVal val="#ppt_y"/>
+                                          </p:val>
+                                        </p:tav>
+                                      </p:tavLst>
+                                    </p:anim>
+                                  </p:childTnLst>
+                                </p:cTn>
+                              </p:par>
+                            </p:childTnLst>
+                          </p:cTn>
+                        </p:par>
+                      </p:childTnLst>
+                    </p:cTn>
+                  </p:par>
+                  <p:par>
+                    <p:cTn id="10" fill="hold">
+                      <p:stCondLst>
+                        <p:cond delay="indefinite"/>
+                      </p:stCondLst>
+                      <p:childTnLst>
+                        <p:par>
+                          <p:cTn id="11" fill="hold">
+                            <p:stCondLst>
+                              <p:cond delay="0"/>
+                            </p:stCondLst>
+                            <p:childTnLst>
+                              <p:par>
+                                <p:cTn id="12" presetID="14" presetClass="entr" presetSubtype="10" fill="hold" grpId="0" nodeType="clickEffect">
+                                  <p:stCondLst>
+                                    <p:cond delay="0"/>
+                                  </p:stCondLst>
+                                  <p:childTnLst>
+                                    <p:set>
+                                      <p:cBhvr>
+                                        <p:cTn id="13" dur="1" fill="hold">
+                                          <p:stCondLst>
+                                            <p:cond delay="0"/>
+                                          </p:stCondLst>
+                                        </p:cTn>
+                                        <p:tgtEl>
+                                          <p:spTgt spid="3">
+                                            <p:txEl>
+                                              <p:pRg st="0" end="0"/>
+                                            </p:txEl>
+                                          </p:spTgt>
+                                        </p:tgtEl>
+                                        <p:attrNameLst>
+                                          <p:attrName>style.visibility</p:attrName>
+                                        </p:attrNameLst>
+                                      </p:cBhvr>
+                                      <p:to>
+                                        <p:strVal val="visible"/>
+                                      </p:to>
+                                    </p:set>
+                                    <p:animEffect transition="in" filter="randombar(horizontal)">
+                                      <p:cBhvr>
+                                        <p:cTn id="14" dur="500"/>
+                                        <p:tgtEl>
+                                          <p:spTgt spid="3">
+                                            <p:txEl>
+                                              <p:pRg st="0" end="0"/>
+                                            </p:txEl>
+                                          </p:spTgt>
+                                        </p:tgtEl>
+                                      </p:cBhvr>
+                                    </p:animEffect>
+                                  </p:childTnLst>
+                                </p:cTn>
+                              </p:par>
+                            </p:childTnLst>
+                          </p:cTn>
+                        </p:par>
+                      </p:childTnLst>
+                    </p:cTn>
+                  </p:par>
+                  <p:par>
+                    <p:cTn id="15" fill="hold">
+                      <p:stCondLst>
+                        <p:cond delay="indefinite"/>
+                      </p:stCondLst>
+                      <p:childTnLst>
+                        <p:par>
+                          <p:cTn id="16" fill="hold">
+                            <p:stCondLst>
+                              <p:cond delay="0"/>
+                            </p:stCondLst>
+                            <p:childTnLst>
+                              <p:par>
+                                <p:cTn id="17" presetID="14" presetClass="entr" presetSubtype="10" fill="hold" grpId="0" nodeType="clickEffect">
+                                  <p:stCondLst>
+                                    <p:cond delay="0"/>
+                                  </p:stCondLst>
+                                  <p:childTnLst>
+                                    <p:set>
+                                      <p:cBhvr>
+                                        <p:cTn id="18" dur="1" fill="hold">
+                                          <p:stCondLst>
+                                            <p:cond delay="0"/>
+                                          </p:stCondLst>
+                                        </p:cTn>
+                                        <p:tgtEl>
+                                          <p:spTgt spid="3">
+                                            <p:txEl>
+                                              <p:pRg st="1" end="1"/>
+                                            </p:txEl>
+                                          </p:spTgt>
+                                        </p:tgtEl>
+                                        <p:attrNameLst>
+                                          <p:attrName>style.visibility</p:attrName>
+                                        </p:attrNameLst>
+                                      </p:cBhvr>
+                                      <p:to>
+                                        <p:strVal val="visible"/>
+                                      </p:to>
+                                    </p:set>
+                                    <p:animEffect transition="in" filter="randombar(horizontal)">
+                                      <p:cBhvr>
+                                        <p:cTn id="19" dur="500"/>
+                                        <p:tgtEl>
+                                          <p:spTgt spid="3">
+                                            <p:txEl>
+                                              <p:pRg st="1" end="1"/>
+                                            </p:txEl>
+                                          </p:spTgt>
+                                        </p:tgtEl>
+                                      </p:cBhvr>
+                                    </p:animEffect>
+                                  </p:childTnLst>
+                                </p:cTn>
+                              </p:par>
+                            </p:childTnLst>
+                          </p:cTn>
+                        </p:par>
+                      </p:childTnLst>
+                    </p:cTn>
+                  </p:par>
+                  <p:par>
+                    <p:cTn id="20" fill="hold">
+                      <p:stCondLst>
+                        <p:cond delay="indefinite"/>
+                      </p:stCondLst>
+                      <p:childTnLst>
+                        <p:par>
+                          <p:cTn id="21" fill="hold">
+                            <p:stCondLst>
+                              <p:cond delay="0"/>
+                            </p:stCondLst>
+                            <p:childTnLst>
+                              <p:par>
+                                <p:cTn id="22" presetID="14" presetClass="entr" presetSubtype="10" fill="hold" grpId="0" nodeType="clickEffect">
+                                  <p:stCondLst>
+                                    <p:cond delay="0"/>
+                                  </p:stCondLst>
+                                  <p:childTnLst>
+                                    <p:set>
+                                      <p:cBhvr>
+                                        <p:cTn id="23" dur="1" fill="hold">
+                                          <p:stCondLst>
+                                            <p:cond delay="0"/>
+                                          </p:stCondLst>
+                                        </p:cTn>
+                                        <p:tgtEl>
+                                          <p:spTgt spid="3">
+                                            <p:txEl>
+                                              <p:pRg st="2" end="2"/>
+                                            </p:txEl>
+                                          </p:spTgt>
+                                        </p:tgtEl>
+                                        <p:attrNameLst>
+                                          <p:attrName>style.visibility</p:attrName>
+                                        </p:attrNameLst>
+                                      </p:cBhvr>
+                                      <p:to>
+                                        <p:strVal val="visible"/>
+                                      </p:to>
+                                    </p:set>
+                                    <p:animEffect transition="in" filter="randombar(horizontal)">
+                                      <p:cBhvr>
+                                        <p:cTn id="24" dur="500"/>
+                                        <p:tgtEl>
+                                          <p:spTgt spid="3">
+                                            <p:txEl>
+                                              <p:pRg st="2" end="2"/>
+                                            </p:txEl>
+                                          </p:spTgt>
+                                        </p:tgtEl>
+                                      </p:cBhvr>
+                                    </p:animEffect>
+                                  </p:childTnLst>
+                                </p:cTn>
+                              </p:par>
+                            </p:childTnLst>
+                          </p:cTn>
+                        </p:par>
+                      </p:childTnLst>
+                    </p:cTn>
+                  </p:par>
+                  <p:par>
+                    <p:cTn id="25" fill="hold">
+                      <p:stCondLst>
+                        <p:cond delay="indefinite"/>
+                      </p:stCondLst>
+                      <p:childTnLst>
+                        <p:par>
+                          <p:cTn id="26" fill="hold">
+                            <p:stCondLst>
+                              <p:cond delay="0"/>
+                            </p:stCondLst>
+                            <p:childTnLst>
+                              <p:par>
+                                <p:cTn id="27" presetID="14" presetClass="entr" presetSubtype="10" fill="hold" grpId="0" nodeType="clickEffect">
+                                  <p:stCondLst>
+                                    <p:cond delay="0"/>
+                                  </p:stCondLst>
+                                  <p:childTnLst>
+                                    <p:set>
+                                      <p:cBhvr>
+                                        <p:cTn id="28" dur="1" fill="hold">
+                                          <p:stCondLst>
+                                            <p:cond delay="0"/>
+                                          </p:stCondLst>
+                                        </p:cTn>
+                                        <p:tgtEl>
+                                          <p:spTgt spid="3">
+                                            <p:txEl>
+                                              <p:pRg st="3" end="3"/>
+                                            </p:txEl>
+                                          </p:spTgt>
+                                        </p:tgtEl>
+                                        <p:attrNameLst>
+                                          <p:attrName>style.visibility</p:attrName>
+                                        </p:attrNameLst>
+                                      </p:cBhvr>
+                                      <p:to>
+                                        <p:strVal val="visible"/>
+                                      </p:to>
+                                    </p:set>
+                                    <p:animEffect transition="in" filter="randombar(horizontal)">
+                                      <p:cBhvr>
+                                        <p:cTn id="29" dur="500"/>
+                                        <p:tgtEl>
+                                          <p:spTgt spid="3">
+                                            <p:txEl>
+                                              <p:pRg st="3" end="3"/>
+                                            </p:txEl>
+                                          </p:spTgt>
+                                        </p:tgtEl>
+                                      </p:cBhvr>
+                                    </p:animEffect>
+                                  </p:childTnLst>
+                                </p:cTn>
+                              </p:par>
+                            </p:childTnLst>
+                          </p:cTn>
+                        </p:par>
+                      </p:childTnLst>
+                    </p:cTn>
+                  </p:par>
+                </p:childTnLst>
+              </p:cTn>
+              <p:prevCondLst>
+                <p:cond evt="onPrev" delay="0">
+                  <p:tgtEl>
+                    <p:sldTgt/>
+                  </p:tgtEl>
+                </p:cond>
+              </p:prevCondLst>
+              <p:nextCondLst>
+                <p:cond evt="onNext" delay="0">
+                  <p:tgtEl>
+                    <p:sldTgt/>
+                  </p:tgtEl>
+                </p:cond>
+              </p:nextCondLst>
+            </p:seq>
+          </p:childTnLst>
+        </p:cTn>
+      </p:par>
+    </p:tnLst>
+    <p:bldLst>
+      <p:bldP spid="2" grpId="0"/>
+      <p:bldP spid="3" grpId="0" build="p"/>
+    </p:bldLst>
+  </p:timing>
 </p:sld>
 </file>
 
@@ -7298,6 +8290,44 @@
           </a:p>
         </p:txBody>
       </p:sp>
+      <p:sp>
+        <p:nvSpPr>
+          <p:cNvPr id="4" name="Slide Number Placeholder 3">
+            <a:extLst>
+              <a:ext uri="{FF2B5EF4-FFF2-40B4-BE49-F238E27FC236}">
+                <a16:creationId xmlns:a16="http://schemas.microsoft.com/office/drawing/2014/main" id="{96BF2A79-0450-86D5-6498-E88A30302884}"/>
+              </a:ext>
+            </a:extLst>
+          </p:cNvPr>
+          <p:cNvSpPr>
+            <a:spLocks noGrp="1"/>
+          </p:cNvSpPr>
+          <p:nvPr>
+            <p:ph type="sldNum" sz="quarter" idx="12"/>
+          </p:nvPr>
+        </p:nvSpPr>
+        <p:spPr/>
+        <p:txBody>
+          <a:bodyPr/>
+          <a:lstStyle/>
+          <a:p>
+            <a:pPr marL="0" lvl="0" indent="0" algn="r" rtl="0">
+              <a:spcBef>
+                <a:spcPts val="0"/>
+              </a:spcBef>
+              <a:spcAft>
+                <a:spcPts val="0"/>
+              </a:spcAft>
+              <a:buNone/>
+            </a:pPr>
+            <a:fld id="{00000000-1234-1234-1234-123412341234}" type="slidenum">
+              <a:rPr lang="en-GB" smtClean="0"/>
+              <a:t>11</a:t>
+            </a:fld>
+            <a:endParaRPr lang="en-GB" dirty="0"/>
+          </a:p>
+        </p:txBody>
+      </p:sp>
     </p:spTree>
     <p:extLst>
       <p:ext uri="{BB962C8B-B14F-4D97-AF65-F5344CB8AC3E}">
@@ -7308,6 +8338,444 @@
   <p:clrMapOvr>
     <a:masterClrMapping/>
   </p:clrMapOvr>
+  <p:timing>
+    <p:tnLst>
+      <p:par>
+        <p:cTn id="1" dur="indefinite" restart="never" nodeType="tmRoot">
+          <p:childTnLst>
+            <p:seq concurrent="1" nextAc="seek">
+              <p:cTn id="2" dur="indefinite" nodeType="mainSeq">
+                <p:childTnLst>
+                  <p:par>
+                    <p:cTn id="3" fill="hold">
+                      <p:stCondLst>
+                        <p:cond delay="indefinite"/>
+                      </p:stCondLst>
+                      <p:childTnLst>
+                        <p:par>
+                          <p:cTn id="4" fill="hold">
+                            <p:stCondLst>
+                              <p:cond delay="0"/>
+                            </p:stCondLst>
+                            <p:childTnLst>
+                              <p:par>
+                                <p:cTn id="5" presetID="42" presetClass="entr" presetSubtype="0" fill="hold" grpId="0" nodeType="clickEffect">
+                                  <p:stCondLst>
+                                    <p:cond delay="0"/>
+                                  </p:stCondLst>
+                                  <p:childTnLst>
+                                    <p:set>
+                                      <p:cBhvr>
+                                        <p:cTn id="6" dur="1" fill="hold">
+                                          <p:stCondLst>
+                                            <p:cond delay="0"/>
+                                          </p:stCondLst>
+                                        </p:cTn>
+                                        <p:tgtEl>
+                                          <p:spTgt spid="2"/>
+                                        </p:tgtEl>
+                                        <p:attrNameLst>
+                                          <p:attrName>style.visibility</p:attrName>
+                                        </p:attrNameLst>
+                                      </p:cBhvr>
+                                      <p:to>
+                                        <p:strVal val="visible"/>
+                                      </p:to>
+                                    </p:set>
+                                    <p:animEffect transition="in" filter="fade">
+                                      <p:cBhvr>
+                                        <p:cTn id="7" dur="1000"/>
+                                        <p:tgtEl>
+                                          <p:spTgt spid="2"/>
+                                        </p:tgtEl>
+                                      </p:cBhvr>
+                                    </p:animEffect>
+                                    <p:anim calcmode="lin" valueType="num">
+                                      <p:cBhvr>
+                                        <p:cTn id="8" dur="1000" fill="hold"/>
+                                        <p:tgtEl>
+                                          <p:spTgt spid="2"/>
+                                        </p:tgtEl>
+                                        <p:attrNameLst>
+                                          <p:attrName>ppt_x</p:attrName>
+                                        </p:attrNameLst>
+                                      </p:cBhvr>
+                                      <p:tavLst>
+                                        <p:tav tm="0">
+                                          <p:val>
+                                            <p:strVal val="#ppt_x"/>
+                                          </p:val>
+                                        </p:tav>
+                                        <p:tav tm="100000">
+                                          <p:val>
+                                            <p:strVal val="#ppt_x"/>
+                                          </p:val>
+                                        </p:tav>
+                                      </p:tavLst>
+                                    </p:anim>
+                                    <p:anim calcmode="lin" valueType="num">
+                                      <p:cBhvr>
+                                        <p:cTn id="9" dur="1000" fill="hold"/>
+                                        <p:tgtEl>
+                                          <p:spTgt spid="2"/>
+                                        </p:tgtEl>
+                                        <p:attrNameLst>
+                                          <p:attrName>ppt_y</p:attrName>
+                                        </p:attrNameLst>
+                                      </p:cBhvr>
+                                      <p:tavLst>
+                                        <p:tav tm="0">
+                                          <p:val>
+                                            <p:strVal val="#ppt_y+.1"/>
+                                          </p:val>
+                                        </p:tav>
+                                        <p:tav tm="100000">
+                                          <p:val>
+                                            <p:strVal val="#ppt_y"/>
+                                          </p:val>
+                                        </p:tav>
+                                      </p:tavLst>
+                                    </p:anim>
+                                  </p:childTnLst>
+                                </p:cTn>
+                              </p:par>
+                            </p:childTnLst>
+                          </p:cTn>
+                        </p:par>
+                      </p:childTnLst>
+                    </p:cTn>
+                  </p:par>
+                  <p:par>
+                    <p:cTn id="10" fill="hold">
+                      <p:stCondLst>
+                        <p:cond delay="indefinite"/>
+                      </p:stCondLst>
+                      <p:childTnLst>
+                        <p:par>
+                          <p:cTn id="11" fill="hold">
+                            <p:stCondLst>
+                              <p:cond delay="0"/>
+                            </p:stCondLst>
+                            <p:childTnLst>
+                              <p:par>
+                                <p:cTn id="12" presetID="14" presetClass="entr" presetSubtype="10" fill="hold" grpId="0" nodeType="clickEffect">
+                                  <p:stCondLst>
+                                    <p:cond delay="0"/>
+                                  </p:stCondLst>
+                                  <p:childTnLst>
+                                    <p:set>
+                                      <p:cBhvr>
+                                        <p:cTn id="13" dur="1" fill="hold">
+                                          <p:stCondLst>
+                                            <p:cond delay="0"/>
+                                          </p:stCondLst>
+                                        </p:cTn>
+                                        <p:tgtEl>
+                                          <p:spTgt spid="3">
+                                            <p:txEl>
+                                              <p:pRg st="0" end="0"/>
+                                            </p:txEl>
+                                          </p:spTgt>
+                                        </p:tgtEl>
+                                        <p:attrNameLst>
+                                          <p:attrName>style.visibility</p:attrName>
+                                        </p:attrNameLst>
+                                      </p:cBhvr>
+                                      <p:to>
+                                        <p:strVal val="visible"/>
+                                      </p:to>
+                                    </p:set>
+                                    <p:animEffect transition="in" filter="randombar(horizontal)">
+                                      <p:cBhvr>
+                                        <p:cTn id="14" dur="500"/>
+                                        <p:tgtEl>
+                                          <p:spTgt spid="3">
+                                            <p:txEl>
+                                              <p:pRg st="0" end="0"/>
+                                            </p:txEl>
+                                          </p:spTgt>
+                                        </p:tgtEl>
+                                      </p:cBhvr>
+                                    </p:animEffect>
+                                  </p:childTnLst>
+                                </p:cTn>
+                              </p:par>
+                            </p:childTnLst>
+                          </p:cTn>
+                        </p:par>
+                      </p:childTnLst>
+                    </p:cTn>
+                  </p:par>
+                  <p:par>
+                    <p:cTn id="15" fill="hold">
+                      <p:stCondLst>
+                        <p:cond delay="indefinite"/>
+                      </p:stCondLst>
+                      <p:childTnLst>
+                        <p:par>
+                          <p:cTn id="16" fill="hold">
+                            <p:stCondLst>
+                              <p:cond delay="0"/>
+                            </p:stCondLst>
+                            <p:childTnLst>
+                              <p:par>
+                                <p:cTn id="17" presetID="14" presetClass="entr" presetSubtype="10" fill="hold" grpId="0" nodeType="clickEffect">
+                                  <p:stCondLst>
+                                    <p:cond delay="0"/>
+                                  </p:stCondLst>
+                                  <p:childTnLst>
+                                    <p:set>
+                                      <p:cBhvr>
+                                        <p:cTn id="18" dur="1" fill="hold">
+                                          <p:stCondLst>
+                                            <p:cond delay="0"/>
+                                          </p:stCondLst>
+                                        </p:cTn>
+                                        <p:tgtEl>
+                                          <p:spTgt spid="3">
+                                            <p:txEl>
+                                              <p:pRg st="1" end="1"/>
+                                            </p:txEl>
+                                          </p:spTgt>
+                                        </p:tgtEl>
+                                        <p:attrNameLst>
+                                          <p:attrName>style.visibility</p:attrName>
+                                        </p:attrNameLst>
+                                      </p:cBhvr>
+                                      <p:to>
+                                        <p:strVal val="visible"/>
+                                      </p:to>
+                                    </p:set>
+                                    <p:animEffect transition="in" filter="randombar(horizontal)">
+                                      <p:cBhvr>
+                                        <p:cTn id="19" dur="500"/>
+                                        <p:tgtEl>
+                                          <p:spTgt spid="3">
+                                            <p:txEl>
+                                              <p:pRg st="1" end="1"/>
+                                            </p:txEl>
+                                          </p:spTgt>
+                                        </p:tgtEl>
+                                      </p:cBhvr>
+                                    </p:animEffect>
+                                  </p:childTnLst>
+                                </p:cTn>
+                              </p:par>
+                            </p:childTnLst>
+                          </p:cTn>
+                        </p:par>
+                      </p:childTnLst>
+                    </p:cTn>
+                  </p:par>
+                  <p:par>
+                    <p:cTn id="20" fill="hold">
+                      <p:stCondLst>
+                        <p:cond delay="indefinite"/>
+                      </p:stCondLst>
+                      <p:childTnLst>
+                        <p:par>
+                          <p:cTn id="21" fill="hold">
+                            <p:stCondLst>
+                              <p:cond delay="0"/>
+                            </p:stCondLst>
+                            <p:childTnLst>
+                              <p:par>
+                                <p:cTn id="22" presetID="14" presetClass="entr" presetSubtype="10" fill="hold" grpId="0" nodeType="clickEffect">
+                                  <p:stCondLst>
+                                    <p:cond delay="0"/>
+                                  </p:stCondLst>
+                                  <p:childTnLst>
+                                    <p:set>
+                                      <p:cBhvr>
+                                        <p:cTn id="23" dur="1" fill="hold">
+                                          <p:stCondLst>
+                                            <p:cond delay="0"/>
+                                          </p:stCondLst>
+                                        </p:cTn>
+                                        <p:tgtEl>
+                                          <p:spTgt spid="3">
+                                            <p:txEl>
+                                              <p:pRg st="2" end="2"/>
+                                            </p:txEl>
+                                          </p:spTgt>
+                                        </p:tgtEl>
+                                        <p:attrNameLst>
+                                          <p:attrName>style.visibility</p:attrName>
+                                        </p:attrNameLst>
+                                      </p:cBhvr>
+                                      <p:to>
+                                        <p:strVal val="visible"/>
+                                      </p:to>
+                                    </p:set>
+                                    <p:animEffect transition="in" filter="randombar(horizontal)">
+                                      <p:cBhvr>
+                                        <p:cTn id="24" dur="500"/>
+                                        <p:tgtEl>
+                                          <p:spTgt spid="3">
+                                            <p:txEl>
+                                              <p:pRg st="2" end="2"/>
+                                            </p:txEl>
+                                          </p:spTgt>
+                                        </p:tgtEl>
+                                      </p:cBhvr>
+                                    </p:animEffect>
+                                  </p:childTnLst>
+                                </p:cTn>
+                              </p:par>
+                            </p:childTnLst>
+                          </p:cTn>
+                        </p:par>
+                      </p:childTnLst>
+                    </p:cTn>
+                  </p:par>
+                  <p:par>
+                    <p:cTn id="25" fill="hold">
+                      <p:stCondLst>
+                        <p:cond delay="indefinite"/>
+                      </p:stCondLst>
+                      <p:childTnLst>
+                        <p:par>
+                          <p:cTn id="26" fill="hold">
+                            <p:stCondLst>
+                              <p:cond delay="0"/>
+                            </p:stCondLst>
+                            <p:childTnLst>
+                              <p:par>
+                                <p:cTn id="27" presetID="14" presetClass="entr" presetSubtype="10" fill="hold" grpId="0" nodeType="clickEffect">
+                                  <p:stCondLst>
+                                    <p:cond delay="0"/>
+                                  </p:stCondLst>
+                                  <p:childTnLst>
+                                    <p:set>
+                                      <p:cBhvr>
+                                        <p:cTn id="28" dur="1" fill="hold">
+                                          <p:stCondLst>
+                                            <p:cond delay="0"/>
+                                          </p:stCondLst>
+                                        </p:cTn>
+                                        <p:tgtEl>
+                                          <p:spTgt spid="3">
+                                            <p:txEl>
+                                              <p:pRg st="3" end="3"/>
+                                            </p:txEl>
+                                          </p:spTgt>
+                                        </p:tgtEl>
+                                        <p:attrNameLst>
+                                          <p:attrName>style.visibility</p:attrName>
+                                        </p:attrNameLst>
+                                      </p:cBhvr>
+                                      <p:to>
+                                        <p:strVal val="visible"/>
+                                      </p:to>
+                                    </p:set>
+                                    <p:animEffect transition="in" filter="randombar(horizontal)">
+                                      <p:cBhvr>
+                                        <p:cTn id="29" dur="500"/>
+                                        <p:tgtEl>
+                                          <p:spTgt spid="3">
+                                            <p:txEl>
+                                              <p:pRg st="3" end="3"/>
+                                            </p:txEl>
+                                          </p:spTgt>
+                                        </p:tgtEl>
+                                      </p:cBhvr>
+                                    </p:animEffect>
+                                  </p:childTnLst>
+                                </p:cTn>
+                              </p:par>
+                            </p:childTnLst>
+                          </p:cTn>
+                        </p:par>
+                      </p:childTnLst>
+                    </p:cTn>
+                  </p:par>
+                  <p:par>
+                    <p:cTn id="30" fill="hold">
+                      <p:stCondLst>
+                        <p:cond delay="indefinite"/>
+                      </p:stCondLst>
+                      <p:childTnLst>
+                        <p:par>
+                          <p:cTn id="31" fill="hold">
+                            <p:stCondLst>
+                              <p:cond delay="0"/>
+                            </p:stCondLst>
+                            <p:childTnLst>
+                              <p:par>
+                                <p:cTn id="32" presetID="14" presetClass="entr" presetSubtype="10" fill="hold" grpId="0" nodeType="clickEffect">
+                                  <p:stCondLst>
+                                    <p:cond delay="0"/>
+                                  </p:stCondLst>
+                                  <p:childTnLst>
+                                    <p:set>
+                                      <p:cBhvr>
+                                        <p:cTn id="33" dur="1" fill="hold">
+                                          <p:stCondLst>
+                                            <p:cond delay="0"/>
+                                          </p:stCondLst>
+                                        </p:cTn>
+                                        <p:tgtEl>
+                                          <p:spTgt spid="3">
+                                            <p:txEl>
+                                              <p:pRg st="4" end="4"/>
+                                            </p:txEl>
+                                          </p:spTgt>
+                                        </p:tgtEl>
+                                        <p:attrNameLst>
+                                          <p:attrName>style.visibility</p:attrName>
+                                        </p:attrNameLst>
+                                      </p:cBhvr>
+                                      <p:to>
+                                        <p:strVal val="visible"/>
+                                      </p:to>
+                                    </p:set>
+                                    <p:animEffect transition="in" filter="randombar(horizontal)">
+                                      <p:cBhvr>
+                                        <p:cTn id="34" dur="500"/>
+                                        <p:tgtEl>
+                                          <p:spTgt spid="3">
+                                            <p:txEl>
+                                              <p:pRg st="4" end="4"/>
+                                            </p:txEl>
+                                          </p:spTgt>
+                                        </p:tgtEl>
+                                      </p:cBhvr>
+                                    </p:animEffect>
+                                  </p:childTnLst>
+                                </p:cTn>
+                              </p:par>
+                            </p:childTnLst>
+                          </p:cTn>
+                        </p:par>
+                      </p:childTnLst>
+                    </p:cTn>
+                  </p:par>
+                </p:childTnLst>
+              </p:cTn>
+              <p:prevCondLst>
+                <p:cond evt="onPrev" delay="0">
+                  <p:tgtEl>
+                    <p:sldTgt/>
+                  </p:tgtEl>
+                </p:cond>
+              </p:prevCondLst>
+              <p:nextCondLst>
+                <p:cond evt="onNext" delay="0">
+                  <p:tgtEl>
+                    <p:sldTgt/>
+                  </p:tgtEl>
+                </p:cond>
+              </p:nextCondLst>
+            </p:seq>
+          </p:childTnLst>
+        </p:cTn>
+      </p:par>
+    </p:tnLst>
+    <p:bldLst>
+      <p:bldP spid="2" grpId="0"/>
+      <p:bldP spid="3" grpId="0" build="p"/>
+    </p:bldLst>
+  </p:timing>
 </p:sld>
 </file>
 
@@ -8374,6 +9842,44 @@
           </a:prstGeom>
         </p:spPr>
       </p:pic>
+      <p:sp>
+        <p:nvSpPr>
+          <p:cNvPr id="4" name="Slide Number Placeholder 3">
+            <a:extLst>
+              <a:ext uri="{FF2B5EF4-FFF2-40B4-BE49-F238E27FC236}">
+                <a16:creationId xmlns:a16="http://schemas.microsoft.com/office/drawing/2014/main" id="{A0010AED-5092-484C-9FD5-67B529BCDC36}"/>
+              </a:ext>
+            </a:extLst>
+          </p:cNvPr>
+          <p:cNvSpPr>
+            <a:spLocks noGrp="1"/>
+          </p:cNvSpPr>
+          <p:nvPr>
+            <p:ph type="sldNum" sz="quarter" idx="12"/>
+          </p:nvPr>
+        </p:nvSpPr>
+        <p:spPr/>
+        <p:txBody>
+          <a:bodyPr/>
+          <a:lstStyle/>
+          <a:p>
+            <a:pPr marL="0" lvl="0" indent="0" algn="r" rtl="0">
+              <a:spcBef>
+                <a:spcPts val="0"/>
+              </a:spcBef>
+              <a:spcAft>
+                <a:spcPts val="0"/>
+              </a:spcAft>
+              <a:buNone/>
+            </a:pPr>
+            <a:fld id="{00000000-1234-1234-1234-123412341234}" type="slidenum">
+              <a:rPr lang="en-GB" smtClean="0"/>
+              <a:t>12</a:t>
+            </a:fld>
+            <a:endParaRPr lang="en-GB" dirty="0"/>
+          </a:p>
+        </p:txBody>
+      </p:sp>
     </p:spTree>
   </p:cSld>
   <p:clrMapOvr>
@@ -8400,7 +9906,7 @@
                             </p:stCondLst>
                             <p:childTnLst>
                               <p:par>
-                                <p:cTn id="5" presetID="10" presetClass="entr" presetSubtype="0" fill="hold" nodeType="clickEffect">
+                                <p:cTn id="5" presetID="16" presetClass="entr" presetSubtype="21" fill="hold" grpId="0" nodeType="clickEffect">
                                   <p:stCondLst>
                                     <p:cond delay="0"/>
                                   </p:stCondLst>
@@ -8423,9 +9929,9 @@
                                         <p:strVal val="visible"/>
                                       </p:to>
                                     </p:set>
-                                    <p:animEffect transition="in" filter="fade">
+                                    <p:animEffect transition="in" filter="barn(inVertical)">
                                       <p:cBhvr>
-                                        <p:cTn id="7" dur="1000"/>
+                                        <p:cTn id="7" dur="500"/>
                                         <p:tgtEl>
                                           <p:spTgt spid="330"/>
                                         </p:tgtEl>
@@ -8461,6 +9967,9 @@
         </p:cTn>
       </p:par>
     </p:tnLst>
+    <p:bldLst>
+      <p:bldP spid="330" grpId="0"/>
+    </p:bldLst>
   </p:timing>
 </p:sld>
 </file>
@@ -8646,6 +10155,44 @@
           </a:p>
         </p:txBody>
       </p:sp>
+      <p:sp>
+        <p:nvSpPr>
+          <p:cNvPr id="4" name="Slide Number Placeholder 3">
+            <a:extLst>
+              <a:ext uri="{FF2B5EF4-FFF2-40B4-BE49-F238E27FC236}">
+                <a16:creationId xmlns:a16="http://schemas.microsoft.com/office/drawing/2014/main" id="{D589B979-3A76-36E8-E90C-68D4161CE8F6}"/>
+              </a:ext>
+            </a:extLst>
+          </p:cNvPr>
+          <p:cNvSpPr>
+            <a:spLocks noGrp="1"/>
+          </p:cNvSpPr>
+          <p:nvPr>
+            <p:ph type="sldNum" sz="quarter" idx="12"/>
+          </p:nvPr>
+        </p:nvSpPr>
+        <p:spPr/>
+        <p:txBody>
+          <a:bodyPr/>
+          <a:lstStyle/>
+          <a:p>
+            <a:pPr marL="0" lvl="0" indent="0" algn="r" rtl="0">
+              <a:spcBef>
+                <a:spcPts val="0"/>
+              </a:spcBef>
+              <a:spcAft>
+                <a:spcPts val="0"/>
+              </a:spcAft>
+              <a:buNone/>
+            </a:pPr>
+            <a:fld id="{00000000-1234-1234-1234-123412341234}" type="slidenum">
+              <a:rPr lang="en-GB" smtClean="0"/>
+              <a:t>2</a:t>
+            </a:fld>
+            <a:endParaRPr lang="en-GB" dirty="0"/>
+          </a:p>
+        </p:txBody>
+      </p:sp>
     </p:spTree>
     <p:extLst>
       <p:ext uri="{BB962C8B-B14F-4D97-AF65-F5344CB8AC3E}">
@@ -8656,6 +10203,437 @@
   <p:clrMapOvr>
     <a:masterClrMapping/>
   </p:clrMapOvr>
+  <p:timing>
+    <p:tnLst>
+      <p:par>
+        <p:cTn id="1" dur="indefinite" restart="never" nodeType="tmRoot">
+          <p:childTnLst>
+            <p:seq concurrent="1" nextAc="seek">
+              <p:cTn id="2" dur="indefinite" nodeType="mainSeq">
+                <p:childTnLst>
+                  <p:par>
+                    <p:cTn id="3" fill="hold">
+                      <p:stCondLst>
+                        <p:cond delay="indefinite"/>
+                      </p:stCondLst>
+                      <p:childTnLst>
+                        <p:par>
+                          <p:cTn id="4" fill="hold">
+                            <p:stCondLst>
+                              <p:cond delay="0"/>
+                            </p:stCondLst>
+                            <p:childTnLst>
+                              <p:par>
+                                <p:cTn id="5" presetID="42" presetClass="entr" presetSubtype="0" fill="hold" grpId="0" nodeType="clickEffect">
+                                  <p:stCondLst>
+                                    <p:cond delay="0"/>
+                                  </p:stCondLst>
+                                  <p:childTnLst>
+                                    <p:set>
+                                      <p:cBhvr>
+                                        <p:cTn id="6" dur="1" fill="hold">
+                                          <p:stCondLst>
+                                            <p:cond delay="0"/>
+                                          </p:stCondLst>
+                                        </p:cTn>
+                                        <p:tgtEl>
+                                          <p:spTgt spid="2"/>
+                                        </p:tgtEl>
+                                        <p:attrNameLst>
+                                          <p:attrName>style.visibility</p:attrName>
+                                        </p:attrNameLst>
+                                      </p:cBhvr>
+                                      <p:to>
+                                        <p:strVal val="visible"/>
+                                      </p:to>
+                                    </p:set>
+                                    <p:animEffect transition="in" filter="fade">
+                                      <p:cBhvr>
+                                        <p:cTn id="7" dur="1000"/>
+                                        <p:tgtEl>
+                                          <p:spTgt spid="2"/>
+                                        </p:tgtEl>
+                                      </p:cBhvr>
+                                    </p:animEffect>
+                                    <p:anim calcmode="lin" valueType="num">
+                                      <p:cBhvr>
+                                        <p:cTn id="8" dur="1000" fill="hold"/>
+                                        <p:tgtEl>
+                                          <p:spTgt spid="2"/>
+                                        </p:tgtEl>
+                                        <p:attrNameLst>
+                                          <p:attrName>ppt_x</p:attrName>
+                                        </p:attrNameLst>
+                                      </p:cBhvr>
+                                      <p:tavLst>
+                                        <p:tav tm="0">
+                                          <p:val>
+                                            <p:strVal val="#ppt_x"/>
+                                          </p:val>
+                                        </p:tav>
+                                        <p:tav tm="100000">
+                                          <p:val>
+                                            <p:strVal val="#ppt_x"/>
+                                          </p:val>
+                                        </p:tav>
+                                      </p:tavLst>
+                                    </p:anim>
+                                    <p:anim calcmode="lin" valueType="num">
+                                      <p:cBhvr>
+                                        <p:cTn id="9" dur="1000" fill="hold"/>
+                                        <p:tgtEl>
+                                          <p:spTgt spid="2"/>
+                                        </p:tgtEl>
+                                        <p:attrNameLst>
+                                          <p:attrName>ppt_y</p:attrName>
+                                        </p:attrNameLst>
+                                      </p:cBhvr>
+                                      <p:tavLst>
+                                        <p:tav tm="0">
+                                          <p:val>
+                                            <p:strVal val="#ppt_y+.1"/>
+                                          </p:val>
+                                        </p:tav>
+                                        <p:tav tm="100000">
+                                          <p:val>
+                                            <p:strVal val="#ppt_y"/>
+                                          </p:val>
+                                        </p:tav>
+                                      </p:tavLst>
+                                    </p:anim>
+                                  </p:childTnLst>
+                                </p:cTn>
+                              </p:par>
+                            </p:childTnLst>
+                          </p:cTn>
+                        </p:par>
+                      </p:childTnLst>
+                    </p:cTn>
+                  </p:par>
+                  <p:par>
+                    <p:cTn id="10" fill="hold">
+                      <p:stCondLst>
+                        <p:cond delay="indefinite"/>
+                      </p:stCondLst>
+                      <p:childTnLst>
+                        <p:par>
+                          <p:cTn id="11" fill="hold">
+                            <p:stCondLst>
+                              <p:cond delay="0"/>
+                            </p:stCondLst>
+                            <p:childTnLst>
+                              <p:par>
+                                <p:cTn id="12" presetID="14" presetClass="entr" presetSubtype="10" fill="hold" grpId="0" nodeType="clickEffect">
+                                  <p:stCondLst>
+                                    <p:cond delay="0"/>
+                                  </p:stCondLst>
+                                  <p:childTnLst>
+                                    <p:set>
+                                      <p:cBhvr>
+                                        <p:cTn id="13" dur="1" fill="hold">
+                                          <p:stCondLst>
+                                            <p:cond delay="0"/>
+                                          </p:stCondLst>
+                                        </p:cTn>
+                                        <p:tgtEl>
+                                          <p:spTgt spid="7"/>
+                                        </p:tgtEl>
+                                        <p:attrNameLst>
+                                          <p:attrName>style.visibility</p:attrName>
+                                        </p:attrNameLst>
+                                      </p:cBhvr>
+                                      <p:to>
+                                        <p:strVal val="visible"/>
+                                      </p:to>
+                                    </p:set>
+                                    <p:animEffect transition="in" filter="randombar(horizontal)">
+                                      <p:cBhvr>
+                                        <p:cTn id="14" dur="500"/>
+                                        <p:tgtEl>
+                                          <p:spTgt spid="7"/>
+                                        </p:tgtEl>
+                                      </p:cBhvr>
+                                    </p:animEffect>
+                                  </p:childTnLst>
+                                </p:cTn>
+                              </p:par>
+                            </p:childTnLst>
+                          </p:cTn>
+                        </p:par>
+                      </p:childTnLst>
+                    </p:cTn>
+                  </p:par>
+                  <p:par>
+                    <p:cTn id="15" fill="hold">
+                      <p:stCondLst>
+                        <p:cond delay="indefinite"/>
+                      </p:stCondLst>
+                      <p:childTnLst>
+                        <p:par>
+                          <p:cTn id="16" fill="hold">
+                            <p:stCondLst>
+                              <p:cond delay="0"/>
+                            </p:stCondLst>
+                            <p:childTnLst>
+                              <p:par>
+                                <p:cTn id="17" presetID="14" presetClass="entr" presetSubtype="10" fill="hold" grpId="0" nodeType="clickEffect">
+                                  <p:stCondLst>
+                                    <p:cond delay="0"/>
+                                  </p:stCondLst>
+                                  <p:childTnLst>
+                                    <p:set>
+                                      <p:cBhvr>
+                                        <p:cTn id="18" dur="1" fill="hold">
+                                          <p:stCondLst>
+                                            <p:cond delay="0"/>
+                                          </p:stCondLst>
+                                        </p:cTn>
+                                        <p:tgtEl>
+                                          <p:spTgt spid="3">
+                                            <p:txEl>
+                                              <p:pRg st="0" end="0"/>
+                                            </p:txEl>
+                                          </p:spTgt>
+                                        </p:tgtEl>
+                                        <p:attrNameLst>
+                                          <p:attrName>style.visibility</p:attrName>
+                                        </p:attrNameLst>
+                                      </p:cBhvr>
+                                      <p:to>
+                                        <p:strVal val="visible"/>
+                                      </p:to>
+                                    </p:set>
+                                    <p:animEffect transition="in" filter="randombar(horizontal)">
+                                      <p:cBhvr>
+                                        <p:cTn id="19" dur="500"/>
+                                        <p:tgtEl>
+                                          <p:spTgt spid="3">
+                                            <p:txEl>
+                                              <p:pRg st="0" end="0"/>
+                                            </p:txEl>
+                                          </p:spTgt>
+                                        </p:tgtEl>
+                                      </p:cBhvr>
+                                    </p:animEffect>
+                                  </p:childTnLst>
+                                </p:cTn>
+                              </p:par>
+                            </p:childTnLst>
+                          </p:cTn>
+                        </p:par>
+                      </p:childTnLst>
+                    </p:cTn>
+                  </p:par>
+                  <p:par>
+                    <p:cTn id="20" fill="hold">
+                      <p:stCondLst>
+                        <p:cond delay="indefinite"/>
+                      </p:stCondLst>
+                      <p:childTnLst>
+                        <p:par>
+                          <p:cTn id="21" fill="hold">
+                            <p:stCondLst>
+                              <p:cond delay="0"/>
+                            </p:stCondLst>
+                            <p:childTnLst>
+                              <p:par>
+                                <p:cTn id="22" presetID="14" presetClass="entr" presetSubtype="10" fill="hold" grpId="0" nodeType="clickEffect">
+                                  <p:stCondLst>
+                                    <p:cond delay="0"/>
+                                  </p:stCondLst>
+                                  <p:childTnLst>
+                                    <p:set>
+                                      <p:cBhvr>
+                                        <p:cTn id="23" dur="1" fill="hold">
+                                          <p:stCondLst>
+                                            <p:cond delay="0"/>
+                                          </p:stCondLst>
+                                        </p:cTn>
+                                        <p:tgtEl>
+                                          <p:spTgt spid="3">
+                                            <p:txEl>
+                                              <p:pRg st="2" end="2"/>
+                                            </p:txEl>
+                                          </p:spTgt>
+                                        </p:tgtEl>
+                                        <p:attrNameLst>
+                                          <p:attrName>style.visibility</p:attrName>
+                                        </p:attrNameLst>
+                                      </p:cBhvr>
+                                      <p:to>
+                                        <p:strVal val="visible"/>
+                                      </p:to>
+                                    </p:set>
+                                    <p:animEffect transition="in" filter="randombar(horizontal)">
+                                      <p:cBhvr>
+                                        <p:cTn id="24" dur="500"/>
+                                        <p:tgtEl>
+                                          <p:spTgt spid="3">
+                                            <p:txEl>
+                                              <p:pRg st="2" end="2"/>
+                                            </p:txEl>
+                                          </p:spTgt>
+                                        </p:tgtEl>
+                                      </p:cBhvr>
+                                    </p:animEffect>
+                                  </p:childTnLst>
+                                </p:cTn>
+                              </p:par>
+                            </p:childTnLst>
+                          </p:cTn>
+                        </p:par>
+                      </p:childTnLst>
+                    </p:cTn>
+                  </p:par>
+                  <p:par>
+                    <p:cTn id="25" fill="hold">
+                      <p:stCondLst>
+                        <p:cond delay="indefinite"/>
+                      </p:stCondLst>
+                      <p:childTnLst>
+                        <p:par>
+                          <p:cTn id="26" fill="hold">
+                            <p:stCondLst>
+                              <p:cond delay="0"/>
+                            </p:stCondLst>
+                            <p:childTnLst>
+                              <p:par>
+                                <p:cTn id="27" presetID="14" presetClass="entr" presetSubtype="10" fill="hold" grpId="0" nodeType="clickEffect">
+                                  <p:stCondLst>
+                                    <p:cond delay="0"/>
+                                  </p:stCondLst>
+                                  <p:childTnLst>
+                                    <p:set>
+                                      <p:cBhvr>
+                                        <p:cTn id="28" dur="1" fill="hold">
+                                          <p:stCondLst>
+                                            <p:cond delay="0"/>
+                                          </p:stCondLst>
+                                        </p:cTn>
+                                        <p:tgtEl>
+                                          <p:spTgt spid="3">
+                                            <p:txEl>
+                                              <p:pRg st="4" end="4"/>
+                                            </p:txEl>
+                                          </p:spTgt>
+                                        </p:tgtEl>
+                                        <p:attrNameLst>
+                                          <p:attrName>style.visibility</p:attrName>
+                                        </p:attrNameLst>
+                                      </p:cBhvr>
+                                      <p:to>
+                                        <p:strVal val="visible"/>
+                                      </p:to>
+                                    </p:set>
+                                    <p:animEffect transition="in" filter="randombar(horizontal)">
+                                      <p:cBhvr>
+                                        <p:cTn id="29" dur="500"/>
+                                        <p:tgtEl>
+                                          <p:spTgt spid="3">
+                                            <p:txEl>
+                                              <p:pRg st="4" end="4"/>
+                                            </p:txEl>
+                                          </p:spTgt>
+                                        </p:tgtEl>
+                                      </p:cBhvr>
+                                    </p:animEffect>
+                                  </p:childTnLst>
+                                </p:cTn>
+                              </p:par>
+                            </p:childTnLst>
+                          </p:cTn>
+                        </p:par>
+                      </p:childTnLst>
+                    </p:cTn>
+                  </p:par>
+                  <p:par>
+                    <p:cTn id="30" fill="hold">
+                      <p:stCondLst>
+                        <p:cond delay="indefinite"/>
+                      </p:stCondLst>
+                      <p:childTnLst>
+                        <p:par>
+                          <p:cTn id="31" fill="hold">
+                            <p:stCondLst>
+                              <p:cond delay="0"/>
+                            </p:stCondLst>
+                            <p:childTnLst>
+                              <p:par>
+                                <p:cTn id="32" presetID="14" presetClass="entr" presetSubtype="10" fill="hold" grpId="0" nodeType="clickEffect">
+                                  <p:stCondLst>
+                                    <p:cond delay="0"/>
+                                  </p:stCondLst>
+                                  <p:childTnLst>
+                                    <p:set>
+                                      <p:cBhvr>
+                                        <p:cTn id="33" dur="1" fill="hold">
+                                          <p:stCondLst>
+                                            <p:cond delay="0"/>
+                                          </p:stCondLst>
+                                        </p:cTn>
+                                        <p:tgtEl>
+                                          <p:spTgt spid="3">
+                                            <p:txEl>
+                                              <p:pRg st="6" end="6"/>
+                                            </p:txEl>
+                                          </p:spTgt>
+                                        </p:tgtEl>
+                                        <p:attrNameLst>
+                                          <p:attrName>style.visibility</p:attrName>
+                                        </p:attrNameLst>
+                                      </p:cBhvr>
+                                      <p:to>
+                                        <p:strVal val="visible"/>
+                                      </p:to>
+                                    </p:set>
+                                    <p:animEffect transition="in" filter="randombar(horizontal)">
+                                      <p:cBhvr>
+                                        <p:cTn id="34" dur="500"/>
+                                        <p:tgtEl>
+                                          <p:spTgt spid="3">
+                                            <p:txEl>
+                                              <p:pRg st="6" end="6"/>
+                                            </p:txEl>
+                                          </p:spTgt>
+                                        </p:tgtEl>
+                                      </p:cBhvr>
+                                    </p:animEffect>
+                                  </p:childTnLst>
+                                </p:cTn>
+                              </p:par>
+                            </p:childTnLst>
+                          </p:cTn>
+                        </p:par>
+                      </p:childTnLst>
+                    </p:cTn>
+                  </p:par>
+                </p:childTnLst>
+              </p:cTn>
+              <p:prevCondLst>
+                <p:cond evt="onPrev" delay="0">
+                  <p:tgtEl>
+                    <p:sldTgt/>
+                  </p:tgtEl>
+                </p:cond>
+              </p:prevCondLst>
+              <p:nextCondLst>
+                <p:cond evt="onNext" delay="0">
+                  <p:tgtEl>
+                    <p:sldTgt/>
+                  </p:tgtEl>
+                </p:cond>
+              </p:nextCondLst>
+            </p:seq>
+          </p:childTnLst>
+        </p:cTn>
+      </p:par>
+    </p:tnLst>
+    <p:bldLst>
+      <p:bldP spid="2" grpId="0"/>
+      <p:bldP spid="3" grpId="0" build="p"/>
+      <p:bldP spid="7" grpId="0"/>
+    </p:bldLst>
+  </p:timing>
 </p:sld>
 </file>
 
@@ -8821,6 +10799,44 @@
           </a:prstGeom>
         </p:spPr>
       </p:pic>
+      <p:sp>
+        <p:nvSpPr>
+          <p:cNvPr id="3" name="Slide Number Placeholder 2">
+            <a:extLst>
+              <a:ext uri="{FF2B5EF4-FFF2-40B4-BE49-F238E27FC236}">
+                <a16:creationId xmlns:a16="http://schemas.microsoft.com/office/drawing/2014/main" id="{D1C69966-9D84-DE0D-D314-4CC6C8E09E61}"/>
+              </a:ext>
+            </a:extLst>
+          </p:cNvPr>
+          <p:cNvSpPr>
+            <a:spLocks noGrp="1"/>
+          </p:cNvSpPr>
+          <p:nvPr>
+            <p:ph type="sldNum" sz="quarter" idx="12"/>
+          </p:nvPr>
+        </p:nvSpPr>
+        <p:spPr/>
+        <p:txBody>
+          <a:bodyPr/>
+          <a:lstStyle/>
+          <a:p>
+            <a:pPr marL="0" lvl="0" indent="0" algn="r" rtl="0">
+              <a:spcBef>
+                <a:spcPts val="0"/>
+              </a:spcBef>
+              <a:spcAft>
+                <a:spcPts val="0"/>
+              </a:spcAft>
+              <a:buNone/>
+            </a:pPr>
+            <a:fld id="{00000000-1234-1234-1234-123412341234}" type="slidenum">
+              <a:rPr lang="en-GB" smtClean="0"/>
+              <a:t>3</a:t>
+            </a:fld>
+            <a:endParaRPr lang="en-GB" dirty="0"/>
+          </a:p>
+        </p:txBody>
+      </p:sp>
     </p:spTree>
     <p:extLst>
       <p:ext uri="{BB962C8B-B14F-4D97-AF65-F5344CB8AC3E}">
@@ -8831,6 +10847,245 @@
   <p:clrMapOvr>
     <a:masterClrMapping/>
   </p:clrMapOvr>
+  <p:timing>
+    <p:tnLst>
+      <p:par>
+        <p:cTn id="1" dur="indefinite" restart="never" nodeType="tmRoot">
+          <p:childTnLst>
+            <p:seq concurrent="1" nextAc="seek">
+              <p:cTn id="2" dur="indefinite" nodeType="mainSeq">
+                <p:childTnLst>
+                  <p:par>
+                    <p:cTn id="3" fill="hold">
+                      <p:stCondLst>
+                        <p:cond delay="indefinite"/>
+                      </p:stCondLst>
+                      <p:childTnLst>
+                        <p:par>
+                          <p:cTn id="4" fill="hold">
+                            <p:stCondLst>
+                              <p:cond delay="0"/>
+                            </p:stCondLst>
+                            <p:childTnLst>
+                              <p:par>
+                                <p:cTn id="5" presetID="42" presetClass="entr" presetSubtype="0" fill="hold" grpId="0" nodeType="clickEffect">
+                                  <p:stCondLst>
+                                    <p:cond delay="0"/>
+                                  </p:stCondLst>
+                                  <p:childTnLst>
+                                    <p:set>
+                                      <p:cBhvr>
+                                        <p:cTn id="6" dur="1" fill="hold">
+                                          <p:stCondLst>
+                                            <p:cond delay="0"/>
+                                          </p:stCondLst>
+                                        </p:cTn>
+                                        <p:tgtEl>
+                                          <p:spTgt spid="2"/>
+                                        </p:tgtEl>
+                                        <p:attrNameLst>
+                                          <p:attrName>style.visibility</p:attrName>
+                                        </p:attrNameLst>
+                                      </p:cBhvr>
+                                      <p:to>
+                                        <p:strVal val="visible"/>
+                                      </p:to>
+                                    </p:set>
+                                    <p:animEffect transition="in" filter="fade">
+                                      <p:cBhvr>
+                                        <p:cTn id="7" dur="1000"/>
+                                        <p:tgtEl>
+                                          <p:spTgt spid="2"/>
+                                        </p:tgtEl>
+                                      </p:cBhvr>
+                                    </p:animEffect>
+                                    <p:anim calcmode="lin" valueType="num">
+                                      <p:cBhvr>
+                                        <p:cTn id="8" dur="1000" fill="hold"/>
+                                        <p:tgtEl>
+                                          <p:spTgt spid="2"/>
+                                        </p:tgtEl>
+                                        <p:attrNameLst>
+                                          <p:attrName>ppt_x</p:attrName>
+                                        </p:attrNameLst>
+                                      </p:cBhvr>
+                                      <p:tavLst>
+                                        <p:tav tm="0">
+                                          <p:val>
+                                            <p:strVal val="#ppt_x"/>
+                                          </p:val>
+                                        </p:tav>
+                                        <p:tav tm="100000">
+                                          <p:val>
+                                            <p:strVal val="#ppt_x"/>
+                                          </p:val>
+                                        </p:tav>
+                                      </p:tavLst>
+                                    </p:anim>
+                                    <p:anim calcmode="lin" valueType="num">
+                                      <p:cBhvr>
+                                        <p:cTn id="9" dur="1000" fill="hold"/>
+                                        <p:tgtEl>
+                                          <p:spTgt spid="2"/>
+                                        </p:tgtEl>
+                                        <p:attrNameLst>
+                                          <p:attrName>ppt_y</p:attrName>
+                                        </p:attrNameLst>
+                                      </p:cBhvr>
+                                      <p:tavLst>
+                                        <p:tav tm="0">
+                                          <p:val>
+                                            <p:strVal val="#ppt_y+.1"/>
+                                          </p:val>
+                                        </p:tav>
+                                        <p:tav tm="100000">
+                                          <p:val>
+                                            <p:strVal val="#ppt_y"/>
+                                          </p:val>
+                                        </p:tav>
+                                      </p:tavLst>
+                                    </p:anim>
+                                  </p:childTnLst>
+                                </p:cTn>
+                              </p:par>
+                            </p:childTnLst>
+                          </p:cTn>
+                        </p:par>
+                      </p:childTnLst>
+                    </p:cTn>
+                  </p:par>
+                  <p:par>
+                    <p:cTn id="10" fill="hold">
+                      <p:stCondLst>
+                        <p:cond delay="indefinite"/>
+                      </p:stCondLst>
+                      <p:childTnLst>
+                        <p:par>
+                          <p:cTn id="11" fill="hold">
+                            <p:stCondLst>
+                              <p:cond delay="0"/>
+                            </p:stCondLst>
+                            <p:childTnLst>
+                              <p:par>
+                                <p:cTn id="12" presetID="14" presetClass="entr" presetSubtype="10" fill="hold" grpId="0" nodeType="clickEffect">
+                                  <p:stCondLst>
+                                    <p:cond delay="0"/>
+                                  </p:stCondLst>
+                                  <p:childTnLst>
+                                    <p:set>
+                                      <p:cBhvr>
+                                        <p:cTn id="13" dur="1" fill="hold">
+                                          <p:stCondLst>
+                                            <p:cond delay="0"/>
+                                          </p:stCondLst>
+                                        </p:cTn>
+                                        <p:tgtEl>
+                                          <p:spTgt spid="5"/>
+                                        </p:tgtEl>
+                                        <p:attrNameLst>
+                                          <p:attrName>style.visibility</p:attrName>
+                                        </p:attrNameLst>
+                                      </p:cBhvr>
+                                      <p:to>
+                                        <p:strVal val="visible"/>
+                                      </p:to>
+                                    </p:set>
+                                    <p:animEffect transition="in" filter="randombar(horizontal)">
+                                      <p:cBhvr>
+                                        <p:cTn id="14" dur="500"/>
+                                        <p:tgtEl>
+                                          <p:spTgt spid="5"/>
+                                        </p:tgtEl>
+                                      </p:cBhvr>
+                                    </p:animEffect>
+                                  </p:childTnLst>
+                                </p:cTn>
+                              </p:par>
+                            </p:childTnLst>
+                          </p:cTn>
+                        </p:par>
+                      </p:childTnLst>
+                    </p:cTn>
+                  </p:par>
+                  <p:par>
+                    <p:cTn id="15" fill="hold">
+                      <p:stCondLst>
+                        <p:cond delay="indefinite"/>
+                      </p:stCondLst>
+                      <p:childTnLst>
+                        <p:par>
+                          <p:cTn id="16" fill="hold">
+                            <p:stCondLst>
+                              <p:cond delay="0"/>
+                            </p:stCondLst>
+                            <p:childTnLst>
+                              <p:par>
+                                <p:cTn id="17" presetID="21" presetClass="entr" presetSubtype="1" fill="hold" nodeType="clickEffect">
+                                  <p:stCondLst>
+                                    <p:cond delay="0"/>
+                                  </p:stCondLst>
+                                  <p:childTnLst>
+                                    <p:set>
+                                      <p:cBhvr>
+                                        <p:cTn id="18" dur="1" fill="hold">
+                                          <p:stCondLst>
+                                            <p:cond delay="0"/>
+                                          </p:stCondLst>
+                                        </p:cTn>
+                                        <p:tgtEl>
+                                          <p:spTgt spid="6"/>
+                                        </p:tgtEl>
+                                        <p:attrNameLst>
+                                          <p:attrName>style.visibility</p:attrName>
+                                        </p:attrNameLst>
+                                      </p:cBhvr>
+                                      <p:to>
+                                        <p:strVal val="visible"/>
+                                      </p:to>
+                                    </p:set>
+                                    <p:animEffect transition="in" filter="wheel(1)">
+                                      <p:cBhvr>
+                                        <p:cTn id="19" dur="2000"/>
+                                        <p:tgtEl>
+                                          <p:spTgt spid="6"/>
+                                        </p:tgtEl>
+                                      </p:cBhvr>
+                                    </p:animEffect>
+                                  </p:childTnLst>
+                                </p:cTn>
+                              </p:par>
+                            </p:childTnLst>
+                          </p:cTn>
+                        </p:par>
+                      </p:childTnLst>
+                    </p:cTn>
+                  </p:par>
+                </p:childTnLst>
+              </p:cTn>
+              <p:prevCondLst>
+                <p:cond evt="onPrev" delay="0">
+                  <p:tgtEl>
+                    <p:sldTgt/>
+                  </p:tgtEl>
+                </p:cond>
+              </p:prevCondLst>
+              <p:nextCondLst>
+                <p:cond evt="onNext" delay="0">
+                  <p:tgtEl>
+                    <p:sldTgt/>
+                  </p:tgtEl>
+                </p:cond>
+              </p:nextCondLst>
+            </p:seq>
+          </p:childTnLst>
+        </p:cTn>
+      </p:par>
+    </p:tnLst>
+    <p:bldLst>
+      <p:bldP spid="2" grpId="0"/>
+      <p:bldP spid="5" grpId="0"/>
+    </p:bldLst>
+  </p:timing>
 </p:sld>
 </file>
 
@@ -9110,6 +11365,44 @@
           </a:prstGeom>
         </p:spPr>
       </p:pic>
+      <p:sp>
+        <p:nvSpPr>
+          <p:cNvPr id="3" name="Slide Number Placeholder 2">
+            <a:extLst>
+              <a:ext uri="{FF2B5EF4-FFF2-40B4-BE49-F238E27FC236}">
+                <a16:creationId xmlns:a16="http://schemas.microsoft.com/office/drawing/2014/main" id="{10281931-602B-62C1-6396-1F882A866732}"/>
+              </a:ext>
+            </a:extLst>
+          </p:cNvPr>
+          <p:cNvSpPr>
+            <a:spLocks noGrp="1"/>
+          </p:cNvSpPr>
+          <p:nvPr>
+            <p:ph type="sldNum" sz="quarter" idx="12"/>
+          </p:nvPr>
+        </p:nvSpPr>
+        <p:spPr/>
+        <p:txBody>
+          <a:bodyPr/>
+          <a:lstStyle/>
+          <a:p>
+            <a:pPr marL="0" lvl="0" indent="0" algn="r" rtl="0">
+              <a:spcBef>
+                <a:spcPts val="0"/>
+              </a:spcBef>
+              <a:spcAft>
+                <a:spcPts val="0"/>
+              </a:spcAft>
+              <a:buNone/>
+            </a:pPr>
+            <a:fld id="{00000000-1234-1234-1234-123412341234}" type="slidenum">
+              <a:rPr lang="en-GB" smtClean="0"/>
+              <a:t>4</a:t>
+            </a:fld>
+            <a:endParaRPr lang="en-GB" dirty="0"/>
+          </a:p>
+        </p:txBody>
+      </p:sp>
     </p:spTree>
     <p:extLst>
       <p:ext uri="{BB962C8B-B14F-4D97-AF65-F5344CB8AC3E}">
@@ -9120,16 +11413,758 @@
   <p:clrMapOvr>
     <a:masterClrMapping/>
   </p:clrMapOvr>
+  <p:timing>
+    <p:tnLst>
+      <p:par>
+        <p:cTn id="1" dur="indefinite" restart="never" nodeType="tmRoot">
+          <p:childTnLst>
+            <p:seq concurrent="1" nextAc="seek">
+              <p:cTn id="2" dur="indefinite" nodeType="mainSeq">
+                <p:childTnLst>
+                  <p:par>
+                    <p:cTn id="3" fill="hold">
+                      <p:stCondLst>
+                        <p:cond delay="indefinite"/>
+                      </p:stCondLst>
+                      <p:childTnLst>
+                        <p:par>
+                          <p:cTn id="4" fill="hold">
+                            <p:stCondLst>
+                              <p:cond delay="0"/>
+                            </p:stCondLst>
+                            <p:childTnLst>
+                              <p:par>
+                                <p:cTn id="5" presetID="42" presetClass="entr" presetSubtype="0" fill="hold" nodeType="clickEffect">
+                                  <p:stCondLst>
+                                    <p:cond delay="0"/>
+                                  </p:stCondLst>
+                                  <p:childTnLst>
+                                    <p:set>
+                                      <p:cBhvr>
+                                        <p:cTn id="6" dur="1" fill="hold">
+                                          <p:stCondLst>
+                                            <p:cond delay="0"/>
+                                          </p:stCondLst>
+                                        </p:cTn>
+                                        <p:tgtEl>
+                                          <p:spTgt spid="8"/>
+                                        </p:tgtEl>
+                                        <p:attrNameLst>
+                                          <p:attrName>style.visibility</p:attrName>
+                                        </p:attrNameLst>
+                                      </p:cBhvr>
+                                      <p:to>
+                                        <p:strVal val="visible"/>
+                                      </p:to>
+                                    </p:set>
+                                    <p:animEffect transition="in" filter="fade">
+                                      <p:cBhvr>
+                                        <p:cTn id="7" dur="1000"/>
+                                        <p:tgtEl>
+                                          <p:spTgt spid="8"/>
+                                        </p:tgtEl>
+                                      </p:cBhvr>
+                                    </p:animEffect>
+                                    <p:anim calcmode="lin" valueType="num">
+                                      <p:cBhvr>
+                                        <p:cTn id="8" dur="1000" fill="hold"/>
+                                        <p:tgtEl>
+                                          <p:spTgt spid="8"/>
+                                        </p:tgtEl>
+                                        <p:attrNameLst>
+                                          <p:attrName>ppt_x</p:attrName>
+                                        </p:attrNameLst>
+                                      </p:cBhvr>
+                                      <p:tavLst>
+                                        <p:tav tm="0">
+                                          <p:val>
+                                            <p:strVal val="#ppt_x"/>
+                                          </p:val>
+                                        </p:tav>
+                                        <p:tav tm="100000">
+                                          <p:val>
+                                            <p:strVal val="#ppt_x"/>
+                                          </p:val>
+                                        </p:tav>
+                                      </p:tavLst>
+                                    </p:anim>
+                                    <p:anim calcmode="lin" valueType="num">
+                                      <p:cBhvr>
+                                        <p:cTn id="9" dur="1000" fill="hold"/>
+                                        <p:tgtEl>
+                                          <p:spTgt spid="8"/>
+                                        </p:tgtEl>
+                                        <p:attrNameLst>
+                                          <p:attrName>ppt_y</p:attrName>
+                                        </p:attrNameLst>
+                                      </p:cBhvr>
+                                      <p:tavLst>
+                                        <p:tav tm="0">
+                                          <p:val>
+                                            <p:strVal val="#ppt_y+.1"/>
+                                          </p:val>
+                                        </p:tav>
+                                        <p:tav tm="100000">
+                                          <p:val>
+                                            <p:strVal val="#ppt_y"/>
+                                          </p:val>
+                                        </p:tav>
+                                      </p:tavLst>
+                                    </p:anim>
+                                  </p:childTnLst>
+                                </p:cTn>
+                              </p:par>
+                              <p:par>
+                                <p:cTn id="10" presetID="42" presetClass="entr" presetSubtype="0" fill="hold" grpId="0" nodeType="withEffect">
+                                  <p:stCondLst>
+                                    <p:cond delay="0"/>
+                                  </p:stCondLst>
+                                  <p:childTnLst>
+                                    <p:set>
+                                      <p:cBhvr>
+                                        <p:cTn id="11" dur="1" fill="hold">
+                                          <p:stCondLst>
+                                            <p:cond delay="0"/>
+                                          </p:stCondLst>
+                                        </p:cTn>
+                                        <p:tgtEl>
+                                          <p:spTgt spid="2"/>
+                                        </p:tgtEl>
+                                        <p:attrNameLst>
+                                          <p:attrName>style.visibility</p:attrName>
+                                        </p:attrNameLst>
+                                      </p:cBhvr>
+                                      <p:to>
+                                        <p:strVal val="visible"/>
+                                      </p:to>
+                                    </p:set>
+                                    <p:animEffect transition="in" filter="fade">
+                                      <p:cBhvr>
+                                        <p:cTn id="12" dur="1000"/>
+                                        <p:tgtEl>
+                                          <p:spTgt spid="2"/>
+                                        </p:tgtEl>
+                                      </p:cBhvr>
+                                    </p:animEffect>
+                                    <p:anim calcmode="lin" valueType="num">
+                                      <p:cBhvr>
+                                        <p:cTn id="13" dur="1000" fill="hold"/>
+                                        <p:tgtEl>
+                                          <p:spTgt spid="2"/>
+                                        </p:tgtEl>
+                                        <p:attrNameLst>
+                                          <p:attrName>ppt_x</p:attrName>
+                                        </p:attrNameLst>
+                                      </p:cBhvr>
+                                      <p:tavLst>
+                                        <p:tav tm="0">
+                                          <p:val>
+                                            <p:strVal val="#ppt_x"/>
+                                          </p:val>
+                                        </p:tav>
+                                        <p:tav tm="100000">
+                                          <p:val>
+                                            <p:strVal val="#ppt_x"/>
+                                          </p:val>
+                                        </p:tav>
+                                      </p:tavLst>
+                                    </p:anim>
+                                    <p:anim calcmode="lin" valueType="num">
+                                      <p:cBhvr>
+                                        <p:cTn id="14" dur="1000" fill="hold"/>
+                                        <p:tgtEl>
+                                          <p:spTgt spid="2"/>
+                                        </p:tgtEl>
+                                        <p:attrNameLst>
+                                          <p:attrName>ppt_y</p:attrName>
+                                        </p:attrNameLst>
+                                      </p:cBhvr>
+                                      <p:tavLst>
+                                        <p:tav tm="0">
+                                          <p:val>
+                                            <p:strVal val="#ppt_y+.1"/>
+                                          </p:val>
+                                        </p:tav>
+                                        <p:tav tm="100000">
+                                          <p:val>
+                                            <p:strVal val="#ppt_y"/>
+                                          </p:val>
+                                        </p:tav>
+                                      </p:tavLst>
+                                    </p:anim>
+                                  </p:childTnLst>
+                                </p:cTn>
+                              </p:par>
+                            </p:childTnLst>
+                          </p:cTn>
+                        </p:par>
+                      </p:childTnLst>
+                    </p:cTn>
+                  </p:par>
+                  <p:par>
+                    <p:cTn id="15" fill="hold">
+                      <p:stCondLst>
+                        <p:cond delay="indefinite"/>
+                      </p:stCondLst>
+                      <p:childTnLst>
+                        <p:par>
+                          <p:cTn id="16" fill="hold">
+                            <p:stCondLst>
+                              <p:cond delay="0"/>
+                            </p:stCondLst>
+                            <p:childTnLst>
+                              <p:par>
+                                <p:cTn id="17" presetID="14" presetClass="entr" presetSubtype="10" fill="hold" grpId="0" nodeType="clickEffect">
+                                  <p:stCondLst>
+                                    <p:cond delay="0"/>
+                                  </p:stCondLst>
+                                  <p:childTnLst>
+                                    <p:set>
+                                      <p:cBhvr>
+                                        <p:cTn id="18" dur="1" fill="hold">
+                                          <p:stCondLst>
+                                            <p:cond delay="0"/>
+                                          </p:stCondLst>
+                                        </p:cTn>
+                                        <p:tgtEl>
+                                          <p:spTgt spid="11">
+                                            <p:txEl>
+                                              <p:pRg st="0" end="0"/>
+                                            </p:txEl>
+                                          </p:spTgt>
+                                        </p:tgtEl>
+                                        <p:attrNameLst>
+                                          <p:attrName>style.visibility</p:attrName>
+                                        </p:attrNameLst>
+                                      </p:cBhvr>
+                                      <p:to>
+                                        <p:strVal val="visible"/>
+                                      </p:to>
+                                    </p:set>
+                                    <p:animEffect transition="in" filter="randombar(horizontal)">
+                                      <p:cBhvr>
+                                        <p:cTn id="19" dur="500"/>
+                                        <p:tgtEl>
+                                          <p:spTgt spid="11">
+                                            <p:txEl>
+                                              <p:pRg st="0" end="0"/>
+                                            </p:txEl>
+                                          </p:spTgt>
+                                        </p:tgtEl>
+                                      </p:cBhvr>
+                                    </p:animEffect>
+                                  </p:childTnLst>
+                                </p:cTn>
+                              </p:par>
+                              <p:par>
+                                <p:cTn id="20" presetID="14" presetClass="entr" presetSubtype="10" fill="hold" grpId="0" nodeType="withEffect">
+                                  <p:stCondLst>
+                                    <p:cond delay="0"/>
+                                  </p:stCondLst>
+                                  <p:childTnLst>
+                                    <p:set>
+                                      <p:cBhvr>
+                                        <p:cTn id="21" dur="1" fill="hold">
+                                          <p:stCondLst>
+                                            <p:cond delay="0"/>
+                                          </p:stCondLst>
+                                        </p:cTn>
+                                        <p:tgtEl>
+                                          <p:spTgt spid="11">
+                                            <p:txEl>
+                                              <p:pRg st="1" end="1"/>
+                                            </p:txEl>
+                                          </p:spTgt>
+                                        </p:tgtEl>
+                                        <p:attrNameLst>
+                                          <p:attrName>style.visibility</p:attrName>
+                                        </p:attrNameLst>
+                                      </p:cBhvr>
+                                      <p:to>
+                                        <p:strVal val="visible"/>
+                                      </p:to>
+                                    </p:set>
+                                    <p:animEffect transition="in" filter="randombar(horizontal)">
+                                      <p:cBhvr>
+                                        <p:cTn id="22" dur="500"/>
+                                        <p:tgtEl>
+                                          <p:spTgt spid="11">
+                                            <p:txEl>
+                                              <p:pRg st="1" end="1"/>
+                                            </p:txEl>
+                                          </p:spTgt>
+                                        </p:tgtEl>
+                                      </p:cBhvr>
+                                    </p:animEffect>
+                                  </p:childTnLst>
+                                </p:cTn>
+                              </p:par>
+                            </p:childTnLst>
+                          </p:cTn>
+                        </p:par>
+                      </p:childTnLst>
+                    </p:cTn>
+                  </p:par>
+                  <p:par>
+                    <p:cTn id="23" fill="hold">
+                      <p:stCondLst>
+                        <p:cond delay="indefinite"/>
+                      </p:stCondLst>
+                      <p:childTnLst>
+                        <p:par>
+                          <p:cTn id="24" fill="hold">
+                            <p:stCondLst>
+                              <p:cond delay="0"/>
+                            </p:stCondLst>
+                            <p:childTnLst>
+                              <p:par>
+                                <p:cTn id="25" presetID="14" presetClass="entr" presetSubtype="10" fill="hold" grpId="0" nodeType="clickEffect">
+                                  <p:stCondLst>
+                                    <p:cond delay="0"/>
+                                  </p:stCondLst>
+                                  <p:childTnLst>
+                                    <p:set>
+                                      <p:cBhvr>
+                                        <p:cTn id="26" dur="1" fill="hold">
+                                          <p:stCondLst>
+                                            <p:cond delay="0"/>
+                                          </p:stCondLst>
+                                        </p:cTn>
+                                        <p:tgtEl>
+                                          <p:spTgt spid="11">
+                                            <p:txEl>
+                                              <p:pRg st="2" end="2"/>
+                                            </p:txEl>
+                                          </p:spTgt>
+                                        </p:tgtEl>
+                                        <p:attrNameLst>
+                                          <p:attrName>style.visibility</p:attrName>
+                                        </p:attrNameLst>
+                                      </p:cBhvr>
+                                      <p:to>
+                                        <p:strVal val="visible"/>
+                                      </p:to>
+                                    </p:set>
+                                    <p:animEffect transition="in" filter="randombar(horizontal)">
+                                      <p:cBhvr>
+                                        <p:cTn id="27" dur="500"/>
+                                        <p:tgtEl>
+                                          <p:spTgt spid="11">
+                                            <p:txEl>
+                                              <p:pRg st="2" end="2"/>
+                                            </p:txEl>
+                                          </p:spTgt>
+                                        </p:tgtEl>
+                                      </p:cBhvr>
+                                    </p:animEffect>
+                                  </p:childTnLst>
+                                </p:cTn>
+                              </p:par>
+                              <p:par>
+                                <p:cTn id="28" presetID="14" presetClass="entr" presetSubtype="10" fill="hold" grpId="0" nodeType="withEffect">
+                                  <p:stCondLst>
+                                    <p:cond delay="0"/>
+                                  </p:stCondLst>
+                                  <p:childTnLst>
+                                    <p:set>
+                                      <p:cBhvr>
+                                        <p:cTn id="29" dur="1" fill="hold">
+                                          <p:stCondLst>
+                                            <p:cond delay="0"/>
+                                          </p:stCondLst>
+                                        </p:cTn>
+                                        <p:tgtEl>
+                                          <p:spTgt spid="11">
+                                            <p:txEl>
+                                              <p:pRg st="3" end="3"/>
+                                            </p:txEl>
+                                          </p:spTgt>
+                                        </p:tgtEl>
+                                        <p:attrNameLst>
+                                          <p:attrName>style.visibility</p:attrName>
+                                        </p:attrNameLst>
+                                      </p:cBhvr>
+                                      <p:to>
+                                        <p:strVal val="visible"/>
+                                      </p:to>
+                                    </p:set>
+                                    <p:animEffect transition="in" filter="randombar(horizontal)">
+                                      <p:cBhvr>
+                                        <p:cTn id="30" dur="500"/>
+                                        <p:tgtEl>
+                                          <p:spTgt spid="11">
+                                            <p:txEl>
+                                              <p:pRg st="3" end="3"/>
+                                            </p:txEl>
+                                          </p:spTgt>
+                                        </p:tgtEl>
+                                      </p:cBhvr>
+                                    </p:animEffect>
+                                  </p:childTnLst>
+                                </p:cTn>
+                              </p:par>
+                              <p:par>
+                                <p:cTn id="31" presetID="14" presetClass="entr" presetSubtype="10" fill="hold" grpId="0" nodeType="withEffect">
+                                  <p:stCondLst>
+                                    <p:cond delay="0"/>
+                                  </p:stCondLst>
+                                  <p:childTnLst>
+                                    <p:set>
+                                      <p:cBhvr>
+                                        <p:cTn id="32" dur="1" fill="hold">
+                                          <p:stCondLst>
+                                            <p:cond delay="0"/>
+                                          </p:stCondLst>
+                                        </p:cTn>
+                                        <p:tgtEl>
+                                          <p:spTgt spid="11">
+                                            <p:txEl>
+                                              <p:pRg st="4" end="4"/>
+                                            </p:txEl>
+                                          </p:spTgt>
+                                        </p:tgtEl>
+                                        <p:attrNameLst>
+                                          <p:attrName>style.visibility</p:attrName>
+                                        </p:attrNameLst>
+                                      </p:cBhvr>
+                                      <p:to>
+                                        <p:strVal val="visible"/>
+                                      </p:to>
+                                    </p:set>
+                                    <p:animEffect transition="in" filter="randombar(horizontal)">
+                                      <p:cBhvr>
+                                        <p:cTn id="33" dur="500"/>
+                                        <p:tgtEl>
+                                          <p:spTgt spid="11">
+                                            <p:txEl>
+                                              <p:pRg st="4" end="4"/>
+                                            </p:txEl>
+                                          </p:spTgt>
+                                        </p:tgtEl>
+                                      </p:cBhvr>
+                                    </p:animEffect>
+                                  </p:childTnLst>
+                                </p:cTn>
+                              </p:par>
+                              <p:par>
+                                <p:cTn id="34" presetID="14" presetClass="entr" presetSubtype="10" fill="hold" grpId="0" nodeType="withEffect">
+                                  <p:stCondLst>
+                                    <p:cond delay="0"/>
+                                  </p:stCondLst>
+                                  <p:childTnLst>
+                                    <p:set>
+                                      <p:cBhvr>
+                                        <p:cTn id="35" dur="1" fill="hold">
+                                          <p:stCondLst>
+                                            <p:cond delay="0"/>
+                                          </p:stCondLst>
+                                        </p:cTn>
+                                        <p:tgtEl>
+                                          <p:spTgt spid="11">
+                                            <p:txEl>
+                                              <p:pRg st="5" end="5"/>
+                                            </p:txEl>
+                                          </p:spTgt>
+                                        </p:tgtEl>
+                                        <p:attrNameLst>
+                                          <p:attrName>style.visibility</p:attrName>
+                                        </p:attrNameLst>
+                                      </p:cBhvr>
+                                      <p:to>
+                                        <p:strVal val="visible"/>
+                                      </p:to>
+                                    </p:set>
+                                    <p:animEffect transition="in" filter="randombar(horizontal)">
+                                      <p:cBhvr>
+                                        <p:cTn id="36" dur="500"/>
+                                        <p:tgtEl>
+                                          <p:spTgt spid="11">
+                                            <p:txEl>
+                                              <p:pRg st="5" end="5"/>
+                                            </p:txEl>
+                                          </p:spTgt>
+                                        </p:tgtEl>
+                                      </p:cBhvr>
+                                    </p:animEffect>
+                                  </p:childTnLst>
+                                </p:cTn>
+                              </p:par>
+                              <p:par>
+                                <p:cTn id="37" presetID="14" presetClass="entr" presetSubtype="10" fill="hold" grpId="0" nodeType="withEffect">
+                                  <p:stCondLst>
+                                    <p:cond delay="0"/>
+                                  </p:stCondLst>
+                                  <p:childTnLst>
+                                    <p:set>
+                                      <p:cBhvr>
+                                        <p:cTn id="38" dur="1" fill="hold">
+                                          <p:stCondLst>
+                                            <p:cond delay="0"/>
+                                          </p:stCondLst>
+                                        </p:cTn>
+                                        <p:tgtEl>
+                                          <p:spTgt spid="11">
+                                            <p:txEl>
+                                              <p:pRg st="6" end="6"/>
+                                            </p:txEl>
+                                          </p:spTgt>
+                                        </p:tgtEl>
+                                        <p:attrNameLst>
+                                          <p:attrName>style.visibility</p:attrName>
+                                        </p:attrNameLst>
+                                      </p:cBhvr>
+                                      <p:to>
+                                        <p:strVal val="visible"/>
+                                      </p:to>
+                                    </p:set>
+                                    <p:animEffect transition="in" filter="randombar(horizontal)">
+                                      <p:cBhvr>
+                                        <p:cTn id="39" dur="500"/>
+                                        <p:tgtEl>
+                                          <p:spTgt spid="11">
+                                            <p:txEl>
+                                              <p:pRg st="6" end="6"/>
+                                            </p:txEl>
+                                          </p:spTgt>
+                                        </p:tgtEl>
+                                      </p:cBhvr>
+                                    </p:animEffect>
+                                  </p:childTnLst>
+                                </p:cTn>
+                              </p:par>
+                              <p:par>
+                                <p:cTn id="40" presetID="14" presetClass="entr" presetSubtype="10" fill="hold" grpId="0" nodeType="withEffect">
+                                  <p:stCondLst>
+                                    <p:cond delay="0"/>
+                                  </p:stCondLst>
+                                  <p:childTnLst>
+                                    <p:set>
+                                      <p:cBhvr>
+                                        <p:cTn id="41" dur="1" fill="hold">
+                                          <p:stCondLst>
+                                            <p:cond delay="0"/>
+                                          </p:stCondLst>
+                                        </p:cTn>
+                                        <p:tgtEl>
+                                          <p:spTgt spid="11">
+                                            <p:txEl>
+                                              <p:pRg st="7" end="7"/>
+                                            </p:txEl>
+                                          </p:spTgt>
+                                        </p:tgtEl>
+                                        <p:attrNameLst>
+                                          <p:attrName>style.visibility</p:attrName>
+                                        </p:attrNameLst>
+                                      </p:cBhvr>
+                                      <p:to>
+                                        <p:strVal val="visible"/>
+                                      </p:to>
+                                    </p:set>
+                                    <p:animEffect transition="in" filter="randombar(horizontal)">
+                                      <p:cBhvr>
+                                        <p:cTn id="42" dur="500"/>
+                                        <p:tgtEl>
+                                          <p:spTgt spid="11">
+                                            <p:txEl>
+                                              <p:pRg st="7" end="7"/>
+                                            </p:txEl>
+                                          </p:spTgt>
+                                        </p:tgtEl>
+                                      </p:cBhvr>
+                                    </p:animEffect>
+                                  </p:childTnLst>
+                                </p:cTn>
+                              </p:par>
+                              <p:par>
+                                <p:cTn id="43" presetID="14" presetClass="entr" presetSubtype="10" fill="hold" grpId="0" nodeType="withEffect">
+                                  <p:stCondLst>
+                                    <p:cond delay="0"/>
+                                  </p:stCondLst>
+                                  <p:childTnLst>
+                                    <p:set>
+                                      <p:cBhvr>
+                                        <p:cTn id="44" dur="1" fill="hold">
+                                          <p:stCondLst>
+                                            <p:cond delay="0"/>
+                                          </p:stCondLst>
+                                        </p:cTn>
+                                        <p:tgtEl>
+                                          <p:spTgt spid="11">
+                                            <p:txEl>
+                                              <p:pRg st="8" end="8"/>
+                                            </p:txEl>
+                                          </p:spTgt>
+                                        </p:tgtEl>
+                                        <p:attrNameLst>
+                                          <p:attrName>style.visibility</p:attrName>
+                                        </p:attrNameLst>
+                                      </p:cBhvr>
+                                      <p:to>
+                                        <p:strVal val="visible"/>
+                                      </p:to>
+                                    </p:set>
+                                    <p:animEffect transition="in" filter="randombar(horizontal)">
+                                      <p:cBhvr>
+                                        <p:cTn id="45" dur="500"/>
+                                        <p:tgtEl>
+                                          <p:spTgt spid="11">
+                                            <p:txEl>
+                                              <p:pRg st="8" end="8"/>
+                                            </p:txEl>
+                                          </p:spTgt>
+                                        </p:tgtEl>
+                                      </p:cBhvr>
+                                    </p:animEffect>
+                                  </p:childTnLst>
+                                </p:cTn>
+                              </p:par>
+                              <p:par>
+                                <p:cTn id="46" presetID="14" presetClass="entr" presetSubtype="10" fill="hold" nodeType="withEffect">
+                                  <p:stCondLst>
+                                    <p:cond delay="0"/>
+                                  </p:stCondLst>
+                                  <p:childTnLst>
+                                    <p:set>
+                                      <p:cBhvr>
+                                        <p:cTn id="47" dur="1" fill="hold">
+                                          <p:stCondLst>
+                                            <p:cond delay="0"/>
+                                          </p:stCondLst>
+                                        </p:cTn>
+                                        <p:tgtEl>
+                                          <p:spTgt spid="6"/>
+                                        </p:tgtEl>
+                                        <p:attrNameLst>
+                                          <p:attrName>style.visibility</p:attrName>
+                                        </p:attrNameLst>
+                                      </p:cBhvr>
+                                      <p:to>
+                                        <p:strVal val="visible"/>
+                                      </p:to>
+                                    </p:set>
+                                    <p:animEffect transition="in" filter="randombar(horizontal)">
+                                      <p:cBhvr>
+                                        <p:cTn id="48" dur="500"/>
+                                        <p:tgtEl>
+                                          <p:spTgt spid="6"/>
+                                        </p:tgtEl>
+                                      </p:cBhvr>
+                                    </p:animEffect>
+                                  </p:childTnLst>
+                                </p:cTn>
+                              </p:par>
+                              <p:par>
+                                <p:cTn id="49" presetID="14" presetClass="entr" presetSubtype="10" fill="hold" nodeType="withEffect">
+                                  <p:stCondLst>
+                                    <p:cond delay="0"/>
+                                  </p:stCondLst>
+                                  <p:childTnLst>
+                                    <p:set>
+                                      <p:cBhvr>
+                                        <p:cTn id="50" dur="1" fill="hold">
+                                          <p:stCondLst>
+                                            <p:cond delay="0"/>
+                                          </p:stCondLst>
+                                        </p:cTn>
+                                        <p:tgtEl>
+                                          <p:spTgt spid="9"/>
+                                        </p:tgtEl>
+                                        <p:attrNameLst>
+                                          <p:attrName>style.visibility</p:attrName>
+                                        </p:attrNameLst>
+                                      </p:cBhvr>
+                                      <p:to>
+                                        <p:strVal val="visible"/>
+                                      </p:to>
+                                    </p:set>
+                                    <p:animEffect transition="in" filter="randombar(horizontal)">
+                                      <p:cBhvr>
+                                        <p:cTn id="51" dur="500"/>
+                                        <p:tgtEl>
+                                          <p:spTgt spid="9"/>
+                                        </p:tgtEl>
+                                      </p:cBhvr>
+                                    </p:animEffect>
+                                  </p:childTnLst>
+                                </p:cTn>
+                              </p:par>
+                              <p:par>
+                                <p:cTn id="52" presetID="14" presetClass="entr" presetSubtype="10" fill="hold" nodeType="withEffect">
+                                  <p:stCondLst>
+                                    <p:cond delay="0"/>
+                                  </p:stCondLst>
+                                  <p:childTnLst>
+                                    <p:set>
+                                      <p:cBhvr>
+                                        <p:cTn id="53" dur="1" fill="hold">
+                                          <p:stCondLst>
+                                            <p:cond delay="0"/>
+                                          </p:stCondLst>
+                                        </p:cTn>
+                                        <p:tgtEl>
+                                          <p:spTgt spid="12"/>
+                                        </p:tgtEl>
+                                        <p:attrNameLst>
+                                          <p:attrName>style.visibility</p:attrName>
+                                        </p:attrNameLst>
+                                      </p:cBhvr>
+                                      <p:to>
+                                        <p:strVal val="visible"/>
+                                      </p:to>
+                                    </p:set>
+                                    <p:animEffect transition="in" filter="randombar(horizontal)">
+                                      <p:cBhvr>
+                                        <p:cTn id="54" dur="500"/>
+                                        <p:tgtEl>
+                                          <p:spTgt spid="12"/>
+                                        </p:tgtEl>
+                                      </p:cBhvr>
+                                    </p:animEffect>
+                                  </p:childTnLst>
+                                </p:cTn>
+                              </p:par>
+                            </p:childTnLst>
+                          </p:cTn>
+                        </p:par>
+                      </p:childTnLst>
+                    </p:cTn>
+                  </p:par>
+                </p:childTnLst>
+              </p:cTn>
+              <p:prevCondLst>
+                <p:cond evt="onPrev" delay="0">
+                  <p:tgtEl>
+                    <p:sldTgt/>
+                  </p:tgtEl>
+                </p:cond>
+              </p:prevCondLst>
+              <p:nextCondLst>
+                <p:cond evt="onNext" delay="0">
+                  <p:tgtEl>
+                    <p:sldTgt/>
+                  </p:tgtEl>
+                </p:cond>
+              </p:nextCondLst>
+            </p:seq>
+          </p:childTnLst>
+        </p:cTn>
+      </p:par>
+    </p:tnLst>
+    <p:bldLst>
+      <p:bldP spid="2" grpId="0"/>
+      <p:bldP spid="11" grpId="0" build="p"/>
+    </p:bldLst>
+  </p:timing>
 </p:sld>
 </file>
 
 <file path=ppt/slides/slide5.xml><?xml version="1.0" encoding="utf-8"?>
-<p:sld xmlns:a="http://schemas.openxmlformats.org/drawingml/2006/main" xmlns:r="http://schemas.openxmlformats.org/officeDocument/2006/relationships" xmlns:p="http://schemas.openxmlformats.org/presentationml/2006/main" showMasterSp="0">
+<p:sld xmlns:a="http://schemas.openxmlformats.org/drawingml/2006/main" xmlns:r="http://schemas.openxmlformats.org/officeDocument/2006/relationships" xmlns:p="http://schemas.openxmlformats.org/presentationml/2006/main">
   <p:cSld>
     <p:bg>
       <p:bgPr>
         <a:solidFill>
-          <a:schemeClr val="accent1"/>
+          <a:schemeClr val="bg1"/>
         </a:solidFill>
         <a:effectLst/>
       </p:bgPr>
@@ -9166,26 +12201,54 @@
         </p:nvSpPr>
         <p:spPr>
           <a:xfrm>
-            <a:off x="508001" y="434147"/>
-            <a:ext cx="6447501" cy="656771"/>
+            <a:off x="2626660" y="457200"/>
+            <a:ext cx="4328841" cy="990600"/>
           </a:xfrm>
         </p:spPr>
         <p:txBody>
-          <a:bodyPr/>
+          <a:bodyPr vert="horz" lIns="91440" tIns="45720" rIns="91440" bIns="45720" rtlCol="0" anchor="t">
+            <a:normAutofit/>
+          </a:bodyPr>
           <a:lstStyle/>
           <a:p>
-            <a:pPr algn="ctr"/>
+            <a:pPr defTabSz="457200"/>
             <a:r>
-              <a:rPr lang="en-IN" u="sng" dirty="0">
-                <a:solidFill>
-                  <a:schemeClr val="tx1"/>
-                </a:solidFill>
-              </a:rPr>
+              <a:rPr lang="en-US" sz="3600" u="sng" dirty="0"/>
               <a:t>TESTING</a:t>
             </a:r>
           </a:p>
         </p:txBody>
       </p:sp>
+      <p:pic>
+        <p:nvPicPr>
+          <p:cNvPr id="5" name="Picture 4" descr="A black and red text&#10;&#10;Description automatically generated">
+            <a:extLst>
+              <a:ext uri="{FF2B5EF4-FFF2-40B4-BE49-F238E27FC236}">
+                <a16:creationId xmlns:a16="http://schemas.microsoft.com/office/drawing/2014/main" id="{88512F16-B3E6-E4D4-C872-1A9C15096F7E}"/>
+              </a:ext>
+            </a:extLst>
+          </p:cNvPr>
+          <p:cNvPicPr>
+            <a:picLocks noChangeAspect="1"/>
+          </p:cNvPicPr>
+          <p:nvPr/>
+        </p:nvPicPr>
+        <p:blipFill>
+          <a:blip r:embed="rId2"/>
+          <a:stretch>
+            <a:fillRect/>
+          </a:stretch>
+        </p:blipFill>
+        <p:spPr>
+          <a:xfrm>
+            <a:off x="507999" y="592075"/>
+            <a:ext cx="1947211" cy="973605"/>
+          </a:xfrm>
+          <a:prstGeom prst="rect">
+            <a:avLst/>
+          </a:prstGeom>
+        </p:spPr>
+      </p:pic>
       <p:pic>
         <p:nvPicPr>
           <p:cNvPr id="4" name="Content Placeholder 3">
@@ -9203,10 +12266,10 @@
           </p:nvPr>
         </p:nvPicPr>
         <p:blipFill>
-          <a:blip r:embed="rId2">
+          <a:blip r:embed="rId3">
             <a:extLst>
               <a:ext uri="{837473B0-CC2E-450A-ABE3-18F120FF3D39}">
-                <a1611:picAttrSrcUrl xmlns:a1611="http://schemas.microsoft.com/office/drawing/2016/11/main" r:id="rId3"/>
+                <a1611:picAttrSrcUrl xmlns:a1611="http://schemas.microsoft.com/office/drawing/2016/11/main" r:id="rId4"/>
               </a:ext>
             </a:extLst>
           </a:blip>
@@ -9216,35 +12279,8 @@
         </p:blipFill>
         <p:spPr>
           <a:xfrm flipH="1">
-            <a:off x="2637972" y="537027"/>
-            <a:ext cx="380999" cy="380999"/>
-          </a:xfrm>
-        </p:spPr>
-      </p:pic>
-      <p:pic>
-        <p:nvPicPr>
-          <p:cNvPr id="9" name="Picture 8">
-            <a:extLst>
-              <a:ext uri="{FF2B5EF4-FFF2-40B4-BE49-F238E27FC236}">
-                <a16:creationId xmlns:a16="http://schemas.microsoft.com/office/drawing/2014/main" id="{576124E4-D190-EB5C-125F-69958A4864F5}"/>
-              </a:ext>
-            </a:extLst>
-          </p:cNvPr>
-          <p:cNvPicPr>
-            <a:picLocks noChangeAspect="1"/>
-          </p:cNvPicPr>
-          <p:nvPr/>
-        </p:nvPicPr>
-        <p:blipFill>
-          <a:blip r:embed="rId4"/>
-          <a:stretch>
-            <a:fillRect/>
-          </a:stretch>
-        </p:blipFill>
-        <p:spPr>
-          <a:xfrm>
-            <a:off x="4020808" y="1184790"/>
-            <a:ext cx="4560203" cy="2773920"/>
+            <a:off x="859500" y="1872005"/>
+            <a:ext cx="1244210" cy="1244210"/>
           </a:xfrm>
           <a:prstGeom prst="rect">
             <a:avLst/>
@@ -9265,95 +12301,255 @@
         </p:nvSpPr>
         <p:spPr>
           <a:xfrm>
-            <a:off x="508001" y="1462695"/>
-            <a:ext cx="3539343" cy="2308324"/>
+            <a:off x="2626660" y="1620441"/>
+            <a:ext cx="4328840" cy="2910580"/>
           </a:xfrm>
           <a:prstGeom prst="rect">
             <a:avLst/>
           </a:prstGeom>
-          <a:noFill/>
         </p:spPr>
         <p:txBody>
-          <a:bodyPr wrap="square" rtlCol="0">
-            <a:spAutoFit/>
+          <a:bodyPr vert="horz" lIns="91440" tIns="45720" rIns="91440" bIns="45720" rtlCol="0">
+            <a:normAutofit/>
           </a:bodyPr>
           <a:lstStyle/>
           <a:p>
+            <a:pPr>
+              <a:lnSpc>
+                <a:spcPct val="90000"/>
+              </a:lnSpc>
+              <a:spcBef>
+                <a:spcPts val="1000"/>
+              </a:spcBef>
+              <a:buClr>
+                <a:schemeClr val="accent1"/>
+              </a:buClr>
+              <a:buSzPct val="80000"/>
+              <a:buFont typeface="Wingdings 3" charset="2"/>
+              <a:buChar char=""/>
+            </a:pPr>
             <a:r>
-              <a:rPr lang="en-IN" sz="1600" dirty="0"/>
+              <a:rPr lang="en-US" sz="1400">
+                <a:solidFill>
+                  <a:schemeClr val="tx1">
+                    <a:lumMod val="75000"/>
+                    <a:lumOff val="25000"/>
+                  </a:schemeClr>
+                </a:solidFill>
+              </a:rPr>
               <a:t> Testing Tools:</a:t>
             </a:r>
           </a:p>
           <a:p>
             <a:pPr marL="285750" indent="-285750">
-              <a:buFont typeface="Arial" panose="020B0604020202020204" pitchFamily="34" charset="0"/>
-              <a:buChar char="•"/>
+              <a:lnSpc>
+                <a:spcPct val="90000"/>
+              </a:lnSpc>
+              <a:spcBef>
+                <a:spcPts val="1000"/>
+              </a:spcBef>
+              <a:buClr>
+                <a:schemeClr val="accent1"/>
+              </a:buClr>
+              <a:buSzPct val="80000"/>
+              <a:buFont typeface="Wingdings 3" charset="2"/>
+              <a:buChar char=""/>
             </a:pPr>
             <a:r>
-              <a:rPr lang="en-IN" sz="1600" dirty="0"/>
+              <a:rPr lang="en-US" sz="1400">
+                <a:solidFill>
+                  <a:schemeClr val="tx1">
+                    <a:lumMod val="75000"/>
+                    <a:lumOff val="25000"/>
+                  </a:schemeClr>
+                </a:solidFill>
+              </a:rPr>
               <a:t>JMeter</a:t>
             </a:r>
           </a:p>
           <a:p>
             <a:pPr marL="285750" indent="-285750">
-              <a:buFont typeface="Arial" panose="020B0604020202020204" pitchFamily="34" charset="0"/>
-              <a:buChar char="•"/>
+              <a:lnSpc>
+                <a:spcPct val="90000"/>
+              </a:lnSpc>
+              <a:spcBef>
+                <a:spcPts val="1000"/>
+              </a:spcBef>
+              <a:buClr>
+                <a:schemeClr val="accent1"/>
+              </a:buClr>
+              <a:buSzPct val="80000"/>
+              <a:buFont typeface="Wingdings 3" charset="2"/>
+              <a:buChar char=""/>
             </a:pPr>
             <a:r>
-              <a:rPr lang="en-IN" sz="1600" dirty="0"/>
+              <a:rPr lang="en-US" sz="1400">
+                <a:solidFill>
+                  <a:schemeClr val="tx1">
+                    <a:lumMod val="75000"/>
+                    <a:lumOff val="25000"/>
+                  </a:schemeClr>
+                </a:solidFill>
+              </a:rPr>
               <a:t>React-Testing</a:t>
             </a:r>
           </a:p>
           <a:p>
             <a:pPr marL="285750" indent="-285750">
-              <a:buFont typeface="Arial" panose="020B0604020202020204" pitchFamily="34" charset="0"/>
-              <a:buChar char="•"/>
+              <a:lnSpc>
+                <a:spcPct val="90000"/>
+              </a:lnSpc>
+              <a:spcBef>
+                <a:spcPts val="1000"/>
+              </a:spcBef>
+              <a:buClr>
+                <a:schemeClr val="accent1"/>
+              </a:buClr>
+              <a:buSzPct val="80000"/>
+              <a:buFont typeface="Wingdings 3" charset="2"/>
+              <a:buChar char=""/>
             </a:pPr>
             <a:r>
-              <a:rPr lang="en-IN" sz="1600" dirty="0"/>
+              <a:rPr lang="en-US" sz="1400">
+                <a:solidFill>
+                  <a:schemeClr val="tx1">
+                    <a:lumMod val="75000"/>
+                    <a:lumOff val="25000"/>
+                  </a:schemeClr>
+                </a:solidFill>
+              </a:rPr>
               <a:t>Mocking</a:t>
             </a:r>
           </a:p>
           <a:p>
             <a:pPr marL="285750" indent="-285750">
-              <a:buFont typeface="Arial" panose="020B0604020202020204" pitchFamily="34" charset="0"/>
-              <a:buChar char="•"/>
+              <a:lnSpc>
+                <a:spcPct val="90000"/>
+              </a:lnSpc>
+              <a:spcBef>
+                <a:spcPts val="1000"/>
+              </a:spcBef>
+              <a:buClr>
+                <a:schemeClr val="accent1"/>
+              </a:buClr>
+              <a:buSzPct val="80000"/>
+              <a:buFont typeface="Wingdings 3" charset="2"/>
+              <a:buChar char=""/>
             </a:pPr>
             <a:r>
-              <a:rPr lang="en-IN" sz="1600" dirty="0"/>
+              <a:rPr lang="en-US" sz="1400">
+                <a:solidFill>
+                  <a:schemeClr val="tx1">
+                    <a:lumMod val="75000"/>
+                    <a:lumOff val="25000"/>
+                  </a:schemeClr>
+                </a:solidFill>
+              </a:rPr>
               <a:t>J Unit</a:t>
             </a:r>
           </a:p>
           <a:p>
             <a:pPr marL="285750" indent="-285750">
-              <a:buFont typeface="Arial" panose="020B0604020202020204" pitchFamily="34" charset="0"/>
-              <a:buChar char="•"/>
+              <a:lnSpc>
+                <a:spcPct val="90000"/>
+              </a:lnSpc>
+              <a:spcBef>
+                <a:spcPts val="1000"/>
+              </a:spcBef>
+              <a:buClr>
+                <a:schemeClr val="accent1"/>
+              </a:buClr>
+              <a:buSzPct val="80000"/>
+              <a:buFont typeface="Wingdings 3" charset="2"/>
+              <a:buChar char=""/>
             </a:pPr>
-            <a:endParaRPr lang="en-IN" sz="1600" dirty="0"/>
-          </a:p>
-          <a:p>
+            <a:endParaRPr lang="en-US" sz="1400">
+              <a:solidFill>
+                <a:schemeClr val="tx1">
+                  <a:lumMod val="75000"/>
+                  <a:lumOff val="25000"/>
+                </a:schemeClr>
+              </a:solidFill>
+            </a:endParaRPr>
+          </a:p>
+          <a:p>
+            <a:pPr>
+              <a:lnSpc>
+                <a:spcPct val="90000"/>
+              </a:lnSpc>
+              <a:spcBef>
+                <a:spcPts val="1000"/>
+              </a:spcBef>
+              <a:buClr>
+                <a:schemeClr val="accent1"/>
+              </a:buClr>
+              <a:buSzPct val="80000"/>
+              <a:buFont typeface="Wingdings 3" charset="2"/>
+              <a:buChar char=""/>
+            </a:pPr>
             <a:r>
-              <a:rPr lang="en-IN" sz="1600" dirty="0"/>
+              <a:rPr lang="en-US" sz="1400">
+                <a:solidFill>
+                  <a:schemeClr val="tx1">
+                    <a:lumMod val="75000"/>
+                    <a:lumOff val="25000"/>
+                  </a:schemeClr>
+                </a:solidFill>
+              </a:rPr>
               <a:t>Dependencies:</a:t>
             </a:r>
           </a:p>
           <a:p>
             <a:pPr marL="285750" indent="-285750">
-              <a:buFont typeface="Arial" panose="020B0604020202020204" pitchFamily="34" charset="0"/>
-              <a:buChar char="•"/>
+              <a:lnSpc>
+                <a:spcPct val="90000"/>
+              </a:lnSpc>
+              <a:spcBef>
+                <a:spcPts val="1000"/>
+              </a:spcBef>
+              <a:buClr>
+                <a:schemeClr val="accent1"/>
+              </a:buClr>
+              <a:buSzPct val="80000"/>
+              <a:buFont typeface="Wingdings 3" charset="2"/>
+              <a:buChar char=""/>
             </a:pPr>
             <a:r>
-              <a:rPr lang="en-IN" sz="1600" dirty="0"/>
+              <a:rPr lang="en-US" sz="1400">
+                <a:solidFill>
+                  <a:schemeClr val="tx1">
+                    <a:lumMod val="75000"/>
+                    <a:lumOff val="25000"/>
+                  </a:schemeClr>
+                </a:solidFill>
+              </a:rPr>
               <a:t>spring-boot-starter-test</a:t>
             </a:r>
           </a:p>
           <a:p>
             <a:pPr marL="285750" indent="-285750">
-              <a:buFont typeface="Arial" panose="020B0604020202020204" pitchFamily="34" charset="0"/>
-              <a:buChar char="•"/>
+              <a:lnSpc>
+                <a:spcPct val="90000"/>
+              </a:lnSpc>
+              <a:spcBef>
+                <a:spcPts val="1000"/>
+              </a:spcBef>
+              <a:buClr>
+                <a:schemeClr val="accent1"/>
+              </a:buClr>
+              <a:buSzPct val="80000"/>
+              <a:buFont typeface="Wingdings 3" charset="2"/>
+              <a:buChar char=""/>
             </a:pPr>
             <a:r>
-              <a:rPr lang="en-IN" sz="1600" dirty="0"/>
+              <a:rPr lang="en-US" sz="1400">
+                <a:solidFill>
+                  <a:schemeClr val="tx1">
+                    <a:lumMod val="75000"/>
+                    <a:lumOff val="25000"/>
+                  </a:schemeClr>
+                </a:solidFill>
+              </a:rPr>
               <a:t>initializr-generator-test</a:t>
             </a:r>
           </a:p>
@@ -9361,10 +12557,10 @@
       </p:sp>
       <p:pic>
         <p:nvPicPr>
-          <p:cNvPr id="5" name="Picture 4" descr="A black and red text&#10;&#10;Description automatically generated">
+          <p:cNvPr id="9" name="Picture 8">
             <a:extLst>
               <a:ext uri="{FF2B5EF4-FFF2-40B4-BE49-F238E27FC236}">
-                <a16:creationId xmlns:a16="http://schemas.microsoft.com/office/drawing/2014/main" id="{88512F16-B3E6-E4D4-C872-1A9C15096F7E}"/>
+                <a16:creationId xmlns:a16="http://schemas.microsoft.com/office/drawing/2014/main" id="{576124E4-D190-EB5C-125F-69958A4864F5}"/>
               </a:ext>
             </a:extLst>
           </p:cNvPr>
@@ -9381,14 +12577,52 @@
         </p:blipFill>
         <p:spPr>
           <a:xfrm>
-            <a:off x="5804328" y="4187878"/>
-            <a:ext cx="993162" cy="496581"/>
+            <a:off x="507999" y="3318305"/>
+            <a:ext cx="1947211" cy="1182930"/>
           </a:xfrm>
           <a:prstGeom prst="rect">
             <a:avLst/>
           </a:prstGeom>
         </p:spPr>
       </p:pic>
+      <p:sp>
+        <p:nvSpPr>
+          <p:cNvPr id="3" name="Slide Number Placeholder 2">
+            <a:extLst>
+              <a:ext uri="{FF2B5EF4-FFF2-40B4-BE49-F238E27FC236}">
+                <a16:creationId xmlns:a16="http://schemas.microsoft.com/office/drawing/2014/main" id="{25FF36A5-0AFB-365E-D701-ED7478C2D714}"/>
+              </a:ext>
+            </a:extLst>
+          </p:cNvPr>
+          <p:cNvSpPr>
+            <a:spLocks noGrp="1"/>
+          </p:cNvSpPr>
+          <p:nvPr>
+            <p:ph type="sldNum" sz="quarter" idx="12"/>
+          </p:nvPr>
+        </p:nvSpPr>
+        <p:spPr/>
+        <p:txBody>
+          <a:bodyPr/>
+          <a:lstStyle/>
+          <a:p>
+            <a:pPr marL="0" lvl="0" indent="0" algn="r" rtl="0">
+              <a:spcBef>
+                <a:spcPts val="0"/>
+              </a:spcBef>
+              <a:spcAft>
+                <a:spcPts val="0"/>
+              </a:spcAft>
+              <a:buNone/>
+            </a:pPr>
+            <a:fld id="{00000000-1234-1234-1234-123412341234}" type="slidenum">
+              <a:rPr lang="en-GB" smtClean="0"/>
+              <a:t>5</a:t>
+            </a:fld>
+            <a:endParaRPr lang="en-GB" dirty="0"/>
+          </a:p>
+        </p:txBody>
+      </p:sp>
     </p:spTree>
     <p:extLst>
       <p:ext uri="{BB962C8B-B14F-4D97-AF65-F5344CB8AC3E}">
@@ -9399,6 +12633,297 @@
   <p:clrMapOvr>
     <a:masterClrMapping/>
   </p:clrMapOvr>
+  <p:timing>
+    <p:tnLst>
+      <p:par>
+        <p:cTn id="1" dur="indefinite" restart="never" nodeType="tmRoot">
+          <p:childTnLst>
+            <p:seq concurrent="1" nextAc="seek">
+              <p:cTn id="2" dur="indefinite" nodeType="mainSeq">
+                <p:childTnLst>
+                  <p:par>
+                    <p:cTn id="3" fill="hold">
+                      <p:stCondLst>
+                        <p:cond delay="indefinite"/>
+                      </p:stCondLst>
+                      <p:childTnLst>
+                        <p:par>
+                          <p:cTn id="4" fill="hold">
+                            <p:stCondLst>
+                              <p:cond delay="0"/>
+                            </p:stCondLst>
+                            <p:childTnLst>
+                              <p:par>
+                                <p:cTn id="5" presetID="42" presetClass="entr" presetSubtype="0" fill="hold" grpId="0" nodeType="clickEffect">
+                                  <p:stCondLst>
+                                    <p:cond delay="0"/>
+                                  </p:stCondLst>
+                                  <p:childTnLst>
+                                    <p:set>
+                                      <p:cBhvr>
+                                        <p:cTn id="6" dur="1" fill="hold">
+                                          <p:stCondLst>
+                                            <p:cond delay="0"/>
+                                          </p:stCondLst>
+                                        </p:cTn>
+                                        <p:tgtEl>
+                                          <p:spTgt spid="2"/>
+                                        </p:tgtEl>
+                                        <p:attrNameLst>
+                                          <p:attrName>style.visibility</p:attrName>
+                                        </p:attrNameLst>
+                                      </p:cBhvr>
+                                      <p:to>
+                                        <p:strVal val="visible"/>
+                                      </p:to>
+                                    </p:set>
+                                    <p:animEffect transition="in" filter="fade">
+                                      <p:cBhvr>
+                                        <p:cTn id="7" dur="1000"/>
+                                        <p:tgtEl>
+                                          <p:spTgt spid="2"/>
+                                        </p:tgtEl>
+                                      </p:cBhvr>
+                                    </p:animEffect>
+                                    <p:anim calcmode="lin" valueType="num">
+                                      <p:cBhvr>
+                                        <p:cTn id="8" dur="1000" fill="hold"/>
+                                        <p:tgtEl>
+                                          <p:spTgt spid="2"/>
+                                        </p:tgtEl>
+                                        <p:attrNameLst>
+                                          <p:attrName>ppt_x</p:attrName>
+                                        </p:attrNameLst>
+                                      </p:cBhvr>
+                                      <p:tavLst>
+                                        <p:tav tm="0">
+                                          <p:val>
+                                            <p:strVal val="#ppt_x"/>
+                                          </p:val>
+                                        </p:tav>
+                                        <p:tav tm="100000">
+                                          <p:val>
+                                            <p:strVal val="#ppt_x"/>
+                                          </p:val>
+                                        </p:tav>
+                                      </p:tavLst>
+                                    </p:anim>
+                                    <p:anim calcmode="lin" valueType="num">
+                                      <p:cBhvr>
+                                        <p:cTn id="9" dur="1000" fill="hold"/>
+                                        <p:tgtEl>
+                                          <p:spTgt spid="2"/>
+                                        </p:tgtEl>
+                                        <p:attrNameLst>
+                                          <p:attrName>ppt_y</p:attrName>
+                                        </p:attrNameLst>
+                                      </p:cBhvr>
+                                      <p:tavLst>
+                                        <p:tav tm="0">
+                                          <p:val>
+                                            <p:strVal val="#ppt_y+.1"/>
+                                          </p:val>
+                                        </p:tav>
+                                        <p:tav tm="100000">
+                                          <p:val>
+                                            <p:strVal val="#ppt_y"/>
+                                          </p:val>
+                                        </p:tav>
+                                      </p:tavLst>
+                                    </p:anim>
+                                  </p:childTnLst>
+                                </p:cTn>
+                              </p:par>
+                            </p:childTnLst>
+                          </p:cTn>
+                        </p:par>
+                      </p:childTnLst>
+                    </p:cTn>
+                  </p:par>
+                  <p:par>
+                    <p:cTn id="10" fill="hold">
+                      <p:stCondLst>
+                        <p:cond delay="indefinite"/>
+                      </p:stCondLst>
+                      <p:childTnLst>
+                        <p:par>
+                          <p:cTn id="11" fill="hold">
+                            <p:stCondLst>
+                              <p:cond delay="0"/>
+                            </p:stCondLst>
+                            <p:childTnLst>
+                              <p:par>
+                                <p:cTn id="12" presetID="14" presetClass="entr" presetSubtype="10" fill="hold" nodeType="clickEffect">
+                                  <p:stCondLst>
+                                    <p:cond delay="0"/>
+                                  </p:stCondLst>
+                                  <p:childTnLst>
+                                    <p:set>
+                                      <p:cBhvr>
+                                        <p:cTn id="13" dur="1" fill="hold">
+                                          <p:stCondLst>
+                                            <p:cond delay="0"/>
+                                          </p:stCondLst>
+                                        </p:cTn>
+                                        <p:tgtEl>
+                                          <p:spTgt spid="5"/>
+                                        </p:tgtEl>
+                                        <p:attrNameLst>
+                                          <p:attrName>style.visibility</p:attrName>
+                                        </p:attrNameLst>
+                                      </p:cBhvr>
+                                      <p:to>
+                                        <p:strVal val="visible"/>
+                                      </p:to>
+                                    </p:set>
+                                    <p:animEffect transition="in" filter="randombar(horizontal)">
+                                      <p:cBhvr>
+                                        <p:cTn id="14" dur="500"/>
+                                        <p:tgtEl>
+                                          <p:spTgt spid="5"/>
+                                        </p:tgtEl>
+                                      </p:cBhvr>
+                                    </p:animEffect>
+                                  </p:childTnLst>
+                                </p:cTn>
+                              </p:par>
+                              <p:par>
+                                <p:cTn id="15" presetID="14" presetClass="entr" presetSubtype="10" fill="hold" grpId="0" nodeType="withEffect">
+                                  <p:stCondLst>
+                                    <p:cond delay="0"/>
+                                  </p:stCondLst>
+                                  <p:childTnLst>
+                                    <p:set>
+                                      <p:cBhvr>
+                                        <p:cTn id="16" dur="1" fill="hold">
+                                          <p:stCondLst>
+                                            <p:cond delay="0"/>
+                                          </p:stCondLst>
+                                        </p:cTn>
+                                        <p:tgtEl>
+                                          <p:spTgt spid="10"/>
+                                        </p:tgtEl>
+                                        <p:attrNameLst>
+                                          <p:attrName>style.visibility</p:attrName>
+                                        </p:attrNameLst>
+                                      </p:cBhvr>
+                                      <p:to>
+                                        <p:strVal val="visible"/>
+                                      </p:to>
+                                    </p:set>
+                                    <p:animEffect transition="in" filter="randombar(horizontal)">
+                                      <p:cBhvr>
+                                        <p:cTn id="17" dur="500"/>
+                                        <p:tgtEl>
+                                          <p:spTgt spid="10"/>
+                                        </p:tgtEl>
+                                      </p:cBhvr>
+                                    </p:animEffect>
+                                  </p:childTnLst>
+                                </p:cTn>
+                              </p:par>
+                              <p:par>
+                                <p:cTn id="18" presetID="14" presetClass="entr" presetSubtype="10" fill="hold" nodeType="withEffect">
+                                  <p:stCondLst>
+                                    <p:cond delay="0"/>
+                                  </p:stCondLst>
+                                  <p:childTnLst>
+                                    <p:set>
+                                      <p:cBhvr>
+                                        <p:cTn id="19" dur="1" fill="hold">
+                                          <p:stCondLst>
+                                            <p:cond delay="0"/>
+                                          </p:stCondLst>
+                                        </p:cTn>
+                                        <p:tgtEl>
+                                          <p:spTgt spid="4"/>
+                                        </p:tgtEl>
+                                        <p:attrNameLst>
+                                          <p:attrName>style.visibility</p:attrName>
+                                        </p:attrNameLst>
+                                      </p:cBhvr>
+                                      <p:to>
+                                        <p:strVal val="visible"/>
+                                      </p:to>
+                                    </p:set>
+                                    <p:animEffect transition="in" filter="randombar(horizontal)">
+                                      <p:cBhvr>
+                                        <p:cTn id="20" dur="500"/>
+                                        <p:tgtEl>
+                                          <p:spTgt spid="4"/>
+                                        </p:tgtEl>
+                                      </p:cBhvr>
+                                    </p:animEffect>
+                                  </p:childTnLst>
+                                </p:cTn>
+                              </p:par>
+                              <p:par>
+                                <p:cTn id="21" presetID="14" presetClass="entr" presetSubtype="10" fill="hold" nodeType="withEffect">
+                                  <p:stCondLst>
+                                    <p:cond delay="0"/>
+                                  </p:stCondLst>
+                                  <p:childTnLst>
+                                    <p:set>
+                                      <p:cBhvr>
+                                        <p:cTn id="22" dur="1" fill="hold">
+                                          <p:stCondLst>
+                                            <p:cond delay="0"/>
+                                          </p:stCondLst>
+                                        </p:cTn>
+                                        <p:tgtEl>
+                                          <p:spTgt spid="9"/>
+                                        </p:tgtEl>
+                                        <p:attrNameLst>
+                                          <p:attrName>style.visibility</p:attrName>
+                                        </p:attrNameLst>
+                                      </p:cBhvr>
+                                      <p:to>
+                                        <p:strVal val="visible"/>
+                                      </p:to>
+                                    </p:set>
+                                    <p:animEffect transition="in" filter="randombar(horizontal)">
+                                      <p:cBhvr>
+                                        <p:cTn id="23" dur="500"/>
+                                        <p:tgtEl>
+                                          <p:spTgt spid="9"/>
+                                        </p:tgtEl>
+                                      </p:cBhvr>
+                                    </p:animEffect>
+                                  </p:childTnLst>
+                                </p:cTn>
+                              </p:par>
+                            </p:childTnLst>
+                          </p:cTn>
+                        </p:par>
+                      </p:childTnLst>
+                    </p:cTn>
+                  </p:par>
+                </p:childTnLst>
+              </p:cTn>
+              <p:prevCondLst>
+                <p:cond evt="onPrev" delay="0">
+                  <p:tgtEl>
+                    <p:sldTgt/>
+                  </p:tgtEl>
+                </p:cond>
+              </p:prevCondLst>
+              <p:nextCondLst>
+                <p:cond evt="onNext" delay="0">
+                  <p:tgtEl>
+                    <p:sldTgt/>
+                  </p:tgtEl>
+                </p:cond>
+              </p:nextCondLst>
+            </p:seq>
+          </p:childTnLst>
+        </p:cTn>
+      </p:par>
+    </p:tnLst>
+    <p:bldLst>
+      <p:bldP spid="2" grpId="0"/>
+      <p:bldP spid="10" grpId="0"/>
+    </p:bldLst>
+  </p:timing>
 </p:sld>
 </file>
 
@@ -9521,6 +13046,44 @@
           </a:prstGeom>
         </p:spPr>
       </p:pic>
+      <p:sp>
+        <p:nvSpPr>
+          <p:cNvPr id="5" name="Slide Number Placeholder 4">
+            <a:extLst>
+              <a:ext uri="{FF2B5EF4-FFF2-40B4-BE49-F238E27FC236}">
+                <a16:creationId xmlns:a16="http://schemas.microsoft.com/office/drawing/2014/main" id="{839A5953-9D43-3BFA-C793-01B8227DCCAF}"/>
+              </a:ext>
+            </a:extLst>
+          </p:cNvPr>
+          <p:cNvSpPr>
+            <a:spLocks noGrp="1"/>
+          </p:cNvSpPr>
+          <p:nvPr>
+            <p:ph type="sldNum" sz="quarter" idx="12"/>
+          </p:nvPr>
+        </p:nvSpPr>
+        <p:spPr/>
+        <p:txBody>
+          <a:bodyPr/>
+          <a:lstStyle/>
+          <a:p>
+            <a:pPr marL="0" lvl="0" indent="0" algn="r" rtl="0">
+              <a:spcBef>
+                <a:spcPts val="0"/>
+              </a:spcBef>
+              <a:spcAft>
+                <a:spcPts val="0"/>
+              </a:spcAft>
+              <a:buNone/>
+            </a:pPr>
+            <a:fld id="{00000000-1234-1234-1234-123412341234}" type="slidenum">
+              <a:rPr lang="en-GB" smtClean="0"/>
+              <a:t>6</a:t>
+            </a:fld>
+            <a:endParaRPr lang="en-GB" dirty="0"/>
+          </a:p>
+        </p:txBody>
+      </p:sp>
     </p:spTree>
     <p:extLst>
       <p:ext uri="{BB962C8B-B14F-4D97-AF65-F5344CB8AC3E}">
@@ -9531,6 +13094,272 @@
   <p:clrMapOvr>
     <a:masterClrMapping/>
   </p:clrMapOvr>
+  <p:timing>
+    <p:tnLst>
+      <p:par>
+        <p:cTn id="1" dur="indefinite" restart="never" nodeType="tmRoot">
+          <p:childTnLst>
+            <p:seq concurrent="1" nextAc="seek">
+              <p:cTn id="2" dur="indefinite" nodeType="mainSeq">
+                <p:childTnLst>
+                  <p:par>
+                    <p:cTn id="3" fill="hold">
+                      <p:stCondLst>
+                        <p:cond delay="indefinite"/>
+                      </p:stCondLst>
+                      <p:childTnLst>
+                        <p:par>
+                          <p:cTn id="4" fill="hold">
+                            <p:stCondLst>
+                              <p:cond delay="0"/>
+                            </p:stCondLst>
+                            <p:childTnLst>
+                              <p:par>
+                                <p:cTn id="5" presetID="42" presetClass="entr" presetSubtype="0" fill="hold" nodeType="clickEffect">
+                                  <p:stCondLst>
+                                    <p:cond delay="0"/>
+                                  </p:stCondLst>
+                                  <p:childTnLst>
+                                    <p:set>
+                                      <p:cBhvr>
+                                        <p:cTn id="6" dur="1" fill="hold">
+                                          <p:stCondLst>
+                                            <p:cond delay="0"/>
+                                          </p:stCondLst>
+                                        </p:cTn>
+                                        <p:tgtEl>
+                                          <p:spTgt spid="4"/>
+                                        </p:tgtEl>
+                                        <p:attrNameLst>
+                                          <p:attrName>style.visibility</p:attrName>
+                                        </p:attrNameLst>
+                                      </p:cBhvr>
+                                      <p:to>
+                                        <p:strVal val="visible"/>
+                                      </p:to>
+                                    </p:set>
+                                    <p:animEffect transition="in" filter="fade">
+                                      <p:cBhvr>
+                                        <p:cTn id="7" dur="1000"/>
+                                        <p:tgtEl>
+                                          <p:spTgt spid="4"/>
+                                        </p:tgtEl>
+                                      </p:cBhvr>
+                                    </p:animEffect>
+                                    <p:anim calcmode="lin" valueType="num">
+                                      <p:cBhvr>
+                                        <p:cTn id="8" dur="1000" fill="hold"/>
+                                        <p:tgtEl>
+                                          <p:spTgt spid="4"/>
+                                        </p:tgtEl>
+                                        <p:attrNameLst>
+                                          <p:attrName>ppt_x</p:attrName>
+                                        </p:attrNameLst>
+                                      </p:cBhvr>
+                                      <p:tavLst>
+                                        <p:tav tm="0">
+                                          <p:val>
+                                            <p:strVal val="#ppt_x"/>
+                                          </p:val>
+                                        </p:tav>
+                                        <p:tav tm="100000">
+                                          <p:val>
+                                            <p:strVal val="#ppt_x"/>
+                                          </p:val>
+                                        </p:tav>
+                                      </p:tavLst>
+                                    </p:anim>
+                                    <p:anim calcmode="lin" valueType="num">
+                                      <p:cBhvr>
+                                        <p:cTn id="9" dur="1000" fill="hold"/>
+                                        <p:tgtEl>
+                                          <p:spTgt spid="4"/>
+                                        </p:tgtEl>
+                                        <p:attrNameLst>
+                                          <p:attrName>ppt_y</p:attrName>
+                                        </p:attrNameLst>
+                                      </p:cBhvr>
+                                      <p:tavLst>
+                                        <p:tav tm="0">
+                                          <p:val>
+                                            <p:strVal val="#ppt_y+.1"/>
+                                          </p:val>
+                                        </p:tav>
+                                        <p:tav tm="100000">
+                                          <p:val>
+                                            <p:strVal val="#ppt_y"/>
+                                          </p:val>
+                                        </p:tav>
+                                      </p:tavLst>
+                                    </p:anim>
+                                  </p:childTnLst>
+                                </p:cTn>
+                              </p:par>
+                              <p:par>
+                                <p:cTn id="10" presetID="42" presetClass="entr" presetSubtype="0" fill="hold" grpId="0" nodeType="withEffect">
+                                  <p:stCondLst>
+                                    <p:cond delay="0"/>
+                                  </p:stCondLst>
+                                  <p:childTnLst>
+                                    <p:set>
+                                      <p:cBhvr>
+                                        <p:cTn id="11" dur="1" fill="hold">
+                                          <p:stCondLst>
+                                            <p:cond delay="0"/>
+                                          </p:stCondLst>
+                                        </p:cTn>
+                                        <p:tgtEl>
+                                          <p:spTgt spid="2"/>
+                                        </p:tgtEl>
+                                        <p:attrNameLst>
+                                          <p:attrName>style.visibility</p:attrName>
+                                        </p:attrNameLst>
+                                      </p:cBhvr>
+                                      <p:to>
+                                        <p:strVal val="visible"/>
+                                      </p:to>
+                                    </p:set>
+                                    <p:animEffect transition="in" filter="fade">
+                                      <p:cBhvr>
+                                        <p:cTn id="12" dur="1000"/>
+                                        <p:tgtEl>
+                                          <p:spTgt spid="2"/>
+                                        </p:tgtEl>
+                                      </p:cBhvr>
+                                    </p:animEffect>
+                                    <p:anim calcmode="lin" valueType="num">
+                                      <p:cBhvr>
+                                        <p:cTn id="13" dur="1000" fill="hold"/>
+                                        <p:tgtEl>
+                                          <p:spTgt spid="2"/>
+                                        </p:tgtEl>
+                                        <p:attrNameLst>
+                                          <p:attrName>ppt_x</p:attrName>
+                                        </p:attrNameLst>
+                                      </p:cBhvr>
+                                      <p:tavLst>
+                                        <p:tav tm="0">
+                                          <p:val>
+                                            <p:strVal val="#ppt_x"/>
+                                          </p:val>
+                                        </p:tav>
+                                        <p:tav tm="100000">
+                                          <p:val>
+                                            <p:strVal val="#ppt_x"/>
+                                          </p:val>
+                                        </p:tav>
+                                      </p:tavLst>
+                                    </p:anim>
+                                    <p:anim calcmode="lin" valueType="num">
+                                      <p:cBhvr>
+                                        <p:cTn id="14" dur="1000" fill="hold"/>
+                                        <p:tgtEl>
+                                          <p:spTgt spid="2"/>
+                                        </p:tgtEl>
+                                        <p:attrNameLst>
+                                          <p:attrName>ppt_y</p:attrName>
+                                        </p:attrNameLst>
+                                      </p:cBhvr>
+                                      <p:tavLst>
+                                        <p:tav tm="0">
+                                          <p:val>
+                                            <p:strVal val="#ppt_y+.1"/>
+                                          </p:val>
+                                        </p:tav>
+                                        <p:tav tm="100000">
+                                          <p:val>
+                                            <p:strVal val="#ppt_y"/>
+                                          </p:val>
+                                        </p:tav>
+                                      </p:tavLst>
+                                    </p:anim>
+                                  </p:childTnLst>
+                                </p:cTn>
+                              </p:par>
+                            </p:childTnLst>
+                          </p:cTn>
+                        </p:par>
+                      </p:childTnLst>
+                    </p:cTn>
+                  </p:par>
+                  <p:par>
+                    <p:cTn id="15" fill="hold">
+                      <p:stCondLst>
+                        <p:cond delay="indefinite"/>
+                      </p:stCondLst>
+                      <p:childTnLst>
+                        <p:par>
+                          <p:cTn id="16" fill="hold">
+                            <p:stCondLst>
+                              <p:cond delay="0"/>
+                            </p:stCondLst>
+                            <p:childTnLst>
+                              <p:par>
+                                <p:cTn id="17" presetID="14" presetClass="entr" presetSubtype="10" fill="hold" nodeType="clickEffect">
+                                  <p:stCondLst>
+                                    <p:cond delay="0"/>
+                                  </p:stCondLst>
+                                  <p:childTnLst>
+                                    <p:set>
+                                      <p:cBhvr>
+                                        <p:cTn id="18" dur="1" fill="hold">
+                                          <p:stCondLst>
+                                            <p:cond delay="0"/>
+                                          </p:stCondLst>
+                                        </p:cTn>
+                                        <p:tgtEl>
+                                          <p:spTgt spid="3"/>
+                                        </p:tgtEl>
+                                        <p:attrNameLst>
+                                          <p:attrName>style.visibility</p:attrName>
+                                        </p:attrNameLst>
+                                      </p:cBhvr>
+                                      <p:to>
+                                        <p:strVal val="visible"/>
+                                      </p:to>
+                                    </p:set>
+                                    <p:animEffect transition="in" filter="randombar(horizontal)">
+                                      <p:cBhvr>
+                                        <p:cTn id="19" dur="500"/>
+                                        <p:tgtEl>
+                                          <p:spTgt spid="3"/>
+                                        </p:tgtEl>
+                                      </p:cBhvr>
+                                    </p:animEffect>
+                                  </p:childTnLst>
+                                </p:cTn>
+                              </p:par>
+                            </p:childTnLst>
+                          </p:cTn>
+                        </p:par>
+                      </p:childTnLst>
+                    </p:cTn>
+                  </p:par>
+                </p:childTnLst>
+              </p:cTn>
+              <p:prevCondLst>
+                <p:cond evt="onPrev" delay="0">
+                  <p:tgtEl>
+                    <p:sldTgt/>
+                  </p:tgtEl>
+                </p:cond>
+              </p:prevCondLst>
+              <p:nextCondLst>
+                <p:cond evt="onNext" delay="0">
+                  <p:tgtEl>
+                    <p:sldTgt/>
+                  </p:tgtEl>
+                </p:cond>
+              </p:nextCondLst>
+            </p:seq>
+          </p:childTnLst>
+        </p:cTn>
+      </p:par>
+    </p:tnLst>
+    <p:bldLst>
+      <p:bldP spid="2" grpId="0"/>
+    </p:bldLst>
+  </p:timing>
 </p:sld>
 </file>
 
@@ -9621,7 +13450,7 @@
           <p:nvPr/>
         </p:nvPicPr>
         <p:blipFill>
-          <a:blip r:embed="rId2"/>
+          <a:blip r:embed="rId3"/>
           <a:stretch>
             <a:fillRect/>
           </a:stretch>
@@ -9651,7 +13480,7 @@
           <p:nvPr/>
         </p:nvPicPr>
         <p:blipFill>
-          <a:blip r:embed="rId3"/>
+          <a:blip r:embed="rId4"/>
           <a:stretch>
             <a:fillRect/>
           </a:stretch>
@@ -9681,7 +13510,7 @@
           <p:nvPr/>
         </p:nvPicPr>
         <p:blipFill>
-          <a:blip r:embed="rId4"/>
+          <a:blip r:embed="rId5"/>
           <a:stretch>
             <a:fillRect/>
           </a:stretch>
@@ -9711,7 +13540,7 @@
           <p:nvPr/>
         </p:nvPicPr>
         <p:blipFill>
-          <a:blip r:embed="rId5"/>
+          <a:blip r:embed="rId6"/>
           <a:stretch>
             <a:fillRect/>
           </a:stretch>
@@ -9741,7 +13570,7 @@
           <p:nvPr/>
         </p:nvPicPr>
         <p:blipFill>
-          <a:blip r:embed="rId6"/>
+          <a:blip r:embed="rId7"/>
           <a:stretch>
             <a:fillRect/>
           </a:stretch>
@@ -9770,7 +13599,7 @@
         </p:nvSpPr>
         <p:spPr>
           <a:xfrm>
-            <a:off x="6814412" y="1919051"/>
+            <a:off x="6955502" y="1966149"/>
             <a:ext cx="570990" cy="184666"/>
           </a:xfrm>
           <a:prstGeom prst="rect">
@@ -9809,47 +13638,6 @@
           <a:xfrm>
             <a:off x="3788230" y="1606912"/>
             <a:ext cx="541802" cy="0"/>
-          </a:xfrm>
-          <a:prstGeom prst="straightConnector1">
-            <a:avLst/>
-          </a:prstGeom>
-          <a:ln>
-            <a:tailEnd type="triangle"/>
-          </a:ln>
-        </p:spPr>
-        <p:style>
-          <a:lnRef idx="1">
-            <a:schemeClr val="dk1"/>
-          </a:lnRef>
-          <a:fillRef idx="0">
-            <a:schemeClr val="dk1"/>
-          </a:fillRef>
-          <a:effectRef idx="0">
-            <a:schemeClr val="dk1"/>
-          </a:effectRef>
-          <a:fontRef idx="minor">
-            <a:schemeClr val="tx1"/>
-          </a:fontRef>
-        </p:style>
-      </p:cxnSp>
-      <p:cxnSp>
-        <p:nvCxnSpPr>
-          <p:cNvPr id="22" name="Straight Arrow Connector 21">
-            <a:extLst>
-              <a:ext uri="{FF2B5EF4-FFF2-40B4-BE49-F238E27FC236}">
-                <a16:creationId xmlns:a16="http://schemas.microsoft.com/office/drawing/2014/main" id="{ACC235CC-B6D5-06CB-9CD5-02B35288BB53}"/>
-              </a:ext>
-            </a:extLst>
-          </p:cNvPr>
-          <p:cNvCxnSpPr>
-            <a:cxnSpLocks/>
-          </p:cNvCxnSpPr>
-          <p:nvPr/>
-        </p:nvCxnSpPr>
-        <p:spPr>
-          <a:xfrm>
-            <a:off x="6381511" y="1623230"/>
-            <a:ext cx="475282" cy="0"/>
           </a:xfrm>
           <a:prstGeom prst="straightConnector1">
             <a:avLst/>
@@ -9958,12 +13746,50 @@
           </a:fontRef>
         </p:style>
       </p:cxnSp>
+      <p:sp>
+        <p:nvSpPr>
+          <p:cNvPr id="6" name="Slide Number Placeholder 5">
+            <a:extLst>
+              <a:ext uri="{FF2B5EF4-FFF2-40B4-BE49-F238E27FC236}">
+                <a16:creationId xmlns:a16="http://schemas.microsoft.com/office/drawing/2014/main" id="{3657B8B4-78F2-EAD1-B757-0B53B07E895C}"/>
+              </a:ext>
+            </a:extLst>
+          </p:cNvPr>
+          <p:cNvSpPr>
+            <a:spLocks noGrp="1"/>
+          </p:cNvSpPr>
+          <p:nvPr>
+            <p:ph type="sldNum" sz="quarter" idx="12"/>
+          </p:nvPr>
+        </p:nvSpPr>
+        <p:spPr/>
+        <p:txBody>
+          <a:bodyPr/>
+          <a:lstStyle/>
+          <a:p>
+            <a:pPr marL="0" lvl="0" indent="0" algn="r" rtl="0">
+              <a:spcBef>
+                <a:spcPts val="0"/>
+              </a:spcBef>
+              <a:spcAft>
+                <a:spcPts val="0"/>
+              </a:spcAft>
+              <a:buNone/>
+            </a:pPr>
+            <a:fld id="{00000000-1234-1234-1234-123412341234}" type="slidenum">
+              <a:rPr lang="en-GB" smtClean="0"/>
+              <a:t>7</a:t>
+            </a:fld>
+            <a:endParaRPr lang="en-GB" dirty="0"/>
+          </a:p>
+        </p:txBody>
+      </p:sp>
       <p:pic>
         <p:nvPicPr>
-          <p:cNvPr id="36" name="Picture 35" descr="A stack of books with a buckle&#10;&#10;Description automatically generated">
+          <p:cNvPr id="12" name="Picture 11" descr="A stack of books with a buckle&#10;&#10;Description automatically generated">
             <a:extLst>
               <a:ext uri="{FF2B5EF4-FFF2-40B4-BE49-F238E27FC236}">
-                <a16:creationId xmlns:a16="http://schemas.microsoft.com/office/drawing/2014/main" id="{E97AEFF9-756F-8798-8DE3-DB4166EE4C83}"/>
+                <a16:creationId xmlns:a16="http://schemas.microsoft.com/office/drawing/2014/main" id="{2443796F-E812-3D76-3B6D-EFE00B4B9BB4}"/>
               </a:ext>
             </a:extLst>
           </p:cNvPr>
@@ -9973,21 +13799,62 @@
           <p:nvPr/>
         </p:nvPicPr>
         <p:blipFill>
-          <a:blip r:embed="rId7"/>
+          <a:blip r:embed="rId8"/>
           <a:stretch>
             <a:fillRect/>
           </a:stretch>
         </p:blipFill>
         <p:spPr>
           <a:xfrm>
-            <a:off x="6856794" y="1475333"/>
-            <a:ext cx="627324" cy="443717"/>
+            <a:off x="6699250" y="1181597"/>
+            <a:ext cx="1075124" cy="792342"/>
           </a:xfrm>
           <a:prstGeom prst="rect">
             <a:avLst/>
           </a:prstGeom>
         </p:spPr>
       </p:pic>
+      <p:cxnSp>
+        <p:nvCxnSpPr>
+          <p:cNvPr id="14" name="Straight Arrow Connector 13">
+            <a:extLst>
+              <a:ext uri="{FF2B5EF4-FFF2-40B4-BE49-F238E27FC236}">
+                <a16:creationId xmlns:a16="http://schemas.microsoft.com/office/drawing/2014/main" id="{599D79B3-13E3-D191-358E-5AABF86076A2}"/>
+              </a:ext>
+            </a:extLst>
+          </p:cNvPr>
+          <p:cNvCxnSpPr>
+            <a:cxnSpLocks/>
+          </p:cNvCxnSpPr>
+          <p:nvPr/>
+        </p:nvCxnSpPr>
+        <p:spPr>
+          <a:xfrm>
+            <a:off x="6381511" y="1686740"/>
+            <a:ext cx="541802" cy="0"/>
+          </a:xfrm>
+          <a:prstGeom prst="straightConnector1">
+            <a:avLst/>
+          </a:prstGeom>
+          <a:ln>
+            <a:tailEnd type="triangle"/>
+          </a:ln>
+        </p:spPr>
+        <p:style>
+          <a:lnRef idx="1">
+            <a:schemeClr val="dk1"/>
+          </a:lnRef>
+          <a:fillRef idx="0">
+            <a:schemeClr val="dk1"/>
+          </a:fillRef>
+          <a:effectRef idx="0">
+            <a:schemeClr val="dk1"/>
+          </a:effectRef>
+          <a:fontRef idx="minor">
+            <a:schemeClr val="tx1"/>
+          </a:fontRef>
+        </p:style>
+      </p:cxnSp>
     </p:spTree>
     <p:extLst>
       <p:ext uri="{BB962C8B-B14F-4D97-AF65-F5344CB8AC3E}">
@@ -9998,6 +13865,542 @@
   <p:clrMapOvr>
     <a:masterClrMapping/>
   </p:clrMapOvr>
+  <p:timing>
+    <p:tnLst>
+      <p:par>
+        <p:cTn id="1" dur="indefinite" restart="never" nodeType="tmRoot">
+          <p:childTnLst>
+            <p:seq concurrent="1" nextAc="seek">
+              <p:cTn id="2" dur="indefinite" nodeType="mainSeq">
+                <p:childTnLst>
+                  <p:par>
+                    <p:cTn id="3" fill="hold">
+                      <p:stCondLst>
+                        <p:cond delay="indefinite"/>
+                      </p:stCondLst>
+                      <p:childTnLst>
+                        <p:par>
+                          <p:cTn id="4" fill="hold">
+                            <p:stCondLst>
+                              <p:cond delay="0"/>
+                            </p:stCondLst>
+                            <p:childTnLst>
+                              <p:par>
+                                <p:cTn id="5" presetID="42" presetClass="entr" presetSubtype="0" fill="hold" grpId="0" nodeType="clickEffect">
+                                  <p:stCondLst>
+                                    <p:cond delay="0"/>
+                                  </p:stCondLst>
+                                  <p:childTnLst>
+                                    <p:set>
+                                      <p:cBhvr>
+                                        <p:cTn id="6" dur="1" fill="hold">
+                                          <p:stCondLst>
+                                            <p:cond delay="0"/>
+                                          </p:stCondLst>
+                                        </p:cTn>
+                                        <p:tgtEl>
+                                          <p:spTgt spid="2"/>
+                                        </p:tgtEl>
+                                        <p:attrNameLst>
+                                          <p:attrName>style.visibility</p:attrName>
+                                        </p:attrNameLst>
+                                      </p:cBhvr>
+                                      <p:to>
+                                        <p:strVal val="visible"/>
+                                      </p:to>
+                                    </p:set>
+                                    <p:animEffect transition="in" filter="fade">
+                                      <p:cBhvr>
+                                        <p:cTn id="7" dur="1000"/>
+                                        <p:tgtEl>
+                                          <p:spTgt spid="2"/>
+                                        </p:tgtEl>
+                                      </p:cBhvr>
+                                    </p:animEffect>
+                                    <p:anim calcmode="lin" valueType="num">
+                                      <p:cBhvr>
+                                        <p:cTn id="8" dur="1000" fill="hold"/>
+                                        <p:tgtEl>
+                                          <p:spTgt spid="2"/>
+                                        </p:tgtEl>
+                                        <p:attrNameLst>
+                                          <p:attrName>ppt_x</p:attrName>
+                                        </p:attrNameLst>
+                                      </p:cBhvr>
+                                      <p:tavLst>
+                                        <p:tav tm="0">
+                                          <p:val>
+                                            <p:strVal val="#ppt_x"/>
+                                          </p:val>
+                                        </p:tav>
+                                        <p:tav tm="100000">
+                                          <p:val>
+                                            <p:strVal val="#ppt_x"/>
+                                          </p:val>
+                                        </p:tav>
+                                      </p:tavLst>
+                                    </p:anim>
+                                    <p:anim calcmode="lin" valueType="num">
+                                      <p:cBhvr>
+                                        <p:cTn id="9" dur="1000" fill="hold"/>
+                                        <p:tgtEl>
+                                          <p:spTgt spid="2"/>
+                                        </p:tgtEl>
+                                        <p:attrNameLst>
+                                          <p:attrName>ppt_y</p:attrName>
+                                        </p:attrNameLst>
+                                      </p:cBhvr>
+                                      <p:tavLst>
+                                        <p:tav tm="0">
+                                          <p:val>
+                                            <p:strVal val="#ppt_y+.1"/>
+                                          </p:val>
+                                        </p:tav>
+                                        <p:tav tm="100000">
+                                          <p:val>
+                                            <p:strVal val="#ppt_y"/>
+                                          </p:val>
+                                        </p:tav>
+                                      </p:tavLst>
+                                    </p:anim>
+                                  </p:childTnLst>
+                                </p:cTn>
+                              </p:par>
+                            </p:childTnLst>
+                          </p:cTn>
+                        </p:par>
+                      </p:childTnLst>
+                    </p:cTn>
+                  </p:par>
+                  <p:par>
+                    <p:cTn id="10" fill="hold">
+                      <p:stCondLst>
+                        <p:cond delay="indefinite"/>
+                      </p:stCondLst>
+                      <p:childTnLst>
+                        <p:par>
+                          <p:cTn id="11" fill="hold">
+                            <p:stCondLst>
+                              <p:cond delay="0"/>
+                            </p:stCondLst>
+                            <p:childTnLst>
+                              <p:par>
+                                <p:cTn id="12" presetID="14" presetClass="entr" presetSubtype="10" fill="hold" nodeType="clickEffect">
+                                  <p:stCondLst>
+                                    <p:cond delay="0"/>
+                                  </p:stCondLst>
+                                  <p:childTnLst>
+                                    <p:set>
+                                      <p:cBhvr>
+                                        <p:cTn id="13" dur="1" fill="hold">
+                                          <p:stCondLst>
+                                            <p:cond delay="0"/>
+                                          </p:stCondLst>
+                                        </p:cTn>
+                                        <p:tgtEl>
+                                          <p:spTgt spid="5"/>
+                                        </p:tgtEl>
+                                        <p:attrNameLst>
+                                          <p:attrName>style.visibility</p:attrName>
+                                        </p:attrNameLst>
+                                      </p:cBhvr>
+                                      <p:to>
+                                        <p:strVal val="visible"/>
+                                      </p:to>
+                                    </p:set>
+                                    <p:animEffect transition="in" filter="randombar(horizontal)">
+                                      <p:cBhvr>
+                                        <p:cTn id="14" dur="500"/>
+                                        <p:tgtEl>
+                                          <p:spTgt spid="5"/>
+                                        </p:tgtEl>
+                                      </p:cBhvr>
+                                    </p:animEffect>
+                                  </p:childTnLst>
+                                </p:cTn>
+                              </p:par>
+                              <p:par>
+                                <p:cTn id="15" presetID="14" presetClass="entr" presetSubtype="10" fill="hold" nodeType="withEffect">
+                                  <p:stCondLst>
+                                    <p:cond delay="0"/>
+                                  </p:stCondLst>
+                                  <p:childTnLst>
+                                    <p:set>
+                                      <p:cBhvr>
+                                        <p:cTn id="16" dur="1" fill="hold">
+                                          <p:stCondLst>
+                                            <p:cond delay="0"/>
+                                          </p:stCondLst>
+                                        </p:cTn>
+                                        <p:tgtEl>
+                                          <p:spTgt spid="18"/>
+                                        </p:tgtEl>
+                                        <p:attrNameLst>
+                                          <p:attrName>style.visibility</p:attrName>
+                                        </p:attrNameLst>
+                                      </p:cBhvr>
+                                      <p:to>
+                                        <p:strVal val="visible"/>
+                                      </p:to>
+                                    </p:set>
+                                    <p:animEffect transition="in" filter="randombar(horizontal)">
+                                      <p:cBhvr>
+                                        <p:cTn id="17" dur="500"/>
+                                        <p:tgtEl>
+                                          <p:spTgt spid="18"/>
+                                        </p:tgtEl>
+                                      </p:cBhvr>
+                                    </p:animEffect>
+                                  </p:childTnLst>
+                                </p:cTn>
+                              </p:par>
+                              <p:par>
+                                <p:cTn id="18" presetID="14" presetClass="entr" presetSubtype="10" fill="hold" nodeType="withEffect">
+                                  <p:stCondLst>
+                                    <p:cond delay="0"/>
+                                  </p:stCondLst>
+                                  <p:childTnLst>
+                                    <p:set>
+                                      <p:cBhvr>
+                                        <p:cTn id="19" dur="1" fill="hold">
+                                          <p:stCondLst>
+                                            <p:cond delay="0"/>
+                                          </p:stCondLst>
+                                        </p:cTn>
+                                        <p:tgtEl>
+                                          <p:spTgt spid="7"/>
+                                        </p:tgtEl>
+                                        <p:attrNameLst>
+                                          <p:attrName>style.visibility</p:attrName>
+                                        </p:attrNameLst>
+                                      </p:cBhvr>
+                                      <p:to>
+                                        <p:strVal val="visible"/>
+                                      </p:to>
+                                    </p:set>
+                                    <p:animEffect transition="in" filter="randombar(horizontal)">
+                                      <p:cBhvr>
+                                        <p:cTn id="20" dur="500"/>
+                                        <p:tgtEl>
+                                          <p:spTgt spid="7"/>
+                                        </p:tgtEl>
+                                      </p:cBhvr>
+                                    </p:animEffect>
+                                  </p:childTnLst>
+                                </p:cTn>
+                              </p:par>
+                              <p:par>
+                                <p:cTn id="21" presetID="14" presetClass="entr" presetSubtype="10" fill="hold" grpId="0" nodeType="withEffect">
+                                  <p:stCondLst>
+                                    <p:cond delay="0"/>
+                                  </p:stCondLst>
+                                  <p:childTnLst>
+                                    <p:set>
+                                      <p:cBhvr>
+                                        <p:cTn id="22" dur="1" fill="hold">
+                                          <p:stCondLst>
+                                            <p:cond delay="0"/>
+                                          </p:stCondLst>
+                                        </p:cTn>
+                                        <p:tgtEl>
+                                          <p:spTgt spid="21"/>
+                                        </p:tgtEl>
+                                        <p:attrNameLst>
+                                          <p:attrName>style.visibility</p:attrName>
+                                        </p:attrNameLst>
+                                      </p:cBhvr>
+                                      <p:to>
+                                        <p:strVal val="visible"/>
+                                      </p:to>
+                                    </p:set>
+                                    <p:animEffect transition="in" filter="randombar(horizontal)">
+                                      <p:cBhvr>
+                                        <p:cTn id="23" dur="500"/>
+                                        <p:tgtEl>
+                                          <p:spTgt spid="21"/>
+                                        </p:tgtEl>
+                                      </p:cBhvr>
+                                    </p:animEffect>
+                                  </p:childTnLst>
+                                </p:cTn>
+                              </p:par>
+                              <p:par>
+                                <p:cTn id="24" presetID="14" presetClass="entr" presetSubtype="10" fill="hold" nodeType="withEffect">
+                                  <p:stCondLst>
+                                    <p:cond delay="0"/>
+                                  </p:stCondLst>
+                                  <p:childTnLst>
+                                    <p:set>
+                                      <p:cBhvr>
+                                        <p:cTn id="25" dur="1" fill="hold">
+                                          <p:stCondLst>
+                                            <p:cond delay="0"/>
+                                          </p:stCondLst>
+                                        </p:cTn>
+                                        <p:tgtEl>
+                                          <p:spTgt spid="13"/>
+                                        </p:tgtEl>
+                                        <p:attrNameLst>
+                                          <p:attrName>style.visibility</p:attrName>
+                                        </p:attrNameLst>
+                                      </p:cBhvr>
+                                      <p:to>
+                                        <p:strVal val="visible"/>
+                                      </p:to>
+                                    </p:set>
+                                    <p:animEffect transition="in" filter="randombar(horizontal)">
+                                      <p:cBhvr>
+                                        <p:cTn id="26" dur="500"/>
+                                        <p:tgtEl>
+                                          <p:spTgt spid="13"/>
+                                        </p:tgtEl>
+                                      </p:cBhvr>
+                                    </p:animEffect>
+                                  </p:childTnLst>
+                                </p:cTn>
+                              </p:par>
+                              <p:par>
+                                <p:cTn id="27" presetID="14" presetClass="entr" presetSubtype="10" fill="hold" nodeType="withEffect">
+                                  <p:stCondLst>
+                                    <p:cond delay="0"/>
+                                  </p:stCondLst>
+                                  <p:childTnLst>
+                                    <p:set>
+                                      <p:cBhvr>
+                                        <p:cTn id="28" dur="1" fill="hold">
+                                          <p:stCondLst>
+                                            <p:cond delay="0"/>
+                                          </p:stCondLst>
+                                        </p:cTn>
+                                        <p:tgtEl>
+                                          <p:spTgt spid="34"/>
+                                        </p:tgtEl>
+                                        <p:attrNameLst>
+                                          <p:attrName>style.visibility</p:attrName>
+                                        </p:attrNameLst>
+                                      </p:cBhvr>
+                                      <p:to>
+                                        <p:strVal val="visible"/>
+                                      </p:to>
+                                    </p:set>
+                                    <p:animEffect transition="in" filter="randombar(horizontal)">
+                                      <p:cBhvr>
+                                        <p:cTn id="29" dur="500"/>
+                                        <p:tgtEl>
+                                          <p:spTgt spid="34"/>
+                                        </p:tgtEl>
+                                      </p:cBhvr>
+                                    </p:animEffect>
+                                  </p:childTnLst>
+                                </p:cTn>
+                              </p:par>
+                              <p:par>
+                                <p:cTn id="30" presetID="14" presetClass="entr" presetSubtype="10" fill="hold" nodeType="withEffect">
+                                  <p:stCondLst>
+                                    <p:cond delay="0"/>
+                                  </p:stCondLst>
+                                  <p:childTnLst>
+                                    <p:set>
+                                      <p:cBhvr>
+                                        <p:cTn id="31" dur="1" fill="hold">
+                                          <p:stCondLst>
+                                            <p:cond delay="0"/>
+                                          </p:stCondLst>
+                                        </p:cTn>
+                                        <p:tgtEl>
+                                          <p:spTgt spid="11"/>
+                                        </p:tgtEl>
+                                        <p:attrNameLst>
+                                          <p:attrName>style.visibility</p:attrName>
+                                        </p:attrNameLst>
+                                      </p:cBhvr>
+                                      <p:to>
+                                        <p:strVal val="visible"/>
+                                      </p:to>
+                                    </p:set>
+                                    <p:animEffect transition="in" filter="randombar(horizontal)">
+                                      <p:cBhvr>
+                                        <p:cTn id="32" dur="500"/>
+                                        <p:tgtEl>
+                                          <p:spTgt spid="11"/>
+                                        </p:tgtEl>
+                                      </p:cBhvr>
+                                    </p:animEffect>
+                                  </p:childTnLst>
+                                </p:cTn>
+                              </p:par>
+                              <p:par>
+                                <p:cTn id="33" presetID="14" presetClass="entr" presetSubtype="10" fill="hold" nodeType="withEffect">
+                                  <p:stCondLst>
+                                    <p:cond delay="0"/>
+                                  </p:stCondLst>
+                                  <p:childTnLst>
+                                    <p:set>
+                                      <p:cBhvr>
+                                        <p:cTn id="34" dur="1" fill="hold">
+                                          <p:stCondLst>
+                                            <p:cond delay="0"/>
+                                          </p:stCondLst>
+                                        </p:cTn>
+                                        <p:tgtEl>
+                                          <p:spTgt spid="32"/>
+                                        </p:tgtEl>
+                                        <p:attrNameLst>
+                                          <p:attrName>style.visibility</p:attrName>
+                                        </p:attrNameLst>
+                                      </p:cBhvr>
+                                      <p:to>
+                                        <p:strVal val="visible"/>
+                                      </p:to>
+                                    </p:set>
+                                    <p:animEffect transition="in" filter="randombar(horizontal)">
+                                      <p:cBhvr>
+                                        <p:cTn id="35" dur="500"/>
+                                        <p:tgtEl>
+                                          <p:spTgt spid="32"/>
+                                        </p:tgtEl>
+                                      </p:cBhvr>
+                                    </p:animEffect>
+                                  </p:childTnLst>
+                                </p:cTn>
+                              </p:par>
+                              <p:par>
+                                <p:cTn id="36" presetID="14" presetClass="entr" presetSubtype="10" fill="hold" nodeType="withEffect">
+                                  <p:stCondLst>
+                                    <p:cond delay="0"/>
+                                  </p:stCondLst>
+                                  <p:childTnLst>
+                                    <p:set>
+                                      <p:cBhvr>
+                                        <p:cTn id="37" dur="1" fill="hold">
+                                          <p:stCondLst>
+                                            <p:cond delay="0"/>
+                                          </p:stCondLst>
+                                        </p:cTn>
+                                        <p:tgtEl>
+                                          <p:spTgt spid="9"/>
+                                        </p:tgtEl>
+                                        <p:attrNameLst>
+                                          <p:attrName>style.visibility</p:attrName>
+                                        </p:attrNameLst>
+                                      </p:cBhvr>
+                                      <p:to>
+                                        <p:strVal val="visible"/>
+                                      </p:to>
+                                    </p:set>
+                                    <p:animEffect transition="in" filter="randombar(horizontal)">
+                                      <p:cBhvr>
+                                        <p:cTn id="38" dur="500"/>
+                                        <p:tgtEl>
+                                          <p:spTgt spid="9"/>
+                                        </p:tgtEl>
+                                      </p:cBhvr>
+                                    </p:animEffect>
+                                  </p:childTnLst>
+                                </p:cTn>
+                              </p:par>
+                              <p:par>
+                                <p:cTn id="39" presetID="14" presetClass="entr" presetSubtype="10" fill="hold" nodeType="withEffect">
+                                  <p:stCondLst>
+                                    <p:cond delay="0"/>
+                                  </p:stCondLst>
+                                  <p:childTnLst>
+                                    <p:set>
+                                      <p:cBhvr>
+                                        <p:cTn id="40" dur="1" fill="hold">
+                                          <p:stCondLst>
+                                            <p:cond delay="0"/>
+                                          </p:stCondLst>
+                                        </p:cTn>
+                                        <p:tgtEl>
+                                          <p:spTgt spid="14"/>
+                                        </p:tgtEl>
+                                        <p:attrNameLst>
+                                          <p:attrName>style.visibility</p:attrName>
+                                        </p:attrNameLst>
+                                      </p:cBhvr>
+                                      <p:to>
+                                        <p:strVal val="visible"/>
+                                      </p:to>
+                                    </p:set>
+                                    <p:animEffect transition="in" filter="randombar(horizontal)">
+                                      <p:cBhvr>
+                                        <p:cTn id="41" dur="500"/>
+                                        <p:tgtEl>
+                                          <p:spTgt spid="14"/>
+                                        </p:tgtEl>
+                                      </p:cBhvr>
+                                    </p:animEffect>
+                                  </p:childTnLst>
+                                </p:cTn>
+                              </p:par>
+                              <p:par>
+                                <p:cTn id="42" presetID="14" presetClass="entr" presetSubtype="10" fill="hold" nodeType="withEffect">
+                                  <p:stCondLst>
+                                    <p:cond delay="0"/>
+                                  </p:stCondLst>
+                                  <p:childTnLst>
+                                    <p:set>
+                                      <p:cBhvr>
+                                        <p:cTn id="43" dur="1" fill="hold">
+                                          <p:stCondLst>
+                                            <p:cond delay="0"/>
+                                          </p:stCondLst>
+                                        </p:cTn>
+                                        <p:tgtEl>
+                                          <p:spTgt spid="12"/>
+                                        </p:tgtEl>
+                                        <p:attrNameLst>
+                                          <p:attrName>style.visibility</p:attrName>
+                                        </p:attrNameLst>
+                                      </p:cBhvr>
+                                      <p:to>
+                                        <p:strVal val="visible"/>
+                                      </p:to>
+                                    </p:set>
+                                    <p:animEffect transition="in" filter="randombar(horizontal)">
+                                      <p:cBhvr>
+                                        <p:cTn id="44" dur="500"/>
+                                        <p:tgtEl>
+                                          <p:spTgt spid="12"/>
+                                        </p:tgtEl>
+                                      </p:cBhvr>
+                                    </p:animEffect>
+                                  </p:childTnLst>
+                                </p:cTn>
+                              </p:par>
+                            </p:childTnLst>
+                          </p:cTn>
+                        </p:par>
+                      </p:childTnLst>
+                    </p:cTn>
+                  </p:par>
+                </p:childTnLst>
+              </p:cTn>
+              <p:prevCondLst>
+                <p:cond evt="onPrev" delay="0">
+                  <p:tgtEl>
+                    <p:sldTgt/>
+                  </p:tgtEl>
+                </p:cond>
+              </p:prevCondLst>
+              <p:nextCondLst>
+                <p:cond evt="onNext" delay="0">
+                  <p:tgtEl>
+                    <p:sldTgt/>
+                  </p:tgtEl>
+                </p:cond>
+              </p:nextCondLst>
+            </p:seq>
+          </p:childTnLst>
+        </p:cTn>
+      </p:par>
+    </p:tnLst>
+    <p:bldLst>
+      <p:bldP spid="2" grpId="0"/>
+      <p:bldP spid="21" grpId="0"/>
+    </p:bldLst>
+  </p:timing>
 </p:sld>
 </file>
 
@@ -10068,6 +14471,44 @@
           </a:p>
         </p:txBody>
       </p:sp>
+      <p:sp>
+        <p:nvSpPr>
+          <p:cNvPr id="2" name="Slide Number Placeholder 1">
+            <a:extLst>
+              <a:ext uri="{FF2B5EF4-FFF2-40B4-BE49-F238E27FC236}">
+                <a16:creationId xmlns:a16="http://schemas.microsoft.com/office/drawing/2014/main" id="{5ABB3518-0F07-CAE9-7BC8-5C24FD06DDCB}"/>
+              </a:ext>
+            </a:extLst>
+          </p:cNvPr>
+          <p:cNvSpPr>
+            <a:spLocks noGrp="1"/>
+          </p:cNvSpPr>
+          <p:nvPr>
+            <p:ph type="sldNum" sz="quarter" idx="12"/>
+          </p:nvPr>
+        </p:nvSpPr>
+        <p:spPr/>
+        <p:txBody>
+          <a:bodyPr/>
+          <a:lstStyle/>
+          <a:p>
+            <a:pPr marL="0" lvl="0" indent="0" algn="r" rtl="0">
+              <a:spcBef>
+                <a:spcPts val="0"/>
+              </a:spcBef>
+              <a:spcAft>
+                <a:spcPts val="0"/>
+              </a:spcAft>
+              <a:buNone/>
+            </a:pPr>
+            <a:fld id="{00000000-1234-1234-1234-123412341234}" type="slidenum">
+              <a:rPr lang="en-GB" smtClean="0"/>
+              <a:t>8</a:t>
+            </a:fld>
+            <a:endParaRPr lang="en-GB" dirty="0"/>
+          </a:p>
+        </p:txBody>
+      </p:sp>
     </p:spTree>
   </p:cSld>
   <p:clrMapOvr>
@@ -10094,7 +14535,7 @@
                             </p:stCondLst>
                             <p:childTnLst>
                               <p:par>
-                                <p:cTn id="5" presetID="10" presetClass="entr" presetSubtype="0" fill="hold" nodeType="clickEffect">
+                                <p:cTn id="5" presetID="42" presetClass="entr" presetSubtype="0" fill="hold" grpId="0" nodeType="clickEffect">
                                   <p:stCondLst>
                                     <p:cond delay="0"/>
                                   </p:stCondLst>
@@ -10119,12 +14560,58 @@
                                     </p:set>
                                     <p:animEffect transition="in" filter="fade">
                                       <p:cBhvr>
-                                        <p:cTn id="7" dur="500"/>
+                                        <p:cTn id="7" dur="1000"/>
                                         <p:tgtEl>
                                           <p:spTgt spid="293"/>
                                         </p:tgtEl>
                                       </p:cBhvr>
                                     </p:animEffect>
+                                    <p:anim calcmode="lin" valueType="num">
+                                      <p:cBhvr>
+                                        <p:cTn id="8" dur="1000" fill="hold"/>
+                                        <p:tgtEl>
+                                          <p:spTgt spid="293"/>
+                                        </p:tgtEl>
+                                        <p:attrNameLst>
+                                          <p:attrName>ppt_x</p:attrName>
+                                        </p:attrNameLst>
+                                      </p:cBhvr>
+                                      <p:tavLst>
+                                        <p:tav tm="0">
+                                          <p:val>
+                                            <p:strVal val="#ppt_x"/>
+                                          </p:val>
+                                        </p:tav>
+                                        <p:tav tm="100000">
+                                          <p:val>
+                                            <p:strVal val="#ppt_x"/>
+                                          </p:val>
+                                        </p:tav>
+                                      </p:tavLst>
+                                    </p:anim>
+                                    <p:anim calcmode="lin" valueType="num">
+                                      <p:cBhvr>
+                                        <p:cTn id="9" dur="1000" fill="hold"/>
+                                        <p:tgtEl>
+                                          <p:spTgt spid="293"/>
+                                        </p:tgtEl>
+                                        <p:attrNameLst>
+                                          <p:attrName>ppt_y</p:attrName>
+                                        </p:attrNameLst>
+                                      </p:cBhvr>
+                                      <p:tavLst>
+                                        <p:tav tm="0">
+                                          <p:val>
+                                            <p:strVal val="#ppt_y+.1"/>
+                                          </p:val>
+                                        </p:tav>
+                                        <p:tav tm="100000">
+                                          <p:val>
+                                            <p:strVal val="#ppt_y"/>
+                                          </p:val>
+                                        </p:tav>
+                                      </p:tavLst>
+                                    </p:anim>
                                   </p:childTnLst>
                                 </p:cTn>
                               </p:par>
@@ -10155,6 +14642,9 @@
         </p:cTn>
       </p:par>
     </p:tnLst>
+    <p:bldLst>
+      <p:bldP spid="293" grpId="0"/>
+    </p:bldLst>
   </p:timing>
 </p:sld>
 </file>
@@ -10254,6 +14744,44 @@
           </a:p>
         </p:txBody>
       </p:sp>
+      <p:sp>
+        <p:nvSpPr>
+          <p:cNvPr id="4" name="Slide Number Placeholder 3">
+            <a:extLst>
+              <a:ext uri="{FF2B5EF4-FFF2-40B4-BE49-F238E27FC236}">
+                <a16:creationId xmlns:a16="http://schemas.microsoft.com/office/drawing/2014/main" id="{1361F35E-350D-E613-C6D9-5B3E927A055C}"/>
+              </a:ext>
+            </a:extLst>
+          </p:cNvPr>
+          <p:cNvSpPr>
+            <a:spLocks noGrp="1"/>
+          </p:cNvSpPr>
+          <p:nvPr>
+            <p:ph type="sldNum" sz="quarter" idx="12"/>
+          </p:nvPr>
+        </p:nvSpPr>
+        <p:spPr/>
+        <p:txBody>
+          <a:bodyPr/>
+          <a:lstStyle/>
+          <a:p>
+            <a:pPr marL="0" lvl="0" indent="0" algn="r" rtl="0">
+              <a:spcBef>
+                <a:spcPts val="0"/>
+              </a:spcBef>
+              <a:spcAft>
+                <a:spcPts val="0"/>
+              </a:spcAft>
+              <a:buNone/>
+            </a:pPr>
+            <a:fld id="{00000000-1234-1234-1234-123412341234}" type="slidenum">
+              <a:rPr lang="en-GB" smtClean="0"/>
+              <a:t>9</a:t>
+            </a:fld>
+            <a:endParaRPr lang="en-GB" dirty="0"/>
+          </a:p>
+        </p:txBody>
+      </p:sp>
     </p:spTree>
     <p:extLst>
       <p:ext uri="{BB962C8B-B14F-4D97-AF65-F5344CB8AC3E}">
@@ -10264,6 +14792,200 @@
   <p:clrMapOvr>
     <a:masterClrMapping/>
   </p:clrMapOvr>
+  <p:timing>
+    <p:tnLst>
+      <p:par>
+        <p:cTn id="1" dur="indefinite" restart="never" nodeType="tmRoot">
+          <p:childTnLst>
+            <p:seq concurrent="1" nextAc="seek">
+              <p:cTn id="2" dur="indefinite" nodeType="mainSeq">
+                <p:childTnLst>
+                  <p:par>
+                    <p:cTn id="3" fill="hold">
+                      <p:stCondLst>
+                        <p:cond delay="indefinite"/>
+                      </p:stCondLst>
+                      <p:childTnLst>
+                        <p:par>
+                          <p:cTn id="4" fill="hold">
+                            <p:stCondLst>
+                              <p:cond delay="0"/>
+                            </p:stCondLst>
+                            <p:childTnLst>
+                              <p:par>
+                                <p:cTn id="5" presetID="42" presetClass="entr" presetSubtype="0" fill="hold" grpId="0" nodeType="clickEffect">
+                                  <p:stCondLst>
+                                    <p:cond delay="0"/>
+                                  </p:stCondLst>
+                                  <p:childTnLst>
+                                    <p:set>
+                                      <p:cBhvr>
+                                        <p:cTn id="6" dur="1" fill="hold">
+                                          <p:stCondLst>
+                                            <p:cond delay="0"/>
+                                          </p:stCondLst>
+                                        </p:cTn>
+                                        <p:tgtEl>
+                                          <p:spTgt spid="2"/>
+                                        </p:tgtEl>
+                                        <p:attrNameLst>
+                                          <p:attrName>style.visibility</p:attrName>
+                                        </p:attrNameLst>
+                                      </p:cBhvr>
+                                      <p:to>
+                                        <p:strVal val="visible"/>
+                                      </p:to>
+                                    </p:set>
+                                    <p:animEffect transition="in" filter="fade">
+                                      <p:cBhvr>
+                                        <p:cTn id="7" dur="1000"/>
+                                        <p:tgtEl>
+                                          <p:spTgt spid="2"/>
+                                        </p:tgtEl>
+                                      </p:cBhvr>
+                                    </p:animEffect>
+                                    <p:anim calcmode="lin" valueType="num">
+                                      <p:cBhvr>
+                                        <p:cTn id="8" dur="1000" fill="hold"/>
+                                        <p:tgtEl>
+                                          <p:spTgt spid="2"/>
+                                        </p:tgtEl>
+                                        <p:attrNameLst>
+                                          <p:attrName>ppt_x</p:attrName>
+                                        </p:attrNameLst>
+                                      </p:cBhvr>
+                                      <p:tavLst>
+                                        <p:tav tm="0">
+                                          <p:val>
+                                            <p:strVal val="#ppt_x"/>
+                                          </p:val>
+                                        </p:tav>
+                                        <p:tav tm="100000">
+                                          <p:val>
+                                            <p:strVal val="#ppt_x"/>
+                                          </p:val>
+                                        </p:tav>
+                                      </p:tavLst>
+                                    </p:anim>
+                                    <p:anim calcmode="lin" valueType="num">
+                                      <p:cBhvr>
+                                        <p:cTn id="9" dur="1000" fill="hold"/>
+                                        <p:tgtEl>
+                                          <p:spTgt spid="2"/>
+                                        </p:tgtEl>
+                                        <p:attrNameLst>
+                                          <p:attrName>ppt_y</p:attrName>
+                                        </p:attrNameLst>
+                                      </p:cBhvr>
+                                      <p:tavLst>
+                                        <p:tav tm="0">
+                                          <p:val>
+                                            <p:strVal val="#ppt_y+.1"/>
+                                          </p:val>
+                                        </p:tav>
+                                        <p:tav tm="100000">
+                                          <p:val>
+                                            <p:strVal val="#ppt_y"/>
+                                          </p:val>
+                                        </p:tav>
+                                      </p:tavLst>
+                                    </p:anim>
+                                  </p:childTnLst>
+                                </p:cTn>
+                              </p:par>
+                            </p:childTnLst>
+                          </p:cTn>
+                        </p:par>
+                      </p:childTnLst>
+                    </p:cTn>
+                  </p:par>
+                  <p:par>
+                    <p:cTn id="10" fill="hold">
+                      <p:stCondLst>
+                        <p:cond delay="indefinite"/>
+                      </p:stCondLst>
+                      <p:childTnLst>
+                        <p:par>
+                          <p:cTn id="11" fill="hold">
+                            <p:stCondLst>
+                              <p:cond delay="0"/>
+                            </p:stCondLst>
+                            <p:childTnLst>
+                              <p:par>
+                                <p:cTn id="12" presetID="14" presetClass="entr" presetSubtype="10" fill="hold" grpId="0" nodeType="clickEffect">
+                                  <p:stCondLst>
+                                    <p:cond delay="0"/>
+                                  </p:stCondLst>
+                                  <p:childTnLst>
+                                    <p:set>
+                                      <p:cBhvr>
+                                        <p:cTn id="13" dur="1" fill="hold">
+                                          <p:stCondLst>
+                                            <p:cond delay="0"/>
+                                          </p:stCondLst>
+                                        </p:cTn>
+                                        <p:tgtEl>
+                                          <p:spTgt spid="3">
+                                            <p:txEl>
+                                              <p:pRg st="0" end="0"/>
+                                            </p:txEl>
+                                          </p:spTgt>
+                                        </p:tgtEl>
+                                        <p:attrNameLst>
+                                          <p:attrName>style.visibility</p:attrName>
+                                        </p:attrNameLst>
+                                      </p:cBhvr>
+                                      <p:to>
+                                        <p:strVal val="visible"/>
+                                      </p:to>
+                                    </p:set>
+                                    <p:animEffect transition="in" filter="randombar(horizontal)">
+                                      <p:cBhvr>
+                                        <p:cTn id="14" dur="500"/>
+                                        <p:tgtEl>
+                                          <p:spTgt spid="3">
+                                            <p:txEl>
+                                              <p:pRg st="0" end="0"/>
+                                            </p:txEl>
+                                          </p:spTgt>
+                                        </p:tgtEl>
+                                      </p:cBhvr>
+                                    </p:animEffect>
+                                  </p:childTnLst>
+                                </p:cTn>
+                              </p:par>
+                            </p:childTnLst>
+                          </p:cTn>
+                        </p:par>
+                      </p:childTnLst>
+                    </p:cTn>
+                  </p:par>
+                </p:childTnLst>
+              </p:cTn>
+              <p:prevCondLst>
+                <p:cond evt="onPrev" delay="0">
+                  <p:tgtEl>
+                    <p:sldTgt/>
+                  </p:tgtEl>
+                </p:cond>
+              </p:prevCondLst>
+              <p:nextCondLst>
+                <p:cond evt="onNext" delay="0">
+                  <p:tgtEl>
+                    <p:sldTgt/>
+                  </p:tgtEl>
+                </p:cond>
+              </p:nextCondLst>
+            </p:seq>
+          </p:childTnLst>
+        </p:cTn>
+      </p:par>
+    </p:tnLst>
+    <p:bldLst>
+      <p:bldP spid="2" grpId="0"/>
+      <p:bldP spid="3" grpId="0" build="p"/>
+    </p:bldLst>
+  </p:timing>
 </p:sld>
 </file>
 

--- a/CaseStudy-04.pptx
+++ b/CaseStudy-04.pptx
@@ -2,13 +2,13 @@
 <file path=ppt/presentation.xml><?xml version="1.0" encoding="utf-8"?>
 <p:presentation xmlns:a="http://schemas.openxmlformats.org/drawingml/2006/main" xmlns:r="http://schemas.openxmlformats.org/officeDocument/2006/relationships" xmlns:p="http://schemas.openxmlformats.org/presentationml/2006/main" strictFirstAndLastChars="0" saveSubsetFonts="1" autoCompressPictures="0">
   <p:sldMasterIdLst>
-    <p:sldMasterId id="2147483728" r:id="rId1"/>
+    <p:sldMasterId id="2147483815" r:id="rId1"/>
   </p:sldMasterIdLst>
   <p:notesMasterIdLst>
-    <p:notesMasterId r:id="rId14"/>
+    <p:notesMasterId r:id="rId15"/>
   </p:notesMasterIdLst>
   <p:handoutMasterIdLst>
-    <p:handoutMasterId r:id="rId15"/>
+    <p:handoutMasterId r:id="rId16"/>
   </p:handoutMasterIdLst>
   <p:sldIdLst>
     <p:sldId id="274" r:id="rId2"/>
@@ -16,13 +16,14 @@
     <p:sldId id="283" r:id="rId4"/>
     <p:sldId id="276" r:id="rId5"/>
     <p:sldId id="278" r:id="rId6"/>
-    <p:sldId id="279" r:id="rId7"/>
-    <p:sldId id="282" r:id="rId8"/>
-    <p:sldId id="270" r:id="rId9"/>
-    <p:sldId id="280" r:id="rId10"/>
-    <p:sldId id="284" r:id="rId11"/>
-    <p:sldId id="281" r:id="rId12"/>
-    <p:sldId id="273" r:id="rId13"/>
+    <p:sldId id="285" r:id="rId7"/>
+    <p:sldId id="279" r:id="rId8"/>
+    <p:sldId id="282" r:id="rId9"/>
+    <p:sldId id="270" r:id="rId10"/>
+    <p:sldId id="280" r:id="rId11"/>
+    <p:sldId id="284" r:id="rId12"/>
+    <p:sldId id="281" r:id="rId13"/>
+    <p:sldId id="273" r:id="rId14"/>
   </p:sldIdLst>
   <p:sldSz cx="9144000" cy="5143500" type="screen16x9"/>
   <p:notesSz cx="6858000" cy="9144000"/>
@@ -273,6 +274,10 @@
             </a:lvl1pPr>
           </a:lstStyle>
           <a:p>
+            <a:r>
+              <a:rPr lang="en-IN"/>
+              <a:t>TSE Custom Initializr</a:t>
+            </a:r>
             <a:endParaRPr lang="en-IN" dirty="0"/>
           </a:p>
         </p:txBody>
@@ -326,7 +331,7 @@
     </p:extLst>
   </p:cSld>
   <p:clrMap bg1="lt1" tx1="dk1" bg2="lt2" tx2="dk2" accent1="accent1" accent2="accent2" accent3="accent3" accent4="accent4" accent5="accent5" accent6="accent6" hlink="hlink" folHlink="folHlink"/>
-  <p:hf hdr="0" ftr="0" dt="0"/>
+  <p:hf hdr="0" dt="0"/>
 </p:handoutMaster>
 </file>
 
@@ -539,7 +544,7 @@
     </p:spTree>
   </p:cSld>
   <p:clrMap bg1="lt1" tx1="dk1" bg2="dk2" tx2="lt2" accent1="accent1" accent2="accent2" accent3="accent3" accent4="accent4" accent5="accent5" accent6="accent6" hlink="hlink" folHlink="folHlink"/>
-  <p:hf hdr="0" ftr="0" dt="0"/>
+  <p:hf hdr="0" dt="0"/>
   <p:notesStyle>
     <a:defPPr marR="0" lvl="0" algn="l" rtl="0">
       <a:lnSpc>
@@ -1766,6 +1771,10 @@
           <a:bodyPr/>
           <a:lstStyle/>
           <a:p>
+            <a:r>
+              <a:rPr lang="en-US"/>
+              <a:t>28/09/2023</a:t>
+            </a:r>
             <a:endParaRPr lang="en-IN" dirty="0"/>
           </a:p>
         </p:txBody>
@@ -1828,7 +1837,7 @@
     </p:spTree>
     <p:extLst>
       <p:ext uri="{BB962C8B-B14F-4D97-AF65-F5344CB8AC3E}">
-        <p14:creationId xmlns:p14="http://schemas.microsoft.com/office/powerpoint/2010/main" val="2980187996"/>
+        <p14:creationId xmlns:p14="http://schemas.microsoft.com/office/powerpoint/2010/main" val="2537509951"/>
       </p:ext>
     </p:extLst>
   </p:cSld>
@@ -2026,6 +2035,10 @@
           <a:bodyPr/>
           <a:lstStyle/>
           <a:p>
+            <a:r>
+              <a:rPr lang="en-US"/>
+              <a:t>28/09/2023</a:t>
+            </a:r>
             <a:endParaRPr lang="en-IN" dirty="0"/>
           </a:p>
         </p:txBody>
@@ -2088,13 +2101,14 @@
     </p:spTree>
     <p:extLst>
       <p:ext uri="{BB962C8B-B14F-4D97-AF65-F5344CB8AC3E}">
-        <p14:creationId xmlns:p14="http://schemas.microsoft.com/office/powerpoint/2010/main" val="3831605563"/>
+        <p14:creationId xmlns:p14="http://schemas.microsoft.com/office/powerpoint/2010/main" val="1840632349"/>
       </p:ext>
     </p:extLst>
   </p:cSld>
   <p:clrMapOvr>
     <a:masterClrMapping/>
   </p:clrMapOvr>
+  <p:hf hdr="0"/>
 </p:sldLayout>
 </file>
 
@@ -2349,6 +2363,10 @@
           <a:bodyPr/>
           <a:lstStyle/>
           <a:p>
+            <a:r>
+              <a:rPr lang="en-US"/>
+              <a:t>28/09/2023</a:t>
+            </a:r>
             <a:endParaRPr lang="en-IN" dirty="0"/>
           </a:p>
         </p:txBody>
@@ -2501,13 +2519,14 @@
     </p:spTree>
     <p:extLst>
       <p:ext uri="{BB962C8B-B14F-4D97-AF65-F5344CB8AC3E}">
-        <p14:creationId xmlns:p14="http://schemas.microsoft.com/office/powerpoint/2010/main" val="3165753898"/>
+        <p14:creationId xmlns:p14="http://schemas.microsoft.com/office/powerpoint/2010/main" val="1763799900"/>
       </p:ext>
     </p:extLst>
   </p:cSld>
   <p:clrMapOvr>
     <a:masterClrMapping/>
   </p:clrMapOvr>
+  <p:hf hdr="0"/>
 </p:sldLayout>
 </file>
 
@@ -2699,6 +2718,10 @@
           <a:bodyPr/>
           <a:lstStyle/>
           <a:p>
+            <a:r>
+              <a:rPr lang="en-US"/>
+              <a:t>28/09/2023</a:t>
+            </a:r>
             <a:endParaRPr lang="en-IN" dirty="0"/>
           </a:p>
         </p:txBody>
@@ -2761,13 +2784,14 @@
     </p:spTree>
     <p:extLst>
       <p:ext uri="{BB962C8B-B14F-4D97-AF65-F5344CB8AC3E}">
-        <p14:creationId xmlns:p14="http://schemas.microsoft.com/office/powerpoint/2010/main" val="2583197982"/>
+        <p14:creationId xmlns:p14="http://schemas.microsoft.com/office/powerpoint/2010/main" val="2578294210"/>
       </p:ext>
     </p:extLst>
   </p:cSld>
   <p:clrMapOvr>
     <a:masterClrMapping/>
   </p:clrMapOvr>
+  <p:hf hdr="0"/>
 </p:sldLayout>
 </file>
 
@@ -3022,6 +3046,10 @@
           <a:bodyPr/>
           <a:lstStyle/>
           <a:p>
+            <a:r>
+              <a:rPr lang="en-US"/>
+              <a:t>28/09/2023</a:t>
+            </a:r>
             <a:endParaRPr lang="en-IN" dirty="0"/>
           </a:p>
         </p:txBody>
@@ -3166,13 +3194,14 @@
     </p:spTree>
     <p:extLst>
       <p:ext uri="{BB962C8B-B14F-4D97-AF65-F5344CB8AC3E}">
-        <p14:creationId xmlns:p14="http://schemas.microsoft.com/office/powerpoint/2010/main" val="2499053910"/>
+        <p14:creationId xmlns:p14="http://schemas.microsoft.com/office/powerpoint/2010/main" val="2461544798"/>
       </p:ext>
     </p:extLst>
   </p:cSld>
   <p:clrMapOvr>
     <a:masterClrMapping/>
   </p:clrMapOvr>
+  <p:hf hdr="0"/>
 </p:sldLayout>
 </file>
 
@@ -3424,6 +3453,10 @@
           <a:bodyPr/>
           <a:lstStyle/>
           <a:p>
+            <a:r>
+              <a:rPr lang="en-US"/>
+              <a:t>28/09/2023</a:t>
+            </a:r>
             <a:endParaRPr lang="en-IN" dirty="0"/>
           </a:p>
         </p:txBody>
@@ -3486,13 +3519,14 @@
     </p:spTree>
     <p:extLst>
       <p:ext uri="{BB962C8B-B14F-4D97-AF65-F5344CB8AC3E}">
-        <p14:creationId xmlns:p14="http://schemas.microsoft.com/office/powerpoint/2010/main" val="1328380812"/>
+        <p14:creationId xmlns:p14="http://schemas.microsoft.com/office/powerpoint/2010/main" val="20454075"/>
       </p:ext>
     </p:extLst>
   </p:cSld>
   <p:clrMapOvr>
     <a:masterClrMapping/>
   </p:clrMapOvr>
+  <p:hf hdr="0"/>
 </p:sldLayout>
 </file>
 
@@ -3603,6 +3637,10 @@
           <a:bodyPr/>
           <a:lstStyle/>
           <a:p>
+            <a:r>
+              <a:rPr lang="en-US"/>
+              <a:t>28/09/2023</a:t>
+            </a:r>
             <a:endParaRPr lang="en-IN" dirty="0"/>
           </a:p>
         </p:txBody>
@@ -3665,7 +3703,7 @@
     </p:spTree>
     <p:extLst>
       <p:ext uri="{BB962C8B-B14F-4D97-AF65-F5344CB8AC3E}">
-        <p14:creationId xmlns:p14="http://schemas.microsoft.com/office/powerpoint/2010/main" val="3676743102"/>
+        <p14:creationId xmlns:p14="http://schemas.microsoft.com/office/powerpoint/2010/main" val="2971988992"/>
       </p:ext>
     </p:extLst>
   </p:cSld>
@@ -3792,6 +3830,10 @@
           <a:bodyPr/>
           <a:lstStyle/>
           <a:p>
+            <a:r>
+              <a:rPr lang="en-US"/>
+              <a:t>28/09/2023</a:t>
+            </a:r>
             <a:endParaRPr lang="en-IN" dirty="0"/>
           </a:p>
         </p:txBody>
@@ -3854,7 +3896,7 @@
     </p:spTree>
     <p:extLst>
       <p:ext uri="{BB962C8B-B14F-4D97-AF65-F5344CB8AC3E}">
-        <p14:creationId xmlns:p14="http://schemas.microsoft.com/office/powerpoint/2010/main" val="2484332368"/>
+        <p14:creationId xmlns:p14="http://schemas.microsoft.com/office/powerpoint/2010/main" val="1522062079"/>
       </p:ext>
     </p:extLst>
   </p:cSld>
@@ -3977,6 +4019,10 @@
           <a:bodyPr/>
           <a:lstStyle/>
           <a:p>
+            <a:r>
+              <a:rPr lang="en-US"/>
+              <a:t>28/09/2023</a:t>
+            </a:r>
             <a:endParaRPr lang="en-IN" dirty="0"/>
           </a:p>
         </p:txBody>
@@ -4039,7 +4085,7 @@
     </p:spTree>
     <p:extLst>
       <p:ext uri="{BB962C8B-B14F-4D97-AF65-F5344CB8AC3E}">
-        <p14:creationId xmlns:p14="http://schemas.microsoft.com/office/powerpoint/2010/main" val="1023907234"/>
+        <p14:creationId xmlns:p14="http://schemas.microsoft.com/office/powerpoint/2010/main" val="1686518642"/>
       </p:ext>
     </p:extLst>
   </p:cSld>
@@ -4233,6 +4279,10 @@
           <a:bodyPr/>
           <a:lstStyle/>
           <a:p>
+            <a:r>
+              <a:rPr lang="en-US"/>
+              <a:t>28/09/2023</a:t>
+            </a:r>
             <a:endParaRPr lang="en-IN" dirty="0"/>
           </a:p>
         </p:txBody>
@@ -4295,7 +4345,7 @@
     </p:spTree>
     <p:extLst>
       <p:ext uri="{BB962C8B-B14F-4D97-AF65-F5344CB8AC3E}">
-        <p14:creationId xmlns:p14="http://schemas.microsoft.com/office/powerpoint/2010/main" val="3808667321"/>
+        <p14:creationId xmlns:p14="http://schemas.microsoft.com/office/powerpoint/2010/main" val="2526036094"/>
       </p:ext>
     </p:extLst>
   </p:cSld>
@@ -4474,6 +4524,10 @@
           <a:bodyPr/>
           <a:lstStyle/>
           <a:p>
+            <a:r>
+              <a:rPr lang="en-US"/>
+              <a:t>28/09/2023</a:t>
+            </a:r>
             <a:endParaRPr lang="en-IN" dirty="0"/>
           </a:p>
         </p:txBody>
@@ -4536,7 +4590,7 @@
     </p:spTree>
     <p:extLst>
       <p:ext uri="{BB962C8B-B14F-4D97-AF65-F5344CB8AC3E}">
-        <p14:creationId xmlns:p14="http://schemas.microsoft.com/office/powerpoint/2010/main" val="4071763902"/>
+        <p14:creationId xmlns:p14="http://schemas.microsoft.com/office/powerpoint/2010/main" val="392557214"/>
       </p:ext>
     </p:extLst>
   </p:cSld>
@@ -4857,6 +4911,10 @@
           <a:bodyPr/>
           <a:lstStyle/>
           <a:p>
+            <a:r>
+              <a:rPr lang="en-US"/>
+              <a:t>28/09/2023</a:t>
+            </a:r>
             <a:endParaRPr lang="en-IN" dirty="0"/>
           </a:p>
         </p:txBody>
@@ -4919,7 +4977,7 @@
     </p:spTree>
     <p:extLst>
       <p:ext uri="{BB962C8B-B14F-4D97-AF65-F5344CB8AC3E}">
-        <p14:creationId xmlns:p14="http://schemas.microsoft.com/office/powerpoint/2010/main" val="1336326819"/>
+        <p14:creationId xmlns:p14="http://schemas.microsoft.com/office/powerpoint/2010/main" val="3706963740"/>
       </p:ext>
     </p:extLst>
   </p:cSld>
@@ -4989,6 +5047,10 @@
           <a:bodyPr/>
           <a:lstStyle/>
           <a:p>
+            <a:r>
+              <a:rPr lang="en-US"/>
+              <a:t>28/09/2023</a:t>
+            </a:r>
             <a:endParaRPr lang="en-IN" dirty="0"/>
           </a:p>
         </p:txBody>
@@ -5051,7 +5113,7 @@
     </p:spTree>
     <p:extLst>
       <p:ext uri="{BB962C8B-B14F-4D97-AF65-F5344CB8AC3E}">
-        <p14:creationId xmlns:p14="http://schemas.microsoft.com/office/powerpoint/2010/main" val="81319890"/>
+        <p14:creationId xmlns:p14="http://schemas.microsoft.com/office/powerpoint/2010/main" val="2649026115"/>
       </p:ext>
     </p:extLst>
   </p:cSld>
@@ -5093,6 +5155,10 @@
           <a:bodyPr/>
           <a:lstStyle/>
           <a:p>
+            <a:r>
+              <a:rPr lang="en-US"/>
+              <a:t>28/09/2023</a:t>
+            </a:r>
             <a:endParaRPr lang="en-IN" dirty="0"/>
           </a:p>
         </p:txBody>
@@ -5155,7 +5221,7 @@
     </p:spTree>
     <p:extLst>
       <p:ext uri="{BB962C8B-B14F-4D97-AF65-F5344CB8AC3E}">
-        <p14:creationId xmlns:p14="http://schemas.microsoft.com/office/powerpoint/2010/main" val="1832397"/>
+        <p14:creationId xmlns:p14="http://schemas.microsoft.com/office/powerpoint/2010/main" val="1494641818"/>
       </p:ext>
     </p:extLst>
   </p:cSld>
@@ -5357,6 +5423,10 @@
           <a:bodyPr/>
           <a:lstStyle/>
           <a:p>
+            <a:r>
+              <a:rPr lang="en-US"/>
+              <a:t>28/09/2023</a:t>
+            </a:r>
             <a:endParaRPr lang="en-IN" dirty="0"/>
           </a:p>
         </p:txBody>
@@ -5419,7 +5489,7 @@
     </p:spTree>
     <p:extLst>
       <p:ext uri="{BB962C8B-B14F-4D97-AF65-F5344CB8AC3E}">
-        <p14:creationId xmlns:p14="http://schemas.microsoft.com/office/powerpoint/2010/main" val="2442596520"/>
+        <p14:creationId xmlns:p14="http://schemas.microsoft.com/office/powerpoint/2010/main" val="510973185"/>
       </p:ext>
     </p:extLst>
   </p:cSld>
@@ -5540,9 +5610,10 @@
           </a:lstStyle>
           <a:p>
             <a:r>
-              <a:rPr lang="en-US" dirty="0"/>
+              <a:rPr lang="en-US"/>
               <a:t>Click icon to add picture</a:t>
             </a:r>
+            <a:endParaRPr lang="en-US" dirty="0"/>
           </a:p>
         </p:txBody>
       </p:sp>
@@ -5628,6 +5699,10 @@
           <a:bodyPr/>
           <a:lstStyle/>
           <a:p>
+            <a:r>
+              <a:rPr lang="en-US"/>
+              <a:t>28/09/2023</a:t>
+            </a:r>
             <a:endParaRPr lang="en-IN" dirty="0"/>
           </a:p>
         </p:txBody>
@@ -5690,7 +5765,7 @@
     </p:spTree>
     <p:extLst>
       <p:ext uri="{BB962C8B-B14F-4D97-AF65-F5344CB8AC3E}">
-        <p14:creationId xmlns:p14="http://schemas.microsoft.com/office/powerpoint/2010/main" val="2508152869"/>
+        <p14:creationId xmlns:p14="http://schemas.microsoft.com/office/powerpoint/2010/main" val="666151732"/>
       </p:ext>
     </p:extLst>
   </p:cSld>
@@ -6380,6 +6455,10 @@
             </a:lvl1pPr>
           </a:lstStyle>
           <a:p>
+            <a:r>
+              <a:rPr lang="en-US"/>
+              <a:t>28/09/2023</a:t>
+            </a:r>
             <a:endParaRPr lang="en-IN" dirty="0"/>
           </a:p>
         </p:txBody>
@@ -6475,10 +6554,10 @@
       </p:sp>
       <p:sp>
         <p:nvSpPr>
-          <p:cNvPr id="9" name="TextBox 8">
+          <p:cNvPr id="8" name="TextBox 7">
             <a:extLst>
               <a:ext uri="{FF2B5EF4-FFF2-40B4-BE49-F238E27FC236}">
-                <a16:creationId xmlns:a16="http://schemas.microsoft.com/office/drawing/2014/main" id="{AC7EF331-EC3D-9AF1-DBB4-F9910400954F}"/>
+                <a16:creationId xmlns:a16="http://schemas.microsoft.com/office/drawing/2014/main" id="{03735EED-EF5B-EBA3-B4BC-835CF103E88B}"/>
               </a:ext>
             </a:extLst>
           </p:cNvPr>
@@ -6523,30 +6602,30 @@
     </p:spTree>
     <p:extLst>
       <p:ext uri="{BB962C8B-B14F-4D97-AF65-F5344CB8AC3E}">
-        <p14:creationId xmlns:p14="http://schemas.microsoft.com/office/powerpoint/2010/main" val="4253234203"/>
+        <p14:creationId xmlns:p14="http://schemas.microsoft.com/office/powerpoint/2010/main" val="3981745307"/>
       </p:ext>
     </p:extLst>
   </p:cSld>
   <p:clrMap bg1="lt1" tx1="dk1" bg2="lt2" tx2="dk2" accent1="accent1" accent2="accent2" accent3="accent3" accent4="accent4" accent5="accent5" accent6="accent6" hlink="hlink" folHlink="folHlink"/>
   <p:sldLayoutIdLst>
-    <p:sldLayoutId id="2147483729" r:id="rId1"/>
-    <p:sldLayoutId id="2147483730" r:id="rId2"/>
-    <p:sldLayoutId id="2147483731" r:id="rId3"/>
-    <p:sldLayoutId id="2147483732" r:id="rId4"/>
-    <p:sldLayoutId id="2147483733" r:id="rId5"/>
-    <p:sldLayoutId id="2147483734" r:id="rId6"/>
-    <p:sldLayoutId id="2147483735" r:id="rId7"/>
-    <p:sldLayoutId id="2147483736" r:id="rId8"/>
-    <p:sldLayoutId id="2147483737" r:id="rId9"/>
-    <p:sldLayoutId id="2147483738" r:id="rId10"/>
-    <p:sldLayoutId id="2147483739" r:id="rId11"/>
-    <p:sldLayoutId id="2147483740" r:id="rId12"/>
-    <p:sldLayoutId id="2147483741" r:id="rId13"/>
-    <p:sldLayoutId id="2147483742" r:id="rId14"/>
-    <p:sldLayoutId id="2147483743" r:id="rId15"/>
-    <p:sldLayoutId id="2147483744" r:id="rId16"/>
+    <p:sldLayoutId id="2147483816" r:id="rId1"/>
+    <p:sldLayoutId id="2147483817" r:id="rId2"/>
+    <p:sldLayoutId id="2147483818" r:id="rId3"/>
+    <p:sldLayoutId id="2147483819" r:id="rId4"/>
+    <p:sldLayoutId id="2147483820" r:id="rId5"/>
+    <p:sldLayoutId id="2147483821" r:id="rId6"/>
+    <p:sldLayoutId id="2147483822" r:id="rId7"/>
+    <p:sldLayoutId id="2147483823" r:id="rId8"/>
+    <p:sldLayoutId id="2147483824" r:id="rId9"/>
+    <p:sldLayoutId id="2147483825" r:id="rId10"/>
+    <p:sldLayoutId id="2147483826" r:id="rId11"/>
+    <p:sldLayoutId id="2147483827" r:id="rId12"/>
+    <p:sldLayoutId id="2147483828" r:id="rId13"/>
+    <p:sldLayoutId id="2147483829" r:id="rId14"/>
+    <p:sldLayoutId id="2147483830" r:id="rId15"/>
+    <p:sldLayoutId id="2147483831" r:id="rId16"/>
   </p:sldLayoutIdLst>
-  <p:hf hdr="0" ftr="0" dt="0"/>
+  <p:hf hdr="0"/>
   <p:txStyles>
     <p:titleStyle>
       <a:lvl1pPr algn="l" defTabSz="342900" rtl="0" eaLnBrk="1" latinLnBrk="0" hangingPunct="1">
@@ -7033,6 +7112,114 @@
           </a:p>
         </p:txBody>
       </p:sp>
+      <p:sp>
+        <p:nvSpPr>
+          <p:cNvPr id="11" name="Date Placeholder 10">
+            <a:extLst>
+              <a:ext uri="{FF2B5EF4-FFF2-40B4-BE49-F238E27FC236}">
+                <a16:creationId xmlns:a16="http://schemas.microsoft.com/office/drawing/2014/main" id="{E79105B9-1980-57F3-284B-30F8F5EC241B}"/>
+              </a:ext>
+            </a:extLst>
+          </p:cNvPr>
+          <p:cNvSpPr>
+            <a:spLocks noGrp="1"/>
+          </p:cNvSpPr>
+          <p:nvPr>
+            <p:ph type="dt" sz="half" idx="10"/>
+          </p:nvPr>
+        </p:nvSpPr>
+        <p:spPr/>
+        <p:txBody>
+          <a:bodyPr/>
+          <a:lstStyle/>
+          <a:p>
+            <a:r>
+              <a:rPr lang="en-US" b="1" dirty="0">
+                <a:solidFill>
+                  <a:schemeClr val="tx1"/>
+                </a:solidFill>
+              </a:rPr>
+              <a:t>28/09/2023</a:t>
+            </a:r>
+            <a:endParaRPr lang="en-IN" b="1" dirty="0">
+              <a:solidFill>
+                <a:schemeClr val="tx1"/>
+              </a:solidFill>
+            </a:endParaRPr>
+          </a:p>
+        </p:txBody>
+      </p:sp>
+      <p:sp>
+        <p:nvSpPr>
+          <p:cNvPr id="7" name="Footer Placeholder 6">
+            <a:extLst>
+              <a:ext uri="{FF2B5EF4-FFF2-40B4-BE49-F238E27FC236}">
+                <a16:creationId xmlns:a16="http://schemas.microsoft.com/office/drawing/2014/main" id="{B63AA84C-46C4-15CB-9A5D-F3FF0960EF87}"/>
+              </a:ext>
+            </a:extLst>
+          </p:cNvPr>
+          <p:cNvSpPr>
+            <a:spLocks noGrp="1"/>
+          </p:cNvSpPr>
+          <p:nvPr>
+            <p:ph type="ftr" sz="quarter" idx="11"/>
+          </p:nvPr>
+        </p:nvSpPr>
+        <p:spPr/>
+        <p:txBody>
+          <a:bodyPr/>
+          <a:lstStyle/>
+          <a:p>
+            <a:r>
+              <a:rPr lang="en-IN" dirty="0"/>
+              <a:t>TSE Custom </a:t>
+            </a:r>
+            <a:r>
+              <a:rPr lang="en-IN" dirty="0" err="1"/>
+              <a:t>Initializr</a:t>
+            </a:r>
+            <a:endParaRPr lang="en-IN" dirty="0"/>
+          </a:p>
+        </p:txBody>
+      </p:sp>
+      <p:sp>
+        <p:nvSpPr>
+          <p:cNvPr id="4" name="Slide Number Placeholder 3">
+            <a:extLst>
+              <a:ext uri="{FF2B5EF4-FFF2-40B4-BE49-F238E27FC236}">
+                <a16:creationId xmlns:a16="http://schemas.microsoft.com/office/drawing/2014/main" id="{B465FEC2-1AA0-CAF1-59EB-9A579301CAAF}"/>
+              </a:ext>
+            </a:extLst>
+          </p:cNvPr>
+          <p:cNvSpPr>
+            <a:spLocks noGrp="1"/>
+          </p:cNvSpPr>
+          <p:nvPr>
+            <p:ph type="sldNum" sz="quarter" idx="12"/>
+          </p:nvPr>
+        </p:nvSpPr>
+        <p:spPr/>
+        <p:txBody>
+          <a:bodyPr/>
+          <a:lstStyle/>
+          <a:p>
+            <a:pPr marL="0" lvl="0" indent="0" algn="r" rtl="0">
+              <a:spcBef>
+                <a:spcPts val="0"/>
+              </a:spcBef>
+              <a:spcAft>
+                <a:spcPts val="0"/>
+              </a:spcAft>
+              <a:buNone/>
+            </a:pPr>
+            <a:fld id="{00000000-1234-1234-1234-123412341234}" type="slidenum">
+              <a:rPr lang="en-GB" smtClean="0"/>
+              <a:t>1</a:t>
+            </a:fld>
+            <a:endParaRPr lang="en-GB" dirty="0"/>
+          </a:p>
+        </p:txBody>
+      </p:sp>
       <p:pic>
         <p:nvPicPr>
           <p:cNvPr id="5" name="Picture 4">
@@ -7127,7 +7314,7 @@
         </p:blipFill>
         <p:spPr>
           <a:xfrm>
-            <a:off x="154160" y="4562860"/>
+            <a:off x="628932" y="10062"/>
             <a:ext cx="1090653" cy="428990"/>
           </a:xfrm>
           <a:prstGeom prst="rect">
@@ -7135,79 +7322,6 @@
           </a:prstGeom>
         </p:spPr>
       </p:pic>
-      <p:sp>
-        <p:nvSpPr>
-          <p:cNvPr id="9" name="TextBox 8">
-            <a:extLst>
-              <a:ext uri="{FF2B5EF4-FFF2-40B4-BE49-F238E27FC236}">
-                <a16:creationId xmlns:a16="http://schemas.microsoft.com/office/drawing/2014/main" id="{7800BCCB-3759-F8A7-5F0D-BCE7FBDC25D7}"/>
-              </a:ext>
-            </a:extLst>
-          </p:cNvPr>
-          <p:cNvSpPr txBox="1"/>
-          <p:nvPr/>
-        </p:nvSpPr>
-        <p:spPr>
-          <a:xfrm>
-            <a:off x="7520748" y="4631830"/>
-            <a:ext cx="1400415" cy="369332"/>
-          </a:xfrm>
-          <a:prstGeom prst="rect">
-            <a:avLst/>
-          </a:prstGeom>
-          <a:noFill/>
-        </p:spPr>
-        <p:txBody>
-          <a:bodyPr wrap="square">
-            <a:spAutoFit/>
-          </a:bodyPr>
-          <a:lstStyle/>
-          <a:p>
-            <a:r>
-              <a:rPr lang="en-AU" dirty="0"/>
-              <a:t>28/09/2023</a:t>
-            </a:r>
-          </a:p>
-        </p:txBody>
-      </p:sp>
-      <p:sp>
-        <p:nvSpPr>
-          <p:cNvPr id="4" name="Slide Number Placeholder 3">
-            <a:extLst>
-              <a:ext uri="{FF2B5EF4-FFF2-40B4-BE49-F238E27FC236}">
-                <a16:creationId xmlns:a16="http://schemas.microsoft.com/office/drawing/2014/main" id="{B465FEC2-1AA0-CAF1-59EB-9A579301CAAF}"/>
-              </a:ext>
-            </a:extLst>
-          </p:cNvPr>
-          <p:cNvSpPr>
-            <a:spLocks noGrp="1"/>
-          </p:cNvSpPr>
-          <p:nvPr>
-            <p:ph type="sldNum" sz="quarter" idx="12"/>
-          </p:nvPr>
-        </p:nvSpPr>
-        <p:spPr/>
-        <p:txBody>
-          <a:bodyPr/>
-          <a:lstStyle/>
-          <a:p>
-            <a:pPr marL="0" lvl="0" indent="0" algn="r" rtl="0">
-              <a:spcBef>
-                <a:spcPts val="0"/>
-              </a:spcBef>
-              <a:spcAft>
-                <a:spcPts val="0"/>
-              </a:spcAft>
-              <a:buNone/>
-            </a:pPr>
-            <a:fld id="{00000000-1234-1234-1234-123412341234}" type="slidenum">
-              <a:rPr lang="en-GB" smtClean="0"/>
-              <a:t>1</a:t>
-            </a:fld>
-            <a:endParaRPr lang="en-GB" dirty="0"/>
-          </a:p>
-        </p:txBody>
-      </p:sp>
     </p:spTree>
     <p:extLst>
       <p:ext uri="{BB962C8B-B14F-4D97-AF65-F5344CB8AC3E}">
@@ -7218,13 +7332,13 @@
   <p:clrMapOvr>
     <a:masterClrMapping/>
   </p:clrMapOvr>
-  <mc:AlternateContent xmlns:mc="http://schemas.openxmlformats.org/markup-compatibility/2006">
-    <mc:Choice xmlns:p159="http://schemas.microsoft.com/office/powerpoint/2015/09/main" Requires="p159">
+  <mc:AlternateContent xmlns:mc="http://schemas.openxmlformats.org/markup-compatibility/2006" xmlns:p159="http://schemas.microsoft.com/office/powerpoint/2015/09/main">
+    <mc:Choice Requires="p159">
       <p:transition xmlns:p14="http://schemas.microsoft.com/office/powerpoint/2010/main" spd="slow" p14:dur="2000">
         <p159:morph option="byObject"/>
       </p:transition>
     </mc:Choice>
-    <mc:Fallback>
+    <mc:Fallback xmlns="">
       <p:transition spd="slow">
         <p:fade/>
       </p:transition>
@@ -7652,6 +7766,414 @@
           <p:cNvPr id="2" name="Title 1">
             <a:extLst>
               <a:ext uri="{FF2B5EF4-FFF2-40B4-BE49-F238E27FC236}">
+                <a16:creationId xmlns:a16="http://schemas.microsoft.com/office/drawing/2014/main" id="{4CDD129E-D823-0842-F8B7-18BE1884DD4D}"/>
+              </a:ext>
+            </a:extLst>
+          </p:cNvPr>
+          <p:cNvSpPr>
+            <a:spLocks noGrp="1"/>
+          </p:cNvSpPr>
+          <p:nvPr>
+            <p:ph type="title"/>
+          </p:nvPr>
+        </p:nvSpPr>
+        <p:spPr>
+          <a:xfrm>
+            <a:off x="508001" y="457200"/>
+            <a:ext cx="6447501" cy="522514"/>
+          </a:xfrm>
+        </p:spPr>
+        <p:txBody>
+          <a:bodyPr>
+            <a:normAutofit/>
+          </a:bodyPr>
+          <a:lstStyle/>
+          <a:p>
+            <a:r>
+              <a:rPr lang="en-IN" u="sng" dirty="0"/>
+              <a:t>SUMMARY</a:t>
+            </a:r>
+            <a:endParaRPr lang="en-IN" dirty="0"/>
+          </a:p>
+        </p:txBody>
+      </p:sp>
+      <p:sp>
+        <p:nvSpPr>
+          <p:cNvPr id="3" name="Content Placeholder 2">
+            <a:extLst>
+              <a:ext uri="{FF2B5EF4-FFF2-40B4-BE49-F238E27FC236}">
+                <a16:creationId xmlns:a16="http://schemas.microsoft.com/office/drawing/2014/main" id="{18B0BBAB-3798-88AF-04A0-FA8BC722B5B0}"/>
+              </a:ext>
+            </a:extLst>
+          </p:cNvPr>
+          <p:cNvSpPr>
+            <a:spLocks noGrp="1"/>
+          </p:cNvSpPr>
+          <p:nvPr>
+            <p:ph idx="1"/>
+          </p:nvPr>
+        </p:nvSpPr>
+        <p:spPr>
+          <a:xfrm>
+            <a:off x="508001" y="1270181"/>
+            <a:ext cx="6447501" cy="2910580"/>
+          </a:xfrm>
+        </p:spPr>
+        <p:txBody>
+          <a:bodyPr>
+            <a:normAutofit/>
+          </a:bodyPr>
+          <a:lstStyle/>
+          <a:p>
+            <a:pPr marL="0" indent="0">
+              <a:buNone/>
+            </a:pPr>
+            <a:r>
+              <a:rPr lang="en-US" dirty="0"/>
+              <a:t>Custom Spring Initializr enables developers to quickly bootstrap and tailor their Spring-based projects. It provides a web-based interface for generating project templates with the specific dependencies, features, and settings you need. By customizing your project's metadata, you can streamline your development process, enforce coding standards, and maintain consistency across your organization's projects.</a:t>
+            </a:r>
+          </a:p>
+          <a:p>
+            <a:pPr marL="0" indent="0">
+              <a:buNone/>
+            </a:pPr>
+            <a:endParaRPr lang="en-US" dirty="0"/>
+          </a:p>
+        </p:txBody>
+      </p:sp>
+      <p:sp>
+        <p:nvSpPr>
+          <p:cNvPr id="7" name="Date Placeholder 6">
+            <a:extLst>
+              <a:ext uri="{FF2B5EF4-FFF2-40B4-BE49-F238E27FC236}">
+                <a16:creationId xmlns:a16="http://schemas.microsoft.com/office/drawing/2014/main" id="{DFACD09A-F669-5CEE-F3CF-4ACAC518E9B2}"/>
+              </a:ext>
+            </a:extLst>
+          </p:cNvPr>
+          <p:cNvSpPr>
+            <a:spLocks noGrp="1"/>
+          </p:cNvSpPr>
+          <p:nvPr>
+            <p:ph type="dt" sz="half" idx="10"/>
+          </p:nvPr>
+        </p:nvSpPr>
+        <p:spPr/>
+        <p:txBody>
+          <a:bodyPr/>
+          <a:lstStyle/>
+          <a:p>
+            <a:r>
+              <a:rPr lang="en-US" b="1" dirty="0">
+                <a:solidFill>
+                  <a:schemeClr val="tx1"/>
+                </a:solidFill>
+              </a:rPr>
+              <a:t>28/09/2023</a:t>
+            </a:r>
+            <a:endParaRPr lang="en-IN" b="1" dirty="0">
+              <a:solidFill>
+                <a:schemeClr val="tx1"/>
+              </a:solidFill>
+            </a:endParaRPr>
+          </a:p>
+        </p:txBody>
+      </p:sp>
+      <p:sp>
+        <p:nvSpPr>
+          <p:cNvPr id="5" name="Footer Placeholder 4">
+            <a:extLst>
+              <a:ext uri="{FF2B5EF4-FFF2-40B4-BE49-F238E27FC236}">
+                <a16:creationId xmlns:a16="http://schemas.microsoft.com/office/drawing/2014/main" id="{26B41240-F50F-0B47-3AFE-EE95AC8D0206}"/>
+              </a:ext>
+            </a:extLst>
+          </p:cNvPr>
+          <p:cNvSpPr>
+            <a:spLocks noGrp="1"/>
+          </p:cNvSpPr>
+          <p:nvPr>
+            <p:ph type="ftr" sz="quarter" idx="11"/>
+          </p:nvPr>
+        </p:nvSpPr>
+        <p:spPr/>
+        <p:txBody>
+          <a:bodyPr/>
+          <a:lstStyle/>
+          <a:p>
+            <a:r>
+              <a:rPr lang="en-IN"/>
+              <a:t>TSE Custom Initializr</a:t>
+            </a:r>
+            <a:endParaRPr lang="en-IN" dirty="0"/>
+          </a:p>
+        </p:txBody>
+      </p:sp>
+      <p:sp>
+        <p:nvSpPr>
+          <p:cNvPr id="4" name="Slide Number Placeholder 3">
+            <a:extLst>
+              <a:ext uri="{FF2B5EF4-FFF2-40B4-BE49-F238E27FC236}">
+                <a16:creationId xmlns:a16="http://schemas.microsoft.com/office/drawing/2014/main" id="{1361F35E-350D-E613-C6D9-5B3E927A055C}"/>
+              </a:ext>
+            </a:extLst>
+          </p:cNvPr>
+          <p:cNvSpPr>
+            <a:spLocks noGrp="1"/>
+          </p:cNvSpPr>
+          <p:nvPr>
+            <p:ph type="sldNum" sz="quarter" idx="12"/>
+          </p:nvPr>
+        </p:nvSpPr>
+        <p:spPr/>
+        <p:txBody>
+          <a:bodyPr/>
+          <a:lstStyle/>
+          <a:p>
+            <a:pPr marL="0" lvl="0" indent="0" algn="r" rtl="0">
+              <a:spcBef>
+                <a:spcPts val="0"/>
+              </a:spcBef>
+              <a:spcAft>
+                <a:spcPts val="0"/>
+              </a:spcAft>
+              <a:buNone/>
+            </a:pPr>
+            <a:fld id="{00000000-1234-1234-1234-123412341234}" type="slidenum">
+              <a:rPr lang="en-GB" smtClean="0"/>
+              <a:t>10</a:t>
+            </a:fld>
+            <a:endParaRPr lang="en-GB" dirty="0"/>
+          </a:p>
+        </p:txBody>
+      </p:sp>
+    </p:spTree>
+    <p:extLst>
+      <p:ext uri="{BB962C8B-B14F-4D97-AF65-F5344CB8AC3E}">
+        <p14:creationId xmlns:p14="http://schemas.microsoft.com/office/powerpoint/2010/main" val="2437164874"/>
+      </p:ext>
+    </p:extLst>
+  </p:cSld>
+  <p:clrMapOvr>
+    <a:masterClrMapping/>
+  </p:clrMapOvr>
+  <p:timing>
+    <p:tnLst>
+      <p:par>
+        <p:cTn id="1" dur="indefinite" restart="never" nodeType="tmRoot">
+          <p:childTnLst>
+            <p:seq concurrent="1" nextAc="seek">
+              <p:cTn id="2" dur="indefinite" nodeType="mainSeq">
+                <p:childTnLst>
+                  <p:par>
+                    <p:cTn id="3" fill="hold">
+                      <p:stCondLst>
+                        <p:cond delay="indefinite"/>
+                      </p:stCondLst>
+                      <p:childTnLst>
+                        <p:par>
+                          <p:cTn id="4" fill="hold">
+                            <p:stCondLst>
+                              <p:cond delay="0"/>
+                            </p:stCondLst>
+                            <p:childTnLst>
+                              <p:par>
+                                <p:cTn id="5" presetID="42" presetClass="entr" presetSubtype="0" fill="hold" grpId="0" nodeType="clickEffect">
+                                  <p:stCondLst>
+                                    <p:cond delay="0"/>
+                                  </p:stCondLst>
+                                  <p:childTnLst>
+                                    <p:set>
+                                      <p:cBhvr>
+                                        <p:cTn id="6" dur="1" fill="hold">
+                                          <p:stCondLst>
+                                            <p:cond delay="0"/>
+                                          </p:stCondLst>
+                                        </p:cTn>
+                                        <p:tgtEl>
+                                          <p:spTgt spid="2"/>
+                                        </p:tgtEl>
+                                        <p:attrNameLst>
+                                          <p:attrName>style.visibility</p:attrName>
+                                        </p:attrNameLst>
+                                      </p:cBhvr>
+                                      <p:to>
+                                        <p:strVal val="visible"/>
+                                      </p:to>
+                                    </p:set>
+                                    <p:animEffect transition="in" filter="fade">
+                                      <p:cBhvr>
+                                        <p:cTn id="7" dur="1000"/>
+                                        <p:tgtEl>
+                                          <p:spTgt spid="2"/>
+                                        </p:tgtEl>
+                                      </p:cBhvr>
+                                    </p:animEffect>
+                                    <p:anim calcmode="lin" valueType="num">
+                                      <p:cBhvr>
+                                        <p:cTn id="8" dur="1000" fill="hold"/>
+                                        <p:tgtEl>
+                                          <p:spTgt spid="2"/>
+                                        </p:tgtEl>
+                                        <p:attrNameLst>
+                                          <p:attrName>ppt_x</p:attrName>
+                                        </p:attrNameLst>
+                                      </p:cBhvr>
+                                      <p:tavLst>
+                                        <p:tav tm="0">
+                                          <p:val>
+                                            <p:strVal val="#ppt_x"/>
+                                          </p:val>
+                                        </p:tav>
+                                        <p:tav tm="100000">
+                                          <p:val>
+                                            <p:strVal val="#ppt_x"/>
+                                          </p:val>
+                                        </p:tav>
+                                      </p:tavLst>
+                                    </p:anim>
+                                    <p:anim calcmode="lin" valueType="num">
+                                      <p:cBhvr>
+                                        <p:cTn id="9" dur="1000" fill="hold"/>
+                                        <p:tgtEl>
+                                          <p:spTgt spid="2"/>
+                                        </p:tgtEl>
+                                        <p:attrNameLst>
+                                          <p:attrName>ppt_y</p:attrName>
+                                        </p:attrNameLst>
+                                      </p:cBhvr>
+                                      <p:tavLst>
+                                        <p:tav tm="0">
+                                          <p:val>
+                                            <p:strVal val="#ppt_y+.1"/>
+                                          </p:val>
+                                        </p:tav>
+                                        <p:tav tm="100000">
+                                          <p:val>
+                                            <p:strVal val="#ppt_y"/>
+                                          </p:val>
+                                        </p:tav>
+                                      </p:tavLst>
+                                    </p:anim>
+                                  </p:childTnLst>
+                                </p:cTn>
+                              </p:par>
+                            </p:childTnLst>
+                          </p:cTn>
+                        </p:par>
+                      </p:childTnLst>
+                    </p:cTn>
+                  </p:par>
+                  <p:par>
+                    <p:cTn id="10" fill="hold">
+                      <p:stCondLst>
+                        <p:cond delay="indefinite"/>
+                      </p:stCondLst>
+                      <p:childTnLst>
+                        <p:par>
+                          <p:cTn id="11" fill="hold">
+                            <p:stCondLst>
+                              <p:cond delay="0"/>
+                            </p:stCondLst>
+                            <p:childTnLst>
+                              <p:par>
+                                <p:cTn id="12" presetID="14" presetClass="entr" presetSubtype="10" fill="hold" grpId="0" nodeType="clickEffect">
+                                  <p:stCondLst>
+                                    <p:cond delay="0"/>
+                                  </p:stCondLst>
+                                  <p:childTnLst>
+                                    <p:set>
+                                      <p:cBhvr>
+                                        <p:cTn id="13" dur="1" fill="hold">
+                                          <p:stCondLst>
+                                            <p:cond delay="0"/>
+                                          </p:stCondLst>
+                                        </p:cTn>
+                                        <p:tgtEl>
+                                          <p:spTgt spid="3">
+                                            <p:txEl>
+                                              <p:pRg st="0" end="0"/>
+                                            </p:txEl>
+                                          </p:spTgt>
+                                        </p:tgtEl>
+                                        <p:attrNameLst>
+                                          <p:attrName>style.visibility</p:attrName>
+                                        </p:attrNameLst>
+                                      </p:cBhvr>
+                                      <p:to>
+                                        <p:strVal val="visible"/>
+                                      </p:to>
+                                    </p:set>
+                                    <p:animEffect transition="in" filter="randombar(horizontal)">
+                                      <p:cBhvr>
+                                        <p:cTn id="14" dur="500"/>
+                                        <p:tgtEl>
+                                          <p:spTgt spid="3">
+                                            <p:txEl>
+                                              <p:pRg st="0" end="0"/>
+                                            </p:txEl>
+                                          </p:spTgt>
+                                        </p:tgtEl>
+                                      </p:cBhvr>
+                                    </p:animEffect>
+                                  </p:childTnLst>
+                                </p:cTn>
+                              </p:par>
+                            </p:childTnLst>
+                          </p:cTn>
+                        </p:par>
+                      </p:childTnLst>
+                    </p:cTn>
+                  </p:par>
+                </p:childTnLst>
+              </p:cTn>
+              <p:prevCondLst>
+                <p:cond evt="onPrev" delay="0">
+                  <p:tgtEl>
+                    <p:sldTgt/>
+                  </p:tgtEl>
+                </p:cond>
+              </p:prevCondLst>
+              <p:nextCondLst>
+                <p:cond evt="onNext" delay="0">
+                  <p:tgtEl>
+                    <p:sldTgt/>
+                  </p:tgtEl>
+                </p:cond>
+              </p:nextCondLst>
+            </p:seq>
+          </p:childTnLst>
+        </p:cTn>
+      </p:par>
+    </p:tnLst>
+    <p:bldLst>
+      <p:bldP spid="2" grpId="0"/>
+      <p:bldP spid="3" grpId="0" build="p"/>
+    </p:bldLst>
+  </p:timing>
+</p:sld>
+</file>
+
+<file path=ppt/slides/slide11.xml><?xml version="1.0" encoding="utf-8"?>
+<p:sld xmlns:a="http://schemas.openxmlformats.org/drawingml/2006/main" xmlns:r="http://schemas.openxmlformats.org/officeDocument/2006/relationships" xmlns:p="http://schemas.openxmlformats.org/presentationml/2006/main">
+  <p:cSld>
+    <p:spTree>
+      <p:nvGrpSpPr>
+        <p:cNvPr id="1" name=""/>
+        <p:cNvGrpSpPr/>
+        <p:nvPr/>
+      </p:nvGrpSpPr>
+      <p:grpSpPr>
+        <a:xfrm>
+          <a:off x="0" y="0"/>
+          <a:ext cx="0" cy="0"/>
+          <a:chOff x="0" y="0"/>
+          <a:chExt cx="0" cy="0"/>
+        </a:xfrm>
+      </p:grpSpPr>
+      <p:sp>
+        <p:nvSpPr>
+          <p:cNvPr id="2" name="Title 1">
+            <a:extLst>
+              <a:ext uri="{FF2B5EF4-FFF2-40B4-BE49-F238E27FC236}">
                 <a16:creationId xmlns:a16="http://schemas.microsoft.com/office/drawing/2014/main" id="{DF0E8B35-95FE-5D76-536B-1AB50AD933BE}"/>
               </a:ext>
             </a:extLst>
@@ -7703,6 +8225,10 @@
           </a:bodyPr>
           <a:lstStyle/>
           <a:p>
+            <a:pPr>
+              <a:buFont typeface="Wingdings" panose="05000000000000000000" pitchFamily="2" charset="2"/>
+              <a:buChar char="Ø"/>
+            </a:pPr>
             <a:r>
               <a:rPr lang="en-US" b="1" dirty="0"/>
               <a:t>Enhanced Customization: </a:t>
@@ -7713,6 +8239,10 @@
             </a:r>
           </a:p>
           <a:p>
+            <a:pPr>
+              <a:buFont typeface="Wingdings" panose="05000000000000000000" pitchFamily="2" charset="2"/>
+              <a:buChar char="Ø"/>
+            </a:pPr>
             <a:r>
               <a:rPr lang="en-US" b="1" dirty="0"/>
               <a:t>Security and Compliance: </a:t>
@@ -7723,6 +8253,10 @@
             </a:r>
           </a:p>
           <a:p>
+            <a:pPr>
+              <a:buFont typeface="Wingdings" panose="05000000000000000000" pitchFamily="2" charset="2"/>
+              <a:buChar char="Ø"/>
+            </a:pPr>
             <a:r>
               <a:rPr lang="en-US" b="1" dirty="0"/>
               <a:t>Machine Learning and AI: </a:t>
@@ -7733,6 +8267,10 @@
             </a:r>
           </a:p>
           <a:p>
+            <a:pPr>
+              <a:buFont typeface="Wingdings" panose="05000000000000000000" pitchFamily="2" charset="2"/>
+              <a:buChar char="Ø"/>
+            </a:pPr>
             <a:r>
               <a:rPr lang="en-US" b="1" dirty="0"/>
               <a:t>Cloud Integration: </a:t>
@@ -7745,6 +8283,72 @@
           </a:p>
           <a:p>
             <a:endParaRPr lang="en-AU" dirty="0"/>
+          </a:p>
+        </p:txBody>
+      </p:sp>
+      <p:sp>
+        <p:nvSpPr>
+          <p:cNvPr id="7" name="Date Placeholder 6">
+            <a:extLst>
+              <a:ext uri="{FF2B5EF4-FFF2-40B4-BE49-F238E27FC236}">
+                <a16:creationId xmlns:a16="http://schemas.microsoft.com/office/drawing/2014/main" id="{41BE56CE-7582-AE0F-9532-05CFC5751486}"/>
+              </a:ext>
+            </a:extLst>
+          </p:cNvPr>
+          <p:cNvSpPr>
+            <a:spLocks noGrp="1"/>
+          </p:cNvSpPr>
+          <p:nvPr>
+            <p:ph type="dt" sz="half" idx="10"/>
+          </p:nvPr>
+        </p:nvSpPr>
+        <p:spPr/>
+        <p:txBody>
+          <a:bodyPr/>
+          <a:lstStyle/>
+          <a:p>
+            <a:r>
+              <a:rPr lang="en-US" b="1" dirty="0">
+                <a:solidFill>
+                  <a:schemeClr val="tx1"/>
+                </a:solidFill>
+              </a:rPr>
+              <a:t>28/09/2023</a:t>
+            </a:r>
+            <a:endParaRPr lang="en-IN" b="1" dirty="0">
+              <a:solidFill>
+                <a:schemeClr val="tx1"/>
+              </a:solidFill>
+            </a:endParaRPr>
+          </a:p>
+        </p:txBody>
+      </p:sp>
+      <p:sp>
+        <p:nvSpPr>
+          <p:cNvPr id="5" name="Footer Placeholder 4">
+            <a:extLst>
+              <a:ext uri="{FF2B5EF4-FFF2-40B4-BE49-F238E27FC236}">
+                <a16:creationId xmlns:a16="http://schemas.microsoft.com/office/drawing/2014/main" id="{54EF0887-97A9-62A2-C400-C1DB6A7E6758}"/>
+              </a:ext>
+            </a:extLst>
+          </p:cNvPr>
+          <p:cNvSpPr>
+            <a:spLocks noGrp="1"/>
+          </p:cNvSpPr>
+          <p:nvPr>
+            <p:ph type="ftr" sz="quarter" idx="11"/>
+          </p:nvPr>
+        </p:nvSpPr>
+        <p:spPr/>
+        <p:txBody>
+          <a:bodyPr/>
+          <a:lstStyle/>
+          <a:p>
+            <a:r>
+              <a:rPr lang="en-IN"/>
+              <a:t>TSE Custom Initializr</a:t>
+            </a:r>
+            <a:endParaRPr lang="en-IN" dirty="0"/>
           </a:p>
         </p:txBody>
       </p:sp>
@@ -7780,7 +8384,7 @@
             </a:pPr>
             <a:fld id="{00000000-1234-1234-1234-123412341234}" type="slidenum">
               <a:rPr lang="en-GB" smtClean="0"/>
-              <a:t>10</a:t>
+              <a:t>11</a:t>
             </a:fld>
             <a:endParaRPr lang="en-GB" dirty="0"/>
           </a:p>
@@ -8176,7 +8780,7 @@
 </p:sld>
 </file>
 
-<file path=ppt/slides/slide11.xml><?xml version="1.0" encoding="utf-8"?>
+<file path=ppt/slides/slide12.xml><?xml version="1.0" encoding="utf-8"?>
 <p:sld xmlns:a="http://schemas.openxmlformats.org/drawingml/2006/main" xmlns:r="http://schemas.openxmlformats.org/officeDocument/2006/relationships" xmlns:p="http://schemas.openxmlformats.org/presentationml/2006/main">
   <p:cSld>
     <p:spTree>
@@ -8216,7 +8820,9 @@
           </a:xfrm>
         </p:spPr>
         <p:txBody>
-          <a:bodyPr/>
+          <a:bodyPr>
+            <a:normAutofit/>
+          </a:bodyPr>
           <a:lstStyle/>
           <a:p>
             <a:r>
@@ -8256,36 +8862,122 @@
           <a:bodyPr/>
           <a:lstStyle/>
           <a:p>
+            <a:pPr>
+              <a:buFont typeface="Wingdings" panose="05000000000000000000" pitchFamily="2" charset="2"/>
+              <a:buChar char="Ø"/>
+            </a:pPr>
             <a:r>
               <a:rPr lang="en-IN" dirty="0"/>
               <a:t>Tunir Chaudhuri - Software Engineering - Associate</a:t>
             </a:r>
           </a:p>
           <a:p>
+            <a:pPr>
+              <a:buFont typeface="Wingdings" panose="05000000000000000000" pitchFamily="2" charset="2"/>
+              <a:buChar char="Ø"/>
+            </a:pPr>
             <a:r>
               <a:rPr lang="en-IN" dirty="0"/>
               <a:t>Akash Ranjan - Software Engineering - Associate</a:t>
             </a:r>
           </a:p>
           <a:p>
+            <a:pPr>
+              <a:buFont typeface="Wingdings" panose="05000000000000000000" pitchFamily="2" charset="2"/>
+              <a:buChar char="Ø"/>
+            </a:pPr>
             <a:r>
               <a:rPr lang="en-IN" dirty="0"/>
               <a:t>Goutham Suresh - Software Engineering - Associate</a:t>
             </a:r>
           </a:p>
           <a:p>
+            <a:pPr>
+              <a:buFont typeface="Wingdings" panose="05000000000000000000" pitchFamily="2" charset="2"/>
+              <a:buChar char="Ø"/>
+            </a:pPr>
             <a:r>
               <a:rPr lang="en-IN" dirty="0"/>
               <a:t>Rahul - Software Engineering - Associate</a:t>
             </a:r>
           </a:p>
           <a:p>
+            <a:pPr>
+              <a:buFont typeface="Wingdings" panose="05000000000000000000" pitchFamily="2" charset="2"/>
+              <a:buChar char="Ø"/>
+            </a:pPr>
             <a:r>
               <a:rPr lang="en-IN" dirty="0"/>
               <a:t>Sunny Kumar - Software Engineering – Associate</a:t>
             </a:r>
           </a:p>
           <a:p>
+            <a:endParaRPr lang="en-IN" dirty="0"/>
+          </a:p>
+        </p:txBody>
+      </p:sp>
+      <p:sp>
+        <p:nvSpPr>
+          <p:cNvPr id="7" name="Date Placeholder 6">
+            <a:extLst>
+              <a:ext uri="{FF2B5EF4-FFF2-40B4-BE49-F238E27FC236}">
+                <a16:creationId xmlns:a16="http://schemas.microsoft.com/office/drawing/2014/main" id="{46955465-80CA-9FC4-E35D-20FC2E644832}"/>
+              </a:ext>
+            </a:extLst>
+          </p:cNvPr>
+          <p:cNvSpPr>
+            <a:spLocks noGrp="1"/>
+          </p:cNvSpPr>
+          <p:nvPr>
+            <p:ph type="dt" sz="half" idx="10"/>
+          </p:nvPr>
+        </p:nvSpPr>
+        <p:spPr/>
+        <p:txBody>
+          <a:bodyPr/>
+          <a:lstStyle/>
+          <a:p>
+            <a:r>
+              <a:rPr lang="en-US" b="1" dirty="0">
+                <a:solidFill>
+                  <a:schemeClr val="tx1"/>
+                </a:solidFill>
+              </a:rPr>
+              <a:t>28/09/2023</a:t>
+            </a:r>
+            <a:endParaRPr lang="en-IN" b="1" dirty="0">
+              <a:solidFill>
+                <a:schemeClr val="tx1"/>
+              </a:solidFill>
+            </a:endParaRPr>
+          </a:p>
+        </p:txBody>
+      </p:sp>
+      <p:sp>
+        <p:nvSpPr>
+          <p:cNvPr id="5" name="Footer Placeholder 4">
+            <a:extLst>
+              <a:ext uri="{FF2B5EF4-FFF2-40B4-BE49-F238E27FC236}">
+                <a16:creationId xmlns:a16="http://schemas.microsoft.com/office/drawing/2014/main" id="{EB6F181C-08C0-A8E0-84B9-F8BE7EB7F0AF}"/>
+              </a:ext>
+            </a:extLst>
+          </p:cNvPr>
+          <p:cNvSpPr>
+            <a:spLocks noGrp="1"/>
+          </p:cNvSpPr>
+          <p:nvPr>
+            <p:ph type="ftr" sz="quarter" idx="11"/>
+          </p:nvPr>
+        </p:nvSpPr>
+        <p:spPr/>
+        <p:txBody>
+          <a:bodyPr/>
+          <a:lstStyle/>
+          <a:p>
+            <a:r>
+              <a:rPr lang="en-IN"/>
+              <a:t>TSE Custom Initializr</a:t>
+            </a:r>
             <a:endParaRPr lang="en-IN" dirty="0"/>
           </a:p>
         </p:txBody>
@@ -8322,7 +9014,7 @@
             </a:pPr>
             <a:fld id="{00000000-1234-1234-1234-123412341234}" type="slidenum">
               <a:rPr lang="en-GB" smtClean="0"/>
-              <a:t>11</a:t>
+              <a:t>12</a:t>
             </a:fld>
             <a:endParaRPr lang="en-GB" dirty="0"/>
           </a:p>
@@ -8779,7 +9471,7 @@
 </p:sld>
 </file>
 
-<file path=ppt/slides/slide12.xml><?xml version="1.0" encoding="utf-8"?>
+<file path=ppt/slides/slide13.xml><?xml version="1.0" encoding="utf-8"?>
 <p:sld xmlns:a="http://schemas.openxmlformats.org/drawingml/2006/main" xmlns:r="http://schemas.openxmlformats.org/officeDocument/2006/relationships" xmlns:p="http://schemas.openxmlformats.org/presentationml/2006/main">
   <p:cSld>
     <p:bg>
@@ -9706,7 +10398,7 @@
         </p:nvSpPr>
         <p:spPr>
           <a:xfrm>
-            <a:off x="5352373" y="-6351"/>
+            <a:off x="5403850" y="-6351"/>
             <a:ext cx="3806198" cy="5149851"/>
           </a:xfrm>
           <a:custGeom>
@@ -9834,7 +10526,7 @@
         </p:blipFill>
         <p:spPr>
           <a:xfrm>
-            <a:off x="154160" y="4562860"/>
+            <a:off x="26275" y="52023"/>
             <a:ext cx="1090653" cy="428990"/>
           </a:xfrm>
           <a:prstGeom prst="rect">
@@ -9842,6 +10534,72 @@
           </a:prstGeom>
         </p:spPr>
       </p:pic>
+      <p:sp>
+        <p:nvSpPr>
+          <p:cNvPr id="7" name="Date Placeholder 6">
+            <a:extLst>
+              <a:ext uri="{FF2B5EF4-FFF2-40B4-BE49-F238E27FC236}">
+                <a16:creationId xmlns:a16="http://schemas.microsoft.com/office/drawing/2014/main" id="{129965FC-AF2C-F804-8A81-4C51196F6545}"/>
+              </a:ext>
+            </a:extLst>
+          </p:cNvPr>
+          <p:cNvSpPr>
+            <a:spLocks noGrp="1"/>
+          </p:cNvSpPr>
+          <p:nvPr>
+            <p:ph type="dt" sz="half" idx="10"/>
+          </p:nvPr>
+        </p:nvSpPr>
+        <p:spPr/>
+        <p:txBody>
+          <a:bodyPr/>
+          <a:lstStyle/>
+          <a:p>
+            <a:r>
+              <a:rPr lang="en-US" b="1" dirty="0">
+                <a:solidFill>
+                  <a:schemeClr val="tx1"/>
+                </a:solidFill>
+              </a:rPr>
+              <a:t>28/09/2023</a:t>
+            </a:r>
+            <a:endParaRPr lang="en-IN" b="1" dirty="0">
+              <a:solidFill>
+                <a:schemeClr val="tx1"/>
+              </a:solidFill>
+            </a:endParaRPr>
+          </a:p>
+        </p:txBody>
+      </p:sp>
+      <p:sp>
+        <p:nvSpPr>
+          <p:cNvPr id="5" name="Footer Placeholder 4">
+            <a:extLst>
+              <a:ext uri="{FF2B5EF4-FFF2-40B4-BE49-F238E27FC236}">
+                <a16:creationId xmlns:a16="http://schemas.microsoft.com/office/drawing/2014/main" id="{2C8C2BF1-3A89-C8C5-8291-75B52D9C511F}"/>
+              </a:ext>
+            </a:extLst>
+          </p:cNvPr>
+          <p:cNvSpPr>
+            <a:spLocks noGrp="1"/>
+          </p:cNvSpPr>
+          <p:nvPr>
+            <p:ph type="ftr" sz="quarter" idx="11"/>
+          </p:nvPr>
+        </p:nvSpPr>
+        <p:spPr/>
+        <p:txBody>
+          <a:bodyPr/>
+          <a:lstStyle/>
+          <a:p>
+            <a:r>
+              <a:rPr lang="en-IN"/>
+              <a:t>TSE Custom Initializr</a:t>
+            </a:r>
+            <a:endParaRPr lang="en-IN" dirty="0"/>
+          </a:p>
+        </p:txBody>
+      </p:sp>
       <p:sp>
         <p:nvSpPr>
           <p:cNvPr id="4" name="Slide Number Placeholder 3">
@@ -9873,10 +10631,18 @@
               <a:buNone/>
             </a:pPr>
             <a:fld id="{00000000-1234-1234-1234-123412341234}" type="slidenum">
-              <a:rPr lang="en-GB" smtClean="0"/>
-              <a:t>12</a:t>
+              <a:rPr lang="en-GB" smtClean="0">
+                <a:solidFill>
+                  <a:schemeClr val="tx1"/>
+                </a:solidFill>
+              </a:rPr>
+              <a:t>13</a:t>
             </a:fld>
-            <a:endParaRPr lang="en-GB" dirty="0"/>
+            <a:endParaRPr lang="en-GB" dirty="0">
+              <a:solidFill>
+                <a:schemeClr val="tx1"/>
+              </a:solidFill>
+            </a:endParaRPr>
           </a:p>
         </p:txBody>
       </p:sp>
@@ -10022,7 +10788,9 @@
           </a:xfrm>
         </p:spPr>
         <p:txBody>
-          <a:bodyPr/>
+          <a:bodyPr>
+            <a:normAutofit/>
+          </a:bodyPr>
           <a:lstStyle/>
           <a:p>
             <a:r>
@@ -10075,24 +10843,44 @@
             <a:endParaRPr lang="en-US" sz="1000" dirty="0"/>
           </a:p>
           <a:p>
+            <a:pPr>
+              <a:buFont typeface="Wingdings" panose="05000000000000000000" pitchFamily="2" charset="2"/>
+              <a:buChar char="Ø"/>
+            </a:pPr>
             <a:r>
               <a:rPr lang="en-US" sz="1000" dirty="0"/>
               <a:t>You may be required to provide a self-hosted instance of the Spring Initializr within your company e.g., due to network restrictions when downloading archives from the web. </a:t>
             </a:r>
           </a:p>
           <a:p>
+            <a:pPr>
+              <a:buFont typeface="Wingdings" panose="05000000000000000000" pitchFamily="2" charset="2"/>
+              <a:buChar char="Ø"/>
+            </a:pPr>
             <a:endParaRPr lang="en-US" sz="1000" dirty="0"/>
           </a:p>
           <a:p>
+            <a:pPr>
+              <a:buFont typeface="Wingdings" panose="05000000000000000000" pitchFamily="2" charset="2"/>
+              <a:buChar char="Ø"/>
+            </a:pPr>
             <a:r>
               <a:rPr lang="en-US" sz="1000" dirty="0"/>
               <a:t>You may want to tweak or brand the UI or even build your own UI from scratch. </a:t>
             </a:r>
           </a:p>
           <a:p>
+            <a:pPr>
+              <a:buFont typeface="Wingdings" panose="05000000000000000000" pitchFamily="2" charset="2"/>
+              <a:buChar char="Ø"/>
+            </a:pPr>
             <a:endParaRPr lang="en-US" sz="1000" dirty="0"/>
           </a:p>
           <a:p>
+            <a:pPr>
+              <a:buFont typeface="Wingdings" panose="05000000000000000000" pitchFamily="2" charset="2"/>
+              <a:buChar char="Ø"/>
+            </a:pPr>
             <a:r>
               <a:rPr lang="en-US" sz="1000" dirty="0"/>
               <a:t>You may want to provide your own project configurations and/or dependencies e.g., company internal Spring Boot starters that are not publicly available on the web.</a:t>
@@ -10100,6 +10888,114 @@
           </a:p>
           <a:p>
             <a:endParaRPr lang="en-IN" sz="1000" dirty="0"/>
+          </a:p>
+        </p:txBody>
+      </p:sp>
+      <p:sp>
+        <p:nvSpPr>
+          <p:cNvPr id="10" name="Date Placeholder 9">
+            <a:extLst>
+              <a:ext uri="{FF2B5EF4-FFF2-40B4-BE49-F238E27FC236}">
+                <a16:creationId xmlns:a16="http://schemas.microsoft.com/office/drawing/2014/main" id="{48209E6B-7B96-4970-9F5B-4B8FCF28E24D}"/>
+              </a:ext>
+            </a:extLst>
+          </p:cNvPr>
+          <p:cNvSpPr>
+            <a:spLocks noGrp="1"/>
+          </p:cNvSpPr>
+          <p:nvPr>
+            <p:ph type="dt" sz="half" idx="10"/>
+          </p:nvPr>
+        </p:nvSpPr>
+        <p:spPr/>
+        <p:txBody>
+          <a:bodyPr/>
+          <a:lstStyle/>
+          <a:p>
+            <a:r>
+              <a:rPr lang="en-US" b="1" dirty="0">
+                <a:solidFill>
+                  <a:schemeClr val="tx1"/>
+                </a:solidFill>
+              </a:rPr>
+              <a:t>28/09/2023</a:t>
+            </a:r>
+            <a:endParaRPr lang="en-IN" b="1" dirty="0">
+              <a:solidFill>
+                <a:schemeClr val="tx1"/>
+              </a:solidFill>
+            </a:endParaRPr>
+          </a:p>
+        </p:txBody>
+      </p:sp>
+      <p:sp>
+        <p:nvSpPr>
+          <p:cNvPr id="5" name="Footer Placeholder 4">
+            <a:extLst>
+              <a:ext uri="{FF2B5EF4-FFF2-40B4-BE49-F238E27FC236}">
+                <a16:creationId xmlns:a16="http://schemas.microsoft.com/office/drawing/2014/main" id="{EA8BDBDB-1893-AB4D-969C-9F621D509CB9}"/>
+              </a:ext>
+            </a:extLst>
+          </p:cNvPr>
+          <p:cNvSpPr>
+            <a:spLocks noGrp="1"/>
+          </p:cNvSpPr>
+          <p:nvPr>
+            <p:ph type="ftr" sz="quarter" idx="11"/>
+          </p:nvPr>
+        </p:nvSpPr>
+        <p:spPr/>
+        <p:txBody>
+          <a:bodyPr/>
+          <a:lstStyle/>
+          <a:p>
+            <a:r>
+              <a:rPr lang="en-IN" dirty="0"/>
+              <a:t>TSE Custom </a:t>
+            </a:r>
+            <a:r>
+              <a:rPr lang="en-IN" dirty="0" err="1"/>
+              <a:t>Initializr</a:t>
+            </a:r>
+            <a:endParaRPr lang="en-IN" dirty="0"/>
+          </a:p>
+        </p:txBody>
+      </p:sp>
+      <p:sp>
+        <p:nvSpPr>
+          <p:cNvPr id="4" name="Slide Number Placeholder 3">
+            <a:extLst>
+              <a:ext uri="{FF2B5EF4-FFF2-40B4-BE49-F238E27FC236}">
+                <a16:creationId xmlns:a16="http://schemas.microsoft.com/office/drawing/2014/main" id="{D589B979-3A76-36E8-E90C-68D4161CE8F6}"/>
+              </a:ext>
+            </a:extLst>
+          </p:cNvPr>
+          <p:cNvSpPr>
+            <a:spLocks noGrp="1"/>
+          </p:cNvSpPr>
+          <p:nvPr>
+            <p:ph type="sldNum" sz="quarter" idx="12"/>
+          </p:nvPr>
+        </p:nvSpPr>
+        <p:spPr/>
+        <p:txBody>
+          <a:bodyPr/>
+          <a:lstStyle/>
+          <a:p>
+            <a:pPr marL="0" lvl="0" indent="0" algn="r" rtl="0">
+              <a:spcBef>
+                <a:spcPts val="0"/>
+              </a:spcBef>
+              <a:spcAft>
+                <a:spcPts val="0"/>
+              </a:spcAft>
+              <a:buNone/>
+            </a:pPr>
+            <a:fld id="{00000000-1234-1234-1234-123412341234}" type="slidenum">
+              <a:rPr lang="en-GB" smtClean="0"/>
+              <a:t>2</a:t>
+            </a:fld>
+            <a:endParaRPr lang="en-GB" dirty="0"/>
           </a:p>
         </p:txBody>
       </p:sp>
@@ -10152,44 +11048,6 @@
               <a:t>The Custom Spring Initializr is a tailored version of the Spring Initializr, a web-based tool that simplifies and accelerates the bootstrapping of Spring-based projects. It offers a personalized development experience by allowing developers to define custom project templates, dependencies, and metadata. </a:t>
             </a:r>
             <a:endParaRPr lang="en-IN" sz="1000" dirty="0"/>
-          </a:p>
-        </p:txBody>
-      </p:sp>
-      <p:sp>
-        <p:nvSpPr>
-          <p:cNvPr id="4" name="Slide Number Placeholder 3">
-            <a:extLst>
-              <a:ext uri="{FF2B5EF4-FFF2-40B4-BE49-F238E27FC236}">
-                <a16:creationId xmlns:a16="http://schemas.microsoft.com/office/drawing/2014/main" id="{D589B979-3A76-36E8-E90C-68D4161CE8F6}"/>
-              </a:ext>
-            </a:extLst>
-          </p:cNvPr>
-          <p:cNvSpPr>
-            <a:spLocks noGrp="1"/>
-          </p:cNvSpPr>
-          <p:nvPr>
-            <p:ph type="sldNum" sz="quarter" idx="12"/>
-          </p:nvPr>
-        </p:nvSpPr>
-        <p:spPr/>
-        <p:txBody>
-          <a:bodyPr/>
-          <a:lstStyle/>
-          <a:p>
-            <a:pPr marL="0" lvl="0" indent="0" algn="r" rtl="0">
-              <a:spcBef>
-                <a:spcPts val="0"/>
-              </a:spcBef>
-              <a:spcAft>
-                <a:spcPts val="0"/>
-              </a:spcAft>
-              <a:buNone/>
-            </a:pPr>
-            <a:fld id="{00000000-1234-1234-1234-123412341234}" type="slidenum">
-              <a:rPr lang="en-GB" smtClean="0"/>
-              <a:t>2</a:t>
-            </a:fld>
-            <a:endParaRPr lang="en-GB" dirty="0"/>
           </a:p>
         </p:txBody>
       </p:sp>
@@ -10677,13 +11535,82 @@
           </a:xfrm>
         </p:spPr>
         <p:txBody>
+          <a:bodyPr>
+            <a:normAutofit/>
+          </a:bodyPr>
+          <a:lstStyle/>
+          <a:p>
+            <a:r>
+              <a:rPr lang="en-IN" u="sng" dirty="0"/>
+              <a:t>OBJECTIVES</a:t>
+            </a:r>
+          </a:p>
+        </p:txBody>
+      </p:sp>
+      <p:sp>
+        <p:nvSpPr>
+          <p:cNvPr id="4" name="Footer Placeholder 3">
+            <a:extLst>
+              <a:ext uri="{FF2B5EF4-FFF2-40B4-BE49-F238E27FC236}">
+                <a16:creationId xmlns:a16="http://schemas.microsoft.com/office/drawing/2014/main" id="{6331D438-B420-C949-4769-24B48FFE0420}"/>
+              </a:ext>
+            </a:extLst>
+          </p:cNvPr>
+          <p:cNvSpPr>
+            <a:spLocks noGrp="1"/>
+          </p:cNvSpPr>
+          <p:nvPr>
+            <p:ph type="ftr" sz="quarter" idx="11"/>
+          </p:nvPr>
+        </p:nvSpPr>
+        <p:spPr/>
+        <p:txBody>
           <a:bodyPr/>
           <a:lstStyle/>
           <a:p>
             <a:r>
-              <a:rPr lang="en-IN" u="sng" dirty="0"/>
-              <a:t>OBJECTIVES</a:t>
-            </a:r>
+              <a:rPr lang="en-IN"/>
+              <a:t>TSE Custom Initializr</a:t>
+            </a:r>
+            <a:endParaRPr lang="en-IN" dirty="0"/>
+          </a:p>
+        </p:txBody>
+      </p:sp>
+      <p:sp>
+        <p:nvSpPr>
+          <p:cNvPr id="3" name="Slide Number Placeholder 2">
+            <a:extLst>
+              <a:ext uri="{FF2B5EF4-FFF2-40B4-BE49-F238E27FC236}">
+                <a16:creationId xmlns:a16="http://schemas.microsoft.com/office/drawing/2014/main" id="{D1C69966-9D84-DE0D-D314-4CC6C8E09E61}"/>
+              </a:ext>
+            </a:extLst>
+          </p:cNvPr>
+          <p:cNvSpPr>
+            <a:spLocks noGrp="1"/>
+          </p:cNvSpPr>
+          <p:nvPr>
+            <p:ph type="sldNum" sz="quarter" idx="12"/>
+          </p:nvPr>
+        </p:nvSpPr>
+        <p:spPr/>
+        <p:txBody>
+          <a:bodyPr/>
+          <a:lstStyle/>
+          <a:p>
+            <a:pPr marL="0" lvl="0" indent="0" algn="r" rtl="0">
+              <a:spcBef>
+                <a:spcPts val="0"/>
+              </a:spcBef>
+              <a:spcAft>
+                <a:spcPts val="0"/>
+              </a:spcAft>
+              <a:buNone/>
+            </a:pPr>
+            <a:fld id="{00000000-1234-1234-1234-123412341234}" type="slidenum">
+              <a:rPr lang="en-GB" smtClean="0"/>
+              <a:t>3</a:t>
+            </a:fld>
+            <a:endParaRPr lang="en-GB" dirty="0"/>
           </a:p>
         </p:txBody>
       </p:sp>
@@ -10799,44 +11726,6 @@
           </a:prstGeom>
         </p:spPr>
       </p:pic>
-      <p:sp>
-        <p:nvSpPr>
-          <p:cNvPr id="3" name="Slide Number Placeholder 2">
-            <a:extLst>
-              <a:ext uri="{FF2B5EF4-FFF2-40B4-BE49-F238E27FC236}">
-                <a16:creationId xmlns:a16="http://schemas.microsoft.com/office/drawing/2014/main" id="{D1C69966-9D84-DE0D-D314-4CC6C8E09E61}"/>
-              </a:ext>
-            </a:extLst>
-          </p:cNvPr>
-          <p:cNvSpPr>
-            <a:spLocks noGrp="1"/>
-          </p:cNvSpPr>
-          <p:nvPr>
-            <p:ph type="sldNum" sz="quarter" idx="12"/>
-          </p:nvPr>
-        </p:nvSpPr>
-        <p:spPr/>
-        <p:txBody>
-          <a:bodyPr/>
-          <a:lstStyle/>
-          <a:p>
-            <a:pPr marL="0" lvl="0" indent="0" algn="r" rtl="0">
-              <a:spcBef>
-                <a:spcPts val="0"/>
-              </a:spcBef>
-              <a:spcAft>
-                <a:spcPts val="0"/>
-              </a:spcAft>
-              <a:buNone/>
-            </a:pPr>
-            <a:fld id="{00000000-1234-1234-1234-123412341234}" type="slidenum">
-              <a:rPr lang="en-GB" smtClean="0"/>
-              <a:t>3</a:t>
-            </a:fld>
-            <a:endParaRPr lang="en-GB" dirty="0"/>
-          </a:p>
-        </p:txBody>
-      </p:sp>
     </p:spTree>
     <p:extLst>
       <p:ext uri="{BB962C8B-B14F-4D97-AF65-F5344CB8AC3E}">
@@ -11140,6 +12029,238 @@
           </a:p>
         </p:txBody>
       </p:sp>
+      <p:sp>
+        <p:nvSpPr>
+          <p:cNvPr id="11" name="Content Placeholder 10">
+            <a:extLst>
+              <a:ext uri="{FF2B5EF4-FFF2-40B4-BE49-F238E27FC236}">
+                <a16:creationId xmlns:a16="http://schemas.microsoft.com/office/drawing/2014/main" id="{84E90344-FDE9-8314-E963-8F41964775BD}"/>
+              </a:ext>
+            </a:extLst>
+          </p:cNvPr>
+          <p:cNvSpPr>
+            <a:spLocks noGrp="1"/>
+          </p:cNvSpPr>
+          <p:nvPr>
+            <p:ph idx="1"/>
+          </p:nvPr>
+        </p:nvSpPr>
+        <p:spPr>
+          <a:xfrm>
+            <a:off x="508001" y="1302657"/>
+            <a:ext cx="6447501" cy="3228365"/>
+          </a:xfrm>
+        </p:spPr>
+        <p:txBody>
+          <a:bodyPr>
+            <a:normAutofit/>
+          </a:bodyPr>
+          <a:lstStyle/>
+          <a:p>
+            <a:pPr>
+              <a:buFont typeface="Wingdings" panose="05000000000000000000" pitchFamily="2" charset="2"/>
+              <a:buChar char="Ø"/>
+            </a:pPr>
+            <a:r>
+              <a:rPr lang="en-IN" b="1" dirty="0"/>
+              <a:t>Front-End</a:t>
+            </a:r>
+            <a:r>
+              <a:rPr lang="en-IN" dirty="0"/>
+              <a:t> :</a:t>
+            </a:r>
+          </a:p>
+          <a:p>
+            <a:pPr lvl="1">
+              <a:buFont typeface="Arial" panose="020B0604020202020204" pitchFamily="34" charset="0"/>
+              <a:buChar char="•"/>
+            </a:pPr>
+            <a:r>
+              <a:rPr lang="en-US" dirty="0"/>
+              <a:t>React: to efficiently manage state and UI updates and to perform front-end testing.</a:t>
+            </a:r>
+            <a:endParaRPr lang="en-IN" dirty="0"/>
+          </a:p>
+          <a:p>
+            <a:pPr>
+              <a:buFont typeface="Wingdings" panose="05000000000000000000" pitchFamily="2" charset="2"/>
+              <a:buChar char="Ø"/>
+            </a:pPr>
+            <a:r>
+              <a:rPr lang="en-IN" b="1" dirty="0"/>
+              <a:t>Back-End</a:t>
+            </a:r>
+            <a:r>
+              <a:rPr lang="en-IN" dirty="0"/>
+              <a:t> :</a:t>
+            </a:r>
+          </a:p>
+          <a:p>
+            <a:pPr lvl="1">
+              <a:buFont typeface="Arial" panose="020B0604020202020204" pitchFamily="34" charset="0"/>
+              <a:buChar char="•"/>
+            </a:pPr>
+            <a:r>
+              <a:rPr lang="en-IN" dirty="0"/>
+              <a:t>Spring Tools 4</a:t>
+            </a:r>
+          </a:p>
+          <a:p>
+            <a:pPr lvl="1">
+              <a:buFont typeface="Arial" panose="020B0604020202020204" pitchFamily="34" charset="0"/>
+              <a:buChar char="•"/>
+            </a:pPr>
+            <a:r>
+              <a:rPr lang="en-IN" dirty="0"/>
+              <a:t>Spring Boot Starter</a:t>
+            </a:r>
+          </a:p>
+          <a:p>
+            <a:pPr lvl="1">
+              <a:buFont typeface="Arial" panose="020B0604020202020204" pitchFamily="34" charset="0"/>
+              <a:buChar char="•"/>
+            </a:pPr>
+            <a:r>
+              <a:rPr lang="en-IN" dirty="0"/>
+              <a:t>Spring-Core: Initializr-generator</a:t>
+            </a:r>
+          </a:p>
+          <a:p>
+            <a:pPr lvl="1">
+              <a:buFont typeface="Arial" panose="020B0604020202020204" pitchFamily="34" charset="0"/>
+              <a:buChar char="•"/>
+            </a:pPr>
+            <a:r>
+              <a:rPr lang="en-IN" dirty="0"/>
+              <a:t>Spring Initializr Metadata: Initializr-metadata</a:t>
+            </a:r>
+          </a:p>
+          <a:p>
+            <a:pPr lvl="1">
+              <a:buFont typeface="Arial" panose="020B0604020202020204" pitchFamily="34" charset="0"/>
+              <a:buChar char="•"/>
+            </a:pPr>
+            <a:r>
+              <a:rPr lang="en-IN" dirty="0"/>
+              <a:t>Dependencies: spring-web, starter-actuator</a:t>
+            </a:r>
+          </a:p>
+          <a:p>
+            <a:pPr lvl="1">
+              <a:buFont typeface="Arial" panose="020B0604020202020204" pitchFamily="34" charset="0"/>
+              <a:buChar char="•"/>
+            </a:pPr>
+            <a:r>
+              <a:rPr lang="en-IN" dirty="0"/>
+              <a:t>Embedded Web Server: Apache Tomcat</a:t>
+            </a:r>
+          </a:p>
+        </p:txBody>
+      </p:sp>
+      <p:sp>
+        <p:nvSpPr>
+          <p:cNvPr id="7" name="Date Placeholder 6">
+            <a:extLst>
+              <a:ext uri="{FF2B5EF4-FFF2-40B4-BE49-F238E27FC236}">
+                <a16:creationId xmlns:a16="http://schemas.microsoft.com/office/drawing/2014/main" id="{90402E0A-3525-F7EB-CDB9-3041F8BEDAED}"/>
+              </a:ext>
+            </a:extLst>
+          </p:cNvPr>
+          <p:cNvSpPr>
+            <a:spLocks noGrp="1"/>
+          </p:cNvSpPr>
+          <p:nvPr>
+            <p:ph type="dt" sz="half" idx="10"/>
+          </p:nvPr>
+        </p:nvSpPr>
+        <p:spPr/>
+        <p:txBody>
+          <a:bodyPr/>
+          <a:lstStyle/>
+          <a:p>
+            <a:r>
+              <a:rPr lang="en-US" b="1" dirty="0">
+                <a:solidFill>
+                  <a:schemeClr val="tx1"/>
+                </a:solidFill>
+              </a:rPr>
+              <a:t>28/09/2023</a:t>
+            </a:r>
+            <a:endParaRPr lang="en-IN" b="1" dirty="0">
+              <a:solidFill>
+                <a:schemeClr val="tx1"/>
+              </a:solidFill>
+            </a:endParaRPr>
+          </a:p>
+        </p:txBody>
+      </p:sp>
+      <p:sp>
+        <p:nvSpPr>
+          <p:cNvPr id="4" name="Footer Placeholder 3">
+            <a:extLst>
+              <a:ext uri="{FF2B5EF4-FFF2-40B4-BE49-F238E27FC236}">
+                <a16:creationId xmlns:a16="http://schemas.microsoft.com/office/drawing/2014/main" id="{C8EA5CC7-536A-379F-CA64-DA59BF5BC6A4}"/>
+              </a:ext>
+            </a:extLst>
+          </p:cNvPr>
+          <p:cNvSpPr>
+            <a:spLocks noGrp="1"/>
+          </p:cNvSpPr>
+          <p:nvPr>
+            <p:ph type="ftr" sz="quarter" idx="11"/>
+          </p:nvPr>
+        </p:nvSpPr>
+        <p:spPr/>
+        <p:txBody>
+          <a:bodyPr/>
+          <a:lstStyle/>
+          <a:p>
+            <a:r>
+              <a:rPr lang="en-IN"/>
+              <a:t>TSE Custom Initializr</a:t>
+            </a:r>
+            <a:endParaRPr lang="en-IN" dirty="0"/>
+          </a:p>
+        </p:txBody>
+      </p:sp>
+      <p:sp>
+        <p:nvSpPr>
+          <p:cNvPr id="3" name="Slide Number Placeholder 2">
+            <a:extLst>
+              <a:ext uri="{FF2B5EF4-FFF2-40B4-BE49-F238E27FC236}">
+                <a16:creationId xmlns:a16="http://schemas.microsoft.com/office/drawing/2014/main" id="{10281931-602B-62C1-6396-1F882A866732}"/>
+              </a:ext>
+            </a:extLst>
+          </p:cNvPr>
+          <p:cNvSpPr>
+            <a:spLocks noGrp="1"/>
+          </p:cNvSpPr>
+          <p:nvPr>
+            <p:ph type="sldNum" sz="quarter" idx="12"/>
+          </p:nvPr>
+        </p:nvSpPr>
+        <p:spPr/>
+        <p:txBody>
+          <a:bodyPr/>
+          <a:lstStyle/>
+          <a:p>
+            <a:pPr marL="0" lvl="0" indent="0" algn="r" rtl="0">
+              <a:spcBef>
+                <a:spcPts val="0"/>
+              </a:spcBef>
+              <a:spcAft>
+                <a:spcPts val="0"/>
+              </a:spcAft>
+              <a:buNone/>
+            </a:pPr>
+            <a:fld id="{00000000-1234-1234-1234-123412341234}" type="slidenum">
+              <a:rPr lang="en-GB" smtClean="0"/>
+              <a:t>4</a:t>
+            </a:fld>
+            <a:endParaRPr lang="en-GB" dirty="0"/>
+          </a:p>
+        </p:txBody>
+      </p:sp>
       <p:pic>
         <p:nvPicPr>
           <p:cNvPr id="8" name="Picture 7">
@@ -11176,105 +12297,6 @@
           </a:prstGeom>
         </p:spPr>
       </p:pic>
-      <p:sp>
-        <p:nvSpPr>
-          <p:cNvPr id="11" name="Content Placeholder 10">
-            <a:extLst>
-              <a:ext uri="{FF2B5EF4-FFF2-40B4-BE49-F238E27FC236}">
-                <a16:creationId xmlns:a16="http://schemas.microsoft.com/office/drawing/2014/main" id="{84E90344-FDE9-8314-E963-8F41964775BD}"/>
-              </a:ext>
-            </a:extLst>
-          </p:cNvPr>
-          <p:cNvSpPr>
-            <a:spLocks noGrp="1"/>
-          </p:cNvSpPr>
-          <p:nvPr>
-            <p:ph idx="1"/>
-          </p:nvPr>
-        </p:nvSpPr>
-        <p:spPr>
-          <a:xfrm>
-            <a:off x="508001" y="1302657"/>
-            <a:ext cx="6447501" cy="3228365"/>
-          </a:xfrm>
-        </p:spPr>
-        <p:txBody>
-          <a:bodyPr>
-            <a:normAutofit/>
-          </a:bodyPr>
-          <a:lstStyle/>
-          <a:p>
-            <a:r>
-              <a:rPr lang="en-IN" b="1" dirty="0"/>
-              <a:t>Front-End</a:t>
-            </a:r>
-            <a:r>
-              <a:rPr lang="en-IN" dirty="0"/>
-              <a:t> :</a:t>
-            </a:r>
-          </a:p>
-          <a:p>
-            <a:pPr lvl="1"/>
-            <a:r>
-              <a:rPr lang="en-US" dirty="0"/>
-              <a:t>React: to efficiently manage state and UI updates and to perform front-end testing.</a:t>
-            </a:r>
-            <a:endParaRPr lang="en-IN" dirty="0"/>
-          </a:p>
-          <a:p>
-            <a:r>
-              <a:rPr lang="en-IN" b="1" dirty="0"/>
-              <a:t>Back-End</a:t>
-            </a:r>
-            <a:r>
-              <a:rPr lang="en-IN" dirty="0"/>
-              <a:t> :</a:t>
-            </a:r>
-          </a:p>
-          <a:p>
-            <a:pPr lvl="1"/>
-            <a:r>
-              <a:rPr lang="en-IN" dirty="0"/>
-              <a:t>Spring Tools 4</a:t>
-            </a:r>
-          </a:p>
-          <a:p>
-            <a:pPr lvl="1"/>
-            <a:r>
-              <a:rPr lang="en-IN" dirty="0"/>
-              <a:t>Spring Boot Starter</a:t>
-            </a:r>
-          </a:p>
-          <a:p>
-            <a:pPr lvl="1"/>
-            <a:r>
-              <a:rPr lang="en-IN" dirty="0"/>
-              <a:t>Spring-Core: Initializr-generator</a:t>
-            </a:r>
-          </a:p>
-          <a:p>
-            <a:pPr lvl="1"/>
-            <a:r>
-              <a:rPr lang="en-IN" dirty="0"/>
-              <a:t>Spring Initializr Metadata: Initializr-metadata</a:t>
-            </a:r>
-          </a:p>
-          <a:p>
-            <a:pPr lvl="1"/>
-            <a:r>
-              <a:rPr lang="en-IN" dirty="0"/>
-              <a:t>Dependencies: spring-web, starter-actuator</a:t>
-            </a:r>
-          </a:p>
-          <a:p>
-            <a:pPr lvl="1"/>
-            <a:r>
-              <a:rPr lang="en-IN" dirty="0"/>
-              <a:t>Embedded Web Server: Apache Tomcat</a:t>
-            </a:r>
-          </a:p>
-        </p:txBody>
-      </p:sp>
       <p:pic>
         <p:nvPicPr>
           <p:cNvPr id="6" name="Picture 5" descr="A blue and black symbol&#10;&#10;Description automatically generated">
@@ -11365,44 +12387,6 @@
           </a:prstGeom>
         </p:spPr>
       </p:pic>
-      <p:sp>
-        <p:nvSpPr>
-          <p:cNvPr id="3" name="Slide Number Placeholder 2">
-            <a:extLst>
-              <a:ext uri="{FF2B5EF4-FFF2-40B4-BE49-F238E27FC236}">
-                <a16:creationId xmlns:a16="http://schemas.microsoft.com/office/drawing/2014/main" id="{10281931-602B-62C1-6396-1F882A866732}"/>
-              </a:ext>
-            </a:extLst>
-          </p:cNvPr>
-          <p:cNvSpPr>
-            <a:spLocks noGrp="1"/>
-          </p:cNvSpPr>
-          <p:nvPr>
-            <p:ph type="sldNum" sz="quarter" idx="12"/>
-          </p:nvPr>
-        </p:nvSpPr>
-        <p:spPr/>
-        <p:txBody>
-          <a:bodyPr/>
-          <a:lstStyle/>
-          <a:p>
-            <a:pPr marL="0" lvl="0" indent="0" algn="r" rtl="0">
-              <a:spcBef>
-                <a:spcPts val="0"/>
-              </a:spcBef>
-              <a:spcAft>
-                <a:spcPts val="0"/>
-              </a:spcAft>
-              <a:buNone/>
-            </a:pPr>
-            <a:fld id="{00000000-1234-1234-1234-123412341234}" type="slidenum">
-              <a:rPr lang="en-GB" smtClean="0"/>
-              <a:t>4</a:t>
-            </a:fld>
-            <a:endParaRPr lang="en-GB" dirty="0"/>
-          </a:p>
-        </p:txBody>
-      </p:sp>
     </p:spTree>
     <p:extLst>
       <p:ext uri="{BB962C8B-B14F-4D97-AF65-F5344CB8AC3E}">
@@ -11699,6 +12683,41 @@
                                   </p:childTnLst>
                                 </p:cTn>
                               </p:par>
+                              <p:par>
+                                <p:cTn id="23" presetID="14" presetClass="entr" presetSubtype="10" fill="hold" nodeType="withEffect">
+                                  <p:stCondLst>
+                                    <p:cond delay="0"/>
+                                  </p:stCondLst>
+                                  <p:childTnLst>
+                                    <p:set>
+                                      <p:cBhvr>
+                                        <p:cTn id="24" dur="1" fill="hold">
+                                          <p:stCondLst>
+                                            <p:cond delay="0"/>
+                                          </p:stCondLst>
+                                        </p:cTn>
+                                        <p:tgtEl>
+                                          <p:spTgt spid="6"/>
+                                        </p:tgtEl>
+                                        <p:attrNameLst>
+                                          <p:attrName>style.visibility</p:attrName>
+                                        </p:attrNameLst>
+                                      </p:cBhvr>
+                                      <p:to>
+                                        <p:strVal val="visible"/>
+                                      </p:to>
+                                    </p:set>
+                                    <p:animEffect transition="in" filter="randombar(horizontal)">
+                                      <p:cBhvr>
+                                        <p:cTn id="25" dur="500"/>
+                                        <p:tgtEl>
+                                          <p:spTgt spid="6"/>
+                                        </p:tgtEl>
+                                      </p:cBhvr>
+                                    </p:animEffect>
+                                  </p:childTnLst>
+                                </p:cTn>
+                              </p:par>
                             </p:childTnLst>
                           </p:cTn>
                         </p:par>
@@ -11706,26 +12725,26 @@
                     </p:cTn>
                   </p:par>
                   <p:par>
-                    <p:cTn id="23" fill="hold">
+                    <p:cTn id="26" fill="hold">
                       <p:stCondLst>
                         <p:cond delay="indefinite"/>
                       </p:stCondLst>
                       <p:childTnLst>
                         <p:par>
-                          <p:cTn id="24" fill="hold">
+                          <p:cTn id="27" fill="hold">
                             <p:stCondLst>
                               <p:cond delay="0"/>
                             </p:stCondLst>
                             <p:childTnLst>
                               <p:par>
-                                <p:cTn id="25" presetID="14" presetClass="entr" presetSubtype="10" fill="hold" grpId="0" nodeType="clickEffect">
+                                <p:cTn id="28" presetID="14" presetClass="entr" presetSubtype="10" fill="hold" grpId="0" nodeType="clickEffect">
                                   <p:stCondLst>
                                     <p:cond delay="0"/>
                                   </p:stCondLst>
                                   <p:childTnLst>
                                     <p:set>
                                       <p:cBhvr>
-                                        <p:cTn id="26" dur="1" fill="hold">
+                                        <p:cTn id="29" dur="1" fill="hold">
                                           <p:stCondLst>
                                             <p:cond delay="0"/>
                                           </p:stCondLst>
@@ -11747,54 +12766,11 @@
                                     </p:set>
                                     <p:animEffect transition="in" filter="randombar(horizontal)">
                                       <p:cBhvr>
-                                        <p:cTn id="27" dur="500"/>
+                                        <p:cTn id="30" dur="500"/>
                                         <p:tgtEl>
                                           <p:spTgt spid="11">
                                             <p:txEl>
                                               <p:pRg st="2" end="2"/>
-                                            </p:txEl>
-                                          </p:spTgt>
-                                        </p:tgtEl>
-                                      </p:cBhvr>
-                                    </p:animEffect>
-                                  </p:childTnLst>
-                                </p:cTn>
-                              </p:par>
-                              <p:par>
-                                <p:cTn id="28" presetID="14" presetClass="entr" presetSubtype="10" fill="hold" grpId="0" nodeType="withEffect">
-                                  <p:stCondLst>
-                                    <p:cond delay="0"/>
-                                  </p:stCondLst>
-                                  <p:childTnLst>
-                                    <p:set>
-                                      <p:cBhvr>
-                                        <p:cTn id="29" dur="1" fill="hold">
-                                          <p:stCondLst>
-                                            <p:cond delay="0"/>
-                                          </p:stCondLst>
-                                        </p:cTn>
-                                        <p:tgtEl>
-                                          <p:spTgt spid="11">
-                                            <p:txEl>
-                                              <p:pRg st="3" end="3"/>
-                                            </p:txEl>
-                                          </p:spTgt>
-                                        </p:tgtEl>
-                                        <p:attrNameLst>
-                                          <p:attrName>style.visibility</p:attrName>
-                                        </p:attrNameLst>
-                                      </p:cBhvr>
-                                      <p:to>
-                                        <p:strVal val="visible"/>
-                                      </p:to>
-                                    </p:set>
-                                    <p:animEffect transition="in" filter="randombar(horizontal)">
-                                      <p:cBhvr>
-                                        <p:cTn id="30" dur="500"/>
-                                        <p:tgtEl>
-                                          <p:spTgt spid="11">
-                                            <p:txEl>
-                                              <p:pRg st="3" end="3"/>
                                             </p:txEl>
                                           </p:spTgt>
                                         </p:tgtEl>
@@ -11819,7 +12795,7 @@
                                         <p:tgtEl>
                                           <p:spTgt spid="11">
                                             <p:txEl>
-                                              <p:pRg st="4" end="4"/>
+                                              <p:pRg st="3" end="3"/>
                                             </p:txEl>
                                           </p:spTgt>
                                         </p:tgtEl>
@@ -11837,7 +12813,7 @@
                                         <p:tgtEl>
                                           <p:spTgt spid="11">
                                             <p:txEl>
-                                              <p:pRg st="4" end="4"/>
+                                              <p:pRg st="3" end="3"/>
                                             </p:txEl>
                                           </p:spTgt>
                                         </p:tgtEl>
@@ -11862,7 +12838,7 @@
                                         <p:tgtEl>
                                           <p:spTgt spid="11">
                                             <p:txEl>
-                                              <p:pRg st="5" end="5"/>
+                                              <p:pRg st="4" end="4"/>
                                             </p:txEl>
                                           </p:spTgt>
                                         </p:tgtEl>
@@ -11880,7 +12856,7 @@
                                         <p:tgtEl>
                                           <p:spTgt spid="11">
                                             <p:txEl>
-                                              <p:pRg st="5" end="5"/>
+                                              <p:pRg st="4" end="4"/>
                                             </p:txEl>
                                           </p:spTgt>
                                         </p:tgtEl>
@@ -11905,7 +12881,7 @@
                                         <p:tgtEl>
                                           <p:spTgt spid="11">
                                             <p:txEl>
-                                              <p:pRg st="6" end="6"/>
+                                              <p:pRg st="5" end="5"/>
                                             </p:txEl>
                                           </p:spTgt>
                                         </p:tgtEl>
@@ -11923,7 +12899,7 @@
                                         <p:tgtEl>
                                           <p:spTgt spid="11">
                                             <p:txEl>
-                                              <p:pRg st="6" end="6"/>
+                                              <p:pRg st="5" end="5"/>
                                             </p:txEl>
                                           </p:spTgt>
                                         </p:tgtEl>
@@ -11948,7 +12924,7 @@
                                         <p:tgtEl>
                                           <p:spTgt spid="11">
                                             <p:txEl>
-                                              <p:pRg st="7" end="7"/>
+                                              <p:pRg st="6" end="6"/>
                                             </p:txEl>
                                           </p:spTgt>
                                         </p:tgtEl>
@@ -11966,7 +12942,7 @@
                                         <p:tgtEl>
                                           <p:spTgt spid="11">
                                             <p:txEl>
-                                              <p:pRg st="7" end="7"/>
+                                              <p:pRg st="6" end="6"/>
                                             </p:txEl>
                                           </p:spTgt>
                                         </p:tgtEl>
@@ -11991,7 +12967,7 @@
                                         <p:tgtEl>
                                           <p:spTgt spid="11">
                                             <p:txEl>
-                                              <p:pRg st="8" end="8"/>
+                                              <p:pRg st="7" end="7"/>
                                             </p:txEl>
                                           </p:spTgt>
                                         </p:tgtEl>
@@ -12009,7 +12985,7 @@
                                         <p:tgtEl>
                                           <p:spTgt spid="11">
                                             <p:txEl>
-                                              <p:pRg st="8" end="8"/>
+                                              <p:pRg st="7" end="7"/>
                                             </p:txEl>
                                           </p:spTgt>
                                         </p:tgtEl>
@@ -12019,7 +12995,7 @@
                                 </p:cTn>
                               </p:par>
                               <p:par>
-                                <p:cTn id="46" presetID="14" presetClass="entr" presetSubtype="10" fill="hold" nodeType="withEffect">
+                                <p:cTn id="46" presetID="14" presetClass="entr" presetSubtype="10" fill="hold" grpId="0" nodeType="withEffect">
                                   <p:stCondLst>
                                     <p:cond delay="0"/>
                                   </p:stCondLst>
@@ -12032,7 +13008,11 @@
                                           </p:stCondLst>
                                         </p:cTn>
                                         <p:tgtEl>
-                                          <p:spTgt spid="6"/>
+                                          <p:spTgt spid="11">
+                                            <p:txEl>
+                                              <p:pRg st="8" end="8"/>
+                                            </p:txEl>
+                                          </p:spTgt>
                                         </p:tgtEl>
                                         <p:attrNameLst>
                                           <p:attrName>style.visibility</p:attrName>
@@ -12046,7 +13026,11 @@
                                       <p:cBhvr>
                                         <p:cTn id="48" dur="500"/>
                                         <p:tgtEl>
-                                          <p:spTgt spid="6"/>
+                                          <p:spTgt spid="11">
+                                            <p:txEl>
+                                              <p:pRg st="8" end="8"/>
+                                            </p:txEl>
+                                          </p:spTgt>
                                         </p:tgtEl>
                                       </p:cBhvr>
                                     </p:animEffect>
@@ -12152,7 +13136,7 @@
     </p:tnLst>
     <p:bldLst>
       <p:bldP spid="2" grpId="0"/>
-      <p:bldP spid="11" grpId="0" build="p"/>
+      <p:bldP spid="11" grpId="0" uiExpand="1" build="p"/>
     </p:bldLst>
   </p:timing>
 </p:sld>
@@ -12201,8 +13185,8 @@
         </p:nvSpPr>
         <p:spPr>
           <a:xfrm>
-            <a:off x="2626660" y="457200"/>
-            <a:ext cx="4328841" cy="990600"/>
+            <a:off x="2017486" y="457200"/>
+            <a:ext cx="4938015" cy="990600"/>
           </a:xfrm>
         </p:spPr>
         <p:txBody>
@@ -12219,36 +13203,6 @@
           </a:p>
         </p:txBody>
       </p:sp>
-      <p:pic>
-        <p:nvPicPr>
-          <p:cNvPr id="5" name="Picture 4" descr="A black and red text&#10;&#10;Description automatically generated">
-            <a:extLst>
-              <a:ext uri="{FF2B5EF4-FFF2-40B4-BE49-F238E27FC236}">
-                <a16:creationId xmlns:a16="http://schemas.microsoft.com/office/drawing/2014/main" id="{88512F16-B3E6-E4D4-C872-1A9C15096F7E}"/>
-              </a:ext>
-            </a:extLst>
-          </p:cNvPr>
-          <p:cNvPicPr>
-            <a:picLocks noChangeAspect="1"/>
-          </p:cNvPicPr>
-          <p:nvPr/>
-        </p:nvPicPr>
-        <p:blipFill>
-          <a:blip r:embed="rId2"/>
-          <a:stretch>
-            <a:fillRect/>
-          </a:stretch>
-        </p:blipFill>
-        <p:spPr>
-          <a:xfrm>
-            <a:off x="507999" y="592075"/>
-            <a:ext cx="1947211" cy="973605"/>
-          </a:xfrm>
-          <a:prstGeom prst="rect">
-            <a:avLst/>
-          </a:prstGeom>
-        </p:spPr>
-      </p:pic>
       <p:pic>
         <p:nvPicPr>
           <p:cNvPr id="4" name="Content Placeholder 3">
@@ -12266,10 +13220,10 @@
           </p:nvPr>
         </p:nvPicPr>
         <p:blipFill>
-          <a:blip r:embed="rId3">
+          <a:blip r:embed="rId2">
             <a:extLst>
               <a:ext uri="{837473B0-CC2E-450A-ABE3-18F120FF3D39}">
-                <a1611:picAttrSrcUrl xmlns:a1611="http://schemas.microsoft.com/office/drawing/2016/11/main" r:id="rId4"/>
+                <a1611:picAttrSrcUrl xmlns:a1611="http://schemas.microsoft.com/office/drawing/2016/11/main" r:id="rId3"/>
               </a:ext>
             </a:extLst>
           </a:blip>
@@ -12279,8 +13233,8 @@
         </p:blipFill>
         <p:spPr>
           <a:xfrm flipH="1">
-            <a:off x="859500" y="1872005"/>
-            <a:ext cx="1244210" cy="1244210"/>
+            <a:off x="1004491" y="1619747"/>
+            <a:ext cx="1369912" cy="1369912"/>
           </a:xfrm>
           <a:prstGeom prst="rect">
             <a:avLst/>
@@ -12301,8 +13255,8 @@
         </p:nvSpPr>
         <p:spPr>
           <a:xfrm>
-            <a:off x="2626660" y="1620441"/>
-            <a:ext cx="4328840" cy="2910580"/>
+            <a:off x="3042346" y="1620441"/>
+            <a:ext cx="3913154" cy="2910580"/>
           </a:xfrm>
           <a:prstGeom prst="rect">
             <a:avLst/>
@@ -12314,7 +13268,7 @@
           </a:bodyPr>
           <a:lstStyle/>
           <a:p>
-            <a:pPr>
+            <a:pPr marL="285750" indent="-285750">
               <a:lnSpc>
                 <a:spcPct val="90000"/>
               </a:lnSpc>
@@ -12325,11 +13279,11 @@
                 <a:schemeClr val="accent1"/>
               </a:buClr>
               <a:buSzPct val="80000"/>
-              <a:buFont typeface="Wingdings 3" charset="2"/>
-              <a:buChar char=""/>
+              <a:buFont typeface="Wingdings" panose="05000000000000000000" pitchFamily="2" charset="2"/>
+              <a:buChar char="Ø"/>
             </a:pPr>
             <a:r>
-              <a:rPr lang="en-US" sz="1400">
+              <a:rPr lang="en-US" sz="1400" dirty="0">
                 <a:solidFill>
                   <a:schemeClr val="tx1">
                     <a:lumMod val="75000"/>
@@ -12337,7 +13291,126 @@
                   </a:schemeClr>
                 </a:solidFill>
               </a:rPr>
-              <a:t> Testing Tools:</a:t>
+              <a:t> </a:t>
+            </a:r>
+            <a:r>
+              <a:rPr lang="en-US" sz="1400" b="1" u="sng" dirty="0">
+                <a:solidFill>
+                  <a:schemeClr val="tx1">
+                    <a:lumMod val="75000"/>
+                    <a:lumOff val="25000"/>
+                  </a:schemeClr>
+                </a:solidFill>
+              </a:rPr>
+              <a:t>Testing Tools:</a:t>
+            </a:r>
+          </a:p>
+          <a:p>
+            <a:pPr marL="285750" indent="-285750">
+              <a:lnSpc>
+                <a:spcPct val="90000"/>
+              </a:lnSpc>
+              <a:spcBef>
+                <a:spcPts val="1000"/>
+              </a:spcBef>
+              <a:buClr>
+                <a:schemeClr val="accent1"/>
+              </a:buClr>
+              <a:buSzPct val="80000"/>
+              <a:buFont typeface="Arial" panose="020B0604020202020204" pitchFamily="34" charset="0"/>
+              <a:buChar char="•"/>
+            </a:pPr>
+            <a:r>
+              <a:rPr lang="en-US" sz="1400" dirty="0">
+                <a:solidFill>
+                  <a:schemeClr val="tx1">
+                    <a:lumMod val="75000"/>
+                    <a:lumOff val="25000"/>
+                  </a:schemeClr>
+                </a:solidFill>
+              </a:rPr>
+              <a:t>JMeter</a:t>
+            </a:r>
+          </a:p>
+          <a:p>
+            <a:pPr marL="285750" indent="-285750">
+              <a:lnSpc>
+                <a:spcPct val="90000"/>
+              </a:lnSpc>
+              <a:spcBef>
+                <a:spcPts val="1000"/>
+              </a:spcBef>
+              <a:buClr>
+                <a:schemeClr val="accent1"/>
+              </a:buClr>
+              <a:buSzPct val="80000"/>
+              <a:buFont typeface="Arial" panose="020B0604020202020204" pitchFamily="34" charset="0"/>
+              <a:buChar char="•"/>
+            </a:pPr>
+            <a:r>
+              <a:rPr lang="en-US" sz="1400" dirty="0">
+                <a:solidFill>
+                  <a:schemeClr val="tx1">
+                    <a:lumMod val="75000"/>
+                    <a:lumOff val="25000"/>
+                  </a:schemeClr>
+                </a:solidFill>
+              </a:rPr>
+              <a:t>React-Testing</a:t>
+            </a:r>
+          </a:p>
+          <a:p>
+            <a:pPr marL="285750" indent="-285750">
+              <a:lnSpc>
+                <a:spcPct val="90000"/>
+              </a:lnSpc>
+              <a:spcBef>
+                <a:spcPts val="1000"/>
+              </a:spcBef>
+              <a:buClr>
+                <a:schemeClr val="accent1"/>
+              </a:buClr>
+              <a:buSzPct val="80000"/>
+              <a:buFont typeface="Arial" panose="020B0604020202020204" pitchFamily="34" charset="0"/>
+              <a:buChar char="•"/>
+            </a:pPr>
+            <a:r>
+              <a:rPr lang="en-US" sz="1400" dirty="0">
+                <a:solidFill>
+                  <a:schemeClr val="tx1">
+                    <a:lumMod val="75000"/>
+                    <a:lumOff val="25000"/>
+                  </a:schemeClr>
+                </a:solidFill>
+              </a:rPr>
+              <a:t>Mocking</a:t>
+            </a:r>
+          </a:p>
+          <a:p>
+            <a:pPr marL="285750" indent="-285750">
+              <a:lnSpc>
+                <a:spcPct val="90000"/>
+              </a:lnSpc>
+              <a:spcBef>
+                <a:spcPts val="1000"/>
+              </a:spcBef>
+              <a:buClr>
+                <a:schemeClr val="accent1"/>
+              </a:buClr>
+              <a:buSzPct val="80000"/>
+              <a:buFont typeface="Arial" panose="020B0604020202020204" pitchFamily="34" charset="0"/>
+              <a:buChar char="•"/>
+            </a:pPr>
+            <a:r>
+              <a:rPr lang="en-US" sz="1400" dirty="0">
+                <a:solidFill>
+                  <a:schemeClr val="tx1">
+                    <a:lumMod val="75000"/>
+                    <a:lumOff val="25000"/>
+                  </a:schemeClr>
+                </a:solidFill>
+              </a:rPr>
+              <a:t>J Unit</a:t>
             </a:r>
           </a:p>
           <a:p>
@@ -12355,17 +13428,14 @@
               <a:buFont typeface="Wingdings 3" charset="2"/>
               <a:buChar char=""/>
             </a:pPr>
-            <a:r>
-              <a:rPr lang="en-US" sz="1400">
-                <a:solidFill>
-                  <a:schemeClr val="tx1">
-                    <a:lumMod val="75000"/>
-                    <a:lumOff val="25000"/>
-                  </a:schemeClr>
-                </a:solidFill>
-              </a:rPr>
-              <a:t>JMeter</a:t>
-            </a:r>
+            <a:endParaRPr lang="en-US" sz="1400" dirty="0">
+              <a:solidFill>
+                <a:schemeClr val="tx1">
+                  <a:lumMod val="75000"/>
+                  <a:lumOff val="25000"/>
+                </a:schemeClr>
+              </a:solidFill>
+            </a:endParaRPr>
           </a:p>
           <a:p>
             <a:pPr marL="285750" indent="-285750">
@@ -12379,11 +13449,11 @@
                 <a:schemeClr val="accent1"/>
               </a:buClr>
               <a:buSzPct val="80000"/>
-              <a:buFont typeface="Wingdings 3" charset="2"/>
-              <a:buChar char=""/>
+              <a:buFont typeface="Wingdings" panose="05000000000000000000" pitchFamily="2" charset="2"/>
+              <a:buChar char="Ø"/>
             </a:pPr>
             <a:r>
-              <a:rPr lang="en-US" sz="1400">
+              <a:rPr lang="en-US" sz="1400" dirty="0">
                 <a:solidFill>
                   <a:schemeClr val="tx1">
                     <a:lumMod val="75000"/>
@@ -12391,7 +13461,29 @@
                   </a:schemeClr>
                 </a:solidFill>
               </a:rPr>
-              <a:t>React-Testing</a:t>
+              <a:t>  </a:t>
+            </a:r>
+            <a:r>
+              <a:rPr lang="en-US" sz="1400" b="1" u="sng" dirty="0">
+                <a:solidFill>
+                  <a:schemeClr val="tx1">
+                    <a:lumMod val="75000"/>
+                    <a:lumOff val="25000"/>
+                  </a:schemeClr>
+                </a:solidFill>
+              </a:rPr>
+              <a:t>Dependencies</a:t>
+            </a:r>
+            <a:r>
+              <a:rPr lang="en-US" sz="1400" dirty="0">
+                <a:solidFill>
+                  <a:schemeClr val="tx1">
+                    <a:lumMod val="75000"/>
+                    <a:lumOff val="25000"/>
+                  </a:schemeClr>
+                </a:solidFill>
+              </a:rPr>
+              <a:t>:</a:t>
             </a:r>
           </a:p>
           <a:p>
@@ -12406,11 +13498,11 @@
                 <a:schemeClr val="accent1"/>
               </a:buClr>
               <a:buSzPct val="80000"/>
-              <a:buFont typeface="Wingdings 3" charset="2"/>
-              <a:buChar char=""/>
+              <a:buFont typeface="Arial" panose="020B0604020202020204" pitchFamily="34" charset="0"/>
+              <a:buChar char="•"/>
             </a:pPr>
             <a:r>
-              <a:rPr lang="en-US" sz="1400">
+              <a:rPr lang="en-US" sz="1400" dirty="0">
                 <a:solidFill>
                   <a:schemeClr val="tx1">
                     <a:lumMod val="75000"/>
@@ -12418,7 +13510,7 @@
                   </a:schemeClr>
                 </a:solidFill>
               </a:rPr>
-              <a:t>Mocking</a:t>
+              <a:t>spring-boot-starter-test</a:t>
             </a:r>
           </a:p>
           <a:p>
@@ -12433,11 +13525,11 @@
                 <a:schemeClr val="accent1"/>
               </a:buClr>
               <a:buSzPct val="80000"/>
-              <a:buFont typeface="Wingdings 3" charset="2"/>
-              <a:buChar char=""/>
+              <a:buFont typeface="Arial" panose="020B0604020202020204" pitchFamily="34" charset="0"/>
+              <a:buChar char="•"/>
             </a:pPr>
             <a:r>
-              <a:rPr lang="en-US" sz="1400">
+              <a:rPr lang="en-US" sz="1400" dirty="0" err="1">
                 <a:solidFill>
                   <a:schemeClr val="tx1">
                     <a:lumMod val="75000"/>
@@ -12445,50 +13537,10 @@
                   </a:schemeClr>
                 </a:solidFill>
               </a:rPr>
-              <a:t>J Unit</a:t>
-            </a:r>
-          </a:p>
-          <a:p>
-            <a:pPr marL="285750" indent="-285750">
-              <a:lnSpc>
-                <a:spcPct val="90000"/>
-              </a:lnSpc>
-              <a:spcBef>
-                <a:spcPts val="1000"/>
-              </a:spcBef>
-              <a:buClr>
-                <a:schemeClr val="accent1"/>
-              </a:buClr>
-              <a:buSzPct val="80000"/>
-              <a:buFont typeface="Wingdings 3" charset="2"/>
-              <a:buChar char=""/>
-            </a:pPr>
-            <a:endParaRPr lang="en-US" sz="1400">
-              <a:solidFill>
-                <a:schemeClr val="tx1">
-                  <a:lumMod val="75000"/>
-                  <a:lumOff val="25000"/>
-                </a:schemeClr>
-              </a:solidFill>
-            </a:endParaRPr>
-          </a:p>
-          <a:p>
-            <a:pPr>
-              <a:lnSpc>
-                <a:spcPct val="90000"/>
-              </a:lnSpc>
-              <a:spcBef>
-                <a:spcPts val="1000"/>
-              </a:spcBef>
-              <a:buClr>
-                <a:schemeClr val="accent1"/>
-              </a:buClr>
-              <a:buSzPct val="80000"/>
-              <a:buFont typeface="Wingdings 3" charset="2"/>
-              <a:buChar char=""/>
-            </a:pPr>
-            <a:r>
-              <a:rPr lang="en-US" sz="1400">
+              <a:t>initializr</a:t>
+            </a:r>
+            <a:r>
+              <a:rPr lang="en-US" sz="1400" dirty="0">
                 <a:solidFill>
                   <a:schemeClr val="tx1">
                     <a:lumMod val="75000"/>
@@ -12496,71 +13548,89 @@
                   </a:schemeClr>
                 </a:solidFill>
               </a:rPr>
-              <a:t>Dependencies:</a:t>
-            </a:r>
-          </a:p>
-          <a:p>
-            <a:pPr marL="285750" indent="-285750">
-              <a:lnSpc>
-                <a:spcPct val="90000"/>
-              </a:lnSpc>
-              <a:spcBef>
-                <a:spcPts val="1000"/>
-              </a:spcBef>
-              <a:buClr>
-                <a:schemeClr val="accent1"/>
-              </a:buClr>
-              <a:buSzPct val="80000"/>
-              <a:buFont typeface="Wingdings 3" charset="2"/>
-              <a:buChar char=""/>
+              <a:t>-generator-test</a:t>
+            </a:r>
+          </a:p>
+        </p:txBody>
+      </p:sp>
+      <p:sp>
+        <p:nvSpPr>
+          <p:cNvPr id="6" name="Footer Placeholder 5">
+            <a:extLst>
+              <a:ext uri="{FF2B5EF4-FFF2-40B4-BE49-F238E27FC236}">
+                <a16:creationId xmlns:a16="http://schemas.microsoft.com/office/drawing/2014/main" id="{0CE7EF67-537C-B80A-1A76-251B0F0C5733}"/>
+              </a:ext>
+            </a:extLst>
+          </p:cNvPr>
+          <p:cNvSpPr>
+            <a:spLocks noGrp="1"/>
+          </p:cNvSpPr>
+          <p:nvPr>
+            <p:ph type="ftr" sz="quarter" idx="11"/>
+          </p:nvPr>
+        </p:nvSpPr>
+        <p:spPr>
+          <a:xfrm>
+            <a:off x="508000" y="4531021"/>
+            <a:ext cx="3894420" cy="273844"/>
+          </a:xfrm>
+        </p:spPr>
+        <p:txBody>
+          <a:bodyPr vert="horz" lIns="91440" tIns="45720" rIns="91440" bIns="45720" rtlCol="0" anchor="ctr">
+            <a:normAutofit/>
+          </a:bodyPr>
+          <a:lstStyle/>
+          <a:p>
+            <a:pPr defTabSz="914400">
+              <a:spcAft>
+                <a:spcPts val="600"/>
+              </a:spcAft>
             </a:pPr>
             <a:r>
-              <a:rPr lang="en-US" sz="1400">
+              <a:rPr lang="en-US" sz="680" kern="1200" dirty="0">
                 <a:solidFill>
                   <a:schemeClr val="tx1">
-                    <a:lumMod val="75000"/>
-                    <a:lumOff val="25000"/>
+                    <a:tint val="75000"/>
                   </a:schemeClr>
                 </a:solidFill>
+                <a:latin typeface="+mn-lt"/>
+                <a:ea typeface="+mn-ea"/>
+                <a:cs typeface="+mn-cs"/>
               </a:rPr>
-              <a:t>spring-boot-starter-test</a:t>
-            </a:r>
-          </a:p>
-          <a:p>
-            <a:pPr marL="285750" indent="-285750">
-              <a:lnSpc>
-                <a:spcPct val="90000"/>
-              </a:lnSpc>
-              <a:spcBef>
-                <a:spcPts val="1000"/>
-              </a:spcBef>
-              <a:buClr>
-                <a:schemeClr val="accent1"/>
-              </a:buClr>
-              <a:buSzPct val="80000"/>
-              <a:buFont typeface="Wingdings 3" charset="2"/>
-              <a:buChar char=""/>
-            </a:pPr>
-            <a:r>
-              <a:rPr lang="en-US" sz="1400">
+              <a:t>TSE Custom </a:t>
+            </a:r>
+            <a:r>
+              <a:rPr lang="en-US" sz="680" kern="1200" dirty="0" err="1">
                 <a:solidFill>
                   <a:schemeClr val="tx1">
-                    <a:lumMod val="75000"/>
-                    <a:lumOff val="25000"/>
+                    <a:tint val="75000"/>
                   </a:schemeClr>
                 </a:solidFill>
+                <a:latin typeface="+mn-lt"/>
+                <a:ea typeface="+mn-ea"/>
+                <a:cs typeface="+mn-cs"/>
               </a:rPr>
-              <a:t>initializr-generator-test</a:t>
-            </a:r>
+              <a:t>Initializr</a:t>
+            </a:r>
+            <a:endParaRPr lang="en-US" sz="680" kern="1200" dirty="0">
+              <a:solidFill>
+                <a:schemeClr val="tx1">
+                  <a:tint val="75000"/>
+                </a:schemeClr>
+              </a:solidFill>
+              <a:latin typeface="+mn-lt"/>
+              <a:ea typeface="+mn-ea"/>
+              <a:cs typeface="+mn-cs"/>
+            </a:endParaRPr>
           </a:p>
         </p:txBody>
       </p:sp>
       <p:pic>
         <p:nvPicPr>
-          <p:cNvPr id="9" name="Picture 8">
+          <p:cNvPr id="5" name="Picture 4" descr="A black and red text&#10;&#10;Description automatically generated">
             <a:extLst>
               <a:ext uri="{FF2B5EF4-FFF2-40B4-BE49-F238E27FC236}">
-                <a16:creationId xmlns:a16="http://schemas.microsoft.com/office/drawing/2014/main" id="{576124E4-D190-EB5C-125F-69958A4864F5}"/>
+                <a16:creationId xmlns:a16="http://schemas.microsoft.com/office/drawing/2014/main" id="{88512F16-B3E6-E4D4-C872-1A9C15096F7E}"/>
               </a:ext>
             </a:extLst>
           </p:cNvPr>
@@ -12570,21 +13640,70 @@
           <p:nvPr/>
         </p:nvPicPr>
         <p:blipFill>
-          <a:blip r:embed="rId5"/>
+          <a:blip r:embed="rId4"/>
           <a:stretch>
             <a:fillRect/>
           </a:stretch>
         </p:blipFill>
         <p:spPr>
           <a:xfrm>
-            <a:off x="507999" y="3318305"/>
-            <a:ext cx="1947211" cy="1182930"/>
+            <a:off x="508000" y="3255341"/>
+            <a:ext cx="2362895" cy="1181447"/>
           </a:xfrm>
           <a:prstGeom prst="rect">
             <a:avLst/>
           </a:prstGeom>
         </p:spPr>
       </p:pic>
+      <p:sp>
+        <p:nvSpPr>
+          <p:cNvPr id="8" name="Date Placeholder 7">
+            <a:extLst>
+              <a:ext uri="{FF2B5EF4-FFF2-40B4-BE49-F238E27FC236}">
+                <a16:creationId xmlns:a16="http://schemas.microsoft.com/office/drawing/2014/main" id="{4ACD4264-BAFB-735F-7443-C8F074A109B1}"/>
+              </a:ext>
+            </a:extLst>
+          </p:cNvPr>
+          <p:cNvSpPr>
+            <a:spLocks noGrp="1"/>
+          </p:cNvSpPr>
+          <p:nvPr>
+            <p:ph type="dt" sz="half" idx="10"/>
+          </p:nvPr>
+        </p:nvSpPr>
+        <p:spPr>
+          <a:xfrm>
+            <a:off x="4573872" y="4531021"/>
+            <a:ext cx="1513932" cy="273844"/>
+          </a:xfrm>
+        </p:spPr>
+        <p:txBody>
+          <a:bodyPr vert="horz" lIns="91440" tIns="45720" rIns="91440" bIns="45720" rtlCol="0" anchor="ctr">
+            <a:normAutofit/>
+          </a:bodyPr>
+          <a:lstStyle/>
+          <a:p>
+            <a:pPr defTabSz="914400">
+              <a:spcAft>
+                <a:spcPts val="600"/>
+              </a:spcAft>
+            </a:pPr>
+            <a:r>
+              <a:rPr lang="en-US" sz="680" b="1" dirty="0">
+                <a:solidFill>
+                  <a:schemeClr val="tx1"/>
+                </a:solidFill>
+              </a:rPr>
+              <a:t>28/09/2023</a:t>
+            </a:r>
+            <a:endParaRPr lang="en-IN" sz="680" b="1" dirty="0">
+              <a:solidFill>
+                <a:schemeClr val="tx1"/>
+              </a:solidFill>
+            </a:endParaRPr>
+          </a:p>
+        </p:txBody>
+      </p:sp>
       <p:sp>
         <p:nvSpPr>
           <p:cNvPr id="3" name="Slide Number Placeholder 2">
@@ -12601,25 +13720,41 @@
             <p:ph type="sldNum" sz="quarter" idx="12"/>
           </p:nvPr>
         </p:nvSpPr>
-        <p:spPr/>
+        <p:spPr>
+          <a:xfrm>
+            <a:off x="6442997" y="4531021"/>
+            <a:ext cx="512504" cy="273844"/>
+          </a:xfrm>
+        </p:spPr>
         <p:txBody>
-          <a:bodyPr/>
+          <a:bodyPr vert="horz" lIns="91440" tIns="45720" rIns="91440" bIns="45720" rtlCol="0" anchor="ctr">
+            <a:normAutofit/>
+          </a:bodyPr>
           <a:lstStyle/>
           <a:p>
-            <a:pPr marL="0" lvl="0" indent="0" algn="r" rtl="0">
+            <a:pPr lvl="0" indent="0" defTabSz="914400">
               <a:spcBef>
                 <a:spcPts val="0"/>
               </a:spcBef>
               <a:spcAft>
-                <a:spcPts val="0"/>
+                <a:spcPts val="600"/>
               </a:spcAft>
               <a:buNone/>
             </a:pPr>
             <a:fld id="{00000000-1234-1234-1234-123412341234}" type="slidenum">
-              <a:rPr lang="en-GB" smtClean="0"/>
+              <a:rPr lang="en-US" sz="650"/>
+              <a:pPr lvl="0" indent="0" defTabSz="914400">
+                <a:spcBef>
+                  <a:spcPts val="0"/>
+                </a:spcBef>
+                <a:spcAft>
+                  <a:spcPts val="600"/>
+                </a:spcAft>
+                <a:buNone/>
+              </a:pPr>
               <a:t>5</a:t>
             </a:fld>
-            <a:endParaRPr lang="en-GB" dirty="0"/>
+            <a:endParaRPr lang="en-US" sz="650" dirty="0"/>
           </a:p>
         </p:txBody>
       </p:sp>
@@ -12857,41 +13992,6 @@
                                   </p:childTnLst>
                                 </p:cTn>
                               </p:par>
-                              <p:par>
-                                <p:cTn id="21" presetID="14" presetClass="entr" presetSubtype="10" fill="hold" nodeType="withEffect">
-                                  <p:stCondLst>
-                                    <p:cond delay="0"/>
-                                  </p:stCondLst>
-                                  <p:childTnLst>
-                                    <p:set>
-                                      <p:cBhvr>
-                                        <p:cTn id="22" dur="1" fill="hold">
-                                          <p:stCondLst>
-                                            <p:cond delay="0"/>
-                                          </p:stCondLst>
-                                        </p:cTn>
-                                        <p:tgtEl>
-                                          <p:spTgt spid="9"/>
-                                        </p:tgtEl>
-                                        <p:attrNameLst>
-                                          <p:attrName>style.visibility</p:attrName>
-                                        </p:attrNameLst>
-                                      </p:cBhvr>
-                                      <p:to>
-                                        <p:strVal val="visible"/>
-                                      </p:to>
-                                    </p:set>
-                                    <p:animEffect transition="in" filter="randombar(horizontal)">
-                                      <p:cBhvr>
-                                        <p:cTn id="23" dur="500"/>
-                                        <p:tgtEl>
-                                          <p:spTgt spid="9"/>
-                                        </p:tgtEl>
-                                      </p:cBhvr>
-                                    </p:animEffect>
-                                  </p:childTnLst>
-                                </p:cTn>
-                              </p:par>
                             </p:childTnLst>
                           </p:cTn>
                         </p:par>
@@ -12928,6 +14028,1155 @@
 </file>
 
 <file path=ppt/slides/slide6.xml><?xml version="1.0" encoding="utf-8"?>
+<p:sld xmlns:a="http://schemas.openxmlformats.org/drawingml/2006/main" xmlns:r="http://schemas.openxmlformats.org/officeDocument/2006/relationships" xmlns:p="http://schemas.openxmlformats.org/presentationml/2006/main">
+  <p:cSld>
+    <p:bg>
+      <p:bgPr>
+        <a:solidFill>
+          <a:schemeClr val="bg1"/>
+        </a:solidFill>
+        <a:effectLst/>
+      </p:bgPr>
+    </p:bg>
+    <p:spTree>
+      <p:nvGrpSpPr>
+        <p:cNvPr id="1" name=""/>
+        <p:cNvGrpSpPr/>
+        <p:nvPr/>
+      </p:nvGrpSpPr>
+      <p:grpSpPr>
+        <a:xfrm>
+          <a:off x="0" y="0"/>
+          <a:ext cx="0" cy="0"/>
+          <a:chOff x="0" y="0"/>
+          <a:chExt cx="0" cy="0"/>
+        </a:xfrm>
+      </p:grpSpPr>
+      <p:grpSp>
+        <p:nvGrpSpPr>
+          <p:cNvPr id="28" name="Group 27">
+            <a:extLst>
+              <a:ext uri="{FF2B5EF4-FFF2-40B4-BE49-F238E27FC236}">
+                <a16:creationId xmlns:a16="http://schemas.microsoft.com/office/drawing/2014/main" id="{10BE40E3-5550-4CDD-B4FD-387C33EBF157}"/>
+              </a:ext>
+              <a:ext uri="{C183D7F6-B498-43B3-948B-1728B52AA6E4}">
+                <adec:decorative xmlns:adec="http://schemas.microsoft.com/office/drawing/2017/decorative" val="1"/>
+              </a:ext>
+            </a:extLst>
+          </p:cNvPr>
+          <p:cNvGrpSpPr>
+            <a:grpSpLocks noGrp="1" noUngrp="1" noRot="1" noChangeAspect="1" noMove="1" noResize="1"/>
+          </p:cNvGrpSpPr>
+          <p:nvPr>
+            <p:extLst>
+              <p:ext uri="{386F3935-93C4-4BCD-93E2-E3B085C9AB24}">
+                <p16:designElem xmlns:p16="http://schemas.microsoft.com/office/powerpoint/2015/main" val="1"/>
+              </p:ext>
+            </p:extLst>
+          </p:nvPr>
+        </p:nvGrpSpPr>
+        <p:grpSpPr>
+          <a:xfrm>
+            <a:off x="0" y="-6350"/>
+            <a:ext cx="9144001" cy="5149850"/>
+            <a:chOff x="0" y="-8467"/>
+            <a:chExt cx="12192000" cy="6866467"/>
+          </a:xfrm>
+        </p:grpSpPr>
+        <p:cxnSp>
+          <p:nvCxnSpPr>
+            <p:cNvPr id="29" name="Straight Connector 28">
+              <a:extLst>
+                <a:ext uri="{FF2B5EF4-FFF2-40B4-BE49-F238E27FC236}">
+                  <a16:creationId xmlns:a16="http://schemas.microsoft.com/office/drawing/2014/main" id="{71A6B738-E50C-4653-B343-B9D6A5EA2771}"/>
+                </a:ext>
+                <a:ext uri="{C183D7F6-B498-43B3-948B-1728B52AA6E4}">
+                  <adec:decorative xmlns:adec="http://schemas.microsoft.com/office/drawing/2017/decorative" val="1"/>
+                </a:ext>
+              </a:extLst>
+            </p:cNvPr>
+            <p:cNvCxnSpPr/>
+            <p:nvPr>
+              <p:extLst>
+                <p:ext uri="{386F3935-93C4-4BCD-93E2-E3B085C9AB24}">
+                  <p16:designElem xmlns:p16="http://schemas.microsoft.com/office/powerpoint/2015/main" val="1"/>
+                </p:ext>
+              </p:extLst>
+            </p:nvPr>
+          </p:nvCxnSpPr>
+          <p:spPr>
+            <a:xfrm>
+              <a:off x="9371012" y="0"/>
+              <a:ext cx="1219200" cy="6858000"/>
+            </a:xfrm>
+            <a:prstGeom prst="line">
+              <a:avLst/>
+            </a:prstGeom>
+            <a:ln w="9525">
+              <a:solidFill>
+                <a:schemeClr val="bg1">
+                  <a:lumMod val="75000"/>
+                </a:schemeClr>
+              </a:solidFill>
+            </a:ln>
+          </p:spPr>
+          <p:style>
+            <a:lnRef idx="2">
+              <a:schemeClr val="accent1"/>
+            </a:lnRef>
+            <a:fillRef idx="0">
+              <a:schemeClr val="accent1"/>
+            </a:fillRef>
+            <a:effectRef idx="1">
+              <a:schemeClr val="accent1"/>
+            </a:effectRef>
+            <a:fontRef idx="minor">
+              <a:schemeClr val="tx1"/>
+            </a:fontRef>
+          </p:style>
+        </p:cxnSp>
+        <p:cxnSp>
+          <p:nvCxnSpPr>
+            <p:cNvPr id="30" name="Straight Connector 29">
+              <a:extLst>
+                <a:ext uri="{FF2B5EF4-FFF2-40B4-BE49-F238E27FC236}">
+                  <a16:creationId xmlns:a16="http://schemas.microsoft.com/office/drawing/2014/main" id="{498768D6-B28C-40A3-B381-39306F5816D5}"/>
+                </a:ext>
+                <a:ext uri="{C183D7F6-B498-43B3-948B-1728B52AA6E4}">
+                  <adec:decorative xmlns:adec="http://schemas.microsoft.com/office/drawing/2017/decorative" val="1"/>
+                </a:ext>
+              </a:extLst>
+            </p:cNvPr>
+            <p:cNvCxnSpPr/>
+            <p:nvPr>
+              <p:extLst>
+                <p:ext uri="{386F3935-93C4-4BCD-93E2-E3B085C9AB24}">
+                  <p16:designElem xmlns:p16="http://schemas.microsoft.com/office/powerpoint/2015/main" val="1"/>
+                </p:ext>
+              </p:extLst>
+            </p:nvPr>
+          </p:nvCxnSpPr>
+          <p:spPr>
+            <a:xfrm flipH="1">
+              <a:off x="7425267" y="3681413"/>
+              <a:ext cx="4763558" cy="3176587"/>
+            </a:xfrm>
+            <a:prstGeom prst="line">
+              <a:avLst/>
+            </a:prstGeom>
+            <a:ln w="9525">
+              <a:solidFill>
+                <a:schemeClr val="bg1">
+                  <a:lumMod val="85000"/>
+                </a:schemeClr>
+              </a:solidFill>
+            </a:ln>
+          </p:spPr>
+          <p:style>
+            <a:lnRef idx="2">
+              <a:schemeClr val="accent1"/>
+            </a:lnRef>
+            <a:fillRef idx="0">
+              <a:schemeClr val="accent1"/>
+            </a:fillRef>
+            <a:effectRef idx="1">
+              <a:schemeClr val="accent1"/>
+            </a:effectRef>
+            <a:fontRef idx="minor">
+              <a:schemeClr val="tx1"/>
+            </a:fontRef>
+          </p:style>
+        </p:cxnSp>
+        <p:sp>
+          <p:nvSpPr>
+            <p:cNvPr id="31" name="Rectangle 23">
+              <a:extLst>
+                <a:ext uri="{FF2B5EF4-FFF2-40B4-BE49-F238E27FC236}">
+                  <a16:creationId xmlns:a16="http://schemas.microsoft.com/office/drawing/2014/main" id="{B27C15B9-7795-4321-AB30-DF1DEF65C19E}"/>
+                </a:ext>
+                <a:ext uri="{C183D7F6-B498-43B3-948B-1728B52AA6E4}">
+                  <adec:decorative xmlns:adec="http://schemas.microsoft.com/office/drawing/2017/decorative" val="1"/>
+                </a:ext>
+              </a:extLst>
+            </p:cNvPr>
+            <p:cNvSpPr/>
+            <p:nvPr>
+              <p:extLst>
+                <p:ext uri="{386F3935-93C4-4BCD-93E2-E3B085C9AB24}">
+                  <p16:designElem xmlns:p16="http://schemas.microsoft.com/office/powerpoint/2015/main" val="1"/>
+                </p:ext>
+              </p:extLst>
+            </p:nvPr>
+          </p:nvSpPr>
+          <p:spPr>
+            <a:xfrm>
+              <a:off x="9181476" y="-8467"/>
+              <a:ext cx="3007349" cy="6866467"/>
+            </a:xfrm>
+            <a:custGeom>
+              <a:avLst/>
+              <a:gdLst/>
+              <a:ahLst/>
+              <a:cxnLst/>
+              <a:rect l="l" t="t" r="r" b="b"/>
+              <a:pathLst>
+                <a:path w="3007349" h="6866467">
+                  <a:moveTo>
+                    <a:pt x="2045532" y="0"/>
+                  </a:moveTo>
+                  <a:lnTo>
+                    <a:pt x="3007349" y="0"/>
+                  </a:lnTo>
+                  <a:lnTo>
+                    <a:pt x="3007349" y="6866467"/>
+                  </a:lnTo>
+                  <a:lnTo>
+                    <a:pt x="0" y="6866467"/>
+                  </a:lnTo>
+                  <a:lnTo>
+                    <a:pt x="2045532" y="0"/>
+                  </a:lnTo>
+                  <a:close/>
+                </a:path>
+              </a:pathLst>
+            </a:custGeom>
+            <a:solidFill>
+              <a:schemeClr val="accent1">
+                <a:alpha val="30000"/>
+              </a:schemeClr>
+            </a:solidFill>
+            <a:ln>
+              <a:noFill/>
+            </a:ln>
+            <a:effectLst/>
+          </p:spPr>
+          <p:style>
+            <a:lnRef idx="1">
+              <a:schemeClr val="accent1"/>
+            </a:lnRef>
+            <a:fillRef idx="3">
+              <a:schemeClr val="accent1"/>
+            </a:fillRef>
+            <a:effectRef idx="2">
+              <a:schemeClr val="accent1"/>
+            </a:effectRef>
+            <a:fontRef idx="minor">
+              <a:schemeClr val="lt1"/>
+            </a:fontRef>
+          </p:style>
+        </p:sp>
+        <p:sp>
+          <p:nvSpPr>
+            <p:cNvPr id="32" name="Rectangle 25">
+              <a:extLst>
+                <a:ext uri="{FF2B5EF4-FFF2-40B4-BE49-F238E27FC236}">
+                  <a16:creationId xmlns:a16="http://schemas.microsoft.com/office/drawing/2014/main" id="{578EC957-1F3F-4C00-B023-C8725C2171CB}"/>
+                </a:ext>
+                <a:ext uri="{C183D7F6-B498-43B3-948B-1728B52AA6E4}">
+                  <adec:decorative xmlns:adec="http://schemas.microsoft.com/office/drawing/2017/decorative" val="1"/>
+                </a:ext>
+              </a:extLst>
+            </p:cNvPr>
+            <p:cNvSpPr/>
+            <p:nvPr>
+              <p:extLst>
+                <p:ext uri="{386F3935-93C4-4BCD-93E2-E3B085C9AB24}">
+                  <p16:designElem xmlns:p16="http://schemas.microsoft.com/office/powerpoint/2015/main" val="1"/>
+                </p:ext>
+              </p:extLst>
+            </p:nvPr>
+          </p:nvSpPr>
+          <p:spPr>
+            <a:xfrm>
+              <a:off x="9603442" y="-8467"/>
+              <a:ext cx="2588558" cy="6866467"/>
+            </a:xfrm>
+            <a:custGeom>
+              <a:avLst/>
+              <a:gdLst/>
+              <a:ahLst/>
+              <a:cxnLst/>
+              <a:rect l="l" t="t" r="r" b="b"/>
+              <a:pathLst>
+                <a:path w="2573311" h="6866467">
+                  <a:moveTo>
+                    <a:pt x="0" y="0"/>
+                  </a:moveTo>
+                  <a:lnTo>
+                    <a:pt x="2573311" y="0"/>
+                  </a:lnTo>
+                  <a:lnTo>
+                    <a:pt x="2573311" y="6866467"/>
+                  </a:lnTo>
+                  <a:lnTo>
+                    <a:pt x="1202336" y="6866467"/>
+                  </a:lnTo>
+                  <a:lnTo>
+                    <a:pt x="0" y="0"/>
+                  </a:lnTo>
+                  <a:close/>
+                </a:path>
+              </a:pathLst>
+            </a:custGeom>
+            <a:solidFill>
+              <a:schemeClr val="accent1">
+                <a:alpha val="20000"/>
+              </a:schemeClr>
+            </a:solidFill>
+            <a:ln>
+              <a:noFill/>
+            </a:ln>
+            <a:effectLst/>
+          </p:spPr>
+          <p:style>
+            <a:lnRef idx="1">
+              <a:schemeClr val="accent1"/>
+            </a:lnRef>
+            <a:fillRef idx="3">
+              <a:schemeClr val="accent1"/>
+            </a:fillRef>
+            <a:effectRef idx="2">
+              <a:schemeClr val="accent1"/>
+            </a:effectRef>
+            <a:fontRef idx="minor">
+              <a:schemeClr val="lt1"/>
+            </a:fontRef>
+          </p:style>
+        </p:sp>
+        <p:sp>
+          <p:nvSpPr>
+            <p:cNvPr id="33" name="Isosceles Triangle 32">
+              <a:extLst>
+                <a:ext uri="{FF2B5EF4-FFF2-40B4-BE49-F238E27FC236}">
+                  <a16:creationId xmlns:a16="http://schemas.microsoft.com/office/drawing/2014/main" id="{3D642632-BBD5-46D6-A91D-9B2BF68219B7}"/>
+                </a:ext>
+                <a:ext uri="{C183D7F6-B498-43B3-948B-1728B52AA6E4}">
+                  <adec:decorative xmlns:adec="http://schemas.microsoft.com/office/drawing/2017/decorative" val="1"/>
+                </a:ext>
+              </a:extLst>
+            </p:cNvPr>
+            <p:cNvSpPr/>
+            <p:nvPr>
+              <p:extLst>
+                <p:ext uri="{386F3935-93C4-4BCD-93E2-E3B085C9AB24}">
+                  <p16:designElem xmlns:p16="http://schemas.microsoft.com/office/powerpoint/2015/main" val="1"/>
+                </p:ext>
+              </p:extLst>
+            </p:nvPr>
+          </p:nvSpPr>
+          <p:spPr>
+            <a:xfrm>
+              <a:off x="8932333" y="3048000"/>
+              <a:ext cx="3259667" cy="3810000"/>
+            </a:xfrm>
+            <a:prstGeom prst="triangle">
+              <a:avLst>
+                <a:gd name="adj" fmla="val 100000"/>
+              </a:avLst>
+            </a:prstGeom>
+            <a:solidFill>
+              <a:schemeClr val="accent2">
+                <a:alpha val="72000"/>
+              </a:schemeClr>
+            </a:solidFill>
+            <a:ln>
+              <a:noFill/>
+            </a:ln>
+            <a:effectLst/>
+          </p:spPr>
+          <p:style>
+            <a:lnRef idx="1">
+              <a:schemeClr val="accent1"/>
+            </a:lnRef>
+            <a:fillRef idx="3">
+              <a:schemeClr val="accent1"/>
+            </a:fillRef>
+            <a:effectRef idx="2">
+              <a:schemeClr val="accent1"/>
+            </a:effectRef>
+            <a:fontRef idx="minor">
+              <a:schemeClr val="lt1"/>
+            </a:fontRef>
+          </p:style>
+        </p:sp>
+        <p:sp>
+          <p:nvSpPr>
+            <p:cNvPr id="34" name="Rectangle 27">
+              <a:extLst>
+                <a:ext uri="{FF2B5EF4-FFF2-40B4-BE49-F238E27FC236}">
+                  <a16:creationId xmlns:a16="http://schemas.microsoft.com/office/drawing/2014/main" id="{BF9D518D-AFF5-4DE2-AEE2-0EC15479A9AF}"/>
+                </a:ext>
+                <a:ext uri="{C183D7F6-B498-43B3-948B-1728B52AA6E4}">
+                  <adec:decorative xmlns:adec="http://schemas.microsoft.com/office/drawing/2017/decorative" val="1"/>
+                </a:ext>
+              </a:extLst>
+            </p:cNvPr>
+            <p:cNvSpPr/>
+            <p:nvPr>
+              <p:extLst>
+                <p:ext uri="{386F3935-93C4-4BCD-93E2-E3B085C9AB24}">
+                  <p16:designElem xmlns:p16="http://schemas.microsoft.com/office/powerpoint/2015/main" val="1"/>
+                </p:ext>
+              </p:extLst>
+            </p:nvPr>
+          </p:nvSpPr>
+          <p:spPr>
+            <a:xfrm>
+              <a:off x="9334500" y="-8467"/>
+              <a:ext cx="2854326" cy="6866467"/>
+            </a:xfrm>
+            <a:custGeom>
+              <a:avLst/>
+              <a:gdLst/>
+              <a:ahLst/>
+              <a:cxnLst/>
+              <a:rect l="l" t="t" r="r" b="b"/>
+              <a:pathLst>
+                <a:path w="2858013" h="6866467">
+                  <a:moveTo>
+                    <a:pt x="0" y="0"/>
+                  </a:moveTo>
+                  <a:lnTo>
+                    <a:pt x="2858013" y="0"/>
+                  </a:lnTo>
+                  <a:lnTo>
+                    <a:pt x="2858013" y="6866467"/>
+                  </a:lnTo>
+                  <a:lnTo>
+                    <a:pt x="2473942" y="6866467"/>
+                  </a:lnTo>
+                  <a:lnTo>
+                    <a:pt x="0" y="0"/>
+                  </a:lnTo>
+                  <a:close/>
+                </a:path>
+              </a:pathLst>
+            </a:custGeom>
+            <a:solidFill>
+              <a:schemeClr val="accent2">
+                <a:lumMod val="75000"/>
+                <a:alpha val="70000"/>
+              </a:schemeClr>
+            </a:solidFill>
+            <a:ln>
+              <a:noFill/>
+            </a:ln>
+            <a:effectLst/>
+          </p:spPr>
+          <p:style>
+            <a:lnRef idx="1">
+              <a:schemeClr val="accent1"/>
+            </a:lnRef>
+            <a:fillRef idx="3">
+              <a:schemeClr val="accent1"/>
+            </a:fillRef>
+            <a:effectRef idx="2">
+              <a:schemeClr val="accent1"/>
+            </a:effectRef>
+            <a:fontRef idx="minor">
+              <a:schemeClr val="lt1"/>
+            </a:fontRef>
+          </p:style>
+        </p:sp>
+        <p:sp>
+          <p:nvSpPr>
+            <p:cNvPr id="35" name="Rectangle 28">
+              <a:extLst>
+                <a:ext uri="{FF2B5EF4-FFF2-40B4-BE49-F238E27FC236}">
+                  <a16:creationId xmlns:a16="http://schemas.microsoft.com/office/drawing/2014/main" id="{14EF979B-B00D-460C-BD56-7EEAFB7E0F98}"/>
+                </a:ext>
+                <a:ext uri="{C183D7F6-B498-43B3-948B-1728B52AA6E4}">
+                  <adec:decorative xmlns:adec="http://schemas.microsoft.com/office/drawing/2017/decorative" val="1"/>
+                </a:ext>
+              </a:extLst>
+            </p:cNvPr>
+            <p:cNvSpPr/>
+            <p:nvPr>
+              <p:extLst>
+                <p:ext uri="{386F3935-93C4-4BCD-93E2-E3B085C9AB24}">
+                  <p16:designElem xmlns:p16="http://schemas.microsoft.com/office/powerpoint/2015/main" val="1"/>
+                </p:ext>
+              </p:extLst>
+            </p:nvPr>
+          </p:nvSpPr>
+          <p:spPr>
+            <a:xfrm>
+              <a:off x="10898730" y="-8467"/>
+              <a:ext cx="1290094" cy="6866467"/>
+            </a:xfrm>
+            <a:custGeom>
+              <a:avLst/>
+              <a:gdLst/>
+              <a:ahLst/>
+              <a:cxnLst/>
+              <a:rect l="l" t="t" r="r" b="b"/>
+              <a:pathLst>
+                <a:path w="1290094" h="6858000">
+                  <a:moveTo>
+                    <a:pt x="1019735" y="0"/>
+                  </a:moveTo>
+                  <a:lnTo>
+                    <a:pt x="1290094" y="0"/>
+                  </a:lnTo>
+                  <a:lnTo>
+                    <a:pt x="1290094" y="6858000"/>
+                  </a:lnTo>
+                  <a:lnTo>
+                    <a:pt x="0" y="6858000"/>
+                  </a:lnTo>
+                  <a:lnTo>
+                    <a:pt x="1019735" y="0"/>
+                  </a:lnTo>
+                  <a:close/>
+                </a:path>
+              </a:pathLst>
+            </a:custGeom>
+            <a:solidFill>
+              <a:schemeClr val="accent1">
+                <a:lumMod val="60000"/>
+                <a:lumOff val="40000"/>
+                <a:alpha val="70000"/>
+              </a:schemeClr>
+            </a:solidFill>
+            <a:ln>
+              <a:noFill/>
+            </a:ln>
+            <a:effectLst/>
+          </p:spPr>
+          <p:style>
+            <a:lnRef idx="1">
+              <a:schemeClr val="accent1"/>
+            </a:lnRef>
+            <a:fillRef idx="3">
+              <a:schemeClr val="accent1"/>
+            </a:fillRef>
+            <a:effectRef idx="2">
+              <a:schemeClr val="accent1"/>
+            </a:effectRef>
+            <a:fontRef idx="minor">
+              <a:schemeClr val="lt1"/>
+            </a:fontRef>
+          </p:style>
+        </p:sp>
+        <p:sp>
+          <p:nvSpPr>
+            <p:cNvPr id="36" name="Rectangle 29">
+              <a:extLst>
+                <a:ext uri="{FF2B5EF4-FFF2-40B4-BE49-F238E27FC236}">
+                  <a16:creationId xmlns:a16="http://schemas.microsoft.com/office/drawing/2014/main" id="{3E40F9A1-6B82-400F-9397-26D1D36F1F04}"/>
+                </a:ext>
+                <a:ext uri="{C183D7F6-B498-43B3-948B-1728B52AA6E4}">
+                  <adec:decorative xmlns:adec="http://schemas.microsoft.com/office/drawing/2017/decorative" val="1"/>
+                </a:ext>
+              </a:extLst>
+            </p:cNvPr>
+            <p:cNvSpPr/>
+            <p:nvPr>
+              <p:extLst>
+                <p:ext uri="{386F3935-93C4-4BCD-93E2-E3B085C9AB24}">
+                  <p16:designElem xmlns:p16="http://schemas.microsoft.com/office/powerpoint/2015/main" val="1"/>
+                </p:ext>
+              </p:extLst>
+            </p:nvPr>
+          </p:nvSpPr>
+          <p:spPr>
+            <a:xfrm>
+              <a:off x="10938999" y="-8467"/>
+              <a:ext cx="1249825" cy="6866467"/>
+            </a:xfrm>
+            <a:custGeom>
+              <a:avLst/>
+              <a:gdLst/>
+              <a:ahLst/>
+              <a:cxnLst/>
+              <a:rect l="l" t="t" r="r" b="b"/>
+              <a:pathLst>
+                <a:path w="1249825" h="6858000">
+                  <a:moveTo>
+                    <a:pt x="0" y="0"/>
+                  </a:moveTo>
+                  <a:lnTo>
+                    <a:pt x="1249825" y="0"/>
+                  </a:lnTo>
+                  <a:lnTo>
+                    <a:pt x="1249825" y="6858000"/>
+                  </a:lnTo>
+                  <a:lnTo>
+                    <a:pt x="1109382" y="6858000"/>
+                  </a:lnTo>
+                  <a:lnTo>
+                    <a:pt x="0" y="0"/>
+                  </a:lnTo>
+                  <a:close/>
+                </a:path>
+              </a:pathLst>
+            </a:custGeom>
+            <a:solidFill>
+              <a:schemeClr val="accent1">
+                <a:alpha val="65000"/>
+              </a:schemeClr>
+            </a:solidFill>
+            <a:ln>
+              <a:noFill/>
+            </a:ln>
+            <a:effectLst/>
+          </p:spPr>
+          <p:style>
+            <a:lnRef idx="1">
+              <a:schemeClr val="accent1"/>
+            </a:lnRef>
+            <a:fillRef idx="3">
+              <a:schemeClr val="accent1"/>
+            </a:fillRef>
+            <a:effectRef idx="2">
+              <a:schemeClr val="accent1"/>
+            </a:effectRef>
+            <a:fontRef idx="minor">
+              <a:schemeClr val="lt1"/>
+            </a:fontRef>
+          </p:style>
+        </p:sp>
+        <p:sp>
+          <p:nvSpPr>
+            <p:cNvPr id="37" name="Isosceles Triangle 36">
+              <a:extLst>
+                <a:ext uri="{FF2B5EF4-FFF2-40B4-BE49-F238E27FC236}">
+                  <a16:creationId xmlns:a16="http://schemas.microsoft.com/office/drawing/2014/main" id="{2EF7DDF1-FF86-4CA4-B08B-8939557EBDB3}"/>
+                </a:ext>
+                <a:ext uri="{C183D7F6-B498-43B3-948B-1728B52AA6E4}">
+                  <adec:decorative xmlns:adec="http://schemas.microsoft.com/office/drawing/2017/decorative" val="1"/>
+                </a:ext>
+              </a:extLst>
+            </p:cNvPr>
+            <p:cNvSpPr/>
+            <p:nvPr>
+              <p:extLst>
+                <p:ext uri="{386F3935-93C4-4BCD-93E2-E3B085C9AB24}">
+                  <p16:designElem xmlns:p16="http://schemas.microsoft.com/office/powerpoint/2015/main" val="1"/>
+                </p:ext>
+              </p:extLst>
+            </p:nvPr>
+          </p:nvSpPr>
+          <p:spPr>
+            <a:xfrm>
+              <a:off x="10371666" y="3589867"/>
+              <a:ext cx="1817159" cy="3268133"/>
+            </a:xfrm>
+            <a:prstGeom prst="triangle">
+              <a:avLst>
+                <a:gd name="adj" fmla="val 100000"/>
+              </a:avLst>
+            </a:prstGeom>
+            <a:solidFill>
+              <a:schemeClr val="accent1">
+                <a:alpha val="80000"/>
+              </a:schemeClr>
+            </a:solidFill>
+            <a:ln>
+              <a:noFill/>
+            </a:ln>
+            <a:effectLst/>
+          </p:spPr>
+          <p:style>
+            <a:lnRef idx="1">
+              <a:schemeClr val="accent1"/>
+            </a:lnRef>
+            <a:fillRef idx="3">
+              <a:schemeClr val="accent1"/>
+            </a:fillRef>
+            <a:effectRef idx="2">
+              <a:schemeClr val="accent1"/>
+            </a:effectRef>
+            <a:fontRef idx="minor">
+              <a:schemeClr val="lt1"/>
+            </a:fontRef>
+          </p:style>
+        </p:sp>
+        <p:sp>
+          <p:nvSpPr>
+            <p:cNvPr id="38" name="Isosceles Triangle 37">
+              <a:extLst>
+                <a:ext uri="{FF2B5EF4-FFF2-40B4-BE49-F238E27FC236}">
+                  <a16:creationId xmlns:a16="http://schemas.microsoft.com/office/drawing/2014/main" id="{6D7C1F89-72B2-4FDC-B9E2-04F52D5C504C}"/>
+                </a:ext>
+                <a:ext uri="{C183D7F6-B498-43B3-948B-1728B52AA6E4}">
+                  <adec:decorative xmlns:adec="http://schemas.microsoft.com/office/drawing/2017/decorative" val="1"/>
+                </a:ext>
+              </a:extLst>
+            </p:cNvPr>
+            <p:cNvSpPr/>
+            <p:nvPr>
+              <p:extLst>
+                <p:ext uri="{386F3935-93C4-4BCD-93E2-E3B085C9AB24}">
+                  <p16:designElem xmlns:p16="http://schemas.microsoft.com/office/powerpoint/2015/main" val="1"/>
+                </p:ext>
+              </p:extLst>
+            </p:nvPr>
+          </p:nvSpPr>
+          <p:spPr>
+            <a:xfrm>
+              <a:off x="0" y="4013200"/>
+              <a:ext cx="448733" cy="2844800"/>
+            </a:xfrm>
+            <a:prstGeom prst="triangle">
+              <a:avLst>
+                <a:gd name="adj" fmla="val 0"/>
+              </a:avLst>
+            </a:prstGeom>
+            <a:solidFill>
+              <a:schemeClr val="accent1">
+                <a:alpha val="85000"/>
+              </a:schemeClr>
+            </a:solidFill>
+            <a:ln>
+              <a:noFill/>
+            </a:ln>
+            <a:effectLst/>
+          </p:spPr>
+          <p:style>
+            <a:lnRef idx="1">
+              <a:schemeClr val="accent1"/>
+            </a:lnRef>
+            <a:fillRef idx="3">
+              <a:schemeClr val="accent1"/>
+            </a:fillRef>
+            <a:effectRef idx="2">
+              <a:schemeClr val="accent1"/>
+            </a:effectRef>
+            <a:fontRef idx="minor">
+              <a:schemeClr val="lt1"/>
+            </a:fontRef>
+          </p:style>
+        </p:sp>
+      </p:grpSp>
+      <p:sp>
+        <p:nvSpPr>
+          <p:cNvPr id="3" name="Footer Placeholder 2">
+            <a:extLst>
+              <a:ext uri="{FF2B5EF4-FFF2-40B4-BE49-F238E27FC236}">
+                <a16:creationId xmlns:a16="http://schemas.microsoft.com/office/drawing/2014/main" id="{E218D093-491F-A159-B545-506155C30C8D}"/>
+              </a:ext>
+            </a:extLst>
+          </p:cNvPr>
+          <p:cNvSpPr>
+            <a:spLocks noGrp="1"/>
+          </p:cNvSpPr>
+          <p:nvPr>
+            <p:ph type="ftr" sz="quarter" idx="11"/>
+          </p:nvPr>
+        </p:nvSpPr>
+        <p:spPr>
+          <a:xfrm>
+            <a:off x="508000" y="4531021"/>
+            <a:ext cx="4723209" cy="273844"/>
+          </a:xfrm>
+        </p:spPr>
+        <p:txBody>
+          <a:bodyPr vert="horz" lIns="91440" tIns="45720" rIns="91440" bIns="45720" rtlCol="0" anchor="ctr">
+            <a:normAutofit/>
+          </a:bodyPr>
+          <a:lstStyle/>
+          <a:p>
+            <a:pPr defTabSz="914400">
+              <a:spcAft>
+                <a:spcPts val="600"/>
+              </a:spcAft>
+            </a:pPr>
+            <a:r>
+              <a:rPr lang="en-US" sz="680" kern="1200" dirty="0">
+                <a:solidFill>
+                  <a:schemeClr val="tx1">
+                    <a:tint val="75000"/>
+                  </a:schemeClr>
+                </a:solidFill>
+                <a:latin typeface="+mn-lt"/>
+                <a:ea typeface="+mn-ea"/>
+                <a:cs typeface="+mn-cs"/>
+              </a:rPr>
+              <a:t>TSE Custom </a:t>
+            </a:r>
+            <a:r>
+              <a:rPr lang="en-US" sz="680" kern="1200" dirty="0" err="1">
+                <a:solidFill>
+                  <a:schemeClr val="tx1">
+                    <a:tint val="75000"/>
+                  </a:schemeClr>
+                </a:solidFill>
+                <a:latin typeface="+mn-lt"/>
+                <a:ea typeface="+mn-ea"/>
+                <a:cs typeface="+mn-cs"/>
+              </a:rPr>
+              <a:t>Initializr</a:t>
+            </a:r>
+            <a:endParaRPr lang="en-US" sz="680" kern="1200" dirty="0">
+              <a:solidFill>
+                <a:schemeClr val="tx1">
+                  <a:tint val="75000"/>
+                </a:schemeClr>
+              </a:solidFill>
+              <a:latin typeface="+mn-lt"/>
+              <a:ea typeface="+mn-ea"/>
+              <a:cs typeface="+mn-cs"/>
+            </a:endParaRPr>
+          </a:p>
+        </p:txBody>
+      </p:sp>
+      <p:pic>
+        <p:nvPicPr>
+          <p:cNvPr id="5" name="Picture 4">
+            <a:extLst>
+              <a:ext uri="{FF2B5EF4-FFF2-40B4-BE49-F238E27FC236}">
+                <a16:creationId xmlns:a16="http://schemas.microsoft.com/office/drawing/2014/main" id="{68B8BA86-4472-1689-93B0-C0E4D1D5EE00}"/>
+              </a:ext>
+            </a:extLst>
+          </p:cNvPr>
+          <p:cNvPicPr>
+            <a:picLocks noChangeAspect="1"/>
+          </p:cNvPicPr>
+          <p:nvPr/>
+        </p:nvPicPr>
+        <p:blipFill rotWithShape="1">
+          <a:blip r:embed="rId2"/>
+          <a:srcRect r="15139" b="3"/>
+          <a:stretch/>
+        </p:blipFill>
+        <p:spPr>
+          <a:xfrm>
+            <a:off x="1561698" y="1473355"/>
+            <a:ext cx="4067572" cy="2911771"/>
+          </a:xfrm>
+          <a:prstGeom prst="rect">
+            <a:avLst/>
+          </a:prstGeom>
+        </p:spPr>
+      </p:pic>
+      <p:sp>
+        <p:nvSpPr>
+          <p:cNvPr id="2" name="Date Placeholder 1">
+            <a:extLst>
+              <a:ext uri="{FF2B5EF4-FFF2-40B4-BE49-F238E27FC236}">
+                <a16:creationId xmlns:a16="http://schemas.microsoft.com/office/drawing/2014/main" id="{877F7B7F-B376-4384-4F9F-B449E1AF02DB}"/>
+              </a:ext>
+            </a:extLst>
+          </p:cNvPr>
+          <p:cNvSpPr>
+            <a:spLocks noGrp="1"/>
+          </p:cNvSpPr>
+          <p:nvPr>
+            <p:ph type="dt" sz="half" idx="10"/>
+          </p:nvPr>
+        </p:nvSpPr>
+        <p:spPr>
+          <a:xfrm>
+            <a:off x="5403849" y="4531021"/>
+            <a:ext cx="683955" cy="273844"/>
+          </a:xfrm>
+        </p:spPr>
+        <p:txBody>
+          <a:bodyPr vert="horz" lIns="91440" tIns="45720" rIns="91440" bIns="45720" rtlCol="0" anchor="ctr">
+            <a:normAutofit/>
+          </a:bodyPr>
+          <a:lstStyle/>
+          <a:p>
+            <a:pPr defTabSz="914400">
+              <a:lnSpc>
+                <a:spcPct val="90000"/>
+              </a:lnSpc>
+              <a:spcAft>
+                <a:spcPts val="600"/>
+              </a:spcAft>
+            </a:pPr>
+            <a:r>
+              <a:rPr lang="en-US" sz="680" b="1" dirty="0">
+                <a:solidFill>
+                  <a:schemeClr val="tx1"/>
+                </a:solidFill>
+              </a:rPr>
+              <a:t>28/09/2023</a:t>
+            </a:r>
+          </a:p>
+        </p:txBody>
+      </p:sp>
+      <p:sp>
+        <p:nvSpPr>
+          <p:cNvPr id="4" name="Slide Number Placeholder 3">
+            <a:extLst>
+              <a:ext uri="{FF2B5EF4-FFF2-40B4-BE49-F238E27FC236}">
+                <a16:creationId xmlns:a16="http://schemas.microsoft.com/office/drawing/2014/main" id="{0CCABC9F-6DF6-4092-A734-A78740594597}"/>
+              </a:ext>
+            </a:extLst>
+          </p:cNvPr>
+          <p:cNvSpPr>
+            <a:spLocks noGrp="1"/>
+          </p:cNvSpPr>
+          <p:nvPr>
+            <p:ph type="sldNum" sz="quarter" idx="12"/>
+          </p:nvPr>
+        </p:nvSpPr>
+        <p:spPr>
+          <a:xfrm>
+            <a:off x="6442997" y="4531021"/>
+            <a:ext cx="512504" cy="273844"/>
+          </a:xfrm>
+        </p:spPr>
+        <p:txBody>
+          <a:bodyPr vert="horz" lIns="91440" tIns="45720" rIns="91440" bIns="45720" rtlCol="0" anchor="ctr">
+            <a:normAutofit/>
+          </a:bodyPr>
+          <a:lstStyle/>
+          <a:p>
+            <a:pPr lvl="0" indent="0" defTabSz="914400">
+              <a:spcBef>
+                <a:spcPts val="0"/>
+              </a:spcBef>
+              <a:spcAft>
+                <a:spcPts val="600"/>
+              </a:spcAft>
+              <a:buNone/>
+            </a:pPr>
+            <a:fld id="{00000000-1234-1234-1234-123412341234}" type="slidenum">
+              <a:rPr lang="en-US" sz="680"/>
+              <a:pPr lvl="0" indent="0" defTabSz="914400">
+                <a:spcBef>
+                  <a:spcPts val="0"/>
+                </a:spcBef>
+                <a:spcAft>
+                  <a:spcPts val="600"/>
+                </a:spcAft>
+                <a:buNone/>
+              </a:pPr>
+              <a:t>6</a:t>
+            </a:fld>
+            <a:endParaRPr lang="en-US" sz="680" dirty="0"/>
+          </a:p>
+        </p:txBody>
+      </p:sp>
+      <p:pic>
+        <p:nvPicPr>
+          <p:cNvPr id="9" name="Picture 8" descr="A black and red text&#10;&#10;Description automatically generated">
+            <a:extLst>
+              <a:ext uri="{FF2B5EF4-FFF2-40B4-BE49-F238E27FC236}">
+                <a16:creationId xmlns:a16="http://schemas.microsoft.com/office/drawing/2014/main" id="{EB06085B-CE56-9CF7-B5FD-2AC959F9B431}"/>
+              </a:ext>
+            </a:extLst>
+          </p:cNvPr>
+          <p:cNvPicPr>
+            <a:picLocks noChangeAspect="1"/>
+          </p:cNvPicPr>
+          <p:nvPr/>
+        </p:nvPicPr>
+        <p:blipFill>
+          <a:blip r:embed="rId3"/>
+          <a:stretch>
+            <a:fillRect/>
+          </a:stretch>
+        </p:blipFill>
+        <p:spPr>
+          <a:xfrm>
+            <a:off x="2438399" y="207446"/>
+            <a:ext cx="1947211" cy="973605"/>
+          </a:xfrm>
+          <a:prstGeom prst="rect">
+            <a:avLst/>
+          </a:prstGeom>
+        </p:spPr>
+      </p:pic>
+    </p:spTree>
+    <p:extLst>
+      <p:ext uri="{BB962C8B-B14F-4D97-AF65-F5344CB8AC3E}">
+        <p14:creationId xmlns:p14="http://schemas.microsoft.com/office/powerpoint/2010/main" val="437917486"/>
+      </p:ext>
+    </p:extLst>
+  </p:cSld>
+  <p:clrMapOvr>
+    <a:masterClrMapping/>
+  </p:clrMapOvr>
+  <p:timing>
+    <p:tnLst>
+      <p:par>
+        <p:cTn id="1" dur="indefinite" restart="never" nodeType="tmRoot">
+          <p:childTnLst>
+            <p:seq concurrent="1" nextAc="seek">
+              <p:cTn id="2" dur="indefinite" nodeType="mainSeq">
+                <p:childTnLst>
+                  <p:par>
+                    <p:cTn id="3" fill="hold">
+                      <p:stCondLst>
+                        <p:cond delay="indefinite"/>
+                      </p:stCondLst>
+                      <p:childTnLst>
+                        <p:par>
+                          <p:cTn id="4" fill="hold">
+                            <p:stCondLst>
+                              <p:cond delay="0"/>
+                            </p:stCondLst>
+                            <p:childTnLst>
+                              <p:par>
+                                <p:cTn id="5" presetID="14" presetClass="entr" presetSubtype="10" fill="hold" nodeType="clickEffect">
+                                  <p:stCondLst>
+                                    <p:cond delay="0"/>
+                                  </p:stCondLst>
+                                  <p:childTnLst>
+                                    <p:set>
+                                      <p:cBhvr>
+                                        <p:cTn id="6" dur="1" fill="hold">
+                                          <p:stCondLst>
+                                            <p:cond delay="0"/>
+                                          </p:stCondLst>
+                                        </p:cTn>
+                                        <p:tgtEl>
+                                          <p:spTgt spid="5"/>
+                                        </p:tgtEl>
+                                        <p:attrNameLst>
+                                          <p:attrName>style.visibility</p:attrName>
+                                        </p:attrNameLst>
+                                      </p:cBhvr>
+                                      <p:to>
+                                        <p:strVal val="visible"/>
+                                      </p:to>
+                                    </p:set>
+                                    <p:animEffect transition="in" filter="randombar(horizontal)">
+                                      <p:cBhvr>
+                                        <p:cTn id="7" dur="500"/>
+                                        <p:tgtEl>
+                                          <p:spTgt spid="5"/>
+                                        </p:tgtEl>
+                                      </p:cBhvr>
+                                    </p:animEffect>
+                                  </p:childTnLst>
+                                </p:cTn>
+                              </p:par>
+                            </p:childTnLst>
+                          </p:cTn>
+                        </p:par>
+                      </p:childTnLst>
+                    </p:cTn>
+                  </p:par>
+                  <p:par>
+                    <p:cTn id="8" fill="hold">
+                      <p:stCondLst>
+                        <p:cond delay="indefinite"/>
+                      </p:stCondLst>
+                      <p:childTnLst>
+                        <p:par>
+                          <p:cTn id="9" fill="hold">
+                            <p:stCondLst>
+                              <p:cond delay="0"/>
+                            </p:stCondLst>
+                            <p:childTnLst>
+                              <p:par>
+                                <p:cTn id="10" presetID="42" presetClass="entr" presetSubtype="0" fill="hold" nodeType="clickEffect">
+                                  <p:stCondLst>
+                                    <p:cond delay="0"/>
+                                  </p:stCondLst>
+                                  <p:childTnLst>
+                                    <p:set>
+                                      <p:cBhvr>
+                                        <p:cTn id="11" dur="1" fill="hold">
+                                          <p:stCondLst>
+                                            <p:cond delay="0"/>
+                                          </p:stCondLst>
+                                        </p:cTn>
+                                        <p:tgtEl>
+                                          <p:spTgt spid="9"/>
+                                        </p:tgtEl>
+                                        <p:attrNameLst>
+                                          <p:attrName>style.visibility</p:attrName>
+                                        </p:attrNameLst>
+                                      </p:cBhvr>
+                                      <p:to>
+                                        <p:strVal val="visible"/>
+                                      </p:to>
+                                    </p:set>
+                                    <p:animEffect transition="in" filter="fade">
+                                      <p:cBhvr>
+                                        <p:cTn id="12" dur="1000"/>
+                                        <p:tgtEl>
+                                          <p:spTgt spid="9"/>
+                                        </p:tgtEl>
+                                      </p:cBhvr>
+                                    </p:animEffect>
+                                    <p:anim calcmode="lin" valueType="num">
+                                      <p:cBhvr>
+                                        <p:cTn id="13" dur="1000" fill="hold"/>
+                                        <p:tgtEl>
+                                          <p:spTgt spid="9"/>
+                                        </p:tgtEl>
+                                        <p:attrNameLst>
+                                          <p:attrName>ppt_x</p:attrName>
+                                        </p:attrNameLst>
+                                      </p:cBhvr>
+                                      <p:tavLst>
+                                        <p:tav tm="0">
+                                          <p:val>
+                                            <p:strVal val="#ppt_x"/>
+                                          </p:val>
+                                        </p:tav>
+                                        <p:tav tm="100000">
+                                          <p:val>
+                                            <p:strVal val="#ppt_x"/>
+                                          </p:val>
+                                        </p:tav>
+                                      </p:tavLst>
+                                    </p:anim>
+                                    <p:anim calcmode="lin" valueType="num">
+                                      <p:cBhvr>
+                                        <p:cTn id="14" dur="1000" fill="hold"/>
+                                        <p:tgtEl>
+                                          <p:spTgt spid="9"/>
+                                        </p:tgtEl>
+                                        <p:attrNameLst>
+                                          <p:attrName>ppt_y</p:attrName>
+                                        </p:attrNameLst>
+                                      </p:cBhvr>
+                                      <p:tavLst>
+                                        <p:tav tm="0">
+                                          <p:val>
+                                            <p:strVal val="#ppt_y+.1"/>
+                                          </p:val>
+                                        </p:tav>
+                                        <p:tav tm="100000">
+                                          <p:val>
+                                            <p:strVal val="#ppt_y"/>
+                                          </p:val>
+                                        </p:tav>
+                                      </p:tavLst>
+                                    </p:anim>
+                                  </p:childTnLst>
+                                </p:cTn>
+                              </p:par>
+                            </p:childTnLst>
+                          </p:cTn>
+                        </p:par>
+                      </p:childTnLst>
+                    </p:cTn>
+                  </p:par>
+                </p:childTnLst>
+              </p:cTn>
+              <p:prevCondLst>
+                <p:cond evt="onPrev" delay="0">
+                  <p:tgtEl>
+                    <p:sldTgt/>
+                  </p:tgtEl>
+                </p:cond>
+              </p:prevCondLst>
+              <p:nextCondLst>
+                <p:cond evt="onNext" delay="0">
+                  <p:tgtEl>
+                    <p:sldTgt/>
+                  </p:tgtEl>
+                </p:cond>
+              </p:nextCondLst>
+            </p:seq>
+          </p:childTnLst>
+        </p:cTn>
+      </p:par>
+    </p:tnLst>
+  </p:timing>
+</p:sld>
+</file>
+
+<file path=ppt/slides/slide7.xml><?xml version="1.0" encoding="utf-8"?>
 <p:sld xmlns:a="http://schemas.openxmlformats.org/drawingml/2006/main" xmlns:r="http://schemas.openxmlformats.org/officeDocument/2006/relationships" xmlns:p="http://schemas.openxmlformats.org/presentationml/2006/main">
   <p:cSld>
     <p:spTree>
@@ -12979,6 +15228,110 @@
               <a:rPr lang="en-IN" u="sng" dirty="0"/>
               <a:t>INITIALIZR WORKFLOW</a:t>
             </a:r>
+          </a:p>
+        </p:txBody>
+      </p:sp>
+      <p:sp>
+        <p:nvSpPr>
+          <p:cNvPr id="8" name="Date Placeholder 7">
+            <a:extLst>
+              <a:ext uri="{FF2B5EF4-FFF2-40B4-BE49-F238E27FC236}">
+                <a16:creationId xmlns:a16="http://schemas.microsoft.com/office/drawing/2014/main" id="{D19AC32C-7173-23ED-8201-0A4FBFD55F4C}"/>
+              </a:ext>
+            </a:extLst>
+          </p:cNvPr>
+          <p:cNvSpPr>
+            <a:spLocks noGrp="1"/>
+          </p:cNvSpPr>
+          <p:nvPr>
+            <p:ph type="dt" sz="half" idx="10"/>
+          </p:nvPr>
+        </p:nvSpPr>
+        <p:spPr/>
+        <p:txBody>
+          <a:bodyPr/>
+          <a:lstStyle/>
+          <a:p>
+            <a:r>
+              <a:rPr lang="en-US" dirty="0">
+                <a:solidFill>
+                  <a:schemeClr val="tx1"/>
+                </a:solidFill>
+              </a:rPr>
+              <a:t>28/09/2023</a:t>
+            </a:r>
+            <a:endParaRPr lang="en-IN" dirty="0">
+              <a:solidFill>
+                <a:schemeClr val="tx1"/>
+              </a:solidFill>
+            </a:endParaRPr>
+          </a:p>
+        </p:txBody>
+      </p:sp>
+      <p:sp>
+        <p:nvSpPr>
+          <p:cNvPr id="6" name="Footer Placeholder 5">
+            <a:extLst>
+              <a:ext uri="{FF2B5EF4-FFF2-40B4-BE49-F238E27FC236}">
+                <a16:creationId xmlns:a16="http://schemas.microsoft.com/office/drawing/2014/main" id="{5CD97B1A-1A2B-B42C-39E8-42A18212AE0A}"/>
+              </a:ext>
+            </a:extLst>
+          </p:cNvPr>
+          <p:cNvSpPr>
+            <a:spLocks noGrp="1"/>
+          </p:cNvSpPr>
+          <p:nvPr>
+            <p:ph type="ftr" sz="quarter" idx="11"/>
+          </p:nvPr>
+        </p:nvSpPr>
+        <p:spPr/>
+        <p:txBody>
+          <a:bodyPr/>
+          <a:lstStyle/>
+          <a:p>
+            <a:r>
+              <a:rPr lang="en-IN"/>
+              <a:t>TSE Custom Initializr</a:t>
+            </a:r>
+            <a:endParaRPr lang="en-IN" dirty="0"/>
+          </a:p>
+        </p:txBody>
+      </p:sp>
+      <p:sp>
+        <p:nvSpPr>
+          <p:cNvPr id="5" name="Slide Number Placeholder 4">
+            <a:extLst>
+              <a:ext uri="{FF2B5EF4-FFF2-40B4-BE49-F238E27FC236}">
+                <a16:creationId xmlns:a16="http://schemas.microsoft.com/office/drawing/2014/main" id="{839A5953-9D43-3BFA-C793-01B8227DCCAF}"/>
+              </a:ext>
+            </a:extLst>
+          </p:cNvPr>
+          <p:cNvSpPr>
+            <a:spLocks noGrp="1"/>
+          </p:cNvSpPr>
+          <p:nvPr>
+            <p:ph type="sldNum" sz="quarter" idx="12"/>
+          </p:nvPr>
+        </p:nvSpPr>
+        <p:spPr/>
+        <p:txBody>
+          <a:bodyPr/>
+          <a:lstStyle/>
+          <a:p>
+            <a:pPr marL="0" lvl="0" indent="0" algn="r" rtl="0">
+              <a:spcBef>
+                <a:spcPts val="0"/>
+              </a:spcBef>
+              <a:spcAft>
+                <a:spcPts val="0"/>
+              </a:spcAft>
+              <a:buNone/>
+            </a:pPr>
+            <a:fld id="{00000000-1234-1234-1234-123412341234}" type="slidenum">
+              <a:rPr lang="en-GB" smtClean="0"/>
+              <a:t>7</a:t>
+            </a:fld>
+            <a:endParaRPr lang="en-GB" dirty="0"/>
           </a:p>
         </p:txBody>
       </p:sp>
@@ -13046,44 +15399,6 @@
           </a:prstGeom>
         </p:spPr>
       </p:pic>
-      <p:sp>
-        <p:nvSpPr>
-          <p:cNvPr id="5" name="Slide Number Placeholder 4">
-            <a:extLst>
-              <a:ext uri="{FF2B5EF4-FFF2-40B4-BE49-F238E27FC236}">
-                <a16:creationId xmlns:a16="http://schemas.microsoft.com/office/drawing/2014/main" id="{839A5953-9D43-3BFA-C793-01B8227DCCAF}"/>
-              </a:ext>
-            </a:extLst>
-          </p:cNvPr>
-          <p:cNvSpPr>
-            <a:spLocks noGrp="1"/>
-          </p:cNvSpPr>
-          <p:nvPr>
-            <p:ph type="sldNum" sz="quarter" idx="12"/>
-          </p:nvPr>
-        </p:nvSpPr>
-        <p:spPr/>
-        <p:txBody>
-          <a:bodyPr/>
-          <a:lstStyle/>
-          <a:p>
-            <a:pPr marL="0" lvl="0" indent="0" algn="r" rtl="0">
-              <a:spcBef>
-                <a:spcPts val="0"/>
-              </a:spcBef>
-              <a:spcAft>
-                <a:spcPts val="0"/>
-              </a:spcAft>
-              <a:buNone/>
-            </a:pPr>
-            <a:fld id="{00000000-1234-1234-1234-123412341234}" type="slidenum">
-              <a:rPr lang="en-GB" smtClean="0"/>
-              <a:t>6</a:t>
-            </a:fld>
-            <a:endParaRPr lang="en-GB" dirty="0"/>
-          </a:p>
-        </p:txBody>
-      </p:sp>
     </p:spTree>
     <p:extLst>
       <p:ext uri="{BB962C8B-B14F-4D97-AF65-F5344CB8AC3E}">
@@ -13363,7 +15678,7 @@
 </p:sld>
 </file>
 
-<file path=ppt/slides/slide7.xml><?xml version="1.0" encoding="utf-8"?>
+<file path=ppt/slides/slide8.xml><?xml version="1.0" encoding="utf-8"?>
 <p:sld xmlns:a="http://schemas.openxmlformats.org/drawingml/2006/main" xmlns:r="http://schemas.openxmlformats.org/officeDocument/2006/relationships" xmlns:p="http://schemas.openxmlformats.org/presentationml/2006/main" showMasterSp="0">
   <p:cSld>
     <p:bg>
@@ -13432,6 +15747,44 @@
               </a:rPr>
               <a:t>:</a:t>
             </a:r>
+          </a:p>
+        </p:txBody>
+      </p:sp>
+      <p:sp>
+        <p:nvSpPr>
+          <p:cNvPr id="6" name="Slide Number Placeholder 5">
+            <a:extLst>
+              <a:ext uri="{FF2B5EF4-FFF2-40B4-BE49-F238E27FC236}">
+                <a16:creationId xmlns:a16="http://schemas.microsoft.com/office/drawing/2014/main" id="{3657B8B4-78F2-EAD1-B757-0B53B07E895C}"/>
+              </a:ext>
+            </a:extLst>
+          </p:cNvPr>
+          <p:cNvSpPr>
+            <a:spLocks noGrp="1"/>
+          </p:cNvSpPr>
+          <p:nvPr>
+            <p:ph type="sldNum" sz="quarter" idx="12"/>
+          </p:nvPr>
+        </p:nvSpPr>
+        <p:spPr/>
+        <p:txBody>
+          <a:bodyPr/>
+          <a:lstStyle/>
+          <a:p>
+            <a:pPr marL="0" lvl="0" indent="0" algn="r" rtl="0">
+              <a:spcBef>
+                <a:spcPts val="0"/>
+              </a:spcBef>
+              <a:spcAft>
+                <a:spcPts val="0"/>
+              </a:spcAft>
+              <a:buNone/>
+            </a:pPr>
+            <a:fld id="{00000000-1234-1234-1234-123412341234}" type="slidenum">
+              <a:rPr lang="en-GB" smtClean="0"/>
+              <a:t>8</a:t>
+            </a:fld>
+            <a:endParaRPr lang="en-GB" dirty="0"/>
           </a:p>
         </p:txBody>
       </p:sp>
@@ -13746,44 +16099,6 @@
           </a:fontRef>
         </p:style>
       </p:cxnSp>
-      <p:sp>
-        <p:nvSpPr>
-          <p:cNvPr id="6" name="Slide Number Placeholder 5">
-            <a:extLst>
-              <a:ext uri="{FF2B5EF4-FFF2-40B4-BE49-F238E27FC236}">
-                <a16:creationId xmlns:a16="http://schemas.microsoft.com/office/drawing/2014/main" id="{3657B8B4-78F2-EAD1-B757-0B53B07E895C}"/>
-              </a:ext>
-            </a:extLst>
-          </p:cNvPr>
-          <p:cNvSpPr>
-            <a:spLocks noGrp="1"/>
-          </p:cNvSpPr>
-          <p:nvPr>
-            <p:ph type="sldNum" sz="quarter" idx="12"/>
-          </p:nvPr>
-        </p:nvSpPr>
-        <p:spPr/>
-        <p:txBody>
-          <a:bodyPr/>
-          <a:lstStyle/>
-          <a:p>
-            <a:pPr marL="0" lvl="0" indent="0" algn="r" rtl="0">
-              <a:spcBef>
-                <a:spcPts val="0"/>
-              </a:spcBef>
-              <a:spcAft>
-                <a:spcPts val="0"/>
-              </a:spcAft>
-              <a:buNone/>
-            </a:pPr>
-            <a:fld id="{00000000-1234-1234-1234-123412341234}" type="slidenum">
-              <a:rPr lang="en-GB" smtClean="0"/>
-              <a:t>7</a:t>
-            </a:fld>
-            <a:endParaRPr lang="en-GB" dirty="0"/>
-          </a:p>
-        </p:txBody>
-      </p:sp>
       <p:pic>
         <p:nvPicPr>
           <p:cNvPr id="12" name="Picture 11" descr="A stack of books with a buckle&#10;&#10;Description automatically generated">
@@ -14404,7 +16719,7 @@
 </p:sld>
 </file>
 
-<file path=ppt/slides/slide8.xml><?xml version="1.0" encoding="utf-8"?>
+<file path=ppt/slides/slide9.xml><?xml version="1.0" encoding="utf-8"?>
 <p:sld xmlns:a="http://schemas.openxmlformats.org/drawingml/2006/main" xmlns:r="http://schemas.openxmlformats.org/officeDocument/2006/relationships" xmlns:p="http://schemas.openxmlformats.org/presentationml/2006/main">
   <p:cSld>
     <p:spTree>
@@ -14473,6 +16788,72 @@
       </p:sp>
       <p:sp>
         <p:nvSpPr>
+          <p:cNvPr id="5" name="Date Placeholder 4">
+            <a:extLst>
+              <a:ext uri="{FF2B5EF4-FFF2-40B4-BE49-F238E27FC236}">
+                <a16:creationId xmlns:a16="http://schemas.microsoft.com/office/drawing/2014/main" id="{7F2FB737-AB65-B674-678A-05AB283172C4}"/>
+              </a:ext>
+            </a:extLst>
+          </p:cNvPr>
+          <p:cNvSpPr>
+            <a:spLocks noGrp="1"/>
+          </p:cNvSpPr>
+          <p:nvPr>
+            <p:ph type="dt" sz="half" idx="10"/>
+          </p:nvPr>
+        </p:nvSpPr>
+        <p:spPr/>
+        <p:txBody>
+          <a:bodyPr/>
+          <a:lstStyle/>
+          <a:p>
+            <a:r>
+              <a:rPr lang="en-US" b="1" dirty="0">
+                <a:solidFill>
+                  <a:schemeClr val="tx1"/>
+                </a:solidFill>
+              </a:rPr>
+              <a:t>28/09/2023</a:t>
+            </a:r>
+            <a:endParaRPr lang="en-IN" b="1" dirty="0">
+              <a:solidFill>
+                <a:schemeClr val="tx1"/>
+              </a:solidFill>
+            </a:endParaRPr>
+          </a:p>
+        </p:txBody>
+      </p:sp>
+      <p:sp>
+        <p:nvSpPr>
+          <p:cNvPr id="3" name="Footer Placeholder 2">
+            <a:extLst>
+              <a:ext uri="{FF2B5EF4-FFF2-40B4-BE49-F238E27FC236}">
+                <a16:creationId xmlns:a16="http://schemas.microsoft.com/office/drawing/2014/main" id="{5F08DD9A-DCA6-23E3-52C7-D0B2BDB0F05D}"/>
+              </a:ext>
+            </a:extLst>
+          </p:cNvPr>
+          <p:cNvSpPr>
+            <a:spLocks noGrp="1"/>
+          </p:cNvSpPr>
+          <p:nvPr>
+            <p:ph type="ftr" sz="quarter" idx="11"/>
+          </p:nvPr>
+        </p:nvSpPr>
+        <p:spPr/>
+        <p:txBody>
+          <a:bodyPr/>
+          <a:lstStyle/>
+          <a:p>
+            <a:r>
+              <a:rPr lang="en-IN"/>
+              <a:t>TSE Custom Initializr</a:t>
+            </a:r>
+            <a:endParaRPr lang="en-IN" dirty="0"/>
+          </a:p>
+        </p:txBody>
+      </p:sp>
+      <p:sp>
+        <p:nvSpPr>
           <p:cNvPr id="2" name="Slide Number Placeholder 1">
             <a:extLst>
               <a:ext uri="{FF2B5EF4-FFF2-40B4-BE49-F238E27FC236}">
@@ -14503,7 +16884,7 @@
             </a:pPr>
             <a:fld id="{00000000-1234-1234-1234-123412341234}" type="slidenum">
               <a:rPr lang="en-GB" smtClean="0"/>
-              <a:t>8</a:t>
+              <a:t>9</a:t>
             </a:fld>
             <a:endParaRPr lang="en-GB" dirty="0"/>
           </a:p>
@@ -14649,350 +17030,10 @@
 </p:sld>
 </file>
 
-<file path=ppt/slides/slide9.xml><?xml version="1.0" encoding="utf-8"?>
-<p:sld xmlns:a="http://schemas.openxmlformats.org/drawingml/2006/main" xmlns:r="http://schemas.openxmlformats.org/officeDocument/2006/relationships" xmlns:p="http://schemas.openxmlformats.org/presentationml/2006/main">
-  <p:cSld>
-    <p:spTree>
-      <p:nvGrpSpPr>
-        <p:cNvPr id="1" name=""/>
-        <p:cNvGrpSpPr/>
-        <p:nvPr/>
-      </p:nvGrpSpPr>
-      <p:grpSpPr>
-        <a:xfrm>
-          <a:off x="0" y="0"/>
-          <a:ext cx="0" cy="0"/>
-          <a:chOff x="0" y="0"/>
-          <a:chExt cx="0" cy="0"/>
-        </a:xfrm>
-      </p:grpSpPr>
-      <p:sp>
-        <p:nvSpPr>
-          <p:cNvPr id="2" name="Title 1">
-            <a:extLst>
-              <a:ext uri="{FF2B5EF4-FFF2-40B4-BE49-F238E27FC236}">
-                <a16:creationId xmlns:a16="http://schemas.microsoft.com/office/drawing/2014/main" id="{4CDD129E-D823-0842-F8B7-18BE1884DD4D}"/>
-              </a:ext>
-            </a:extLst>
-          </p:cNvPr>
-          <p:cNvSpPr>
-            <a:spLocks noGrp="1"/>
-          </p:cNvSpPr>
-          <p:nvPr>
-            <p:ph type="title"/>
-          </p:nvPr>
-        </p:nvSpPr>
-        <p:spPr>
-          <a:xfrm>
-            <a:off x="508001" y="457200"/>
-            <a:ext cx="6447501" cy="522514"/>
-          </a:xfrm>
-        </p:spPr>
-        <p:txBody>
-          <a:bodyPr/>
-          <a:lstStyle/>
-          <a:p>
-            <a:r>
-              <a:rPr lang="en-IN" u="sng" dirty="0"/>
-              <a:t>SUMMARY</a:t>
-            </a:r>
-            <a:endParaRPr lang="en-IN" dirty="0"/>
-          </a:p>
-        </p:txBody>
-      </p:sp>
-      <p:sp>
-        <p:nvSpPr>
-          <p:cNvPr id="3" name="Content Placeholder 2">
-            <a:extLst>
-              <a:ext uri="{FF2B5EF4-FFF2-40B4-BE49-F238E27FC236}">
-                <a16:creationId xmlns:a16="http://schemas.microsoft.com/office/drawing/2014/main" id="{18B0BBAB-3798-88AF-04A0-FA8BC722B5B0}"/>
-              </a:ext>
-            </a:extLst>
-          </p:cNvPr>
-          <p:cNvSpPr>
-            <a:spLocks noGrp="1"/>
-          </p:cNvSpPr>
-          <p:nvPr>
-            <p:ph idx="1"/>
-          </p:nvPr>
-        </p:nvSpPr>
-        <p:spPr>
-          <a:xfrm>
-            <a:off x="508001" y="1270181"/>
-            <a:ext cx="6447501" cy="2910580"/>
-          </a:xfrm>
-        </p:spPr>
-        <p:txBody>
-          <a:bodyPr>
-            <a:normAutofit/>
-          </a:bodyPr>
-          <a:lstStyle/>
-          <a:p>
-            <a:pPr marL="0" indent="0">
-              <a:buNone/>
-            </a:pPr>
-            <a:r>
-              <a:rPr lang="en-US" dirty="0"/>
-              <a:t>Custom Spring Initializr enables developers to quickly bootstrap and tailor their Spring-based projects. It provides a web-based interface for generating project templates with the specific dependencies, features, and settings you need. By customizing your project's metadata, you can streamline your development process, enforce coding standards, and maintain consistency across your organization's projects.</a:t>
-            </a:r>
-          </a:p>
-          <a:p>
-            <a:pPr marL="0" indent="0">
-              <a:buNone/>
-            </a:pPr>
-            <a:endParaRPr lang="en-US" dirty="0"/>
-          </a:p>
-        </p:txBody>
-      </p:sp>
-      <p:sp>
-        <p:nvSpPr>
-          <p:cNvPr id="4" name="Slide Number Placeholder 3">
-            <a:extLst>
-              <a:ext uri="{FF2B5EF4-FFF2-40B4-BE49-F238E27FC236}">
-                <a16:creationId xmlns:a16="http://schemas.microsoft.com/office/drawing/2014/main" id="{1361F35E-350D-E613-C6D9-5B3E927A055C}"/>
-              </a:ext>
-            </a:extLst>
-          </p:cNvPr>
-          <p:cNvSpPr>
-            <a:spLocks noGrp="1"/>
-          </p:cNvSpPr>
-          <p:nvPr>
-            <p:ph type="sldNum" sz="quarter" idx="12"/>
-          </p:nvPr>
-        </p:nvSpPr>
-        <p:spPr/>
-        <p:txBody>
-          <a:bodyPr/>
-          <a:lstStyle/>
-          <a:p>
-            <a:pPr marL="0" lvl="0" indent="0" algn="r" rtl="0">
-              <a:spcBef>
-                <a:spcPts val="0"/>
-              </a:spcBef>
-              <a:spcAft>
-                <a:spcPts val="0"/>
-              </a:spcAft>
-              <a:buNone/>
-            </a:pPr>
-            <a:fld id="{00000000-1234-1234-1234-123412341234}" type="slidenum">
-              <a:rPr lang="en-GB" smtClean="0"/>
-              <a:t>9</a:t>
-            </a:fld>
-            <a:endParaRPr lang="en-GB" dirty="0"/>
-          </a:p>
-        </p:txBody>
-      </p:sp>
-    </p:spTree>
-    <p:extLst>
-      <p:ext uri="{BB962C8B-B14F-4D97-AF65-F5344CB8AC3E}">
-        <p14:creationId xmlns:p14="http://schemas.microsoft.com/office/powerpoint/2010/main" val="2437164874"/>
-      </p:ext>
-    </p:extLst>
-  </p:cSld>
-  <p:clrMapOvr>
-    <a:masterClrMapping/>
-  </p:clrMapOvr>
-  <p:timing>
-    <p:tnLst>
-      <p:par>
-        <p:cTn id="1" dur="indefinite" restart="never" nodeType="tmRoot">
-          <p:childTnLst>
-            <p:seq concurrent="1" nextAc="seek">
-              <p:cTn id="2" dur="indefinite" nodeType="mainSeq">
-                <p:childTnLst>
-                  <p:par>
-                    <p:cTn id="3" fill="hold">
-                      <p:stCondLst>
-                        <p:cond delay="indefinite"/>
-                      </p:stCondLst>
-                      <p:childTnLst>
-                        <p:par>
-                          <p:cTn id="4" fill="hold">
-                            <p:stCondLst>
-                              <p:cond delay="0"/>
-                            </p:stCondLst>
-                            <p:childTnLst>
-                              <p:par>
-                                <p:cTn id="5" presetID="42" presetClass="entr" presetSubtype="0" fill="hold" grpId="0" nodeType="clickEffect">
-                                  <p:stCondLst>
-                                    <p:cond delay="0"/>
-                                  </p:stCondLst>
-                                  <p:childTnLst>
-                                    <p:set>
-                                      <p:cBhvr>
-                                        <p:cTn id="6" dur="1" fill="hold">
-                                          <p:stCondLst>
-                                            <p:cond delay="0"/>
-                                          </p:stCondLst>
-                                        </p:cTn>
-                                        <p:tgtEl>
-                                          <p:spTgt spid="2"/>
-                                        </p:tgtEl>
-                                        <p:attrNameLst>
-                                          <p:attrName>style.visibility</p:attrName>
-                                        </p:attrNameLst>
-                                      </p:cBhvr>
-                                      <p:to>
-                                        <p:strVal val="visible"/>
-                                      </p:to>
-                                    </p:set>
-                                    <p:animEffect transition="in" filter="fade">
-                                      <p:cBhvr>
-                                        <p:cTn id="7" dur="1000"/>
-                                        <p:tgtEl>
-                                          <p:spTgt spid="2"/>
-                                        </p:tgtEl>
-                                      </p:cBhvr>
-                                    </p:animEffect>
-                                    <p:anim calcmode="lin" valueType="num">
-                                      <p:cBhvr>
-                                        <p:cTn id="8" dur="1000" fill="hold"/>
-                                        <p:tgtEl>
-                                          <p:spTgt spid="2"/>
-                                        </p:tgtEl>
-                                        <p:attrNameLst>
-                                          <p:attrName>ppt_x</p:attrName>
-                                        </p:attrNameLst>
-                                      </p:cBhvr>
-                                      <p:tavLst>
-                                        <p:tav tm="0">
-                                          <p:val>
-                                            <p:strVal val="#ppt_x"/>
-                                          </p:val>
-                                        </p:tav>
-                                        <p:tav tm="100000">
-                                          <p:val>
-                                            <p:strVal val="#ppt_x"/>
-                                          </p:val>
-                                        </p:tav>
-                                      </p:tavLst>
-                                    </p:anim>
-                                    <p:anim calcmode="lin" valueType="num">
-                                      <p:cBhvr>
-                                        <p:cTn id="9" dur="1000" fill="hold"/>
-                                        <p:tgtEl>
-                                          <p:spTgt spid="2"/>
-                                        </p:tgtEl>
-                                        <p:attrNameLst>
-                                          <p:attrName>ppt_y</p:attrName>
-                                        </p:attrNameLst>
-                                      </p:cBhvr>
-                                      <p:tavLst>
-                                        <p:tav tm="0">
-                                          <p:val>
-                                            <p:strVal val="#ppt_y+.1"/>
-                                          </p:val>
-                                        </p:tav>
-                                        <p:tav tm="100000">
-                                          <p:val>
-                                            <p:strVal val="#ppt_y"/>
-                                          </p:val>
-                                        </p:tav>
-                                      </p:tavLst>
-                                    </p:anim>
-                                  </p:childTnLst>
-                                </p:cTn>
-                              </p:par>
-                            </p:childTnLst>
-                          </p:cTn>
-                        </p:par>
-                      </p:childTnLst>
-                    </p:cTn>
-                  </p:par>
-                  <p:par>
-                    <p:cTn id="10" fill="hold">
-                      <p:stCondLst>
-                        <p:cond delay="indefinite"/>
-                      </p:stCondLst>
-                      <p:childTnLst>
-                        <p:par>
-                          <p:cTn id="11" fill="hold">
-                            <p:stCondLst>
-                              <p:cond delay="0"/>
-                            </p:stCondLst>
-                            <p:childTnLst>
-                              <p:par>
-                                <p:cTn id="12" presetID="14" presetClass="entr" presetSubtype="10" fill="hold" grpId="0" nodeType="clickEffect">
-                                  <p:stCondLst>
-                                    <p:cond delay="0"/>
-                                  </p:stCondLst>
-                                  <p:childTnLst>
-                                    <p:set>
-                                      <p:cBhvr>
-                                        <p:cTn id="13" dur="1" fill="hold">
-                                          <p:stCondLst>
-                                            <p:cond delay="0"/>
-                                          </p:stCondLst>
-                                        </p:cTn>
-                                        <p:tgtEl>
-                                          <p:spTgt spid="3">
-                                            <p:txEl>
-                                              <p:pRg st="0" end="0"/>
-                                            </p:txEl>
-                                          </p:spTgt>
-                                        </p:tgtEl>
-                                        <p:attrNameLst>
-                                          <p:attrName>style.visibility</p:attrName>
-                                        </p:attrNameLst>
-                                      </p:cBhvr>
-                                      <p:to>
-                                        <p:strVal val="visible"/>
-                                      </p:to>
-                                    </p:set>
-                                    <p:animEffect transition="in" filter="randombar(horizontal)">
-                                      <p:cBhvr>
-                                        <p:cTn id="14" dur="500"/>
-                                        <p:tgtEl>
-                                          <p:spTgt spid="3">
-                                            <p:txEl>
-                                              <p:pRg st="0" end="0"/>
-                                            </p:txEl>
-                                          </p:spTgt>
-                                        </p:tgtEl>
-                                      </p:cBhvr>
-                                    </p:animEffect>
-                                  </p:childTnLst>
-                                </p:cTn>
-                              </p:par>
-                            </p:childTnLst>
-                          </p:cTn>
-                        </p:par>
-                      </p:childTnLst>
-                    </p:cTn>
-                  </p:par>
-                </p:childTnLst>
-              </p:cTn>
-              <p:prevCondLst>
-                <p:cond evt="onPrev" delay="0">
-                  <p:tgtEl>
-                    <p:sldTgt/>
-                  </p:tgtEl>
-                </p:cond>
-              </p:prevCondLst>
-              <p:nextCondLst>
-                <p:cond evt="onNext" delay="0">
-                  <p:tgtEl>
-                    <p:sldTgt/>
-                  </p:tgtEl>
-                </p:cond>
-              </p:nextCondLst>
-            </p:seq>
-          </p:childTnLst>
-        </p:cTn>
-      </p:par>
-    </p:tnLst>
-    <p:bldLst>
-      <p:bldP spid="2" grpId="0"/>
-      <p:bldP spid="3" grpId="0" build="p"/>
-    </p:bldLst>
-  </p:timing>
-</p:sld>
-</file>
-
 <file path=ppt/theme/theme1.xml><?xml version="1.0" encoding="utf-8"?>
 <a:theme xmlns:a="http://schemas.openxmlformats.org/drawingml/2006/main" name="Facet">
   <a:themeElements>
-    <a:clrScheme name="Green">
+    <a:clrScheme name="Facet">
       <a:dk1>
         <a:sysClr val="windowText" lastClr="000000"/>
       </a:dk1>
@@ -15000,34 +17041,34 @@
         <a:sysClr val="window" lastClr="FFFFFF"/>
       </a:lt1>
       <a:dk2>
-        <a:srgbClr val="455F51"/>
+        <a:srgbClr val="2C3C43"/>
       </a:dk2>
       <a:lt2>
-        <a:srgbClr val="E3DED1"/>
+        <a:srgbClr val="EBEBEB"/>
       </a:lt2>
       <a:accent1>
-        <a:srgbClr val="549E39"/>
+        <a:srgbClr val="90C226"/>
       </a:accent1>
       <a:accent2>
-        <a:srgbClr val="8AB833"/>
+        <a:srgbClr val="54A021"/>
       </a:accent2>
       <a:accent3>
-        <a:srgbClr val="C0CF3A"/>
+        <a:srgbClr val="E6B91E"/>
       </a:accent3>
       <a:accent4>
-        <a:srgbClr val="029676"/>
+        <a:srgbClr val="E76618"/>
       </a:accent4>
       <a:accent5>
-        <a:srgbClr val="4AB5C4"/>
+        <a:srgbClr val="C42F1A"/>
       </a:accent5>
       <a:accent6>
-        <a:srgbClr val="0989B1"/>
+        <a:srgbClr val="918655"/>
       </a:accent6>
       <a:hlink>
-        <a:srgbClr val="6B9F25"/>
+        <a:srgbClr val="99CA3C"/>
       </a:hlink>
       <a:folHlink>
-        <a:srgbClr val="BA6906"/>
+        <a:srgbClr val="B9D181"/>
       </a:folHlink>
     </a:clrScheme>
     <a:fontScheme name="Facet">

--- a/CaseStudy-04.pptx
+++ b/CaseStudy-04.pptx
@@ -5,25 +5,23 @@
     <p:sldMasterId id="2147483815" r:id="rId1"/>
   </p:sldMasterIdLst>
   <p:notesMasterIdLst>
-    <p:notesMasterId r:id="rId15"/>
+    <p:notesMasterId r:id="rId13"/>
   </p:notesMasterIdLst>
   <p:handoutMasterIdLst>
-    <p:handoutMasterId r:id="rId16"/>
+    <p:handoutMasterId r:id="rId14"/>
   </p:handoutMasterIdLst>
   <p:sldIdLst>
     <p:sldId id="274" r:id="rId2"/>
     <p:sldId id="275" r:id="rId3"/>
     <p:sldId id="283" r:id="rId4"/>
-    <p:sldId id="276" r:id="rId5"/>
-    <p:sldId id="278" r:id="rId6"/>
-    <p:sldId id="285" r:id="rId7"/>
-    <p:sldId id="279" r:id="rId8"/>
-    <p:sldId id="282" r:id="rId9"/>
-    <p:sldId id="270" r:id="rId10"/>
-    <p:sldId id="280" r:id="rId11"/>
-    <p:sldId id="284" r:id="rId12"/>
-    <p:sldId id="281" r:id="rId13"/>
-    <p:sldId id="273" r:id="rId14"/>
+    <p:sldId id="285" r:id="rId5"/>
+    <p:sldId id="279" r:id="rId6"/>
+    <p:sldId id="282" r:id="rId7"/>
+    <p:sldId id="270" r:id="rId8"/>
+    <p:sldId id="280" r:id="rId9"/>
+    <p:sldId id="284" r:id="rId10"/>
+    <p:sldId id="281" r:id="rId11"/>
+    <p:sldId id="273" r:id="rId12"/>
   </p:sldIdLst>
   <p:sldSz cx="9144000" cy="5143500" type="screen16x9"/>
   <p:notesSz cx="6858000" cy="9144000"/>
@@ -235,7 +233,7 @@
           <a:p>
             <a:fld id="{91A95F2C-9A4B-496A-9918-2230DC420C2D}" type="datetimeFigureOut">
               <a:rPr lang="en-IN" smtClean="0"/>
-              <a:t>27-09-2023</a:t>
+              <a:t>28-09-2023</a:t>
             </a:fld>
             <a:endParaRPr lang="en-IN" dirty="0"/>
           </a:p>
@@ -7151,39 +7149,6 @@
       </p:sp>
       <p:sp>
         <p:nvSpPr>
-          <p:cNvPr id="7" name="Footer Placeholder 6">
-            <a:extLst>
-              <a:ext uri="{FF2B5EF4-FFF2-40B4-BE49-F238E27FC236}">
-                <a16:creationId xmlns:a16="http://schemas.microsoft.com/office/drawing/2014/main" id="{B63AA84C-46C4-15CB-9A5D-F3FF0960EF87}"/>
-              </a:ext>
-            </a:extLst>
-          </p:cNvPr>
-          <p:cNvSpPr>
-            <a:spLocks noGrp="1"/>
-          </p:cNvSpPr>
-          <p:nvPr>
-            <p:ph type="ftr" sz="quarter" idx="11"/>
-          </p:nvPr>
-        </p:nvSpPr>
-        <p:spPr/>
-        <p:txBody>
-          <a:bodyPr/>
-          <a:lstStyle/>
-          <a:p>
-            <a:r>
-              <a:rPr lang="en-IN" dirty="0"/>
-              <a:t>TSE Custom </a:t>
-            </a:r>
-            <a:r>
-              <a:rPr lang="en-IN" dirty="0" err="1"/>
-              <a:t>Initializr</a:t>
-            </a:r>
-            <a:endParaRPr lang="en-IN" dirty="0"/>
-          </a:p>
-        </p:txBody>
-      </p:sp>
-      <p:sp>
-        <p:nvSpPr>
           <p:cNvPr id="4" name="Slide Number Placeholder 3">
             <a:extLst>
               <a:ext uri="{FF2B5EF4-FFF2-40B4-BE49-F238E27FC236}">
@@ -7766,1042 +7731,6 @@
           <p:cNvPr id="2" name="Title 1">
             <a:extLst>
               <a:ext uri="{FF2B5EF4-FFF2-40B4-BE49-F238E27FC236}">
-                <a16:creationId xmlns:a16="http://schemas.microsoft.com/office/drawing/2014/main" id="{4CDD129E-D823-0842-F8B7-18BE1884DD4D}"/>
-              </a:ext>
-            </a:extLst>
-          </p:cNvPr>
-          <p:cNvSpPr>
-            <a:spLocks noGrp="1"/>
-          </p:cNvSpPr>
-          <p:nvPr>
-            <p:ph type="title"/>
-          </p:nvPr>
-        </p:nvSpPr>
-        <p:spPr>
-          <a:xfrm>
-            <a:off x="508001" y="457200"/>
-            <a:ext cx="6447501" cy="522514"/>
-          </a:xfrm>
-        </p:spPr>
-        <p:txBody>
-          <a:bodyPr>
-            <a:normAutofit/>
-          </a:bodyPr>
-          <a:lstStyle/>
-          <a:p>
-            <a:r>
-              <a:rPr lang="en-IN" u="sng" dirty="0"/>
-              <a:t>SUMMARY</a:t>
-            </a:r>
-            <a:endParaRPr lang="en-IN" dirty="0"/>
-          </a:p>
-        </p:txBody>
-      </p:sp>
-      <p:sp>
-        <p:nvSpPr>
-          <p:cNvPr id="3" name="Content Placeholder 2">
-            <a:extLst>
-              <a:ext uri="{FF2B5EF4-FFF2-40B4-BE49-F238E27FC236}">
-                <a16:creationId xmlns:a16="http://schemas.microsoft.com/office/drawing/2014/main" id="{18B0BBAB-3798-88AF-04A0-FA8BC722B5B0}"/>
-              </a:ext>
-            </a:extLst>
-          </p:cNvPr>
-          <p:cNvSpPr>
-            <a:spLocks noGrp="1"/>
-          </p:cNvSpPr>
-          <p:nvPr>
-            <p:ph idx="1"/>
-          </p:nvPr>
-        </p:nvSpPr>
-        <p:spPr>
-          <a:xfrm>
-            <a:off x="508001" y="1270181"/>
-            <a:ext cx="6447501" cy="2910580"/>
-          </a:xfrm>
-        </p:spPr>
-        <p:txBody>
-          <a:bodyPr>
-            <a:normAutofit/>
-          </a:bodyPr>
-          <a:lstStyle/>
-          <a:p>
-            <a:pPr marL="0" indent="0">
-              <a:buNone/>
-            </a:pPr>
-            <a:r>
-              <a:rPr lang="en-US" dirty="0"/>
-              <a:t>Custom Spring Initializr enables developers to quickly bootstrap and tailor their Spring-based projects. It provides a web-based interface for generating project templates with the specific dependencies, features, and settings you need. By customizing your project's metadata, you can streamline your development process, enforce coding standards, and maintain consistency across your organization's projects.</a:t>
-            </a:r>
-          </a:p>
-          <a:p>
-            <a:pPr marL="0" indent="0">
-              <a:buNone/>
-            </a:pPr>
-            <a:endParaRPr lang="en-US" dirty="0"/>
-          </a:p>
-        </p:txBody>
-      </p:sp>
-      <p:sp>
-        <p:nvSpPr>
-          <p:cNvPr id="7" name="Date Placeholder 6">
-            <a:extLst>
-              <a:ext uri="{FF2B5EF4-FFF2-40B4-BE49-F238E27FC236}">
-                <a16:creationId xmlns:a16="http://schemas.microsoft.com/office/drawing/2014/main" id="{DFACD09A-F669-5CEE-F3CF-4ACAC518E9B2}"/>
-              </a:ext>
-            </a:extLst>
-          </p:cNvPr>
-          <p:cNvSpPr>
-            <a:spLocks noGrp="1"/>
-          </p:cNvSpPr>
-          <p:nvPr>
-            <p:ph type="dt" sz="half" idx="10"/>
-          </p:nvPr>
-        </p:nvSpPr>
-        <p:spPr/>
-        <p:txBody>
-          <a:bodyPr/>
-          <a:lstStyle/>
-          <a:p>
-            <a:r>
-              <a:rPr lang="en-US" b="1" dirty="0">
-                <a:solidFill>
-                  <a:schemeClr val="tx1"/>
-                </a:solidFill>
-              </a:rPr>
-              <a:t>28/09/2023</a:t>
-            </a:r>
-            <a:endParaRPr lang="en-IN" b="1" dirty="0">
-              <a:solidFill>
-                <a:schemeClr val="tx1"/>
-              </a:solidFill>
-            </a:endParaRPr>
-          </a:p>
-        </p:txBody>
-      </p:sp>
-      <p:sp>
-        <p:nvSpPr>
-          <p:cNvPr id="5" name="Footer Placeholder 4">
-            <a:extLst>
-              <a:ext uri="{FF2B5EF4-FFF2-40B4-BE49-F238E27FC236}">
-                <a16:creationId xmlns:a16="http://schemas.microsoft.com/office/drawing/2014/main" id="{26B41240-F50F-0B47-3AFE-EE95AC8D0206}"/>
-              </a:ext>
-            </a:extLst>
-          </p:cNvPr>
-          <p:cNvSpPr>
-            <a:spLocks noGrp="1"/>
-          </p:cNvSpPr>
-          <p:nvPr>
-            <p:ph type="ftr" sz="quarter" idx="11"/>
-          </p:nvPr>
-        </p:nvSpPr>
-        <p:spPr/>
-        <p:txBody>
-          <a:bodyPr/>
-          <a:lstStyle/>
-          <a:p>
-            <a:r>
-              <a:rPr lang="en-IN"/>
-              <a:t>TSE Custom Initializr</a:t>
-            </a:r>
-            <a:endParaRPr lang="en-IN" dirty="0"/>
-          </a:p>
-        </p:txBody>
-      </p:sp>
-      <p:sp>
-        <p:nvSpPr>
-          <p:cNvPr id="4" name="Slide Number Placeholder 3">
-            <a:extLst>
-              <a:ext uri="{FF2B5EF4-FFF2-40B4-BE49-F238E27FC236}">
-                <a16:creationId xmlns:a16="http://schemas.microsoft.com/office/drawing/2014/main" id="{1361F35E-350D-E613-C6D9-5B3E927A055C}"/>
-              </a:ext>
-            </a:extLst>
-          </p:cNvPr>
-          <p:cNvSpPr>
-            <a:spLocks noGrp="1"/>
-          </p:cNvSpPr>
-          <p:nvPr>
-            <p:ph type="sldNum" sz="quarter" idx="12"/>
-          </p:nvPr>
-        </p:nvSpPr>
-        <p:spPr/>
-        <p:txBody>
-          <a:bodyPr/>
-          <a:lstStyle/>
-          <a:p>
-            <a:pPr marL="0" lvl="0" indent="0" algn="r" rtl="0">
-              <a:spcBef>
-                <a:spcPts val="0"/>
-              </a:spcBef>
-              <a:spcAft>
-                <a:spcPts val="0"/>
-              </a:spcAft>
-              <a:buNone/>
-            </a:pPr>
-            <a:fld id="{00000000-1234-1234-1234-123412341234}" type="slidenum">
-              <a:rPr lang="en-GB" smtClean="0"/>
-              <a:t>10</a:t>
-            </a:fld>
-            <a:endParaRPr lang="en-GB" dirty="0"/>
-          </a:p>
-        </p:txBody>
-      </p:sp>
-    </p:spTree>
-    <p:extLst>
-      <p:ext uri="{BB962C8B-B14F-4D97-AF65-F5344CB8AC3E}">
-        <p14:creationId xmlns:p14="http://schemas.microsoft.com/office/powerpoint/2010/main" val="2437164874"/>
-      </p:ext>
-    </p:extLst>
-  </p:cSld>
-  <p:clrMapOvr>
-    <a:masterClrMapping/>
-  </p:clrMapOvr>
-  <p:timing>
-    <p:tnLst>
-      <p:par>
-        <p:cTn id="1" dur="indefinite" restart="never" nodeType="tmRoot">
-          <p:childTnLst>
-            <p:seq concurrent="1" nextAc="seek">
-              <p:cTn id="2" dur="indefinite" nodeType="mainSeq">
-                <p:childTnLst>
-                  <p:par>
-                    <p:cTn id="3" fill="hold">
-                      <p:stCondLst>
-                        <p:cond delay="indefinite"/>
-                      </p:stCondLst>
-                      <p:childTnLst>
-                        <p:par>
-                          <p:cTn id="4" fill="hold">
-                            <p:stCondLst>
-                              <p:cond delay="0"/>
-                            </p:stCondLst>
-                            <p:childTnLst>
-                              <p:par>
-                                <p:cTn id="5" presetID="42" presetClass="entr" presetSubtype="0" fill="hold" grpId="0" nodeType="clickEffect">
-                                  <p:stCondLst>
-                                    <p:cond delay="0"/>
-                                  </p:stCondLst>
-                                  <p:childTnLst>
-                                    <p:set>
-                                      <p:cBhvr>
-                                        <p:cTn id="6" dur="1" fill="hold">
-                                          <p:stCondLst>
-                                            <p:cond delay="0"/>
-                                          </p:stCondLst>
-                                        </p:cTn>
-                                        <p:tgtEl>
-                                          <p:spTgt spid="2"/>
-                                        </p:tgtEl>
-                                        <p:attrNameLst>
-                                          <p:attrName>style.visibility</p:attrName>
-                                        </p:attrNameLst>
-                                      </p:cBhvr>
-                                      <p:to>
-                                        <p:strVal val="visible"/>
-                                      </p:to>
-                                    </p:set>
-                                    <p:animEffect transition="in" filter="fade">
-                                      <p:cBhvr>
-                                        <p:cTn id="7" dur="1000"/>
-                                        <p:tgtEl>
-                                          <p:spTgt spid="2"/>
-                                        </p:tgtEl>
-                                      </p:cBhvr>
-                                    </p:animEffect>
-                                    <p:anim calcmode="lin" valueType="num">
-                                      <p:cBhvr>
-                                        <p:cTn id="8" dur="1000" fill="hold"/>
-                                        <p:tgtEl>
-                                          <p:spTgt spid="2"/>
-                                        </p:tgtEl>
-                                        <p:attrNameLst>
-                                          <p:attrName>ppt_x</p:attrName>
-                                        </p:attrNameLst>
-                                      </p:cBhvr>
-                                      <p:tavLst>
-                                        <p:tav tm="0">
-                                          <p:val>
-                                            <p:strVal val="#ppt_x"/>
-                                          </p:val>
-                                        </p:tav>
-                                        <p:tav tm="100000">
-                                          <p:val>
-                                            <p:strVal val="#ppt_x"/>
-                                          </p:val>
-                                        </p:tav>
-                                      </p:tavLst>
-                                    </p:anim>
-                                    <p:anim calcmode="lin" valueType="num">
-                                      <p:cBhvr>
-                                        <p:cTn id="9" dur="1000" fill="hold"/>
-                                        <p:tgtEl>
-                                          <p:spTgt spid="2"/>
-                                        </p:tgtEl>
-                                        <p:attrNameLst>
-                                          <p:attrName>ppt_y</p:attrName>
-                                        </p:attrNameLst>
-                                      </p:cBhvr>
-                                      <p:tavLst>
-                                        <p:tav tm="0">
-                                          <p:val>
-                                            <p:strVal val="#ppt_y+.1"/>
-                                          </p:val>
-                                        </p:tav>
-                                        <p:tav tm="100000">
-                                          <p:val>
-                                            <p:strVal val="#ppt_y"/>
-                                          </p:val>
-                                        </p:tav>
-                                      </p:tavLst>
-                                    </p:anim>
-                                  </p:childTnLst>
-                                </p:cTn>
-                              </p:par>
-                            </p:childTnLst>
-                          </p:cTn>
-                        </p:par>
-                      </p:childTnLst>
-                    </p:cTn>
-                  </p:par>
-                  <p:par>
-                    <p:cTn id="10" fill="hold">
-                      <p:stCondLst>
-                        <p:cond delay="indefinite"/>
-                      </p:stCondLst>
-                      <p:childTnLst>
-                        <p:par>
-                          <p:cTn id="11" fill="hold">
-                            <p:stCondLst>
-                              <p:cond delay="0"/>
-                            </p:stCondLst>
-                            <p:childTnLst>
-                              <p:par>
-                                <p:cTn id="12" presetID="14" presetClass="entr" presetSubtype="10" fill="hold" grpId="0" nodeType="clickEffect">
-                                  <p:stCondLst>
-                                    <p:cond delay="0"/>
-                                  </p:stCondLst>
-                                  <p:childTnLst>
-                                    <p:set>
-                                      <p:cBhvr>
-                                        <p:cTn id="13" dur="1" fill="hold">
-                                          <p:stCondLst>
-                                            <p:cond delay="0"/>
-                                          </p:stCondLst>
-                                        </p:cTn>
-                                        <p:tgtEl>
-                                          <p:spTgt spid="3">
-                                            <p:txEl>
-                                              <p:pRg st="0" end="0"/>
-                                            </p:txEl>
-                                          </p:spTgt>
-                                        </p:tgtEl>
-                                        <p:attrNameLst>
-                                          <p:attrName>style.visibility</p:attrName>
-                                        </p:attrNameLst>
-                                      </p:cBhvr>
-                                      <p:to>
-                                        <p:strVal val="visible"/>
-                                      </p:to>
-                                    </p:set>
-                                    <p:animEffect transition="in" filter="randombar(horizontal)">
-                                      <p:cBhvr>
-                                        <p:cTn id="14" dur="500"/>
-                                        <p:tgtEl>
-                                          <p:spTgt spid="3">
-                                            <p:txEl>
-                                              <p:pRg st="0" end="0"/>
-                                            </p:txEl>
-                                          </p:spTgt>
-                                        </p:tgtEl>
-                                      </p:cBhvr>
-                                    </p:animEffect>
-                                  </p:childTnLst>
-                                </p:cTn>
-                              </p:par>
-                            </p:childTnLst>
-                          </p:cTn>
-                        </p:par>
-                      </p:childTnLst>
-                    </p:cTn>
-                  </p:par>
-                </p:childTnLst>
-              </p:cTn>
-              <p:prevCondLst>
-                <p:cond evt="onPrev" delay="0">
-                  <p:tgtEl>
-                    <p:sldTgt/>
-                  </p:tgtEl>
-                </p:cond>
-              </p:prevCondLst>
-              <p:nextCondLst>
-                <p:cond evt="onNext" delay="0">
-                  <p:tgtEl>
-                    <p:sldTgt/>
-                  </p:tgtEl>
-                </p:cond>
-              </p:nextCondLst>
-            </p:seq>
-          </p:childTnLst>
-        </p:cTn>
-      </p:par>
-    </p:tnLst>
-    <p:bldLst>
-      <p:bldP spid="2" grpId="0"/>
-      <p:bldP spid="3" grpId="0" build="p"/>
-    </p:bldLst>
-  </p:timing>
-</p:sld>
-</file>
-
-<file path=ppt/slides/slide11.xml><?xml version="1.0" encoding="utf-8"?>
-<p:sld xmlns:a="http://schemas.openxmlformats.org/drawingml/2006/main" xmlns:r="http://schemas.openxmlformats.org/officeDocument/2006/relationships" xmlns:p="http://schemas.openxmlformats.org/presentationml/2006/main">
-  <p:cSld>
-    <p:spTree>
-      <p:nvGrpSpPr>
-        <p:cNvPr id="1" name=""/>
-        <p:cNvGrpSpPr/>
-        <p:nvPr/>
-      </p:nvGrpSpPr>
-      <p:grpSpPr>
-        <a:xfrm>
-          <a:off x="0" y="0"/>
-          <a:ext cx="0" cy="0"/>
-          <a:chOff x="0" y="0"/>
-          <a:chExt cx="0" cy="0"/>
-        </a:xfrm>
-      </p:grpSpPr>
-      <p:sp>
-        <p:nvSpPr>
-          <p:cNvPr id="2" name="Title 1">
-            <a:extLst>
-              <a:ext uri="{FF2B5EF4-FFF2-40B4-BE49-F238E27FC236}">
-                <a16:creationId xmlns:a16="http://schemas.microsoft.com/office/drawing/2014/main" id="{DF0E8B35-95FE-5D76-536B-1AB50AD933BE}"/>
-              </a:ext>
-            </a:extLst>
-          </p:cNvPr>
-          <p:cNvSpPr>
-            <a:spLocks noGrp="1"/>
-          </p:cNvSpPr>
-          <p:nvPr>
-            <p:ph type="title"/>
-          </p:nvPr>
-        </p:nvSpPr>
-        <p:spPr/>
-        <p:txBody>
-          <a:bodyPr/>
-          <a:lstStyle/>
-          <a:p>
-            <a:r>
-              <a:rPr lang="en-AU" u="sng" dirty="0"/>
-              <a:t>FUTURE WORK</a:t>
-            </a:r>
-          </a:p>
-        </p:txBody>
-      </p:sp>
-      <p:sp>
-        <p:nvSpPr>
-          <p:cNvPr id="3" name="Content Placeholder 2">
-            <a:extLst>
-              <a:ext uri="{FF2B5EF4-FFF2-40B4-BE49-F238E27FC236}">
-                <a16:creationId xmlns:a16="http://schemas.microsoft.com/office/drawing/2014/main" id="{32A9FE0F-2EA4-F384-E6D3-35EE51DFFF73}"/>
-              </a:ext>
-            </a:extLst>
-          </p:cNvPr>
-          <p:cNvSpPr>
-            <a:spLocks noGrp="1"/>
-          </p:cNvSpPr>
-          <p:nvPr>
-            <p:ph idx="1"/>
-          </p:nvPr>
-        </p:nvSpPr>
-        <p:spPr>
-          <a:xfrm>
-            <a:off x="446529" y="1328449"/>
-            <a:ext cx="6447501" cy="2910580"/>
-          </a:xfrm>
-        </p:spPr>
-        <p:txBody>
-          <a:bodyPr>
-            <a:normAutofit/>
-          </a:bodyPr>
-          <a:lstStyle/>
-          <a:p>
-            <a:pPr>
-              <a:buFont typeface="Wingdings" panose="05000000000000000000" pitchFamily="2" charset="2"/>
-              <a:buChar char="Ø"/>
-            </a:pPr>
-            <a:r>
-              <a:rPr lang="en-US" b="1" dirty="0"/>
-              <a:t>Enhanced Customization: </a:t>
-            </a:r>
-            <a:r>
-              <a:rPr lang="en-US" dirty="0"/>
-              <a:t>Offering more granular customization options and allowing developers to fine-tune</a:t>
-            </a:r>
-          </a:p>
-          <a:p>
-            <a:pPr>
-              <a:buFont typeface="Wingdings" panose="05000000000000000000" pitchFamily="2" charset="2"/>
-              <a:buChar char="Ø"/>
-            </a:pPr>
-            <a:r>
-              <a:rPr lang="en-US" b="1" dirty="0"/>
-              <a:t>Security and Compliance: </a:t>
-            </a:r>
-            <a:r>
-              <a:rPr lang="en-US" dirty="0"/>
-              <a:t>Integrating security and compliance checks during project generation </a:t>
-            </a:r>
-          </a:p>
-          <a:p>
-            <a:pPr>
-              <a:buFont typeface="Wingdings" panose="05000000000000000000" pitchFamily="2" charset="2"/>
-              <a:buChar char="Ø"/>
-            </a:pPr>
-            <a:r>
-              <a:rPr lang="en-US" b="1" dirty="0"/>
-              <a:t>Machine Learning and AI: </a:t>
-            </a:r>
-            <a:r>
-              <a:rPr lang="en-US" dirty="0"/>
-              <a:t>Implementing AI and machine learning algorithms and assisting developers in making better choices regarding project configurations and dependencies.</a:t>
-            </a:r>
-          </a:p>
-          <a:p>
-            <a:pPr>
-              <a:buFont typeface="Wingdings" panose="05000000000000000000" pitchFamily="2" charset="2"/>
-              <a:buChar char="Ø"/>
-            </a:pPr>
-            <a:r>
-              <a:rPr lang="en-US" b="1" dirty="0"/>
-              <a:t>Cloud Integration: </a:t>
-            </a:r>
-            <a:r>
-              <a:rPr lang="en-US" dirty="0"/>
-              <a:t>Offering cloud-specific templates and configurations for platforms like AWS, Azure, or Google Cloud.</a:t>
-            </a:r>
-            <a:endParaRPr lang="en-IN" dirty="0"/>
-          </a:p>
-          <a:p>
-            <a:endParaRPr lang="en-AU" dirty="0"/>
-          </a:p>
-        </p:txBody>
-      </p:sp>
-      <p:sp>
-        <p:nvSpPr>
-          <p:cNvPr id="7" name="Date Placeholder 6">
-            <a:extLst>
-              <a:ext uri="{FF2B5EF4-FFF2-40B4-BE49-F238E27FC236}">
-                <a16:creationId xmlns:a16="http://schemas.microsoft.com/office/drawing/2014/main" id="{41BE56CE-7582-AE0F-9532-05CFC5751486}"/>
-              </a:ext>
-            </a:extLst>
-          </p:cNvPr>
-          <p:cNvSpPr>
-            <a:spLocks noGrp="1"/>
-          </p:cNvSpPr>
-          <p:nvPr>
-            <p:ph type="dt" sz="half" idx="10"/>
-          </p:nvPr>
-        </p:nvSpPr>
-        <p:spPr/>
-        <p:txBody>
-          <a:bodyPr/>
-          <a:lstStyle/>
-          <a:p>
-            <a:r>
-              <a:rPr lang="en-US" b="1" dirty="0">
-                <a:solidFill>
-                  <a:schemeClr val="tx1"/>
-                </a:solidFill>
-              </a:rPr>
-              <a:t>28/09/2023</a:t>
-            </a:r>
-            <a:endParaRPr lang="en-IN" b="1" dirty="0">
-              <a:solidFill>
-                <a:schemeClr val="tx1"/>
-              </a:solidFill>
-            </a:endParaRPr>
-          </a:p>
-        </p:txBody>
-      </p:sp>
-      <p:sp>
-        <p:nvSpPr>
-          <p:cNvPr id="5" name="Footer Placeholder 4">
-            <a:extLst>
-              <a:ext uri="{FF2B5EF4-FFF2-40B4-BE49-F238E27FC236}">
-                <a16:creationId xmlns:a16="http://schemas.microsoft.com/office/drawing/2014/main" id="{54EF0887-97A9-62A2-C400-C1DB6A7E6758}"/>
-              </a:ext>
-            </a:extLst>
-          </p:cNvPr>
-          <p:cNvSpPr>
-            <a:spLocks noGrp="1"/>
-          </p:cNvSpPr>
-          <p:nvPr>
-            <p:ph type="ftr" sz="quarter" idx="11"/>
-          </p:nvPr>
-        </p:nvSpPr>
-        <p:spPr/>
-        <p:txBody>
-          <a:bodyPr/>
-          <a:lstStyle/>
-          <a:p>
-            <a:r>
-              <a:rPr lang="en-IN"/>
-              <a:t>TSE Custom Initializr</a:t>
-            </a:r>
-            <a:endParaRPr lang="en-IN" dirty="0"/>
-          </a:p>
-        </p:txBody>
-      </p:sp>
-      <p:sp>
-        <p:nvSpPr>
-          <p:cNvPr id="4" name="Slide Number Placeholder 3">
-            <a:extLst>
-              <a:ext uri="{FF2B5EF4-FFF2-40B4-BE49-F238E27FC236}">
-                <a16:creationId xmlns:a16="http://schemas.microsoft.com/office/drawing/2014/main" id="{A2FB5341-287A-2A2F-8EC8-0817B746DD0E}"/>
-              </a:ext>
-            </a:extLst>
-          </p:cNvPr>
-          <p:cNvSpPr>
-            <a:spLocks noGrp="1"/>
-          </p:cNvSpPr>
-          <p:nvPr>
-            <p:ph type="sldNum" sz="quarter" idx="12"/>
-          </p:nvPr>
-        </p:nvSpPr>
-        <p:spPr/>
-        <p:txBody>
-          <a:bodyPr/>
-          <a:lstStyle/>
-          <a:p>
-            <a:pPr marL="0" lvl="0" indent="0" algn="r" rtl="0">
-              <a:spcBef>
-                <a:spcPts val="0"/>
-              </a:spcBef>
-              <a:spcAft>
-                <a:spcPts val="0"/>
-              </a:spcAft>
-              <a:buNone/>
-            </a:pPr>
-            <a:fld id="{00000000-1234-1234-1234-123412341234}" type="slidenum">
-              <a:rPr lang="en-GB" smtClean="0"/>
-              <a:t>11</a:t>
-            </a:fld>
-            <a:endParaRPr lang="en-GB" dirty="0"/>
-          </a:p>
-        </p:txBody>
-      </p:sp>
-    </p:spTree>
-    <p:extLst>
-      <p:ext uri="{BB962C8B-B14F-4D97-AF65-F5344CB8AC3E}">
-        <p14:creationId xmlns:p14="http://schemas.microsoft.com/office/powerpoint/2010/main" val="2431738723"/>
-      </p:ext>
-    </p:extLst>
-  </p:cSld>
-  <p:clrMapOvr>
-    <a:masterClrMapping/>
-  </p:clrMapOvr>
-  <p:timing>
-    <p:tnLst>
-      <p:par>
-        <p:cTn id="1" dur="indefinite" restart="never" nodeType="tmRoot">
-          <p:childTnLst>
-            <p:seq concurrent="1" nextAc="seek">
-              <p:cTn id="2" dur="indefinite" nodeType="mainSeq">
-                <p:childTnLst>
-                  <p:par>
-                    <p:cTn id="3" fill="hold">
-                      <p:stCondLst>
-                        <p:cond delay="indefinite"/>
-                      </p:stCondLst>
-                      <p:childTnLst>
-                        <p:par>
-                          <p:cTn id="4" fill="hold">
-                            <p:stCondLst>
-                              <p:cond delay="0"/>
-                            </p:stCondLst>
-                            <p:childTnLst>
-                              <p:par>
-                                <p:cTn id="5" presetID="42" presetClass="entr" presetSubtype="0" fill="hold" grpId="0" nodeType="clickEffect">
-                                  <p:stCondLst>
-                                    <p:cond delay="0"/>
-                                  </p:stCondLst>
-                                  <p:childTnLst>
-                                    <p:set>
-                                      <p:cBhvr>
-                                        <p:cTn id="6" dur="1" fill="hold">
-                                          <p:stCondLst>
-                                            <p:cond delay="0"/>
-                                          </p:stCondLst>
-                                        </p:cTn>
-                                        <p:tgtEl>
-                                          <p:spTgt spid="2"/>
-                                        </p:tgtEl>
-                                        <p:attrNameLst>
-                                          <p:attrName>style.visibility</p:attrName>
-                                        </p:attrNameLst>
-                                      </p:cBhvr>
-                                      <p:to>
-                                        <p:strVal val="visible"/>
-                                      </p:to>
-                                    </p:set>
-                                    <p:animEffect transition="in" filter="fade">
-                                      <p:cBhvr>
-                                        <p:cTn id="7" dur="1000"/>
-                                        <p:tgtEl>
-                                          <p:spTgt spid="2"/>
-                                        </p:tgtEl>
-                                      </p:cBhvr>
-                                    </p:animEffect>
-                                    <p:anim calcmode="lin" valueType="num">
-                                      <p:cBhvr>
-                                        <p:cTn id="8" dur="1000" fill="hold"/>
-                                        <p:tgtEl>
-                                          <p:spTgt spid="2"/>
-                                        </p:tgtEl>
-                                        <p:attrNameLst>
-                                          <p:attrName>ppt_x</p:attrName>
-                                        </p:attrNameLst>
-                                      </p:cBhvr>
-                                      <p:tavLst>
-                                        <p:tav tm="0">
-                                          <p:val>
-                                            <p:strVal val="#ppt_x"/>
-                                          </p:val>
-                                        </p:tav>
-                                        <p:tav tm="100000">
-                                          <p:val>
-                                            <p:strVal val="#ppt_x"/>
-                                          </p:val>
-                                        </p:tav>
-                                      </p:tavLst>
-                                    </p:anim>
-                                    <p:anim calcmode="lin" valueType="num">
-                                      <p:cBhvr>
-                                        <p:cTn id="9" dur="1000" fill="hold"/>
-                                        <p:tgtEl>
-                                          <p:spTgt spid="2"/>
-                                        </p:tgtEl>
-                                        <p:attrNameLst>
-                                          <p:attrName>ppt_y</p:attrName>
-                                        </p:attrNameLst>
-                                      </p:cBhvr>
-                                      <p:tavLst>
-                                        <p:tav tm="0">
-                                          <p:val>
-                                            <p:strVal val="#ppt_y+.1"/>
-                                          </p:val>
-                                        </p:tav>
-                                        <p:tav tm="100000">
-                                          <p:val>
-                                            <p:strVal val="#ppt_y"/>
-                                          </p:val>
-                                        </p:tav>
-                                      </p:tavLst>
-                                    </p:anim>
-                                  </p:childTnLst>
-                                </p:cTn>
-                              </p:par>
-                            </p:childTnLst>
-                          </p:cTn>
-                        </p:par>
-                      </p:childTnLst>
-                    </p:cTn>
-                  </p:par>
-                  <p:par>
-                    <p:cTn id="10" fill="hold">
-                      <p:stCondLst>
-                        <p:cond delay="indefinite"/>
-                      </p:stCondLst>
-                      <p:childTnLst>
-                        <p:par>
-                          <p:cTn id="11" fill="hold">
-                            <p:stCondLst>
-                              <p:cond delay="0"/>
-                            </p:stCondLst>
-                            <p:childTnLst>
-                              <p:par>
-                                <p:cTn id="12" presetID="14" presetClass="entr" presetSubtype="10" fill="hold" grpId="0" nodeType="clickEffect">
-                                  <p:stCondLst>
-                                    <p:cond delay="0"/>
-                                  </p:stCondLst>
-                                  <p:childTnLst>
-                                    <p:set>
-                                      <p:cBhvr>
-                                        <p:cTn id="13" dur="1" fill="hold">
-                                          <p:stCondLst>
-                                            <p:cond delay="0"/>
-                                          </p:stCondLst>
-                                        </p:cTn>
-                                        <p:tgtEl>
-                                          <p:spTgt spid="3">
-                                            <p:txEl>
-                                              <p:pRg st="0" end="0"/>
-                                            </p:txEl>
-                                          </p:spTgt>
-                                        </p:tgtEl>
-                                        <p:attrNameLst>
-                                          <p:attrName>style.visibility</p:attrName>
-                                        </p:attrNameLst>
-                                      </p:cBhvr>
-                                      <p:to>
-                                        <p:strVal val="visible"/>
-                                      </p:to>
-                                    </p:set>
-                                    <p:animEffect transition="in" filter="randombar(horizontal)">
-                                      <p:cBhvr>
-                                        <p:cTn id="14" dur="500"/>
-                                        <p:tgtEl>
-                                          <p:spTgt spid="3">
-                                            <p:txEl>
-                                              <p:pRg st="0" end="0"/>
-                                            </p:txEl>
-                                          </p:spTgt>
-                                        </p:tgtEl>
-                                      </p:cBhvr>
-                                    </p:animEffect>
-                                  </p:childTnLst>
-                                </p:cTn>
-                              </p:par>
-                            </p:childTnLst>
-                          </p:cTn>
-                        </p:par>
-                      </p:childTnLst>
-                    </p:cTn>
-                  </p:par>
-                  <p:par>
-                    <p:cTn id="15" fill="hold">
-                      <p:stCondLst>
-                        <p:cond delay="indefinite"/>
-                      </p:stCondLst>
-                      <p:childTnLst>
-                        <p:par>
-                          <p:cTn id="16" fill="hold">
-                            <p:stCondLst>
-                              <p:cond delay="0"/>
-                            </p:stCondLst>
-                            <p:childTnLst>
-                              <p:par>
-                                <p:cTn id="17" presetID="14" presetClass="entr" presetSubtype="10" fill="hold" grpId="0" nodeType="clickEffect">
-                                  <p:stCondLst>
-                                    <p:cond delay="0"/>
-                                  </p:stCondLst>
-                                  <p:childTnLst>
-                                    <p:set>
-                                      <p:cBhvr>
-                                        <p:cTn id="18" dur="1" fill="hold">
-                                          <p:stCondLst>
-                                            <p:cond delay="0"/>
-                                          </p:stCondLst>
-                                        </p:cTn>
-                                        <p:tgtEl>
-                                          <p:spTgt spid="3">
-                                            <p:txEl>
-                                              <p:pRg st="1" end="1"/>
-                                            </p:txEl>
-                                          </p:spTgt>
-                                        </p:tgtEl>
-                                        <p:attrNameLst>
-                                          <p:attrName>style.visibility</p:attrName>
-                                        </p:attrNameLst>
-                                      </p:cBhvr>
-                                      <p:to>
-                                        <p:strVal val="visible"/>
-                                      </p:to>
-                                    </p:set>
-                                    <p:animEffect transition="in" filter="randombar(horizontal)">
-                                      <p:cBhvr>
-                                        <p:cTn id="19" dur="500"/>
-                                        <p:tgtEl>
-                                          <p:spTgt spid="3">
-                                            <p:txEl>
-                                              <p:pRg st="1" end="1"/>
-                                            </p:txEl>
-                                          </p:spTgt>
-                                        </p:tgtEl>
-                                      </p:cBhvr>
-                                    </p:animEffect>
-                                  </p:childTnLst>
-                                </p:cTn>
-                              </p:par>
-                            </p:childTnLst>
-                          </p:cTn>
-                        </p:par>
-                      </p:childTnLst>
-                    </p:cTn>
-                  </p:par>
-                  <p:par>
-                    <p:cTn id="20" fill="hold">
-                      <p:stCondLst>
-                        <p:cond delay="indefinite"/>
-                      </p:stCondLst>
-                      <p:childTnLst>
-                        <p:par>
-                          <p:cTn id="21" fill="hold">
-                            <p:stCondLst>
-                              <p:cond delay="0"/>
-                            </p:stCondLst>
-                            <p:childTnLst>
-                              <p:par>
-                                <p:cTn id="22" presetID="14" presetClass="entr" presetSubtype="10" fill="hold" grpId="0" nodeType="clickEffect">
-                                  <p:stCondLst>
-                                    <p:cond delay="0"/>
-                                  </p:stCondLst>
-                                  <p:childTnLst>
-                                    <p:set>
-                                      <p:cBhvr>
-                                        <p:cTn id="23" dur="1" fill="hold">
-                                          <p:stCondLst>
-                                            <p:cond delay="0"/>
-                                          </p:stCondLst>
-                                        </p:cTn>
-                                        <p:tgtEl>
-                                          <p:spTgt spid="3">
-                                            <p:txEl>
-                                              <p:pRg st="2" end="2"/>
-                                            </p:txEl>
-                                          </p:spTgt>
-                                        </p:tgtEl>
-                                        <p:attrNameLst>
-                                          <p:attrName>style.visibility</p:attrName>
-                                        </p:attrNameLst>
-                                      </p:cBhvr>
-                                      <p:to>
-                                        <p:strVal val="visible"/>
-                                      </p:to>
-                                    </p:set>
-                                    <p:animEffect transition="in" filter="randombar(horizontal)">
-                                      <p:cBhvr>
-                                        <p:cTn id="24" dur="500"/>
-                                        <p:tgtEl>
-                                          <p:spTgt spid="3">
-                                            <p:txEl>
-                                              <p:pRg st="2" end="2"/>
-                                            </p:txEl>
-                                          </p:spTgt>
-                                        </p:tgtEl>
-                                      </p:cBhvr>
-                                    </p:animEffect>
-                                  </p:childTnLst>
-                                </p:cTn>
-                              </p:par>
-                            </p:childTnLst>
-                          </p:cTn>
-                        </p:par>
-                      </p:childTnLst>
-                    </p:cTn>
-                  </p:par>
-                  <p:par>
-                    <p:cTn id="25" fill="hold">
-                      <p:stCondLst>
-                        <p:cond delay="indefinite"/>
-                      </p:stCondLst>
-                      <p:childTnLst>
-                        <p:par>
-                          <p:cTn id="26" fill="hold">
-                            <p:stCondLst>
-                              <p:cond delay="0"/>
-                            </p:stCondLst>
-                            <p:childTnLst>
-                              <p:par>
-                                <p:cTn id="27" presetID="14" presetClass="entr" presetSubtype="10" fill="hold" grpId="0" nodeType="clickEffect">
-                                  <p:stCondLst>
-                                    <p:cond delay="0"/>
-                                  </p:stCondLst>
-                                  <p:childTnLst>
-                                    <p:set>
-                                      <p:cBhvr>
-                                        <p:cTn id="28" dur="1" fill="hold">
-                                          <p:stCondLst>
-                                            <p:cond delay="0"/>
-                                          </p:stCondLst>
-                                        </p:cTn>
-                                        <p:tgtEl>
-                                          <p:spTgt spid="3">
-                                            <p:txEl>
-                                              <p:pRg st="3" end="3"/>
-                                            </p:txEl>
-                                          </p:spTgt>
-                                        </p:tgtEl>
-                                        <p:attrNameLst>
-                                          <p:attrName>style.visibility</p:attrName>
-                                        </p:attrNameLst>
-                                      </p:cBhvr>
-                                      <p:to>
-                                        <p:strVal val="visible"/>
-                                      </p:to>
-                                    </p:set>
-                                    <p:animEffect transition="in" filter="randombar(horizontal)">
-                                      <p:cBhvr>
-                                        <p:cTn id="29" dur="500"/>
-                                        <p:tgtEl>
-                                          <p:spTgt spid="3">
-                                            <p:txEl>
-                                              <p:pRg st="3" end="3"/>
-                                            </p:txEl>
-                                          </p:spTgt>
-                                        </p:tgtEl>
-                                      </p:cBhvr>
-                                    </p:animEffect>
-                                  </p:childTnLst>
-                                </p:cTn>
-                              </p:par>
-                            </p:childTnLst>
-                          </p:cTn>
-                        </p:par>
-                      </p:childTnLst>
-                    </p:cTn>
-                  </p:par>
-                </p:childTnLst>
-              </p:cTn>
-              <p:prevCondLst>
-                <p:cond evt="onPrev" delay="0">
-                  <p:tgtEl>
-                    <p:sldTgt/>
-                  </p:tgtEl>
-                </p:cond>
-              </p:prevCondLst>
-              <p:nextCondLst>
-                <p:cond evt="onNext" delay="0">
-                  <p:tgtEl>
-                    <p:sldTgt/>
-                  </p:tgtEl>
-                </p:cond>
-              </p:nextCondLst>
-            </p:seq>
-          </p:childTnLst>
-        </p:cTn>
-      </p:par>
-    </p:tnLst>
-    <p:bldLst>
-      <p:bldP spid="2" grpId="0"/>
-      <p:bldP spid="3" grpId="0" build="p"/>
-    </p:bldLst>
-  </p:timing>
-</p:sld>
-</file>
-
-<file path=ppt/slides/slide12.xml><?xml version="1.0" encoding="utf-8"?>
-<p:sld xmlns:a="http://schemas.openxmlformats.org/drawingml/2006/main" xmlns:r="http://schemas.openxmlformats.org/officeDocument/2006/relationships" xmlns:p="http://schemas.openxmlformats.org/presentationml/2006/main">
-  <p:cSld>
-    <p:spTree>
-      <p:nvGrpSpPr>
-        <p:cNvPr id="1" name=""/>
-        <p:cNvGrpSpPr/>
-        <p:nvPr/>
-      </p:nvGrpSpPr>
-      <p:grpSpPr>
-        <a:xfrm>
-          <a:off x="0" y="0"/>
-          <a:ext cx="0" cy="0"/>
-          <a:chOff x="0" y="0"/>
-          <a:chExt cx="0" cy="0"/>
-        </a:xfrm>
-      </p:grpSpPr>
-      <p:sp>
-        <p:nvSpPr>
-          <p:cNvPr id="2" name="Title 1">
-            <a:extLst>
-              <a:ext uri="{FF2B5EF4-FFF2-40B4-BE49-F238E27FC236}">
                 <a16:creationId xmlns:a16="http://schemas.microsoft.com/office/drawing/2014/main" id="{107A66BE-3C77-EBE8-3F0D-826B91E60521}"/>
               </a:ext>
             </a:extLst>
@@ -8815,7 +7744,7 @@
         </p:nvSpPr>
         <p:spPr>
           <a:xfrm>
-            <a:off x="508001" y="449516"/>
+            <a:off x="508001" y="418780"/>
             <a:ext cx="6447501" cy="533400"/>
           </a:xfrm>
         </p:spPr>
@@ -8854,7 +7783,7 @@
         </p:nvSpPr>
         <p:spPr>
           <a:xfrm>
-            <a:off x="508001" y="1219200"/>
+            <a:off x="508001" y="1226884"/>
             <a:ext cx="6447501" cy="3311822"/>
           </a:xfrm>
         </p:spPr>
@@ -8868,7 +7797,7 @@
             </a:pPr>
             <a:r>
               <a:rPr lang="en-IN" dirty="0"/>
-              <a:t>Tunir Chaudhuri - Software Engineering - Associate</a:t>
+              <a:t>Tunir Chaudhuri - Software Engineering – Associate</a:t>
             </a:r>
           </a:p>
           <a:p>
@@ -8876,10 +7805,7 @@
               <a:buFont typeface="Wingdings" panose="05000000000000000000" pitchFamily="2" charset="2"/>
               <a:buChar char="Ø"/>
             </a:pPr>
-            <a:r>
-              <a:rPr lang="en-IN" dirty="0"/>
-              <a:t>Akash Ranjan - Software Engineering - Associate</a:t>
-            </a:r>
+            <a:endParaRPr lang="en-IN" dirty="0"/>
           </a:p>
           <a:p>
             <a:pPr>
@@ -8888,8 +7814,14 @@
             </a:pPr>
             <a:r>
               <a:rPr lang="en-IN" dirty="0"/>
-              <a:t>Goutham Suresh - Software Engineering - Associate</a:t>
-            </a:r>
+              <a:t>Akash Ranjan - Software Engineering – Associate</a:t>
+            </a:r>
+          </a:p>
+          <a:p>
+            <a:pPr marL="0" indent="0">
+              <a:buNone/>
+            </a:pPr>
+            <a:endParaRPr lang="en-IN" dirty="0"/>
           </a:p>
           <a:p>
             <a:pPr>
@@ -8898,7 +7830,7 @@
             </a:pPr>
             <a:r>
               <a:rPr lang="en-IN" dirty="0"/>
-              <a:t>Rahul - Software Engineering - Associate</a:t>
+              <a:t>Goutham Suresh - Software Engineering – Associate</a:t>
             </a:r>
           </a:p>
           <a:p>
@@ -8906,78 +7838,36 @@
               <a:buFont typeface="Wingdings" panose="05000000000000000000" pitchFamily="2" charset="2"/>
               <a:buChar char="Ø"/>
             </a:pPr>
+            <a:endParaRPr lang="en-IN" dirty="0"/>
+          </a:p>
+          <a:p>
+            <a:pPr>
+              <a:buFont typeface="Wingdings" panose="05000000000000000000" pitchFamily="2" charset="2"/>
+              <a:buChar char="Ø"/>
+            </a:pPr>
+            <a:r>
+              <a:rPr lang="en-IN" dirty="0"/>
+              <a:t>Rahul - Software Engineering – Associate</a:t>
+            </a:r>
+          </a:p>
+          <a:p>
+            <a:pPr>
+              <a:buFont typeface="Wingdings" panose="05000000000000000000" pitchFamily="2" charset="2"/>
+              <a:buChar char="Ø"/>
+            </a:pPr>
+            <a:endParaRPr lang="en-IN" dirty="0"/>
+          </a:p>
+          <a:p>
+            <a:pPr>
+              <a:buFont typeface="Wingdings" panose="05000000000000000000" pitchFamily="2" charset="2"/>
+              <a:buChar char="Ø"/>
+            </a:pPr>
             <a:r>
               <a:rPr lang="en-IN" dirty="0"/>
               <a:t>Sunny Kumar - Software Engineering – Associate</a:t>
             </a:r>
           </a:p>
           <a:p>
-            <a:endParaRPr lang="en-IN" dirty="0"/>
-          </a:p>
-        </p:txBody>
-      </p:sp>
-      <p:sp>
-        <p:nvSpPr>
-          <p:cNvPr id="7" name="Date Placeholder 6">
-            <a:extLst>
-              <a:ext uri="{FF2B5EF4-FFF2-40B4-BE49-F238E27FC236}">
-                <a16:creationId xmlns:a16="http://schemas.microsoft.com/office/drawing/2014/main" id="{46955465-80CA-9FC4-E35D-20FC2E644832}"/>
-              </a:ext>
-            </a:extLst>
-          </p:cNvPr>
-          <p:cNvSpPr>
-            <a:spLocks noGrp="1"/>
-          </p:cNvSpPr>
-          <p:nvPr>
-            <p:ph type="dt" sz="half" idx="10"/>
-          </p:nvPr>
-        </p:nvSpPr>
-        <p:spPr/>
-        <p:txBody>
-          <a:bodyPr/>
-          <a:lstStyle/>
-          <a:p>
-            <a:r>
-              <a:rPr lang="en-US" b="1" dirty="0">
-                <a:solidFill>
-                  <a:schemeClr val="tx1"/>
-                </a:solidFill>
-              </a:rPr>
-              <a:t>28/09/2023</a:t>
-            </a:r>
-            <a:endParaRPr lang="en-IN" b="1" dirty="0">
-              <a:solidFill>
-                <a:schemeClr val="tx1"/>
-              </a:solidFill>
-            </a:endParaRPr>
-          </a:p>
-        </p:txBody>
-      </p:sp>
-      <p:sp>
-        <p:nvSpPr>
-          <p:cNvPr id="5" name="Footer Placeholder 4">
-            <a:extLst>
-              <a:ext uri="{FF2B5EF4-FFF2-40B4-BE49-F238E27FC236}">
-                <a16:creationId xmlns:a16="http://schemas.microsoft.com/office/drawing/2014/main" id="{EB6F181C-08C0-A8E0-84B9-F8BE7EB7F0AF}"/>
-              </a:ext>
-            </a:extLst>
-          </p:cNvPr>
-          <p:cNvSpPr>
-            <a:spLocks noGrp="1"/>
-          </p:cNvSpPr>
-          <p:nvPr>
-            <p:ph type="ftr" sz="quarter" idx="11"/>
-          </p:nvPr>
-        </p:nvSpPr>
-        <p:spPr/>
-        <p:txBody>
-          <a:bodyPr/>
-          <a:lstStyle/>
-          <a:p>
-            <a:r>
-              <a:rPr lang="en-IN"/>
-              <a:t>TSE Custom Initializr</a:t>
-            </a:r>
             <a:endParaRPr lang="en-IN" dirty="0"/>
           </a:p>
         </p:txBody>
@@ -9014,12 +7904,162 @@
             </a:pPr>
             <a:fld id="{00000000-1234-1234-1234-123412341234}" type="slidenum">
               <a:rPr lang="en-GB" smtClean="0"/>
-              <a:t>12</a:t>
+              <a:t>10</a:t>
             </a:fld>
             <a:endParaRPr lang="en-GB" dirty="0"/>
           </a:p>
         </p:txBody>
       </p:sp>
+      <p:pic>
+        <p:nvPicPr>
+          <p:cNvPr id="8" name="Picture 7" descr="A person in a suit and tie&#10;&#10;Description automatically generated">
+            <a:extLst>
+              <a:ext uri="{FF2B5EF4-FFF2-40B4-BE49-F238E27FC236}">
+                <a16:creationId xmlns:a16="http://schemas.microsoft.com/office/drawing/2014/main" id="{69CFB988-4A01-CF58-F78E-263071DC0264}"/>
+              </a:ext>
+            </a:extLst>
+          </p:cNvPr>
+          <p:cNvPicPr>
+            <a:picLocks noChangeAspect="1"/>
+          </p:cNvPicPr>
+          <p:nvPr/>
+        </p:nvPicPr>
+        <p:blipFill>
+          <a:blip r:embed="rId2"/>
+          <a:stretch>
+            <a:fillRect/>
+          </a:stretch>
+        </p:blipFill>
+        <p:spPr>
+          <a:xfrm>
+            <a:off x="63006" y="1072267"/>
+            <a:ext cx="444995" cy="572136"/>
+          </a:xfrm>
+          <a:prstGeom prst="rect">
+            <a:avLst/>
+          </a:prstGeom>
+        </p:spPr>
+      </p:pic>
+      <p:pic>
+        <p:nvPicPr>
+          <p:cNvPr id="10" name="Picture 9" descr="A person with a beard&#10;&#10;Description automatically generated">
+            <a:extLst>
+              <a:ext uri="{FF2B5EF4-FFF2-40B4-BE49-F238E27FC236}">
+                <a16:creationId xmlns:a16="http://schemas.microsoft.com/office/drawing/2014/main" id="{DA1CBA61-65C1-5DA1-EEA5-E63550323FA9}"/>
+              </a:ext>
+            </a:extLst>
+          </p:cNvPr>
+          <p:cNvPicPr>
+            <a:picLocks noChangeAspect="1"/>
+          </p:cNvPicPr>
+          <p:nvPr/>
+        </p:nvPicPr>
+        <p:blipFill>
+          <a:blip r:embed="rId3"/>
+          <a:stretch>
+            <a:fillRect/>
+          </a:stretch>
+        </p:blipFill>
+        <p:spPr>
+          <a:xfrm>
+            <a:off x="63006" y="2955935"/>
+            <a:ext cx="471146" cy="471146"/>
+          </a:xfrm>
+          <a:prstGeom prst="rect">
+            <a:avLst/>
+          </a:prstGeom>
+        </p:spPr>
+      </p:pic>
+      <p:pic>
+        <p:nvPicPr>
+          <p:cNvPr id="12" name="Picture 11" descr="A person standing in front of a sign&#10;&#10;Description automatically generated">
+            <a:extLst>
+              <a:ext uri="{FF2B5EF4-FFF2-40B4-BE49-F238E27FC236}">
+                <a16:creationId xmlns:a16="http://schemas.microsoft.com/office/drawing/2014/main" id="{786EC5AA-049A-A7CC-4923-A515D2D3467A}"/>
+              </a:ext>
+            </a:extLst>
+          </p:cNvPr>
+          <p:cNvPicPr>
+            <a:picLocks noChangeAspect="1"/>
+          </p:cNvPicPr>
+          <p:nvPr/>
+        </p:nvPicPr>
+        <p:blipFill>
+          <a:blip r:embed="rId4"/>
+          <a:stretch>
+            <a:fillRect/>
+          </a:stretch>
+        </p:blipFill>
+        <p:spPr>
+          <a:xfrm>
+            <a:off x="63006" y="3604328"/>
+            <a:ext cx="509281" cy="434147"/>
+          </a:xfrm>
+          <a:prstGeom prst="rect">
+            <a:avLst/>
+          </a:prstGeom>
+        </p:spPr>
+      </p:pic>
+      <p:pic>
+        <p:nvPicPr>
+          <p:cNvPr id="19" name="Picture 18" descr="A person in a green dress&#10;&#10;Description automatically generated">
+            <a:extLst>
+              <a:ext uri="{FF2B5EF4-FFF2-40B4-BE49-F238E27FC236}">
+                <a16:creationId xmlns:a16="http://schemas.microsoft.com/office/drawing/2014/main" id="{31A7456B-C13A-D930-BDB0-10A326EF11DA}"/>
+              </a:ext>
+            </a:extLst>
+          </p:cNvPr>
+          <p:cNvPicPr>
+            <a:picLocks noChangeAspect="1"/>
+          </p:cNvPicPr>
+          <p:nvPr/>
+        </p:nvPicPr>
+        <p:blipFill>
+          <a:blip r:embed="rId5"/>
+          <a:stretch>
+            <a:fillRect/>
+          </a:stretch>
+        </p:blipFill>
+        <p:spPr>
+          <a:xfrm>
+            <a:off x="63006" y="2315498"/>
+            <a:ext cx="512504" cy="512504"/>
+          </a:xfrm>
+          <a:prstGeom prst="rect">
+            <a:avLst/>
+          </a:prstGeom>
+        </p:spPr>
+      </p:pic>
+      <p:pic>
+        <p:nvPicPr>
+          <p:cNvPr id="21" name="Picture 20" descr="A person in a pink shirt&#10;&#10;Description automatically generated">
+            <a:extLst>
+              <a:ext uri="{FF2B5EF4-FFF2-40B4-BE49-F238E27FC236}">
+                <a16:creationId xmlns:a16="http://schemas.microsoft.com/office/drawing/2014/main" id="{A0BDE157-51EA-F241-F145-72327A39489B}"/>
+              </a:ext>
+            </a:extLst>
+          </p:cNvPr>
+          <p:cNvPicPr>
+            <a:picLocks noChangeAspect="1"/>
+          </p:cNvPicPr>
+          <p:nvPr/>
+        </p:nvPicPr>
+        <p:blipFill>
+          <a:blip r:embed="rId6"/>
+          <a:stretch>
+            <a:fillRect/>
+          </a:stretch>
+        </p:blipFill>
+        <p:spPr>
+          <a:xfrm>
+            <a:off x="43938" y="1709624"/>
+            <a:ext cx="509281" cy="572100"/>
+          </a:xfrm>
+          <a:prstGeom prst="rect">
+            <a:avLst/>
+          </a:prstGeom>
+        </p:spPr>
+      </p:pic>
     </p:spTree>
     <p:extLst>
       <p:ext uri="{BB962C8B-B14F-4D97-AF65-F5344CB8AC3E}">
@@ -9150,7 +8190,7 @@
                             </p:stCondLst>
                             <p:childTnLst>
                               <p:par>
-                                <p:cTn id="12" presetID="14" presetClass="entr" presetSubtype="10" fill="hold" grpId="0" nodeType="clickEffect">
+                                <p:cTn id="12" presetID="14" presetClass="entr" presetSubtype="10" fill="hold" nodeType="clickEffect">
                                   <p:stCondLst>
                                     <p:cond delay="0"/>
                                   </p:stCondLst>
@@ -9211,7 +8251,7 @@
                             </p:stCondLst>
                             <p:childTnLst>
                               <p:par>
-                                <p:cTn id="17" presetID="14" presetClass="entr" presetSubtype="10" fill="hold" grpId="0" nodeType="clickEffect">
+                                <p:cTn id="17" presetID="14" presetClass="entr" presetSubtype="10" fill="hold" nodeType="clickEffect">
                                   <p:stCondLst>
                                     <p:cond delay="0"/>
                                   </p:stCondLst>
@@ -9224,11 +8264,7 @@
                                           </p:stCondLst>
                                         </p:cTn>
                                         <p:tgtEl>
-                                          <p:spTgt spid="3">
-                                            <p:txEl>
-                                              <p:pRg st="1" end="1"/>
-                                            </p:txEl>
-                                          </p:spTgt>
+                                          <p:spTgt spid="8"/>
                                         </p:tgtEl>
                                         <p:attrNameLst>
                                           <p:attrName>style.visibility</p:attrName>
@@ -9242,11 +8278,7 @@
                                       <p:cBhvr>
                                         <p:cTn id="19" dur="500"/>
                                         <p:tgtEl>
-                                          <p:spTgt spid="3">
-                                            <p:txEl>
-                                              <p:pRg st="1" end="1"/>
-                                            </p:txEl>
-                                          </p:spTgt>
+                                          <p:spTgt spid="8"/>
                                         </p:tgtEl>
                                       </p:cBhvr>
                                     </p:animEffect>
@@ -9272,7 +8304,7 @@
                             </p:stCondLst>
                             <p:childTnLst>
                               <p:par>
-                                <p:cTn id="22" presetID="14" presetClass="entr" presetSubtype="10" fill="hold" grpId="0" nodeType="clickEffect">
+                                <p:cTn id="22" presetID="14" presetClass="entr" presetSubtype="10" fill="hold" nodeType="clickEffect">
                                   <p:stCondLst>
                                     <p:cond delay="0"/>
                                   </p:stCondLst>
@@ -9333,7 +8365,7 @@
                             </p:stCondLst>
                             <p:childTnLst>
                               <p:par>
-                                <p:cTn id="27" presetID="14" presetClass="entr" presetSubtype="10" fill="hold" grpId="0" nodeType="clickEffect">
+                                <p:cTn id="27" presetID="14" presetClass="entr" presetSubtype="10" fill="hold" nodeType="clickEffect">
                                   <p:stCondLst>
                                     <p:cond delay="0"/>
                                   </p:stCondLst>
@@ -9346,11 +8378,7 @@
                                           </p:stCondLst>
                                         </p:cTn>
                                         <p:tgtEl>
-                                          <p:spTgt spid="3">
-                                            <p:txEl>
-                                              <p:pRg st="3" end="3"/>
-                                            </p:txEl>
-                                          </p:spTgt>
+                                          <p:spTgt spid="21"/>
                                         </p:tgtEl>
                                         <p:attrNameLst>
                                           <p:attrName>style.visibility</p:attrName>
@@ -9364,11 +8392,7 @@
                                       <p:cBhvr>
                                         <p:cTn id="29" dur="500"/>
                                         <p:tgtEl>
-                                          <p:spTgt spid="3">
-                                            <p:txEl>
-                                              <p:pRg st="3" end="3"/>
-                                            </p:txEl>
-                                          </p:spTgt>
+                                          <p:spTgt spid="21"/>
                                         </p:tgtEl>
                                       </p:cBhvr>
                                     </p:animEffect>
@@ -9394,7 +8418,7 @@
                             </p:stCondLst>
                             <p:childTnLst>
                               <p:par>
-                                <p:cTn id="32" presetID="14" presetClass="entr" presetSubtype="10" fill="hold" grpId="0" nodeType="clickEffect">
+                                <p:cTn id="32" presetID="14" presetClass="entr" presetSubtype="10" fill="hold" nodeType="clickEffect">
                                   <p:stCondLst>
                                     <p:cond delay="0"/>
                                   </p:stCondLst>
@@ -9442,6 +8466,287 @@
                       </p:childTnLst>
                     </p:cTn>
                   </p:par>
+                  <p:par>
+                    <p:cTn id="35" fill="hold">
+                      <p:stCondLst>
+                        <p:cond delay="indefinite"/>
+                      </p:stCondLst>
+                      <p:childTnLst>
+                        <p:par>
+                          <p:cTn id="36" fill="hold">
+                            <p:stCondLst>
+                              <p:cond delay="0"/>
+                            </p:stCondLst>
+                            <p:childTnLst>
+                              <p:par>
+                                <p:cTn id="37" presetID="14" presetClass="entr" presetSubtype="10" fill="hold" nodeType="clickEffect">
+                                  <p:stCondLst>
+                                    <p:cond delay="0"/>
+                                  </p:stCondLst>
+                                  <p:childTnLst>
+                                    <p:set>
+                                      <p:cBhvr>
+                                        <p:cTn id="38" dur="1" fill="hold">
+                                          <p:stCondLst>
+                                            <p:cond delay="0"/>
+                                          </p:stCondLst>
+                                        </p:cTn>
+                                        <p:tgtEl>
+                                          <p:spTgt spid="19"/>
+                                        </p:tgtEl>
+                                        <p:attrNameLst>
+                                          <p:attrName>style.visibility</p:attrName>
+                                        </p:attrNameLst>
+                                      </p:cBhvr>
+                                      <p:to>
+                                        <p:strVal val="visible"/>
+                                      </p:to>
+                                    </p:set>
+                                    <p:animEffect transition="in" filter="randombar(horizontal)">
+                                      <p:cBhvr>
+                                        <p:cTn id="39" dur="500"/>
+                                        <p:tgtEl>
+                                          <p:spTgt spid="19"/>
+                                        </p:tgtEl>
+                                      </p:cBhvr>
+                                    </p:animEffect>
+                                  </p:childTnLst>
+                                </p:cTn>
+                              </p:par>
+                            </p:childTnLst>
+                          </p:cTn>
+                        </p:par>
+                      </p:childTnLst>
+                    </p:cTn>
+                  </p:par>
+                  <p:par>
+                    <p:cTn id="40" fill="hold">
+                      <p:stCondLst>
+                        <p:cond delay="indefinite"/>
+                      </p:stCondLst>
+                      <p:childTnLst>
+                        <p:par>
+                          <p:cTn id="41" fill="hold">
+                            <p:stCondLst>
+                              <p:cond delay="0"/>
+                            </p:stCondLst>
+                            <p:childTnLst>
+                              <p:par>
+                                <p:cTn id="42" presetID="14" presetClass="entr" presetSubtype="10" fill="hold" nodeType="clickEffect">
+                                  <p:stCondLst>
+                                    <p:cond delay="0"/>
+                                  </p:stCondLst>
+                                  <p:childTnLst>
+                                    <p:set>
+                                      <p:cBhvr>
+                                        <p:cTn id="43" dur="1" fill="hold">
+                                          <p:stCondLst>
+                                            <p:cond delay="0"/>
+                                          </p:stCondLst>
+                                        </p:cTn>
+                                        <p:tgtEl>
+                                          <p:spTgt spid="3">
+                                            <p:txEl>
+                                              <p:pRg st="6" end="6"/>
+                                            </p:txEl>
+                                          </p:spTgt>
+                                        </p:tgtEl>
+                                        <p:attrNameLst>
+                                          <p:attrName>style.visibility</p:attrName>
+                                        </p:attrNameLst>
+                                      </p:cBhvr>
+                                      <p:to>
+                                        <p:strVal val="visible"/>
+                                      </p:to>
+                                    </p:set>
+                                    <p:animEffect transition="in" filter="randombar(horizontal)">
+                                      <p:cBhvr>
+                                        <p:cTn id="44" dur="500"/>
+                                        <p:tgtEl>
+                                          <p:spTgt spid="3">
+                                            <p:txEl>
+                                              <p:pRg st="6" end="6"/>
+                                            </p:txEl>
+                                          </p:spTgt>
+                                        </p:tgtEl>
+                                      </p:cBhvr>
+                                    </p:animEffect>
+                                  </p:childTnLst>
+                                </p:cTn>
+                              </p:par>
+                            </p:childTnLst>
+                          </p:cTn>
+                        </p:par>
+                      </p:childTnLst>
+                    </p:cTn>
+                  </p:par>
+                  <p:par>
+                    <p:cTn id="45" fill="hold">
+                      <p:stCondLst>
+                        <p:cond delay="indefinite"/>
+                      </p:stCondLst>
+                      <p:childTnLst>
+                        <p:par>
+                          <p:cTn id="46" fill="hold">
+                            <p:stCondLst>
+                              <p:cond delay="0"/>
+                            </p:stCondLst>
+                            <p:childTnLst>
+                              <p:par>
+                                <p:cTn id="47" presetID="14" presetClass="entr" presetSubtype="10" fill="hold" nodeType="clickEffect">
+                                  <p:stCondLst>
+                                    <p:cond delay="0"/>
+                                  </p:stCondLst>
+                                  <p:childTnLst>
+                                    <p:set>
+                                      <p:cBhvr>
+                                        <p:cTn id="48" dur="1" fill="hold">
+                                          <p:stCondLst>
+                                            <p:cond delay="0"/>
+                                          </p:stCondLst>
+                                        </p:cTn>
+                                        <p:tgtEl>
+                                          <p:spTgt spid="10"/>
+                                        </p:tgtEl>
+                                        <p:attrNameLst>
+                                          <p:attrName>style.visibility</p:attrName>
+                                        </p:attrNameLst>
+                                      </p:cBhvr>
+                                      <p:to>
+                                        <p:strVal val="visible"/>
+                                      </p:to>
+                                    </p:set>
+                                    <p:animEffect transition="in" filter="randombar(horizontal)">
+                                      <p:cBhvr>
+                                        <p:cTn id="49" dur="500"/>
+                                        <p:tgtEl>
+                                          <p:spTgt spid="10"/>
+                                        </p:tgtEl>
+                                      </p:cBhvr>
+                                    </p:animEffect>
+                                  </p:childTnLst>
+                                </p:cTn>
+                              </p:par>
+                            </p:childTnLst>
+                          </p:cTn>
+                        </p:par>
+                      </p:childTnLst>
+                    </p:cTn>
+                  </p:par>
+                  <p:par>
+                    <p:cTn id="50" fill="hold">
+                      <p:stCondLst>
+                        <p:cond delay="indefinite"/>
+                      </p:stCondLst>
+                      <p:childTnLst>
+                        <p:par>
+                          <p:cTn id="51" fill="hold">
+                            <p:stCondLst>
+                              <p:cond delay="0"/>
+                            </p:stCondLst>
+                            <p:childTnLst>
+                              <p:par>
+                                <p:cTn id="52" presetID="14" presetClass="entr" presetSubtype="10" fill="hold" nodeType="clickEffect">
+                                  <p:stCondLst>
+                                    <p:cond delay="0"/>
+                                  </p:stCondLst>
+                                  <p:childTnLst>
+                                    <p:set>
+                                      <p:cBhvr>
+                                        <p:cTn id="53" dur="1" fill="hold">
+                                          <p:stCondLst>
+                                            <p:cond delay="0"/>
+                                          </p:stCondLst>
+                                        </p:cTn>
+                                        <p:tgtEl>
+                                          <p:spTgt spid="3">
+                                            <p:txEl>
+                                              <p:pRg st="8" end="8"/>
+                                            </p:txEl>
+                                          </p:spTgt>
+                                        </p:tgtEl>
+                                        <p:attrNameLst>
+                                          <p:attrName>style.visibility</p:attrName>
+                                        </p:attrNameLst>
+                                      </p:cBhvr>
+                                      <p:to>
+                                        <p:strVal val="visible"/>
+                                      </p:to>
+                                    </p:set>
+                                    <p:animEffect transition="in" filter="randombar(horizontal)">
+                                      <p:cBhvr>
+                                        <p:cTn id="54" dur="500"/>
+                                        <p:tgtEl>
+                                          <p:spTgt spid="3">
+                                            <p:txEl>
+                                              <p:pRg st="8" end="8"/>
+                                            </p:txEl>
+                                          </p:spTgt>
+                                        </p:tgtEl>
+                                      </p:cBhvr>
+                                    </p:animEffect>
+                                  </p:childTnLst>
+                                </p:cTn>
+                              </p:par>
+                            </p:childTnLst>
+                          </p:cTn>
+                        </p:par>
+                      </p:childTnLst>
+                    </p:cTn>
+                  </p:par>
+                  <p:par>
+                    <p:cTn id="55" fill="hold">
+                      <p:stCondLst>
+                        <p:cond delay="indefinite"/>
+                      </p:stCondLst>
+                      <p:childTnLst>
+                        <p:par>
+                          <p:cTn id="56" fill="hold">
+                            <p:stCondLst>
+                              <p:cond delay="0"/>
+                            </p:stCondLst>
+                            <p:childTnLst>
+                              <p:par>
+                                <p:cTn id="57" presetID="14" presetClass="entr" presetSubtype="10" fill="hold" nodeType="clickEffect">
+                                  <p:stCondLst>
+                                    <p:cond delay="0"/>
+                                  </p:stCondLst>
+                                  <p:childTnLst>
+                                    <p:set>
+                                      <p:cBhvr>
+                                        <p:cTn id="58" dur="1" fill="hold">
+                                          <p:stCondLst>
+                                            <p:cond delay="0"/>
+                                          </p:stCondLst>
+                                        </p:cTn>
+                                        <p:tgtEl>
+                                          <p:spTgt spid="12"/>
+                                        </p:tgtEl>
+                                        <p:attrNameLst>
+                                          <p:attrName>style.visibility</p:attrName>
+                                        </p:attrNameLst>
+                                      </p:cBhvr>
+                                      <p:to>
+                                        <p:strVal val="visible"/>
+                                      </p:to>
+                                    </p:set>
+                                    <p:animEffect transition="in" filter="randombar(horizontal)">
+                                      <p:cBhvr>
+                                        <p:cTn id="59" dur="500"/>
+                                        <p:tgtEl>
+                                          <p:spTgt spid="12"/>
+                                        </p:tgtEl>
+                                      </p:cBhvr>
+                                    </p:animEffect>
+                                  </p:childTnLst>
+                                </p:cTn>
+                              </p:par>
+                            </p:childTnLst>
+                          </p:cTn>
+                        </p:par>
+                      </p:childTnLst>
+                    </p:cTn>
+                  </p:par>
                 </p:childTnLst>
               </p:cTn>
               <p:prevCondLst>
@@ -9465,13 +8770,12 @@
     </p:tnLst>
     <p:bldLst>
       <p:bldP spid="2" grpId="0"/>
-      <p:bldP spid="3" grpId="0" build="p"/>
     </p:bldLst>
   </p:timing>
 </p:sld>
 </file>
 
-<file path=ppt/slides/slide13.xml><?xml version="1.0" encoding="utf-8"?>
+<file path=ppt/slides/slide11.xml><?xml version="1.0" encoding="utf-8"?>
 <p:sld xmlns:a="http://schemas.openxmlformats.org/drawingml/2006/main" xmlns:r="http://schemas.openxmlformats.org/officeDocument/2006/relationships" xmlns:p="http://schemas.openxmlformats.org/presentationml/2006/main">
   <p:cSld>
     <p:bg>
@@ -10526,7 +9830,7 @@
         </p:blipFill>
         <p:spPr>
           <a:xfrm>
-            <a:off x="26275" y="52023"/>
+            <a:off x="26275" y="44339"/>
             <a:ext cx="1090653" cy="428990"/>
           </a:xfrm>
           <a:prstGeom prst="rect">
@@ -10534,72 +9838,6 @@
           </a:prstGeom>
         </p:spPr>
       </p:pic>
-      <p:sp>
-        <p:nvSpPr>
-          <p:cNvPr id="7" name="Date Placeholder 6">
-            <a:extLst>
-              <a:ext uri="{FF2B5EF4-FFF2-40B4-BE49-F238E27FC236}">
-                <a16:creationId xmlns:a16="http://schemas.microsoft.com/office/drawing/2014/main" id="{129965FC-AF2C-F804-8A81-4C51196F6545}"/>
-              </a:ext>
-            </a:extLst>
-          </p:cNvPr>
-          <p:cNvSpPr>
-            <a:spLocks noGrp="1"/>
-          </p:cNvSpPr>
-          <p:nvPr>
-            <p:ph type="dt" sz="half" idx="10"/>
-          </p:nvPr>
-        </p:nvSpPr>
-        <p:spPr/>
-        <p:txBody>
-          <a:bodyPr/>
-          <a:lstStyle/>
-          <a:p>
-            <a:r>
-              <a:rPr lang="en-US" b="1" dirty="0">
-                <a:solidFill>
-                  <a:schemeClr val="tx1"/>
-                </a:solidFill>
-              </a:rPr>
-              <a:t>28/09/2023</a:t>
-            </a:r>
-            <a:endParaRPr lang="en-IN" b="1" dirty="0">
-              <a:solidFill>
-                <a:schemeClr val="tx1"/>
-              </a:solidFill>
-            </a:endParaRPr>
-          </a:p>
-        </p:txBody>
-      </p:sp>
-      <p:sp>
-        <p:nvSpPr>
-          <p:cNvPr id="5" name="Footer Placeholder 4">
-            <a:extLst>
-              <a:ext uri="{FF2B5EF4-FFF2-40B4-BE49-F238E27FC236}">
-                <a16:creationId xmlns:a16="http://schemas.microsoft.com/office/drawing/2014/main" id="{2C8C2BF1-3A89-C8C5-8291-75B52D9C511F}"/>
-              </a:ext>
-            </a:extLst>
-          </p:cNvPr>
-          <p:cNvSpPr>
-            <a:spLocks noGrp="1"/>
-          </p:cNvSpPr>
-          <p:nvPr>
-            <p:ph type="ftr" sz="quarter" idx="11"/>
-          </p:nvPr>
-        </p:nvSpPr>
-        <p:spPr/>
-        <p:txBody>
-          <a:bodyPr/>
-          <a:lstStyle/>
-          <a:p>
-            <a:r>
-              <a:rPr lang="en-IN"/>
-              <a:t>TSE Custom Initializr</a:t>
-            </a:r>
-            <a:endParaRPr lang="en-IN" dirty="0"/>
-          </a:p>
-        </p:txBody>
-      </p:sp>
       <p:sp>
         <p:nvSpPr>
           <p:cNvPr id="4" name="Slide Number Placeholder 3">
@@ -10636,7 +9874,7 @@
                   <a:schemeClr val="tx1"/>
                 </a:solidFill>
               </a:rPr>
-              <a:t>13</a:t>
+              <a:t>11</a:t>
             </a:fld>
             <a:endParaRPr lang="en-GB" dirty="0">
               <a:solidFill>
@@ -10888,76 +10126,6 @@
           </a:p>
           <a:p>
             <a:endParaRPr lang="en-IN" sz="1000" dirty="0"/>
-          </a:p>
-        </p:txBody>
-      </p:sp>
-      <p:sp>
-        <p:nvSpPr>
-          <p:cNvPr id="10" name="Date Placeholder 9">
-            <a:extLst>
-              <a:ext uri="{FF2B5EF4-FFF2-40B4-BE49-F238E27FC236}">
-                <a16:creationId xmlns:a16="http://schemas.microsoft.com/office/drawing/2014/main" id="{48209E6B-7B96-4970-9F5B-4B8FCF28E24D}"/>
-              </a:ext>
-            </a:extLst>
-          </p:cNvPr>
-          <p:cNvSpPr>
-            <a:spLocks noGrp="1"/>
-          </p:cNvSpPr>
-          <p:nvPr>
-            <p:ph type="dt" sz="half" idx="10"/>
-          </p:nvPr>
-        </p:nvSpPr>
-        <p:spPr/>
-        <p:txBody>
-          <a:bodyPr/>
-          <a:lstStyle/>
-          <a:p>
-            <a:r>
-              <a:rPr lang="en-US" b="1" dirty="0">
-                <a:solidFill>
-                  <a:schemeClr val="tx1"/>
-                </a:solidFill>
-              </a:rPr>
-              <a:t>28/09/2023</a:t>
-            </a:r>
-            <a:endParaRPr lang="en-IN" b="1" dirty="0">
-              <a:solidFill>
-                <a:schemeClr val="tx1"/>
-              </a:solidFill>
-            </a:endParaRPr>
-          </a:p>
-        </p:txBody>
-      </p:sp>
-      <p:sp>
-        <p:nvSpPr>
-          <p:cNvPr id="5" name="Footer Placeholder 4">
-            <a:extLst>
-              <a:ext uri="{FF2B5EF4-FFF2-40B4-BE49-F238E27FC236}">
-                <a16:creationId xmlns:a16="http://schemas.microsoft.com/office/drawing/2014/main" id="{EA8BDBDB-1893-AB4D-969C-9F621D509CB9}"/>
-              </a:ext>
-            </a:extLst>
-          </p:cNvPr>
-          <p:cNvSpPr>
-            <a:spLocks noGrp="1"/>
-          </p:cNvSpPr>
-          <p:nvPr>
-            <p:ph type="ftr" sz="quarter" idx="11"/>
-          </p:nvPr>
-        </p:nvSpPr>
-        <p:spPr/>
-        <p:txBody>
-          <a:bodyPr/>
-          <a:lstStyle/>
-          <a:p>
-            <a:r>
-              <a:rPr lang="en-IN" dirty="0"/>
-              <a:t>TSE Custom </a:t>
-            </a:r>
-            <a:r>
-              <a:rPr lang="en-IN" dirty="0" err="1"/>
-              <a:t>Initializr</a:t>
-            </a:r>
-            <a:endParaRPr lang="en-IN" dirty="0"/>
           </a:p>
         </p:txBody>
       </p:sp>
@@ -11549,35 +10717,6 @@
       </p:sp>
       <p:sp>
         <p:nvSpPr>
-          <p:cNvPr id="4" name="Footer Placeholder 3">
-            <a:extLst>
-              <a:ext uri="{FF2B5EF4-FFF2-40B4-BE49-F238E27FC236}">
-                <a16:creationId xmlns:a16="http://schemas.microsoft.com/office/drawing/2014/main" id="{6331D438-B420-C949-4769-24B48FFE0420}"/>
-              </a:ext>
-            </a:extLst>
-          </p:cNvPr>
-          <p:cNvSpPr>
-            <a:spLocks noGrp="1"/>
-          </p:cNvSpPr>
-          <p:nvPr>
-            <p:ph type="ftr" sz="quarter" idx="11"/>
-          </p:nvPr>
-        </p:nvSpPr>
-        <p:spPr/>
-        <p:txBody>
-          <a:bodyPr/>
-          <a:lstStyle/>
-          <a:p>
-            <a:r>
-              <a:rPr lang="en-IN"/>
-              <a:t>TSE Custom Initializr</a:t>
-            </a:r>
-            <a:endParaRPr lang="en-IN" dirty="0"/>
-          </a:p>
-        </p:txBody>
-      </p:sp>
-      <p:sp>
-        <p:nvSpPr>
           <p:cNvPr id="3" name="Slide Number Placeholder 2">
             <a:extLst>
               <a:ext uri="{FF2B5EF4-FFF2-40B4-BE49-F238E27FC236}">
@@ -11997,172 +11136,10 @@
       </p:grpSpPr>
       <p:sp>
         <p:nvSpPr>
-          <p:cNvPr id="2" name="Title 1">
+          <p:cNvPr id="4" name="Date Placeholder 3">
             <a:extLst>
               <a:ext uri="{FF2B5EF4-FFF2-40B4-BE49-F238E27FC236}">
-                <a16:creationId xmlns:a16="http://schemas.microsoft.com/office/drawing/2014/main" id="{D33457AD-738F-BC50-23C7-30AC929F353D}"/>
-              </a:ext>
-            </a:extLst>
-          </p:cNvPr>
-          <p:cNvSpPr>
-            <a:spLocks noGrp="1"/>
-          </p:cNvSpPr>
-          <p:nvPr>
-            <p:ph type="title"/>
-          </p:nvPr>
-        </p:nvSpPr>
-        <p:spPr>
-          <a:xfrm>
-            <a:off x="508001" y="457200"/>
-            <a:ext cx="6447501" cy="656771"/>
-          </a:xfrm>
-        </p:spPr>
-        <p:txBody>
-          <a:bodyPr/>
-          <a:lstStyle/>
-          <a:p>
-            <a:pPr algn="ctr"/>
-            <a:r>
-              <a:rPr lang="en-IN" u="sng" dirty="0"/>
-              <a:t>DEVELOPMENT TOOLS</a:t>
-            </a:r>
-          </a:p>
-        </p:txBody>
-      </p:sp>
-      <p:sp>
-        <p:nvSpPr>
-          <p:cNvPr id="11" name="Content Placeholder 10">
-            <a:extLst>
-              <a:ext uri="{FF2B5EF4-FFF2-40B4-BE49-F238E27FC236}">
-                <a16:creationId xmlns:a16="http://schemas.microsoft.com/office/drawing/2014/main" id="{84E90344-FDE9-8314-E963-8F41964775BD}"/>
-              </a:ext>
-            </a:extLst>
-          </p:cNvPr>
-          <p:cNvSpPr>
-            <a:spLocks noGrp="1"/>
-          </p:cNvSpPr>
-          <p:nvPr>
-            <p:ph idx="1"/>
-          </p:nvPr>
-        </p:nvSpPr>
-        <p:spPr>
-          <a:xfrm>
-            <a:off x="508001" y="1302657"/>
-            <a:ext cx="6447501" cy="3228365"/>
-          </a:xfrm>
-        </p:spPr>
-        <p:txBody>
-          <a:bodyPr>
-            <a:normAutofit/>
-          </a:bodyPr>
-          <a:lstStyle/>
-          <a:p>
-            <a:pPr>
-              <a:buFont typeface="Wingdings" panose="05000000000000000000" pitchFamily="2" charset="2"/>
-              <a:buChar char="Ø"/>
-            </a:pPr>
-            <a:r>
-              <a:rPr lang="en-IN" b="1" dirty="0"/>
-              <a:t>Front-End</a:t>
-            </a:r>
-            <a:r>
-              <a:rPr lang="en-IN" dirty="0"/>
-              <a:t> :</a:t>
-            </a:r>
-          </a:p>
-          <a:p>
-            <a:pPr lvl="1">
-              <a:buFont typeface="Arial" panose="020B0604020202020204" pitchFamily="34" charset="0"/>
-              <a:buChar char="•"/>
-            </a:pPr>
-            <a:r>
-              <a:rPr lang="en-US" dirty="0"/>
-              <a:t>React: to efficiently manage state and UI updates and to perform front-end testing.</a:t>
-            </a:r>
-            <a:endParaRPr lang="en-IN" dirty="0"/>
-          </a:p>
-          <a:p>
-            <a:pPr>
-              <a:buFont typeface="Wingdings" panose="05000000000000000000" pitchFamily="2" charset="2"/>
-              <a:buChar char="Ø"/>
-            </a:pPr>
-            <a:r>
-              <a:rPr lang="en-IN" b="1" dirty="0"/>
-              <a:t>Back-End</a:t>
-            </a:r>
-            <a:r>
-              <a:rPr lang="en-IN" dirty="0"/>
-              <a:t> :</a:t>
-            </a:r>
-          </a:p>
-          <a:p>
-            <a:pPr lvl="1">
-              <a:buFont typeface="Arial" panose="020B0604020202020204" pitchFamily="34" charset="0"/>
-              <a:buChar char="•"/>
-            </a:pPr>
-            <a:r>
-              <a:rPr lang="en-IN" dirty="0"/>
-              <a:t>Spring Tools 4</a:t>
-            </a:r>
-          </a:p>
-          <a:p>
-            <a:pPr lvl="1">
-              <a:buFont typeface="Arial" panose="020B0604020202020204" pitchFamily="34" charset="0"/>
-              <a:buChar char="•"/>
-            </a:pPr>
-            <a:r>
-              <a:rPr lang="en-IN" dirty="0"/>
-              <a:t>Spring Boot Starter</a:t>
-            </a:r>
-          </a:p>
-          <a:p>
-            <a:pPr lvl="1">
-              <a:buFont typeface="Arial" panose="020B0604020202020204" pitchFamily="34" charset="0"/>
-              <a:buChar char="•"/>
-            </a:pPr>
-            <a:r>
-              <a:rPr lang="en-IN" dirty="0"/>
-              <a:t>Spring-Core: Initializr-generator</a:t>
-            </a:r>
-          </a:p>
-          <a:p>
-            <a:pPr lvl="1">
-              <a:buFont typeface="Arial" panose="020B0604020202020204" pitchFamily="34" charset="0"/>
-              <a:buChar char="•"/>
-            </a:pPr>
-            <a:r>
-              <a:rPr lang="en-IN" dirty="0"/>
-              <a:t>Spring Initializr Metadata: Initializr-metadata</a:t>
-            </a:r>
-          </a:p>
-          <a:p>
-            <a:pPr lvl="1">
-              <a:buFont typeface="Arial" panose="020B0604020202020204" pitchFamily="34" charset="0"/>
-              <a:buChar char="•"/>
-            </a:pPr>
-            <a:r>
-              <a:rPr lang="en-IN" dirty="0"/>
-              <a:t>Dependencies: spring-web, starter-actuator</a:t>
-            </a:r>
-          </a:p>
-          <a:p>
-            <a:pPr lvl="1">
-              <a:buFont typeface="Arial" panose="020B0604020202020204" pitchFamily="34" charset="0"/>
-              <a:buChar char="•"/>
-            </a:pPr>
-            <a:r>
-              <a:rPr lang="en-IN" dirty="0"/>
-              <a:t>Embedded Web Server: Apache Tomcat</a:t>
-            </a:r>
-          </a:p>
-        </p:txBody>
-      </p:sp>
-      <p:sp>
-        <p:nvSpPr>
-          <p:cNvPr id="7" name="Date Placeholder 6">
-            <a:extLst>
-              <a:ext uri="{FF2B5EF4-FFF2-40B4-BE49-F238E27FC236}">
-                <a16:creationId xmlns:a16="http://schemas.microsoft.com/office/drawing/2014/main" id="{90402E0A-3525-F7EB-CDB9-3041F8BEDAED}"/>
+                <a16:creationId xmlns:a16="http://schemas.microsoft.com/office/drawing/2014/main" id="{58A5A5F8-DD2F-094A-7A3D-156D36BA663A}"/>
               </a:ext>
             </a:extLst>
           </p:cNvPr>
@@ -12179,27 +11156,19 @@
           <a:lstStyle/>
           <a:p>
             <a:r>
-              <a:rPr lang="en-US" b="1" dirty="0">
-                <a:solidFill>
-                  <a:schemeClr val="tx1"/>
-                </a:solidFill>
-              </a:rPr>
+              <a:rPr lang="en-US"/>
               <a:t>28/09/2023</a:t>
             </a:r>
-            <a:endParaRPr lang="en-IN" b="1" dirty="0">
-              <a:solidFill>
-                <a:schemeClr val="tx1"/>
-              </a:solidFill>
-            </a:endParaRPr>
+            <a:endParaRPr lang="en-IN" dirty="0"/>
           </a:p>
         </p:txBody>
       </p:sp>
       <p:sp>
         <p:nvSpPr>
-          <p:cNvPr id="4" name="Footer Placeholder 3">
+          <p:cNvPr id="5" name="Footer Placeholder 4">
             <a:extLst>
               <a:ext uri="{FF2B5EF4-FFF2-40B4-BE49-F238E27FC236}">
-                <a16:creationId xmlns:a16="http://schemas.microsoft.com/office/drawing/2014/main" id="{C8EA5CC7-536A-379F-CA64-DA59BF5BC6A4}"/>
+                <a16:creationId xmlns:a16="http://schemas.microsoft.com/office/drawing/2014/main" id="{ED250863-BCB9-E027-DCA7-82731E5ABD3B}"/>
               </a:ext>
             </a:extLst>
           </p:cNvPr>
@@ -12225,10 +11194,10 @@
       </p:sp>
       <p:sp>
         <p:nvSpPr>
-          <p:cNvPr id="3" name="Slide Number Placeholder 2">
+          <p:cNvPr id="6" name="Slide Number Placeholder 5">
             <a:extLst>
               <a:ext uri="{FF2B5EF4-FFF2-40B4-BE49-F238E27FC236}">
-                <a16:creationId xmlns:a16="http://schemas.microsoft.com/office/drawing/2014/main" id="{10281931-602B-62C1-6396-1F882A866732}"/>
+                <a16:creationId xmlns:a16="http://schemas.microsoft.com/office/drawing/2014/main" id="{F686CEDF-5356-0D63-CCF5-DD7D750CDB2B}"/>
               </a:ext>
             </a:extLst>
           </p:cNvPr>
@@ -12263,10 +11232,10 @@
       </p:sp>
       <p:pic>
         <p:nvPicPr>
-          <p:cNvPr id="8" name="Picture 7">
+          <p:cNvPr id="10" name="Picture 9">
             <a:extLst>
               <a:ext uri="{FF2B5EF4-FFF2-40B4-BE49-F238E27FC236}">
-                <a16:creationId xmlns:a16="http://schemas.microsoft.com/office/drawing/2014/main" id="{3BE399B8-1C05-0AAE-73AF-038182F8BED7}"/>
+                <a16:creationId xmlns:a16="http://schemas.microsoft.com/office/drawing/2014/main" id="{1A76B152-29D8-D6EA-6EF2-EA700FFF584D}"/>
               </a:ext>
             </a:extLst>
           </p:cNvPr>
@@ -12276,111 +11245,15 @@
           <p:nvPr/>
         </p:nvPicPr>
         <p:blipFill>
-          <a:blip r:embed="rId2">
-            <a:extLst>
-              <a:ext uri="{837473B0-CC2E-450A-ABE3-18F120FF3D39}">
-                <a1611:picAttrSrcUrl xmlns:a1611="http://schemas.microsoft.com/office/drawing/2016/11/main" r:id="rId3"/>
-              </a:ext>
-            </a:extLst>
-          </a:blip>
+          <a:blip r:embed="rId2"/>
           <a:stretch>
             <a:fillRect/>
           </a:stretch>
         </p:blipFill>
         <p:spPr>
           <a:xfrm>
-            <a:off x="1262744" y="401239"/>
-            <a:ext cx="609034" cy="609034"/>
-          </a:xfrm>
-          <a:prstGeom prst="rect">
-            <a:avLst/>
-          </a:prstGeom>
-        </p:spPr>
-      </p:pic>
-      <p:pic>
-        <p:nvPicPr>
-          <p:cNvPr id="6" name="Picture 5" descr="A blue and black symbol&#10;&#10;Description automatically generated">
-            <a:extLst>
-              <a:ext uri="{FF2B5EF4-FFF2-40B4-BE49-F238E27FC236}">
-                <a16:creationId xmlns:a16="http://schemas.microsoft.com/office/drawing/2014/main" id="{13B7D714-C732-B55A-EDFC-94C371562232}"/>
-              </a:ext>
-            </a:extLst>
-          </p:cNvPr>
-          <p:cNvPicPr>
-            <a:picLocks noChangeAspect="1"/>
-          </p:cNvPicPr>
-          <p:nvPr/>
-        </p:nvPicPr>
-        <p:blipFill>
-          <a:blip r:embed="rId4"/>
-          <a:stretch>
-            <a:fillRect/>
-          </a:stretch>
-        </p:blipFill>
-        <p:spPr>
-          <a:xfrm flipH="1">
-            <a:off x="437106" y="1614859"/>
-            <a:ext cx="448412" cy="401239"/>
-          </a:xfrm>
-          <a:prstGeom prst="rect">
-            <a:avLst/>
-          </a:prstGeom>
-        </p:spPr>
-      </p:pic>
-      <p:pic>
-        <p:nvPicPr>
-          <p:cNvPr id="9" name="Picture 8" descr="A green leaf in a circle&#10;&#10;Description automatically generated">
-            <a:extLst>
-              <a:ext uri="{FF2B5EF4-FFF2-40B4-BE49-F238E27FC236}">
-                <a16:creationId xmlns:a16="http://schemas.microsoft.com/office/drawing/2014/main" id="{0F6B6A4E-0C0B-5D07-5752-7BF487FA1FEC}"/>
-              </a:ext>
-            </a:extLst>
-          </p:cNvPr>
-          <p:cNvPicPr>
-            <a:picLocks noChangeAspect="1"/>
-          </p:cNvPicPr>
-          <p:nvPr/>
-        </p:nvPicPr>
-        <p:blipFill>
-          <a:blip r:embed="rId5"/>
-          <a:stretch>
-            <a:fillRect/>
-          </a:stretch>
-        </p:blipFill>
-        <p:spPr>
-          <a:xfrm>
-            <a:off x="4982726" y="2093034"/>
-            <a:ext cx="957032" cy="957432"/>
-          </a:xfrm>
-          <a:prstGeom prst="rect">
-            <a:avLst/>
-          </a:prstGeom>
-        </p:spPr>
-      </p:pic>
-      <p:pic>
-        <p:nvPicPr>
-          <p:cNvPr id="12" name="Picture 11" descr="A cat with a tail&#10;&#10;Description automatically generated">
-            <a:extLst>
-              <a:ext uri="{FF2B5EF4-FFF2-40B4-BE49-F238E27FC236}">
-                <a16:creationId xmlns:a16="http://schemas.microsoft.com/office/drawing/2014/main" id="{ECC3777A-D39B-C6AC-4654-4E8454CB1643}"/>
-              </a:ext>
-            </a:extLst>
-          </p:cNvPr>
-          <p:cNvPicPr>
-            <a:picLocks noChangeAspect="1"/>
-          </p:cNvPicPr>
-          <p:nvPr/>
-        </p:nvPicPr>
-        <p:blipFill>
-          <a:blip r:embed="rId6"/>
-          <a:stretch>
-            <a:fillRect/>
-          </a:stretch>
-        </p:blipFill>
-        <p:spPr>
-          <a:xfrm>
-            <a:off x="4481473" y="3194157"/>
-            <a:ext cx="1857856" cy="1340478"/>
+            <a:off x="591670" y="1191025"/>
+            <a:ext cx="7562517" cy="2799114"/>
           </a:xfrm>
           <a:prstGeom prst="rect">
             <a:avLst/>
@@ -12390,7 +11263,7 @@
     </p:spTree>
     <p:extLst>
       <p:ext uri="{BB962C8B-B14F-4D97-AF65-F5344CB8AC3E}">
-        <p14:creationId xmlns:p14="http://schemas.microsoft.com/office/powerpoint/2010/main" val="3304122469"/>
+        <p14:creationId xmlns:p14="http://schemas.microsoft.com/office/powerpoint/2010/main" val="514693859"/>
       </p:ext>
     </p:extLst>
   </p:cSld>
@@ -12418,7 +11291,7 @@
                             </p:stCondLst>
                             <p:childTnLst>
                               <p:par>
-                                <p:cTn id="5" presetID="42" presetClass="entr" presetSubtype="0" fill="hold" nodeType="clickEffect">
+                                <p:cTn id="5" presetID="21" presetClass="entr" presetSubtype="1" fill="hold" nodeType="clickEffect">
                                   <p:stCondLst>
                                     <p:cond delay="0"/>
                                   </p:stCondLst>
@@ -12426,1511 +11299,6 @@
                                     <p:set>
                                       <p:cBhvr>
                                         <p:cTn id="6" dur="1" fill="hold">
-                                          <p:stCondLst>
-                                            <p:cond delay="0"/>
-                                          </p:stCondLst>
-                                        </p:cTn>
-                                        <p:tgtEl>
-                                          <p:spTgt spid="8"/>
-                                        </p:tgtEl>
-                                        <p:attrNameLst>
-                                          <p:attrName>style.visibility</p:attrName>
-                                        </p:attrNameLst>
-                                      </p:cBhvr>
-                                      <p:to>
-                                        <p:strVal val="visible"/>
-                                      </p:to>
-                                    </p:set>
-                                    <p:animEffect transition="in" filter="fade">
-                                      <p:cBhvr>
-                                        <p:cTn id="7" dur="1000"/>
-                                        <p:tgtEl>
-                                          <p:spTgt spid="8"/>
-                                        </p:tgtEl>
-                                      </p:cBhvr>
-                                    </p:animEffect>
-                                    <p:anim calcmode="lin" valueType="num">
-                                      <p:cBhvr>
-                                        <p:cTn id="8" dur="1000" fill="hold"/>
-                                        <p:tgtEl>
-                                          <p:spTgt spid="8"/>
-                                        </p:tgtEl>
-                                        <p:attrNameLst>
-                                          <p:attrName>ppt_x</p:attrName>
-                                        </p:attrNameLst>
-                                      </p:cBhvr>
-                                      <p:tavLst>
-                                        <p:tav tm="0">
-                                          <p:val>
-                                            <p:strVal val="#ppt_x"/>
-                                          </p:val>
-                                        </p:tav>
-                                        <p:tav tm="100000">
-                                          <p:val>
-                                            <p:strVal val="#ppt_x"/>
-                                          </p:val>
-                                        </p:tav>
-                                      </p:tavLst>
-                                    </p:anim>
-                                    <p:anim calcmode="lin" valueType="num">
-                                      <p:cBhvr>
-                                        <p:cTn id="9" dur="1000" fill="hold"/>
-                                        <p:tgtEl>
-                                          <p:spTgt spid="8"/>
-                                        </p:tgtEl>
-                                        <p:attrNameLst>
-                                          <p:attrName>ppt_y</p:attrName>
-                                        </p:attrNameLst>
-                                      </p:cBhvr>
-                                      <p:tavLst>
-                                        <p:tav tm="0">
-                                          <p:val>
-                                            <p:strVal val="#ppt_y+.1"/>
-                                          </p:val>
-                                        </p:tav>
-                                        <p:tav tm="100000">
-                                          <p:val>
-                                            <p:strVal val="#ppt_y"/>
-                                          </p:val>
-                                        </p:tav>
-                                      </p:tavLst>
-                                    </p:anim>
-                                  </p:childTnLst>
-                                </p:cTn>
-                              </p:par>
-                              <p:par>
-                                <p:cTn id="10" presetID="42" presetClass="entr" presetSubtype="0" fill="hold" grpId="0" nodeType="withEffect">
-                                  <p:stCondLst>
-                                    <p:cond delay="0"/>
-                                  </p:stCondLst>
-                                  <p:childTnLst>
-                                    <p:set>
-                                      <p:cBhvr>
-                                        <p:cTn id="11" dur="1" fill="hold">
-                                          <p:stCondLst>
-                                            <p:cond delay="0"/>
-                                          </p:stCondLst>
-                                        </p:cTn>
-                                        <p:tgtEl>
-                                          <p:spTgt spid="2"/>
-                                        </p:tgtEl>
-                                        <p:attrNameLst>
-                                          <p:attrName>style.visibility</p:attrName>
-                                        </p:attrNameLst>
-                                      </p:cBhvr>
-                                      <p:to>
-                                        <p:strVal val="visible"/>
-                                      </p:to>
-                                    </p:set>
-                                    <p:animEffect transition="in" filter="fade">
-                                      <p:cBhvr>
-                                        <p:cTn id="12" dur="1000"/>
-                                        <p:tgtEl>
-                                          <p:spTgt spid="2"/>
-                                        </p:tgtEl>
-                                      </p:cBhvr>
-                                    </p:animEffect>
-                                    <p:anim calcmode="lin" valueType="num">
-                                      <p:cBhvr>
-                                        <p:cTn id="13" dur="1000" fill="hold"/>
-                                        <p:tgtEl>
-                                          <p:spTgt spid="2"/>
-                                        </p:tgtEl>
-                                        <p:attrNameLst>
-                                          <p:attrName>ppt_x</p:attrName>
-                                        </p:attrNameLst>
-                                      </p:cBhvr>
-                                      <p:tavLst>
-                                        <p:tav tm="0">
-                                          <p:val>
-                                            <p:strVal val="#ppt_x"/>
-                                          </p:val>
-                                        </p:tav>
-                                        <p:tav tm="100000">
-                                          <p:val>
-                                            <p:strVal val="#ppt_x"/>
-                                          </p:val>
-                                        </p:tav>
-                                      </p:tavLst>
-                                    </p:anim>
-                                    <p:anim calcmode="lin" valueType="num">
-                                      <p:cBhvr>
-                                        <p:cTn id="14" dur="1000" fill="hold"/>
-                                        <p:tgtEl>
-                                          <p:spTgt spid="2"/>
-                                        </p:tgtEl>
-                                        <p:attrNameLst>
-                                          <p:attrName>ppt_y</p:attrName>
-                                        </p:attrNameLst>
-                                      </p:cBhvr>
-                                      <p:tavLst>
-                                        <p:tav tm="0">
-                                          <p:val>
-                                            <p:strVal val="#ppt_y+.1"/>
-                                          </p:val>
-                                        </p:tav>
-                                        <p:tav tm="100000">
-                                          <p:val>
-                                            <p:strVal val="#ppt_y"/>
-                                          </p:val>
-                                        </p:tav>
-                                      </p:tavLst>
-                                    </p:anim>
-                                  </p:childTnLst>
-                                </p:cTn>
-                              </p:par>
-                            </p:childTnLst>
-                          </p:cTn>
-                        </p:par>
-                      </p:childTnLst>
-                    </p:cTn>
-                  </p:par>
-                  <p:par>
-                    <p:cTn id="15" fill="hold">
-                      <p:stCondLst>
-                        <p:cond delay="indefinite"/>
-                      </p:stCondLst>
-                      <p:childTnLst>
-                        <p:par>
-                          <p:cTn id="16" fill="hold">
-                            <p:stCondLst>
-                              <p:cond delay="0"/>
-                            </p:stCondLst>
-                            <p:childTnLst>
-                              <p:par>
-                                <p:cTn id="17" presetID="14" presetClass="entr" presetSubtype="10" fill="hold" grpId="0" nodeType="clickEffect">
-                                  <p:stCondLst>
-                                    <p:cond delay="0"/>
-                                  </p:stCondLst>
-                                  <p:childTnLst>
-                                    <p:set>
-                                      <p:cBhvr>
-                                        <p:cTn id="18" dur="1" fill="hold">
-                                          <p:stCondLst>
-                                            <p:cond delay="0"/>
-                                          </p:stCondLst>
-                                        </p:cTn>
-                                        <p:tgtEl>
-                                          <p:spTgt spid="11">
-                                            <p:txEl>
-                                              <p:pRg st="0" end="0"/>
-                                            </p:txEl>
-                                          </p:spTgt>
-                                        </p:tgtEl>
-                                        <p:attrNameLst>
-                                          <p:attrName>style.visibility</p:attrName>
-                                        </p:attrNameLst>
-                                      </p:cBhvr>
-                                      <p:to>
-                                        <p:strVal val="visible"/>
-                                      </p:to>
-                                    </p:set>
-                                    <p:animEffect transition="in" filter="randombar(horizontal)">
-                                      <p:cBhvr>
-                                        <p:cTn id="19" dur="500"/>
-                                        <p:tgtEl>
-                                          <p:spTgt spid="11">
-                                            <p:txEl>
-                                              <p:pRg st="0" end="0"/>
-                                            </p:txEl>
-                                          </p:spTgt>
-                                        </p:tgtEl>
-                                      </p:cBhvr>
-                                    </p:animEffect>
-                                  </p:childTnLst>
-                                </p:cTn>
-                              </p:par>
-                              <p:par>
-                                <p:cTn id="20" presetID="14" presetClass="entr" presetSubtype="10" fill="hold" grpId="0" nodeType="withEffect">
-                                  <p:stCondLst>
-                                    <p:cond delay="0"/>
-                                  </p:stCondLst>
-                                  <p:childTnLst>
-                                    <p:set>
-                                      <p:cBhvr>
-                                        <p:cTn id="21" dur="1" fill="hold">
-                                          <p:stCondLst>
-                                            <p:cond delay="0"/>
-                                          </p:stCondLst>
-                                        </p:cTn>
-                                        <p:tgtEl>
-                                          <p:spTgt spid="11">
-                                            <p:txEl>
-                                              <p:pRg st="1" end="1"/>
-                                            </p:txEl>
-                                          </p:spTgt>
-                                        </p:tgtEl>
-                                        <p:attrNameLst>
-                                          <p:attrName>style.visibility</p:attrName>
-                                        </p:attrNameLst>
-                                      </p:cBhvr>
-                                      <p:to>
-                                        <p:strVal val="visible"/>
-                                      </p:to>
-                                    </p:set>
-                                    <p:animEffect transition="in" filter="randombar(horizontal)">
-                                      <p:cBhvr>
-                                        <p:cTn id="22" dur="500"/>
-                                        <p:tgtEl>
-                                          <p:spTgt spid="11">
-                                            <p:txEl>
-                                              <p:pRg st="1" end="1"/>
-                                            </p:txEl>
-                                          </p:spTgt>
-                                        </p:tgtEl>
-                                      </p:cBhvr>
-                                    </p:animEffect>
-                                  </p:childTnLst>
-                                </p:cTn>
-                              </p:par>
-                              <p:par>
-                                <p:cTn id="23" presetID="14" presetClass="entr" presetSubtype="10" fill="hold" nodeType="withEffect">
-                                  <p:stCondLst>
-                                    <p:cond delay="0"/>
-                                  </p:stCondLst>
-                                  <p:childTnLst>
-                                    <p:set>
-                                      <p:cBhvr>
-                                        <p:cTn id="24" dur="1" fill="hold">
-                                          <p:stCondLst>
-                                            <p:cond delay="0"/>
-                                          </p:stCondLst>
-                                        </p:cTn>
-                                        <p:tgtEl>
-                                          <p:spTgt spid="6"/>
-                                        </p:tgtEl>
-                                        <p:attrNameLst>
-                                          <p:attrName>style.visibility</p:attrName>
-                                        </p:attrNameLst>
-                                      </p:cBhvr>
-                                      <p:to>
-                                        <p:strVal val="visible"/>
-                                      </p:to>
-                                    </p:set>
-                                    <p:animEffect transition="in" filter="randombar(horizontal)">
-                                      <p:cBhvr>
-                                        <p:cTn id="25" dur="500"/>
-                                        <p:tgtEl>
-                                          <p:spTgt spid="6"/>
-                                        </p:tgtEl>
-                                      </p:cBhvr>
-                                    </p:animEffect>
-                                  </p:childTnLst>
-                                </p:cTn>
-                              </p:par>
-                            </p:childTnLst>
-                          </p:cTn>
-                        </p:par>
-                      </p:childTnLst>
-                    </p:cTn>
-                  </p:par>
-                  <p:par>
-                    <p:cTn id="26" fill="hold">
-                      <p:stCondLst>
-                        <p:cond delay="indefinite"/>
-                      </p:stCondLst>
-                      <p:childTnLst>
-                        <p:par>
-                          <p:cTn id="27" fill="hold">
-                            <p:stCondLst>
-                              <p:cond delay="0"/>
-                            </p:stCondLst>
-                            <p:childTnLst>
-                              <p:par>
-                                <p:cTn id="28" presetID="14" presetClass="entr" presetSubtype="10" fill="hold" grpId="0" nodeType="clickEffect">
-                                  <p:stCondLst>
-                                    <p:cond delay="0"/>
-                                  </p:stCondLst>
-                                  <p:childTnLst>
-                                    <p:set>
-                                      <p:cBhvr>
-                                        <p:cTn id="29" dur="1" fill="hold">
-                                          <p:stCondLst>
-                                            <p:cond delay="0"/>
-                                          </p:stCondLst>
-                                        </p:cTn>
-                                        <p:tgtEl>
-                                          <p:spTgt spid="11">
-                                            <p:txEl>
-                                              <p:pRg st="2" end="2"/>
-                                            </p:txEl>
-                                          </p:spTgt>
-                                        </p:tgtEl>
-                                        <p:attrNameLst>
-                                          <p:attrName>style.visibility</p:attrName>
-                                        </p:attrNameLst>
-                                      </p:cBhvr>
-                                      <p:to>
-                                        <p:strVal val="visible"/>
-                                      </p:to>
-                                    </p:set>
-                                    <p:animEffect transition="in" filter="randombar(horizontal)">
-                                      <p:cBhvr>
-                                        <p:cTn id="30" dur="500"/>
-                                        <p:tgtEl>
-                                          <p:spTgt spid="11">
-                                            <p:txEl>
-                                              <p:pRg st="2" end="2"/>
-                                            </p:txEl>
-                                          </p:spTgt>
-                                        </p:tgtEl>
-                                      </p:cBhvr>
-                                    </p:animEffect>
-                                  </p:childTnLst>
-                                </p:cTn>
-                              </p:par>
-                              <p:par>
-                                <p:cTn id="31" presetID="14" presetClass="entr" presetSubtype="10" fill="hold" grpId="0" nodeType="withEffect">
-                                  <p:stCondLst>
-                                    <p:cond delay="0"/>
-                                  </p:stCondLst>
-                                  <p:childTnLst>
-                                    <p:set>
-                                      <p:cBhvr>
-                                        <p:cTn id="32" dur="1" fill="hold">
-                                          <p:stCondLst>
-                                            <p:cond delay="0"/>
-                                          </p:stCondLst>
-                                        </p:cTn>
-                                        <p:tgtEl>
-                                          <p:spTgt spid="11">
-                                            <p:txEl>
-                                              <p:pRg st="3" end="3"/>
-                                            </p:txEl>
-                                          </p:spTgt>
-                                        </p:tgtEl>
-                                        <p:attrNameLst>
-                                          <p:attrName>style.visibility</p:attrName>
-                                        </p:attrNameLst>
-                                      </p:cBhvr>
-                                      <p:to>
-                                        <p:strVal val="visible"/>
-                                      </p:to>
-                                    </p:set>
-                                    <p:animEffect transition="in" filter="randombar(horizontal)">
-                                      <p:cBhvr>
-                                        <p:cTn id="33" dur="500"/>
-                                        <p:tgtEl>
-                                          <p:spTgt spid="11">
-                                            <p:txEl>
-                                              <p:pRg st="3" end="3"/>
-                                            </p:txEl>
-                                          </p:spTgt>
-                                        </p:tgtEl>
-                                      </p:cBhvr>
-                                    </p:animEffect>
-                                  </p:childTnLst>
-                                </p:cTn>
-                              </p:par>
-                              <p:par>
-                                <p:cTn id="34" presetID="14" presetClass="entr" presetSubtype="10" fill="hold" grpId="0" nodeType="withEffect">
-                                  <p:stCondLst>
-                                    <p:cond delay="0"/>
-                                  </p:stCondLst>
-                                  <p:childTnLst>
-                                    <p:set>
-                                      <p:cBhvr>
-                                        <p:cTn id="35" dur="1" fill="hold">
-                                          <p:stCondLst>
-                                            <p:cond delay="0"/>
-                                          </p:stCondLst>
-                                        </p:cTn>
-                                        <p:tgtEl>
-                                          <p:spTgt spid="11">
-                                            <p:txEl>
-                                              <p:pRg st="4" end="4"/>
-                                            </p:txEl>
-                                          </p:spTgt>
-                                        </p:tgtEl>
-                                        <p:attrNameLst>
-                                          <p:attrName>style.visibility</p:attrName>
-                                        </p:attrNameLst>
-                                      </p:cBhvr>
-                                      <p:to>
-                                        <p:strVal val="visible"/>
-                                      </p:to>
-                                    </p:set>
-                                    <p:animEffect transition="in" filter="randombar(horizontal)">
-                                      <p:cBhvr>
-                                        <p:cTn id="36" dur="500"/>
-                                        <p:tgtEl>
-                                          <p:spTgt spid="11">
-                                            <p:txEl>
-                                              <p:pRg st="4" end="4"/>
-                                            </p:txEl>
-                                          </p:spTgt>
-                                        </p:tgtEl>
-                                      </p:cBhvr>
-                                    </p:animEffect>
-                                  </p:childTnLst>
-                                </p:cTn>
-                              </p:par>
-                              <p:par>
-                                <p:cTn id="37" presetID="14" presetClass="entr" presetSubtype="10" fill="hold" grpId="0" nodeType="withEffect">
-                                  <p:stCondLst>
-                                    <p:cond delay="0"/>
-                                  </p:stCondLst>
-                                  <p:childTnLst>
-                                    <p:set>
-                                      <p:cBhvr>
-                                        <p:cTn id="38" dur="1" fill="hold">
-                                          <p:stCondLst>
-                                            <p:cond delay="0"/>
-                                          </p:stCondLst>
-                                        </p:cTn>
-                                        <p:tgtEl>
-                                          <p:spTgt spid="11">
-                                            <p:txEl>
-                                              <p:pRg st="5" end="5"/>
-                                            </p:txEl>
-                                          </p:spTgt>
-                                        </p:tgtEl>
-                                        <p:attrNameLst>
-                                          <p:attrName>style.visibility</p:attrName>
-                                        </p:attrNameLst>
-                                      </p:cBhvr>
-                                      <p:to>
-                                        <p:strVal val="visible"/>
-                                      </p:to>
-                                    </p:set>
-                                    <p:animEffect transition="in" filter="randombar(horizontal)">
-                                      <p:cBhvr>
-                                        <p:cTn id="39" dur="500"/>
-                                        <p:tgtEl>
-                                          <p:spTgt spid="11">
-                                            <p:txEl>
-                                              <p:pRg st="5" end="5"/>
-                                            </p:txEl>
-                                          </p:spTgt>
-                                        </p:tgtEl>
-                                      </p:cBhvr>
-                                    </p:animEffect>
-                                  </p:childTnLst>
-                                </p:cTn>
-                              </p:par>
-                              <p:par>
-                                <p:cTn id="40" presetID="14" presetClass="entr" presetSubtype="10" fill="hold" grpId="0" nodeType="withEffect">
-                                  <p:stCondLst>
-                                    <p:cond delay="0"/>
-                                  </p:stCondLst>
-                                  <p:childTnLst>
-                                    <p:set>
-                                      <p:cBhvr>
-                                        <p:cTn id="41" dur="1" fill="hold">
-                                          <p:stCondLst>
-                                            <p:cond delay="0"/>
-                                          </p:stCondLst>
-                                        </p:cTn>
-                                        <p:tgtEl>
-                                          <p:spTgt spid="11">
-                                            <p:txEl>
-                                              <p:pRg st="6" end="6"/>
-                                            </p:txEl>
-                                          </p:spTgt>
-                                        </p:tgtEl>
-                                        <p:attrNameLst>
-                                          <p:attrName>style.visibility</p:attrName>
-                                        </p:attrNameLst>
-                                      </p:cBhvr>
-                                      <p:to>
-                                        <p:strVal val="visible"/>
-                                      </p:to>
-                                    </p:set>
-                                    <p:animEffect transition="in" filter="randombar(horizontal)">
-                                      <p:cBhvr>
-                                        <p:cTn id="42" dur="500"/>
-                                        <p:tgtEl>
-                                          <p:spTgt spid="11">
-                                            <p:txEl>
-                                              <p:pRg st="6" end="6"/>
-                                            </p:txEl>
-                                          </p:spTgt>
-                                        </p:tgtEl>
-                                      </p:cBhvr>
-                                    </p:animEffect>
-                                  </p:childTnLst>
-                                </p:cTn>
-                              </p:par>
-                              <p:par>
-                                <p:cTn id="43" presetID="14" presetClass="entr" presetSubtype="10" fill="hold" grpId="0" nodeType="withEffect">
-                                  <p:stCondLst>
-                                    <p:cond delay="0"/>
-                                  </p:stCondLst>
-                                  <p:childTnLst>
-                                    <p:set>
-                                      <p:cBhvr>
-                                        <p:cTn id="44" dur="1" fill="hold">
-                                          <p:stCondLst>
-                                            <p:cond delay="0"/>
-                                          </p:stCondLst>
-                                        </p:cTn>
-                                        <p:tgtEl>
-                                          <p:spTgt spid="11">
-                                            <p:txEl>
-                                              <p:pRg st="7" end="7"/>
-                                            </p:txEl>
-                                          </p:spTgt>
-                                        </p:tgtEl>
-                                        <p:attrNameLst>
-                                          <p:attrName>style.visibility</p:attrName>
-                                        </p:attrNameLst>
-                                      </p:cBhvr>
-                                      <p:to>
-                                        <p:strVal val="visible"/>
-                                      </p:to>
-                                    </p:set>
-                                    <p:animEffect transition="in" filter="randombar(horizontal)">
-                                      <p:cBhvr>
-                                        <p:cTn id="45" dur="500"/>
-                                        <p:tgtEl>
-                                          <p:spTgt spid="11">
-                                            <p:txEl>
-                                              <p:pRg st="7" end="7"/>
-                                            </p:txEl>
-                                          </p:spTgt>
-                                        </p:tgtEl>
-                                      </p:cBhvr>
-                                    </p:animEffect>
-                                  </p:childTnLst>
-                                </p:cTn>
-                              </p:par>
-                              <p:par>
-                                <p:cTn id="46" presetID="14" presetClass="entr" presetSubtype="10" fill="hold" grpId="0" nodeType="withEffect">
-                                  <p:stCondLst>
-                                    <p:cond delay="0"/>
-                                  </p:stCondLst>
-                                  <p:childTnLst>
-                                    <p:set>
-                                      <p:cBhvr>
-                                        <p:cTn id="47" dur="1" fill="hold">
-                                          <p:stCondLst>
-                                            <p:cond delay="0"/>
-                                          </p:stCondLst>
-                                        </p:cTn>
-                                        <p:tgtEl>
-                                          <p:spTgt spid="11">
-                                            <p:txEl>
-                                              <p:pRg st="8" end="8"/>
-                                            </p:txEl>
-                                          </p:spTgt>
-                                        </p:tgtEl>
-                                        <p:attrNameLst>
-                                          <p:attrName>style.visibility</p:attrName>
-                                        </p:attrNameLst>
-                                      </p:cBhvr>
-                                      <p:to>
-                                        <p:strVal val="visible"/>
-                                      </p:to>
-                                    </p:set>
-                                    <p:animEffect transition="in" filter="randombar(horizontal)">
-                                      <p:cBhvr>
-                                        <p:cTn id="48" dur="500"/>
-                                        <p:tgtEl>
-                                          <p:spTgt spid="11">
-                                            <p:txEl>
-                                              <p:pRg st="8" end="8"/>
-                                            </p:txEl>
-                                          </p:spTgt>
-                                        </p:tgtEl>
-                                      </p:cBhvr>
-                                    </p:animEffect>
-                                  </p:childTnLst>
-                                </p:cTn>
-                              </p:par>
-                              <p:par>
-                                <p:cTn id="49" presetID="14" presetClass="entr" presetSubtype="10" fill="hold" nodeType="withEffect">
-                                  <p:stCondLst>
-                                    <p:cond delay="0"/>
-                                  </p:stCondLst>
-                                  <p:childTnLst>
-                                    <p:set>
-                                      <p:cBhvr>
-                                        <p:cTn id="50" dur="1" fill="hold">
-                                          <p:stCondLst>
-                                            <p:cond delay="0"/>
-                                          </p:stCondLst>
-                                        </p:cTn>
-                                        <p:tgtEl>
-                                          <p:spTgt spid="9"/>
-                                        </p:tgtEl>
-                                        <p:attrNameLst>
-                                          <p:attrName>style.visibility</p:attrName>
-                                        </p:attrNameLst>
-                                      </p:cBhvr>
-                                      <p:to>
-                                        <p:strVal val="visible"/>
-                                      </p:to>
-                                    </p:set>
-                                    <p:animEffect transition="in" filter="randombar(horizontal)">
-                                      <p:cBhvr>
-                                        <p:cTn id="51" dur="500"/>
-                                        <p:tgtEl>
-                                          <p:spTgt spid="9"/>
-                                        </p:tgtEl>
-                                      </p:cBhvr>
-                                    </p:animEffect>
-                                  </p:childTnLst>
-                                </p:cTn>
-                              </p:par>
-                              <p:par>
-                                <p:cTn id="52" presetID="14" presetClass="entr" presetSubtype="10" fill="hold" nodeType="withEffect">
-                                  <p:stCondLst>
-                                    <p:cond delay="0"/>
-                                  </p:stCondLst>
-                                  <p:childTnLst>
-                                    <p:set>
-                                      <p:cBhvr>
-                                        <p:cTn id="53" dur="1" fill="hold">
-                                          <p:stCondLst>
-                                            <p:cond delay="0"/>
-                                          </p:stCondLst>
-                                        </p:cTn>
-                                        <p:tgtEl>
-                                          <p:spTgt spid="12"/>
-                                        </p:tgtEl>
-                                        <p:attrNameLst>
-                                          <p:attrName>style.visibility</p:attrName>
-                                        </p:attrNameLst>
-                                      </p:cBhvr>
-                                      <p:to>
-                                        <p:strVal val="visible"/>
-                                      </p:to>
-                                    </p:set>
-                                    <p:animEffect transition="in" filter="randombar(horizontal)">
-                                      <p:cBhvr>
-                                        <p:cTn id="54" dur="500"/>
-                                        <p:tgtEl>
-                                          <p:spTgt spid="12"/>
-                                        </p:tgtEl>
-                                      </p:cBhvr>
-                                    </p:animEffect>
-                                  </p:childTnLst>
-                                </p:cTn>
-                              </p:par>
-                            </p:childTnLst>
-                          </p:cTn>
-                        </p:par>
-                      </p:childTnLst>
-                    </p:cTn>
-                  </p:par>
-                </p:childTnLst>
-              </p:cTn>
-              <p:prevCondLst>
-                <p:cond evt="onPrev" delay="0">
-                  <p:tgtEl>
-                    <p:sldTgt/>
-                  </p:tgtEl>
-                </p:cond>
-              </p:prevCondLst>
-              <p:nextCondLst>
-                <p:cond evt="onNext" delay="0">
-                  <p:tgtEl>
-                    <p:sldTgt/>
-                  </p:tgtEl>
-                </p:cond>
-              </p:nextCondLst>
-            </p:seq>
-          </p:childTnLst>
-        </p:cTn>
-      </p:par>
-    </p:tnLst>
-    <p:bldLst>
-      <p:bldP spid="2" grpId="0"/>
-      <p:bldP spid="11" grpId="0" uiExpand="1" build="p"/>
-    </p:bldLst>
-  </p:timing>
-</p:sld>
-</file>
-
-<file path=ppt/slides/slide5.xml><?xml version="1.0" encoding="utf-8"?>
-<p:sld xmlns:a="http://schemas.openxmlformats.org/drawingml/2006/main" xmlns:r="http://schemas.openxmlformats.org/officeDocument/2006/relationships" xmlns:p="http://schemas.openxmlformats.org/presentationml/2006/main">
-  <p:cSld>
-    <p:bg>
-      <p:bgPr>
-        <a:solidFill>
-          <a:schemeClr val="bg1"/>
-        </a:solidFill>
-        <a:effectLst/>
-      </p:bgPr>
-    </p:bg>
-    <p:spTree>
-      <p:nvGrpSpPr>
-        <p:cNvPr id="1" name=""/>
-        <p:cNvGrpSpPr/>
-        <p:nvPr/>
-      </p:nvGrpSpPr>
-      <p:grpSpPr>
-        <a:xfrm>
-          <a:off x="0" y="0"/>
-          <a:ext cx="0" cy="0"/>
-          <a:chOff x="0" y="0"/>
-          <a:chExt cx="0" cy="0"/>
-        </a:xfrm>
-      </p:grpSpPr>
-      <p:sp>
-        <p:nvSpPr>
-          <p:cNvPr id="2" name="Title 1">
-            <a:extLst>
-              <a:ext uri="{FF2B5EF4-FFF2-40B4-BE49-F238E27FC236}">
-                <a16:creationId xmlns:a16="http://schemas.microsoft.com/office/drawing/2014/main" id="{D33457AD-738F-BC50-23C7-30AC929F353D}"/>
-              </a:ext>
-            </a:extLst>
-          </p:cNvPr>
-          <p:cNvSpPr>
-            <a:spLocks noGrp="1"/>
-          </p:cNvSpPr>
-          <p:nvPr>
-            <p:ph type="title"/>
-          </p:nvPr>
-        </p:nvSpPr>
-        <p:spPr>
-          <a:xfrm>
-            <a:off x="2017486" y="457200"/>
-            <a:ext cx="4938015" cy="990600"/>
-          </a:xfrm>
-        </p:spPr>
-        <p:txBody>
-          <a:bodyPr vert="horz" lIns="91440" tIns="45720" rIns="91440" bIns="45720" rtlCol="0" anchor="t">
-            <a:normAutofit/>
-          </a:bodyPr>
-          <a:lstStyle/>
-          <a:p>
-            <a:pPr defTabSz="457200"/>
-            <a:r>
-              <a:rPr lang="en-US" sz="3600" u="sng" dirty="0"/>
-              <a:t>TESTING</a:t>
-            </a:r>
-          </a:p>
-        </p:txBody>
-      </p:sp>
-      <p:pic>
-        <p:nvPicPr>
-          <p:cNvPr id="4" name="Content Placeholder 3">
-            <a:extLst>
-              <a:ext uri="{FF2B5EF4-FFF2-40B4-BE49-F238E27FC236}">
-                <a16:creationId xmlns:a16="http://schemas.microsoft.com/office/drawing/2014/main" id="{2F67B6A3-1135-6246-54AD-8554D42EE668}"/>
-              </a:ext>
-            </a:extLst>
-          </p:cNvPr>
-          <p:cNvPicPr>
-            <a:picLocks noGrp="1" noChangeAspect="1"/>
-          </p:cNvPicPr>
-          <p:nvPr>
-            <p:ph idx="1"/>
-          </p:nvPr>
-        </p:nvPicPr>
-        <p:blipFill>
-          <a:blip r:embed="rId2">
-            <a:extLst>
-              <a:ext uri="{837473B0-CC2E-450A-ABE3-18F120FF3D39}">
-                <a1611:picAttrSrcUrl xmlns:a1611="http://schemas.microsoft.com/office/drawing/2016/11/main" r:id="rId3"/>
-              </a:ext>
-            </a:extLst>
-          </a:blip>
-          <a:stretch>
-            <a:fillRect/>
-          </a:stretch>
-        </p:blipFill>
-        <p:spPr>
-          <a:xfrm flipH="1">
-            <a:off x="1004491" y="1619747"/>
-            <a:ext cx="1369912" cy="1369912"/>
-          </a:xfrm>
-          <a:prstGeom prst="rect">
-            <a:avLst/>
-          </a:prstGeom>
-        </p:spPr>
-      </p:pic>
-      <p:sp>
-        <p:nvSpPr>
-          <p:cNvPr id="10" name="TextBox 9">
-            <a:extLst>
-              <a:ext uri="{FF2B5EF4-FFF2-40B4-BE49-F238E27FC236}">
-                <a16:creationId xmlns:a16="http://schemas.microsoft.com/office/drawing/2014/main" id="{C961E1F6-34AB-4886-D9CD-4FA9744DD8C0}"/>
-              </a:ext>
-            </a:extLst>
-          </p:cNvPr>
-          <p:cNvSpPr txBox="1"/>
-          <p:nvPr/>
-        </p:nvSpPr>
-        <p:spPr>
-          <a:xfrm>
-            <a:off x="3042346" y="1620441"/>
-            <a:ext cx="3913154" cy="2910580"/>
-          </a:xfrm>
-          <a:prstGeom prst="rect">
-            <a:avLst/>
-          </a:prstGeom>
-        </p:spPr>
-        <p:txBody>
-          <a:bodyPr vert="horz" lIns="91440" tIns="45720" rIns="91440" bIns="45720" rtlCol="0">
-            <a:normAutofit/>
-          </a:bodyPr>
-          <a:lstStyle/>
-          <a:p>
-            <a:pPr marL="285750" indent="-285750">
-              <a:lnSpc>
-                <a:spcPct val="90000"/>
-              </a:lnSpc>
-              <a:spcBef>
-                <a:spcPts val="1000"/>
-              </a:spcBef>
-              <a:buClr>
-                <a:schemeClr val="accent1"/>
-              </a:buClr>
-              <a:buSzPct val="80000"/>
-              <a:buFont typeface="Wingdings" panose="05000000000000000000" pitchFamily="2" charset="2"/>
-              <a:buChar char="Ø"/>
-            </a:pPr>
-            <a:r>
-              <a:rPr lang="en-US" sz="1400" dirty="0">
-                <a:solidFill>
-                  <a:schemeClr val="tx1">
-                    <a:lumMod val="75000"/>
-                    <a:lumOff val="25000"/>
-                  </a:schemeClr>
-                </a:solidFill>
-              </a:rPr>
-              <a:t> </a:t>
-            </a:r>
-            <a:r>
-              <a:rPr lang="en-US" sz="1400" b="1" u="sng" dirty="0">
-                <a:solidFill>
-                  <a:schemeClr val="tx1">
-                    <a:lumMod val="75000"/>
-                    <a:lumOff val="25000"/>
-                  </a:schemeClr>
-                </a:solidFill>
-              </a:rPr>
-              <a:t>Testing Tools:</a:t>
-            </a:r>
-          </a:p>
-          <a:p>
-            <a:pPr marL="285750" indent="-285750">
-              <a:lnSpc>
-                <a:spcPct val="90000"/>
-              </a:lnSpc>
-              <a:spcBef>
-                <a:spcPts val="1000"/>
-              </a:spcBef>
-              <a:buClr>
-                <a:schemeClr val="accent1"/>
-              </a:buClr>
-              <a:buSzPct val="80000"/>
-              <a:buFont typeface="Arial" panose="020B0604020202020204" pitchFamily="34" charset="0"/>
-              <a:buChar char="•"/>
-            </a:pPr>
-            <a:r>
-              <a:rPr lang="en-US" sz="1400" dirty="0">
-                <a:solidFill>
-                  <a:schemeClr val="tx1">
-                    <a:lumMod val="75000"/>
-                    <a:lumOff val="25000"/>
-                  </a:schemeClr>
-                </a:solidFill>
-              </a:rPr>
-              <a:t>JMeter</a:t>
-            </a:r>
-          </a:p>
-          <a:p>
-            <a:pPr marL="285750" indent="-285750">
-              <a:lnSpc>
-                <a:spcPct val="90000"/>
-              </a:lnSpc>
-              <a:spcBef>
-                <a:spcPts val="1000"/>
-              </a:spcBef>
-              <a:buClr>
-                <a:schemeClr val="accent1"/>
-              </a:buClr>
-              <a:buSzPct val="80000"/>
-              <a:buFont typeface="Arial" panose="020B0604020202020204" pitchFamily="34" charset="0"/>
-              <a:buChar char="•"/>
-            </a:pPr>
-            <a:r>
-              <a:rPr lang="en-US" sz="1400" dirty="0">
-                <a:solidFill>
-                  <a:schemeClr val="tx1">
-                    <a:lumMod val="75000"/>
-                    <a:lumOff val="25000"/>
-                  </a:schemeClr>
-                </a:solidFill>
-              </a:rPr>
-              <a:t>React-Testing</a:t>
-            </a:r>
-          </a:p>
-          <a:p>
-            <a:pPr marL="285750" indent="-285750">
-              <a:lnSpc>
-                <a:spcPct val="90000"/>
-              </a:lnSpc>
-              <a:spcBef>
-                <a:spcPts val="1000"/>
-              </a:spcBef>
-              <a:buClr>
-                <a:schemeClr val="accent1"/>
-              </a:buClr>
-              <a:buSzPct val="80000"/>
-              <a:buFont typeface="Arial" panose="020B0604020202020204" pitchFamily="34" charset="0"/>
-              <a:buChar char="•"/>
-            </a:pPr>
-            <a:r>
-              <a:rPr lang="en-US" sz="1400" dirty="0">
-                <a:solidFill>
-                  <a:schemeClr val="tx1">
-                    <a:lumMod val="75000"/>
-                    <a:lumOff val="25000"/>
-                  </a:schemeClr>
-                </a:solidFill>
-              </a:rPr>
-              <a:t>Mocking</a:t>
-            </a:r>
-          </a:p>
-          <a:p>
-            <a:pPr marL="285750" indent="-285750">
-              <a:lnSpc>
-                <a:spcPct val="90000"/>
-              </a:lnSpc>
-              <a:spcBef>
-                <a:spcPts val="1000"/>
-              </a:spcBef>
-              <a:buClr>
-                <a:schemeClr val="accent1"/>
-              </a:buClr>
-              <a:buSzPct val="80000"/>
-              <a:buFont typeface="Arial" panose="020B0604020202020204" pitchFamily="34" charset="0"/>
-              <a:buChar char="•"/>
-            </a:pPr>
-            <a:r>
-              <a:rPr lang="en-US" sz="1400" dirty="0">
-                <a:solidFill>
-                  <a:schemeClr val="tx1">
-                    <a:lumMod val="75000"/>
-                    <a:lumOff val="25000"/>
-                  </a:schemeClr>
-                </a:solidFill>
-              </a:rPr>
-              <a:t>J Unit</a:t>
-            </a:r>
-          </a:p>
-          <a:p>
-            <a:pPr marL="285750" indent="-285750">
-              <a:lnSpc>
-                <a:spcPct val="90000"/>
-              </a:lnSpc>
-              <a:spcBef>
-                <a:spcPts val="1000"/>
-              </a:spcBef>
-              <a:buClr>
-                <a:schemeClr val="accent1"/>
-              </a:buClr>
-              <a:buSzPct val="80000"/>
-              <a:buFont typeface="Wingdings 3" charset="2"/>
-              <a:buChar char=""/>
-            </a:pPr>
-            <a:endParaRPr lang="en-US" sz="1400" dirty="0">
-              <a:solidFill>
-                <a:schemeClr val="tx1">
-                  <a:lumMod val="75000"/>
-                  <a:lumOff val="25000"/>
-                </a:schemeClr>
-              </a:solidFill>
-            </a:endParaRPr>
-          </a:p>
-          <a:p>
-            <a:pPr marL="285750" indent="-285750">
-              <a:lnSpc>
-                <a:spcPct val="90000"/>
-              </a:lnSpc>
-              <a:spcBef>
-                <a:spcPts val="1000"/>
-              </a:spcBef>
-              <a:buClr>
-                <a:schemeClr val="accent1"/>
-              </a:buClr>
-              <a:buSzPct val="80000"/>
-              <a:buFont typeface="Wingdings" panose="05000000000000000000" pitchFamily="2" charset="2"/>
-              <a:buChar char="Ø"/>
-            </a:pPr>
-            <a:r>
-              <a:rPr lang="en-US" sz="1400" dirty="0">
-                <a:solidFill>
-                  <a:schemeClr val="tx1">
-                    <a:lumMod val="75000"/>
-                    <a:lumOff val="25000"/>
-                  </a:schemeClr>
-                </a:solidFill>
-              </a:rPr>
-              <a:t>  </a:t>
-            </a:r>
-            <a:r>
-              <a:rPr lang="en-US" sz="1400" b="1" u="sng" dirty="0">
-                <a:solidFill>
-                  <a:schemeClr val="tx1">
-                    <a:lumMod val="75000"/>
-                    <a:lumOff val="25000"/>
-                  </a:schemeClr>
-                </a:solidFill>
-              </a:rPr>
-              <a:t>Dependencies</a:t>
-            </a:r>
-            <a:r>
-              <a:rPr lang="en-US" sz="1400" dirty="0">
-                <a:solidFill>
-                  <a:schemeClr val="tx1">
-                    <a:lumMod val="75000"/>
-                    <a:lumOff val="25000"/>
-                  </a:schemeClr>
-                </a:solidFill>
-              </a:rPr>
-              <a:t>:</a:t>
-            </a:r>
-          </a:p>
-          <a:p>
-            <a:pPr marL="285750" indent="-285750">
-              <a:lnSpc>
-                <a:spcPct val="90000"/>
-              </a:lnSpc>
-              <a:spcBef>
-                <a:spcPts val="1000"/>
-              </a:spcBef>
-              <a:buClr>
-                <a:schemeClr val="accent1"/>
-              </a:buClr>
-              <a:buSzPct val="80000"/>
-              <a:buFont typeface="Arial" panose="020B0604020202020204" pitchFamily="34" charset="0"/>
-              <a:buChar char="•"/>
-            </a:pPr>
-            <a:r>
-              <a:rPr lang="en-US" sz="1400" dirty="0">
-                <a:solidFill>
-                  <a:schemeClr val="tx1">
-                    <a:lumMod val="75000"/>
-                    <a:lumOff val="25000"/>
-                  </a:schemeClr>
-                </a:solidFill>
-              </a:rPr>
-              <a:t>spring-boot-starter-test</a:t>
-            </a:r>
-          </a:p>
-          <a:p>
-            <a:pPr marL="285750" indent="-285750">
-              <a:lnSpc>
-                <a:spcPct val="90000"/>
-              </a:lnSpc>
-              <a:spcBef>
-                <a:spcPts val="1000"/>
-              </a:spcBef>
-              <a:buClr>
-                <a:schemeClr val="accent1"/>
-              </a:buClr>
-              <a:buSzPct val="80000"/>
-              <a:buFont typeface="Arial" panose="020B0604020202020204" pitchFamily="34" charset="0"/>
-              <a:buChar char="•"/>
-            </a:pPr>
-            <a:r>
-              <a:rPr lang="en-US" sz="1400" dirty="0" err="1">
-                <a:solidFill>
-                  <a:schemeClr val="tx1">
-                    <a:lumMod val="75000"/>
-                    <a:lumOff val="25000"/>
-                  </a:schemeClr>
-                </a:solidFill>
-              </a:rPr>
-              <a:t>initializr</a:t>
-            </a:r>
-            <a:r>
-              <a:rPr lang="en-US" sz="1400" dirty="0">
-                <a:solidFill>
-                  <a:schemeClr val="tx1">
-                    <a:lumMod val="75000"/>
-                    <a:lumOff val="25000"/>
-                  </a:schemeClr>
-                </a:solidFill>
-              </a:rPr>
-              <a:t>-generator-test</a:t>
-            </a:r>
-          </a:p>
-        </p:txBody>
-      </p:sp>
-      <p:sp>
-        <p:nvSpPr>
-          <p:cNvPr id="6" name="Footer Placeholder 5">
-            <a:extLst>
-              <a:ext uri="{FF2B5EF4-FFF2-40B4-BE49-F238E27FC236}">
-                <a16:creationId xmlns:a16="http://schemas.microsoft.com/office/drawing/2014/main" id="{0CE7EF67-537C-B80A-1A76-251B0F0C5733}"/>
-              </a:ext>
-            </a:extLst>
-          </p:cNvPr>
-          <p:cNvSpPr>
-            <a:spLocks noGrp="1"/>
-          </p:cNvSpPr>
-          <p:nvPr>
-            <p:ph type="ftr" sz="quarter" idx="11"/>
-          </p:nvPr>
-        </p:nvSpPr>
-        <p:spPr>
-          <a:xfrm>
-            <a:off x="508000" y="4531021"/>
-            <a:ext cx="3894420" cy="273844"/>
-          </a:xfrm>
-        </p:spPr>
-        <p:txBody>
-          <a:bodyPr vert="horz" lIns="91440" tIns="45720" rIns="91440" bIns="45720" rtlCol="0" anchor="ctr">
-            <a:normAutofit/>
-          </a:bodyPr>
-          <a:lstStyle/>
-          <a:p>
-            <a:pPr defTabSz="914400">
-              <a:spcAft>
-                <a:spcPts val="600"/>
-              </a:spcAft>
-            </a:pPr>
-            <a:r>
-              <a:rPr lang="en-US" sz="680" kern="1200" dirty="0">
-                <a:solidFill>
-                  <a:schemeClr val="tx1">
-                    <a:tint val="75000"/>
-                  </a:schemeClr>
-                </a:solidFill>
-                <a:latin typeface="+mn-lt"/>
-                <a:ea typeface="+mn-ea"/>
-                <a:cs typeface="+mn-cs"/>
-              </a:rPr>
-              <a:t>TSE Custom </a:t>
-            </a:r>
-            <a:r>
-              <a:rPr lang="en-US" sz="680" kern="1200" dirty="0" err="1">
-                <a:solidFill>
-                  <a:schemeClr val="tx1">
-                    <a:tint val="75000"/>
-                  </a:schemeClr>
-                </a:solidFill>
-                <a:latin typeface="+mn-lt"/>
-                <a:ea typeface="+mn-ea"/>
-                <a:cs typeface="+mn-cs"/>
-              </a:rPr>
-              <a:t>Initializr</a:t>
-            </a:r>
-            <a:endParaRPr lang="en-US" sz="680" kern="1200" dirty="0">
-              <a:solidFill>
-                <a:schemeClr val="tx1">
-                  <a:tint val="75000"/>
-                </a:schemeClr>
-              </a:solidFill>
-              <a:latin typeface="+mn-lt"/>
-              <a:ea typeface="+mn-ea"/>
-              <a:cs typeface="+mn-cs"/>
-            </a:endParaRPr>
-          </a:p>
-        </p:txBody>
-      </p:sp>
-      <p:pic>
-        <p:nvPicPr>
-          <p:cNvPr id="5" name="Picture 4" descr="A black and red text&#10;&#10;Description automatically generated">
-            <a:extLst>
-              <a:ext uri="{FF2B5EF4-FFF2-40B4-BE49-F238E27FC236}">
-                <a16:creationId xmlns:a16="http://schemas.microsoft.com/office/drawing/2014/main" id="{88512F16-B3E6-E4D4-C872-1A9C15096F7E}"/>
-              </a:ext>
-            </a:extLst>
-          </p:cNvPr>
-          <p:cNvPicPr>
-            <a:picLocks noChangeAspect="1"/>
-          </p:cNvPicPr>
-          <p:nvPr/>
-        </p:nvPicPr>
-        <p:blipFill>
-          <a:blip r:embed="rId4"/>
-          <a:stretch>
-            <a:fillRect/>
-          </a:stretch>
-        </p:blipFill>
-        <p:spPr>
-          <a:xfrm>
-            <a:off x="508000" y="3255341"/>
-            <a:ext cx="2362895" cy="1181447"/>
-          </a:xfrm>
-          <a:prstGeom prst="rect">
-            <a:avLst/>
-          </a:prstGeom>
-        </p:spPr>
-      </p:pic>
-      <p:sp>
-        <p:nvSpPr>
-          <p:cNvPr id="8" name="Date Placeholder 7">
-            <a:extLst>
-              <a:ext uri="{FF2B5EF4-FFF2-40B4-BE49-F238E27FC236}">
-                <a16:creationId xmlns:a16="http://schemas.microsoft.com/office/drawing/2014/main" id="{4ACD4264-BAFB-735F-7443-C8F074A109B1}"/>
-              </a:ext>
-            </a:extLst>
-          </p:cNvPr>
-          <p:cNvSpPr>
-            <a:spLocks noGrp="1"/>
-          </p:cNvSpPr>
-          <p:nvPr>
-            <p:ph type="dt" sz="half" idx="10"/>
-          </p:nvPr>
-        </p:nvSpPr>
-        <p:spPr>
-          <a:xfrm>
-            <a:off x="4573872" y="4531021"/>
-            <a:ext cx="1513932" cy="273844"/>
-          </a:xfrm>
-        </p:spPr>
-        <p:txBody>
-          <a:bodyPr vert="horz" lIns="91440" tIns="45720" rIns="91440" bIns="45720" rtlCol="0" anchor="ctr">
-            <a:normAutofit/>
-          </a:bodyPr>
-          <a:lstStyle/>
-          <a:p>
-            <a:pPr defTabSz="914400">
-              <a:spcAft>
-                <a:spcPts val="600"/>
-              </a:spcAft>
-            </a:pPr>
-            <a:r>
-              <a:rPr lang="en-US" sz="680" b="1" dirty="0">
-                <a:solidFill>
-                  <a:schemeClr val="tx1"/>
-                </a:solidFill>
-              </a:rPr>
-              <a:t>28/09/2023</a:t>
-            </a:r>
-            <a:endParaRPr lang="en-IN" sz="680" b="1" dirty="0">
-              <a:solidFill>
-                <a:schemeClr val="tx1"/>
-              </a:solidFill>
-            </a:endParaRPr>
-          </a:p>
-        </p:txBody>
-      </p:sp>
-      <p:sp>
-        <p:nvSpPr>
-          <p:cNvPr id="3" name="Slide Number Placeholder 2">
-            <a:extLst>
-              <a:ext uri="{FF2B5EF4-FFF2-40B4-BE49-F238E27FC236}">
-                <a16:creationId xmlns:a16="http://schemas.microsoft.com/office/drawing/2014/main" id="{25FF36A5-0AFB-365E-D701-ED7478C2D714}"/>
-              </a:ext>
-            </a:extLst>
-          </p:cNvPr>
-          <p:cNvSpPr>
-            <a:spLocks noGrp="1"/>
-          </p:cNvSpPr>
-          <p:nvPr>
-            <p:ph type="sldNum" sz="quarter" idx="12"/>
-          </p:nvPr>
-        </p:nvSpPr>
-        <p:spPr>
-          <a:xfrm>
-            <a:off x="6442997" y="4531021"/>
-            <a:ext cx="512504" cy="273844"/>
-          </a:xfrm>
-        </p:spPr>
-        <p:txBody>
-          <a:bodyPr vert="horz" lIns="91440" tIns="45720" rIns="91440" bIns="45720" rtlCol="0" anchor="ctr">
-            <a:normAutofit/>
-          </a:bodyPr>
-          <a:lstStyle/>
-          <a:p>
-            <a:pPr lvl="0" indent="0" defTabSz="914400">
-              <a:spcBef>
-                <a:spcPts val="0"/>
-              </a:spcBef>
-              <a:spcAft>
-                <a:spcPts val="600"/>
-              </a:spcAft>
-              <a:buNone/>
-            </a:pPr>
-            <a:fld id="{00000000-1234-1234-1234-123412341234}" type="slidenum">
-              <a:rPr lang="en-US" sz="650"/>
-              <a:pPr lvl="0" indent="0" defTabSz="914400">
-                <a:spcBef>
-                  <a:spcPts val="0"/>
-                </a:spcBef>
-                <a:spcAft>
-                  <a:spcPts val="600"/>
-                </a:spcAft>
-                <a:buNone/>
-              </a:pPr>
-              <a:t>5</a:t>
-            </a:fld>
-            <a:endParaRPr lang="en-US" sz="650" dirty="0"/>
-          </a:p>
-        </p:txBody>
-      </p:sp>
-    </p:spTree>
-    <p:extLst>
-      <p:ext uri="{BB962C8B-B14F-4D97-AF65-F5344CB8AC3E}">
-        <p14:creationId xmlns:p14="http://schemas.microsoft.com/office/powerpoint/2010/main" val="1668859390"/>
-      </p:ext>
-    </p:extLst>
-  </p:cSld>
-  <p:clrMapOvr>
-    <a:masterClrMapping/>
-  </p:clrMapOvr>
-  <p:timing>
-    <p:tnLst>
-      <p:par>
-        <p:cTn id="1" dur="indefinite" restart="never" nodeType="tmRoot">
-          <p:childTnLst>
-            <p:seq concurrent="1" nextAc="seek">
-              <p:cTn id="2" dur="indefinite" nodeType="mainSeq">
-                <p:childTnLst>
-                  <p:par>
-                    <p:cTn id="3" fill="hold">
-                      <p:stCondLst>
-                        <p:cond delay="indefinite"/>
-                      </p:stCondLst>
-                      <p:childTnLst>
-                        <p:par>
-                          <p:cTn id="4" fill="hold">
-                            <p:stCondLst>
-                              <p:cond delay="0"/>
-                            </p:stCondLst>
-                            <p:childTnLst>
-                              <p:par>
-                                <p:cTn id="5" presetID="42" presetClass="entr" presetSubtype="0" fill="hold" grpId="0" nodeType="clickEffect">
-                                  <p:stCondLst>
-                                    <p:cond delay="0"/>
-                                  </p:stCondLst>
-                                  <p:childTnLst>
-                                    <p:set>
-                                      <p:cBhvr>
-                                        <p:cTn id="6" dur="1" fill="hold">
-                                          <p:stCondLst>
-                                            <p:cond delay="0"/>
-                                          </p:stCondLst>
-                                        </p:cTn>
-                                        <p:tgtEl>
-                                          <p:spTgt spid="2"/>
-                                        </p:tgtEl>
-                                        <p:attrNameLst>
-                                          <p:attrName>style.visibility</p:attrName>
-                                        </p:attrNameLst>
-                                      </p:cBhvr>
-                                      <p:to>
-                                        <p:strVal val="visible"/>
-                                      </p:to>
-                                    </p:set>
-                                    <p:animEffect transition="in" filter="fade">
-                                      <p:cBhvr>
-                                        <p:cTn id="7" dur="1000"/>
-                                        <p:tgtEl>
-                                          <p:spTgt spid="2"/>
-                                        </p:tgtEl>
-                                      </p:cBhvr>
-                                    </p:animEffect>
-                                    <p:anim calcmode="lin" valueType="num">
-                                      <p:cBhvr>
-                                        <p:cTn id="8" dur="1000" fill="hold"/>
-                                        <p:tgtEl>
-                                          <p:spTgt spid="2"/>
-                                        </p:tgtEl>
-                                        <p:attrNameLst>
-                                          <p:attrName>ppt_x</p:attrName>
-                                        </p:attrNameLst>
-                                      </p:cBhvr>
-                                      <p:tavLst>
-                                        <p:tav tm="0">
-                                          <p:val>
-                                            <p:strVal val="#ppt_x"/>
-                                          </p:val>
-                                        </p:tav>
-                                        <p:tav tm="100000">
-                                          <p:val>
-                                            <p:strVal val="#ppt_x"/>
-                                          </p:val>
-                                        </p:tav>
-                                      </p:tavLst>
-                                    </p:anim>
-                                    <p:anim calcmode="lin" valueType="num">
-                                      <p:cBhvr>
-                                        <p:cTn id="9" dur="1000" fill="hold"/>
-                                        <p:tgtEl>
-                                          <p:spTgt spid="2"/>
-                                        </p:tgtEl>
-                                        <p:attrNameLst>
-                                          <p:attrName>ppt_y</p:attrName>
-                                        </p:attrNameLst>
-                                      </p:cBhvr>
-                                      <p:tavLst>
-                                        <p:tav tm="0">
-                                          <p:val>
-                                            <p:strVal val="#ppt_y+.1"/>
-                                          </p:val>
-                                        </p:tav>
-                                        <p:tav tm="100000">
-                                          <p:val>
-                                            <p:strVal val="#ppt_y"/>
-                                          </p:val>
-                                        </p:tav>
-                                      </p:tavLst>
-                                    </p:anim>
-                                  </p:childTnLst>
-                                </p:cTn>
-                              </p:par>
-                            </p:childTnLst>
-                          </p:cTn>
-                        </p:par>
-                      </p:childTnLst>
-                    </p:cTn>
-                  </p:par>
-                  <p:par>
-                    <p:cTn id="10" fill="hold">
-                      <p:stCondLst>
-                        <p:cond delay="indefinite"/>
-                      </p:stCondLst>
-                      <p:childTnLst>
-                        <p:par>
-                          <p:cTn id="11" fill="hold">
-                            <p:stCondLst>
-                              <p:cond delay="0"/>
-                            </p:stCondLst>
-                            <p:childTnLst>
-                              <p:par>
-                                <p:cTn id="12" presetID="14" presetClass="entr" presetSubtype="10" fill="hold" nodeType="clickEffect">
-                                  <p:stCondLst>
-                                    <p:cond delay="0"/>
-                                  </p:stCondLst>
-                                  <p:childTnLst>
-                                    <p:set>
-                                      <p:cBhvr>
-                                        <p:cTn id="13" dur="1" fill="hold">
-                                          <p:stCondLst>
-                                            <p:cond delay="0"/>
-                                          </p:stCondLst>
-                                        </p:cTn>
-                                        <p:tgtEl>
-                                          <p:spTgt spid="5"/>
-                                        </p:tgtEl>
-                                        <p:attrNameLst>
-                                          <p:attrName>style.visibility</p:attrName>
-                                        </p:attrNameLst>
-                                      </p:cBhvr>
-                                      <p:to>
-                                        <p:strVal val="visible"/>
-                                      </p:to>
-                                    </p:set>
-                                    <p:animEffect transition="in" filter="randombar(horizontal)">
-                                      <p:cBhvr>
-                                        <p:cTn id="14" dur="500"/>
-                                        <p:tgtEl>
-                                          <p:spTgt spid="5"/>
-                                        </p:tgtEl>
-                                      </p:cBhvr>
-                                    </p:animEffect>
-                                  </p:childTnLst>
-                                </p:cTn>
-                              </p:par>
-                              <p:par>
-                                <p:cTn id="15" presetID="14" presetClass="entr" presetSubtype="10" fill="hold" grpId="0" nodeType="withEffect">
-                                  <p:stCondLst>
-                                    <p:cond delay="0"/>
-                                  </p:stCondLst>
-                                  <p:childTnLst>
-                                    <p:set>
-                                      <p:cBhvr>
-                                        <p:cTn id="16" dur="1" fill="hold">
                                           <p:stCondLst>
                                             <p:cond delay="0"/>
                                           </p:stCondLst>
@@ -13946,1202 +11314,14 @@
                                         <p:strVal val="visible"/>
                                       </p:to>
                                     </p:set>
-                                    <p:animEffect transition="in" filter="randombar(horizontal)">
+                                    <p:animEffect transition="in" filter="wheel(1)">
                                       <p:cBhvr>
-                                        <p:cTn id="17" dur="500"/>
+                                        <p:cTn id="7" dur="2000"/>
                                         <p:tgtEl>
                                           <p:spTgt spid="10"/>
                                         </p:tgtEl>
                                       </p:cBhvr>
                                     </p:animEffect>
-                                  </p:childTnLst>
-                                </p:cTn>
-                              </p:par>
-                              <p:par>
-                                <p:cTn id="18" presetID="14" presetClass="entr" presetSubtype="10" fill="hold" nodeType="withEffect">
-                                  <p:stCondLst>
-                                    <p:cond delay="0"/>
-                                  </p:stCondLst>
-                                  <p:childTnLst>
-                                    <p:set>
-                                      <p:cBhvr>
-                                        <p:cTn id="19" dur="1" fill="hold">
-                                          <p:stCondLst>
-                                            <p:cond delay="0"/>
-                                          </p:stCondLst>
-                                        </p:cTn>
-                                        <p:tgtEl>
-                                          <p:spTgt spid="4"/>
-                                        </p:tgtEl>
-                                        <p:attrNameLst>
-                                          <p:attrName>style.visibility</p:attrName>
-                                        </p:attrNameLst>
-                                      </p:cBhvr>
-                                      <p:to>
-                                        <p:strVal val="visible"/>
-                                      </p:to>
-                                    </p:set>
-                                    <p:animEffect transition="in" filter="randombar(horizontal)">
-                                      <p:cBhvr>
-                                        <p:cTn id="20" dur="500"/>
-                                        <p:tgtEl>
-                                          <p:spTgt spid="4"/>
-                                        </p:tgtEl>
-                                      </p:cBhvr>
-                                    </p:animEffect>
-                                  </p:childTnLst>
-                                </p:cTn>
-                              </p:par>
-                            </p:childTnLst>
-                          </p:cTn>
-                        </p:par>
-                      </p:childTnLst>
-                    </p:cTn>
-                  </p:par>
-                </p:childTnLst>
-              </p:cTn>
-              <p:prevCondLst>
-                <p:cond evt="onPrev" delay="0">
-                  <p:tgtEl>
-                    <p:sldTgt/>
-                  </p:tgtEl>
-                </p:cond>
-              </p:prevCondLst>
-              <p:nextCondLst>
-                <p:cond evt="onNext" delay="0">
-                  <p:tgtEl>
-                    <p:sldTgt/>
-                  </p:tgtEl>
-                </p:cond>
-              </p:nextCondLst>
-            </p:seq>
-          </p:childTnLst>
-        </p:cTn>
-      </p:par>
-    </p:tnLst>
-    <p:bldLst>
-      <p:bldP spid="2" grpId="0"/>
-      <p:bldP spid="10" grpId="0"/>
-    </p:bldLst>
-  </p:timing>
-</p:sld>
-</file>
-
-<file path=ppt/slides/slide6.xml><?xml version="1.0" encoding="utf-8"?>
-<p:sld xmlns:a="http://schemas.openxmlformats.org/drawingml/2006/main" xmlns:r="http://schemas.openxmlformats.org/officeDocument/2006/relationships" xmlns:p="http://schemas.openxmlformats.org/presentationml/2006/main">
-  <p:cSld>
-    <p:bg>
-      <p:bgPr>
-        <a:solidFill>
-          <a:schemeClr val="bg1"/>
-        </a:solidFill>
-        <a:effectLst/>
-      </p:bgPr>
-    </p:bg>
-    <p:spTree>
-      <p:nvGrpSpPr>
-        <p:cNvPr id="1" name=""/>
-        <p:cNvGrpSpPr/>
-        <p:nvPr/>
-      </p:nvGrpSpPr>
-      <p:grpSpPr>
-        <a:xfrm>
-          <a:off x="0" y="0"/>
-          <a:ext cx="0" cy="0"/>
-          <a:chOff x="0" y="0"/>
-          <a:chExt cx="0" cy="0"/>
-        </a:xfrm>
-      </p:grpSpPr>
-      <p:grpSp>
-        <p:nvGrpSpPr>
-          <p:cNvPr id="28" name="Group 27">
-            <a:extLst>
-              <a:ext uri="{FF2B5EF4-FFF2-40B4-BE49-F238E27FC236}">
-                <a16:creationId xmlns:a16="http://schemas.microsoft.com/office/drawing/2014/main" id="{10BE40E3-5550-4CDD-B4FD-387C33EBF157}"/>
-              </a:ext>
-              <a:ext uri="{C183D7F6-B498-43B3-948B-1728B52AA6E4}">
-                <adec:decorative xmlns:adec="http://schemas.microsoft.com/office/drawing/2017/decorative" val="1"/>
-              </a:ext>
-            </a:extLst>
-          </p:cNvPr>
-          <p:cNvGrpSpPr>
-            <a:grpSpLocks noGrp="1" noUngrp="1" noRot="1" noChangeAspect="1" noMove="1" noResize="1"/>
-          </p:cNvGrpSpPr>
-          <p:nvPr>
-            <p:extLst>
-              <p:ext uri="{386F3935-93C4-4BCD-93E2-E3B085C9AB24}">
-                <p16:designElem xmlns:p16="http://schemas.microsoft.com/office/powerpoint/2015/main" val="1"/>
-              </p:ext>
-            </p:extLst>
-          </p:nvPr>
-        </p:nvGrpSpPr>
-        <p:grpSpPr>
-          <a:xfrm>
-            <a:off x="0" y="-6350"/>
-            <a:ext cx="9144001" cy="5149850"/>
-            <a:chOff x="0" y="-8467"/>
-            <a:chExt cx="12192000" cy="6866467"/>
-          </a:xfrm>
-        </p:grpSpPr>
-        <p:cxnSp>
-          <p:nvCxnSpPr>
-            <p:cNvPr id="29" name="Straight Connector 28">
-              <a:extLst>
-                <a:ext uri="{FF2B5EF4-FFF2-40B4-BE49-F238E27FC236}">
-                  <a16:creationId xmlns:a16="http://schemas.microsoft.com/office/drawing/2014/main" id="{71A6B738-E50C-4653-B343-B9D6A5EA2771}"/>
-                </a:ext>
-                <a:ext uri="{C183D7F6-B498-43B3-948B-1728B52AA6E4}">
-                  <adec:decorative xmlns:adec="http://schemas.microsoft.com/office/drawing/2017/decorative" val="1"/>
-                </a:ext>
-              </a:extLst>
-            </p:cNvPr>
-            <p:cNvCxnSpPr/>
-            <p:nvPr>
-              <p:extLst>
-                <p:ext uri="{386F3935-93C4-4BCD-93E2-E3B085C9AB24}">
-                  <p16:designElem xmlns:p16="http://schemas.microsoft.com/office/powerpoint/2015/main" val="1"/>
-                </p:ext>
-              </p:extLst>
-            </p:nvPr>
-          </p:nvCxnSpPr>
-          <p:spPr>
-            <a:xfrm>
-              <a:off x="9371012" y="0"/>
-              <a:ext cx="1219200" cy="6858000"/>
-            </a:xfrm>
-            <a:prstGeom prst="line">
-              <a:avLst/>
-            </a:prstGeom>
-            <a:ln w="9525">
-              <a:solidFill>
-                <a:schemeClr val="bg1">
-                  <a:lumMod val="75000"/>
-                </a:schemeClr>
-              </a:solidFill>
-            </a:ln>
-          </p:spPr>
-          <p:style>
-            <a:lnRef idx="2">
-              <a:schemeClr val="accent1"/>
-            </a:lnRef>
-            <a:fillRef idx="0">
-              <a:schemeClr val="accent1"/>
-            </a:fillRef>
-            <a:effectRef idx="1">
-              <a:schemeClr val="accent1"/>
-            </a:effectRef>
-            <a:fontRef idx="minor">
-              <a:schemeClr val="tx1"/>
-            </a:fontRef>
-          </p:style>
-        </p:cxnSp>
-        <p:cxnSp>
-          <p:nvCxnSpPr>
-            <p:cNvPr id="30" name="Straight Connector 29">
-              <a:extLst>
-                <a:ext uri="{FF2B5EF4-FFF2-40B4-BE49-F238E27FC236}">
-                  <a16:creationId xmlns:a16="http://schemas.microsoft.com/office/drawing/2014/main" id="{498768D6-B28C-40A3-B381-39306F5816D5}"/>
-                </a:ext>
-                <a:ext uri="{C183D7F6-B498-43B3-948B-1728B52AA6E4}">
-                  <adec:decorative xmlns:adec="http://schemas.microsoft.com/office/drawing/2017/decorative" val="1"/>
-                </a:ext>
-              </a:extLst>
-            </p:cNvPr>
-            <p:cNvCxnSpPr/>
-            <p:nvPr>
-              <p:extLst>
-                <p:ext uri="{386F3935-93C4-4BCD-93E2-E3B085C9AB24}">
-                  <p16:designElem xmlns:p16="http://schemas.microsoft.com/office/powerpoint/2015/main" val="1"/>
-                </p:ext>
-              </p:extLst>
-            </p:nvPr>
-          </p:nvCxnSpPr>
-          <p:spPr>
-            <a:xfrm flipH="1">
-              <a:off x="7425267" y="3681413"/>
-              <a:ext cx="4763558" cy="3176587"/>
-            </a:xfrm>
-            <a:prstGeom prst="line">
-              <a:avLst/>
-            </a:prstGeom>
-            <a:ln w="9525">
-              <a:solidFill>
-                <a:schemeClr val="bg1">
-                  <a:lumMod val="85000"/>
-                </a:schemeClr>
-              </a:solidFill>
-            </a:ln>
-          </p:spPr>
-          <p:style>
-            <a:lnRef idx="2">
-              <a:schemeClr val="accent1"/>
-            </a:lnRef>
-            <a:fillRef idx="0">
-              <a:schemeClr val="accent1"/>
-            </a:fillRef>
-            <a:effectRef idx="1">
-              <a:schemeClr val="accent1"/>
-            </a:effectRef>
-            <a:fontRef idx="minor">
-              <a:schemeClr val="tx1"/>
-            </a:fontRef>
-          </p:style>
-        </p:cxnSp>
-        <p:sp>
-          <p:nvSpPr>
-            <p:cNvPr id="31" name="Rectangle 23">
-              <a:extLst>
-                <a:ext uri="{FF2B5EF4-FFF2-40B4-BE49-F238E27FC236}">
-                  <a16:creationId xmlns:a16="http://schemas.microsoft.com/office/drawing/2014/main" id="{B27C15B9-7795-4321-AB30-DF1DEF65C19E}"/>
-                </a:ext>
-                <a:ext uri="{C183D7F6-B498-43B3-948B-1728B52AA6E4}">
-                  <adec:decorative xmlns:adec="http://schemas.microsoft.com/office/drawing/2017/decorative" val="1"/>
-                </a:ext>
-              </a:extLst>
-            </p:cNvPr>
-            <p:cNvSpPr/>
-            <p:nvPr>
-              <p:extLst>
-                <p:ext uri="{386F3935-93C4-4BCD-93E2-E3B085C9AB24}">
-                  <p16:designElem xmlns:p16="http://schemas.microsoft.com/office/powerpoint/2015/main" val="1"/>
-                </p:ext>
-              </p:extLst>
-            </p:nvPr>
-          </p:nvSpPr>
-          <p:spPr>
-            <a:xfrm>
-              <a:off x="9181476" y="-8467"/>
-              <a:ext cx="3007349" cy="6866467"/>
-            </a:xfrm>
-            <a:custGeom>
-              <a:avLst/>
-              <a:gdLst/>
-              <a:ahLst/>
-              <a:cxnLst/>
-              <a:rect l="l" t="t" r="r" b="b"/>
-              <a:pathLst>
-                <a:path w="3007349" h="6866467">
-                  <a:moveTo>
-                    <a:pt x="2045532" y="0"/>
-                  </a:moveTo>
-                  <a:lnTo>
-                    <a:pt x="3007349" y="0"/>
-                  </a:lnTo>
-                  <a:lnTo>
-                    <a:pt x="3007349" y="6866467"/>
-                  </a:lnTo>
-                  <a:lnTo>
-                    <a:pt x="0" y="6866467"/>
-                  </a:lnTo>
-                  <a:lnTo>
-                    <a:pt x="2045532" y="0"/>
-                  </a:lnTo>
-                  <a:close/>
-                </a:path>
-              </a:pathLst>
-            </a:custGeom>
-            <a:solidFill>
-              <a:schemeClr val="accent1">
-                <a:alpha val="30000"/>
-              </a:schemeClr>
-            </a:solidFill>
-            <a:ln>
-              <a:noFill/>
-            </a:ln>
-            <a:effectLst/>
-          </p:spPr>
-          <p:style>
-            <a:lnRef idx="1">
-              <a:schemeClr val="accent1"/>
-            </a:lnRef>
-            <a:fillRef idx="3">
-              <a:schemeClr val="accent1"/>
-            </a:fillRef>
-            <a:effectRef idx="2">
-              <a:schemeClr val="accent1"/>
-            </a:effectRef>
-            <a:fontRef idx="minor">
-              <a:schemeClr val="lt1"/>
-            </a:fontRef>
-          </p:style>
-        </p:sp>
-        <p:sp>
-          <p:nvSpPr>
-            <p:cNvPr id="32" name="Rectangle 25">
-              <a:extLst>
-                <a:ext uri="{FF2B5EF4-FFF2-40B4-BE49-F238E27FC236}">
-                  <a16:creationId xmlns:a16="http://schemas.microsoft.com/office/drawing/2014/main" id="{578EC957-1F3F-4C00-B023-C8725C2171CB}"/>
-                </a:ext>
-                <a:ext uri="{C183D7F6-B498-43B3-948B-1728B52AA6E4}">
-                  <adec:decorative xmlns:adec="http://schemas.microsoft.com/office/drawing/2017/decorative" val="1"/>
-                </a:ext>
-              </a:extLst>
-            </p:cNvPr>
-            <p:cNvSpPr/>
-            <p:nvPr>
-              <p:extLst>
-                <p:ext uri="{386F3935-93C4-4BCD-93E2-E3B085C9AB24}">
-                  <p16:designElem xmlns:p16="http://schemas.microsoft.com/office/powerpoint/2015/main" val="1"/>
-                </p:ext>
-              </p:extLst>
-            </p:nvPr>
-          </p:nvSpPr>
-          <p:spPr>
-            <a:xfrm>
-              <a:off x="9603442" y="-8467"/>
-              <a:ext cx="2588558" cy="6866467"/>
-            </a:xfrm>
-            <a:custGeom>
-              <a:avLst/>
-              <a:gdLst/>
-              <a:ahLst/>
-              <a:cxnLst/>
-              <a:rect l="l" t="t" r="r" b="b"/>
-              <a:pathLst>
-                <a:path w="2573311" h="6866467">
-                  <a:moveTo>
-                    <a:pt x="0" y="0"/>
-                  </a:moveTo>
-                  <a:lnTo>
-                    <a:pt x="2573311" y="0"/>
-                  </a:lnTo>
-                  <a:lnTo>
-                    <a:pt x="2573311" y="6866467"/>
-                  </a:lnTo>
-                  <a:lnTo>
-                    <a:pt x="1202336" y="6866467"/>
-                  </a:lnTo>
-                  <a:lnTo>
-                    <a:pt x="0" y="0"/>
-                  </a:lnTo>
-                  <a:close/>
-                </a:path>
-              </a:pathLst>
-            </a:custGeom>
-            <a:solidFill>
-              <a:schemeClr val="accent1">
-                <a:alpha val="20000"/>
-              </a:schemeClr>
-            </a:solidFill>
-            <a:ln>
-              <a:noFill/>
-            </a:ln>
-            <a:effectLst/>
-          </p:spPr>
-          <p:style>
-            <a:lnRef idx="1">
-              <a:schemeClr val="accent1"/>
-            </a:lnRef>
-            <a:fillRef idx="3">
-              <a:schemeClr val="accent1"/>
-            </a:fillRef>
-            <a:effectRef idx="2">
-              <a:schemeClr val="accent1"/>
-            </a:effectRef>
-            <a:fontRef idx="minor">
-              <a:schemeClr val="lt1"/>
-            </a:fontRef>
-          </p:style>
-        </p:sp>
-        <p:sp>
-          <p:nvSpPr>
-            <p:cNvPr id="33" name="Isosceles Triangle 32">
-              <a:extLst>
-                <a:ext uri="{FF2B5EF4-FFF2-40B4-BE49-F238E27FC236}">
-                  <a16:creationId xmlns:a16="http://schemas.microsoft.com/office/drawing/2014/main" id="{3D642632-BBD5-46D6-A91D-9B2BF68219B7}"/>
-                </a:ext>
-                <a:ext uri="{C183D7F6-B498-43B3-948B-1728B52AA6E4}">
-                  <adec:decorative xmlns:adec="http://schemas.microsoft.com/office/drawing/2017/decorative" val="1"/>
-                </a:ext>
-              </a:extLst>
-            </p:cNvPr>
-            <p:cNvSpPr/>
-            <p:nvPr>
-              <p:extLst>
-                <p:ext uri="{386F3935-93C4-4BCD-93E2-E3B085C9AB24}">
-                  <p16:designElem xmlns:p16="http://schemas.microsoft.com/office/powerpoint/2015/main" val="1"/>
-                </p:ext>
-              </p:extLst>
-            </p:nvPr>
-          </p:nvSpPr>
-          <p:spPr>
-            <a:xfrm>
-              <a:off x="8932333" y="3048000"/>
-              <a:ext cx="3259667" cy="3810000"/>
-            </a:xfrm>
-            <a:prstGeom prst="triangle">
-              <a:avLst>
-                <a:gd name="adj" fmla="val 100000"/>
-              </a:avLst>
-            </a:prstGeom>
-            <a:solidFill>
-              <a:schemeClr val="accent2">
-                <a:alpha val="72000"/>
-              </a:schemeClr>
-            </a:solidFill>
-            <a:ln>
-              <a:noFill/>
-            </a:ln>
-            <a:effectLst/>
-          </p:spPr>
-          <p:style>
-            <a:lnRef idx="1">
-              <a:schemeClr val="accent1"/>
-            </a:lnRef>
-            <a:fillRef idx="3">
-              <a:schemeClr val="accent1"/>
-            </a:fillRef>
-            <a:effectRef idx="2">
-              <a:schemeClr val="accent1"/>
-            </a:effectRef>
-            <a:fontRef idx="minor">
-              <a:schemeClr val="lt1"/>
-            </a:fontRef>
-          </p:style>
-        </p:sp>
-        <p:sp>
-          <p:nvSpPr>
-            <p:cNvPr id="34" name="Rectangle 27">
-              <a:extLst>
-                <a:ext uri="{FF2B5EF4-FFF2-40B4-BE49-F238E27FC236}">
-                  <a16:creationId xmlns:a16="http://schemas.microsoft.com/office/drawing/2014/main" id="{BF9D518D-AFF5-4DE2-AEE2-0EC15479A9AF}"/>
-                </a:ext>
-                <a:ext uri="{C183D7F6-B498-43B3-948B-1728B52AA6E4}">
-                  <adec:decorative xmlns:adec="http://schemas.microsoft.com/office/drawing/2017/decorative" val="1"/>
-                </a:ext>
-              </a:extLst>
-            </p:cNvPr>
-            <p:cNvSpPr/>
-            <p:nvPr>
-              <p:extLst>
-                <p:ext uri="{386F3935-93C4-4BCD-93E2-E3B085C9AB24}">
-                  <p16:designElem xmlns:p16="http://schemas.microsoft.com/office/powerpoint/2015/main" val="1"/>
-                </p:ext>
-              </p:extLst>
-            </p:nvPr>
-          </p:nvSpPr>
-          <p:spPr>
-            <a:xfrm>
-              <a:off x="9334500" y="-8467"/>
-              <a:ext cx="2854326" cy="6866467"/>
-            </a:xfrm>
-            <a:custGeom>
-              <a:avLst/>
-              <a:gdLst/>
-              <a:ahLst/>
-              <a:cxnLst/>
-              <a:rect l="l" t="t" r="r" b="b"/>
-              <a:pathLst>
-                <a:path w="2858013" h="6866467">
-                  <a:moveTo>
-                    <a:pt x="0" y="0"/>
-                  </a:moveTo>
-                  <a:lnTo>
-                    <a:pt x="2858013" y="0"/>
-                  </a:lnTo>
-                  <a:lnTo>
-                    <a:pt x="2858013" y="6866467"/>
-                  </a:lnTo>
-                  <a:lnTo>
-                    <a:pt x="2473942" y="6866467"/>
-                  </a:lnTo>
-                  <a:lnTo>
-                    <a:pt x="0" y="0"/>
-                  </a:lnTo>
-                  <a:close/>
-                </a:path>
-              </a:pathLst>
-            </a:custGeom>
-            <a:solidFill>
-              <a:schemeClr val="accent2">
-                <a:lumMod val="75000"/>
-                <a:alpha val="70000"/>
-              </a:schemeClr>
-            </a:solidFill>
-            <a:ln>
-              <a:noFill/>
-            </a:ln>
-            <a:effectLst/>
-          </p:spPr>
-          <p:style>
-            <a:lnRef idx="1">
-              <a:schemeClr val="accent1"/>
-            </a:lnRef>
-            <a:fillRef idx="3">
-              <a:schemeClr val="accent1"/>
-            </a:fillRef>
-            <a:effectRef idx="2">
-              <a:schemeClr val="accent1"/>
-            </a:effectRef>
-            <a:fontRef idx="minor">
-              <a:schemeClr val="lt1"/>
-            </a:fontRef>
-          </p:style>
-        </p:sp>
-        <p:sp>
-          <p:nvSpPr>
-            <p:cNvPr id="35" name="Rectangle 28">
-              <a:extLst>
-                <a:ext uri="{FF2B5EF4-FFF2-40B4-BE49-F238E27FC236}">
-                  <a16:creationId xmlns:a16="http://schemas.microsoft.com/office/drawing/2014/main" id="{14EF979B-B00D-460C-BD56-7EEAFB7E0F98}"/>
-                </a:ext>
-                <a:ext uri="{C183D7F6-B498-43B3-948B-1728B52AA6E4}">
-                  <adec:decorative xmlns:adec="http://schemas.microsoft.com/office/drawing/2017/decorative" val="1"/>
-                </a:ext>
-              </a:extLst>
-            </p:cNvPr>
-            <p:cNvSpPr/>
-            <p:nvPr>
-              <p:extLst>
-                <p:ext uri="{386F3935-93C4-4BCD-93E2-E3B085C9AB24}">
-                  <p16:designElem xmlns:p16="http://schemas.microsoft.com/office/powerpoint/2015/main" val="1"/>
-                </p:ext>
-              </p:extLst>
-            </p:nvPr>
-          </p:nvSpPr>
-          <p:spPr>
-            <a:xfrm>
-              <a:off x="10898730" y="-8467"/>
-              <a:ext cx="1290094" cy="6866467"/>
-            </a:xfrm>
-            <a:custGeom>
-              <a:avLst/>
-              <a:gdLst/>
-              <a:ahLst/>
-              <a:cxnLst/>
-              <a:rect l="l" t="t" r="r" b="b"/>
-              <a:pathLst>
-                <a:path w="1290094" h="6858000">
-                  <a:moveTo>
-                    <a:pt x="1019735" y="0"/>
-                  </a:moveTo>
-                  <a:lnTo>
-                    <a:pt x="1290094" y="0"/>
-                  </a:lnTo>
-                  <a:lnTo>
-                    <a:pt x="1290094" y="6858000"/>
-                  </a:lnTo>
-                  <a:lnTo>
-                    <a:pt x="0" y="6858000"/>
-                  </a:lnTo>
-                  <a:lnTo>
-                    <a:pt x="1019735" y="0"/>
-                  </a:lnTo>
-                  <a:close/>
-                </a:path>
-              </a:pathLst>
-            </a:custGeom>
-            <a:solidFill>
-              <a:schemeClr val="accent1">
-                <a:lumMod val="60000"/>
-                <a:lumOff val="40000"/>
-                <a:alpha val="70000"/>
-              </a:schemeClr>
-            </a:solidFill>
-            <a:ln>
-              <a:noFill/>
-            </a:ln>
-            <a:effectLst/>
-          </p:spPr>
-          <p:style>
-            <a:lnRef idx="1">
-              <a:schemeClr val="accent1"/>
-            </a:lnRef>
-            <a:fillRef idx="3">
-              <a:schemeClr val="accent1"/>
-            </a:fillRef>
-            <a:effectRef idx="2">
-              <a:schemeClr val="accent1"/>
-            </a:effectRef>
-            <a:fontRef idx="minor">
-              <a:schemeClr val="lt1"/>
-            </a:fontRef>
-          </p:style>
-        </p:sp>
-        <p:sp>
-          <p:nvSpPr>
-            <p:cNvPr id="36" name="Rectangle 29">
-              <a:extLst>
-                <a:ext uri="{FF2B5EF4-FFF2-40B4-BE49-F238E27FC236}">
-                  <a16:creationId xmlns:a16="http://schemas.microsoft.com/office/drawing/2014/main" id="{3E40F9A1-6B82-400F-9397-26D1D36F1F04}"/>
-                </a:ext>
-                <a:ext uri="{C183D7F6-B498-43B3-948B-1728B52AA6E4}">
-                  <adec:decorative xmlns:adec="http://schemas.microsoft.com/office/drawing/2017/decorative" val="1"/>
-                </a:ext>
-              </a:extLst>
-            </p:cNvPr>
-            <p:cNvSpPr/>
-            <p:nvPr>
-              <p:extLst>
-                <p:ext uri="{386F3935-93C4-4BCD-93E2-E3B085C9AB24}">
-                  <p16:designElem xmlns:p16="http://schemas.microsoft.com/office/powerpoint/2015/main" val="1"/>
-                </p:ext>
-              </p:extLst>
-            </p:nvPr>
-          </p:nvSpPr>
-          <p:spPr>
-            <a:xfrm>
-              <a:off x="10938999" y="-8467"/>
-              <a:ext cx="1249825" cy="6866467"/>
-            </a:xfrm>
-            <a:custGeom>
-              <a:avLst/>
-              <a:gdLst/>
-              <a:ahLst/>
-              <a:cxnLst/>
-              <a:rect l="l" t="t" r="r" b="b"/>
-              <a:pathLst>
-                <a:path w="1249825" h="6858000">
-                  <a:moveTo>
-                    <a:pt x="0" y="0"/>
-                  </a:moveTo>
-                  <a:lnTo>
-                    <a:pt x="1249825" y="0"/>
-                  </a:lnTo>
-                  <a:lnTo>
-                    <a:pt x="1249825" y="6858000"/>
-                  </a:lnTo>
-                  <a:lnTo>
-                    <a:pt x="1109382" y="6858000"/>
-                  </a:lnTo>
-                  <a:lnTo>
-                    <a:pt x="0" y="0"/>
-                  </a:lnTo>
-                  <a:close/>
-                </a:path>
-              </a:pathLst>
-            </a:custGeom>
-            <a:solidFill>
-              <a:schemeClr val="accent1">
-                <a:alpha val="65000"/>
-              </a:schemeClr>
-            </a:solidFill>
-            <a:ln>
-              <a:noFill/>
-            </a:ln>
-            <a:effectLst/>
-          </p:spPr>
-          <p:style>
-            <a:lnRef idx="1">
-              <a:schemeClr val="accent1"/>
-            </a:lnRef>
-            <a:fillRef idx="3">
-              <a:schemeClr val="accent1"/>
-            </a:fillRef>
-            <a:effectRef idx="2">
-              <a:schemeClr val="accent1"/>
-            </a:effectRef>
-            <a:fontRef idx="minor">
-              <a:schemeClr val="lt1"/>
-            </a:fontRef>
-          </p:style>
-        </p:sp>
-        <p:sp>
-          <p:nvSpPr>
-            <p:cNvPr id="37" name="Isosceles Triangle 36">
-              <a:extLst>
-                <a:ext uri="{FF2B5EF4-FFF2-40B4-BE49-F238E27FC236}">
-                  <a16:creationId xmlns:a16="http://schemas.microsoft.com/office/drawing/2014/main" id="{2EF7DDF1-FF86-4CA4-B08B-8939557EBDB3}"/>
-                </a:ext>
-                <a:ext uri="{C183D7F6-B498-43B3-948B-1728B52AA6E4}">
-                  <adec:decorative xmlns:adec="http://schemas.microsoft.com/office/drawing/2017/decorative" val="1"/>
-                </a:ext>
-              </a:extLst>
-            </p:cNvPr>
-            <p:cNvSpPr/>
-            <p:nvPr>
-              <p:extLst>
-                <p:ext uri="{386F3935-93C4-4BCD-93E2-E3B085C9AB24}">
-                  <p16:designElem xmlns:p16="http://schemas.microsoft.com/office/powerpoint/2015/main" val="1"/>
-                </p:ext>
-              </p:extLst>
-            </p:nvPr>
-          </p:nvSpPr>
-          <p:spPr>
-            <a:xfrm>
-              <a:off x="10371666" y="3589867"/>
-              <a:ext cx="1817159" cy="3268133"/>
-            </a:xfrm>
-            <a:prstGeom prst="triangle">
-              <a:avLst>
-                <a:gd name="adj" fmla="val 100000"/>
-              </a:avLst>
-            </a:prstGeom>
-            <a:solidFill>
-              <a:schemeClr val="accent1">
-                <a:alpha val="80000"/>
-              </a:schemeClr>
-            </a:solidFill>
-            <a:ln>
-              <a:noFill/>
-            </a:ln>
-            <a:effectLst/>
-          </p:spPr>
-          <p:style>
-            <a:lnRef idx="1">
-              <a:schemeClr val="accent1"/>
-            </a:lnRef>
-            <a:fillRef idx="3">
-              <a:schemeClr val="accent1"/>
-            </a:fillRef>
-            <a:effectRef idx="2">
-              <a:schemeClr val="accent1"/>
-            </a:effectRef>
-            <a:fontRef idx="minor">
-              <a:schemeClr val="lt1"/>
-            </a:fontRef>
-          </p:style>
-        </p:sp>
-        <p:sp>
-          <p:nvSpPr>
-            <p:cNvPr id="38" name="Isosceles Triangle 37">
-              <a:extLst>
-                <a:ext uri="{FF2B5EF4-FFF2-40B4-BE49-F238E27FC236}">
-                  <a16:creationId xmlns:a16="http://schemas.microsoft.com/office/drawing/2014/main" id="{6D7C1F89-72B2-4FDC-B9E2-04F52D5C504C}"/>
-                </a:ext>
-                <a:ext uri="{C183D7F6-B498-43B3-948B-1728B52AA6E4}">
-                  <adec:decorative xmlns:adec="http://schemas.microsoft.com/office/drawing/2017/decorative" val="1"/>
-                </a:ext>
-              </a:extLst>
-            </p:cNvPr>
-            <p:cNvSpPr/>
-            <p:nvPr>
-              <p:extLst>
-                <p:ext uri="{386F3935-93C4-4BCD-93E2-E3B085C9AB24}">
-                  <p16:designElem xmlns:p16="http://schemas.microsoft.com/office/powerpoint/2015/main" val="1"/>
-                </p:ext>
-              </p:extLst>
-            </p:nvPr>
-          </p:nvSpPr>
-          <p:spPr>
-            <a:xfrm>
-              <a:off x="0" y="4013200"/>
-              <a:ext cx="448733" cy="2844800"/>
-            </a:xfrm>
-            <a:prstGeom prst="triangle">
-              <a:avLst>
-                <a:gd name="adj" fmla="val 0"/>
-              </a:avLst>
-            </a:prstGeom>
-            <a:solidFill>
-              <a:schemeClr val="accent1">
-                <a:alpha val="85000"/>
-              </a:schemeClr>
-            </a:solidFill>
-            <a:ln>
-              <a:noFill/>
-            </a:ln>
-            <a:effectLst/>
-          </p:spPr>
-          <p:style>
-            <a:lnRef idx="1">
-              <a:schemeClr val="accent1"/>
-            </a:lnRef>
-            <a:fillRef idx="3">
-              <a:schemeClr val="accent1"/>
-            </a:fillRef>
-            <a:effectRef idx="2">
-              <a:schemeClr val="accent1"/>
-            </a:effectRef>
-            <a:fontRef idx="minor">
-              <a:schemeClr val="lt1"/>
-            </a:fontRef>
-          </p:style>
-        </p:sp>
-      </p:grpSp>
-      <p:sp>
-        <p:nvSpPr>
-          <p:cNvPr id="3" name="Footer Placeholder 2">
-            <a:extLst>
-              <a:ext uri="{FF2B5EF4-FFF2-40B4-BE49-F238E27FC236}">
-                <a16:creationId xmlns:a16="http://schemas.microsoft.com/office/drawing/2014/main" id="{E218D093-491F-A159-B545-506155C30C8D}"/>
-              </a:ext>
-            </a:extLst>
-          </p:cNvPr>
-          <p:cNvSpPr>
-            <a:spLocks noGrp="1"/>
-          </p:cNvSpPr>
-          <p:nvPr>
-            <p:ph type="ftr" sz="quarter" idx="11"/>
-          </p:nvPr>
-        </p:nvSpPr>
-        <p:spPr>
-          <a:xfrm>
-            <a:off x="508000" y="4531021"/>
-            <a:ext cx="4723209" cy="273844"/>
-          </a:xfrm>
-        </p:spPr>
-        <p:txBody>
-          <a:bodyPr vert="horz" lIns="91440" tIns="45720" rIns="91440" bIns="45720" rtlCol="0" anchor="ctr">
-            <a:normAutofit/>
-          </a:bodyPr>
-          <a:lstStyle/>
-          <a:p>
-            <a:pPr defTabSz="914400">
-              <a:spcAft>
-                <a:spcPts val="600"/>
-              </a:spcAft>
-            </a:pPr>
-            <a:r>
-              <a:rPr lang="en-US" sz="680" kern="1200" dirty="0">
-                <a:solidFill>
-                  <a:schemeClr val="tx1">
-                    <a:tint val="75000"/>
-                  </a:schemeClr>
-                </a:solidFill>
-                <a:latin typeface="+mn-lt"/>
-                <a:ea typeface="+mn-ea"/>
-                <a:cs typeface="+mn-cs"/>
-              </a:rPr>
-              <a:t>TSE Custom </a:t>
-            </a:r>
-            <a:r>
-              <a:rPr lang="en-US" sz="680" kern="1200" dirty="0" err="1">
-                <a:solidFill>
-                  <a:schemeClr val="tx1">
-                    <a:tint val="75000"/>
-                  </a:schemeClr>
-                </a:solidFill>
-                <a:latin typeface="+mn-lt"/>
-                <a:ea typeface="+mn-ea"/>
-                <a:cs typeface="+mn-cs"/>
-              </a:rPr>
-              <a:t>Initializr</a:t>
-            </a:r>
-            <a:endParaRPr lang="en-US" sz="680" kern="1200" dirty="0">
-              <a:solidFill>
-                <a:schemeClr val="tx1">
-                  <a:tint val="75000"/>
-                </a:schemeClr>
-              </a:solidFill>
-              <a:latin typeface="+mn-lt"/>
-              <a:ea typeface="+mn-ea"/>
-              <a:cs typeface="+mn-cs"/>
-            </a:endParaRPr>
-          </a:p>
-        </p:txBody>
-      </p:sp>
-      <p:pic>
-        <p:nvPicPr>
-          <p:cNvPr id="5" name="Picture 4">
-            <a:extLst>
-              <a:ext uri="{FF2B5EF4-FFF2-40B4-BE49-F238E27FC236}">
-                <a16:creationId xmlns:a16="http://schemas.microsoft.com/office/drawing/2014/main" id="{68B8BA86-4472-1689-93B0-C0E4D1D5EE00}"/>
-              </a:ext>
-            </a:extLst>
-          </p:cNvPr>
-          <p:cNvPicPr>
-            <a:picLocks noChangeAspect="1"/>
-          </p:cNvPicPr>
-          <p:nvPr/>
-        </p:nvPicPr>
-        <p:blipFill rotWithShape="1">
-          <a:blip r:embed="rId2"/>
-          <a:srcRect r="15139" b="3"/>
-          <a:stretch/>
-        </p:blipFill>
-        <p:spPr>
-          <a:xfrm>
-            <a:off x="1561698" y="1473355"/>
-            <a:ext cx="4067572" cy="2911771"/>
-          </a:xfrm>
-          <a:prstGeom prst="rect">
-            <a:avLst/>
-          </a:prstGeom>
-        </p:spPr>
-      </p:pic>
-      <p:sp>
-        <p:nvSpPr>
-          <p:cNvPr id="2" name="Date Placeholder 1">
-            <a:extLst>
-              <a:ext uri="{FF2B5EF4-FFF2-40B4-BE49-F238E27FC236}">
-                <a16:creationId xmlns:a16="http://schemas.microsoft.com/office/drawing/2014/main" id="{877F7B7F-B376-4384-4F9F-B449E1AF02DB}"/>
-              </a:ext>
-            </a:extLst>
-          </p:cNvPr>
-          <p:cNvSpPr>
-            <a:spLocks noGrp="1"/>
-          </p:cNvSpPr>
-          <p:nvPr>
-            <p:ph type="dt" sz="half" idx="10"/>
-          </p:nvPr>
-        </p:nvSpPr>
-        <p:spPr>
-          <a:xfrm>
-            <a:off x="5403849" y="4531021"/>
-            <a:ext cx="683955" cy="273844"/>
-          </a:xfrm>
-        </p:spPr>
-        <p:txBody>
-          <a:bodyPr vert="horz" lIns="91440" tIns="45720" rIns="91440" bIns="45720" rtlCol="0" anchor="ctr">
-            <a:normAutofit/>
-          </a:bodyPr>
-          <a:lstStyle/>
-          <a:p>
-            <a:pPr defTabSz="914400">
-              <a:lnSpc>
-                <a:spcPct val="90000"/>
-              </a:lnSpc>
-              <a:spcAft>
-                <a:spcPts val="600"/>
-              </a:spcAft>
-            </a:pPr>
-            <a:r>
-              <a:rPr lang="en-US" sz="680" b="1" dirty="0">
-                <a:solidFill>
-                  <a:schemeClr val="tx1"/>
-                </a:solidFill>
-              </a:rPr>
-              <a:t>28/09/2023</a:t>
-            </a:r>
-          </a:p>
-        </p:txBody>
-      </p:sp>
-      <p:sp>
-        <p:nvSpPr>
-          <p:cNvPr id="4" name="Slide Number Placeholder 3">
-            <a:extLst>
-              <a:ext uri="{FF2B5EF4-FFF2-40B4-BE49-F238E27FC236}">
-                <a16:creationId xmlns:a16="http://schemas.microsoft.com/office/drawing/2014/main" id="{0CCABC9F-6DF6-4092-A734-A78740594597}"/>
-              </a:ext>
-            </a:extLst>
-          </p:cNvPr>
-          <p:cNvSpPr>
-            <a:spLocks noGrp="1"/>
-          </p:cNvSpPr>
-          <p:nvPr>
-            <p:ph type="sldNum" sz="quarter" idx="12"/>
-          </p:nvPr>
-        </p:nvSpPr>
-        <p:spPr>
-          <a:xfrm>
-            <a:off x="6442997" y="4531021"/>
-            <a:ext cx="512504" cy="273844"/>
-          </a:xfrm>
-        </p:spPr>
-        <p:txBody>
-          <a:bodyPr vert="horz" lIns="91440" tIns="45720" rIns="91440" bIns="45720" rtlCol="0" anchor="ctr">
-            <a:normAutofit/>
-          </a:bodyPr>
-          <a:lstStyle/>
-          <a:p>
-            <a:pPr lvl="0" indent="0" defTabSz="914400">
-              <a:spcBef>
-                <a:spcPts val="0"/>
-              </a:spcBef>
-              <a:spcAft>
-                <a:spcPts val="600"/>
-              </a:spcAft>
-              <a:buNone/>
-            </a:pPr>
-            <a:fld id="{00000000-1234-1234-1234-123412341234}" type="slidenum">
-              <a:rPr lang="en-US" sz="680"/>
-              <a:pPr lvl="0" indent="0" defTabSz="914400">
-                <a:spcBef>
-                  <a:spcPts val="0"/>
-                </a:spcBef>
-                <a:spcAft>
-                  <a:spcPts val="600"/>
-                </a:spcAft>
-                <a:buNone/>
-              </a:pPr>
-              <a:t>6</a:t>
-            </a:fld>
-            <a:endParaRPr lang="en-US" sz="680" dirty="0"/>
-          </a:p>
-        </p:txBody>
-      </p:sp>
-      <p:pic>
-        <p:nvPicPr>
-          <p:cNvPr id="9" name="Picture 8" descr="A black and red text&#10;&#10;Description automatically generated">
-            <a:extLst>
-              <a:ext uri="{FF2B5EF4-FFF2-40B4-BE49-F238E27FC236}">
-                <a16:creationId xmlns:a16="http://schemas.microsoft.com/office/drawing/2014/main" id="{EB06085B-CE56-9CF7-B5FD-2AC959F9B431}"/>
-              </a:ext>
-            </a:extLst>
-          </p:cNvPr>
-          <p:cNvPicPr>
-            <a:picLocks noChangeAspect="1"/>
-          </p:cNvPicPr>
-          <p:nvPr/>
-        </p:nvPicPr>
-        <p:blipFill>
-          <a:blip r:embed="rId3"/>
-          <a:stretch>
-            <a:fillRect/>
-          </a:stretch>
-        </p:blipFill>
-        <p:spPr>
-          <a:xfrm>
-            <a:off x="2438399" y="207446"/>
-            <a:ext cx="1947211" cy="973605"/>
-          </a:xfrm>
-          <a:prstGeom prst="rect">
-            <a:avLst/>
-          </a:prstGeom>
-        </p:spPr>
-      </p:pic>
-    </p:spTree>
-    <p:extLst>
-      <p:ext uri="{BB962C8B-B14F-4D97-AF65-F5344CB8AC3E}">
-        <p14:creationId xmlns:p14="http://schemas.microsoft.com/office/powerpoint/2010/main" val="437917486"/>
-      </p:ext>
-    </p:extLst>
-  </p:cSld>
-  <p:clrMapOvr>
-    <a:masterClrMapping/>
-  </p:clrMapOvr>
-  <p:timing>
-    <p:tnLst>
-      <p:par>
-        <p:cTn id="1" dur="indefinite" restart="never" nodeType="tmRoot">
-          <p:childTnLst>
-            <p:seq concurrent="1" nextAc="seek">
-              <p:cTn id="2" dur="indefinite" nodeType="mainSeq">
-                <p:childTnLst>
-                  <p:par>
-                    <p:cTn id="3" fill="hold">
-                      <p:stCondLst>
-                        <p:cond delay="indefinite"/>
-                      </p:stCondLst>
-                      <p:childTnLst>
-                        <p:par>
-                          <p:cTn id="4" fill="hold">
-                            <p:stCondLst>
-                              <p:cond delay="0"/>
-                            </p:stCondLst>
-                            <p:childTnLst>
-                              <p:par>
-                                <p:cTn id="5" presetID="14" presetClass="entr" presetSubtype="10" fill="hold" nodeType="clickEffect">
-                                  <p:stCondLst>
-                                    <p:cond delay="0"/>
-                                  </p:stCondLst>
-                                  <p:childTnLst>
-                                    <p:set>
-                                      <p:cBhvr>
-                                        <p:cTn id="6" dur="1" fill="hold">
-                                          <p:stCondLst>
-                                            <p:cond delay="0"/>
-                                          </p:stCondLst>
-                                        </p:cTn>
-                                        <p:tgtEl>
-                                          <p:spTgt spid="5"/>
-                                        </p:tgtEl>
-                                        <p:attrNameLst>
-                                          <p:attrName>style.visibility</p:attrName>
-                                        </p:attrNameLst>
-                                      </p:cBhvr>
-                                      <p:to>
-                                        <p:strVal val="visible"/>
-                                      </p:to>
-                                    </p:set>
-                                    <p:animEffect transition="in" filter="randombar(horizontal)">
-                                      <p:cBhvr>
-                                        <p:cTn id="7" dur="500"/>
-                                        <p:tgtEl>
-                                          <p:spTgt spid="5"/>
-                                        </p:tgtEl>
-                                      </p:cBhvr>
-                                    </p:animEffect>
-                                  </p:childTnLst>
-                                </p:cTn>
-                              </p:par>
-                            </p:childTnLst>
-                          </p:cTn>
-                        </p:par>
-                      </p:childTnLst>
-                    </p:cTn>
-                  </p:par>
-                  <p:par>
-                    <p:cTn id="8" fill="hold">
-                      <p:stCondLst>
-                        <p:cond delay="indefinite"/>
-                      </p:stCondLst>
-                      <p:childTnLst>
-                        <p:par>
-                          <p:cTn id="9" fill="hold">
-                            <p:stCondLst>
-                              <p:cond delay="0"/>
-                            </p:stCondLst>
-                            <p:childTnLst>
-                              <p:par>
-                                <p:cTn id="10" presetID="42" presetClass="entr" presetSubtype="0" fill="hold" nodeType="clickEffect">
-                                  <p:stCondLst>
-                                    <p:cond delay="0"/>
-                                  </p:stCondLst>
-                                  <p:childTnLst>
-                                    <p:set>
-                                      <p:cBhvr>
-                                        <p:cTn id="11" dur="1" fill="hold">
-                                          <p:stCondLst>
-                                            <p:cond delay="0"/>
-                                          </p:stCondLst>
-                                        </p:cTn>
-                                        <p:tgtEl>
-                                          <p:spTgt spid="9"/>
-                                        </p:tgtEl>
-                                        <p:attrNameLst>
-                                          <p:attrName>style.visibility</p:attrName>
-                                        </p:attrNameLst>
-                                      </p:cBhvr>
-                                      <p:to>
-                                        <p:strVal val="visible"/>
-                                      </p:to>
-                                    </p:set>
-                                    <p:animEffect transition="in" filter="fade">
-                                      <p:cBhvr>
-                                        <p:cTn id="12" dur="1000"/>
-                                        <p:tgtEl>
-                                          <p:spTgt spid="9"/>
-                                        </p:tgtEl>
-                                      </p:cBhvr>
-                                    </p:animEffect>
-                                    <p:anim calcmode="lin" valueType="num">
-                                      <p:cBhvr>
-                                        <p:cTn id="13" dur="1000" fill="hold"/>
-                                        <p:tgtEl>
-                                          <p:spTgt spid="9"/>
-                                        </p:tgtEl>
-                                        <p:attrNameLst>
-                                          <p:attrName>ppt_x</p:attrName>
-                                        </p:attrNameLst>
-                                      </p:cBhvr>
-                                      <p:tavLst>
-                                        <p:tav tm="0">
-                                          <p:val>
-                                            <p:strVal val="#ppt_x"/>
-                                          </p:val>
-                                        </p:tav>
-                                        <p:tav tm="100000">
-                                          <p:val>
-                                            <p:strVal val="#ppt_x"/>
-                                          </p:val>
-                                        </p:tav>
-                                      </p:tavLst>
-                                    </p:anim>
-                                    <p:anim calcmode="lin" valueType="num">
-                                      <p:cBhvr>
-                                        <p:cTn id="14" dur="1000" fill="hold"/>
-                                        <p:tgtEl>
-                                          <p:spTgt spid="9"/>
-                                        </p:tgtEl>
-                                        <p:attrNameLst>
-                                          <p:attrName>ppt_y</p:attrName>
-                                        </p:attrNameLst>
-                                      </p:cBhvr>
-                                      <p:tavLst>
-                                        <p:tav tm="0">
-                                          <p:val>
-                                            <p:strVal val="#ppt_y+.1"/>
-                                          </p:val>
-                                        </p:tav>
-                                        <p:tav tm="100000">
-                                          <p:val>
-                                            <p:strVal val="#ppt_y"/>
-                                          </p:val>
-                                        </p:tav>
-                                      </p:tavLst>
-                                    </p:anim>
                                   </p:childTnLst>
                                 </p:cTn>
                               </p:par>
@@ -15176,7 +11356,7 @@
 </p:sld>
 </file>
 
-<file path=ppt/slides/slide7.xml><?xml version="1.0" encoding="utf-8"?>
+<file path=ppt/slides/slide5.xml><?xml version="1.0" encoding="utf-8"?>
 <p:sld xmlns:a="http://schemas.openxmlformats.org/drawingml/2006/main" xmlns:r="http://schemas.openxmlformats.org/officeDocument/2006/relationships" xmlns:p="http://schemas.openxmlformats.org/presentationml/2006/main">
   <p:cSld>
     <p:spTree>
@@ -15233,72 +11413,6 @@
       </p:sp>
       <p:sp>
         <p:nvSpPr>
-          <p:cNvPr id="8" name="Date Placeholder 7">
-            <a:extLst>
-              <a:ext uri="{FF2B5EF4-FFF2-40B4-BE49-F238E27FC236}">
-                <a16:creationId xmlns:a16="http://schemas.microsoft.com/office/drawing/2014/main" id="{D19AC32C-7173-23ED-8201-0A4FBFD55F4C}"/>
-              </a:ext>
-            </a:extLst>
-          </p:cNvPr>
-          <p:cNvSpPr>
-            <a:spLocks noGrp="1"/>
-          </p:cNvSpPr>
-          <p:nvPr>
-            <p:ph type="dt" sz="half" idx="10"/>
-          </p:nvPr>
-        </p:nvSpPr>
-        <p:spPr/>
-        <p:txBody>
-          <a:bodyPr/>
-          <a:lstStyle/>
-          <a:p>
-            <a:r>
-              <a:rPr lang="en-US" dirty="0">
-                <a:solidFill>
-                  <a:schemeClr val="tx1"/>
-                </a:solidFill>
-              </a:rPr>
-              <a:t>28/09/2023</a:t>
-            </a:r>
-            <a:endParaRPr lang="en-IN" dirty="0">
-              <a:solidFill>
-                <a:schemeClr val="tx1"/>
-              </a:solidFill>
-            </a:endParaRPr>
-          </a:p>
-        </p:txBody>
-      </p:sp>
-      <p:sp>
-        <p:nvSpPr>
-          <p:cNvPr id="6" name="Footer Placeholder 5">
-            <a:extLst>
-              <a:ext uri="{FF2B5EF4-FFF2-40B4-BE49-F238E27FC236}">
-                <a16:creationId xmlns:a16="http://schemas.microsoft.com/office/drawing/2014/main" id="{5CD97B1A-1A2B-B42C-39E8-42A18212AE0A}"/>
-              </a:ext>
-            </a:extLst>
-          </p:cNvPr>
-          <p:cNvSpPr>
-            <a:spLocks noGrp="1"/>
-          </p:cNvSpPr>
-          <p:nvPr>
-            <p:ph type="ftr" sz="quarter" idx="11"/>
-          </p:nvPr>
-        </p:nvSpPr>
-        <p:spPr/>
-        <p:txBody>
-          <a:bodyPr/>
-          <a:lstStyle/>
-          <a:p>
-            <a:r>
-              <a:rPr lang="en-IN"/>
-              <a:t>TSE Custom Initializr</a:t>
-            </a:r>
-            <a:endParaRPr lang="en-IN" dirty="0"/>
-          </a:p>
-        </p:txBody>
-      </p:sp>
-      <p:sp>
-        <p:nvSpPr>
           <p:cNvPr id="5" name="Slide Number Placeholder 4">
             <a:extLst>
               <a:ext uri="{FF2B5EF4-FFF2-40B4-BE49-F238E27FC236}">
@@ -15329,7 +11443,7 @@
             </a:pPr>
             <a:fld id="{00000000-1234-1234-1234-123412341234}" type="slidenum">
               <a:rPr lang="en-GB" smtClean="0"/>
-              <a:t>7</a:t>
+              <a:t>5</a:t>
             </a:fld>
             <a:endParaRPr lang="en-GB" dirty="0"/>
           </a:p>
@@ -15678,13 +11792,15 @@
 </p:sld>
 </file>
 
-<file path=ppt/slides/slide8.xml><?xml version="1.0" encoding="utf-8"?>
-<p:sld xmlns:a="http://schemas.openxmlformats.org/drawingml/2006/main" xmlns:r="http://schemas.openxmlformats.org/officeDocument/2006/relationships" xmlns:p="http://schemas.openxmlformats.org/presentationml/2006/main" showMasterSp="0">
+<file path=ppt/slides/slide6.xml><?xml version="1.0" encoding="utf-8"?>
+<p:sld xmlns:a="http://schemas.openxmlformats.org/drawingml/2006/main" xmlns:r="http://schemas.openxmlformats.org/officeDocument/2006/relationships" xmlns:p="http://schemas.openxmlformats.org/presentationml/2006/main">
   <p:cSld>
     <p:bg>
       <p:bgPr>
         <a:solidFill>
-          <a:schemeClr val="accent1"/>
+          <a:schemeClr val="bg1">
+            <a:lumMod val="95000"/>
+          </a:schemeClr>
         </a:solidFill>
         <a:effectLst/>
       </p:bgPr>
@@ -15782,7 +11898,7 @@
             </a:pPr>
             <a:fld id="{00000000-1234-1234-1234-123412341234}" type="slidenum">
               <a:rPr lang="en-GB" smtClean="0"/>
-              <a:t>8</a:t>
+              <a:t>6</a:t>
             </a:fld>
             <a:endParaRPr lang="en-GB" dirty="0"/>
           </a:p>
@@ -16719,7 +12835,7 @@
 </p:sld>
 </file>
 
-<file path=ppt/slides/slide9.xml><?xml version="1.0" encoding="utf-8"?>
+<file path=ppt/slides/slide7.xml><?xml version="1.0" encoding="utf-8"?>
 <p:sld xmlns:a="http://schemas.openxmlformats.org/drawingml/2006/main" xmlns:r="http://schemas.openxmlformats.org/officeDocument/2006/relationships" xmlns:p="http://schemas.openxmlformats.org/presentationml/2006/main">
   <p:cSld>
     <p:spTree>
@@ -16788,72 +12904,6 @@
       </p:sp>
       <p:sp>
         <p:nvSpPr>
-          <p:cNvPr id="5" name="Date Placeholder 4">
-            <a:extLst>
-              <a:ext uri="{FF2B5EF4-FFF2-40B4-BE49-F238E27FC236}">
-                <a16:creationId xmlns:a16="http://schemas.microsoft.com/office/drawing/2014/main" id="{7F2FB737-AB65-B674-678A-05AB283172C4}"/>
-              </a:ext>
-            </a:extLst>
-          </p:cNvPr>
-          <p:cNvSpPr>
-            <a:spLocks noGrp="1"/>
-          </p:cNvSpPr>
-          <p:nvPr>
-            <p:ph type="dt" sz="half" idx="10"/>
-          </p:nvPr>
-        </p:nvSpPr>
-        <p:spPr/>
-        <p:txBody>
-          <a:bodyPr/>
-          <a:lstStyle/>
-          <a:p>
-            <a:r>
-              <a:rPr lang="en-US" b="1" dirty="0">
-                <a:solidFill>
-                  <a:schemeClr val="tx1"/>
-                </a:solidFill>
-              </a:rPr>
-              <a:t>28/09/2023</a:t>
-            </a:r>
-            <a:endParaRPr lang="en-IN" b="1" dirty="0">
-              <a:solidFill>
-                <a:schemeClr val="tx1"/>
-              </a:solidFill>
-            </a:endParaRPr>
-          </a:p>
-        </p:txBody>
-      </p:sp>
-      <p:sp>
-        <p:nvSpPr>
-          <p:cNvPr id="3" name="Footer Placeholder 2">
-            <a:extLst>
-              <a:ext uri="{FF2B5EF4-FFF2-40B4-BE49-F238E27FC236}">
-                <a16:creationId xmlns:a16="http://schemas.microsoft.com/office/drawing/2014/main" id="{5F08DD9A-DCA6-23E3-52C7-D0B2BDB0F05D}"/>
-              </a:ext>
-            </a:extLst>
-          </p:cNvPr>
-          <p:cNvSpPr>
-            <a:spLocks noGrp="1"/>
-          </p:cNvSpPr>
-          <p:nvPr>
-            <p:ph type="ftr" sz="quarter" idx="11"/>
-          </p:nvPr>
-        </p:nvSpPr>
-        <p:spPr/>
-        <p:txBody>
-          <a:bodyPr/>
-          <a:lstStyle/>
-          <a:p>
-            <a:r>
-              <a:rPr lang="en-IN"/>
-              <a:t>TSE Custom Initializr</a:t>
-            </a:r>
-            <a:endParaRPr lang="en-IN" dirty="0"/>
-          </a:p>
-        </p:txBody>
-      </p:sp>
-      <p:sp>
-        <p:nvSpPr>
           <p:cNvPr id="2" name="Slide Number Placeholder 1">
             <a:extLst>
               <a:ext uri="{FF2B5EF4-FFF2-40B4-BE49-F238E27FC236}">
@@ -16884,7 +12934,7 @@
             </a:pPr>
             <a:fld id="{00000000-1234-1234-1234-123412341234}" type="slidenum">
               <a:rPr lang="en-GB" smtClean="0"/>
-              <a:t>9</a:t>
+              <a:t>7</a:t>
             </a:fld>
             <a:endParaRPr lang="en-GB" dirty="0"/>
           </a:p>
@@ -17025,6 +13075,498 @@
     </p:tnLst>
     <p:bldLst>
       <p:bldP spid="293" grpId="0"/>
+    </p:bldLst>
+  </p:timing>
+</p:sld>
+</file>
+
+<file path=ppt/slides/slide8.xml><?xml version="1.0" encoding="utf-8"?>
+<p:sld xmlns:a="http://schemas.openxmlformats.org/drawingml/2006/main" xmlns:r="http://schemas.openxmlformats.org/officeDocument/2006/relationships" xmlns:p="http://schemas.openxmlformats.org/presentationml/2006/main">
+  <p:cSld>
+    <p:spTree>
+      <p:nvGrpSpPr>
+        <p:cNvPr id="1" name=""/>
+        <p:cNvGrpSpPr/>
+        <p:nvPr/>
+      </p:nvGrpSpPr>
+      <p:grpSpPr>
+        <a:xfrm>
+          <a:off x="0" y="0"/>
+          <a:ext cx="0" cy="0"/>
+          <a:chOff x="0" y="0"/>
+          <a:chExt cx="0" cy="0"/>
+        </a:xfrm>
+      </p:grpSpPr>
+      <p:sp>
+        <p:nvSpPr>
+          <p:cNvPr id="4" name="Slide Number Placeholder 3">
+            <a:extLst>
+              <a:ext uri="{FF2B5EF4-FFF2-40B4-BE49-F238E27FC236}">
+                <a16:creationId xmlns:a16="http://schemas.microsoft.com/office/drawing/2014/main" id="{1361F35E-350D-E613-C6D9-5B3E927A055C}"/>
+              </a:ext>
+            </a:extLst>
+          </p:cNvPr>
+          <p:cNvSpPr>
+            <a:spLocks noGrp="1"/>
+          </p:cNvSpPr>
+          <p:nvPr>
+            <p:ph type="sldNum" sz="quarter" idx="12"/>
+          </p:nvPr>
+        </p:nvSpPr>
+        <p:spPr/>
+        <p:txBody>
+          <a:bodyPr/>
+          <a:lstStyle/>
+          <a:p>
+            <a:pPr marL="0" lvl="0" indent="0" algn="r" rtl="0">
+              <a:spcBef>
+                <a:spcPts val="0"/>
+              </a:spcBef>
+              <a:spcAft>
+                <a:spcPts val="0"/>
+              </a:spcAft>
+              <a:buNone/>
+            </a:pPr>
+            <a:fld id="{00000000-1234-1234-1234-123412341234}" type="slidenum">
+              <a:rPr lang="en-GB" smtClean="0"/>
+              <a:t>8</a:t>
+            </a:fld>
+            <a:endParaRPr lang="en-GB" dirty="0"/>
+          </a:p>
+        </p:txBody>
+      </p:sp>
+      <p:pic>
+        <p:nvPicPr>
+          <p:cNvPr id="8" name="Picture 7">
+            <a:extLst>
+              <a:ext uri="{FF2B5EF4-FFF2-40B4-BE49-F238E27FC236}">
+                <a16:creationId xmlns:a16="http://schemas.microsoft.com/office/drawing/2014/main" id="{F057DCA1-935C-9C41-ACCE-E9DB59F6C602}"/>
+              </a:ext>
+            </a:extLst>
+          </p:cNvPr>
+          <p:cNvPicPr>
+            <a:picLocks noChangeAspect="1"/>
+          </p:cNvPicPr>
+          <p:nvPr/>
+        </p:nvPicPr>
+        <p:blipFill>
+          <a:blip r:embed="rId2"/>
+          <a:stretch>
+            <a:fillRect/>
+          </a:stretch>
+        </p:blipFill>
+        <p:spPr>
+          <a:xfrm>
+            <a:off x="799140" y="1075764"/>
+            <a:ext cx="7177250" cy="3211054"/>
+          </a:xfrm>
+          <a:prstGeom prst="rect">
+            <a:avLst/>
+          </a:prstGeom>
+        </p:spPr>
+      </p:pic>
+    </p:spTree>
+    <p:extLst>
+      <p:ext uri="{BB962C8B-B14F-4D97-AF65-F5344CB8AC3E}">
+        <p14:creationId xmlns:p14="http://schemas.microsoft.com/office/powerpoint/2010/main" val="2437164874"/>
+      </p:ext>
+    </p:extLst>
+  </p:cSld>
+  <p:clrMapOvr>
+    <a:masterClrMapping/>
+  </p:clrMapOvr>
+  <p:timing>
+    <p:tnLst>
+      <p:par>
+        <p:cTn id="1" dur="indefinite" restart="never" nodeType="tmRoot">
+          <p:childTnLst>
+            <p:seq concurrent="1" nextAc="seek">
+              <p:cTn id="2" dur="indefinite" nodeType="mainSeq">
+                <p:childTnLst>
+                  <p:par>
+                    <p:cTn id="3" fill="hold">
+                      <p:stCondLst>
+                        <p:cond delay="indefinite"/>
+                      </p:stCondLst>
+                      <p:childTnLst>
+                        <p:par>
+                          <p:cTn id="4" fill="hold">
+                            <p:stCondLst>
+                              <p:cond delay="0"/>
+                            </p:stCondLst>
+                            <p:childTnLst>
+                              <p:par>
+                                <p:cTn id="5" presetID="21" presetClass="entr" presetSubtype="1" fill="hold" nodeType="clickEffect">
+                                  <p:stCondLst>
+                                    <p:cond delay="0"/>
+                                  </p:stCondLst>
+                                  <p:childTnLst>
+                                    <p:set>
+                                      <p:cBhvr>
+                                        <p:cTn id="6" dur="1" fill="hold">
+                                          <p:stCondLst>
+                                            <p:cond delay="0"/>
+                                          </p:stCondLst>
+                                        </p:cTn>
+                                        <p:tgtEl>
+                                          <p:spTgt spid="8"/>
+                                        </p:tgtEl>
+                                        <p:attrNameLst>
+                                          <p:attrName>style.visibility</p:attrName>
+                                        </p:attrNameLst>
+                                      </p:cBhvr>
+                                      <p:to>
+                                        <p:strVal val="visible"/>
+                                      </p:to>
+                                    </p:set>
+                                    <p:animEffect transition="in" filter="wheel(1)">
+                                      <p:cBhvr>
+                                        <p:cTn id="7" dur="2000"/>
+                                        <p:tgtEl>
+                                          <p:spTgt spid="8"/>
+                                        </p:tgtEl>
+                                      </p:cBhvr>
+                                    </p:animEffect>
+                                  </p:childTnLst>
+                                </p:cTn>
+                              </p:par>
+                            </p:childTnLst>
+                          </p:cTn>
+                        </p:par>
+                      </p:childTnLst>
+                    </p:cTn>
+                  </p:par>
+                </p:childTnLst>
+              </p:cTn>
+              <p:prevCondLst>
+                <p:cond evt="onPrev" delay="0">
+                  <p:tgtEl>
+                    <p:sldTgt/>
+                  </p:tgtEl>
+                </p:cond>
+              </p:prevCondLst>
+              <p:nextCondLst>
+                <p:cond evt="onNext" delay="0">
+                  <p:tgtEl>
+                    <p:sldTgt/>
+                  </p:tgtEl>
+                </p:cond>
+              </p:nextCondLst>
+            </p:seq>
+          </p:childTnLst>
+        </p:cTn>
+      </p:par>
+    </p:tnLst>
+  </p:timing>
+</p:sld>
+</file>
+
+<file path=ppt/slides/slide9.xml><?xml version="1.0" encoding="utf-8"?>
+<p:sld xmlns:a="http://schemas.openxmlformats.org/drawingml/2006/main" xmlns:r="http://schemas.openxmlformats.org/officeDocument/2006/relationships" xmlns:p="http://schemas.openxmlformats.org/presentationml/2006/main">
+  <p:cSld>
+    <p:spTree>
+      <p:nvGrpSpPr>
+        <p:cNvPr id="1" name=""/>
+        <p:cNvGrpSpPr/>
+        <p:nvPr/>
+      </p:nvGrpSpPr>
+      <p:grpSpPr>
+        <a:xfrm>
+          <a:off x="0" y="0"/>
+          <a:ext cx="0" cy="0"/>
+          <a:chOff x="0" y="0"/>
+          <a:chExt cx="0" cy="0"/>
+        </a:xfrm>
+      </p:grpSpPr>
+      <p:sp>
+        <p:nvSpPr>
+          <p:cNvPr id="2" name="Title 1">
+            <a:extLst>
+              <a:ext uri="{FF2B5EF4-FFF2-40B4-BE49-F238E27FC236}">
+                <a16:creationId xmlns:a16="http://schemas.microsoft.com/office/drawing/2014/main" id="{DF0E8B35-95FE-5D76-536B-1AB50AD933BE}"/>
+              </a:ext>
+            </a:extLst>
+          </p:cNvPr>
+          <p:cNvSpPr>
+            <a:spLocks noGrp="1"/>
+          </p:cNvSpPr>
+          <p:nvPr>
+            <p:ph type="title"/>
+          </p:nvPr>
+        </p:nvSpPr>
+        <p:spPr/>
+        <p:txBody>
+          <a:bodyPr/>
+          <a:lstStyle/>
+          <a:p>
+            <a:r>
+              <a:rPr lang="en-AU" u="sng" dirty="0"/>
+              <a:t>FUTURE WORK</a:t>
+            </a:r>
+          </a:p>
+        </p:txBody>
+      </p:sp>
+      <p:sp>
+        <p:nvSpPr>
+          <p:cNvPr id="4" name="Slide Number Placeholder 3">
+            <a:extLst>
+              <a:ext uri="{FF2B5EF4-FFF2-40B4-BE49-F238E27FC236}">
+                <a16:creationId xmlns:a16="http://schemas.microsoft.com/office/drawing/2014/main" id="{A2FB5341-287A-2A2F-8EC8-0817B746DD0E}"/>
+              </a:ext>
+            </a:extLst>
+          </p:cNvPr>
+          <p:cNvSpPr>
+            <a:spLocks noGrp="1"/>
+          </p:cNvSpPr>
+          <p:nvPr>
+            <p:ph type="sldNum" sz="quarter" idx="12"/>
+          </p:nvPr>
+        </p:nvSpPr>
+        <p:spPr/>
+        <p:txBody>
+          <a:bodyPr/>
+          <a:lstStyle/>
+          <a:p>
+            <a:pPr marL="0" lvl="0" indent="0" algn="r" rtl="0">
+              <a:spcBef>
+                <a:spcPts val="0"/>
+              </a:spcBef>
+              <a:spcAft>
+                <a:spcPts val="0"/>
+              </a:spcAft>
+              <a:buNone/>
+            </a:pPr>
+            <a:fld id="{00000000-1234-1234-1234-123412341234}" type="slidenum">
+              <a:rPr lang="en-GB" smtClean="0"/>
+              <a:t>9</a:t>
+            </a:fld>
+            <a:endParaRPr lang="en-GB" dirty="0"/>
+          </a:p>
+        </p:txBody>
+      </p:sp>
+      <p:pic>
+        <p:nvPicPr>
+          <p:cNvPr id="8" name="Picture 7">
+            <a:extLst>
+              <a:ext uri="{FF2B5EF4-FFF2-40B4-BE49-F238E27FC236}">
+                <a16:creationId xmlns:a16="http://schemas.microsoft.com/office/drawing/2014/main" id="{9069F1EA-844E-AB77-F7A6-42C3ADEB001E}"/>
+              </a:ext>
+            </a:extLst>
+          </p:cNvPr>
+          <p:cNvPicPr>
+            <a:picLocks noChangeAspect="1"/>
+          </p:cNvPicPr>
+          <p:nvPr/>
+        </p:nvPicPr>
+        <p:blipFill>
+          <a:blip r:embed="rId2"/>
+          <a:stretch>
+            <a:fillRect/>
+          </a:stretch>
+        </p:blipFill>
+        <p:spPr>
+          <a:xfrm>
+            <a:off x="714616" y="1567705"/>
+            <a:ext cx="7311429" cy="2963317"/>
+          </a:xfrm>
+          <a:prstGeom prst="rect">
+            <a:avLst/>
+          </a:prstGeom>
+        </p:spPr>
+      </p:pic>
+    </p:spTree>
+    <p:extLst>
+      <p:ext uri="{BB962C8B-B14F-4D97-AF65-F5344CB8AC3E}">
+        <p14:creationId xmlns:p14="http://schemas.microsoft.com/office/powerpoint/2010/main" val="2431738723"/>
+      </p:ext>
+    </p:extLst>
+  </p:cSld>
+  <p:clrMapOvr>
+    <a:masterClrMapping/>
+  </p:clrMapOvr>
+  <p:timing>
+    <p:tnLst>
+      <p:par>
+        <p:cTn id="1" dur="indefinite" restart="never" nodeType="tmRoot">
+          <p:childTnLst>
+            <p:seq concurrent="1" nextAc="seek">
+              <p:cTn id="2" dur="indefinite" nodeType="mainSeq">
+                <p:childTnLst>
+                  <p:par>
+                    <p:cTn id="3" fill="hold">
+                      <p:stCondLst>
+                        <p:cond delay="indefinite"/>
+                      </p:stCondLst>
+                      <p:childTnLst>
+                        <p:par>
+                          <p:cTn id="4" fill="hold">
+                            <p:stCondLst>
+                              <p:cond delay="0"/>
+                            </p:stCondLst>
+                            <p:childTnLst>
+                              <p:par>
+                                <p:cTn id="5" presetID="42" presetClass="entr" presetSubtype="0" fill="hold" grpId="0" nodeType="clickEffect">
+                                  <p:stCondLst>
+                                    <p:cond delay="0"/>
+                                  </p:stCondLst>
+                                  <p:childTnLst>
+                                    <p:set>
+                                      <p:cBhvr>
+                                        <p:cTn id="6" dur="1" fill="hold">
+                                          <p:stCondLst>
+                                            <p:cond delay="0"/>
+                                          </p:stCondLst>
+                                        </p:cTn>
+                                        <p:tgtEl>
+                                          <p:spTgt spid="2"/>
+                                        </p:tgtEl>
+                                        <p:attrNameLst>
+                                          <p:attrName>style.visibility</p:attrName>
+                                        </p:attrNameLst>
+                                      </p:cBhvr>
+                                      <p:to>
+                                        <p:strVal val="visible"/>
+                                      </p:to>
+                                    </p:set>
+                                    <p:animEffect transition="in" filter="fade">
+                                      <p:cBhvr>
+                                        <p:cTn id="7" dur="1000"/>
+                                        <p:tgtEl>
+                                          <p:spTgt spid="2"/>
+                                        </p:tgtEl>
+                                      </p:cBhvr>
+                                    </p:animEffect>
+                                    <p:anim calcmode="lin" valueType="num">
+                                      <p:cBhvr>
+                                        <p:cTn id="8" dur="1000" fill="hold"/>
+                                        <p:tgtEl>
+                                          <p:spTgt spid="2"/>
+                                        </p:tgtEl>
+                                        <p:attrNameLst>
+                                          <p:attrName>ppt_x</p:attrName>
+                                        </p:attrNameLst>
+                                      </p:cBhvr>
+                                      <p:tavLst>
+                                        <p:tav tm="0">
+                                          <p:val>
+                                            <p:strVal val="#ppt_x"/>
+                                          </p:val>
+                                        </p:tav>
+                                        <p:tav tm="100000">
+                                          <p:val>
+                                            <p:strVal val="#ppt_x"/>
+                                          </p:val>
+                                        </p:tav>
+                                      </p:tavLst>
+                                    </p:anim>
+                                    <p:anim calcmode="lin" valueType="num">
+                                      <p:cBhvr>
+                                        <p:cTn id="9" dur="1000" fill="hold"/>
+                                        <p:tgtEl>
+                                          <p:spTgt spid="2"/>
+                                        </p:tgtEl>
+                                        <p:attrNameLst>
+                                          <p:attrName>ppt_y</p:attrName>
+                                        </p:attrNameLst>
+                                      </p:cBhvr>
+                                      <p:tavLst>
+                                        <p:tav tm="0">
+                                          <p:val>
+                                            <p:strVal val="#ppt_y+.1"/>
+                                          </p:val>
+                                        </p:tav>
+                                        <p:tav tm="100000">
+                                          <p:val>
+                                            <p:strVal val="#ppt_y"/>
+                                          </p:val>
+                                        </p:tav>
+                                      </p:tavLst>
+                                    </p:anim>
+                                  </p:childTnLst>
+                                </p:cTn>
+                              </p:par>
+                            </p:childTnLst>
+                          </p:cTn>
+                        </p:par>
+                      </p:childTnLst>
+                    </p:cTn>
+                  </p:par>
+                  <p:par>
+                    <p:cTn id="10" fill="hold">
+                      <p:stCondLst>
+                        <p:cond delay="indefinite"/>
+                      </p:stCondLst>
+                      <p:childTnLst>
+                        <p:par>
+                          <p:cTn id="11" fill="hold">
+                            <p:stCondLst>
+                              <p:cond delay="0"/>
+                            </p:stCondLst>
+                            <p:childTnLst>
+                              <p:par>
+                                <p:cTn id="12" presetID="21" presetClass="entr" presetSubtype="1" fill="hold" nodeType="clickEffect">
+                                  <p:stCondLst>
+                                    <p:cond delay="0"/>
+                                  </p:stCondLst>
+                                  <p:childTnLst>
+                                    <p:set>
+                                      <p:cBhvr>
+                                        <p:cTn id="13" dur="1" fill="hold">
+                                          <p:stCondLst>
+                                            <p:cond delay="0"/>
+                                          </p:stCondLst>
+                                        </p:cTn>
+                                        <p:tgtEl>
+                                          <p:spTgt spid="8"/>
+                                        </p:tgtEl>
+                                        <p:attrNameLst>
+                                          <p:attrName>style.visibility</p:attrName>
+                                        </p:attrNameLst>
+                                      </p:cBhvr>
+                                      <p:to>
+                                        <p:strVal val="visible"/>
+                                      </p:to>
+                                    </p:set>
+                                    <p:animEffect transition="in" filter="wheel(1)">
+                                      <p:cBhvr>
+                                        <p:cTn id="14" dur="2000"/>
+                                        <p:tgtEl>
+                                          <p:spTgt spid="8"/>
+                                        </p:tgtEl>
+                                      </p:cBhvr>
+                                    </p:animEffect>
+                                  </p:childTnLst>
+                                </p:cTn>
+                              </p:par>
+                            </p:childTnLst>
+                          </p:cTn>
+                        </p:par>
+                      </p:childTnLst>
+                    </p:cTn>
+                  </p:par>
+                </p:childTnLst>
+              </p:cTn>
+              <p:prevCondLst>
+                <p:cond evt="onPrev" delay="0">
+                  <p:tgtEl>
+                    <p:sldTgt/>
+                  </p:tgtEl>
+                </p:cond>
+              </p:prevCondLst>
+              <p:nextCondLst>
+                <p:cond evt="onNext" delay="0">
+                  <p:tgtEl>
+                    <p:sldTgt/>
+                  </p:tgtEl>
+                </p:cond>
+              </p:nextCondLst>
+            </p:seq>
+          </p:childTnLst>
+        </p:cTn>
+      </p:par>
+    </p:tnLst>
+    <p:bldLst>
+      <p:bldP spid="2" grpId="0"/>
     </p:bldLst>
   </p:timing>
 </p:sld>

--- a/CaseStudy-04.pptx
+++ b/CaseStudy-04.pptx
@@ -2,7 +2,7 @@
 <file path=ppt/presentation.xml><?xml version="1.0" encoding="utf-8"?>
 <p:presentation xmlns:a="http://schemas.openxmlformats.org/drawingml/2006/main" xmlns:r="http://schemas.openxmlformats.org/officeDocument/2006/relationships" xmlns:p="http://schemas.openxmlformats.org/presentationml/2006/main" strictFirstAndLastChars="0" saveSubsetFonts="1" autoCompressPictures="0">
   <p:sldMasterIdLst>
-    <p:sldMasterId id="2147483815" r:id="rId1"/>
+    <p:sldMasterId id="2147484346" r:id="rId1"/>
   </p:sldMasterIdLst>
   <p:notesMasterIdLst>
     <p:notesMasterId r:id="rId13"/>
@@ -29,7 +29,7 @@
     <a:defPPr>
       <a:defRPr lang="en-US"/>
     </a:defPPr>
-    <a:lvl1pPr marL="0" algn="l" defTabSz="457200" rtl="0" eaLnBrk="1" latinLnBrk="0" hangingPunct="1">
+    <a:lvl1pPr marL="0" algn="l" defTabSz="914400" rtl="0" eaLnBrk="1" latinLnBrk="0" hangingPunct="1">
       <a:defRPr sz="1800" kern="1200">
         <a:solidFill>
           <a:schemeClr val="tx1"/>
@@ -39,7 +39,7 @@
         <a:cs typeface="+mn-cs"/>
       </a:defRPr>
     </a:lvl1pPr>
-    <a:lvl2pPr marL="457200" algn="l" defTabSz="457200" rtl="0" eaLnBrk="1" latinLnBrk="0" hangingPunct="1">
+    <a:lvl2pPr marL="457200" algn="l" defTabSz="914400" rtl="0" eaLnBrk="1" latinLnBrk="0" hangingPunct="1">
       <a:defRPr sz="1800" kern="1200">
         <a:solidFill>
           <a:schemeClr val="tx1"/>
@@ -49,7 +49,7 @@
         <a:cs typeface="+mn-cs"/>
       </a:defRPr>
     </a:lvl2pPr>
-    <a:lvl3pPr marL="914400" algn="l" defTabSz="457200" rtl="0" eaLnBrk="1" latinLnBrk="0" hangingPunct="1">
+    <a:lvl3pPr marL="914400" algn="l" defTabSz="914400" rtl="0" eaLnBrk="1" latinLnBrk="0" hangingPunct="1">
       <a:defRPr sz="1800" kern="1200">
         <a:solidFill>
           <a:schemeClr val="tx1"/>
@@ -59,7 +59,7 @@
         <a:cs typeface="+mn-cs"/>
       </a:defRPr>
     </a:lvl3pPr>
-    <a:lvl4pPr marL="1371600" algn="l" defTabSz="457200" rtl="0" eaLnBrk="1" latinLnBrk="0" hangingPunct="1">
+    <a:lvl4pPr marL="1371600" algn="l" defTabSz="914400" rtl="0" eaLnBrk="1" latinLnBrk="0" hangingPunct="1">
       <a:defRPr sz="1800" kern="1200">
         <a:solidFill>
           <a:schemeClr val="tx1"/>
@@ -69,7 +69,7 @@
         <a:cs typeface="+mn-cs"/>
       </a:defRPr>
     </a:lvl4pPr>
-    <a:lvl5pPr marL="1828800" algn="l" defTabSz="457200" rtl="0" eaLnBrk="1" latinLnBrk="0" hangingPunct="1">
+    <a:lvl5pPr marL="1828800" algn="l" defTabSz="914400" rtl="0" eaLnBrk="1" latinLnBrk="0" hangingPunct="1">
       <a:defRPr sz="1800" kern="1200">
         <a:solidFill>
           <a:schemeClr val="tx1"/>
@@ -79,7 +79,7 @@
         <a:cs typeface="+mn-cs"/>
       </a:defRPr>
     </a:lvl5pPr>
-    <a:lvl6pPr marL="2286000" algn="l" defTabSz="457200" rtl="0" eaLnBrk="1" latinLnBrk="0" hangingPunct="1">
+    <a:lvl6pPr marL="2286000" algn="l" defTabSz="914400" rtl="0" eaLnBrk="1" latinLnBrk="0" hangingPunct="1">
       <a:defRPr sz="1800" kern="1200">
         <a:solidFill>
           <a:schemeClr val="tx1"/>
@@ -89,7 +89,7 @@
         <a:cs typeface="+mn-cs"/>
       </a:defRPr>
     </a:lvl6pPr>
-    <a:lvl7pPr marL="2743200" algn="l" defTabSz="457200" rtl="0" eaLnBrk="1" latinLnBrk="0" hangingPunct="1">
+    <a:lvl7pPr marL="2743200" algn="l" defTabSz="914400" rtl="0" eaLnBrk="1" latinLnBrk="0" hangingPunct="1">
       <a:defRPr sz="1800" kern="1200">
         <a:solidFill>
           <a:schemeClr val="tx1"/>
@@ -99,7 +99,7 @@
         <a:cs typeface="+mn-cs"/>
       </a:defRPr>
     </a:lvl7pPr>
-    <a:lvl8pPr marL="3200400" algn="l" defTabSz="457200" rtl="0" eaLnBrk="1" latinLnBrk="0" hangingPunct="1">
+    <a:lvl8pPr marL="3200400" algn="l" defTabSz="914400" rtl="0" eaLnBrk="1" latinLnBrk="0" hangingPunct="1">
       <a:defRPr sz="1800" kern="1200">
         <a:solidFill>
           <a:schemeClr val="tx1"/>
@@ -109,7 +109,7 @@
         <a:cs typeface="+mn-cs"/>
       </a:defRPr>
     </a:lvl8pPr>
-    <a:lvl9pPr marL="3657600" algn="l" defTabSz="457200" rtl="0" eaLnBrk="1" latinLnBrk="0" hangingPunct="1">
+    <a:lvl9pPr marL="3657600" algn="l" defTabSz="914400" rtl="0" eaLnBrk="1" latinLnBrk="0" hangingPunct="1">
       <a:defRPr sz="1800" kern="1200">
         <a:solidFill>
           <a:schemeClr val="tx1"/>
@@ -134,6 +134,9 @@
           </p15:clr>
         </p15:guide>
       </p15:sldGuideLst>
+    </p:ext>
+    <p:ext uri="{2D200454-40CA-4A62-9FC3-DE9A4176ACB9}">
+      <p15:notesGuideLst xmlns:p15="http://schemas.microsoft.com/office/powerpoint/2012/main"/>
     </p:ext>
   </p:extLst>
 </p:presentation>
@@ -824,6 +827,72 @@
           <a:bodyPr/>
           <a:lstStyle/>
           <a:p>
+            <a:endParaRPr lang="en-AU"/>
+          </a:p>
+        </p:txBody>
+      </p:sp>
+    </p:spTree>
+    <p:extLst>
+      <p:ext uri="{BB962C8B-B14F-4D97-AF65-F5344CB8AC3E}">
+        <p14:creationId xmlns:p14="http://schemas.microsoft.com/office/powerpoint/2010/main" val="1654344543"/>
+      </p:ext>
+    </p:extLst>
+  </p:cSld>
+  <p:clrMapOvr>
+    <a:masterClrMapping/>
+  </p:clrMapOvr>
+</p:notes>
+</file>
+
+<file path=ppt/notesSlides/notesSlide2.xml><?xml version="1.0" encoding="utf-8"?>
+<p:notes xmlns:a="http://schemas.openxmlformats.org/drawingml/2006/main" xmlns:r="http://schemas.openxmlformats.org/officeDocument/2006/relationships" xmlns:p="http://schemas.openxmlformats.org/presentationml/2006/main">
+  <p:cSld>
+    <p:spTree>
+      <p:nvGrpSpPr>
+        <p:cNvPr id="1" name=""/>
+        <p:cNvGrpSpPr/>
+        <p:nvPr/>
+      </p:nvGrpSpPr>
+      <p:grpSpPr>
+        <a:xfrm>
+          <a:off x="0" y="0"/>
+          <a:ext cx="0" cy="0"/>
+          <a:chOff x="0" y="0"/>
+          <a:chExt cx="0" cy="0"/>
+        </a:xfrm>
+      </p:grpSpPr>
+      <p:sp>
+        <p:nvSpPr>
+          <p:cNvPr id="2" name="Slide Image Placeholder 1"/>
+          <p:cNvSpPr>
+            <a:spLocks noGrp="1" noRot="1" noChangeAspect="1"/>
+          </p:cNvSpPr>
+          <p:nvPr>
+            <p:ph type="sldImg"/>
+          </p:nvPr>
+        </p:nvSpPr>
+        <p:spPr>
+          <a:xfrm>
+            <a:off x="381000" y="685800"/>
+            <a:ext cx="6096000" cy="3429000"/>
+          </a:xfrm>
+        </p:spPr>
+      </p:sp>
+      <p:sp>
+        <p:nvSpPr>
+          <p:cNvPr id="3" name="Notes Placeholder 2"/>
+          <p:cNvSpPr>
+            <a:spLocks noGrp="1"/>
+          </p:cNvSpPr>
+          <p:nvPr>
+            <p:ph type="body" idx="1"/>
+          </p:nvPr>
+        </p:nvSpPr>
+        <p:spPr/>
+        <p:txBody>
+          <a:bodyPr/>
+          <a:lstStyle/>
+          <a:p>
             <a:endParaRPr lang="en-AU" dirty="0"/>
           </a:p>
         </p:txBody>
@@ -841,7 +910,7 @@
 </p:notes>
 </file>
 
-<file path=ppt/notesSlides/notesSlide2.xml><?xml version="1.0" encoding="utf-8"?>
+<file path=ppt/notesSlides/notesSlide3.xml><?xml version="1.0" encoding="utf-8"?>
 <p:notes xmlns:a="http://schemas.openxmlformats.org/drawingml/2006/main" xmlns:r="http://schemas.openxmlformats.org/officeDocument/2006/relationships" xmlns:p="http://schemas.openxmlformats.org/presentationml/2006/main" showMasterSp="0" showMasterPhAnim="0">
   <p:cSld>
     <p:spTree>
@@ -945,7 +1014,7 @@
 </p:notes>
 </file>
 
-<file path=ppt/notesSlides/notesSlide3.xml><?xml version="1.0" encoding="utf-8"?>
+<file path=ppt/notesSlides/notesSlide4.xml><?xml version="1.0" encoding="utf-8"?>
 <p:notes xmlns:a="http://schemas.openxmlformats.org/drawingml/2006/main" xmlns:r="http://schemas.openxmlformats.org/officeDocument/2006/relationships" xmlns:p="http://schemas.openxmlformats.org/presentationml/2006/main" showMasterSp="0" showMasterPhAnim="0">
   <p:cSld>
     <p:spTree>
@@ -1050,804 +1119,8 @@
 </file>
 
 <file path=ppt/slideLayouts/slideLayout1.xml><?xml version="1.0" encoding="utf-8"?>
-<p:sldLayout xmlns:a="http://schemas.openxmlformats.org/drawingml/2006/main" xmlns:r="http://schemas.openxmlformats.org/officeDocument/2006/relationships" xmlns:p="http://schemas.openxmlformats.org/presentationml/2006/main" showMasterSp="0" type="title" preserve="1">
+<p:sldLayout xmlns:a="http://schemas.openxmlformats.org/drawingml/2006/main" xmlns:r="http://schemas.openxmlformats.org/officeDocument/2006/relationships" xmlns:p="http://schemas.openxmlformats.org/presentationml/2006/main" type="title" preserve="1">
   <p:cSld name="Title Slide">
-    <p:spTree>
-      <p:nvGrpSpPr>
-        <p:cNvPr id="1" name=""/>
-        <p:cNvGrpSpPr/>
-        <p:nvPr/>
-      </p:nvGrpSpPr>
-      <p:grpSpPr>
-        <a:xfrm>
-          <a:off x="0" y="0"/>
-          <a:ext cx="0" cy="0"/>
-          <a:chOff x="0" y="0"/>
-          <a:chExt cx="0" cy="0"/>
-        </a:xfrm>
-      </p:grpSpPr>
-      <p:grpSp>
-        <p:nvGrpSpPr>
-          <p:cNvPr id="7" name="Group 6"/>
-          <p:cNvGrpSpPr/>
-          <p:nvPr/>
-        </p:nvGrpSpPr>
-        <p:grpSpPr>
-          <a:xfrm>
-            <a:off x="0" y="-6350"/>
-            <a:ext cx="9144000" cy="5149850"/>
-            <a:chOff x="0" y="-8467"/>
-            <a:chExt cx="12192000" cy="6866467"/>
-          </a:xfrm>
-        </p:grpSpPr>
-        <p:cxnSp>
-          <p:nvCxnSpPr>
-            <p:cNvPr id="32" name="Straight Connector 31"/>
-            <p:cNvCxnSpPr/>
-            <p:nvPr/>
-          </p:nvCxnSpPr>
-          <p:spPr>
-            <a:xfrm>
-              <a:off x="9371012" y="0"/>
-              <a:ext cx="1219200" cy="6858000"/>
-            </a:xfrm>
-            <a:prstGeom prst="line">
-              <a:avLst/>
-            </a:prstGeom>
-            <a:ln w="9525">
-              <a:solidFill>
-                <a:schemeClr val="bg1">
-                  <a:lumMod val="75000"/>
-                </a:schemeClr>
-              </a:solidFill>
-            </a:ln>
-          </p:spPr>
-          <p:style>
-            <a:lnRef idx="2">
-              <a:schemeClr val="accent1"/>
-            </a:lnRef>
-            <a:fillRef idx="0">
-              <a:schemeClr val="accent1"/>
-            </a:fillRef>
-            <a:effectRef idx="1">
-              <a:schemeClr val="accent1"/>
-            </a:effectRef>
-            <a:fontRef idx="minor">
-              <a:schemeClr val="tx1"/>
-            </a:fontRef>
-          </p:style>
-        </p:cxnSp>
-        <p:cxnSp>
-          <p:nvCxnSpPr>
-            <p:cNvPr id="21" name="Straight Connector 20"/>
-            <p:cNvCxnSpPr/>
-            <p:nvPr/>
-          </p:nvCxnSpPr>
-          <p:spPr>
-            <a:xfrm flipH="1">
-              <a:off x="7425267" y="3681413"/>
-              <a:ext cx="4763558" cy="3176587"/>
-            </a:xfrm>
-            <a:prstGeom prst="line">
-              <a:avLst/>
-            </a:prstGeom>
-            <a:ln w="9525">
-              <a:solidFill>
-                <a:schemeClr val="bg1">
-                  <a:lumMod val="85000"/>
-                </a:schemeClr>
-              </a:solidFill>
-            </a:ln>
-          </p:spPr>
-          <p:style>
-            <a:lnRef idx="2">
-              <a:schemeClr val="accent1"/>
-            </a:lnRef>
-            <a:fillRef idx="0">
-              <a:schemeClr val="accent1"/>
-            </a:fillRef>
-            <a:effectRef idx="1">
-              <a:schemeClr val="accent1"/>
-            </a:effectRef>
-            <a:fontRef idx="minor">
-              <a:schemeClr val="tx1"/>
-            </a:fontRef>
-          </p:style>
-        </p:cxnSp>
-        <p:sp>
-          <p:nvSpPr>
-            <p:cNvPr id="24" name="Rectangle 23"/>
-            <p:cNvSpPr/>
-            <p:nvPr/>
-          </p:nvSpPr>
-          <p:spPr>
-            <a:xfrm>
-              <a:off x="9181476" y="-8467"/>
-              <a:ext cx="3007349" cy="6866467"/>
-            </a:xfrm>
-            <a:custGeom>
-              <a:avLst/>
-              <a:gdLst/>
-              <a:ahLst/>
-              <a:cxnLst/>
-              <a:rect l="l" t="t" r="r" b="b"/>
-              <a:pathLst>
-                <a:path w="3007349" h="6866467">
-                  <a:moveTo>
-                    <a:pt x="2045532" y="0"/>
-                  </a:moveTo>
-                  <a:lnTo>
-                    <a:pt x="3007349" y="0"/>
-                  </a:lnTo>
-                  <a:lnTo>
-                    <a:pt x="3007349" y="6866467"/>
-                  </a:lnTo>
-                  <a:lnTo>
-                    <a:pt x="0" y="6866467"/>
-                  </a:lnTo>
-                  <a:lnTo>
-                    <a:pt x="2045532" y="0"/>
-                  </a:lnTo>
-                  <a:close/>
-                </a:path>
-              </a:pathLst>
-            </a:custGeom>
-            <a:solidFill>
-              <a:schemeClr val="accent1">
-                <a:alpha val="30000"/>
-              </a:schemeClr>
-            </a:solidFill>
-            <a:ln>
-              <a:noFill/>
-            </a:ln>
-            <a:effectLst/>
-          </p:spPr>
-          <p:style>
-            <a:lnRef idx="1">
-              <a:schemeClr val="accent1"/>
-            </a:lnRef>
-            <a:fillRef idx="3">
-              <a:schemeClr val="accent1"/>
-            </a:fillRef>
-            <a:effectRef idx="2">
-              <a:schemeClr val="accent1"/>
-            </a:effectRef>
-            <a:fontRef idx="minor">
-              <a:schemeClr val="lt1"/>
-            </a:fontRef>
-          </p:style>
-        </p:sp>
-        <p:sp>
-          <p:nvSpPr>
-            <p:cNvPr id="26" name="Rectangle 25"/>
-            <p:cNvSpPr/>
-            <p:nvPr/>
-          </p:nvSpPr>
-          <p:spPr>
-            <a:xfrm>
-              <a:off x="9603442" y="-8467"/>
-              <a:ext cx="2588558" cy="6866467"/>
-            </a:xfrm>
-            <a:custGeom>
-              <a:avLst/>
-              <a:gdLst/>
-              <a:ahLst/>
-              <a:cxnLst/>
-              <a:rect l="l" t="t" r="r" b="b"/>
-              <a:pathLst>
-                <a:path w="2573311" h="6866467">
-                  <a:moveTo>
-                    <a:pt x="0" y="0"/>
-                  </a:moveTo>
-                  <a:lnTo>
-                    <a:pt x="2573311" y="0"/>
-                  </a:lnTo>
-                  <a:lnTo>
-                    <a:pt x="2573311" y="6866467"/>
-                  </a:lnTo>
-                  <a:lnTo>
-                    <a:pt x="1202336" y="6866467"/>
-                  </a:lnTo>
-                  <a:lnTo>
-                    <a:pt x="0" y="0"/>
-                  </a:lnTo>
-                  <a:close/>
-                </a:path>
-              </a:pathLst>
-            </a:custGeom>
-            <a:solidFill>
-              <a:schemeClr val="accent1">
-                <a:alpha val="20000"/>
-              </a:schemeClr>
-            </a:solidFill>
-            <a:ln>
-              <a:noFill/>
-            </a:ln>
-            <a:effectLst/>
-          </p:spPr>
-          <p:style>
-            <a:lnRef idx="1">
-              <a:schemeClr val="accent1"/>
-            </a:lnRef>
-            <a:fillRef idx="3">
-              <a:schemeClr val="accent1"/>
-            </a:fillRef>
-            <a:effectRef idx="2">
-              <a:schemeClr val="accent1"/>
-            </a:effectRef>
-            <a:fontRef idx="minor">
-              <a:schemeClr val="lt1"/>
-            </a:fontRef>
-          </p:style>
-        </p:sp>
-        <p:sp>
-          <p:nvSpPr>
-            <p:cNvPr id="27" name="Isosceles Triangle 26"/>
-            <p:cNvSpPr/>
-            <p:nvPr/>
-          </p:nvSpPr>
-          <p:spPr>
-            <a:xfrm>
-              <a:off x="8932333" y="3048000"/>
-              <a:ext cx="3259667" cy="3810000"/>
-            </a:xfrm>
-            <a:prstGeom prst="triangle">
-              <a:avLst>
-                <a:gd name="adj" fmla="val 100000"/>
-              </a:avLst>
-            </a:prstGeom>
-            <a:solidFill>
-              <a:schemeClr val="accent2">
-                <a:alpha val="72000"/>
-              </a:schemeClr>
-            </a:solidFill>
-            <a:ln>
-              <a:noFill/>
-            </a:ln>
-            <a:effectLst/>
-          </p:spPr>
-          <p:style>
-            <a:lnRef idx="1">
-              <a:schemeClr val="accent1"/>
-            </a:lnRef>
-            <a:fillRef idx="3">
-              <a:schemeClr val="accent1"/>
-            </a:fillRef>
-            <a:effectRef idx="2">
-              <a:schemeClr val="accent1"/>
-            </a:effectRef>
-            <a:fontRef idx="minor">
-              <a:schemeClr val="lt1"/>
-            </a:fontRef>
-          </p:style>
-        </p:sp>
-        <p:sp>
-          <p:nvSpPr>
-            <p:cNvPr id="28" name="Rectangle 27"/>
-            <p:cNvSpPr/>
-            <p:nvPr/>
-          </p:nvSpPr>
-          <p:spPr>
-            <a:xfrm>
-              <a:off x="9334500" y="-8467"/>
-              <a:ext cx="2854326" cy="6866467"/>
-            </a:xfrm>
-            <a:custGeom>
-              <a:avLst/>
-              <a:gdLst/>
-              <a:ahLst/>
-              <a:cxnLst/>
-              <a:rect l="l" t="t" r="r" b="b"/>
-              <a:pathLst>
-                <a:path w="2858013" h="6866467">
-                  <a:moveTo>
-                    <a:pt x="0" y="0"/>
-                  </a:moveTo>
-                  <a:lnTo>
-                    <a:pt x="2858013" y="0"/>
-                  </a:lnTo>
-                  <a:lnTo>
-                    <a:pt x="2858013" y="6866467"/>
-                  </a:lnTo>
-                  <a:lnTo>
-                    <a:pt x="2473942" y="6866467"/>
-                  </a:lnTo>
-                  <a:lnTo>
-                    <a:pt x="0" y="0"/>
-                  </a:lnTo>
-                  <a:close/>
-                </a:path>
-              </a:pathLst>
-            </a:custGeom>
-            <a:solidFill>
-              <a:schemeClr val="accent2">
-                <a:lumMod val="75000"/>
-                <a:alpha val="70000"/>
-              </a:schemeClr>
-            </a:solidFill>
-            <a:ln>
-              <a:noFill/>
-            </a:ln>
-            <a:effectLst/>
-          </p:spPr>
-          <p:style>
-            <a:lnRef idx="1">
-              <a:schemeClr val="accent1"/>
-            </a:lnRef>
-            <a:fillRef idx="3">
-              <a:schemeClr val="accent1"/>
-            </a:fillRef>
-            <a:effectRef idx="2">
-              <a:schemeClr val="accent1"/>
-            </a:effectRef>
-            <a:fontRef idx="minor">
-              <a:schemeClr val="lt1"/>
-            </a:fontRef>
-          </p:style>
-        </p:sp>
-        <p:sp>
-          <p:nvSpPr>
-            <p:cNvPr id="29" name="Rectangle 28"/>
-            <p:cNvSpPr/>
-            <p:nvPr/>
-          </p:nvSpPr>
-          <p:spPr>
-            <a:xfrm>
-              <a:off x="10898730" y="-8467"/>
-              <a:ext cx="1290094" cy="6866467"/>
-            </a:xfrm>
-            <a:custGeom>
-              <a:avLst/>
-              <a:gdLst/>
-              <a:ahLst/>
-              <a:cxnLst/>
-              <a:rect l="l" t="t" r="r" b="b"/>
-              <a:pathLst>
-                <a:path w="1290094" h="6858000">
-                  <a:moveTo>
-                    <a:pt x="1019735" y="0"/>
-                  </a:moveTo>
-                  <a:lnTo>
-                    <a:pt x="1290094" y="0"/>
-                  </a:lnTo>
-                  <a:lnTo>
-                    <a:pt x="1290094" y="6858000"/>
-                  </a:lnTo>
-                  <a:lnTo>
-                    <a:pt x="0" y="6858000"/>
-                  </a:lnTo>
-                  <a:lnTo>
-                    <a:pt x="1019735" y="0"/>
-                  </a:lnTo>
-                  <a:close/>
-                </a:path>
-              </a:pathLst>
-            </a:custGeom>
-            <a:solidFill>
-              <a:schemeClr val="accent1">
-                <a:lumMod val="60000"/>
-                <a:lumOff val="40000"/>
-                <a:alpha val="70000"/>
-              </a:schemeClr>
-            </a:solidFill>
-            <a:ln>
-              <a:noFill/>
-            </a:ln>
-            <a:effectLst/>
-          </p:spPr>
-          <p:style>
-            <a:lnRef idx="1">
-              <a:schemeClr val="accent1"/>
-            </a:lnRef>
-            <a:fillRef idx="3">
-              <a:schemeClr val="accent1"/>
-            </a:fillRef>
-            <a:effectRef idx="2">
-              <a:schemeClr val="accent1"/>
-            </a:effectRef>
-            <a:fontRef idx="minor">
-              <a:schemeClr val="lt1"/>
-            </a:fontRef>
-          </p:style>
-        </p:sp>
-        <p:sp>
-          <p:nvSpPr>
-            <p:cNvPr id="30" name="Rectangle 29"/>
-            <p:cNvSpPr/>
-            <p:nvPr/>
-          </p:nvSpPr>
-          <p:spPr>
-            <a:xfrm>
-              <a:off x="10938999" y="-8467"/>
-              <a:ext cx="1249825" cy="6866467"/>
-            </a:xfrm>
-            <a:custGeom>
-              <a:avLst/>
-              <a:gdLst/>
-              <a:ahLst/>
-              <a:cxnLst/>
-              <a:rect l="l" t="t" r="r" b="b"/>
-              <a:pathLst>
-                <a:path w="1249825" h="6858000">
-                  <a:moveTo>
-                    <a:pt x="0" y="0"/>
-                  </a:moveTo>
-                  <a:lnTo>
-                    <a:pt x="1249825" y="0"/>
-                  </a:lnTo>
-                  <a:lnTo>
-                    <a:pt x="1249825" y="6858000"/>
-                  </a:lnTo>
-                  <a:lnTo>
-                    <a:pt x="1109382" y="6858000"/>
-                  </a:lnTo>
-                  <a:lnTo>
-                    <a:pt x="0" y="0"/>
-                  </a:lnTo>
-                  <a:close/>
-                </a:path>
-              </a:pathLst>
-            </a:custGeom>
-            <a:solidFill>
-              <a:schemeClr val="accent1">
-                <a:alpha val="65000"/>
-              </a:schemeClr>
-            </a:solidFill>
-            <a:ln>
-              <a:noFill/>
-            </a:ln>
-            <a:effectLst/>
-          </p:spPr>
-          <p:style>
-            <a:lnRef idx="1">
-              <a:schemeClr val="accent1"/>
-            </a:lnRef>
-            <a:fillRef idx="3">
-              <a:schemeClr val="accent1"/>
-            </a:fillRef>
-            <a:effectRef idx="2">
-              <a:schemeClr val="accent1"/>
-            </a:effectRef>
-            <a:fontRef idx="minor">
-              <a:schemeClr val="lt1"/>
-            </a:fontRef>
-          </p:style>
-        </p:sp>
-        <p:sp>
-          <p:nvSpPr>
-            <p:cNvPr id="31" name="Isosceles Triangle 30"/>
-            <p:cNvSpPr/>
-            <p:nvPr/>
-          </p:nvSpPr>
-          <p:spPr>
-            <a:xfrm>
-              <a:off x="10371666" y="3589867"/>
-              <a:ext cx="1817159" cy="3268133"/>
-            </a:xfrm>
-            <a:prstGeom prst="triangle">
-              <a:avLst>
-                <a:gd name="adj" fmla="val 100000"/>
-              </a:avLst>
-            </a:prstGeom>
-            <a:solidFill>
-              <a:schemeClr val="accent1">
-                <a:alpha val="80000"/>
-              </a:schemeClr>
-            </a:solidFill>
-            <a:ln>
-              <a:noFill/>
-            </a:ln>
-            <a:effectLst/>
-          </p:spPr>
-          <p:style>
-            <a:lnRef idx="1">
-              <a:schemeClr val="accent1"/>
-            </a:lnRef>
-            <a:fillRef idx="3">
-              <a:schemeClr val="accent1"/>
-            </a:fillRef>
-            <a:effectRef idx="2">
-              <a:schemeClr val="accent1"/>
-            </a:effectRef>
-            <a:fontRef idx="minor">
-              <a:schemeClr val="lt1"/>
-            </a:fontRef>
-          </p:style>
-        </p:sp>
-        <p:sp>
-          <p:nvSpPr>
-            <p:cNvPr id="19" name="Isosceles Triangle 18"/>
-            <p:cNvSpPr/>
-            <p:nvPr/>
-          </p:nvSpPr>
-          <p:spPr>
-            <a:xfrm rot="10800000">
-              <a:off x="0" y="0"/>
-              <a:ext cx="842596" cy="5666154"/>
-            </a:xfrm>
-            <a:prstGeom prst="triangle">
-              <a:avLst>
-                <a:gd name="adj" fmla="val 100000"/>
-              </a:avLst>
-            </a:prstGeom>
-            <a:solidFill>
-              <a:schemeClr val="accent1">
-                <a:alpha val="85000"/>
-              </a:schemeClr>
-            </a:solidFill>
-            <a:ln>
-              <a:noFill/>
-            </a:ln>
-            <a:effectLst/>
-          </p:spPr>
-          <p:style>
-            <a:lnRef idx="1">
-              <a:schemeClr val="accent1"/>
-            </a:lnRef>
-            <a:fillRef idx="3">
-              <a:schemeClr val="accent1"/>
-            </a:fillRef>
-            <a:effectRef idx="2">
-              <a:schemeClr val="accent1"/>
-            </a:effectRef>
-            <a:fontRef idx="minor">
-              <a:schemeClr val="lt1"/>
-            </a:fontRef>
-          </p:style>
-        </p:sp>
-      </p:grpSp>
-      <p:sp>
-        <p:nvSpPr>
-          <p:cNvPr id="2" name="Title 1"/>
-          <p:cNvSpPr>
-            <a:spLocks noGrp="1"/>
-          </p:cNvSpPr>
-          <p:nvPr>
-            <p:ph type="ctrTitle"/>
-          </p:nvPr>
-        </p:nvSpPr>
-        <p:spPr>
-          <a:xfrm>
-            <a:off x="1130300" y="1803400"/>
-            <a:ext cx="5825202" cy="1234727"/>
-          </a:xfrm>
-        </p:spPr>
-        <p:txBody>
-          <a:bodyPr anchor="b">
-            <a:noAutofit/>
-          </a:bodyPr>
-          <a:lstStyle>
-            <a:lvl1pPr algn="r">
-              <a:defRPr sz="4050">
-                <a:solidFill>
-                  <a:schemeClr val="accent1"/>
-                </a:solidFill>
-              </a:defRPr>
-            </a:lvl1pPr>
-          </a:lstStyle>
-          <a:p>
-            <a:r>
-              <a:rPr lang="en-US"/>
-              <a:t>Click to edit Master title style</a:t>
-            </a:r>
-            <a:endParaRPr lang="en-US" dirty="0"/>
-          </a:p>
-        </p:txBody>
-      </p:sp>
-      <p:sp>
-        <p:nvSpPr>
-          <p:cNvPr id="3" name="Subtitle 2"/>
-          <p:cNvSpPr>
-            <a:spLocks noGrp="1"/>
-          </p:cNvSpPr>
-          <p:nvPr>
-            <p:ph type="subTitle" idx="1"/>
-          </p:nvPr>
-        </p:nvSpPr>
-        <p:spPr>
-          <a:xfrm>
-            <a:off x="1130300" y="3038125"/>
-            <a:ext cx="5825202" cy="822674"/>
-          </a:xfrm>
-        </p:spPr>
-        <p:txBody>
-          <a:bodyPr anchor="t"/>
-          <a:lstStyle>
-            <a:lvl1pPr marL="0" indent="0" algn="r">
-              <a:buNone/>
-              <a:defRPr>
-                <a:solidFill>
-                  <a:schemeClr val="tx1">
-                    <a:lumMod val="50000"/>
-                    <a:lumOff val="50000"/>
-                  </a:schemeClr>
-                </a:solidFill>
-              </a:defRPr>
-            </a:lvl1pPr>
-            <a:lvl2pPr marL="342900" indent="0" algn="ctr">
-              <a:buNone/>
-              <a:defRPr>
-                <a:solidFill>
-                  <a:schemeClr val="tx1">
-                    <a:tint val="75000"/>
-                  </a:schemeClr>
-                </a:solidFill>
-              </a:defRPr>
-            </a:lvl2pPr>
-            <a:lvl3pPr marL="685800" indent="0" algn="ctr">
-              <a:buNone/>
-              <a:defRPr>
-                <a:solidFill>
-                  <a:schemeClr val="tx1">
-                    <a:tint val="75000"/>
-                  </a:schemeClr>
-                </a:solidFill>
-              </a:defRPr>
-            </a:lvl3pPr>
-            <a:lvl4pPr marL="1028700" indent="0" algn="ctr">
-              <a:buNone/>
-              <a:defRPr>
-                <a:solidFill>
-                  <a:schemeClr val="tx1">
-                    <a:tint val="75000"/>
-                  </a:schemeClr>
-                </a:solidFill>
-              </a:defRPr>
-            </a:lvl4pPr>
-            <a:lvl5pPr marL="1371600" indent="0" algn="ctr">
-              <a:buNone/>
-              <a:defRPr>
-                <a:solidFill>
-                  <a:schemeClr val="tx1">
-                    <a:tint val="75000"/>
-                  </a:schemeClr>
-                </a:solidFill>
-              </a:defRPr>
-            </a:lvl5pPr>
-            <a:lvl6pPr marL="1714500" indent="0" algn="ctr">
-              <a:buNone/>
-              <a:defRPr>
-                <a:solidFill>
-                  <a:schemeClr val="tx1">
-                    <a:tint val="75000"/>
-                  </a:schemeClr>
-                </a:solidFill>
-              </a:defRPr>
-            </a:lvl6pPr>
-            <a:lvl7pPr marL="2057400" indent="0" algn="ctr">
-              <a:buNone/>
-              <a:defRPr>
-                <a:solidFill>
-                  <a:schemeClr val="tx1">
-                    <a:tint val="75000"/>
-                  </a:schemeClr>
-                </a:solidFill>
-              </a:defRPr>
-            </a:lvl7pPr>
-            <a:lvl8pPr marL="2400300" indent="0" algn="ctr">
-              <a:buNone/>
-              <a:defRPr>
-                <a:solidFill>
-                  <a:schemeClr val="tx1">
-                    <a:tint val="75000"/>
-                  </a:schemeClr>
-                </a:solidFill>
-              </a:defRPr>
-            </a:lvl8pPr>
-            <a:lvl9pPr marL="2743200" indent="0" algn="ctr">
-              <a:buNone/>
-              <a:defRPr>
-                <a:solidFill>
-                  <a:schemeClr val="tx1">
-                    <a:tint val="75000"/>
-                  </a:schemeClr>
-                </a:solidFill>
-              </a:defRPr>
-            </a:lvl9pPr>
-          </a:lstStyle>
-          <a:p>
-            <a:r>
-              <a:rPr lang="en-US"/>
-              <a:t>Click to edit Master subtitle style</a:t>
-            </a:r>
-            <a:endParaRPr lang="en-US" dirty="0"/>
-          </a:p>
-        </p:txBody>
-      </p:sp>
-      <p:sp>
-        <p:nvSpPr>
-          <p:cNvPr id="4" name="Date Placeholder 3"/>
-          <p:cNvSpPr>
-            <a:spLocks noGrp="1"/>
-          </p:cNvSpPr>
-          <p:nvPr>
-            <p:ph type="dt" sz="half" idx="10"/>
-          </p:nvPr>
-        </p:nvSpPr>
-        <p:spPr/>
-        <p:txBody>
-          <a:bodyPr/>
-          <a:lstStyle/>
-          <a:p>
-            <a:r>
-              <a:rPr lang="en-US"/>
-              <a:t>28/09/2023</a:t>
-            </a:r>
-            <a:endParaRPr lang="en-IN" dirty="0"/>
-          </a:p>
-        </p:txBody>
-      </p:sp>
-      <p:sp>
-        <p:nvSpPr>
-          <p:cNvPr id="5" name="Footer Placeholder 4"/>
-          <p:cNvSpPr>
-            <a:spLocks noGrp="1"/>
-          </p:cNvSpPr>
-          <p:nvPr>
-            <p:ph type="ftr" sz="quarter" idx="11"/>
-          </p:nvPr>
-        </p:nvSpPr>
-        <p:spPr/>
-        <p:txBody>
-          <a:bodyPr/>
-          <a:lstStyle/>
-          <a:p>
-            <a:r>
-              <a:rPr lang="en-IN"/>
-              <a:t>TSE Custom Initializr</a:t>
-            </a:r>
-            <a:endParaRPr lang="en-IN" dirty="0"/>
-          </a:p>
-        </p:txBody>
-      </p:sp>
-      <p:sp>
-        <p:nvSpPr>
-          <p:cNvPr id="6" name="Slide Number Placeholder 5"/>
-          <p:cNvSpPr>
-            <a:spLocks noGrp="1"/>
-          </p:cNvSpPr>
-          <p:nvPr>
-            <p:ph type="sldNum" sz="quarter" idx="12"/>
-          </p:nvPr>
-        </p:nvSpPr>
-        <p:spPr/>
-        <p:txBody>
-          <a:bodyPr/>
-          <a:lstStyle/>
-          <a:p>
-            <a:pPr marL="0" lvl="0" indent="0" algn="r" rtl="0">
-              <a:spcBef>
-                <a:spcPts val="0"/>
-              </a:spcBef>
-              <a:spcAft>
-                <a:spcPts val="0"/>
-              </a:spcAft>
-              <a:buNone/>
-            </a:pPr>
-            <a:fld id="{00000000-1234-1234-1234-123412341234}" type="slidenum">
-              <a:rPr lang="en-GB" smtClean="0"/>
-              <a:t>‹#›</a:t>
-            </a:fld>
-            <a:endParaRPr lang="en-GB" dirty="0"/>
-          </a:p>
-        </p:txBody>
-      </p:sp>
-    </p:spTree>
-    <p:extLst>
-      <p:ext uri="{BB962C8B-B14F-4D97-AF65-F5344CB8AC3E}">
-        <p14:creationId xmlns:p14="http://schemas.microsoft.com/office/powerpoint/2010/main" val="2537509951"/>
-      </p:ext>
-    </p:extLst>
-  </p:cSld>
-  <p:clrMapOvr>
-    <a:masterClrMapping/>
-  </p:clrMapOvr>
-</p:sldLayout>
-</file>
-
-<file path=ppt/slideLayouts/slideLayout10.xml><?xml version="1.0" encoding="utf-8"?>
-<p:sldLayout xmlns:a="http://schemas.openxmlformats.org/drawingml/2006/main" xmlns:r="http://schemas.openxmlformats.org/officeDocument/2006/relationships" xmlns:p="http://schemas.openxmlformats.org/presentationml/2006/main" preserve="1">
-  <p:cSld name="Title and Caption">
     <p:spTree>
       <p:nvGrpSpPr>
         <p:cNvPr id="1" name=""/>
@@ -1864,27 +1137,31 @@
       </p:grpSpPr>
       <p:sp>
         <p:nvSpPr>
-          <p:cNvPr id="2" name="Title 1"/>
+          <p:cNvPr id="2" name="Title 1">
+            <a:extLst>
+              <a:ext uri="{FF2B5EF4-FFF2-40B4-BE49-F238E27FC236}">
+                <a16:creationId xmlns:a16="http://schemas.microsoft.com/office/drawing/2014/main" id="{B9D16EFC-C43D-8777-425C-29AE2696115E}"/>
+              </a:ext>
+            </a:extLst>
+          </p:cNvPr>
           <p:cNvSpPr>
             <a:spLocks noGrp="1"/>
           </p:cNvSpPr>
           <p:nvPr>
-            <p:ph type="title"/>
+            <p:ph type="ctrTitle"/>
           </p:nvPr>
         </p:nvSpPr>
         <p:spPr>
           <a:xfrm>
-            <a:off x="508001" y="457200"/>
-            <a:ext cx="6447501" cy="2552700"/>
+            <a:off x="1143000" y="841772"/>
+            <a:ext cx="6858000" cy="1790700"/>
           </a:xfrm>
         </p:spPr>
         <p:txBody>
-          <a:bodyPr anchor="ctr">
-            <a:normAutofit/>
-          </a:bodyPr>
+          <a:bodyPr anchor="b"/>
           <a:lstStyle>
-            <a:lvl1pPr algn="l">
-              <a:defRPr sz="3300" b="0" cap="none"/>
+            <a:lvl1pPr algn="ctr">
+              <a:defRPr sz="4500"/>
             </a:lvl1pPr>
           </a:lstStyle>
           <a:p>
@@ -1892,135 +1169,90 @@
               <a:rPr lang="en-US"/>
               <a:t>Click to edit Master title style</a:t>
             </a:r>
-            <a:endParaRPr lang="en-US" dirty="0"/>
+            <a:endParaRPr lang="en-AU"/>
           </a:p>
         </p:txBody>
       </p:sp>
       <p:sp>
         <p:nvSpPr>
-          <p:cNvPr id="3" name="Text Placeholder 2"/>
+          <p:cNvPr id="3" name="Subtitle 2">
+            <a:extLst>
+              <a:ext uri="{FF2B5EF4-FFF2-40B4-BE49-F238E27FC236}">
+                <a16:creationId xmlns:a16="http://schemas.microsoft.com/office/drawing/2014/main" id="{98E18EA6-23EE-6821-9A97-D9B0E65BF008}"/>
+              </a:ext>
+            </a:extLst>
+          </p:cNvPr>
           <p:cNvSpPr>
             <a:spLocks noGrp="1"/>
           </p:cNvSpPr>
           <p:nvPr>
-            <p:ph type="body" idx="1"/>
+            <p:ph type="subTitle" idx="1"/>
           </p:nvPr>
         </p:nvSpPr>
         <p:spPr>
           <a:xfrm>
-            <a:off x="508001" y="3352800"/>
-            <a:ext cx="6447501" cy="1178222"/>
+            <a:off x="1143000" y="2701528"/>
+            <a:ext cx="6858000" cy="1241822"/>
           </a:xfrm>
         </p:spPr>
         <p:txBody>
-          <a:bodyPr anchor="ctr">
-            <a:normAutofit/>
-          </a:bodyPr>
+          <a:bodyPr/>
           <a:lstStyle>
-            <a:lvl1pPr marL="0" indent="0" algn="l">
+            <a:lvl1pPr marL="0" indent="0" algn="ctr">
               <a:buNone/>
-              <a:defRPr sz="1350">
-                <a:solidFill>
-                  <a:schemeClr val="tx1">
-                    <a:lumMod val="75000"/>
-                    <a:lumOff val="25000"/>
-                  </a:schemeClr>
-                </a:solidFill>
-              </a:defRPr>
+              <a:defRPr sz="1800"/>
             </a:lvl1pPr>
-            <a:lvl2pPr marL="342900" indent="0">
+            <a:lvl2pPr marL="342900" indent="0" algn="ctr">
               <a:buNone/>
-              <a:defRPr sz="1350">
-                <a:solidFill>
-                  <a:schemeClr val="tx1">
-                    <a:tint val="75000"/>
-                  </a:schemeClr>
-                </a:solidFill>
-              </a:defRPr>
+              <a:defRPr sz="1500"/>
             </a:lvl2pPr>
-            <a:lvl3pPr marL="685800" indent="0">
+            <a:lvl3pPr marL="685800" indent="0" algn="ctr">
               <a:buNone/>
-              <a:defRPr sz="1200">
-                <a:solidFill>
-                  <a:schemeClr val="tx1">
-                    <a:tint val="75000"/>
-                  </a:schemeClr>
-                </a:solidFill>
-              </a:defRPr>
+              <a:defRPr sz="1350"/>
             </a:lvl3pPr>
-            <a:lvl4pPr marL="1028700" indent="0">
+            <a:lvl4pPr marL="1028700" indent="0" algn="ctr">
               <a:buNone/>
-              <a:defRPr sz="1050">
-                <a:solidFill>
-                  <a:schemeClr val="tx1">
-                    <a:tint val="75000"/>
-                  </a:schemeClr>
-                </a:solidFill>
-              </a:defRPr>
+              <a:defRPr sz="1200"/>
             </a:lvl4pPr>
-            <a:lvl5pPr marL="1371600" indent="0">
+            <a:lvl5pPr marL="1371600" indent="0" algn="ctr">
               <a:buNone/>
-              <a:defRPr sz="1050">
-                <a:solidFill>
-                  <a:schemeClr val="tx1">
-                    <a:tint val="75000"/>
-                  </a:schemeClr>
-                </a:solidFill>
-              </a:defRPr>
+              <a:defRPr sz="1200"/>
             </a:lvl5pPr>
-            <a:lvl6pPr marL="1714500" indent="0">
+            <a:lvl6pPr marL="1714500" indent="0" algn="ctr">
               <a:buNone/>
-              <a:defRPr sz="1050">
-                <a:solidFill>
-                  <a:schemeClr val="tx1">
-                    <a:tint val="75000"/>
-                  </a:schemeClr>
-                </a:solidFill>
-              </a:defRPr>
+              <a:defRPr sz="1200"/>
             </a:lvl6pPr>
-            <a:lvl7pPr marL="2057400" indent="0">
+            <a:lvl7pPr marL="2057400" indent="0" algn="ctr">
               <a:buNone/>
-              <a:defRPr sz="1050">
-                <a:solidFill>
-                  <a:schemeClr val="tx1">
-                    <a:tint val="75000"/>
-                  </a:schemeClr>
-                </a:solidFill>
-              </a:defRPr>
+              <a:defRPr sz="1200"/>
             </a:lvl7pPr>
-            <a:lvl8pPr marL="2400300" indent="0">
+            <a:lvl8pPr marL="2400300" indent="0" algn="ctr">
               <a:buNone/>
-              <a:defRPr sz="1050">
-                <a:solidFill>
-                  <a:schemeClr val="tx1">
-                    <a:tint val="75000"/>
-                  </a:schemeClr>
-                </a:solidFill>
-              </a:defRPr>
+              <a:defRPr sz="1200"/>
             </a:lvl8pPr>
-            <a:lvl9pPr marL="2743200" indent="0">
+            <a:lvl9pPr marL="2743200" indent="0" algn="ctr">
               <a:buNone/>
-              <a:defRPr sz="1050">
-                <a:solidFill>
-                  <a:schemeClr val="tx1">
-                    <a:tint val="75000"/>
-                  </a:schemeClr>
-                </a:solidFill>
-              </a:defRPr>
+              <a:defRPr sz="1200"/>
             </a:lvl9pPr>
           </a:lstStyle>
           <a:p>
-            <a:pPr lvl="0"/>
             <a:r>
               <a:rPr lang="en-US"/>
-              <a:t>Click to edit Master text styles</a:t>
+              <a:t>Click to edit Master subtitle style</a:t>
             </a:r>
+            <a:endParaRPr lang="en-AU"/>
           </a:p>
         </p:txBody>
       </p:sp>
       <p:sp>
         <p:nvSpPr>
-          <p:cNvPr id="4" name="Date Placeholder 3"/>
+          <p:cNvPr id="4" name="Date Placeholder 3">
+            <a:extLst>
+              <a:ext uri="{FF2B5EF4-FFF2-40B4-BE49-F238E27FC236}">
+                <a16:creationId xmlns:a16="http://schemas.microsoft.com/office/drawing/2014/main" id="{F2420D91-D30F-6769-1087-D5585F8BEB22}"/>
+              </a:ext>
+            </a:extLst>
+          </p:cNvPr>
           <p:cNvSpPr>
             <a:spLocks noGrp="1"/>
           </p:cNvSpPr>
@@ -2043,7 +1275,13 @@
       </p:sp>
       <p:sp>
         <p:nvSpPr>
-          <p:cNvPr id="5" name="Footer Placeholder 4"/>
+          <p:cNvPr id="5" name="Footer Placeholder 4">
+            <a:extLst>
+              <a:ext uri="{FF2B5EF4-FFF2-40B4-BE49-F238E27FC236}">
+                <a16:creationId xmlns:a16="http://schemas.microsoft.com/office/drawing/2014/main" id="{7BCDFA94-356D-4A65-A634-60C9A22916EC}"/>
+              </a:ext>
+            </a:extLst>
+          </p:cNvPr>
           <p:cNvSpPr>
             <a:spLocks noGrp="1"/>
           </p:cNvSpPr>
@@ -2066,7 +1304,13 @@
       </p:sp>
       <p:sp>
         <p:nvSpPr>
-          <p:cNvPr id="6" name="Slide Number Placeholder 5"/>
+          <p:cNvPr id="6" name="Slide Number Placeholder 5">
+            <a:extLst>
+              <a:ext uri="{FF2B5EF4-FFF2-40B4-BE49-F238E27FC236}">
+                <a16:creationId xmlns:a16="http://schemas.microsoft.com/office/drawing/2014/main" id="{22E59966-A567-BB12-F846-F3F2B2417E4B}"/>
+              </a:ext>
+            </a:extLst>
+          </p:cNvPr>
           <p:cNvSpPr>
             <a:spLocks noGrp="1"/>
           </p:cNvSpPr>
@@ -2099,1436 +1343,17 @@
     </p:spTree>
     <p:extLst>
       <p:ext uri="{BB962C8B-B14F-4D97-AF65-F5344CB8AC3E}">
-        <p14:creationId xmlns:p14="http://schemas.microsoft.com/office/powerpoint/2010/main" val="1840632349"/>
+        <p14:creationId xmlns:p14="http://schemas.microsoft.com/office/powerpoint/2010/main" val="3729131864"/>
       </p:ext>
     </p:extLst>
   </p:cSld>
   <p:clrMapOvr>
     <a:masterClrMapping/>
   </p:clrMapOvr>
-  <p:hf hdr="0"/>
 </p:sldLayout>
 </file>
 
-<file path=ppt/slideLayouts/slideLayout11.xml><?xml version="1.0" encoding="utf-8"?>
-<p:sldLayout xmlns:a="http://schemas.openxmlformats.org/drawingml/2006/main" xmlns:r="http://schemas.openxmlformats.org/officeDocument/2006/relationships" xmlns:p="http://schemas.openxmlformats.org/presentationml/2006/main" preserve="1">
-  <p:cSld name="Quote with Caption">
-    <p:spTree>
-      <p:nvGrpSpPr>
-        <p:cNvPr id="1" name=""/>
-        <p:cNvGrpSpPr/>
-        <p:nvPr/>
-      </p:nvGrpSpPr>
-      <p:grpSpPr>
-        <a:xfrm>
-          <a:off x="0" y="0"/>
-          <a:ext cx="0" cy="0"/>
-          <a:chOff x="0" y="0"/>
-          <a:chExt cx="0" cy="0"/>
-        </a:xfrm>
-      </p:grpSpPr>
-      <p:sp>
-        <p:nvSpPr>
-          <p:cNvPr id="2" name="Title 1"/>
-          <p:cNvSpPr>
-            <a:spLocks noGrp="1"/>
-          </p:cNvSpPr>
-          <p:nvPr>
-            <p:ph type="title"/>
-          </p:nvPr>
-        </p:nvSpPr>
-        <p:spPr>
-          <a:xfrm>
-            <a:off x="698500" y="457200"/>
-            <a:ext cx="6070601" cy="2266950"/>
-          </a:xfrm>
-        </p:spPr>
-        <p:txBody>
-          <a:bodyPr anchor="ctr">
-            <a:normAutofit/>
-          </a:bodyPr>
-          <a:lstStyle>
-            <a:lvl1pPr algn="l">
-              <a:defRPr sz="3300" b="0" cap="none"/>
-            </a:lvl1pPr>
-          </a:lstStyle>
-          <a:p>
-            <a:r>
-              <a:rPr lang="en-US"/>
-              <a:t>Click to edit Master title style</a:t>
-            </a:r>
-            <a:endParaRPr lang="en-US" dirty="0"/>
-          </a:p>
-        </p:txBody>
-      </p:sp>
-      <p:sp>
-        <p:nvSpPr>
-          <p:cNvPr id="23" name="Text Placeholder 9"/>
-          <p:cNvSpPr>
-            <a:spLocks noGrp="1"/>
-          </p:cNvSpPr>
-          <p:nvPr>
-            <p:ph type="body" sz="quarter" idx="13"/>
-          </p:nvPr>
-        </p:nvSpPr>
-        <p:spPr>
-          <a:xfrm>
-            <a:off x="1024604" y="2724150"/>
-            <a:ext cx="5418393" cy="285750"/>
-          </a:xfrm>
-        </p:spPr>
-        <p:txBody>
-          <a:bodyPr anchor="ctr">
-            <a:noAutofit/>
-          </a:bodyPr>
-          <a:lstStyle>
-            <a:lvl1pPr marL="0" indent="0">
-              <a:buFontTx/>
-              <a:buNone/>
-              <a:defRPr sz="1200">
-                <a:solidFill>
-                  <a:schemeClr val="tx1">
-                    <a:lumMod val="50000"/>
-                    <a:lumOff val="50000"/>
-                  </a:schemeClr>
-                </a:solidFill>
-              </a:defRPr>
-            </a:lvl1pPr>
-            <a:lvl2pPr marL="342900" indent="0">
-              <a:buFontTx/>
-              <a:buNone/>
-              <a:defRPr/>
-            </a:lvl2pPr>
-            <a:lvl3pPr marL="685800" indent="0">
-              <a:buFontTx/>
-              <a:buNone/>
-              <a:defRPr/>
-            </a:lvl3pPr>
-            <a:lvl4pPr marL="1028700" indent="0">
-              <a:buFontTx/>
-              <a:buNone/>
-              <a:defRPr/>
-            </a:lvl4pPr>
-            <a:lvl5pPr marL="1371600" indent="0">
-              <a:buFontTx/>
-              <a:buNone/>
-              <a:defRPr/>
-            </a:lvl5pPr>
-          </a:lstStyle>
-          <a:p>
-            <a:pPr lvl="0"/>
-            <a:r>
-              <a:rPr lang="en-US"/>
-              <a:t>Click to edit Master text styles</a:t>
-            </a:r>
-          </a:p>
-        </p:txBody>
-      </p:sp>
-      <p:sp>
-        <p:nvSpPr>
-          <p:cNvPr id="3" name="Text Placeholder 2"/>
-          <p:cNvSpPr>
-            <a:spLocks noGrp="1"/>
-          </p:cNvSpPr>
-          <p:nvPr>
-            <p:ph type="body" idx="1"/>
-          </p:nvPr>
-        </p:nvSpPr>
-        <p:spPr>
-          <a:xfrm>
-            <a:off x="508001" y="3352800"/>
-            <a:ext cx="6447501" cy="1178222"/>
-          </a:xfrm>
-        </p:spPr>
-        <p:txBody>
-          <a:bodyPr anchor="ctr">
-            <a:normAutofit/>
-          </a:bodyPr>
-          <a:lstStyle>
-            <a:lvl1pPr marL="0" indent="0" algn="l">
-              <a:buNone/>
-              <a:defRPr sz="1350">
-                <a:solidFill>
-                  <a:schemeClr val="tx1">
-                    <a:lumMod val="75000"/>
-                    <a:lumOff val="25000"/>
-                  </a:schemeClr>
-                </a:solidFill>
-              </a:defRPr>
-            </a:lvl1pPr>
-            <a:lvl2pPr marL="342900" indent="0">
-              <a:buNone/>
-              <a:defRPr sz="1350">
-                <a:solidFill>
-                  <a:schemeClr val="tx1">
-                    <a:tint val="75000"/>
-                  </a:schemeClr>
-                </a:solidFill>
-              </a:defRPr>
-            </a:lvl2pPr>
-            <a:lvl3pPr marL="685800" indent="0">
-              <a:buNone/>
-              <a:defRPr sz="1200">
-                <a:solidFill>
-                  <a:schemeClr val="tx1">
-                    <a:tint val="75000"/>
-                  </a:schemeClr>
-                </a:solidFill>
-              </a:defRPr>
-            </a:lvl3pPr>
-            <a:lvl4pPr marL="1028700" indent="0">
-              <a:buNone/>
-              <a:defRPr sz="1050">
-                <a:solidFill>
-                  <a:schemeClr val="tx1">
-                    <a:tint val="75000"/>
-                  </a:schemeClr>
-                </a:solidFill>
-              </a:defRPr>
-            </a:lvl4pPr>
-            <a:lvl5pPr marL="1371600" indent="0">
-              <a:buNone/>
-              <a:defRPr sz="1050">
-                <a:solidFill>
-                  <a:schemeClr val="tx1">
-                    <a:tint val="75000"/>
-                  </a:schemeClr>
-                </a:solidFill>
-              </a:defRPr>
-            </a:lvl5pPr>
-            <a:lvl6pPr marL="1714500" indent="0">
-              <a:buNone/>
-              <a:defRPr sz="1050">
-                <a:solidFill>
-                  <a:schemeClr val="tx1">
-                    <a:tint val="75000"/>
-                  </a:schemeClr>
-                </a:solidFill>
-              </a:defRPr>
-            </a:lvl6pPr>
-            <a:lvl7pPr marL="2057400" indent="0">
-              <a:buNone/>
-              <a:defRPr sz="1050">
-                <a:solidFill>
-                  <a:schemeClr val="tx1">
-                    <a:tint val="75000"/>
-                  </a:schemeClr>
-                </a:solidFill>
-              </a:defRPr>
-            </a:lvl7pPr>
-            <a:lvl8pPr marL="2400300" indent="0">
-              <a:buNone/>
-              <a:defRPr sz="1050">
-                <a:solidFill>
-                  <a:schemeClr val="tx1">
-                    <a:tint val="75000"/>
-                  </a:schemeClr>
-                </a:solidFill>
-              </a:defRPr>
-            </a:lvl8pPr>
-            <a:lvl9pPr marL="2743200" indent="0">
-              <a:buNone/>
-              <a:defRPr sz="1050">
-                <a:solidFill>
-                  <a:schemeClr val="tx1">
-                    <a:tint val="75000"/>
-                  </a:schemeClr>
-                </a:solidFill>
-              </a:defRPr>
-            </a:lvl9pPr>
-          </a:lstStyle>
-          <a:p>
-            <a:pPr lvl="0"/>
-            <a:r>
-              <a:rPr lang="en-US"/>
-              <a:t>Click to edit Master text styles</a:t>
-            </a:r>
-          </a:p>
-        </p:txBody>
-      </p:sp>
-      <p:sp>
-        <p:nvSpPr>
-          <p:cNvPr id="4" name="Date Placeholder 3"/>
-          <p:cNvSpPr>
-            <a:spLocks noGrp="1"/>
-          </p:cNvSpPr>
-          <p:nvPr>
-            <p:ph type="dt" sz="half" idx="10"/>
-          </p:nvPr>
-        </p:nvSpPr>
-        <p:spPr/>
-        <p:txBody>
-          <a:bodyPr/>
-          <a:lstStyle/>
-          <a:p>
-            <a:r>
-              <a:rPr lang="en-US"/>
-              <a:t>28/09/2023</a:t>
-            </a:r>
-            <a:endParaRPr lang="en-IN" dirty="0"/>
-          </a:p>
-        </p:txBody>
-      </p:sp>
-      <p:sp>
-        <p:nvSpPr>
-          <p:cNvPr id="5" name="Footer Placeholder 4"/>
-          <p:cNvSpPr>
-            <a:spLocks noGrp="1"/>
-          </p:cNvSpPr>
-          <p:nvPr>
-            <p:ph type="ftr" sz="quarter" idx="11"/>
-          </p:nvPr>
-        </p:nvSpPr>
-        <p:spPr/>
-        <p:txBody>
-          <a:bodyPr/>
-          <a:lstStyle/>
-          <a:p>
-            <a:r>
-              <a:rPr lang="en-IN"/>
-              <a:t>TSE Custom Initializr</a:t>
-            </a:r>
-            <a:endParaRPr lang="en-IN" dirty="0"/>
-          </a:p>
-        </p:txBody>
-      </p:sp>
-      <p:sp>
-        <p:nvSpPr>
-          <p:cNvPr id="6" name="Slide Number Placeholder 5"/>
-          <p:cNvSpPr>
-            <a:spLocks noGrp="1"/>
-          </p:cNvSpPr>
-          <p:nvPr>
-            <p:ph type="sldNum" sz="quarter" idx="12"/>
-          </p:nvPr>
-        </p:nvSpPr>
-        <p:spPr/>
-        <p:txBody>
-          <a:bodyPr/>
-          <a:lstStyle/>
-          <a:p>
-            <a:pPr marL="0" lvl="0" indent="0" algn="r" rtl="0">
-              <a:spcBef>
-                <a:spcPts val="0"/>
-              </a:spcBef>
-              <a:spcAft>
-                <a:spcPts val="0"/>
-              </a:spcAft>
-              <a:buNone/>
-            </a:pPr>
-            <a:fld id="{00000000-1234-1234-1234-123412341234}" type="slidenum">
-              <a:rPr lang="en-GB" smtClean="0"/>
-              <a:t>‹#›</a:t>
-            </a:fld>
-            <a:endParaRPr lang="en-GB" dirty="0"/>
-          </a:p>
-        </p:txBody>
-      </p:sp>
-      <p:sp>
-        <p:nvSpPr>
-          <p:cNvPr id="20" name="TextBox 19"/>
-          <p:cNvSpPr txBox="1"/>
-          <p:nvPr/>
-        </p:nvSpPr>
-        <p:spPr>
-          <a:xfrm>
-            <a:off x="406403" y="592784"/>
-            <a:ext cx="457200" cy="438582"/>
-          </a:xfrm>
-          <a:prstGeom prst="rect">
-            <a:avLst/>
-          </a:prstGeom>
-        </p:spPr>
-        <p:txBody>
-          <a:bodyPr vert="horz" lIns="68580" tIns="34290" rIns="68580" bIns="34290" rtlCol="0" anchor="ctr">
-            <a:noAutofit/>
-          </a:bodyPr>
-          <a:lstStyle/>
-          <a:p>
-            <a:pPr lvl="0"/>
-            <a:r>
-              <a:rPr lang="en-US" sz="6000" baseline="0" dirty="0">
-                <a:ln w="3175" cmpd="sng">
-                  <a:noFill/>
-                </a:ln>
-                <a:solidFill>
-                  <a:schemeClr val="accent1">
-                    <a:lumMod val="60000"/>
-                    <a:lumOff val="40000"/>
-                  </a:schemeClr>
-                </a:solidFill>
-                <a:effectLst/>
-                <a:latin typeface="Arial"/>
-              </a:rPr>
-              <a:t>“</a:t>
-            </a:r>
-          </a:p>
-        </p:txBody>
-      </p:sp>
-      <p:sp>
-        <p:nvSpPr>
-          <p:cNvPr id="22" name="TextBox 21"/>
-          <p:cNvSpPr txBox="1"/>
-          <p:nvPr/>
-        </p:nvSpPr>
-        <p:spPr>
-          <a:xfrm>
-            <a:off x="6669758" y="2164917"/>
-            <a:ext cx="457200" cy="438582"/>
-          </a:xfrm>
-          <a:prstGeom prst="rect">
-            <a:avLst/>
-          </a:prstGeom>
-        </p:spPr>
-        <p:txBody>
-          <a:bodyPr vert="horz" lIns="68580" tIns="34290" rIns="68580" bIns="34290" rtlCol="0" anchor="ctr">
-            <a:noAutofit/>
-          </a:bodyPr>
-          <a:lstStyle/>
-          <a:p>
-            <a:pPr lvl="0"/>
-            <a:r>
-              <a:rPr lang="en-US" sz="6000" baseline="0" dirty="0">
-                <a:ln w="3175" cmpd="sng">
-                  <a:noFill/>
-                </a:ln>
-                <a:solidFill>
-                  <a:schemeClr val="accent1">
-                    <a:lumMod val="60000"/>
-                    <a:lumOff val="40000"/>
-                  </a:schemeClr>
-                </a:solidFill>
-                <a:latin typeface="Arial"/>
-              </a:rPr>
-              <a:t>”</a:t>
-            </a:r>
-            <a:endParaRPr lang="en-US" sz="1350" dirty="0">
-              <a:solidFill>
-                <a:schemeClr val="accent1">
-                  <a:lumMod val="60000"/>
-                  <a:lumOff val="40000"/>
-                </a:schemeClr>
-              </a:solidFill>
-              <a:latin typeface="Arial"/>
-            </a:endParaRPr>
-          </a:p>
-        </p:txBody>
-      </p:sp>
-    </p:spTree>
-    <p:extLst>
-      <p:ext uri="{BB962C8B-B14F-4D97-AF65-F5344CB8AC3E}">
-        <p14:creationId xmlns:p14="http://schemas.microsoft.com/office/powerpoint/2010/main" val="1763799900"/>
-      </p:ext>
-    </p:extLst>
-  </p:cSld>
-  <p:clrMapOvr>
-    <a:masterClrMapping/>
-  </p:clrMapOvr>
-  <p:hf hdr="0"/>
-</p:sldLayout>
-</file>
-
-<file path=ppt/slideLayouts/slideLayout12.xml><?xml version="1.0" encoding="utf-8"?>
-<p:sldLayout xmlns:a="http://schemas.openxmlformats.org/drawingml/2006/main" xmlns:r="http://schemas.openxmlformats.org/officeDocument/2006/relationships" xmlns:p="http://schemas.openxmlformats.org/presentationml/2006/main" preserve="1">
-  <p:cSld name="Name Card">
-    <p:spTree>
-      <p:nvGrpSpPr>
-        <p:cNvPr id="1" name=""/>
-        <p:cNvGrpSpPr/>
-        <p:nvPr/>
-      </p:nvGrpSpPr>
-      <p:grpSpPr>
-        <a:xfrm>
-          <a:off x="0" y="0"/>
-          <a:ext cx="0" cy="0"/>
-          <a:chOff x="0" y="0"/>
-          <a:chExt cx="0" cy="0"/>
-        </a:xfrm>
-      </p:grpSpPr>
-      <p:sp>
-        <p:nvSpPr>
-          <p:cNvPr id="2" name="Title 1"/>
-          <p:cNvSpPr>
-            <a:spLocks noGrp="1"/>
-          </p:cNvSpPr>
-          <p:nvPr>
-            <p:ph type="title"/>
-          </p:nvPr>
-        </p:nvSpPr>
-        <p:spPr>
-          <a:xfrm>
-            <a:off x="508001" y="1448991"/>
-            <a:ext cx="6447501" cy="1946595"/>
-          </a:xfrm>
-        </p:spPr>
-        <p:txBody>
-          <a:bodyPr anchor="b">
-            <a:normAutofit/>
-          </a:bodyPr>
-          <a:lstStyle>
-            <a:lvl1pPr algn="l">
-              <a:defRPr sz="3300" b="0" cap="none"/>
-            </a:lvl1pPr>
-          </a:lstStyle>
-          <a:p>
-            <a:r>
-              <a:rPr lang="en-US"/>
-              <a:t>Click to edit Master title style</a:t>
-            </a:r>
-            <a:endParaRPr lang="en-US" dirty="0"/>
-          </a:p>
-        </p:txBody>
-      </p:sp>
-      <p:sp>
-        <p:nvSpPr>
-          <p:cNvPr id="3" name="Text Placeholder 2"/>
-          <p:cNvSpPr>
-            <a:spLocks noGrp="1"/>
-          </p:cNvSpPr>
-          <p:nvPr>
-            <p:ph type="body" idx="1"/>
-          </p:nvPr>
-        </p:nvSpPr>
-        <p:spPr>
-          <a:xfrm>
-            <a:off x="508001" y="3395586"/>
-            <a:ext cx="6447501" cy="1135436"/>
-          </a:xfrm>
-        </p:spPr>
-        <p:txBody>
-          <a:bodyPr anchor="t">
-            <a:normAutofit/>
-          </a:bodyPr>
-          <a:lstStyle>
-            <a:lvl1pPr marL="0" indent="0" algn="l">
-              <a:buNone/>
-              <a:defRPr sz="1350">
-                <a:solidFill>
-                  <a:schemeClr val="tx1">
-                    <a:lumMod val="75000"/>
-                    <a:lumOff val="25000"/>
-                  </a:schemeClr>
-                </a:solidFill>
-              </a:defRPr>
-            </a:lvl1pPr>
-            <a:lvl2pPr marL="342900" indent="0">
-              <a:buNone/>
-              <a:defRPr sz="1350">
-                <a:solidFill>
-                  <a:schemeClr val="tx1">
-                    <a:tint val="75000"/>
-                  </a:schemeClr>
-                </a:solidFill>
-              </a:defRPr>
-            </a:lvl2pPr>
-            <a:lvl3pPr marL="685800" indent="0">
-              <a:buNone/>
-              <a:defRPr sz="1200">
-                <a:solidFill>
-                  <a:schemeClr val="tx1">
-                    <a:tint val="75000"/>
-                  </a:schemeClr>
-                </a:solidFill>
-              </a:defRPr>
-            </a:lvl3pPr>
-            <a:lvl4pPr marL="1028700" indent="0">
-              <a:buNone/>
-              <a:defRPr sz="1050">
-                <a:solidFill>
-                  <a:schemeClr val="tx1">
-                    <a:tint val="75000"/>
-                  </a:schemeClr>
-                </a:solidFill>
-              </a:defRPr>
-            </a:lvl4pPr>
-            <a:lvl5pPr marL="1371600" indent="0">
-              <a:buNone/>
-              <a:defRPr sz="1050">
-                <a:solidFill>
-                  <a:schemeClr val="tx1">
-                    <a:tint val="75000"/>
-                  </a:schemeClr>
-                </a:solidFill>
-              </a:defRPr>
-            </a:lvl5pPr>
-            <a:lvl6pPr marL="1714500" indent="0">
-              <a:buNone/>
-              <a:defRPr sz="1050">
-                <a:solidFill>
-                  <a:schemeClr val="tx1">
-                    <a:tint val="75000"/>
-                  </a:schemeClr>
-                </a:solidFill>
-              </a:defRPr>
-            </a:lvl6pPr>
-            <a:lvl7pPr marL="2057400" indent="0">
-              <a:buNone/>
-              <a:defRPr sz="1050">
-                <a:solidFill>
-                  <a:schemeClr val="tx1">
-                    <a:tint val="75000"/>
-                  </a:schemeClr>
-                </a:solidFill>
-              </a:defRPr>
-            </a:lvl7pPr>
-            <a:lvl8pPr marL="2400300" indent="0">
-              <a:buNone/>
-              <a:defRPr sz="1050">
-                <a:solidFill>
-                  <a:schemeClr val="tx1">
-                    <a:tint val="75000"/>
-                  </a:schemeClr>
-                </a:solidFill>
-              </a:defRPr>
-            </a:lvl8pPr>
-            <a:lvl9pPr marL="2743200" indent="0">
-              <a:buNone/>
-              <a:defRPr sz="1050">
-                <a:solidFill>
-                  <a:schemeClr val="tx1">
-                    <a:tint val="75000"/>
-                  </a:schemeClr>
-                </a:solidFill>
-              </a:defRPr>
-            </a:lvl9pPr>
-          </a:lstStyle>
-          <a:p>
-            <a:pPr lvl="0"/>
-            <a:r>
-              <a:rPr lang="en-US"/>
-              <a:t>Click to edit Master text styles</a:t>
-            </a:r>
-          </a:p>
-        </p:txBody>
-      </p:sp>
-      <p:sp>
-        <p:nvSpPr>
-          <p:cNvPr id="4" name="Date Placeholder 3"/>
-          <p:cNvSpPr>
-            <a:spLocks noGrp="1"/>
-          </p:cNvSpPr>
-          <p:nvPr>
-            <p:ph type="dt" sz="half" idx="10"/>
-          </p:nvPr>
-        </p:nvSpPr>
-        <p:spPr/>
-        <p:txBody>
-          <a:bodyPr/>
-          <a:lstStyle/>
-          <a:p>
-            <a:r>
-              <a:rPr lang="en-US"/>
-              <a:t>28/09/2023</a:t>
-            </a:r>
-            <a:endParaRPr lang="en-IN" dirty="0"/>
-          </a:p>
-        </p:txBody>
-      </p:sp>
-      <p:sp>
-        <p:nvSpPr>
-          <p:cNvPr id="5" name="Footer Placeholder 4"/>
-          <p:cNvSpPr>
-            <a:spLocks noGrp="1"/>
-          </p:cNvSpPr>
-          <p:nvPr>
-            <p:ph type="ftr" sz="quarter" idx="11"/>
-          </p:nvPr>
-        </p:nvSpPr>
-        <p:spPr/>
-        <p:txBody>
-          <a:bodyPr/>
-          <a:lstStyle/>
-          <a:p>
-            <a:r>
-              <a:rPr lang="en-IN"/>
-              <a:t>TSE Custom Initializr</a:t>
-            </a:r>
-            <a:endParaRPr lang="en-IN" dirty="0"/>
-          </a:p>
-        </p:txBody>
-      </p:sp>
-      <p:sp>
-        <p:nvSpPr>
-          <p:cNvPr id="6" name="Slide Number Placeholder 5"/>
-          <p:cNvSpPr>
-            <a:spLocks noGrp="1"/>
-          </p:cNvSpPr>
-          <p:nvPr>
-            <p:ph type="sldNum" sz="quarter" idx="12"/>
-          </p:nvPr>
-        </p:nvSpPr>
-        <p:spPr/>
-        <p:txBody>
-          <a:bodyPr/>
-          <a:lstStyle/>
-          <a:p>
-            <a:pPr marL="0" lvl="0" indent="0" algn="r" rtl="0">
-              <a:spcBef>
-                <a:spcPts val="0"/>
-              </a:spcBef>
-              <a:spcAft>
-                <a:spcPts val="0"/>
-              </a:spcAft>
-              <a:buNone/>
-            </a:pPr>
-            <a:fld id="{00000000-1234-1234-1234-123412341234}" type="slidenum">
-              <a:rPr lang="en-GB" smtClean="0"/>
-              <a:t>‹#›</a:t>
-            </a:fld>
-            <a:endParaRPr lang="en-GB" dirty="0"/>
-          </a:p>
-        </p:txBody>
-      </p:sp>
-    </p:spTree>
-    <p:extLst>
-      <p:ext uri="{BB962C8B-B14F-4D97-AF65-F5344CB8AC3E}">
-        <p14:creationId xmlns:p14="http://schemas.microsoft.com/office/powerpoint/2010/main" val="2578294210"/>
-      </p:ext>
-    </p:extLst>
-  </p:cSld>
-  <p:clrMapOvr>
-    <a:masterClrMapping/>
-  </p:clrMapOvr>
-  <p:hf hdr="0"/>
-</p:sldLayout>
-</file>
-
-<file path=ppt/slideLayouts/slideLayout13.xml><?xml version="1.0" encoding="utf-8"?>
-<p:sldLayout xmlns:a="http://schemas.openxmlformats.org/drawingml/2006/main" xmlns:r="http://schemas.openxmlformats.org/officeDocument/2006/relationships" xmlns:p="http://schemas.openxmlformats.org/presentationml/2006/main" preserve="1">
-  <p:cSld name="Quote Name Card">
-    <p:spTree>
-      <p:nvGrpSpPr>
-        <p:cNvPr id="1" name=""/>
-        <p:cNvGrpSpPr/>
-        <p:nvPr/>
-      </p:nvGrpSpPr>
-      <p:grpSpPr>
-        <a:xfrm>
-          <a:off x="0" y="0"/>
-          <a:ext cx="0" cy="0"/>
-          <a:chOff x="0" y="0"/>
-          <a:chExt cx="0" cy="0"/>
-        </a:xfrm>
-      </p:grpSpPr>
-      <p:sp>
-        <p:nvSpPr>
-          <p:cNvPr id="2" name="Title 1"/>
-          <p:cNvSpPr>
-            <a:spLocks noGrp="1"/>
-          </p:cNvSpPr>
-          <p:nvPr>
-            <p:ph type="title"/>
-          </p:nvPr>
-        </p:nvSpPr>
-        <p:spPr>
-          <a:xfrm>
-            <a:off x="698500" y="457200"/>
-            <a:ext cx="6070601" cy="2266950"/>
-          </a:xfrm>
-        </p:spPr>
-        <p:txBody>
-          <a:bodyPr anchor="ctr">
-            <a:normAutofit/>
-          </a:bodyPr>
-          <a:lstStyle>
-            <a:lvl1pPr algn="l">
-              <a:defRPr sz="3300" b="0" cap="none"/>
-            </a:lvl1pPr>
-          </a:lstStyle>
-          <a:p>
-            <a:r>
-              <a:rPr lang="en-US"/>
-              <a:t>Click to edit Master title style</a:t>
-            </a:r>
-            <a:endParaRPr lang="en-US" dirty="0"/>
-          </a:p>
-        </p:txBody>
-      </p:sp>
-      <p:sp>
-        <p:nvSpPr>
-          <p:cNvPr id="23" name="Text Placeholder 9"/>
-          <p:cNvSpPr>
-            <a:spLocks noGrp="1"/>
-          </p:cNvSpPr>
-          <p:nvPr>
-            <p:ph type="body" sz="quarter" idx="13"/>
-          </p:nvPr>
-        </p:nvSpPr>
-        <p:spPr>
-          <a:xfrm>
-            <a:off x="507999" y="3009900"/>
-            <a:ext cx="6447502" cy="385686"/>
-          </a:xfrm>
-        </p:spPr>
-        <p:txBody>
-          <a:bodyPr anchor="b">
-            <a:noAutofit/>
-          </a:bodyPr>
-          <a:lstStyle>
-            <a:lvl1pPr marL="0" indent="0">
-              <a:buFontTx/>
-              <a:buNone/>
-              <a:defRPr sz="1800">
-                <a:solidFill>
-                  <a:schemeClr val="tx1">
-                    <a:lumMod val="75000"/>
-                    <a:lumOff val="25000"/>
-                  </a:schemeClr>
-                </a:solidFill>
-              </a:defRPr>
-            </a:lvl1pPr>
-            <a:lvl2pPr marL="342900" indent="0">
-              <a:buFontTx/>
-              <a:buNone/>
-              <a:defRPr/>
-            </a:lvl2pPr>
-            <a:lvl3pPr marL="685800" indent="0">
-              <a:buFontTx/>
-              <a:buNone/>
-              <a:defRPr/>
-            </a:lvl3pPr>
-            <a:lvl4pPr marL="1028700" indent="0">
-              <a:buFontTx/>
-              <a:buNone/>
-              <a:defRPr/>
-            </a:lvl4pPr>
-            <a:lvl5pPr marL="1371600" indent="0">
-              <a:buFontTx/>
-              <a:buNone/>
-              <a:defRPr/>
-            </a:lvl5pPr>
-          </a:lstStyle>
-          <a:p>
-            <a:pPr lvl="0"/>
-            <a:r>
-              <a:rPr lang="en-US"/>
-              <a:t>Click to edit Master text styles</a:t>
-            </a:r>
-          </a:p>
-        </p:txBody>
-      </p:sp>
-      <p:sp>
-        <p:nvSpPr>
-          <p:cNvPr id="3" name="Text Placeholder 2"/>
-          <p:cNvSpPr>
-            <a:spLocks noGrp="1"/>
-          </p:cNvSpPr>
-          <p:nvPr>
-            <p:ph type="body" idx="1"/>
-          </p:nvPr>
-        </p:nvSpPr>
-        <p:spPr>
-          <a:xfrm>
-            <a:off x="508001" y="3395586"/>
-            <a:ext cx="6447501" cy="1135436"/>
-          </a:xfrm>
-        </p:spPr>
-        <p:txBody>
-          <a:bodyPr anchor="t">
-            <a:normAutofit/>
-          </a:bodyPr>
-          <a:lstStyle>
-            <a:lvl1pPr marL="0" indent="0" algn="l">
-              <a:buNone/>
-              <a:defRPr sz="1350">
-                <a:solidFill>
-                  <a:schemeClr val="tx1">
-                    <a:lumMod val="50000"/>
-                    <a:lumOff val="50000"/>
-                  </a:schemeClr>
-                </a:solidFill>
-              </a:defRPr>
-            </a:lvl1pPr>
-            <a:lvl2pPr marL="342900" indent="0">
-              <a:buNone/>
-              <a:defRPr sz="1350">
-                <a:solidFill>
-                  <a:schemeClr val="tx1">
-                    <a:tint val="75000"/>
-                  </a:schemeClr>
-                </a:solidFill>
-              </a:defRPr>
-            </a:lvl2pPr>
-            <a:lvl3pPr marL="685800" indent="0">
-              <a:buNone/>
-              <a:defRPr sz="1200">
-                <a:solidFill>
-                  <a:schemeClr val="tx1">
-                    <a:tint val="75000"/>
-                  </a:schemeClr>
-                </a:solidFill>
-              </a:defRPr>
-            </a:lvl3pPr>
-            <a:lvl4pPr marL="1028700" indent="0">
-              <a:buNone/>
-              <a:defRPr sz="1050">
-                <a:solidFill>
-                  <a:schemeClr val="tx1">
-                    <a:tint val="75000"/>
-                  </a:schemeClr>
-                </a:solidFill>
-              </a:defRPr>
-            </a:lvl4pPr>
-            <a:lvl5pPr marL="1371600" indent="0">
-              <a:buNone/>
-              <a:defRPr sz="1050">
-                <a:solidFill>
-                  <a:schemeClr val="tx1">
-                    <a:tint val="75000"/>
-                  </a:schemeClr>
-                </a:solidFill>
-              </a:defRPr>
-            </a:lvl5pPr>
-            <a:lvl6pPr marL="1714500" indent="0">
-              <a:buNone/>
-              <a:defRPr sz="1050">
-                <a:solidFill>
-                  <a:schemeClr val="tx1">
-                    <a:tint val="75000"/>
-                  </a:schemeClr>
-                </a:solidFill>
-              </a:defRPr>
-            </a:lvl6pPr>
-            <a:lvl7pPr marL="2057400" indent="0">
-              <a:buNone/>
-              <a:defRPr sz="1050">
-                <a:solidFill>
-                  <a:schemeClr val="tx1">
-                    <a:tint val="75000"/>
-                  </a:schemeClr>
-                </a:solidFill>
-              </a:defRPr>
-            </a:lvl7pPr>
-            <a:lvl8pPr marL="2400300" indent="0">
-              <a:buNone/>
-              <a:defRPr sz="1050">
-                <a:solidFill>
-                  <a:schemeClr val="tx1">
-                    <a:tint val="75000"/>
-                  </a:schemeClr>
-                </a:solidFill>
-              </a:defRPr>
-            </a:lvl8pPr>
-            <a:lvl9pPr marL="2743200" indent="0">
-              <a:buNone/>
-              <a:defRPr sz="1050">
-                <a:solidFill>
-                  <a:schemeClr val="tx1">
-                    <a:tint val="75000"/>
-                  </a:schemeClr>
-                </a:solidFill>
-              </a:defRPr>
-            </a:lvl9pPr>
-          </a:lstStyle>
-          <a:p>
-            <a:pPr lvl="0"/>
-            <a:r>
-              <a:rPr lang="en-US"/>
-              <a:t>Click to edit Master text styles</a:t>
-            </a:r>
-          </a:p>
-        </p:txBody>
-      </p:sp>
-      <p:sp>
-        <p:nvSpPr>
-          <p:cNvPr id="4" name="Date Placeholder 3"/>
-          <p:cNvSpPr>
-            <a:spLocks noGrp="1"/>
-          </p:cNvSpPr>
-          <p:nvPr>
-            <p:ph type="dt" sz="half" idx="10"/>
-          </p:nvPr>
-        </p:nvSpPr>
-        <p:spPr/>
-        <p:txBody>
-          <a:bodyPr/>
-          <a:lstStyle/>
-          <a:p>
-            <a:r>
-              <a:rPr lang="en-US"/>
-              <a:t>28/09/2023</a:t>
-            </a:r>
-            <a:endParaRPr lang="en-IN" dirty="0"/>
-          </a:p>
-        </p:txBody>
-      </p:sp>
-      <p:sp>
-        <p:nvSpPr>
-          <p:cNvPr id="5" name="Footer Placeholder 4"/>
-          <p:cNvSpPr>
-            <a:spLocks noGrp="1"/>
-          </p:cNvSpPr>
-          <p:nvPr>
-            <p:ph type="ftr" sz="quarter" idx="11"/>
-          </p:nvPr>
-        </p:nvSpPr>
-        <p:spPr/>
-        <p:txBody>
-          <a:bodyPr/>
-          <a:lstStyle/>
-          <a:p>
-            <a:r>
-              <a:rPr lang="en-IN"/>
-              <a:t>TSE Custom Initializr</a:t>
-            </a:r>
-            <a:endParaRPr lang="en-IN" dirty="0"/>
-          </a:p>
-        </p:txBody>
-      </p:sp>
-      <p:sp>
-        <p:nvSpPr>
-          <p:cNvPr id="6" name="Slide Number Placeholder 5"/>
-          <p:cNvSpPr>
-            <a:spLocks noGrp="1"/>
-          </p:cNvSpPr>
-          <p:nvPr>
-            <p:ph type="sldNum" sz="quarter" idx="12"/>
-          </p:nvPr>
-        </p:nvSpPr>
-        <p:spPr/>
-        <p:txBody>
-          <a:bodyPr/>
-          <a:lstStyle/>
-          <a:p>
-            <a:pPr marL="0" lvl="0" indent="0" algn="r" rtl="0">
-              <a:spcBef>
-                <a:spcPts val="0"/>
-              </a:spcBef>
-              <a:spcAft>
-                <a:spcPts val="0"/>
-              </a:spcAft>
-              <a:buNone/>
-            </a:pPr>
-            <a:fld id="{00000000-1234-1234-1234-123412341234}" type="slidenum">
-              <a:rPr lang="en-GB" smtClean="0"/>
-              <a:t>‹#›</a:t>
-            </a:fld>
-            <a:endParaRPr lang="en-GB" dirty="0"/>
-          </a:p>
-        </p:txBody>
-      </p:sp>
-      <p:sp>
-        <p:nvSpPr>
-          <p:cNvPr id="24" name="TextBox 23"/>
-          <p:cNvSpPr txBox="1"/>
-          <p:nvPr/>
-        </p:nvSpPr>
-        <p:spPr>
-          <a:xfrm>
-            <a:off x="406403" y="592784"/>
-            <a:ext cx="457200" cy="438582"/>
-          </a:xfrm>
-          <a:prstGeom prst="rect">
-            <a:avLst/>
-          </a:prstGeom>
-        </p:spPr>
-        <p:txBody>
-          <a:bodyPr vert="horz" lIns="68580" tIns="34290" rIns="68580" bIns="34290" rtlCol="0" anchor="ctr">
-            <a:noAutofit/>
-          </a:bodyPr>
-          <a:lstStyle/>
-          <a:p>
-            <a:pPr lvl="0"/>
-            <a:r>
-              <a:rPr lang="en-US" sz="6000" baseline="0" dirty="0">
-                <a:ln w="3175" cmpd="sng">
-                  <a:noFill/>
-                </a:ln>
-                <a:solidFill>
-                  <a:schemeClr val="accent1">
-                    <a:lumMod val="60000"/>
-                    <a:lumOff val="40000"/>
-                  </a:schemeClr>
-                </a:solidFill>
-                <a:effectLst/>
-                <a:latin typeface="Arial"/>
-              </a:rPr>
-              <a:t>“</a:t>
-            </a:r>
-          </a:p>
-        </p:txBody>
-      </p:sp>
-      <p:sp>
-        <p:nvSpPr>
-          <p:cNvPr id="25" name="TextBox 24"/>
-          <p:cNvSpPr txBox="1"/>
-          <p:nvPr/>
-        </p:nvSpPr>
-        <p:spPr>
-          <a:xfrm>
-            <a:off x="6669758" y="2164917"/>
-            <a:ext cx="457200" cy="438582"/>
-          </a:xfrm>
-          <a:prstGeom prst="rect">
-            <a:avLst/>
-          </a:prstGeom>
-        </p:spPr>
-        <p:txBody>
-          <a:bodyPr vert="horz" lIns="68580" tIns="34290" rIns="68580" bIns="34290" rtlCol="0" anchor="ctr">
-            <a:noAutofit/>
-          </a:bodyPr>
-          <a:lstStyle/>
-          <a:p>
-            <a:pPr lvl="0"/>
-            <a:r>
-              <a:rPr lang="en-US" sz="6000" baseline="0" dirty="0">
-                <a:ln w="3175" cmpd="sng">
-                  <a:noFill/>
-                </a:ln>
-                <a:solidFill>
-                  <a:schemeClr val="accent1">
-                    <a:lumMod val="60000"/>
-                    <a:lumOff val="40000"/>
-                  </a:schemeClr>
-                </a:solidFill>
-                <a:effectLst/>
-                <a:latin typeface="Arial"/>
-              </a:rPr>
-              <a:t>”</a:t>
-            </a:r>
-          </a:p>
-        </p:txBody>
-      </p:sp>
-    </p:spTree>
-    <p:extLst>
-      <p:ext uri="{BB962C8B-B14F-4D97-AF65-F5344CB8AC3E}">
-        <p14:creationId xmlns:p14="http://schemas.microsoft.com/office/powerpoint/2010/main" val="2461544798"/>
-      </p:ext>
-    </p:extLst>
-  </p:cSld>
-  <p:clrMapOvr>
-    <a:masterClrMapping/>
-  </p:clrMapOvr>
-  <p:hf hdr="0"/>
-</p:sldLayout>
-</file>
-
-<file path=ppt/slideLayouts/slideLayout14.xml><?xml version="1.0" encoding="utf-8"?>
-<p:sldLayout xmlns:a="http://schemas.openxmlformats.org/drawingml/2006/main" xmlns:r="http://schemas.openxmlformats.org/officeDocument/2006/relationships" xmlns:p="http://schemas.openxmlformats.org/presentationml/2006/main" preserve="1">
-  <p:cSld name="True or False">
-    <p:spTree>
-      <p:nvGrpSpPr>
-        <p:cNvPr id="1" name=""/>
-        <p:cNvGrpSpPr/>
-        <p:nvPr/>
-      </p:nvGrpSpPr>
-      <p:grpSpPr>
-        <a:xfrm>
-          <a:off x="0" y="0"/>
-          <a:ext cx="0" cy="0"/>
-          <a:chOff x="0" y="0"/>
-          <a:chExt cx="0" cy="0"/>
-        </a:xfrm>
-      </p:grpSpPr>
-      <p:sp>
-        <p:nvSpPr>
-          <p:cNvPr id="2" name="Title 1"/>
-          <p:cNvSpPr>
-            <a:spLocks noGrp="1"/>
-          </p:cNvSpPr>
-          <p:nvPr>
-            <p:ph type="title"/>
-          </p:nvPr>
-        </p:nvSpPr>
-        <p:spPr>
-          <a:xfrm>
-            <a:off x="514350" y="457200"/>
-            <a:ext cx="6441152" cy="2266950"/>
-          </a:xfrm>
-        </p:spPr>
-        <p:txBody>
-          <a:bodyPr anchor="ctr">
-            <a:normAutofit/>
-          </a:bodyPr>
-          <a:lstStyle>
-            <a:lvl1pPr algn="l">
-              <a:defRPr sz="3300" b="0" cap="none"/>
-            </a:lvl1pPr>
-          </a:lstStyle>
-          <a:p>
-            <a:r>
-              <a:rPr lang="en-US"/>
-              <a:t>Click to edit Master title style</a:t>
-            </a:r>
-            <a:endParaRPr lang="en-US" dirty="0"/>
-          </a:p>
-        </p:txBody>
-      </p:sp>
-      <p:sp>
-        <p:nvSpPr>
-          <p:cNvPr id="23" name="Text Placeholder 9"/>
-          <p:cNvSpPr>
-            <a:spLocks noGrp="1"/>
-          </p:cNvSpPr>
-          <p:nvPr>
-            <p:ph type="body" sz="quarter" idx="13"/>
-          </p:nvPr>
-        </p:nvSpPr>
-        <p:spPr>
-          <a:xfrm>
-            <a:off x="507999" y="3009900"/>
-            <a:ext cx="6447502" cy="385686"/>
-          </a:xfrm>
-        </p:spPr>
-        <p:txBody>
-          <a:bodyPr anchor="b">
-            <a:noAutofit/>
-          </a:bodyPr>
-          <a:lstStyle>
-            <a:lvl1pPr marL="0" indent="0">
-              <a:buFontTx/>
-              <a:buNone/>
-              <a:defRPr sz="1800">
-                <a:solidFill>
-                  <a:schemeClr val="accent1"/>
-                </a:solidFill>
-              </a:defRPr>
-            </a:lvl1pPr>
-            <a:lvl2pPr marL="342900" indent="0">
-              <a:buFontTx/>
-              <a:buNone/>
-              <a:defRPr/>
-            </a:lvl2pPr>
-            <a:lvl3pPr marL="685800" indent="0">
-              <a:buFontTx/>
-              <a:buNone/>
-              <a:defRPr/>
-            </a:lvl3pPr>
-            <a:lvl4pPr marL="1028700" indent="0">
-              <a:buFontTx/>
-              <a:buNone/>
-              <a:defRPr/>
-            </a:lvl4pPr>
-            <a:lvl5pPr marL="1371600" indent="0">
-              <a:buFontTx/>
-              <a:buNone/>
-              <a:defRPr/>
-            </a:lvl5pPr>
-          </a:lstStyle>
-          <a:p>
-            <a:pPr lvl="0"/>
-            <a:r>
-              <a:rPr lang="en-US"/>
-              <a:t>Click to edit Master text styles</a:t>
-            </a:r>
-          </a:p>
-        </p:txBody>
-      </p:sp>
-      <p:sp>
-        <p:nvSpPr>
-          <p:cNvPr id="3" name="Text Placeholder 2"/>
-          <p:cNvSpPr>
-            <a:spLocks noGrp="1"/>
-          </p:cNvSpPr>
-          <p:nvPr>
-            <p:ph type="body" idx="1"/>
-          </p:nvPr>
-        </p:nvSpPr>
-        <p:spPr>
-          <a:xfrm>
-            <a:off x="508001" y="3395586"/>
-            <a:ext cx="6447501" cy="1135436"/>
-          </a:xfrm>
-        </p:spPr>
-        <p:txBody>
-          <a:bodyPr anchor="t">
-            <a:normAutofit/>
-          </a:bodyPr>
-          <a:lstStyle>
-            <a:lvl1pPr marL="0" indent="0" algn="l">
-              <a:buNone/>
-              <a:defRPr sz="1350">
-                <a:solidFill>
-                  <a:schemeClr val="tx1">
-                    <a:lumMod val="50000"/>
-                    <a:lumOff val="50000"/>
-                  </a:schemeClr>
-                </a:solidFill>
-              </a:defRPr>
-            </a:lvl1pPr>
-            <a:lvl2pPr marL="342900" indent="0">
-              <a:buNone/>
-              <a:defRPr sz="1350">
-                <a:solidFill>
-                  <a:schemeClr val="tx1">
-                    <a:tint val="75000"/>
-                  </a:schemeClr>
-                </a:solidFill>
-              </a:defRPr>
-            </a:lvl2pPr>
-            <a:lvl3pPr marL="685800" indent="0">
-              <a:buNone/>
-              <a:defRPr sz="1200">
-                <a:solidFill>
-                  <a:schemeClr val="tx1">
-                    <a:tint val="75000"/>
-                  </a:schemeClr>
-                </a:solidFill>
-              </a:defRPr>
-            </a:lvl3pPr>
-            <a:lvl4pPr marL="1028700" indent="0">
-              <a:buNone/>
-              <a:defRPr sz="1050">
-                <a:solidFill>
-                  <a:schemeClr val="tx1">
-                    <a:tint val="75000"/>
-                  </a:schemeClr>
-                </a:solidFill>
-              </a:defRPr>
-            </a:lvl4pPr>
-            <a:lvl5pPr marL="1371600" indent="0">
-              <a:buNone/>
-              <a:defRPr sz="1050">
-                <a:solidFill>
-                  <a:schemeClr val="tx1">
-                    <a:tint val="75000"/>
-                  </a:schemeClr>
-                </a:solidFill>
-              </a:defRPr>
-            </a:lvl5pPr>
-            <a:lvl6pPr marL="1714500" indent="0">
-              <a:buNone/>
-              <a:defRPr sz="1050">
-                <a:solidFill>
-                  <a:schemeClr val="tx1">
-                    <a:tint val="75000"/>
-                  </a:schemeClr>
-                </a:solidFill>
-              </a:defRPr>
-            </a:lvl6pPr>
-            <a:lvl7pPr marL="2057400" indent="0">
-              <a:buNone/>
-              <a:defRPr sz="1050">
-                <a:solidFill>
-                  <a:schemeClr val="tx1">
-                    <a:tint val="75000"/>
-                  </a:schemeClr>
-                </a:solidFill>
-              </a:defRPr>
-            </a:lvl7pPr>
-            <a:lvl8pPr marL="2400300" indent="0">
-              <a:buNone/>
-              <a:defRPr sz="1050">
-                <a:solidFill>
-                  <a:schemeClr val="tx1">
-                    <a:tint val="75000"/>
-                  </a:schemeClr>
-                </a:solidFill>
-              </a:defRPr>
-            </a:lvl8pPr>
-            <a:lvl9pPr marL="2743200" indent="0">
-              <a:buNone/>
-              <a:defRPr sz="1050">
-                <a:solidFill>
-                  <a:schemeClr val="tx1">
-                    <a:tint val="75000"/>
-                  </a:schemeClr>
-                </a:solidFill>
-              </a:defRPr>
-            </a:lvl9pPr>
-          </a:lstStyle>
-          <a:p>
-            <a:pPr lvl="0"/>
-            <a:r>
-              <a:rPr lang="en-US"/>
-              <a:t>Click to edit Master text styles</a:t>
-            </a:r>
-          </a:p>
-        </p:txBody>
-      </p:sp>
-      <p:sp>
-        <p:nvSpPr>
-          <p:cNvPr id="4" name="Date Placeholder 3"/>
-          <p:cNvSpPr>
-            <a:spLocks noGrp="1"/>
-          </p:cNvSpPr>
-          <p:nvPr>
-            <p:ph type="dt" sz="half" idx="10"/>
-          </p:nvPr>
-        </p:nvSpPr>
-        <p:spPr/>
-        <p:txBody>
-          <a:bodyPr/>
-          <a:lstStyle/>
-          <a:p>
-            <a:r>
-              <a:rPr lang="en-US"/>
-              <a:t>28/09/2023</a:t>
-            </a:r>
-            <a:endParaRPr lang="en-IN" dirty="0"/>
-          </a:p>
-        </p:txBody>
-      </p:sp>
-      <p:sp>
-        <p:nvSpPr>
-          <p:cNvPr id="5" name="Footer Placeholder 4"/>
-          <p:cNvSpPr>
-            <a:spLocks noGrp="1"/>
-          </p:cNvSpPr>
-          <p:nvPr>
-            <p:ph type="ftr" sz="quarter" idx="11"/>
-          </p:nvPr>
-        </p:nvSpPr>
-        <p:spPr/>
-        <p:txBody>
-          <a:bodyPr/>
-          <a:lstStyle/>
-          <a:p>
-            <a:r>
-              <a:rPr lang="en-IN"/>
-              <a:t>TSE Custom Initializr</a:t>
-            </a:r>
-            <a:endParaRPr lang="en-IN" dirty="0"/>
-          </a:p>
-        </p:txBody>
-      </p:sp>
-      <p:sp>
-        <p:nvSpPr>
-          <p:cNvPr id="6" name="Slide Number Placeholder 5"/>
-          <p:cNvSpPr>
-            <a:spLocks noGrp="1"/>
-          </p:cNvSpPr>
-          <p:nvPr>
-            <p:ph type="sldNum" sz="quarter" idx="12"/>
-          </p:nvPr>
-        </p:nvSpPr>
-        <p:spPr/>
-        <p:txBody>
-          <a:bodyPr/>
-          <a:lstStyle/>
-          <a:p>
-            <a:pPr marL="0" lvl="0" indent="0" algn="r" rtl="0">
-              <a:spcBef>
-                <a:spcPts val="0"/>
-              </a:spcBef>
-              <a:spcAft>
-                <a:spcPts val="0"/>
-              </a:spcAft>
-              <a:buNone/>
-            </a:pPr>
-            <a:fld id="{00000000-1234-1234-1234-123412341234}" type="slidenum">
-              <a:rPr lang="en-GB" smtClean="0"/>
-              <a:t>‹#›</a:t>
-            </a:fld>
-            <a:endParaRPr lang="en-GB" dirty="0"/>
-          </a:p>
-        </p:txBody>
-      </p:sp>
-    </p:spTree>
-    <p:extLst>
-      <p:ext uri="{BB962C8B-B14F-4D97-AF65-F5344CB8AC3E}">
-        <p14:creationId xmlns:p14="http://schemas.microsoft.com/office/powerpoint/2010/main" val="20454075"/>
-      </p:ext>
-    </p:extLst>
-  </p:cSld>
-  <p:clrMapOvr>
-    <a:masterClrMapping/>
-  </p:clrMapOvr>
-  <p:hf hdr="0"/>
-</p:sldLayout>
-</file>
-
-<file path=ppt/slideLayouts/slideLayout15.xml><?xml version="1.0" encoding="utf-8"?>
+<file path=ppt/slideLayouts/slideLayout10.xml><?xml version="1.0" encoding="utf-8"?>
 <p:sldLayout xmlns:a="http://schemas.openxmlformats.org/drawingml/2006/main" xmlns:r="http://schemas.openxmlformats.org/officeDocument/2006/relationships" xmlns:p="http://schemas.openxmlformats.org/presentationml/2006/main" type="vertTx" preserve="1">
   <p:cSld name="Title and Vertical Text">
     <p:spTree>
@@ -3547,7 +1372,13 @@
       </p:grpSpPr>
       <p:sp>
         <p:nvSpPr>
-          <p:cNvPr id="2" name="Title 1"/>
+          <p:cNvPr id="2" name="Title 1">
+            <a:extLst>
+              <a:ext uri="{FF2B5EF4-FFF2-40B4-BE49-F238E27FC236}">
+                <a16:creationId xmlns:a16="http://schemas.microsoft.com/office/drawing/2014/main" id="{BBFB7C41-FA13-5206-FF95-AC9EF231854C}"/>
+              </a:ext>
+            </a:extLst>
+          </p:cNvPr>
           <p:cNvSpPr>
             <a:spLocks noGrp="1"/>
           </p:cNvSpPr>
@@ -3564,13 +1395,19 @@
               <a:rPr lang="en-US"/>
               <a:t>Click to edit Master title style</a:t>
             </a:r>
-            <a:endParaRPr lang="en-US" dirty="0"/>
+            <a:endParaRPr lang="en-AU"/>
           </a:p>
         </p:txBody>
       </p:sp>
       <p:sp>
         <p:nvSpPr>
-          <p:cNvPr id="3" name="Vertical Text Placeholder 2"/>
+          <p:cNvPr id="3" name="Vertical Text Placeholder 2">
+            <a:extLst>
+              <a:ext uri="{FF2B5EF4-FFF2-40B4-BE49-F238E27FC236}">
+                <a16:creationId xmlns:a16="http://schemas.microsoft.com/office/drawing/2014/main" id="{3AF37946-2678-53D8-75A6-97FD61DCB225}"/>
+              </a:ext>
+            </a:extLst>
+          </p:cNvPr>
           <p:cNvSpPr>
             <a:spLocks noGrp="1"/>
           </p:cNvSpPr>
@@ -3616,13 +1453,19 @@
               <a:rPr lang="en-US"/>
               <a:t>Fifth level</a:t>
             </a:r>
-            <a:endParaRPr lang="en-US" dirty="0"/>
+            <a:endParaRPr lang="en-AU"/>
           </a:p>
         </p:txBody>
       </p:sp>
       <p:sp>
         <p:nvSpPr>
-          <p:cNvPr id="4" name="Date Placeholder 3"/>
+          <p:cNvPr id="4" name="Date Placeholder 3">
+            <a:extLst>
+              <a:ext uri="{FF2B5EF4-FFF2-40B4-BE49-F238E27FC236}">
+                <a16:creationId xmlns:a16="http://schemas.microsoft.com/office/drawing/2014/main" id="{3D4FB918-B174-FB18-6C7A-D884DCFFCA64}"/>
+              </a:ext>
+            </a:extLst>
+          </p:cNvPr>
           <p:cNvSpPr>
             <a:spLocks noGrp="1"/>
           </p:cNvSpPr>
@@ -3645,7 +1488,13 @@
       </p:sp>
       <p:sp>
         <p:nvSpPr>
-          <p:cNvPr id="5" name="Footer Placeholder 4"/>
+          <p:cNvPr id="5" name="Footer Placeholder 4">
+            <a:extLst>
+              <a:ext uri="{FF2B5EF4-FFF2-40B4-BE49-F238E27FC236}">
+                <a16:creationId xmlns:a16="http://schemas.microsoft.com/office/drawing/2014/main" id="{6AF3599B-A739-6FAA-7225-CBF8839C999F}"/>
+              </a:ext>
+            </a:extLst>
+          </p:cNvPr>
           <p:cNvSpPr>
             <a:spLocks noGrp="1"/>
           </p:cNvSpPr>
@@ -3668,7 +1517,13 @@
       </p:sp>
       <p:sp>
         <p:nvSpPr>
-          <p:cNvPr id="6" name="Slide Number Placeholder 5"/>
+          <p:cNvPr id="6" name="Slide Number Placeholder 5">
+            <a:extLst>
+              <a:ext uri="{FF2B5EF4-FFF2-40B4-BE49-F238E27FC236}">
+                <a16:creationId xmlns:a16="http://schemas.microsoft.com/office/drawing/2014/main" id="{5D54B09B-F47C-5F92-CABB-D22B94BC17ED}"/>
+              </a:ext>
+            </a:extLst>
+          </p:cNvPr>
           <p:cNvSpPr>
             <a:spLocks noGrp="1"/>
           </p:cNvSpPr>
@@ -3701,7 +1556,7 @@
     </p:spTree>
     <p:extLst>
       <p:ext uri="{BB962C8B-B14F-4D97-AF65-F5344CB8AC3E}">
-        <p14:creationId xmlns:p14="http://schemas.microsoft.com/office/powerpoint/2010/main" val="2971988992"/>
+        <p14:creationId xmlns:p14="http://schemas.microsoft.com/office/powerpoint/2010/main" val="1758435328"/>
       </p:ext>
     </p:extLst>
   </p:cSld>
@@ -3711,7 +1566,7 @@
 </p:sldLayout>
 </file>
 
-<file path=ppt/slideLayouts/slideLayout16.xml><?xml version="1.0" encoding="utf-8"?>
+<file path=ppt/slideLayouts/slideLayout11.xml><?xml version="1.0" encoding="utf-8"?>
 <p:sldLayout xmlns:a="http://schemas.openxmlformats.org/drawingml/2006/main" xmlns:r="http://schemas.openxmlformats.org/officeDocument/2006/relationships" xmlns:p="http://schemas.openxmlformats.org/presentationml/2006/main" type="vertTitleAndTx" preserve="1">
   <p:cSld name="Vertical Title and Text">
     <p:spTree>
@@ -3730,7 +1585,13 @@
       </p:grpSpPr>
       <p:sp>
         <p:nvSpPr>
-          <p:cNvPr id="2" name="Vertical Title 1"/>
+          <p:cNvPr id="2" name="Vertical Title 1">
+            <a:extLst>
+              <a:ext uri="{FF2B5EF4-FFF2-40B4-BE49-F238E27FC236}">
+                <a16:creationId xmlns:a16="http://schemas.microsoft.com/office/drawing/2014/main" id="{1F59C605-F162-6483-0FBF-E9C9A0C04EB0}"/>
+              </a:ext>
+            </a:extLst>
+          </p:cNvPr>
           <p:cNvSpPr>
             <a:spLocks noGrp="1"/>
           </p:cNvSpPr>
@@ -3740,25 +1601,31 @@
         </p:nvSpPr>
         <p:spPr>
           <a:xfrm>
-            <a:off x="5975755" y="457200"/>
-            <a:ext cx="978557" cy="3938588"/>
+            <a:off x="6543675" y="273844"/>
+            <a:ext cx="1971675" cy="4358879"/>
           </a:xfrm>
         </p:spPr>
         <p:txBody>
-          <a:bodyPr vert="eaVert" anchor="ctr"/>
+          <a:bodyPr vert="eaVert"/>
           <a:lstStyle/>
           <a:p>
             <a:r>
               <a:rPr lang="en-US"/>
               <a:t>Click to edit Master title style</a:t>
             </a:r>
-            <a:endParaRPr lang="en-US" dirty="0"/>
+            <a:endParaRPr lang="en-AU"/>
           </a:p>
         </p:txBody>
       </p:sp>
       <p:sp>
         <p:nvSpPr>
-          <p:cNvPr id="3" name="Vertical Text Placeholder 2"/>
+          <p:cNvPr id="3" name="Vertical Text Placeholder 2">
+            <a:extLst>
+              <a:ext uri="{FF2B5EF4-FFF2-40B4-BE49-F238E27FC236}">
+                <a16:creationId xmlns:a16="http://schemas.microsoft.com/office/drawing/2014/main" id="{1714BCCD-3A4B-9B62-97AF-D48B27B77A24}"/>
+              </a:ext>
+            </a:extLst>
+          </p:cNvPr>
           <p:cNvSpPr>
             <a:spLocks noGrp="1"/>
           </p:cNvSpPr>
@@ -3768,8 +1635,8 @@
         </p:nvSpPr>
         <p:spPr>
           <a:xfrm>
-            <a:off x="508001" y="457200"/>
-            <a:ext cx="5295113" cy="3938588"/>
+            <a:off x="628650" y="273844"/>
+            <a:ext cx="5800725" cy="4358879"/>
           </a:xfrm>
         </p:spPr>
         <p:txBody>
@@ -3809,13 +1676,19 @@
               <a:rPr lang="en-US"/>
               <a:t>Fifth level</a:t>
             </a:r>
-            <a:endParaRPr lang="en-US" dirty="0"/>
+            <a:endParaRPr lang="en-AU"/>
           </a:p>
         </p:txBody>
       </p:sp>
       <p:sp>
         <p:nvSpPr>
-          <p:cNvPr id="4" name="Date Placeholder 3"/>
+          <p:cNvPr id="4" name="Date Placeholder 3">
+            <a:extLst>
+              <a:ext uri="{FF2B5EF4-FFF2-40B4-BE49-F238E27FC236}">
+                <a16:creationId xmlns:a16="http://schemas.microsoft.com/office/drawing/2014/main" id="{F5FB83BD-6300-4F3D-0D18-16464147B1ED}"/>
+              </a:ext>
+            </a:extLst>
+          </p:cNvPr>
           <p:cNvSpPr>
             <a:spLocks noGrp="1"/>
           </p:cNvSpPr>
@@ -3838,7 +1711,13 @@
       </p:sp>
       <p:sp>
         <p:nvSpPr>
-          <p:cNvPr id="5" name="Footer Placeholder 4"/>
+          <p:cNvPr id="5" name="Footer Placeholder 4">
+            <a:extLst>
+              <a:ext uri="{FF2B5EF4-FFF2-40B4-BE49-F238E27FC236}">
+                <a16:creationId xmlns:a16="http://schemas.microsoft.com/office/drawing/2014/main" id="{88DE11CE-3196-8408-F87F-CF86CFCB0E4F}"/>
+              </a:ext>
+            </a:extLst>
+          </p:cNvPr>
           <p:cNvSpPr>
             <a:spLocks noGrp="1"/>
           </p:cNvSpPr>
@@ -3861,7 +1740,13 @@
       </p:sp>
       <p:sp>
         <p:nvSpPr>
-          <p:cNvPr id="6" name="Slide Number Placeholder 5"/>
+          <p:cNvPr id="6" name="Slide Number Placeholder 5">
+            <a:extLst>
+              <a:ext uri="{FF2B5EF4-FFF2-40B4-BE49-F238E27FC236}">
+                <a16:creationId xmlns:a16="http://schemas.microsoft.com/office/drawing/2014/main" id="{CF6938C5-7DA6-1C93-81C9-77E0A18415CA}"/>
+              </a:ext>
+            </a:extLst>
+          </p:cNvPr>
           <p:cNvSpPr>
             <a:spLocks noGrp="1"/>
           </p:cNvSpPr>
@@ -3894,7 +1779,7 @@
     </p:spTree>
     <p:extLst>
       <p:ext uri="{BB962C8B-B14F-4D97-AF65-F5344CB8AC3E}">
-        <p14:creationId xmlns:p14="http://schemas.microsoft.com/office/powerpoint/2010/main" val="1522062079"/>
+        <p14:creationId xmlns:p14="http://schemas.microsoft.com/office/powerpoint/2010/main" val="1905369389"/>
       </p:ext>
     </p:extLst>
   </p:cSld>
@@ -3923,7 +1808,13 @@
       </p:grpSpPr>
       <p:sp>
         <p:nvSpPr>
-          <p:cNvPr id="2" name="Title 1"/>
+          <p:cNvPr id="2" name="Title 1">
+            <a:extLst>
+              <a:ext uri="{FF2B5EF4-FFF2-40B4-BE49-F238E27FC236}">
+                <a16:creationId xmlns:a16="http://schemas.microsoft.com/office/drawing/2014/main" id="{C7A75ADC-8F20-BEB3-4A92-2FB6152854C5}"/>
+              </a:ext>
+            </a:extLst>
+          </p:cNvPr>
           <p:cNvSpPr>
             <a:spLocks noGrp="1"/>
           </p:cNvSpPr>
@@ -3933,26 +1824,26 @@
         </p:nvSpPr>
         <p:spPr/>
         <p:txBody>
-          <a:bodyPr>
-            <a:normAutofit/>
-          </a:bodyPr>
-          <a:lstStyle>
-            <a:lvl1pPr>
-              <a:defRPr sz="2700"/>
-            </a:lvl1pPr>
-          </a:lstStyle>
+          <a:bodyPr/>
+          <a:lstStyle/>
           <a:p>
             <a:r>
               <a:rPr lang="en-US"/>
               <a:t>Click to edit Master title style</a:t>
             </a:r>
-            <a:endParaRPr lang="en-US" dirty="0"/>
+            <a:endParaRPr lang="en-AU"/>
           </a:p>
         </p:txBody>
       </p:sp>
       <p:sp>
         <p:nvSpPr>
-          <p:cNvPr id="3" name="Content Placeholder 2"/>
+          <p:cNvPr id="3" name="Content Placeholder 2">
+            <a:extLst>
+              <a:ext uri="{FF2B5EF4-FFF2-40B4-BE49-F238E27FC236}">
+                <a16:creationId xmlns:a16="http://schemas.microsoft.com/office/drawing/2014/main" id="{39572F32-4132-535C-D314-FD8515FF5CA4}"/>
+              </a:ext>
+            </a:extLst>
+          </p:cNvPr>
           <p:cNvSpPr>
             <a:spLocks noGrp="1"/>
           </p:cNvSpPr>
@@ -3998,13 +1889,19 @@
               <a:rPr lang="en-US"/>
               <a:t>Fifth level</a:t>
             </a:r>
-            <a:endParaRPr lang="en-US" dirty="0"/>
+            <a:endParaRPr lang="en-AU"/>
           </a:p>
         </p:txBody>
       </p:sp>
       <p:sp>
         <p:nvSpPr>
-          <p:cNvPr id="4" name="Date Placeholder 3"/>
+          <p:cNvPr id="4" name="Date Placeholder 3">
+            <a:extLst>
+              <a:ext uri="{FF2B5EF4-FFF2-40B4-BE49-F238E27FC236}">
+                <a16:creationId xmlns:a16="http://schemas.microsoft.com/office/drawing/2014/main" id="{7DB3F3C9-69A4-79C4-619F-93B5FBED90A0}"/>
+              </a:ext>
+            </a:extLst>
+          </p:cNvPr>
           <p:cNvSpPr>
             <a:spLocks noGrp="1"/>
           </p:cNvSpPr>
@@ -4027,7 +1924,13 @@
       </p:sp>
       <p:sp>
         <p:nvSpPr>
-          <p:cNvPr id="5" name="Footer Placeholder 4"/>
+          <p:cNvPr id="5" name="Footer Placeholder 4">
+            <a:extLst>
+              <a:ext uri="{FF2B5EF4-FFF2-40B4-BE49-F238E27FC236}">
+                <a16:creationId xmlns:a16="http://schemas.microsoft.com/office/drawing/2014/main" id="{AE678B7E-D7CA-15CA-54CD-180DC3AC4C40}"/>
+              </a:ext>
+            </a:extLst>
+          </p:cNvPr>
           <p:cNvSpPr>
             <a:spLocks noGrp="1"/>
           </p:cNvSpPr>
@@ -4050,7 +1953,13 @@
       </p:sp>
       <p:sp>
         <p:nvSpPr>
-          <p:cNvPr id="6" name="Slide Number Placeholder 5"/>
+          <p:cNvPr id="6" name="Slide Number Placeholder 5">
+            <a:extLst>
+              <a:ext uri="{FF2B5EF4-FFF2-40B4-BE49-F238E27FC236}">
+                <a16:creationId xmlns:a16="http://schemas.microsoft.com/office/drawing/2014/main" id="{13617665-E18C-6576-D468-3EA7414A5765}"/>
+              </a:ext>
+            </a:extLst>
+          </p:cNvPr>
           <p:cNvSpPr>
             <a:spLocks noGrp="1"/>
           </p:cNvSpPr>
@@ -4083,7 +1992,7 @@
     </p:spTree>
     <p:extLst>
       <p:ext uri="{BB962C8B-B14F-4D97-AF65-F5344CB8AC3E}">
-        <p14:creationId xmlns:p14="http://schemas.microsoft.com/office/powerpoint/2010/main" val="1686518642"/>
+        <p14:creationId xmlns:p14="http://schemas.microsoft.com/office/powerpoint/2010/main" val="3575022075"/>
       </p:ext>
     </p:extLst>
   </p:cSld>
@@ -4112,7 +2021,13 @@
       </p:grpSpPr>
       <p:sp>
         <p:nvSpPr>
-          <p:cNvPr id="2" name="Title 1"/>
+          <p:cNvPr id="2" name="Title 1">
+            <a:extLst>
+              <a:ext uri="{FF2B5EF4-FFF2-40B4-BE49-F238E27FC236}">
+                <a16:creationId xmlns:a16="http://schemas.microsoft.com/office/drawing/2014/main" id="{D32B4328-CD1E-2501-DD1C-0DAEF5954FA9}"/>
+              </a:ext>
+            </a:extLst>
+          </p:cNvPr>
           <p:cNvSpPr>
             <a:spLocks noGrp="1"/>
           </p:cNvSpPr>
@@ -4122,15 +2037,15 @@
         </p:nvSpPr>
         <p:spPr>
           <a:xfrm>
-            <a:off x="508001" y="2025651"/>
-            <a:ext cx="6447501" cy="1369936"/>
+            <a:off x="623888" y="1282304"/>
+            <a:ext cx="7886700" cy="2139553"/>
           </a:xfrm>
         </p:spPr>
         <p:txBody>
           <a:bodyPr anchor="b"/>
           <a:lstStyle>
-            <a:lvl1pPr algn="l">
-              <a:defRPr sz="3000" b="0" cap="none"/>
+            <a:lvl1pPr>
+              <a:defRPr sz="4500"/>
             </a:lvl1pPr>
           </a:lstStyle>
           <a:p>
@@ -4138,13 +2053,19 @@
               <a:rPr lang="en-US"/>
               <a:t>Click to edit Master title style</a:t>
             </a:r>
-            <a:endParaRPr lang="en-US" dirty="0"/>
+            <a:endParaRPr lang="en-AU"/>
           </a:p>
         </p:txBody>
       </p:sp>
       <p:sp>
         <p:nvSpPr>
-          <p:cNvPr id="3" name="Text Placeholder 2"/>
+          <p:cNvPr id="3" name="Text Placeholder 2">
+            <a:extLst>
+              <a:ext uri="{FF2B5EF4-FFF2-40B4-BE49-F238E27FC236}">
+                <a16:creationId xmlns:a16="http://schemas.microsoft.com/office/drawing/2014/main" id="{E3E29C89-32EB-BB70-CA04-C91F1136E3EF}"/>
+              </a:ext>
+            </a:extLst>
+          </p:cNvPr>
           <p:cNvSpPr>
             <a:spLocks noGrp="1"/>
           </p:cNvSpPr>
@@ -4154,27 +2075,26 @@
         </p:nvSpPr>
         <p:spPr>
           <a:xfrm>
-            <a:off x="508001" y="3395586"/>
-            <a:ext cx="6447501" cy="645300"/>
+            <a:off x="623888" y="3442098"/>
+            <a:ext cx="7886700" cy="1125140"/>
           </a:xfrm>
         </p:spPr>
         <p:txBody>
-          <a:bodyPr anchor="t"/>
+          <a:bodyPr/>
           <a:lstStyle>
-            <a:lvl1pPr marL="0" indent="0" algn="l">
+            <a:lvl1pPr marL="0" indent="0">
               <a:buNone/>
-              <a:defRPr sz="1500">
+              <a:defRPr sz="1800">
                 <a:solidFill>
                   <a:schemeClr val="tx1">
-                    <a:lumMod val="50000"/>
-                    <a:lumOff val="50000"/>
+                    <a:tint val="75000"/>
                   </a:schemeClr>
                 </a:solidFill>
               </a:defRPr>
             </a:lvl1pPr>
             <a:lvl2pPr marL="342900" indent="0">
               <a:buNone/>
-              <a:defRPr sz="1350">
+              <a:defRPr sz="1500">
                 <a:solidFill>
                   <a:schemeClr val="tx1">
                     <a:tint val="75000"/>
@@ -4184,7 +2104,7 @@
             </a:lvl2pPr>
             <a:lvl3pPr marL="685800" indent="0">
               <a:buNone/>
-              <a:defRPr sz="1200">
+              <a:defRPr sz="1350">
                 <a:solidFill>
                   <a:schemeClr val="tx1">
                     <a:tint val="75000"/>
@@ -4194,7 +2114,7 @@
             </a:lvl3pPr>
             <a:lvl4pPr marL="1028700" indent="0">
               <a:buNone/>
-              <a:defRPr sz="1050">
+              <a:defRPr sz="1200">
                 <a:solidFill>
                   <a:schemeClr val="tx1">
                     <a:tint val="75000"/>
@@ -4204,7 +2124,7 @@
             </a:lvl4pPr>
             <a:lvl5pPr marL="1371600" indent="0">
               <a:buNone/>
-              <a:defRPr sz="1050">
+              <a:defRPr sz="1200">
                 <a:solidFill>
                   <a:schemeClr val="tx1">
                     <a:tint val="75000"/>
@@ -4214,7 +2134,7 @@
             </a:lvl5pPr>
             <a:lvl6pPr marL="1714500" indent="0">
               <a:buNone/>
-              <a:defRPr sz="1050">
+              <a:defRPr sz="1200">
                 <a:solidFill>
                   <a:schemeClr val="tx1">
                     <a:tint val="75000"/>
@@ -4224,7 +2144,7 @@
             </a:lvl6pPr>
             <a:lvl7pPr marL="2057400" indent="0">
               <a:buNone/>
-              <a:defRPr sz="1050">
+              <a:defRPr sz="1200">
                 <a:solidFill>
                   <a:schemeClr val="tx1">
                     <a:tint val="75000"/>
@@ -4234,7 +2154,7 @@
             </a:lvl7pPr>
             <a:lvl8pPr marL="2400300" indent="0">
               <a:buNone/>
-              <a:defRPr sz="1050">
+              <a:defRPr sz="1200">
                 <a:solidFill>
                   <a:schemeClr val="tx1">
                     <a:tint val="75000"/>
@@ -4244,7 +2164,7 @@
             </a:lvl8pPr>
             <a:lvl9pPr marL="2743200" indent="0">
               <a:buNone/>
-              <a:defRPr sz="1050">
+              <a:defRPr sz="1200">
                 <a:solidFill>
                   <a:schemeClr val="tx1">
                     <a:tint val="75000"/>
@@ -4264,7 +2184,13 @@
       </p:sp>
       <p:sp>
         <p:nvSpPr>
-          <p:cNvPr id="4" name="Date Placeholder 3"/>
+          <p:cNvPr id="4" name="Date Placeholder 3">
+            <a:extLst>
+              <a:ext uri="{FF2B5EF4-FFF2-40B4-BE49-F238E27FC236}">
+                <a16:creationId xmlns:a16="http://schemas.microsoft.com/office/drawing/2014/main" id="{3C815F30-0886-0E73-75CD-B6AA512F515E}"/>
+              </a:ext>
+            </a:extLst>
+          </p:cNvPr>
           <p:cNvSpPr>
             <a:spLocks noGrp="1"/>
           </p:cNvSpPr>
@@ -4287,7 +2213,13 @@
       </p:sp>
       <p:sp>
         <p:nvSpPr>
-          <p:cNvPr id="5" name="Footer Placeholder 4"/>
+          <p:cNvPr id="5" name="Footer Placeholder 4">
+            <a:extLst>
+              <a:ext uri="{FF2B5EF4-FFF2-40B4-BE49-F238E27FC236}">
+                <a16:creationId xmlns:a16="http://schemas.microsoft.com/office/drawing/2014/main" id="{3B7687CE-B73B-F5A0-E47D-6A4D8203480C}"/>
+              </a:ext>
+            </a:extLst>
+          </p:cNvPr>
           <p:cNvSpPr>
             <a:spLocks noGrp="1"/>
           </p:cNvSpPr>
@@ -4310,7 +2242,13 @@
       </p:sp>
       <p:sp>
         <p:nvSpPr>
-          <p:cNvPr id="6" name="Slide Number Placeholder 5"/>
+          <p:cNvPr id="6" name="Slide Number Placeholder 5">
+            <a:extLst>
+              <a:ext uri="{FF2B5EF4-FFF2-40B4-BE49-F238E27FC236}">
+                <a16:creationId xmlns:a16="http://schemas.microsoft.com/office/drawing/2014/main" id="{293E4921-406E-4A79-A084-1B106B5F3F74}"/>
+              </a:ext>
+            </a:extLst>
+          </p:cNvPr>
           <p:cNvSpPr>
             <a:spLocks noGrp="1"/>
           </p:cNvSpPr>
@@ -4343,7 +2281,7 @@
     </p:spTree>
     <p:extLst>
       <p:ext uri="{BB962C8B-B14F-4D97-AF65-F5344CB8AC3E}">
-        <p14:creationId xmlns:p14="http://schemas.microsoft.com/office/powerpoint/2010/main" val="2526036094"/>
+        <p14:creationId xmlns:p14="http://schemas.microsoft.com/office/powerpoint/2010/main" val="138533961"/>
       </p:ext>
     </p:extLst>
   </p:cSld>
@@ -4372,7 +2310,13 @@
       </p:grpSpPr>
       <p:sp>
         <p:nvSpPr>
-          <p:cNvPr id="2" name="Title 1"/>
+          <p:cNvPr id="2" name="Title 1">
+            <a:extLst>
+              <a:ext uri="{FF2B5EF4-FFF2-40B4-BE49-F238E27FC236}">
+                <a16:creationId xmlns:a16="http://schemas.microsoft.com/office/drawing/2014/main" id="{5EF039B6-A48A-0C4F-FB9B-076E741B388C}"/>
+              </a:ext>
+            </a:extLst>
+          </p:cNvPr>
           <p:cNvSpPr>
             <a:spLocks noGrp="1"/>
           </p:cNvSpPr>
@@ -4389,13 +2333,19 @@
               <a:rPr lang="en-US"/>
               <a:t>Click to edit Master title style</a:t>
             </a:r>
-            <a:endParaRPr lang="en-US" dirty="0"/>
+            <a:endParaRPr lang="en-AU"/>
           </a:p>
         </p:txBody>
       </p:sp>
       <p:sp>
         <p:nvSpPr>
-          <p:cNvPr id="3" name="Content Placeholder 2"/>
+          <p:cNvPr id="3" name="Content Placeholder 2">
+            <a:extLst>
+              <a:ext uri="{FF2B5EF4-FFF2-40B4-BE49-F238E27FC236}">
+                <a16:creationId xmlns:a16="http://schemas.microsoft.com/office/drawing/2014/main" id="{B760B9D0-EE15-AF74-1899-7372A05075FA}"/>
+              </a:ext>
+            </a:extLst>
+          </p:cNvPr>
           <p:cNvSpPr>
             <a:spLocks noGrp="1"/>
           </p:cNvSpPr>
@@ -4405,8 +2355,8 @@
         </p:nvSpPr>
         <p:spPr>
           <a:xfrm>
-            <a:off x="508001" y="1620442"/>
-            <a:ext cx="3138026" cy="2910579"/>
+            <a:off x="628650" y="1369219"/>
+            <a:ext cx="3886200" cy="3263504"/>
           </a:xfrm>
         </p:spPr>
         <p:txBody>
@@ -4446,13 +2396,19 @@
               <a:rPr lang="en-US"/>
               <a:t>Fifth level</a:t>
             </a:r>
-            <a:endParaRPr lang="en-US" dirty="0"/>
+            <a:endParaRPr lang="en-AU"/>
           </a:p>
         </p:txBody>
       </p:sp>
       <p:sp>
         <p:nvSpPr>
-          <p:cNvPr id="4" name="Content Placeholder 3"/>
+          <p:cNvPr id="4" name="Content Placeholder 3">
+            <a:extLst>
+              <a:ext uri="{FF2B5EF4-FFF2-40B4-BE49-F238E27FC236}">
+                <a16:creationId xmlns:a16="http://schemas.microsoft.com/office/drawing/2014/main" id="{3793DDAF-308F-6D22-FEF2-B92F86BC3083}"/>
+              </a:ext>
+            </a:extLst>
+          </p:cNvPr>
           <p:cNvSpPr>
             <a:spLocks noGrp="1"/>
           </p:cNvSpPr>
@@ -4462,8 +2418,8 @@
         </p:nvSpPr>
         <p:spPr>
           <a:xfrm>
-            <a:off x="3817477" y="1620442"/>
-            <a:ext cx="3138026" cy="2910580"/>
+            <a:off x="4629150" y="1369219"/>
+            <a:ext cx="3886200" cy="3263504"/>
           </a:xfrm>
         </p:spPr>
         <p:txBody>
@@ -4503,13 +2459,19 @@
               <a:rPr lang="en-US"/>
               <a:t>Fifth level</a:t>
             </a:r>
-            <a:endParaRPr lang="en-US" dirty="0"/>
+            <a:endParaRPr lang="en-AU"/>
           </a:p>
         </p:txBody>
       </p:sp>
       <p:sp>
         <p:nvSpPr>
-          <p:cNvPr id="5" name="Date Placeholder 4"/>
+          <p:cNvPr id="5" name="Date Placeholder 4">
+            <a:extLst>
+              <a:ext uri="{FF2B5EF4-FFF2-40B4-BE49-F238E27FC236}">
+                <a16:creationId xmlns:a16="http://schemas.microsoft.com/office/drawing/2014/main" id="{4DD13B15-F7F6-294D-E3D3-1A707A545AA4}"/>
+              </a:ext>
+            </a:extLst>
+          </p:cNvPr>
           <p:cNvSpPr>
             <a:spLocks noGrp="1"/>
           </p:cNvSpPr>
@@ -4532,7 +2494,13 @@
       </p:sp>
       <p:sp>
         <p:nvSpPr>
-          <p:cNvPr id="6" name="Footer Placeholder 5"/>
+          <p:cNvPr id="6" name="Footer Placeholder 5">
+            <a:extLst>
+              <a:ext uri="{FF2B5EF4-FFF2-40B4-BE49-F238E27FC236}">
+                <a16:creationId xmlns:a16="http://schemas.microsoft.com/office/drawing/2014/main" id="{5F48424D-6B76-35C1-81CB-3E3675851848}"/>
+              </a:ext>
+            </a:extLst>
+          </p:cNvPr>
           <p:cNvSpPr>
             <a:spLocks noGrp="1"/>
           </p:cNvSpPr>
@@ -4555,7 +2523,13 @@
       </p:sp>
       <p:sp>
         <p:nvSpPr>
-          <p:cNvPr id="7" name="Slide Number Placeholder 6"/>
+          <p:cNvPr id="7" name="Slide Number Placeholder 6">
+            <a:extLst>
+              <a:ext uri="{FF2B5EF4-FFF2-40B4-BE49-F238E27FC236}">
+                <a16:creationId xmlns:a16="http://schemas.microsoft.com/office/drawing/2014/main" id="{4F29A4AB-06A2-90FB-33BD-47599AD0B817}"/>
+              </a:ext>
+            </a:extLst>
+          </p:cNvPr>
           <p:cNvSpPr>
             <a:spLocks noGrp="1"/>
           </p:cNvSpPr>
@@ -4588,7 +2562,7 @@
     </p:spTree>
     <p:extLst>
       <p:ext uri="{BB962C8B-B14F-4D97-AF65-F5344CB8AC3E}">
-        <p14:creationId xmlns:p14="http://schemas.microsoft.com/office/powerpoint/2010/main" val="392557214"/>
+        <p14:creationId xmlns:p14="http://schemas.microsoft.com/office/powerpoint/2010/main" val="1492923212"/>
       </p:ext>
     </p:extLst>
   </p:cSld>
@@ -4617,7 +2591,13 @@
       </p:grpSpPr>
       <p:sp>
         <p:nvSpPr>
-          <p:cNvPr id="2" name="Title 1"/>
+          <p:cNvPr id="2" name="Title 1">
+            <a:extLst>
+              <a:ext uri="{FF2B5EF4-FFF2-40B4-BE49-F238E27FC236}">
+                <a16:creationId xmlns:a16="http://schemas.microsoft.com/office/drawing/2014/main" id="{E6377D48-6751-81EB-F910-7C327E38BECF}"/>
+              </a:ext>
+            </a:extLst>
+          </p:cNvPr>
           <p:cNvSpPr>
             <a:spLocks noGrp="1"/>
           </p:cNvSpPr>
@@ -4625,26 +2605,33 @@
             <p:ph type="title"/>
           </p:nvPr>
         </p:nvSpPr>
-        <p:spPr/>
+        <p:spPr>
+          <a:xfrm>
+            <a:off x="629841" y="273844"/>
+            <a:ext cx="7886700" cy="994172"/>
+          </a:xfrm>
+        </p:spPr>
         <p:txBody>
           <a:bodyPr/>
-          <a:lstStyle>
-            <a:lvl1pPr>
-              <a:defRPr/>
-            </a:lvl1pPr>
-          </a:lstStyle>
+          <a:lstStyle/>
           <a:p>
             <a:r>
               <a:rPr lang="en-US"/>
               <a:t>Click to edit Master title style</a:t>
             </a:r>
-            <a:endParaRPr lang="en-US" dirty="0"/>
+            <a:endParaRPr lang="en-AU"/>
           </a:p>
         </p:txBody>
       </p:sp>
       <p:sp>
         <p:nvSpPr>
-          <p:cNvPr id="3" name="Text Placeholder 2"/>
+          <p:cNvPr id="3" name="Text Placeholder 2">
+            <a:extLst>
+              <a:ext uri="{FF2B5EF4-FFF2-40B4-BE49-F238E27FC236}">
+                <a16:creationId xmlns:a16="http://schemas.microsoft.com/office/drawing/2014/main" id="{B028B456-7F96-30A6-9602-A217C3463DC5}"/>
+              </a:ext>
+            </a:extLst>
+          </p:cNvPr>
           <p:cNvSpPr>
             <a:spLocks noGrp="1"/>
           </p:cNvSpPr>
@@ -4654,18 +2641,16 @@
         </p:nvSpPr>
         <p:spPr>
           <a:xfrm>
-            <a:off x="506809" y="1620737"/>
-            <a:ext cx="3139217" cy="432197"/>
+            <a:off x="629842" y="1260872"/>
+            <a:ext cx="3868340" cy="617934"/>
           </a:xfrm>
         </p:spPr>
         <p:txBody>
-          <a:bodyPr anchor="b">
-            <a:noAutofit/>
-          </a:bodyPr>
+          <a:bodyPr anchor="b"/>
           <a:lstStyle>
             <a:lvl1pPr marL="0" indent="0">
               <a:buNone/>
-              <a:defRPr sz="1800" b="0"/>
+              <a:defRPr sz="1800" b="1"/>
             </a:lvl1pPr>
             <a:lvl2pPr marL="342900" indent="0">
               <a:buNone/>
@@ -4711,7 +2696,13 @@
       </p:sp>
       <p:sp>
         <p:nvSpPr>
-          <p:cNvPr id="4" name="Content Placeholder 3"/>
+          <p:cNvPr id="4" name="Content Placeholder 3">
+            <a:extLst>
+              <a:ext uri="{FF2B5EF4-FFF2-40B4-BE49-F238E27FC236}">
+                <a16:creationId xmlns:a16="http://schemas.microsoft.com/office/drawing/2014/main" id="{770120BB-17F6-F9F0-8BA1-E8938C8B5BA0}"/>
+              </a:ext>
+            </a:extLst>
+          </p:cNvPr>
           <p:cNvSpPr>
             <a:spLocks noGrp="1"/>
           </p:cNvSpPr>
@@ -4721,14 +2712,12 @@
         </p:nvSpPr>
         <p:spPr>
           <a:xfrm>
-            <a:off x="506809" y="2052934"/>
-            <a:ext cx="3139217" cy="2478088"/>
+            <a:off x="629842" y="1878806"/>
+            <a:ext cx="3868340" cy="2763441"/>
           </a:xfrm>
         </p:spPr>
         <p:txBody>
-          <a:bodyPr>
-            <a:normAutofit/>
-          </a:bodyPr>
+          <a:bodyPr/>
           <a:lstStyle/>
           <a:p>
             <a:pPr lvl="0"/>
@@ -4764,13 +2753,19 @@
               <a:rPr lang="en-US"/>
               <a:t>Fifth level</a:t>
             </a:r>
-            <a:endParaRPr lang="en-US" dirty="0"/>
+            <a:endParaRPr lang="en-AU"/>
           </a:p>
         </p:txBody>
       </p:sp>
       <p:sp>
         <p:nvSpPr>
-          <p:cNvPr id="5" name="Text Placeholder 4"/>
+          <p:cNvPr id="5" name="Text Placeholder 4">
+            <a:extLst>
+              <a:ext uri="{FF2B5EF4-FFF2-40B4-BE49-F238E27FC236}">
+                <a16:creationId xmlns:a16="http://schemas.microsoft.com/office/drawing/2014/main" id="{A3D5CB3C-AF37-DB0F-1FBB-FE9C32B4B633}"/>
+              </a:ext>
+            </a:extLst>
+          </p:cNvPr>
           <p:cNvSpPr>
             <a:spLocks noGrp="1"/>
           </p:cNvSpPr>
@@ -4780,18 +2775,16 @@
         </p:nvSpPr>
         <p:spPr>
           <a:xfrm>
-            <a:off x="3816287" y="1620737"/>
-            <a:ext cx="3139214" cy="432197"/>
+            <a:off x="4629150" y="1260872"/>
+            <a:ext cx="3887391" cy="617934"/>
           </a:xfrm>
         </p:spPr>
         <p:txBody>
-          <a:bodyPr anchor="b">
-            <a:noAutofit/>
-          </a:bodyPr>
+          <a:bodyPr anchor="b"/>
           <a:lstStyle>
             <a:lvl1pPr marL="0" indent="0">
               <a:buNone/>
-              <a:defRPr sz="1800" b="0"/>
+              <a:defRPr sz="1800" b="1"/>
             </a:lvl1pPr>
             <a:lvl2pPr marL="342900" indent="0">
               <a:buNone/>
@@ -4837,7 +2830,13 @@
       </p:sp>
       <p:sp>
         <p:nvSpPr>
-          <p:cNvPr id="6" name="Content Placeholder 5"/>
+          <p:cNvPr id="6" name="Content Placeholder 5">
+            <a:extLst>
+              <a:ext uri="{FF2B5EF4-FFF2-40B4-BE49-F238E27FC236}">
+                <a16:creationId xmlns:a16="http://schemas.microsoft.com/office/drawing/2014/main" id="{8727D67E-3337-AE1E-288B-B857BC168D2E}"/>
+              </a:ext>
+            </a:extLst>
+          </p:cNvPr>
           <p:cNvSpPr>
             <a:spLocks noGrp="1"/>
           </p:cNvSpPr>
@@ -4847,14 +2846,12 @@
         </p:nvSpPr>
         <p:spPr>
           <a:xfrm>
-            <a:off x="3816288" y="2052934"/>
-            <a:ext cx="3139213" cy="2478088"/>
+            <a:off x="4629150" y="1878806"/>
+            <a:ext cx="3887391" cy="2763441"/>
           </a:xfrm>
         </p:spPr>
         <p:txBody>
-          <a:bodyPr>
-            <a:normAutofit/>
-          </a:bodyPr>
+          <a:bodyPr/>
           <a:lstStyle/>
           <a:p>
             <a:pPr lvl="0"/>
@@ -4890,13 +2887,19 @@
               <a:rPr lang="en-US"/>
               <a:t>Fifth level</a:t>
             </a:r>
-            <a:endParaRPr lang="en-US" dirty="0"/>
+            <a:endParaRPr lang="en-AU"/>
           </a:p>
         </p:txBody>
       </p:sp>
       <p:sp>
         <p:nvSpPr>
-          <p:cNvPr id="7" name="Date Placeholder 6"/>
+          <p:cNvPr id="7" name="Date Placeholder 6">
+            <a:extLst>
+              <a:ext uri="{FF2B5EF4-FFF2-40B4-BE49-F238E27FC236}">
+                <a16:creationId xmlns:a16="http://schemas.microsoft.com/office/drawing/2014/main" id="{E65871FD-137F-9AEC-319C-C15CB67EFFDF}"/>
+              </a:ext>
+            </a:extLst>
+          </p:cNvPr>
           <p:cNvSpPr>
             <a:spLocks noGrp="1"/>
           </p:cNvSpPr>
@@ -4919,7 +2922,13 @@
       </p:sp>
       <p:sp>
         <p:nvSpPr>
-          <p:cNvPr id="8" name="Footer Placeholder 7"/>
+          <p:cNvPr id="8" name="Footer Placeholder 7">
+            <a:extLst>
+              <a:ext uri="{FF2B5EF4-FFF2-40B4-BE49-F238E27FC236}">
+                <a16:creationId xmlns:a16="http://schemas.microsoft.com/office/drawing/2014/main" id="{A4FD8D54-5792-E02C-76F3-6AF767E871C5}"/>
+              </a:ext>
+            </a:extLst>
+          </p:cNvPr>
           <p:cNvSpPr>
             <a:spLocks noGrp="1"/>
           </p:cNvSpPr>
@@ -4942,7 +2951,13 @@
       </p:sp>
       <p:sp>
         <p:nvSpPr>
-          <p:cNvPr id="9" name="Slide Number Placeholder 8"/>
+          <p:cNvPr id="9" name="Slide Number Placeholder 8">
+            <a:extLst>
+              <a:ext uri="{FF2B5EF4-FFF2-40B4-BE49-F238E27FC236}">
+                <a16:creationId xmlns:a16="http://schemas.microsoft.com/office/drawing/2014/main" id="{21C8EC6A-A2E2-835E-0C0E-0463DD22FD82}"/>
+              </a:ext>
+            </a:extLst>
+          </p:cNvPr>
           <p:cNvSpPr>
             <a:spLocks noGrp="1"/>
           </p:cNvSpPr>
@@ -4975,7 +2990,7 @@
     </p:spTree>
     <p:extLst>
       <p:ext uri="{BB962C8B-B14F-4D97-AF65-F5344CB8AC3E}">
-        <p14:creationId xmlns:p14="http://schemas.microsoft.com/office/powerpoint/2010/main" val="3706963740"/>
+        <p14:creationId xmlns:p14="http://schemas.microsoft.com/office/powerpoint/2010/main" val="1072329799"/>
       </p:ext>
     </p:extLst>
   </p:cSld>
@@ -5004,7 +3019,13 @@
       </p:grpSpPr>
       <p:sp>
         <p:nvSpPr>
-          <p:cNvPr id="2" name="Title 1"/>
+          <p:cNvPr id="2" name="Title 1">
+            <a:extLst>
+              <a:ext uri="{FF2B5EF4-FFF2-40B4-BE49-F238E27FC236}">
+                <a16:creationId xmlns:a16="http://schemas.microsoft.com/office/drawing/2014/main" id="{77BEC3F0-4F61-B066-A4C3-E841918D9F2D}"/>
+              </a:ext>
+            </a:extLst>
+          </p:cNvPr>
           <p:cNvSpPr>
             <a:spLocks noGrp="1"/>
           </p:cNvSpPr>
@@ -5012,12 +3033,7 @@
             <p:ph type="title"/>
           </p:nvPr>
         </p:nvSpPr>
-        <p:spPr>
-          <a:xfrm>
-            <a:off x="508001" y="457200"/>
-            <a:ext cx="6447501" cy="990600"/>
-          </a:xfrm>
-        </p:spPr>
+        <p:spPr/>
         <p:txBody>
           <a:bodyPr/>
           <a:lstStyle/>
@@ -5026,13 +3042,19 @@
               <a:rPr lang="en-US"/>
               <a:t>Click to edit Master title style</a:t>
             </a:r>
-            <a:endParaRPr lang="en-US" dirty="0"/>
+            <a:endParaRPr lang="en-AU"/>
           </a:p>
         </p:txBody>
       </p:sp>
       <p:sp>
         <p:nvSpPr>
-          <p:cNvPr id="3" name="Date Placeholder 2"/>
+          <p:cNvPr id="3" name="Date Placeholder 2">
+            <a:extLst>
+              <a:ext uri="{FF2B5EF4-FFF2-40B4-BE49-F238E27FC236}">
+                <a16:creationId xmlns:a16="http://schemas.microsoft.com/office/drawing/2014/main" id="{C6B11E64-D4BA-8BC9-EB7E-DCDB2495A11E}"/>
+              </a:ext>
+            </a:extLst>
+          </p:cNvPr>
           <p:cNvSpPr>
             <a:spLocks noGrp="1"/>
           </p:cNvSpPr>
@@ -5055,7 +3077,13 @@
       </p:sp>
       <p:sp>
         <p:nvSpPr>
-          <p:cNvPr id="4" name="Footer Placeholder 3"/>
+          <p:cNvPr id="4" name="Footer Placeholder 3">
+            <a:extLst>
+              <a:ext uri="{FF2B5EF4-FFF2-40B4-BE49-F238E27FC236}">
+                <a16:creationId xmlns:a16="http://schemas.microsoft.com/office/drawing/2014/main" id="{2EB6A678-8B05-F5ED-C451-708A266F1AF7}"/>
+              </a:ext>
+            </a:extLst>
+          </p:cNvPr>
           <p:cNvSpPr>
             <a:spLocks noGrp="1"/>
           </p:cNvSpPr>
@@ -5078,7 +3106,13 @@
       </p:sp>
       <p:sp>
         <p:nvSpPr>
-          <p:cNvPr id="5" name="Slide Number Placeholder 4"/>
+          <p:cNvPr id="5" name="Slide Number Placeholder 4">
+            <a:extLst>
+              <a:ext uri="{FF2B5EF4-FFF2-40B4-BE49-F238E27FC236}">
+                <a16:creationId xmlns:a16="http://schemas.microsoft.com/office/drawing/2014/main" id="{347744CF-227C-E593-59B0-FAADEF2FDCF2}"/>
+              </a:ext>
+            </a:extLst>
+          </p:cNvPr>
           <p:cNvSpPr>
             <a:spLocks noGrp="1"/>
           </p:cNvSpPr>
@@ -5111,7 +3145,7 @@
     </p:spTree>
     <p:extLst>
       <p:ext uri="{BB962C8B-B14F-4D97-AF65-F5344CB8AC3E}">
-        <p14:creationId xmlns:p14="http://schemas.microsoft.com/office/powerpoint/2010/main" val="2649026115"/>
+        <p14:creationId xmlns:p14="http://schemas.microsoft.com/office/powerpoint/2010/main" val="220730347"/>
       </p:ext>
     </p:extLst>
   </p:cSld>
@@ -5140,7 +3174,13 @@
       </p:grpSpPr>
       <p:sp>
         <p:nvSpPr>
-          <p:cNvPr id="2" name="Date Placeholder 1"/>
+          <p:cNvPr id="2" name="Date Placeholder 1">
+            <a:extLst>
+              <a:ext uri="{FF2B5EF4-FFF2-40B4-BE49-F238E27FC236}">
+                <a16:creationId xmlns:a16="http://schemas.microsoft.com/office/drawing/2014/main" id="{FD0B9910-1828-BAC1-70EB-39D5E475E52C}"/>
+              </a:ext>
+            </a:extLst>
+          </p:cNvPr>
           <p:cNvSpPr>
             <a:spLocks noGrp="1"/>
           </p:cNvSpPr>
@@ -5163,7 +3203,13 @@
       </p:sp>
       <p:sp>
         <p:nvSpPr>
-          <p:cNvPr id="3" name="Footer Placeholder 2"/>
+          <p:cNvPr id="3" name="Footer Placeholder 2">
+            <a:extLst>
+              <a:ext uri="{FF2B5EF4-FFF2-40B4-BE49-F238E27FC236}">
+                <a16:creationId xmlns:a16="http://schemas.microsoft.com/office/drawing/2014/main" id="{F1BB2B0D-934E-5954-18AE-02D558352907}"/>
+              </a:ext>
+            </a:extLst>
+          </p:cNvPr>
           <p:cNvSpPr>
             <a:spLocks noGrp="1"/>
           </p:cNvSpPr>
@@ -5186,7 +3232,13 @@
       </p:sp>
       <p:sp>
         <p:nvSpPr>
-          <p:cNvPr id="4" name="Slide Number Placeholder 3"/>
+          <p:cNvPr id="4" name="Slide Number Placeholder 3">
+            <a:extLst>
+              <a:ext uri="{FF2B5EF4-FFF2-40B4-BE49-F238E27FC236}">
+                <a16:creationId xmlns:a16="http://schemas.microsoft.com/office/drawing/2014/main" id="{B6813614-7D82-E049-F121-3EF27A7431A8}"/>
+              </a:ext>
+            </a:extLst>
+          </p:cNvPr>
           <p:cNvSpPr>
             <a:spLocks noGrp="1"/>
           </p:cNvSpPr>
@@ -5219,7 +3271,7 @@
     </p:spTree>
     <p:extLst>
       <p:ext uri="{BB962C8B-B14F-4D97-AF65-F5344CB8AC3E}">
-        <p14:creationId xmlns:p14="http://schemas.microsoft.com/office/powerpoint/2010/main" val="1494641818"/>
+        <p14:creationId xmlns:p14="http://schemas.microsoft.com/office/powerpoint/2010/main" val="433073071"/>
       </p:ext>
     </p:extLst>
   </p:cSld>
@@ -5248,7 +3300,13 @@
       </p:grpSpPr>
       <p:sp>
         <p:nvSpPr>
-          <p:cNvPr id="2" name="Title 1"/>
+          <p:cNvPr id="2" name="Title 1">
+            <a:extLst>
+              <a:ext uri="{FF2B5EF4-FFF2-40B4-BE49-F238E27FC236}">
+                <a16:creationId xmlns:a16="http://schemas.microsoft.com/office/drawing/2014/main" id="{58A74DE0-EF6A-FF72-D7E3-266F6ED84220}"/>
+              </a:ext>
+            </a:extLst>
+          </p:cNvPr>
           <p:cNvSpPr>
             <a:spLocks noGrp="1"/>
           </p:cNvSpPr>
@@ -5258,17 +3316,15 @@
         </p:nvSpPr>
         <p:spPr>
           <a:xfrm>
-            <a:off x="508001" y="1123953"/>
-            <a:ext cx="2890896" cy="958850"/>
+            <a:off x="629841" y="342900"/>
+            <a:ext cx="2949178" cy="1200150"/>
           </a:xfrm>
         </p:spPr>
         <p:txBody>
-          <a:bodyPr anchor="b">
-            <a:normAutofit/>
-          </a:bodyPr>
+          <a:bodyPr anchor="b"/>
           <a:lstStyle>
             <a:lvl1pPr>
-              <a:defRPr sz="1500"/>
+              <a:defRPr sz="2400"/>
             </a:lvl1pPr>
           </a:lstStyle>
           <a:p>
@@ -5276,13 +3332,19 @@
               <a:rPr lang="en-US"/>
               <a:t>Click to edit Master title style</a:t>
             </a:r>
-            <a:endParaRPr lang="en-US" dirty="0"/>
+            <a:endParaRPr lang="en-AU"/>
           </a:p>
         </p:txBody>
       </p:sp>
       <p:sp>
         <p:nvSpPr>
-          <p:cNvPr id="3" name="Content Placeholder 2"/>
+          <p:cNvPr id="3" name="Content Placeholder 2">
+            <a:extLst>
+              <a:ext uri="{FF2B5EF4-FFF2-40B4-BE49-F238E27FC236}">
+                <a16:creationId xmlns:a16="http://schemas.microsoft.com/office/drawing/2014/main" id="{A0611965-7262-A1B7-A2A0-562544A6903E}"/>
+              </a:ext>
+            </a:extLst>
+          </p:cNvPr>
           <p:cNvSpPr>
             <a:spLocks noGrp="1"/>
           </p:cNvSpPr>
@@ -5292,15 +3354,41 @@
         </p:nvSpPr>
         <p:spPr>
           <a:xfrm>
-            <a:off x="3570346" y="386193"/>
-            <a:ext cx="3385156" cy="4144828"/>
+            <a:off x="3887391" y="740569"/>
+            <a:ext cx="4629150" cy="3655219"/>
           </a:xfrm>
         </p:spPr>
         <p:txBody>
-          <a:bodyPr>
-            <a:normAutofit/>
-          </a:bodyPr>
-          <a:lstStyle/>
+          <a:bodyPr/>
+          <a:lstStyle>
+            <a:lvl1pPr>
+              <a:defRPr sz="2400"/>
+            </a:lvl1pPr>
+            <a:lvl2pPr>
+              <a:defRPr sz="2100"/>
+            </a:lvl2pPr>
+            <a:lvl3pPr>
+              <a:defRPr sz="1800"/>
+            </a:lvl3pPr>
+            <a:lvl4pPr>
+              <a:defRPr sz="1500"/>
+            </a:lvl4pPr>
+            <a:lvl5pPr>
+              <a:defRPr sz="1500"/>
+            </a:lvl5pPr>
+            <a:lvl6pPr>
+              <a:defRPr sz="1500"/>
+            </a:lvl6pPr>
+            <a:lvl7pPr>
+              <a:defRPr sz="1500"/>
+            </a:lvl7pPr>
+            <a:lvl8pPr>
+              <a:defRPr sz="1500"/>
+            </a:lvl8pPr>
+            <a:lvl9pPr>
+              <a:defRPr sz="1500"/>
+            </a:lvl9pPr>
+          </a:lstStyle>
           <a:p>
             <a:pPr lvl="0"/>
             <a:r>
@@ -5335,13 +3423,19 @@
               <a:rPr lang="en-US"/>
               <a:t>Fifth level</a:t>
             </a:r>
-            <a:endParaRPr lang="en-US" dirty="0"/>
+            <a:endParaRPr lang="en-AU"/>
           </a:p>
         </p:txBody>
       </p:sp>
       <p:sp>
         <p:nvSpPr>
-          <p:cNvPr id="4" name="Text Placeholder 3"/>
+          <p:cNvPr id="4" name="Text Placeholder 3">
+            <a:extLst>
+              <a:ext uri="{FF2B5EF4-FFF2-40B4-BE49-F238E27FC236}">
+                <a16:creationId xmlns:a16="http://schemas.microsoft.com/office/drawing/2014/main" id="{89A43276-E700-6052-0131-94487CFC3EC8}"/>
+              </a:ext>
+            </a:extLst>
+          </p:cNvPr>
           <p:cNvSpPr>
             <a:spLocks noGrp="1"/>
           </p:cNvSpPr>
@@ -5351,48 +3445,46 @@
         </p:nvSpPr>
         <p:spPr>
           <a:xfrm>
-            <a:off x="508001" y="2082802"/>
-            <a:ext cx="2890896" cy="1938337"/>
+            <a:off x="629841" y="1543050"/>
+            <a:ext cx="2949178" cy="2858691"/>
           </a:xfrm>
         </p:spPr>
         <p:txBody>
-          <a:bodyPr>
-            <a:normAutofit/>
-          </a:bodyPr>
+          <a:bodyPr/>
           <a:lstStyle>
             <a:lvl1pPr marL="0" indent="0">
               <a:buNone/>
-              <a:defRPr sz="1050"/>
+              <a:defRPr sz="1200"/>
             </a:lvl1pPr>
-            <a:lvl2pPr marL="342797" indent="0">
+            <a:lvl2pPr marL="342900" indent="0">
               <a:buNone/>
               <a:defRPr sz="1050"/>
             </a:lvl2pPr>
-            <a:lvl3pPr marL="685595" indent="0">
+            <a:lvl3pPr marL="685800" indent="0">
               <a:buNone/>
               <a:defRPr sz="900"/>
             </a:lvl3pPr>
-            <a:lvl4pPr marL="1028392" indent="0">
+            <a:lvl4pPr marL="1028700" indent="0">
               <a:buNone/>
               <a:defRPr sz="750"/>
             </a:lvl4pPr>
-            <a:lvl5pPr marL="1371188" indent="0">
+            <a:lvl5pPr marL="1371600" indent="0">
               <a:buNone/>
               <a:defRPr sz="750"/>
             </a:lvl5pPr>
-            <a:lvl6pPr marL="1713986" indent="0">
+            <a:lvl6pPr marL="1714500" indent="0">
               <a:buNone/>
               <a:defRPr sz="750"/>
             </a:lvl6pPr>
-            <a:lvl7pPr marL="2056783" indent="0">
+            <a:lvl7pPr marL="2057400" indent="0">
               <a:buNone/>
               <a:defRPr sz="750"/>
             </a:lvl7pPr>
-            <a:lvl8pPr marL="2399580" indent="0">
+            <a:lvl8pPr marL="2400300" indent="0">
               <a:buNone/>
               <a:defRPr sz="750"/>
             </a:lvl8pPr>
-            <a:lvl9pPr marL="2742377" indent="0">
+            <a:lvl9pPr marL="2743200" indent="0">
               <a:buNone/>
               <a:defRPr sz="750"/>
             </a:lvl9pPr>
@@ -5408,7 +3500,13 @@
       </p:sp>
       <p:sp>
         <p:nvSpPr>
-          <p:cNvPr id="5" name="Date Placeholder 4"/>
+          <p:cNvPr id="5" name="Date Placeholder 4">
+            <a:extLst>
+              <a:ext uri="{FF2B5EF4-FFF2-40B4-BE49-F238E27FC236}">
+                <a16:creationId xmlns:a16="http://schemas.microsoft.com/office/drawing/2014/main" id="{0CBDF7EF-551C-603D-5D2C-3442B4D524BF}"/>
+              </a:ext>
+            </a:extLst>
+          </p:cNvPr>
           <p:cNvSpPr>
             <a:spLocks noGrp="1"/>
           </p:cNvSpPr>
@@ -5431,7 +3529,13 @@
       </p:sp>
       <p:sp>
         <p:nvSpPr>
-          <p:cNvPr id="6" name="Footer Placeholder 5"/>
+          <p:cNvPr id="6" name="Footer Placeholder 5">
+            <a:extLst>
+              <a:ext uri="{FF2B5EF4-FFF2-40B4-BE49-F238E27FC236}">
+                <a16:creationId xmlns:a16="http://schemas.microsoft.com/office/drawing/2014/main" id="{BA4430E6-11B4-75A0-C0B3-06011DE44D3D}"/>
+              </a:ext>
+            </a:extLst>
+          </p:cNvPr>
           <p:cNvSpPr>
             <a:spLocks noGrp="1"/>
           </p:cNvSpPr>
@@ -5454,7 +3558,13 @@
       </p:sp>
       <p:sp>
         <p:nvSpPr>
-          <p:cNvPr id="7" name="Slide Number Placeholder 6"/>
+          <p:cNvPr id="7" name="Slide Number Placeholder 6">
+            <a:extLst>
+              <a:ext uri="{FF2B5EF4-FFF2-40B4-BE49-F238E27FC236}">
+                <a16:creationId xmlns:a16="http://schemas.microsoft.com/office/drawing/2014/main" id="{6DB08093-5E75-DE15-EB07-66E5BFF952A3}"/>
+              </a:ext>
+            </a:extLst>
+          </p:cNvPr>
           <p:cNvSpPr>
             <a:spLocks noGrp="1"/>
           </p:cNvSpPr>
@@ -5487,7 +3597,7 @@
     </p:spTree>
     <p:extLst>
       <p:ext uri="{BB962C8B-B14F-4D97-AF65-F5344CB8AC3E}">
-        <p14:creationId xmlns:p14="http://schemas.microsoft.com/office/powerpoint/2010/main" val="510973185"/>
+        <p14:creationId xmlns:p14="http://schemas.microsoft.com/office/powerpoint/2010/main" val="3362219516"/>
       </p:ext>
     </p:extLst>
   </p:cSld>
@@ -5516,7 +3626,13 @@
       </p:grpSpPr>
       <p:sp>
         <p:nvSpPr>
-          <p:cNvPr id="2" name="Title 1"/>
+          <p:cNvPr id="2" name="Title 1">
+            <a:extLst>
+              <a:ext uri="{FF2B5EF4-FFF2-40B4-BE49-F238E27FC236}">
+                <a16:creationId xmlns:a16="http://schemas.microsoft.com/office/drawing/2014/main" id="{0A9E53B4-25FD-BB97-326B-BBE7BFC55D4B}"/>
+              </a:ext>
+            </a:extLst>
+          </p:cNvPr>
           <p:cNvSpPr>
             <a:spLocks noGrp="1"/>
           </p:cNvSpPr>
@@ -5526,17 +3642,15 @@
         </p:nvSpPr>
         <p:spPr>
           <a:xfrm>
-            <a:off x="508001" y="3600450"/>
-            <a:ext cx="6447500" cy="425054"/>
+            <a:off x="629841" y="342900"/>
+            <a:ext cx="2949178" cy="1200150"/>
           </a:xfrm>
         </p:spPr>
         <p:txBody>
-          <a:bodyPr anchor="b">
-            <a:normAutofit/>
-          </a:bodyPr>
+          <a:bodyPr anchor="b"/>
           <a:lstStyle>
-            <a:lvl1pPr algn="l">
-              <a:defRPr sz="1800" b="0"/>
+            <a:lvl1pPr>
+              <a:defRPr sz="2400"/>
             </a:lvl1pPr>
           </a:lstStyle>
           <a:p>
@@ -5544,15 +3658,21 @@
               <a:rPr lang="en-US"/>
               <a:t>Click to edit Master title style</a:t>
             </a:r>
-            <a:endParaRPr lang="en-US" dirty="0"/>
+            <a:endParaRPr lang="en-AU"/>
           </a:p>
         </p:txBody>
       </p:sp>
       <p:sp>
         <p:nvSpPr>
-          <p:cNvPr id="3" name="Picture Placeholder 2"/>
+          <p:cNvPr id="3" name="Picture Placeholder 2">
+            <a:extLst>
+              <a:ext uri="{FF2B5EF4-FFF2-40B4-BE49-F238E27FC236}">
+                <a16:creationId xmlns:a16="http://schemas.microsoft.com/office/drawing/2014/main" id="{A106A208-6A65-7395-592C-D2D2F43B1276}"/>
+              </a:ext>
+            </a:extLst>
+          </p:cNvPr>
           <p:cNvSpPr>
-            <a:spLocks noGrp="1" noChangeAspect="1"/>
+            <a:spLocks noGrp="1"/>
           </p:cNvSpPr>
           <p:nvPr>
             <p:ph type="pic" idx="1"/>
@@ -5560,64 +3680,64 @@
         </p:nvSpPr>
         <p:spPr>
           <a:xfrm>
-            <a:off x="508001" y="457200"/>
-            <a:ext cx="6447501" cy="2884289"/>
+            <a:off x="3887391" y="740569"/>
+            <a:ext cx="4629150" cy="3655219"/>
           </a:xfrm>
         </p:spPr>
         <p:txBody>
-          <a:bodyPr anchor="t">
-            <a:normAutofit/>
-          </a:bodyPr>
+          <a:bodyPr/>
           <a:lstStyle>
-            <a:lvl1pPr marL="0" indent="0" algn="ctr">
+            <a:lvl1pPr marL="0" indent="0">
               <a:buNone/>
-              <a:defRPr sz="1200"/>
+              <a:defRPr sz="2400"/>
             </a:lvl1pPr>
             <a:lvl2pPr marL="342900" indent="0">
               <a:buNone/>
-              <a:defRPr sz="1200"/>
+              <a:defRPr sz="2100"/>
             </a:lvl2pPr>
             <a:lvl3pPr marL="685800" indent="0">
               <a:buNone/>
-              <a:defRPr sz="1200"/>
+              <a:defRPr sz="1800"/>
             </a:lvl3pPr>
             <a:lvl4pPr marL="1028700" indent="0">
               <a:buNone/>
-              <a:defRPr sz="1200"/>
+              <a:defRPr sz="1500"/>
             </a:lvl4pPr>
             <a:lvl5pPr marL="1371600" indent="0">
               <a:buNone/>
-              <a:defRPr sz="1200"/>
+              <a:defRPr sz="1500"/>
             </a:lvl5pPr>
             <a:lvl6pPr marL="1714500" indent="0">
               <a:buNone/>
-              <a:defRPr sz="1200"/>
+              <a:defRPr sz="1500"/>
             </a:lvl6pPr>
             <a:lvl7pPr marL="2057400" indent="0">
               <a:buNone/>
-              <a:defRPr sz="1200"/>
+              <a:defRPr sz="1500"/>
             </a:lvl7pPr>
             <a:lvl8pPr marL="2400300" indent="0">
               <a:buNone/>
-              <a:defRPr sz="1200"/>
+              <a:defRPr sz="1500"/>
             </a:lvl8pPr>
             <a:lvl9pPr marL="2743200" indent="0">
               <a:buNone/>
-              <a:defRPr sz="1200"/>
+              <a:defRPr sz="1500"/>
             </a:lvl9pPr>
           </a:lstStyle>
           <a:p>
-            <a:r>
-              <a:rPr lang="en-US"/>
-              <a:t>Click icon to add picture</a:t>
-            </a:r>
-            <a:endParaRPr lang="en-US" dirty="0"/>
+            <a:endParaRPr lang="en-AU"/>
           </a:p>
         </p:txBody>
       </p:sp>
       <p:sp>
         <p:nvSpPr>
-          <p:cNvPr id="4" name="Text Placeholder 3"/>
+          <p:cNvPr id="4" name="Text Placeholder 3">
+            <a:extLst>
+              <a:ext uri="{FF2B5EF4-FFF2-40B4-BE49-F238E27FC236}">
+                <a16:creationId xmlns:a16="http://schemas.microsoft.com/office/drawing/2014/main" id="{9CDE081C-1E01-BE56-23C3-361251ADD2D7}"/>
+              </a:ext>
+            </a:extLst>
+          </p:cNvPr>
           <p:cNvSpPr>
             <a:spLocks noGrp="1"/>
           </p:cNvSpPr>
@@ -5627,50 +3747,48 @@
         </p:nvSpPr>
         <p:spPr>
           <a:xfrm>
-            <a:off x="508001" y="4025504"/>
-            <a:ext cx="6447500" cy="505518"/>
+            <a:off x="629841" y="1543050"/>
+            <a:ext cx="2949178" cy="2858691"/>
           </a:xfrm>
         </p:spPr>
         <p:txBody>
-          <a:bodyPr>
-            <a:normAutofit/>
-          </a:bodyPr>
+          <a:bodyPr/>
           <a:lstStyle>
             <a:lvl1pPr marL="0" indent="0">
               <a:buNone/>
-              <a:defRPr sz="900"/>
+              <a:defRPr sz="1200"/>
             </a:lvl1pPr>
             <a:lvl2pPr marL="342900" indent="0">
               <a:buNone/>
-              <a:defRPr sz="900"/>
+              <a:defRPr sz="1050"/>
             </a:lvl2pPr>
             <a:lvl3pPr marL="685800" indent="0">
               <a:buNone/>
-              <a:defRPr sz="750"/>
+              <a:defRPr sz="900"/>
             </a:lvl3pPr>
             <a:lvl4pPr marL="1028700" indent="0">
               <a:buNone/>
-              <a:defRPr sz="675"/>
+              <a:defRPr sz="750"/>
             </a:lvl4pPr>
             <a:lvl5pPr marL="1371600" indent="0">
               <a:buNone/>
-              <a:defRPr sz="675"/>
+              <a:defRPr sz="750"/>
             </a:lvl5pPr>
             <a:lvl6pPr marL="1714500" indent="0">
               <a:buNone/>
-              <a:defRPr sz="675"/>
+              <a:defRPr sz="750"/>
             </a:lvl6pPr>
             <a:lvl7pPr marL="2057400" indent="0">
               <a:buNone/>
-              <a:defRPr sz="675"/>
+              <a:defRPr sz="750"/>
             </a:lvl7pPr>
             <a:lvl8pPr marL="2400300" indent="0">
               <a:buNone/>
-              <a:defRPr sz="675"/>
+              <a:defRPr sz="750"/>
             </a:lvl8pPr>
             <a:lvl9pPr marL="2743200" indent="0">
               <a:buNone/>
-              <a:defRPr sz="675"/>
+              <a:defRPr sz="750"/>
             </a:lvl9pPr>
           </a:lstStyle>
           <a:p>
@@ -5684,7 +3802,13 @@
       </p:sp>
       <p:sp>
         <p:nvSpPr>
-          <p:cNvPr id="5" name="Date Placeholder 4"/>
+          <p:cNvPr id="5" name="Date Placeholder 4">
+            <a:extLst>
+              <a:ext uri="{FF2B5EF4-FFF2-40B4-BE49-F238E27FC236}">
+                <a16:creationId xmlns:a16="http://schemas.microsoft.com/office/drawing/2014/main" id="{6284CCCE-7EC7-A23B-B509-ADF2BBB564FB}"/>
+              </a:ext>
+            </a:extLst>
+          </p:cNvPr>
           <p:cNvSpPr>
             <a:spLocks noGrp="1"/>
           </p:cNvSpPr>
@@ -5707,7 +3831,13 @@
       </p:sp>
       <p:sp>
         <p:nvSpPr>
-          <p:cNvPr id="6" name="Footer Placeholder 5"/>
+          <p:cNvPr id="6" name="Footer Placeholder 5">
+            <a:extLst>
+              <a:ext uri="{FF2B5EF4-FFF2-40B4-BE49-F238E27FC236}">
+                <a16:creationId xmlns:a16="http://schemas.microsoft.com/office/drawing/2014/main" id="{9C08ED69-6457-7DAA-F15B-AC679BA56C3C}"/>
+              </a:ext>
+            </a:extLst>
+          </p:cNvPr>
           <p:cNvSpPr>
             <a:spLocks noGrp="1"/>
           </p:cNvSpPr>
@@ -5730,7 +3860,13 @@
       </p:sp>
       <p:sp>
         <p:nvSpPr>
-          <p:cNvPr id="7" name="Slide Number Placeholder 6"/>
+          <p:cNvPr id="7" name="Slide Number Placeholder 6">
+            <a:extLst>
+              <a:ext uri="{FF2B5EF4-FFF2-40B4-BE49-F238E27FC236}">
+                <a16:creationId xmlns:a16="http://schemas.microsoft.com/office/drawing/2014/main" id="{7E9C3990-023B-31C7-B1A6-03D42C1A222F}"/>
+              </a:ext>
+            </a:extLst>
+          </p:cNvPr>
           <p:cNvSpPr>
             <a:spLocks noGrp="1"/>
           </p:cNvSpPr>
@@ -5763,7 +3899,7 @@
     </p:spTree>
     <p:extLst>
       <p:ext uri="{BB962C8B-B14F-4D97-AF65-F5344CB8AC3E}">
-        <p14:creationId xmlns:p14="http://schemas.microsoft.com/office/powerpoint/2010/main" val="666151732"/>
+        <p14:creationId xmlns:p14="http://schemas.microsoft.com/office/powerpoint/2010/main" val="2139989895"/>
       </p:ext>
     </p:extLst>
   </p:cSld>
@@ -5777,9 +3913,36 @@
 <p:sldMaster xmlns:a="http://schemas.openxmlformats.org/drawingml/2006/main" xmlns:r="http://schemas.openxmlformats.org/officeDocument/2006/relationships" xmlns:p="http://schemas.openxmlformats.org/presentationml/2006/main">
   <p:cSld>
     <p:bg>
-      <p:bgRef idx="1001">
-        <a:schemeClr val="bg1"/>
-      </p:bgRef>
+      <p:bgPr>
+        <a:gradFill flip="none" rotWithShape="1">
+          <a:gsLst>
+            <a:gs pos="0">
+              <a:schemeClr val="accent6"/>
+            </a:gs>
+            <a:gs pos="74000">
+              <a:schemeClr val="accent1">
+                <a:lumMod val="45000"/>
+                <a:lumOff val="55000"/>
+              </a:schemeClr>
+            </a:gs>
+            <a:gs pos="83000">
+              <a:schemeClr val="accent1">
+                <a:lumMod val="45000"/>
+                <a:lumOff val="55000"/>
+              </a:schemeClr>
+            </a:gs>
+            <a:gs pos="100000">
+              <a:schemeClr val="accent1">
+                <a:lumMod val="30000"/>
+                <a:lumOff val="70000"/>
+              </a:schemeClr>
+            </a:gs>
+          </a:gsLst>
+          <a:lin ang="5400000" scaled="1"/>
+          <a:tileRect/>
+        </a:gradFill>
+        <a:effectLst/>
+      </p:bgPr>
     </p:bg>
     <p:spTree>
       <p:nvGrpSpPr>
@@ -5795,539 +3958,15 @@
           <a:chExt cx="0" cy="0"/>
         </a:xfrm>
       </p:grpSpPr>
-      <p:grpSp>
-        <p:nvGrpSpPr>
-          <p:cNvPr id="7" name="Group 6"/>
-          <p:cNvGrpSpPr/>
-          <p:nvPr/>
-        </p:nvGrpSpPr>
-        <p:grpSpPr>
-          <a:xfrm>
-            <a:off x="0" y="-6350"/>
-            <a:ext cx="9144000" cy="5149850"/>
-            <a:chOff x="0" y="-8467"/>
-            <a:chExt cx="12192000" cy="6866467"/>
-          </a:xfrm>
-        </p:grpSpPr>
-        <p:cxnSp>
-          <p:nvCxnSpPr>
-            <p:cNvPr id="20" name="Straight Connector 19"/>
-            <p:cNvCxnSpPr/>
-            <p:nvPr/>
-          </p:nvCxnSpPr>
-          <p:spPr>
-            <a:xfrm>
-              <a:off x="9371012" y="0"/>
-              <a:ext cx="1219200" cy="6858000"/>
-            </a:xfrm>
-            <a:prstGeom prst="line">
-              <a:avLst/>
-            </a:prstGeom>
-            <a:ln w="9525">
-              <a:solidFill>
-                <a:schemeClr val="bg1">
-                  <a:lumMod val="75000"/>
-                </a:schemeClr>
-              </a:solidFill>
-            </a:ln>
-          </p:spPr>
-          <p:style>
-            <a:lnRef idx="2">
-              <a:schemeClr val="accent1"/>
-            </a:lnRef>
-            <a:fillRef idx="0">
-              <a:schemeClr val="accent1"/>
-            </a:fillRef>
-            <a:effectRef idx="1">
-              <a:schemeClr val="accent1"/>
-            </a:effectRef>
-            <a:fontRef idx="minor">
-              <a:schemeClr val="tx1"/>
-            </a:fontRef>
-          </p:style>
-        </p:cxnSp>
-        <p:cxnSp>
-          <p:nvCxnSpPr>
-            <p:cNvPr id="21" name="Straight Connector 20"/>
-            <p:cNvCxnSpPr/>
-            <p:nvPr/>
-          </p:nvCxnSpPr>
-          <p:spPr>
-            <a:xfrm flipH="1">
-              <a:off x="7425267" y="3681413"/>
-              <a:ext cx="4763558" cy="3176587"/>
-            </a:xfrm>
-            <a:prstGeom prst="line">
-              <a:avLst/>
-            </a:prstGeom>
-            <a:ln w="9525">
-              <a:solidFill>
-                <a:schemeClr val="bg1">
-                  <a:lumMod val="85000"/>
-                </a:schemeClr>
-              </a:solidFill>
-            </a:ln>
-          </p:spPr>
-          <p:style>
-            <a:lnRef idx="2">
-              <a:schemeClr val="accent1"/>
-            </a:lnRef>
-            <a:fillRef idx="0">
-              <a:schemeClr val="accent1"/>
-            </a:fillRef>
-            <a:effectRef idx="1">
-              <a:schemeClr val="accent1"/>
-            </a:effectRef>
-            <a:fontRef idx="minor">
-              <a:schemeClr val="tx1"/>
-            </a:fontRef>
-          </p:style>
-        </p:cxnSp>
-        <p:sp>
-          <p:nvSpPr>
-            <p:cNvPr id="22" name="Rectangle 23"/>
-            <p:cNvSpPr/>
-            <p:nvPr/>
-          </p:nvSpPr>
-          <p:spPr>
-            <a:xfrm>
-              <a:off x="9181476" y="-8467"/>
-              <a:ext cx="3007349" cy="6866467"/>
-            </a:xfrm>
-            <a:custGeom>
-              <a:avLst/>
-              <a:gdLst/>
-              <a:ahLst/>
-              <a:cxnLst/>
-              <a:rect l="l" t="t" r="r" b="b"/>
-              <a:pathLst>
-                <a:path w="3007349" h="6866467">
-                  <a:moveTo>
-                    <a:pt x="2045532" y="0"/>
-                  </a:moveTo>
-                  <a:lnTo>
-                    <a:pt x="3007349" y="0"/>
-                  </a:lnTo>
-                  <a:lnTo>
-                    <a:pt x="3007349" y="6866467"/>
-                  </a:lnTo>
-                  <a:lnTo>
-                    <a:pt x="0" y="6866467"/>
-                  </a:lnTo>
-                  <a:lnTo>
-                    <a:pt x="2045532" y="0"/>
-                  </a:lnTo>
-                  <a:close/>
-                </a:path>
-              </a:pathLst>
-            </a:custGeom>
-            <a:solidFill>
-              <a:schemeClr val="accent1">
-                <a:alpha val="30000"/>
-              </a:schemeClr>
-            </a:solidFill>
-            <a:ln>
-              <a:noFill/>
-            </a:ln>
-            <a:effectLst/>
-          </p:spPr>
-          <p:style>
-            <a:lnRef idx="1">
-              <a:schemeClr val="accent1"/>
-            </a:lnRef>
-            <a:fillRef idx="3">
-              <a:schemeClr val="accent1"/>
-            </a:fillRef>
-            <a:effectRef idx="2">
-              <a:schemeClr val="accent1"/>
-            </a:effectRef>
-            <a:fontRef idx="minor">
-              <a:schemeClr val="lt1"/>
-            </a:fontRef>
-          </p:style>
-        </p:sp>
-        <p:sp>
-          <p:nvSpPr>
-            <p:cNvPr id="23" name="Rectangle 25"/>
-            <p:cNvSpPr/>
-            <p:nvPr/>
-          </p:nvSpPr>
-          <p:spPr>
-            <a:xfrm>
-              <a:off x="9603442" y="-8467"/>
-              <a:ext cx="2588558" cy="6866467"/>
-            </a:xfrm>
-            <a:custGeom>
-              <a:avLst/>
-              <a:gdLst/>
-              <a:ahLst/>
-              <a:cxnLst/>
-              <a:rect l="l" t="t" r="r" b="b"/>
-              <a:pathLst>
-                <a:path w="2573311" h="6866467">
-                  <a:moveTo>
-                    <a:pt x="0" y="0"/>
-                  </a:moveTo>
-                  <a:lnTo>
-                    <a:pt x="2573311" y="0"/>
-                  </a:lnTo>
-                  <a:lnTo>
-                    <a:pt x="2573311" y="6866467"/>
-                  </a:lnTo>
-                  <a:lnTo>
-                    <a:pt x="1202336" y="6866467"/>
-                  </a:lnTo>
-                  <a:lnTo>
-                    <a:pt x="0" y="0"/>
-                  </a:lnTo>
-                  <a:close/>
-                </a:path>
-              </a:pathLst>
-            </a:custGeom>
-            <a:solidFill>
-              <a:schemeClr val="accent1">
-                <a:alpha val="20000"/>
-              </a:schemeClr>
-            </a:solidFill>
-            <a:ln>
-              <a:noFill/>
-            </a:ln>
-            <a:effectLst/>
-          </p:spPr>
-          <p:style>
-            <a:lnRef idx="1">
-              <a:schemeClr val="accent1"/>
-            </a:lnRef>
-            <a:fillRef idx="3">
-              <a:schemeClr val="accent1"/>
-            </a:fillRef>
-            <a:effectRef idx="2">
-              <a:schemeClr val="accent1"/>
-            </a:effectRef>
-            <a:fontRef idx="minor">
-              <a:schemeClr val="lt1"/>
-            </a:fontRef>
-          </p:style>
-        </p:sp>
-        <p:sp>
-          <p:nvSpPr>
-            <p:cNvPr id="24" name="Isosceles Triangle 23"/>
-            <p:cNvSpPr/>
-            <p:nvPr/>
-          </p:nvSpPr>
-          <p:spPr>
-            <a:xfrm>
-              <a:off x="8932333" y="3048000"/>
-              <a:ext cx="3259667" cy="3810000"/>
-            </a:xfrm>
-            <a:prstGeom prst="triangle">
-              <a:avLst>
-                <a:gd name="adj" fmla="val 100000"/>
-              </a:avLst>
-            </a:prstGeom>
-            <a:solidFill>
-              <a:schemeClr val="accent2">
-                <a:alpha val="72000"/>
-              </a:schemeClr>
-            </a:solidFill>
-            <a:ln>
-              <a:noFill/>
-            </a:ln>
-            <a:effectLst/>
-          </p:spPr>
-          <p:style>
-            <a:lnRef idx="1">
-              <a:schemeClr val="accent1"/>
-            </a:lnRef>
-            <a:fillRef idx="3">
-              <a:schemeClr val="accent1"/>
-            </a:fillRef>
-            <a:effectRef idx="2">
-              <a:schemeClr val="accent1"/>
-            </a:effectRef>
-            <a:fontRef idx="minor">
-              <a:schemeClr val="lt1"/>
-            </a:fontRef>
-          </p:style>
-        </p:sp>
-        <p:sp>
-          <p:nvSpPr>
-            <p:cNvPr id="25" name="Rectangle 27"/>
-            <p:cNvSpPr/>
-            <p:nvPr/>
-          </p:nvSpPr>
-          <p:spPr>
-            <a:xfrm>
-              <a:off x="9334500" y="-8467"/>
-              <a:ext cx="2854326" cy="6866467"/>
-            </a:xfrm>
-            <a:custGeom>
-              <a:avLst/>
-              <a:gdLst/>
-              <a:ahLst/>
-              <a:cxnLst/>
-              <a:rect l="l" t="t" r="r" b="b"/>
-              <a:pathLst>
-                <a:path w="2858013" h="6866467">
-                  <a:moveTo>
-                    <a:pt x="0" y="0"/>
-                  </a:moveTo>
-                  <a:lnTo>
-                    <a:pt x="2858013" y="0"/>
-                  </a:lnTo>
-                  <a:lnTo>
-                    <a:pt x="2858013" y="6866467"/>
-                  </a:lnTo>
-                  <a:lnTo>
-                    <a:pt x="2473942" y="6866467"/>
-                  </a:lnTo>
-                  <a:lnTo>
-                    <a:pt x="0" y="0"/>
-                  </a:lnTo>
-                  <a:close/>
-                </a:path>
-              </a:pathLst>
-            </a:custGeom>
-            <a:solidFill>
-              <a:schemeClr val="accent2">
-                <a:lumMod val="75000"/>
-                <a:alpha val="70000"/>
-              </a:schemeClr>
-            </a:solidFill>
-            <a:ln>
-              <a:noFill/>
-            </a:ln>
-            <a:effectLst/>
-          </p:spPr>
-          <p:style>
-            <a:lnRef idx="1">
-              <a:schemeClr val="accent1"/>
-            </a:lnRef>
-            <a:fillRef idx="3">
-              <a:schemeClr val="accent1"/>
-            </a:fillRef>
-            <a:effectRef idx="2">
-              <a:schemeClr val="accent1"/>
-            </a:effectRef>
-            <a:fontRef idx="minor">
-              <a:schemeClr val="lt1"/>
-            </a:fontRef>
-          </p:style>
-        </p:sp>
-        <p:sp>
-          <p:nvSpPr>
-            <p:cNvPr id="26" name="Rectangle 28"/>
-            <p:cNvSpPr/>
-            <p:nvPr/>
-          </p:nvSpPr>
-          <p:spPr>
-            <a:xfrm>
-              <a:off x="10898730" y="-8467"/>
-              <a:ext cx="1290094" cy="6866467"/>
-            </a:xfrm>
-            <a:custGeom>
-              <a:avLst/>
-              <a:gdLst/>
-              <a:ahLst/>
-              <a:cxnLst/>
-              <a:rect l="l" t="t" r="r" b="b"/>
-              <a:pathLst>
-                <a:path w="1290094" h="6858000">
-                  <a:moveTo>
-                    <a:pt x="1019735" y="0"/>
-                  </a:moveTo>
-                  <a:lnTo>
-                    <a:pt x="1290094" y="0"/>
-                  </a:lnTo>
-                  <a:lnTo>
-                    <a:pt x="1290094" y="6858000"/>
-                  </a:lnTo>
-                  <a:lnTo>
-                    <a:pt x="0" y="6858000"/>
-                  </a:lnTo>
-                  <a:lnTo>
-                    <a:pt x="1019735" y="0"/>
-                  </a:lnTo>
-                  <a:close/>
-                </a:path>
-              </a:pathLst>
-            </a:custGeom>
-            <a:solidFill>
-              <a:schemeClr val="accent1">
-                <a:lumMod val="60000"/>
-                <a:lumOff val="40000"/>
-                <a:alpha val="70000"/>
-              </a:schemeClr>
-            </a:solidFill>
-            <a:ln>
-              <a:noFill/>
-            </a:ln>
-            <a:effectLst/>
-          </p:spPr>
-          <p:style>
-            <a:lnRef idx="1">
-              <a:schemeClr val="accent1"/>
-            </a:lnRef>
-            <a:fillRef idx="3">
-              <a:schemeClr val="accent1"/>
-            </a:fillRef>
-            <a:effectRef idx="2">
-              <a:schemeClr val="accent1"/>
-            </a:effectRef>
-            <a:fontRef idx="minor">
-              <a:schemeClr val="lt1"/>
-            </a:fontRef>
-          </p:style>
-        </p:sp>
-        <p:sp>
-          <p:nvSpPr>
-            <p:cNvPr id="27" name="Rectangle 29"/>
-            <p:cNvSpPr/>
-            <p:nvPr/>
-          </p:nvSpPr>
-          <p:spPr>
-            <a:xfrm>
-              <a:off x="10938999" y="-8467"/>
-              <a:ext cx="1249825" cy="6866467"/>
-            </a:xfrm>
-            <a:custGeom>
-              <a:avLst/>
-              <a:gdLst/>
-              <a:ahLst/>
-              <a:cxnLst/>
-              <a:rect l="l" t="t" r="r" b="b"/>
-              <a:pathLst>
-                <a:path w="1249825" h="6858000">
-                  <a:moveTo>
-                    <a:pt x="0" y="0"/>
-                  </a:moveTo>
-                  <a:lnTo>
-                    <a:pt x="1249825" y="0"/>
-                  </a:lnTo>
-                  <a:lnTo>
-                    <a:pt x="1249825" y="6858000"/>
-                  </a:lnTo>
-                  <a:lnTo>
-                    <a:pt x="1109382" y="6858000"/>
-                  </a:lnTo>
-                  <a:lnTo>
-                    <a:pt x="0" y="0"/>
-                  </a:lnTo>
-                  <a:close/>
-                </a:path>
-              </a:pathLst>
-            </a:custGeom>
-            <a:solidFill>
-              <a:schemeClr val="accent1">
-                <a:alpha val="65000"/>
-              </a:schemeClr>
-            </a:solidFill>
-            <a:ln>
-              <a:noFill/>
-            </a:ln>
-            <a:effectLst/>
-          </p:spPr>
-          <p:style>
-            <a:lnRef idx="1">
-              <a:schemeClr val="accent1"/>
-            </a:lnRef>
-            <a:fillRef idx="3">
-              <a:schemeClr val="accent1"/>
-            </a:fillRef>
-            <a:effectRef idx="2">
-              <a:schemeClr val="accent1"/>
-            </a:effectRef>
-            <a:fontRef idx="minor">
-              <a:schemeClr val="lt1"/>
-            </a:fontRef>
-          </p:style>
-        </p:sp>
-        <p:sp>
-          <p:nvSpPr>
-            <p:cNvPr id="28" name="Isosceles Triangle 27"/>
-            <p:cNvSpPr/>
-            <p:nvPr/>
-          </p:nvSpPr>
-          <p:spPr>
-            <a:xfrm>
-              <a:off x="10371666" y="3589867"/>
-              <a:ext cx="1817159" cy="3268133"/>
-            </a:xfrm>
-            <a:prstGeom prst="triangle">
-              <a:avLst>
-                <a:gd name="adj" fmla="val 100000"/>
-              </a:avLst>
-            </a:prstGeom>
-            <a:solidFill>
-              <a:schemeClr val="accent1">
-                <a:alpha val="80000"/>
-              </a:schemeClr>
-            </a:solidFill>
-            <a:ln>
-              <a:noFill/>
-            </a:ln>
-            <a:effectLst/>
-          </p:spPr>
-          <p:style>
-            <a:lnRef idx="1">
-              <a:schemeClr val="accent1"/>
-            </a:lnRef>
-            <a:fillRef idx="3">
-              <a:schemeClr val="accent1"/>
-            </a:fillRef>
-            <a:effectRef idx="2">
-              <a:schemeClr val="accent1"/>
-            </a:effectRef>
-            <a:fontRef idx="minor">
-              <a:schemeClr val="lt1"/>
-            </a:fontRef>
-          </p:style>
-        </p:sp>
-        <p:sp>
-          <p:nvSpPr>
-            <p:cNvPr id="29" name="Isosceles Triangle 28"/>
-            <p:cNvSpPr/>
-            <p:nvPr/>
-          </p:nvSpPr>
-          <p:spPr>
-            <a:xfrm>
-              <a:off x="0" y="4013200"/>
-              <a:ext cx="448733" cy="2844800"/>
-            </a:xfrm>
-            <a:prstGeom prst="triangle">
-              <a:avLst>
-                <a:gd name="adj" fmla="val 0"/>
-              </a:avLst>
-            </a:prstGeom>
-            <a:solidFill>
-              <a:schemeClr val="accent1">
-                <a:alpha val="85000"/>
-              </a:schemeClr>
-            </a:solidFill>
-            <a:ln>
-              <a:noFill/>
-            </a:ln>
-            <a:effectLst/>
-          </p:spPr>
-          <p:style>
-            <a:lnRef idx="1">
-              <a:schemeClr val="accent1"/>
-            </a:lnRef>
-            <a:fillRef idx="3">
-              <a:schemeClr val="accent1"/>
-            </a:fillRef>
-            <a:effectRef idx="2">
-              <a:schemeClr val="accent1"/>
-            </a:effectRef>
-            <a:fontRef idx="minor">
-              <a:schemeClr val="lt1"/>
-            </a:fontRef>
-          </p:style>
-        </p:sp>
-      </p:grpSp>
       <p:sp>
         <p:nvSpPr>
-          <p:cNvPr id="2" name="Title Placeholder 1"/>
+          <p:cNvPr id="2" name="Title Placeholder 1">
+            <a:extLst>
+              <a:ext uri="{FF2B5EF4-FFF2-40B4-BE49-F238E27FC236}">
+                <a16:creationId xmlns:a16="http://schemas.microsoft.com/office/drawing/2014/main" id="{00A25DC8-EED2-D281-CE38-298348411E3D}"/>
+              </a:ext>
+            </a:extLst>
+          </p:cNvPr>
           <p:cNvSpPr>
             <a:spLocks noGrp="1"/>
           </p:cNvSpPr>
@@ -6337,15 +3976,15 @@
         </p:nvSpPr>
         <p:spPr>
           <a:xfrm>
-            <a:off x="508001" y="457200"/>
-            <a:ext cx="6447501" cy="990600"/>
+            <a:off x="628650" y="273844"/>
+            <a:ext cx="7886700" cy="994172"/>
           </a:xfrm>
           <a:prstGeom prst="rect">
             <a:avLst/>
           </a:prstGeom>
         </p:spPr>
         <p:txBody>
-          <a:bodyPr vert="horz" lIns="91440" tIns="45720" rIns="91440" bIns="45720" rtlCol="0" anchor="t">
+          <a:bodyPr vert="horz" lIns="91440" tIns="45720" rIns="91440" bIns="45720" rtlCol="0" anchor="ctr">
             <a:normAutofit/>
           </a:bodyPr>
           <a:lstStyle/>
@@ -6354,13 +3993,19 @@
               <a:rPr lang="en-US"/>
               <a:t>Click to edit Master title style</a:t>
             </a:r>
-            <a:endParaRPr lang="en-US" dirty="0"/>
+            <a:endParaRPr lang="en-AU"/>
           </a:p>
         </p:txBody>
       </p:sp>
       <p:sp>
         <p:nvSpPr>
-          <p:cNvPr id="3" name="Text Placeholder 2"/>
+          <p:cNvPr id="3" name="Text Placeholder 2">
+            <a:extLst>
+              <a:ext uri="{FF2B5EF4-FFF2-40B4-BE49-F238E27FC236}">
+                <a16:creationId xmlns:a16="http://schemas.microsoft.com/office/drawing/2014/main" id="{42492F06-7E85-362D-6932-6342372BD4CB}"/>
+              </a:ext>
+            </a:extLst>
+          </p:cNvPr>
           <p:cNvSpPr>
             <a:spLocks noGrp="1"/>
           </p:cNvSpPr>
@@ -6370,8 +4015,8 @@
         </p:nvSpPr>
         <p:spPr>
           <a:xfrm>
-            <a:off x="508001" y="1620442"/>
-            <a:ext cx="6447501" cy="2910580"/>
+            <a:off x="628650" y="1369219"/>
+            <a:ext cx="7886700" cy="3263504"/>
           </a:xfrm>
           <a:prstGeom prst="rect">
             <a:avLst/>
@@ -6416,13 +4061,19 @@
               <a:rPr lang="en-US"/>
               <a:t>Fifth level</a:t>
             </a:r>
-            <a:endParaRPr lang="en-US" dirty="0"/>
+            <a:endParaRPr lang="en-AU"/>
           </a:p>
         </p:txBody>
       </p:sp>
       <p:sp>
         <p:nvSpPr>
-          <p:cNvPr id="4" name="Date Placeholder 3"/>
+          <p:cNvPr id="4" name="Date Placeholder 3">
+            <a:extLst>
+              <a:ext uri="{FF2B5EF4-FFF2-40B4-BE49-F238E27FC236}">
+                <a16:creationId xmlns:a16="http://schemas.microsoft.com/office/drawing/2014/main" id="{16718940-77B0-3A4B-BE5F-9AED26230779}"/>
+              </a:ext>
+            </a:extLst>
+          </p:cNvPr>
           <p:cNvSpPr>
             <a:spLocks noGrp="1"/>
           </p:cNvSpPr>
@@ -6432,8 +4083,102 @@
         </p:nvSpPr>
         <p:spPr>
           <a:xfrm>
-            <a:off x="5403850" y="4531022"/>
-            <a:ext cx="683954" cy="273844"/>
+            <a:off x="628650" y="4767263"/>
+            <a:ext cx="2057400" cy="273844"/>
+          </a:xfrm>
+          <a:prstGeom prst="rect">
+            <a:avLst/>
+          </a:prstGeom>
+        </p:spPr>
+        <p:txBody>
+          <a:bodyPr vert="horz" lIns="91440" tIns="45720" rIns="91440" bIns="45720" rtlCol="0" anchor="ctr"/>
+          <a:lstStyle>
+            <a:lvl1pPr algn="l">
+              <a:defRPr sz="900">
+                <a:solidFill>
+                  <a:schemeClr val="tx1">
+                    <a:tint val="75000"/>
+                  </a:schemeClr>
+                </a:solidFill>
+              </a:defRPr>
+            </a:lvl1pPr>
+          </a:lstStyle>
+          <a:p>
+            <a:r>
+              <a:rPr lang="en-US"/>
+              <a:t>28/09/2023</a:t>
+            </a:r>
+            <a:endParaRPr lang="en-IN" dirty="0"/>
+          </a:p>
+        </p:txBody>
+      </p:sp>
+      <p:sp>
+        <p:nvSpPr>
+          <p:cNvPr id="5" name="Footer Placeholder 4">
+            <a:extLst>
+              <a:ext uri="{FF2B5EF4-FFF2-40B4-BE49-F238E27FC236}">
+                <a16:creationId xmlns:a16="http://schemas.microsoft.com/office/drawing/2014/main" id="{9A7CA987-D2E3-A2D4-6BDA-70569AEDF49B}"/>
+              </a:ext>
+            </a:extLst>
+          </p:cNvPr>
+          <p:cNvSpPr>
+            <a:spLocks noGrp="1"/>
+          </p:cNvSpPr>
+          <p:nvPr>
+            <p:ph type="ftr" sz="quarter" idx="3"/>
+          </p:nvPr>
+        </p:nvSpPr>
+        <p:spPr>
+          <a:xfrm>
+            <a:off x="3028950" y="4767263"/>
+            <a:ext cx="3086100" cy="273844"/>
+          </a:xfrm>
+          <a:prstGeom prst="rect">
+            <a:avLst/>
+          </a:prstGeom>
+        </p:spPr>
+        <p:txBody>
+          <a:bodyPr vert="horz" lIns="91440" tIns="45720" rIns="91440" bIns="45720" rtlCol="0" anchor="ctr"/>
+          <a:lstStyle>
+            <a:lvl1pPr algn="ctr">
+              <a:defRPr sz="900">
+                <a:solidFill>
+                  <a:schemeClr val="tx1">
+                    <a:tint val="75000"/>
+                  </a:schemeClr>
+                </a:solidFill>
+              </a:defRPr>
+            </a:lvl1pPr>
+          </a:lstStyle>
+          <a:p>
+            <a:r>
+              <a:rPr lang="en-IN"/>
+              <a:t>TSE Custom Initializr</a:t>
+            </a:r>
+            <a:endParaRPr lang="en-IN" dirty="0"/>
+          </a:p>
+        </p:txBody>
+      </p:sp>
+      <p:sp>
+        <p:nvSpPr>
+          <p:cNvPr id="6" name="Slide Number Placeholder 5">
+            <a:extLst>
+              <a:ext uri="{FF2B5EF4-FFF2-40B4-BE49-F238E27FC236}">
+                <a16:creationId xmlns:a16="http://schemas.microsoft.com/office/drawing/2014/main" id="{5EB3FD3F-B661-C47C-553F-3893466A319C}"/>
+              </a:ext>
+            </a:extLst>
+          </p:cNvPr>
+          <p:cNvSpPr>
+            <a:spLocks noGrp="1"/>
+          </p:cNvSpPr>
+          <p:nvPr>
+            <p:ph type="sldNum" sz="quarter" idx="4"/>
+          </p:nvPr>
+        </p:nvSpPr>
+        <p:spPr>
+          <a:xfrm>
+            <a:off x="6457950" y="4767263"/>
+            <a:ext cx="2057400" cy="273844"/>
           </a:xfrm>
           <a:prstGeom prst="rect">
             <a:avLst/>
@@ -6443,91 +4188,11 @@
           <a:bodyPr vert="horz" lIns="91440" tIns="45720" rIns="91440" bIns="45720" rtlCol="0" anchor="ctr"/>
           <a:lstStyle>
             <a:lvl1pPr algn="r">
-              <a:defRPr sz="675">
+              <a:defRPr sz="900">
                 <a:solidFill>
                   <a:schemeClr val="tx1">
                     <a:tint val="75000"/>
                   </a:schemeClr>
-                </a:solidFill>
-              </a:defRPr>
-            </a:lvl1pPr>
-          </a:lstStyle>
-          <a:p>
-            <a:r>
-              <a:rPr lang="en-US"/>
-              <a:t>28/09/2023</a:t>
-            </a:r>
-            <a:endParaRPr lang="en-IN" dirty="0"/>
-          </a:p>
-        </p:txBody>
-      </p:sp>
-      <p:sp>
-        <p:nvSpPr>
-          <p:cNvPr id="5" name="Footer Placeholder 4"/>
-          <p:cNvSpPr>
-            <a:spLocks noGrp="1"/>
-          </p:cNvSpPr>
-          <p:nvPr>
-            <p:ph type="ftr" sz="quarter" idx="3"/>
-          </p:nvPr>
-        </p:nvSpPr>
-        <p:spPr>
-          <a:xfrm>
-            <a:off x="508001" y="4531022"/>
-            <a:ext cx="4723209" cy="273844"/>
-          </a:xfrm>
-          <a:prstGeom prst="rect">
-            <a:avLst/>
-          </a:prstGeom>
-        </p:spPr>
-        <p:txBody>
-          <a:bodyPr vert="horz" lIns="91440" tIns="45720" rIns="91440" bIns="45720" rtlCol="0" anchor="ctr"/>
-          <a:lstStyle>
-            <a:lvl1pPr algn="l">
-              <a:defRPr sz="675">
-                <a:solidFill>
-                  <a:schemeClr val="tx1">
-                    <a:tint val="75000"/>
-                  </a:schemeClr>
-                </a:solidFill>
-              </a:defRPr>
-            </a:lvl1pPr>
-          </a:lstStyle>
-          <a:p>
-            <a:r>
-              <a:rPr lang="en-IN"/>
-              <a:t>TSE Custom Initializr</a:t>
-            </a:r>
-            <a:endParaRPr lang="en-IN" dirty="0"/>
-          </a:p>
-        </p:txBody>
-      </p:sp>
-      <p:sp>
-        <p:nvSpPr>
-          <p:cNvPr id="6" name="Slide Number Placeholder 5"/>
-          <p:cNvSpPr>
-            <a:spLocks noGrp="1"/>
-          </p:cNvSpPr>
-          <p:nvPr>
-            <p:ph type="sldNum" sz="quarter" idx="4"/>
-          </p:nvPr>
-        </p:nvSpPr>
-        <p:spPr>
-          <a:xfrm>
-            <a:off x="6442998" y="4531022"/>
-            <a:ext cx="512504" cy="273844"/>
-          </a:xfrm>
-          <a:prstGeom prst="rect">
-            <a:avLst/>
-          </a:prstGeom>
-        </p:spPr>
-        <p:txBody>
-          <a:bodyPr vert="horz" lIns="91440" tIns="45720" rIns="91440" bIns="45720" rtlCol="0" anchor="ctr"/>
-          <a:lstStyle>
-            <a:lvl1pPr algn="r">
-              <a:defRPr sz="675">
-                <a:solidFill>
-                  <a:schemeClr val="accent1"/>
                 </a:solidFill>
               </a:defRPr>
             </a:lvl1pPr>
@@ -6552,10 +4217,10 @@
       </p:sp>
       <p:sp>
         <p:nvSpPr>
-          <p:cNvPr id="8" name="TextBox 7">
-            <a:extLst>
-              <a:ext uri="{FF2B5EF4-FFF2-40B4-BE49-F238E27FC236}">
-                <a16:creationId xmlns:a16="http://schemas.microsoft.com/office/drawing/2014/main" id="{03735EED-EF5B-EBA3-B4BC-835CF103E88B}"/>
+          <p:cNvPr id="7" name="TextBox 6">
+            <a:extLst>
+              <a:ext uri="{FF2B5EF4-FFF2-40B4-BE49-F238E27FC236}">
+                <a16:creationId xmlns:a16="http://schemas.microsoft.com/office/drawing/2014/main" id="{747F3008-C535-C8FA-BC07-C5CB2F757A67}"/>
               </a:ext>
             </a:extLst>
           </p:cNvPr>
@@ -6600,323 +4265,202 @@
     </p:spTree>
     <p:extLst>
       <p:ext uri="{BB962C8B-B14F-4D97-AF65-F5344CB8AC3E}">
-        <p14:creationId xmlns:p14="http://schemas.microsoft.com/office/powerpoint/2010/main" val="3981745307"/>
+        <p14:creationId xmlns:p14="http://schemas.microsoft.com/office/powerpoint/2010/main" val="2963296516"/>
       </p:ext>
     </p:extLst>
   </p:cSld>
   <p:clrMap bg1="lt1" tx1="dk1" bg2="lt2" tx2="dk2" accent1="accent1" accent2="accent2" accent3="accent3" accent4="accent4" accent5="accent5" accent6="accent6" hlink="hlink" folHlink="folHlink"/>
   <p:sldLayoutIdLst>
-    <p:sldLayoutId id="2147483816" r:id="rId1"/>
-    <p:sldLayoutId id="2147483817" r:id="rId2"/>
-    <p:sldLayoutId id="2147483818" r:id="rId3"/>
-    <p:sldLayoutId id="2147483819" r:id="rId4"/>
-    <p:sldLayoutId id="2147483820" r:id="rId5"/>
-    <p:sldLayoutId id="2147483821" r:id="rId6"/>
-    <p:sldLayoutId id="2147483822" r:id="rId7"/>
-    <p:sldLayoutId id="2147483823" r:id="rId8"/>
-    <p:sldLayoutId id="2147483824" r:id="rId9"/>
-    <p:sldLayoutId id="2147483825" r:id="rId10"/>
-    <p:sldLayoutId id="2147483826" r:id="rId11"/>
-    <p:sldLayoutId id="2147483827" r:id="rId12"/>
-    <p:sldLayoutId id="2147483828" r:id="rId13"/>
-    <p:sldLayoutId id="2147483829" r:id="rId14"/>
-    <p:sldLayoutId id="2147483830" r:id="rId15"/>
-    <p:sldLayoutId id="2147483831" r:id="rId16"/>
+    <p:sldLayoutId id="2147484347" r:id="rId1"/>
+    <p:sldLayoutId id="2147484348" r:id="rId2"/>
+    <p:sldLayoutId id="2147484349" r:id="rId3"/>
+    <p:sldLayoutId id="2147484350" r:id="rId4"/>
+    <p:sldLayoutId id="2147484351" r:id="rId5"/>
+    <p:sldLayoutId id="2147484352" r:id="rId6"/>
+    <p:sldLayoutId id="2147484353" r:id="rId7"/>
+    <p:sldLayoutId id="2147484354" r:id="rId8"/>
+    <p:sldLayoutId id="2147484355" r:id="rId9"/>
+    <p:sldLayoutId id="2147484356" r:id="rId10"/>
+    <p:sldLayoutId id="2147484357" r:id="rId11"/>
   </p:sldLayoutIdLst>
   <p:hf hdr="0"/>
   <p:txStyles>
     <p:titleStyle>
-      <a:lvl1pPr algn="l" defTabSz="342900" rtl="0" eaLnBrk="1" latinLnBrk="0" hangingPunct="1">
+      <a:lvl1pPr algn="l" defTabSz="685800" rtl="0" eaLnBrk="1" latinLnBrk="0" hangingPunct="1">
+        <a:lnSpc>
+          <a:spcPct val="90000"/>
+        </a:lnSpc>
         <a:spcBef>
           <a:spcPct val="0"/>
         </a:spcBef>
         <a:buNone/>
-        <a:defRPr sz="2700" kern="1200">
+        <a:defRPr sz="3300" kern="1200">
           <a:solidFill>
-            <a:schemeClr val="accent1"/>
+            <a:schemeClr val="tx1"/>
           </a:solidFill>
           <a:latin typeface="+mj-lt"/>
           <a:ea typeface="+mj-ea"/>
           <a:cs typeface="+mj-cs"/>
         </a:defRPr>
       </a:lvl1pPr>
-      <a:lvl2pPr eaLnBrk="1" hangingPunct="1">
-        <a:defRPr>
-          <a:solidFill>
-            <a:schemeClr val="tx2"/>
-          </a:solidFill>
-        </a:defRPr>
-      </a:lvl2pPr>
-      <a:lvl3pPr eaLnBrk="1" hangingPunct="1">
-        <a:defRPr>
-          <a:solidFill>
-            <a:schemeClr val="tx2"/>
-          </a:solidFill>
-        </a:defRPr>
-      </a:lvl3pPr>
-      <a:lvl4pPr eaLnBrk="1" hangingPunct="1">
-        <a:defRPr>
-          <a:solidFill>
-            <a:schemeClr val="tx2"/>
-          </a:solidFill>
-        </a:defRPr>
-      </a:lvl4pPr>
-      <a:lvl5pPr eaLnBrk="1" hangingPunct="1">
-        <a:defRPr>
-          <a:solidFill>
-            <a:schemeClr val="tx2"/>
-          </a:solidFill>
-        </a:defRPr>
-      </a:lvl5pPr>
-      <a:lvl6pPr eaLnBrk="1" hangingPunct="1">
-        <a:defRPr>
-          <a:solidFill>
-            <a:schemeClr val="tx2"/>
-          </a:solidFill>
-        </a:defRPr>
-      </a:lvl6pPr>
-      <a:lvl7pPr eaLnBrk="1" hangingPunct="1">
-        <a:defRPr>
-          <a:solidFill>
-            <a:schemeClr val="tx2"/>
-          </a:solidFill>
-        </a:defRPr>
-      </a:lvl7pPr>
-      <a:lvl8pPr eaLnBrk="1" hangingPunct="1">
-        <a:defRPr>
-          <a:solidFill>
-            <a:schemeClr val="tx2"/>
-          </a:solidFill>
-        </a:defRPr>
-      </a:lvl8pPr>
-      <a:lvl9pPr eaLnBrk="1" hangingPunct="1">
-        <a:defRPr>
-          <a:solidFill>
-            <a:schemeClr val="tx2"/>
-          </a:solidFill>
-        </a:defRPr>
-      </a:lvl9pPr>
     </p:titleStyle>
     <p:bodyStyle>
-      <a:lvl1pPr marL="257175" indent="-257175" algn="l" defTabSz="342900" rtl="0" eaLnBrk="1" latinLnBrk="0" hangingPunct="1">
+      <a:lvl1pPr marL="171450" indent="-171450" algn="l" defTabSz="685800" rtl="0" eaLnBrk="1" latinLnBrk="0" hangingPunct="1">
+        <a:lnSpc>
+          <a:spcPct val="90000"/>
+        </a:lnSpc>
         <a:spcBef>
           <a:spcPts val="750"/>
         </a:spcBef>
-        <a:spcAft>
-          <a:spcPts val="0"/>
-        </a:spcAft>
-        <a:buClr>
-          <a:schemeClr val="accent1"/>
-        </a:buClr>
-        <a:buSzPct val="80000"/>
-        <a:buFont typeface="Wingdings 3" charset="2"/>
-        <a:buChar char=""/>
-        <a:defRPr sz="1350" kern="1200">
+        <a:buFont typeface="Arial" panose="020B0604020202020204" pitchFamily="34" charset="0"/>
+        <a:buChar char="•"/>
+        <a:defRPr sz="2100" kern="1200">
           <a:solidFill>
-            <a:schemeClr val="tx1">
-              <a:lumMod val="75000"/>
-              <a:lumOff val="25000"/>
-            </a:schemeClr>
+            <a:schemeClr val="tx1"/>
           </a:solidFill>
           <a:latin typeface="+mn-lt"/>
           <a:ea typeface="+mn-ea"/>
           <a:cs typeface="+mn-cs"/>
         </a:defRPr>
       </a:lvl1pPr>
-      <a:lvl2pPr marL="557213" indent="-214313" algn="l" defTabSz="342900" rtl="0" eaLnBrk="1" latinLnBrk="0" hangingPunct="1">
+      <a:lvl2pPr marL="514350" indent="-171450" algn="l" defTabSz="685800" rtl="0" eaLnBrk="1" latinLnBrk="0" hangingPunct="1">
+        <a:lnSpc>
+          <a:spcPct val="90000"/>
+        </a:lnSpc>
         <a:spcBef>
-          <a:spcPts val="750"/>
+          <a:spcPts val="375"/>
         </a:spcBef>
-        <a:spcAft>
-          <a:spcPts val="0"/>
-        </a:spcAft>
-        <a:buClr>
-          <a:schemeClr val="accent1"/>
-        </a:buClr>
-        <a:buSzPct val="80000"/>
-        <a:buFont typeface="Wingdings 3" charset="2"/>
-        <a:buChar char=""/>
-        <a:defRPr sz="1200" kern="1200">
+        <a:buFont typeface="Arial" panose="020B0604020202020204" pitchFamily="34" charset="0"/>
+        <a:buChar char="•"/>
+        <a:defRPr sz="1800" kern="1200">
           <a:solidFill>
-            <a:schemeClr val="tx1">
-              <a:lumMod val="75000"/>
-              <a:lumOff val="25000"/>
-            </a:schemeClr>
+            <a:schemeClr val="tx1"/>
           </a:solidFill>
           <a:latin typeface="+mn-lt"/>
           <a:ea typeface="+mn-ea"/>
           <a:cs typeface="+mn-cs"/>
         </a:defRPr>
       </a:lvl2pPr>
-      <a:lvl3pPr marL="857250" indent="-171450" algn="l" defTabSz="342900" rtl="0" eaLnBrk="1" latinLnBrk="0" hangingPunct="1">
+      <a:lvl3pPr marL="857250" indent="-171450" algn="l" defTabSz="685800" rtl="0" eaLnBrk="1" latinLnBrk="0" hangingPunct="1">
+        <a:lnSpc>
+          <a:spcPct val="90000"/>
+        </a:lnSpc>
         <a:spcBef>
-          <a:spcPts val="750"/>
+          <a:spcPts val="375"/>
         </a:spcBef>
-        <a:spcAft>
-          <a:spcPts val="0"/>
-        </a:spcAft>
-        <a:buClr>
-          <a:schemeClr val="accent1"/>
-        </a:buClr>
-        <a:buSzPct val="80000"/>
-        <a:buFont typeface="Wingdings 3" charset="2"/>
-        <a:buChar char=""/>
-        <a:defRPr sz="1050" kern="1200">
+        <a:buFont typeface="Arial" panose="020B0604020202020204" pitchFamily="34" charset="0"/>
+        <a:buChar char="•"/>
+        <a:defRPr sz="1500" kern="1200">
           <a:solidFill>
-            <a:schemeClr val="tx1">
-              <a:lumMod val="75000"/>
-              <a:lumOff val="25000"/>
-            </a:schemeClr>
+            <a:schemeClr val="tx1"/>
           </a:solidFill>
           <a:latin typeface="+mn-lt"/>
           <a:ea typeface="+mn-ea"/>
           <a:cs typeface="+mn-cs"/>
         </a:defRPr>
       </a:lvl3pPr>
-      <a:lvl4pPr marL="1200150" indent="-171450" algn="l" defTabSz="342900" rtl="0" eaLnBrk="1" latinLnBrk="0" hangingPunct="1">
+      <a:lvl4pPr marL="1200150" indent="-171450" algn="l" defTabSz="685800" rtl="0" eaLnBrk="1" latinLnBrk="0" hangingPunct="1">
+        <a:lnSpc>
+          <a:spcPct val="90000"/>
+        </a:lnSpc>
         <a:spcBef>
-          <a:spcPts val="750"/>
+          <a:spcPts val="375"/>
         </a:spcBef>
-        <a:spcAft>
-          <a:spcPts val="0"/>
-        </a:spcAft>
-        <a:buClr>
-          <a:schemeClr val="accent1"/>
-        </a:buClr>
-        <a:buSzPct val="80000"/>
-        <a:buFont typeface="Wingdings 3" charset="2"/>
-        <a:buChar char=""/>
-        <a:defRPr sz="900" kern="1200">
+        <a:buFont typeface="Arial" panose="020B0604020202020204" pitchFamily="34" charset="0"/>
+        <a:buChar char="•"/>
+        <a:defRPr sz="1350" kern="1200">
           <a:solidFill>
-            <a:schemeClr val="tx1">
-              <a:lumMod val="75000"/>
-              <a:lumOff val="25000"/>
-            </a:schemeClr>
+            <a:schemeClr val="tx1"/>
           </a:solidFill>
           <a:latin typeface="+mn-lt"/>
           <a:ea typeface="+mn-ea"/>
           <a:cs typeface="+mn-cs"/>
         </a:defRPr>
       </a:lvl4pPr>
-      <a:lvl5pPr marL="1543050" indent="-171450" algn="l" defTabSz="342900" rtl="0" eaLnBrk="1" latinLnBrk="0" hangingPunct="1">
+      <a:lvl5pPr marL="1543050" indent="-171450" algn="l" defTabSz="685800" rtl="0" eaLnBrk="1" latinLnBrk="0" hangingPunct="1">
+        <a:lnSpc>
+          <a:spcPct val="90000"/>
+        </a:lnSpc>
         <a:spcBef>
-          <a:spcPts val="750"/>
+          <a:spcPts val="375"/>
         </a:spcBef>
-        <a:spcAft>
-          <a:spcPts val="0"/>
-        </a:spcAft>
-        <a:buClr>
-          <a:schemeClr val="accent1"/>
-        </a:buClr>
-        <a:buSzPct val="80000"/>
-        <a:buFont typeface="Wingdings 3" charset="2"/>
-        <a:buChar char=""/>
-        <a:defRPr sz="900" kern="1200">
+        <a:buFont typeface="Arial" panose="020B0604020202020204" pitchFamily="34" charset="0"/>
+        <a:buChar char="•"/>
+        <a:defRPr sz="1350" kern="1200">
           <a:solidFill>
-            <a:schemeClr val="tx1">
-              <a:lumMod val="75000"/>
-              <a:lumOff val="25000"/>
-            </a:schemeClr>
+            <a:schemeClr val="tx1"/>
           </a:solidFill>
           <a:latin typeface="+mn-lt"/>
           <a:ea typeface="+mn-ea"/>
           <a:cs typeface="+mn-cs"/>
         </a:defRPr>
       </a:lvl5pPr>
-      <a:lvl6pPr marL="1885950" indent="-171450" algn="l" defTabSz="342900" rtl="0" eaLnBrk="1" latinLnBrk="0" hangingPunct="1">
+      <a:lvl6pPr marL="1885950" indent="-171450" algn="l" defTabSz="685800" rtl="0" eaLnBrk="1" latinLnBrk="0" hangingPunct="1">
+        <a:lnSpc>
+          <a:spcPct val="90000"/>
+        </a:lnSpc>
         <a:spcBef>
-          <a:spcPts val="750"/>
+          <a:spcPts val="375"/>
         </a:spcBef>
-        <a:spcAft>
-          <a:spcPts val="0"/>
-        </a:spcAft>
-        <a:buClr>
-          <a:schemeClr val="accent1"/>
-        </a:buClr>
-        <a:buSzPct val="80000"/>
-        <a:buFont typeface="Wingdings 3" charset="2"/>
-        <a:buChar char=""/>
-        <a:defRPr sz="900" kern="1200">
+        <a:buFont typeface="Arial" panose="020B0604020202020204" pitchFamily="34" charset="0"/>
+        <a:buChar char="•"/>
+        <a:defRPr sz="1350" kern="1200">
           <a:solidFill>
-            <a:schemeClr val="tx1">
-              <a:lumMod val="75000"/>
-              <a:lumOff val="25000"/>
-            </a:schemeClr>
+            <a:schemeClr val="tx1"/>
           </a:solidFill>
           <a:latin typeface="+mn-lt"/>
           <a:ea typeface="+mn-ea"/>
           <a:cs typeface="+mn-cs"/>
         </a:defRPr>
       </a:lvl6pPr>
-      <a:lvl7pPr marL="2228850" indent="-171450" algn="l" defTabSz="342900" rtl="0" eaLnBrk="1" latinLnBrk="0" hangingPunct="1">
+      <a:lvl7pPr marL="2228850" indent="-171450" algn="l" defTabSz="685800" rtl="0" eaLnBrk="1" latinLnBrk="0" hangingPunct="1">
+        <a:lnSpc>
+          <a:spcPct val="90000"/>
+        </a:lnSpc>
         <a:spcBef>
-          <a:spcPts val="750"/>
+          <a:spcPts val="375"/>
         </a:spcBef>
-        <a:spcAft>
-          <a:spcPts val="0"/>
-        </a:spcAft>
-        <a:buClr>
-          <a:schemeClr val="accent1"/>
-        </a:buClr>
-        <a:buSzPct val="80000"/>
-        <a:buFont typeface="Wingdings 3" charset="2"/>
-        <a:buChar char=""/>
-        <a:defRPr sz="900" kern="1200">
+        <a:buFont typeface="Arial" panose="020B0604020202020204" pitchFamily="34" charset="0"/>
+        <a:buChar char="•"/>
+        <a:defRPr sz="1350" kern="1200">
           <a:solidFill>
-            <a:schemeClr val="tx1">
-              <a:lumMod val="75000"/>
-              <a:lumOff val="25000"/>
-            </a:schemeClr>
+            <a:schemeClr val="tx1"/>
           </a:solidFill>
           <a:latin typeface="+mn-lt"/>
           <a:ea typeface="+mn-ea"/>
           <a:cs typeface="+mn-cs"/>
         </a:defRPr>
       </a:lvl7pPr>
-      <a:lvl8pPr marL="2571750" indent="-171450" algn="l" defTabSz="342900" rtl="0" eaLnBrk="1" latinLnBrk="0" hangingPunct="1">
+      <a:lvl8pPr marL="2571750" indent="-171450" algn="l" defTabSz="685800" rtl="0" eaLnBrk="1" latinLnBrk="0" hangingPunct="1">
+        <a:lnSpc>
+          <a:spcPct val="90000"/>
+        </a:lnSpc>
         <a:spcBef>
-          <a:spcPts val="750"/>
+          <a:spcPts val="375"/>
         </a:spcBef>
-        <a:spcAft>
-          <a:spcPts val="0"/>
-        </a:spcAft>
-        <a:buClr>
-          <a:schemeClr val="accent1"/>
-        </a:buClr>
-        <a:buSzPct val="80000"/>
-        <a:buFont typeface="Wingdings 3" charset="2"/>
-        <a:buChar char=""/>
-        <a:defRPr sz="900" kern="1200">
+        <a:buFont typeface="Arial" panose="020B0604020202020204" pitchFamily="34" charset="0"/>
+        <a:buChar char="•"/>
+        <a:defRPr sz="1350" kern="1200">
           <a:solidFill>
-            <a:schemeClr val="tx1">
-              <a:lumMod val="75000"/>
-              <a:lumOff val="25000"/>
-            </a:schemeClr>
+            <a:schemeClr val="tx1"/>
           </a:solidFill>
           <a:latin typeface="+mn-lt"/>
           <a:ea typeface="+mn-ea"/>
           <a:cs typeface="+mn-cs"/>
         </a:defRPr>
       </a:lvl8pPr>
-      <a:lvl9pPr marL="2914650" indent="-171450" algn="l" defTabSz="342900" rtl="0" eaLnBrk="1" latinLnBrk="0" hangingPunct="1">
+      <a:lvl9pPr marL="2914650" indent="-171450" algn="l" defTabSz="685800" rtl="0" eaLnBrk="1" latinLnBrk="0" hangingPunct="1">
+        <a:lnSpc>
+          <a:spcPct val="90000"/>
+        </a:lnSpc>
         <a:spcBef>
-          <a:spcPts val="750"/>
+          <a:spcPts val="375"/>
         </a:spcBef>
-        <a:spcAft>
-          <a:spcPts val="0"/>
-        </a:spcAft>
-        <a:buClr>
-          <a:schemeClr val="accent1"/>
-        </a:buClr>
-        <a:buSzPct val="80000"/>
-        <a:buFont typeface="Wingdings 3" charset="2"/>
-        <a:buChar char=""/>
-        <a:defRPr sz="900" kern="1200">
+        <a:buFont typeface="Arial" panose="020B0604020202020204" pitchFamily="34" charset="0"/>
+        <a:buChar char="•"/>
+        <a:defRPr sz="1350" kern="1200">
           <a:solidFill>
-            <a:schemeClr val="tx1">
-              <a:lumMod val="75000"/>
-              <a:lumOff val="25000"/>
-            </a:schemeClr>
+            <a:schemeClr val="tx1"/>
           </a:solidFill>
           <a:latin typeface="+mn-lt"/>
           <a:ea typeface="+mn-ea"/>
@@ -6928,7 +4472,7 @@
       <a:defPPr>
         <a:defRPr lang="en-US"/>
       </a:defPPr>
-      <a:lvl1pPr marL="0" algn="l" defTabSz="342900" rtl="0" eaLnBrk="1" latinLnBrk="0" hangingPunct="1">
+      <a:lvl1pPr marL="0" algn="l" defTabSz="685800" rtl="0" eaLnBrk="1" latinLnBrk="0" hangingPunct="1">
         <a:defRPr sz="1350" kern="1200">
           <a:solidFill>
             <a:schemeClr val="tx1"/>
@@ -6938,7 +4482,7 @@
           <a:cs typeface="+mn-cs"/>
         </a:defRPr>
       </a:lvl1pPr>
-      <a:lvl2pPr marL="342900" algn="l" defTabSz="342900" rtl="0" eaLnBrk="1" latinLnBrk="0" hangingPunct="1">
+      <a:lvl2pPr marL="342900" algn="l" defTabSz="685800" rtl="0" eaLnBrk="1" latinLnBrk="0" hangingPunct="1">
         <a:defRPr sz="1350" kern="1200">
           <a:solidFill>
             <a:schemeClr val="tx1"/>
@@ -6948,7 +4492,7 @@
           <a:cs typeface="+mn-cs"/>
         </a:defRPr>
       </a:lvl2pPr>
-      <a:lvl3pPr marL="685800" algn="l" defTabSz="342900" rtl="0" eaLnBrk="1" latinLnBrk="0" hangingPunct="1">
+      <a:lvl3pPr marL="685800" algn="l" defTabSz="685800" rtl="0" eaLnBrk="1" latinLnBrk="0" hangingPunct="1">
         <a:defRPr sz="1350" kern="1200">
           <a:solidFill>
             <a:schemeClr val="tx1"/>
@@ -6958,7 +4502,7 @@
           <a:cs typeface="+mn-cs"/>
         </a:defRPr>
       </a:lvl3pPr>
-      <a:lvl4pPr marL="1028700" algn="l" defTabSz="342900" rtl="0" eaLnBrk="1" latinLnBrk="0" hangingPunct="1">
+      <a:lvl4pPr marL="1028700" algn="l" defTabSz="685800" rtl="0" eaLnBrk="1" latinLnBrk="0" hangingPunct="1">
         <a:defRPr sz="1350" kern="1200">
           <a:solidFill>
             <a:schemeClr val="tx1"/>
@@ -6968,7 +4512,7 @@
           <a:cs typeface="+mn-cs"/>
         </a:defRPr>
       </a:lvl4pPr>
-      <a:lvl5pPr marL="1371600" algn="l" defTabSz="342900" rtl="0" eaLnBrk="1" latinLnBrk="0" hangingPunct="1">
+      <a:lvl5pPr marL="1371600" algn="l" defTabSz="685800" rtl="0" eaLnBrk="1" latinLnBrk="0" hangingPunct="1">
         <a:defRPr sz="1350" kern="1200">
           <a:solidFill>
             <a:schemeClr val="tx1"/>
@@ -6978,7 +4522,7 @@
           <a:cs typeface="+mn-cs"/>
         </a:defRPr>
       </a:lvl5pPr>
-      <a:lvl6pPr marL="1714500" algn="l" defTabSz="342900" rtl="0" eaLnBrk="1" latinLnBrk="0" hangingPunct="1">
+      <a:lvl6pPr marL="1714500" algn="l" defTabSz="685800" rtl="0" eaLnBrk="1" latinLnBrk="0" hangingPunct="1">
         <a:defRPr sz="1350" kern="1200">
           <a:solidFill>
             <a:schemeClr val="tx1"/>
@@ -6988,7 +4532,7 @@
           <a:cs typeface="+mn-cs"/>
         </a:defRPr>
       </a:lvl6pPr>
-      <a:lvl7pPr marL="2057400" algn="l" defTabSz="342900" rtl="0" eaLnBrk="1" latinLnBrk="0" hangingPunct="1">
+      <a:lvl7pPr marL="2057400" algn="l" defTabSz="685800" rtl="0" eaLnBrk="1" latinLnBrk="0" hangingPunct="1">
         <a:defRPr sz="1350" kern="1200">
           <a:solidFill>
             <a:schemeClr val="tx1"/>
@@ -6998,7 +4542,7 @@
           <a:cs typeface="+mn-cs"/>
         </a:defRPr>
       </a:lvl7pPr>
-      <a:lvl8pPr marL="2400300" algn="l" defTabSz="342900" rtl="0" eaLnBrk="1" latinLnBrk="0" hangingPunct="1">
+      <a:lvl8pPr marL="2400300" algn="l" defTabSz="685800" rtl="0" eaLnBrk="1" latinLnBrk="0" hangingPunct="1">
         <a:defRPr sz="1350" kern="1200">
           <a:solidFill>
             <a:schemeClr val="tx1"/>
@@ -7008,7 +4552,7 @@
           <a:cs typeface="+mn-cs"/>
         </a:defRPr>
       </a:lvl8pPr>
-      <a:lvl9pPr marL="2743200" algn="l" defTabSz="342900" rtl="0" eaLnBrk="1" latinLnBrk="0" hangingPunct="1">
+      <a:lvl9pPr marL="2743200" algn="l" defTabSz="685800" rtl="0" eaLnBrk="1" latinLnBrk="0" hangingPunct="1">
         <a:defRPr sz="1350" kern="1200">
           <a:solidFill>
             <a:schemeClr val="tx1"/>
@@ -7087,26 +4631,27 @@
         <p:spPr/>
         <p:txBody>
           <a:bodyPr>
-            <a:normAutofit fontScale="92500" lnSpcReduction="10000"/>
+            <a:normAutofit/>
           </a:bodyPr>
           <a:lstStyle/>
           <a:p>
             <a:r>
-              <a:rPr lang="en-IN" b="1" dirty="0"/>
+              <a:rPr lang="en-IN" b="1"/>
               <a:t>GROUP 4:</a:t>
             </a:r>
           </a:p>
           <a:p>
             <a:r>
-              <a:rPr lang="en-IN" dirty="0"/>
+              <a:rPr lang="en-IN"/>
               <a:t>Tunir Chaudhuri, Akash Ranjan, Goutham Suresh, Rahul, Sunny Kumar</a:t>
             </a:r>
           </a:p>
           <a:p>
             <a:r>
-              <a:rPr lang="en-IN" dirty="0"/>
+              <a:rPr lang="en-IN"/>
               <a:t> </a:t>
             </a:r>
+            <a:endParaRPr lang="en-IN" dirty="0"/>
           </a:p>
         </p:txBody>
       </p:sp>
@@ -7132,7 +4677,7 @@
           <a:lstStyle/>
           <a:p>
             <a:r>
-              <a:rPr lang="en-US" b="1" dirty="0">
+              <a:rPr lang="en-US" b="1">
                 <a:solidFill>
                   <a:schemeClr val="tx1"/>
                 </a:solidFill>
@@ -7200,10 +4745,10 @@
           <p:nvPr/>
         </p:nvPicPr>
         <p:blipFill>
-          <a:blip r:embed="rId2">
+          <a:blip r:embed="rId3">
             <a:extLst>
               <a:ext uri="{837473B0-CC2E-450A-ABE3-18F120FF3D39}">
-                <a1611:picAttrSrcUrl xmlns:a1611="http://schemas.microsoft.com/office/drawing/2016/11/main" r:id="rId3"/>
+                <a1611:picAttrSrcUrl xmlns:a1611="http://schemas.microsoft.com/office/drawing/2016/11/main" r:id="rId4"/>
               </a:ext>
             </a:extLst>
           </a:blip>
@@ -7236,10 +4781,10 @@
           <p:nvPr/>
         </p:nvPicPr>
         <p:blipFill>
-          <a:blip r:embed="rId4">
+          <a:blip r:embed="rId5">
             <a:extLst>
               <a:ext uri="{837473B0-CC2E-450A-ABE3-18F120FF3D39}">
-                <a1611:picAttrSrcUrl xmlns:a1611="http://schemas.microsoft.com/office/drawing/2016/11/main" r:id="rId5"/>
+                <a1611:picAttrSrcUrl xmlns:a1611="http://schemas.microsoft.com/office/drawing/2016/11/main" r:id="rId6"/>
               </a:ext>
             </a:extLst>
           </a:blip>
@@ -7272,7 +4817,7 @@
           <p:nvPr/>
         </p:nvPicPr>
         <p:blipFill>
-          <a:blip r:embed="rId6"/>
+          <a:blip r:embed="rId7"/>
           <a:stretch>
             <a:fillRect/>
           </a:stretch>
@@ -7750,7 +5295,7 @@
         </p:spPr>
         <p:txBody>
           <a:bodyPr>
-            <a:normAutofit/>
+            <a:normAutofit fontScale="90000"/>
           </a:bodyPr>
           <a:lstStyle/>
           <a:p>
@@ -7788,7 +5333,9 @@
           </a:xfrm>
         </p:spPr>
         <p:txBody>
-          <a:bodyPr/>
+          <a:bodyPr>
+            <a:normAutofit lnSpcReduction="10000"/>
+          </a:bodyPr>
           <a:lstStyle/>
           <a:p>
             <a:pPr>
@@ -7801,9 +5348,8 @@
             </a:r>
           </a:p>
           <a:p>
-            <a:pPr>
-              <a:buFont typeface="Wingdings" panose="05000000000000000000" pitchFamily="2" charset="2"/>
-              <a:buChar char="Ø"/>
+            <a:pPr marL="0" indent="0">
+              <a:buNone/>
             </a:pPr>
             <a:endParaRPr lang="en-IN" dirty="0"/>
           </a:p>
@@ -7962,7 +5508,7 @@
         </p:blipFill>
         <p:spPr>
           <a:xfrm>
-            <a:off x="63006" y="2955935"/>
+            <a:off x="63006" y="3209965"/>
             <a:ext cx="471146" cy="471146"/>
           </a:xfrm>
           <a:prstGeom prst="rect">
@@ -7992,7 +5538,7 @@
         </p:blipFill>
         <p:spPr>
           <a:xfrm>
-            <a:off x="63006" y="3604328"/>
+            <a:off x="66229" y="3904373"/>
             <a:ext cx="509281" cy="434147"/>
           </a:xfrm>
           <a:prstGeom prst="rect">
@@ -8022,7 +5568,7 @@
         </p:blipFill>
         <p:spPr>
           <a:xfrm>
-            <a:off x="63006" y="2315498"/>
+            <a:off x="63006" y="2504986"/>
             <a:ext cx="512504" cy="512504"/>
           </a:xfrm>
           <a:prstGeom prst="rect">
@@ -8778,14 +6324,6 @@
 <file path=ppt/slides/slide11.xml><?xml version="1.0" encoding="utf-8"?>
 <p:sld xmlns:a="http://schemas.openxmlformats.org/drawingml/2006/main" xmlns:r="http://schemas.openxmlformats.org/officeDocument/2006/relationships" xmlns:p="http://schemas.openxmlformats.org/presentationml/2006/main">
   <p:cSld>
-    <p:bg>
-      <p:bgPr>
-        <a:solidFill>
-          <a:schemeClr val="lt1"/>
-        </a:solidFill>
-        <a:effectLst/>
-      </p:bgPr>
-    </p:bg>
     <p:spTree>
       <p:nvGrpSpPr>
         <p:cNvPr id="1" name="Shape 309"/>
@@ -9981,14 +7519,6 @@
 <file path=ppt/slides/slide2.xml><?xml version="1.0" encoding="utf-8"?>
 <p:sld xmlns:a="http://schemas.openxmlformats.org/drawingml/2006/main" xmlns:r="http://schemas.openxmlformats.org/officeDocument/2006/relationships" xmlns:p="http://schemas.openxmlformats.org/presentationml/2006/main">
   <p:cSld>
-    <p:bg>
-      <p:bgPr>
-        <a:solidFill>
-          <a:schemeClr val="lt1"/>
-        </a:solidFill>
-        <a:effectLst/>
-      </p:bgPr>
-    </p:bg>
     <p:spTree>
       <p:nvGrpSpPr>
         <p:cNvPr id="1" name=""/>
@@ -10027,7 +7557,7 @@
         </p:spPr>
         <p:txBody>
           <a:bodyPr>
-            <a:normAutofit/>
+            <a:normAutofit fontScale="90000"/>
           </a:bodyPr>
           <a:lstStyle/>
           <a:p>
@@ -10181,7 +7711,7 @@
         </p:nvSpPr>
         <p:spPr>
           <a:xfrm>
-            <a:off x="672626" y="1299008"/>
+            <a:off x="672626" y="1258910"/>
             <a:ext cx="6019301" cy="707886"/>
           </a:xfrm>
           <a:prstGeom prst="rect">
@@ -10219,6 +7749,109 @@
           </a:p>
         </p:txBody>
       </p:sp>
+      <p:graphicFrame>
+        <p:nvGraphicFramePr>
+          <p:cNvPr id="5" name="Table 4">
+            <a:extLst>
+              <a:ext uri="{FF2B5EF4-FFF2-40B4-BE49-F238E27FC236}">
+                <a16:creationId xmlns:a16="http://schemas.microsoft.com/office/drawing/2014/main" id="{D0172108-5CFA-C04D-2571-B0BB79AC981C}"/>
+              </a:ext>
+            </a:extLst>
+          </p:cNvPr>
+          <p:cNvGraphicFramePr>
+            <a:graphicFrameLocks noGrp="1"/>
+          </p:cNvGraphicFramePr>
+          <p:nvPr>
+            <p:extLst>
+              <p:ext uri="{D42A27DB-BD31-4B8C-83A1-F6EECF244321}">
+                <p14:modId xmlns:p14="http://schemas.microsoft.com/office/powerpoint/2010/main" val="4246952922"/>
+              </p:ext>
+            </p:extLst>
+          </p:nvPr>
+        </p:nvGraphicFramePr>
+        <p:xfrm>
+          <a:off x="284205" y="222422"/>
+          <a:ext cx="8569412" cy="4544842"/>
+        </p:xfrm>
+        <a:graphic>
+          <a:graphicData uri="http://schemas.openxmlformats.org/drawingml/2006/table">
+            <a:tbl>
+              <a:tblPr/>
+              <a:tblGrid>
+                <a:gridCol w="8569412">
+                  <a:extLst>
+                    <a:ext uri="{9D8B030D-6E8A-4147-A177-3AD203B41FA5}">
+                      <a16:colId xmlns:a16="http://schemas.microsoft.com/office/drawing/2014/main" val="934465038"/>
+                    </a:ext>
+                  </a:extLst>
+                </a:gridCol>
+              </a:tblGrid>
+              <a:tr h="4544842">
+                <a:tc>
+                  <a:txBody>
+                    <a:bodyPr/>
+                    <a:lstStyle/>
+                    <a:p>
+                      <a:endParaRPr lang="en-AU" dirty="0"/>
+                    </a:p>
+                  </a:txBody>
+                  <a:tcPr>
+                    <a:lnL w="38100" cap="flat" cmpd="sng" algn="ctr">
+                      <a:solidFill>
+                        <a:schemeClr val="tx1"/>
+                      </a:solidFill>
+                      <a:prstDash val="solid"/>
+                      <a:round/>
+                      <a:headEnd type="none" w="med" len="med"/>
+                      <a:tailEnd type="none" w="med" len="med"/>
+                    </a:lnL>
+                    <a:lnR w="38100" cap="flat" cmpd="sng" algn="ctr">
+                      <a:solidFill>
+                        <a:schemeClr val="tx1"/>
+                      </a:solidFill>
+                      <a:prstDash val="solid"/>
+                      <a:round/>
+                      <a:headEnd type="none" w="med" len="med"/>
+                      <a:tailEnd type="none" w="med" len="med"/>
+                    </a:lnR>
+                    <a:lnT w="38100" cap="flat" cmpd="sng" algn="ctr">
+                      <a:solidFill>
+                        <a:schemeClr val="tx1"/>
+                      </a:solidFill>
+                      <a:prstDash val="solid"/>
+                      <a:round/>
+                      <a:headEnd type="none" w="med" len="med"/>
+                      <a:tailEnd type="none" w="med" len="med"/>
+                    </a:lnT>
+                    <a:lnB w="38100" cap="flat" cmpd="sng" algn="ctr">
+                      <a:solidFill>
+                        <a:schemeClr val="tx1"/>
+                      </a:solidFill>
+                      <a:prstDash val="solid"/>
+                      <a:round/>
+                      <a:headEnd type="none" w="med" len="med"/>
+                      <a:tailEnd type="none" w="med" len="med"/>
+                    </a:lnB>
+                    <a:lnTlToBr w="12700" cmpd="sng">
+                      <a:noFill/>
+                      <a:prstDash val="solid"/>
+                    </a:lnTlToBr>
+                    <a:lnBlToTr w="12700" cmpd="sng">
+                      <a:noFill/>
+                      <a:prstDash val="solid"/>
+                    </a:lnBlToTr>
+                  </a:tcPr>
+                </a:tc>
+                <a:extLst>
+                  <a:ext uri="{0D108BD9-81ED-4DB2-BD59-A6C34878D82A}">
+                    <a16:rowId xmlns:a16="http://schemas.microsoft.com/office/drawing/2014/main" val="2214954538"/>
+                  </a:ext>
+                </a:extLst>
+              </a:tr>
+            </a:tbl>
+          </a:graphicData>
+        </a:graphic>
+      </p:graphicFrame>
     </p:spTree>
     <p:extLst>
       <p:ext uri="{BB962C8B-B14F-4D97-AF65-F5344CB8AC3E}">
@@ -10704,7 +8337,7 @@
         </p:spPr>
         <p:txBody>
           <a:bodyPr>
-            <a:normAutofit/>
+            <a:normAutofit fontScale="90000"/>
           </a:bodyPr>
           <a:lstStyle/>
           <a:p>
@@ -10865,6 +8498,109 @@
           </a:prstGeom>
         </p:spPr>
       </p:pic>
+      <p:graphicFrame>
+        <p:nvGraphicFramePr>
+          <p:cNvPr id="4" name="Table 3">
+            <a:extLst>
+              <a:ext uri="{FF2B5EF4-FFF2-40B4-BE49-F238E27FC236}">
+                <a16:creationId xmlns:a16="http://schemas.microsoft.com/office/drawing/2014/main" id="{D3D1A2F3-E789-70D3-E812-6815FA4DC84C}"/>
+              </a:ext>
+            </a:extLst>
+          </p:cNvPr>
+          <p:cNvGraphicFramePr>
+            <a:graphicFrameLocks noGrp="1"/>
+          </p:cNvGraphicFramePr>
+          <p:nvPr>
+            <p:extLst>
+              <p:ext uri="{D42A27DB-BD31-4B8C-83A1-F6EECF244321}">
+                <p14:modId xmlns:p14="http://schemas.microsoft.com/office/powerpoint/2010/main" val="3605375910"/>
+              </p:ext>
+            </p:extLst>
+          </p:nvPr>
+        </p:nvGraphicFramePr>
+        <p:xfrm>
+          <a:off x="284205" y="222422"/>
+          <a:ext cx="8569412" cy="4600127"/>
+        </p:xfrm>
+        <a:graphic>
+          <a:graphicData uri="http://schemas.openxmlformats.org/drawingml/2006/table">
+            <a:tbl>
+              <a:tblPr/>
+              <a:tblGrid>
+                <a:gridCol w="8569412">
+                  <a:extLst>
+                    <a:ext uri="{9D8B030D-6E8A-4147-A177-3AD203B41FA5}">
+                      <a16:colId xmlns:a16="http://schemas.microsoft.com/office/drawing/2014/main" val="934465038"/>
+                    </a:ext>
+                  </a:extLst>
+                </a:gridCol>
+              </a:tblGrid>
+              <a:tr h="4600127">
+                <a:tc>
+                  <a:txBody>
+                    <a:bodyPr/>
+                    <a:lstStyle/>
+                    <a:p>
+                      <a:endParaRPr lang="en-AU" dirty="0"/>
+                    </a:p>
+                  </a:txBody>
+                  <a:tcPr>
+                    <a:lnL w="38100" cap="flat" cmpd="sng" algn="ctr">
+                      <a:solidFill>
+                        <a:schemeClr val="tx1"/>
+                      </a:solidFill>
+                      <a:prstDash val="solid"/>
+                      <a:round/>
+                      <a:headEnd type="none" w="med" len="med"/>
+                      <a:tailEnd type="none" w="med" len="med"/>
+                    </a:lnL>
+                    <a:lnR w="38100" cap="flat" cmpd="sng" algn="ctr">
+                      <a:solidFill>
+                        <a:schemeClr val="tx1"/>
+                      </a:solidFill>
+                      <a:prstDash val="solid"/>
+                      <a:round/>
+                      <a:headEnd type="none" w="med" len="med"/>
+                      <a:tailEnd type="none" w="med" len="med"/>
+                    </a:lnR>
+                    <a:lnT w="38100" cap="flat" cmpd="sng" algn="ctr">
+                      <a:solidFill>
+                        <a:schemeClr val="tx1"/>
+                      </a:solidFill>
+                      <a:prstDash val="solid"/>
+                      <a:round/>
+                      <a:headEnd type="none" w="med" len="med"/>
+                      <a:tailEnd type="none" w="med" len="med"/>
+                    </a:lnT>
+                    <a:lnB w="38100" cap="flat" cmpd="sng" algn="ctr">
+                      <a:solidFill>
+                        <a:schemeClr val="tx1"/>
+                      </a:solidFill>
+                      <a:prstDash val="solid"/>
+                      <a:round/>
+                      <a:headEnd type="none" w="med" len="med"/>
+                      <a:tailEnd type="none" w="med" len="med"/>
+                    </a:lnB>
+                    <a:lnTlToBr w="12700" cmpd="sng">
+                      <a:noFill/>
+                      <a:prstDash val="solid"/>
+                    </a:lnTlToBr>
+                    <a:lnBlToTr w="12700" cmpd="sng">
+                      <a:noFill/>
+                      <a:prstDash val="solid"/>
+                    </a:lnBlToTr>
+                  </a:tcPr>
+                </a:tc>
+                <a:extLst>
+                  <a:ext uri="{0D108BD9-81ED-4DB2-BD59-A6C34878D82A}">
+                    <a16:rowId xmlns:a16="http://schemas.microsoft.com/office/drawing/2014/main" val="2214954538"/>
+                  </a:ext>
+                </a:extLst>
+              </a:tr>
+            </a:tbl>
+          </a:graphicData>
+        </a:graphic>
+      </p:graphicFrame>
     </p:spTree>
     <p:extLst>
       <p:ext uri="{BB962C8B-B14F-4D97-AF65-F5344CB8AC3E}">
@@ -11260,6 +8996,109 @@
           </a:prstGeom>
         </p:spPr>
       </p:pic>
+      <p:graphicFrame>
+        <p:nvGraphicFramePr>
+          <p:cNvPr id="2" name="Table 1">
+            <a:extLst>
+              <a:ext uri="{FF2B5EF4-FFF2-40B4-BE49-F238E27FC236}">
+                <a16:creationId xmlns:a16="http://schemas.microsoft.com/office/drawing/2014/main" id="{073D9802-B9B6-0329-CD3B-63E55893FE05}"/>
+              </a:ext>
+            </a:extLst>
+          </p:cNvPr>
+          <p:cNvGraphicFramePr>
+            <a:graphicFrameLocks noGrp="1"/>
+          </p:cNvGraphicFramePr>
+          <p:nvPr>
+            <p:extLst>
+              <p:ext uri="{D42A27DB-BD31-4B8C-83A1-F6EECF244321}">
+                <p14:modId xmlns:p14="http://schemas.microsoft.com/office/powerpoint/2010/main" val="3061017875"/>
+              </p:ext>
+            </p:extLst>
+          </p:nvPr>
+        </p:nvGraphicFramePr>
+        <p:xfrm>
+          <a:off x="284205" y="222422"/>
+          <a:ext cx="8569412" cy="4544842"/>
+        </p:xfrm>
+        <a:graphic>
+          <a:graphicData uri="http://schemas.openxmlformats.org/drawingml/2006/table">
+            <a:tbl>
+              <a:tblPr/>
+              <a:tblGrid>
+                <a:gridCol w="8569412">
+                  <a:extLst>
+                    <a:ext uri="{9D8B030D-6E8A-4147-A177-3AD203B41FA5}">
+                      <a16:colId xmlns:a16="http://schemas.microsoft.com/office/drawing/2014/main" val="934465038"/>
+                    </a:ext>
+                  </a:extLst>
+                </a:gridCol>
+              </a:tblGrid>
+              <a:tr h="4544842">
+                <a:tc>
+                  <a:txBody>
+                    <a:bodyPr/>
+                    <a:lstStyle/>
+                    <a:p>
+                      <a:endParaRPr lang="en-AU" dirty="0"/>
+                    </a:p>
+                  </a:txBody>
+                  <a:tcPr>
+                    <a:lnL w="38100" cap="flat" cmpd="sng" algn="ctr">
+                      <a:solidFill>
+                        <a:schemeClr val="tx1"/>
+                      </a:solidFill>
+                      <a:prstDash val="solid"/>
+                      <a:round/>
+                      <a:headEnd type="none" w="med" len="med"/>
+                      <a:tailEnd type="none" w="med" len="med"/>
+                    </a:lnL>
+                    <a:lnR w="38100" cap="flat" cmpd="sng" algn="ctr">
+                      <a:solidFill>
+                        <a:schemeClr val="tx1"/>
+                      </a:solidFill>
+                      <a:prstDash val="solid"/>
+                      <a:round/>
+                      <a:headEnd type="none" w="med" len="med"/>
+                      <a:tailEnd type="none" w="med" len="med"/>
+                    </a:lnR>
+                    <a:lnT w="38100" cap="flat" cmpd="sng" algn="ctr">
+                      <a:solidFill>
+                        <a:schemeClr val="tx1"/>
+                      </a:solidFill>
+                      <a:prstDash val="solid"/>
+                      <a:round/>
+                      <a:headEnd type="none" w="med" len="med"/>
+                      <a:tailEnd type="none" w="med" len="med"/>
+                    </a:lnT>
+                    <a:lnB w="38100" cap="flat" cmpd="sng" algn="ctr">
+                      <a:solidFill>
+                        <a:schemeClr val="tx1"/>
+                      </a:solidFill>
+                      <a:prstDash val="solid"/>
+                      <a:round/>
+                      <a:headEnd type="none" w="med" len="med"/>
+                      <a:tailEnd type="none" w="med" len="med"/>
+                    </a:lnB>
+                    <a:lnTlToBr w="12700" cmpd="sng">
+                      <a:noFill/>
+                      <a:prstDash val="solid"/>
+                    </a:lnTlToBr>
+                    <a:lnBlToTr w="12700" cmpd="sng">
+                      <a:noFill/>
+                      <a:prstDash val="solid"/>
+                    </a:lnBlToTr>
+                  </a:tcPr>
+                </a:tc>
+                <a:extLst>
+                  <a:ext uri="{0D108BD9-81ED-4DB2-BD59-A6C34878D82A}">
+                    <a16:rowId xmlns:a16="http://schemas.microsoft.com/office/drawing/2014/main" val="2214954538"/>
+                  </a:ext>
+                </a:extLst>
+              </a:tr>
+            </a:tbl>
+          </a:graphicData>
+        </a:graphic>
+      </p:graphicFrame>
     </p:spTree>
     <p:extLst>
       <p:ext uri="{BB962C8B-B14F-4D97-AF65-F5344CB8AC3E}">
@@ -11513,6 +9352,109 @@
           </a:prstGeom>
         </p:spPr>
       </p:pic>
+      <p:graphicFrame>
+        <p:nvGraphicFramePr>
+          <p:cNvPr id="6" name="Table 5">
+            <a:extLst>
+              <a:ext uri="{FF2B5EF4-FFF2-40B4-BE49-F238E27FC236}">
+                <a16:creationId xmlns:a16="http://schemas.microsoft.com/office/drawing/2014/main" id="{37FA707E-D495-0287-CDC3-4E578D31F2DD}"/>
+              </a:ext>
+            </a:extLst>
+          </p:cNvPr>
+          <p:cNvGraphicFramePr>
+            <a:graphicFrameLocks noGrp="1"/>
+          </p:cNvGraphicFramePr>
+          <p:nvPr>
+            <p:extLst>
+              <p:ext uri="{D42A27DB-BD31-4B8C-83A1-F6EECF244321}">
+                <p14:modId xmlns:p14="http://schemas.microsoft.com/office/powerpoint/2010/main" val="3061017875"/>
+              </p:ext>
+            </p:extLst>
+          </p:nvPr>
+        </p:nvGraphicFramePr>
+        <p:xfrm>
+          <a:off x="284205" y="222422"/>
+          <a:ext cx="8569412" cy="4544842"/>
+        </p:xfrm>
+        <a:graphic>
+          <a:graphicData uri="http://schemas.openxmlformats.org/drawingml/2006/table">
+            <a:tbl>
+              <a:tblPr/>
+              <a:tblGrid>
+                <a:gridCol w="8569412">
+                  <a:extLst>
+                    <a:ext uri="{9D8B030D-6E8A-4147-A177-3AD203B41FA5}">
+                      <a16:colId xmlns:a16="http://schemas.microsoft.com/office/drawing/2014/main" val="934465038"/>
+                    </a:ext>
+                  </a:extLst>
+                </a:gridCol>
+              </a:tblGrid>
+              <a:tr h="4544842">
+                <a:tc>
+                  <a:txBody>
+                    <a:bodyPr/>
+                    <a:lstStyle/>
+                    <a:p>
+                      <a:endParaRPr lang="en-AU" dirty="0"/>
+                    </a:p>
+                  </a:txBody>
+                  <a:tcPr>
+                    <a:lnL w="38100" cap="flat" cmpd="sng" algn="ctr">
+                      <a:solidFill>
+                        <a:schemeClr val="tx1"/>
+                      </a:solidFill>
+                      <a:prstDash val="solid"/>
+                      <a:round/>
+                      <a:headEnd type="none" w="med" len="med"/>
+                      <a:tailEnd type="none" w="med" len="med"/>
+                    </a:lnL>
+                    <a:lnR w="38100" cap="flat" cmpd="sng" algn="ctr">
+                      <a:solidFill>
+                        <a:schemeClr val="tx1"/>
+                      </a:solidFill>
+                      <a:prstDash val="solid"/>
+                      <a:round/>
+                      <a:headEnd type="none" w="med" len="med"/>
+                      <a:tailEnd type="none" w="med" len="med"/>
+                    </a:lnR>
+                    <a:lnT w="38100" cap="flat" cmpd="sng" algn="ctr">
+                      <a:solidFill>
+                        <a:schemeClr val="tx1"/>
+                      </a:solidFill>
+                      <a:prstDash val="solid"/>
+                      <a:round/>
+                      <a:headEnd type="none" w="med" len="med"/>
+                      <a:tailEnd type="none" w="med" len="med"/>
+                    </a:lnT>
+                    <a:lnB w="38100" cap="flat" cmpd="sng" algn="ctr">
+                      <a:solidFill>
+                        <a:schemeClr val="tx1"/>
+                      </a:solidFill>
+                      <a:prstDash val="solid"/>
+                      <a:round/>
+                      <a:headEnd type="none" w="med" len="med"/>
+                      <a:tailEnd type="none" w="med" len="med"/>
+                    </a:lnB>
+                    <a:lnTlToBr w="12700" cmpd="sng">
+                      <a:noFill/>
+                      <a:prstDash val="solid"/>
+                    </a:lnTlToBr>
+                    <a:lnBlToTr w="12700" cmpd="sng">
+                      <a:noFill/>
+                      <a:prstDash val="solid"/>
+                    </a:lnBlToTr>
+                  </a:tcPr>
+                </a:tc>
+                <a:extLst>
+                  <a:ext uri="{0D108BD9-81ED-4DB2-BD59-A6C34878D82A}">
+                    <a16:rowId xmlns:a16="http://schemas.microsoft.com/office/drawing/2014/main" val="2214954538"/>
+                  </a:ext>
+                </a:extLst>
+              </a:tr>
+            </a:tbl>
+          </a:graphicData>
+        </a:graphic>
+      </p:graphicFrame>
     </p:spTree>
     <p:extLst>
       <p:ext uri="{BB962C8B-B14F-4D97-AF65-F5344CB8AC3E}">
@@ -11795,16 +9737,6 @@
 <file path=ppt/slides/slide6.xml><?xml version="1.0" encoding="utf-8"?>
 <p:sld xmlns:a="http://schemas.openxmlformats.org/drawingml/2006/main" xmlns:r="http://schemas.openxmlformats.org/officeDocument/2006/relationships" xmlns:p="http://schemas.openxmlformats.org/presentationml/2006/main">
   <p:cSld>
-    <p:bg>
-      <p:bgPr>
-        <a:solidFill>
-          <a:schemeClr val="bg1">
-            <a:lumMod val="95000"/>
-          </a:schemeClr>
-        </a:solidFill>
-        <a:effectLst/>
-      </p:bgPr>
-    </p:bg>
     <p:spTree>
       <p:nvGrpSpPr>
         <p:cNvPr id="1" name=""/>
@@ -12940,6 +10872,109 @@
           </a:p>
         </p:txBody>
       </p:sp>
+      <p:graphicFrame>
+        <p:nvGraphicFramePr>
+          <p:cNvPr id="3" name="Table 2">
+            <a:extLst>
+              <a:ext uri="{FF2B5EF4-FFF2-40B4-BE49-F238E27FC236}">
+                <a16:creationId xmlns:a16="http://schemas.microsoft.com/office/drawing/2014/main" id="{F19F2883-2DFF-BEB3-BBA4-35225BC33EA6}"/>
+              </a:ext>
+            </a:extLst>
+          </p:cNvPr>
+          <p:cNvGraphicFramePr>
+            <a:graphicFrameLocks noGrp="1"/>
+          </p:cNvGraphicFramePr>
+          <p:nvPr>
+            <p:extLst>
+              <p:ext uri="{D42A27DB-BD31-4B8C-83A1-F6EECF244321}">
+                <p14:modId xmlns:p14="http://schemas.microsoft.com/office/powerpoint/2010/main" val="3061017875"/>
+              </p:ext>
+            </p:extLst>
+          </p:nvPr>
+        </p:nvGraphicFramePr>
+        <p:xfrm>
+          <a:off x="284205" y="222422"/>
+          <a:ext cx="8569412" cy="4544842"/>
+        </p:xfrm>
+        <a:graphic>
+          <a:graphicData uri="http://schemas.openxmlformats.org/drawingml/2006/table">
+            <a:tbl>
+              <a:tblPr/>
+              <a:tblGrid>
+                <a:gridCol w="8569412">
+                  <a:extLst>
+                    <a:ext uri="{9D8B030D-6E8A-4147-A177-3AD203B41FA5}">
+                      <a16:colId xmlns:a16="http://schemas.microsoft.com/office/drawing/2014/main" val="934465038"/>
+                    </a:ext>
+                  </a:extLst>
+                </a:gridCol>
+              </a:tblGrid>
+              <a:tr h="4544842">
+                <a:tc>
+                  <a:txBody>
+                    <a:bodyPr/>
+                    <a:lstStyle/>
+                    <a:p>
+                      <a:endParaRPr lang="en-AU" dirty="0"/>
+                    </a:p>
+                  </a:txBody>
+                  <a:tcPr>
+                    <a:lnL w="38100" cap="flat" cmpd="sng" algn="ctr">
+                      <a:solidFill>
+                        <a:schemeClr val="tx1"/>
+                      </a:solidFill>
+                      <a:prstDash val="solid"/>
+                      <a:round/>
+                      <a:headEnd type="none" w="med" len="med"/>
+                      <a:tailEnd type="none" w="med" len="med"/>
+                    </a:lnL>
+                    <a:lnR w="38100" cap="flat" cmpd="sng" algn="ctr">
+                      <a:solidFill>
+                        <a:schemeClr val="tx1"/>
+                      </a:solidFill>
+                      <a:prstDash val="solid"/>
+                      <a:round/>
+                      <a:headEnd type="none" w="med" len="med"/>
+                      <a:tailEnd type="none" w="med" len="med"/>
+                    </a:lnR>
+                    <a:lnT w="38100" cap="flat" cmpd="sng" algn="ctr">
+                      <a:solidFill>
+                        <a:schemeClr val="tx1"/>
+                      </a:solidFill>
+                      <a:prstDash val="solid"/>
+                      <a:round/>
+                      <a:headEnd type="none" w="med" len="med"/>
+                      <a:tailEnd type="none" w="med" len="med"/>
+                    </a:lnT>
+                    <a:lnB w="38100" cap="flat" cmpd="sng" algn="ctr">
+                      <a:solidFill>
+                        <a:schemeClr val="tx1"/>
+                      </a:solidFill>
+                      <a:prstDash val="solid"/>
+                      <a:round/>
+                      <a:headEnd type="none" w="med" len="med"/>
+                      <a:tailEnd type="none" w="med" len="med"/>
+                    </a:lnB>
+                    <a:lnTlToBr w="12700" cmpd="sng">
+                      <a:noFill/>
+                      <a:prstDash val="solid"/>
+                    </a:lnTlToBr>
+                    <a:lnBlToTr w="12700" cmpd="sng">
+                      <a:noFill/>
+                      <a:prstDash val="solid"/>
+                    </a:lnBlToTr>
+                  </a:tcPr>
+                </a:tc>
+                <a:extLst>
+                  <a:ext uri="{0D108BD9-81ED-4DB2-BD59-A6C34878D82A}">
+                    <a16:rowId xmlns:a16="http://schemas.microsoft.com/office/drawing/2014/main" val="2214954538"/>
+                  </a:ext>
+                </a:extLst>
+              </a:tr>
+            </a:tbl>
+          </a:graphicData>
+        </a:graphic>
+      </p:graphicFrame>
     </p:spTree>
   </p:cSld>
   <p:clrMapOvr>
@@ -13165,6 +11200,109 @@
           </a:prstGeom>
         </p:spPr>
       </p:pic>
+      <p:graphicFrame>
+        <p:nvGraphicFramePr>
+          <p:cNvPr id="2" name="Table 1">
+            <a:extLst>
+              <a:ext uri="{FF2B5EF4-FFF2-40B4-BE49-F238E27FC236}">
+                <a16:creationId xmlns:a16="http://schemas.microsoft.com/office/drawing/2014/main" id="{F9356EAF-FE30-2B06-41E9-83FC05FD402E}"/>
+              </a:ext>
+            </a:extLst>
+          </p:cNvPr>
+          <p:cNvGraphicFramePr>
+            <a:graphicFrameLocks noGrp="1"/>
+          </p:cNvGraphicFramePr>
+          <p:nvPr>
+            <p:extLst>
+              <p:ext uri="{D42A27DB-BD31-4B8C-83A1-F6EECF244321}">
+                <p14:modId xmlns:p14="http://schemas.microsoft.com/office/powerpoint/2010/main" val="3061017875"/>
+              </p:ext>
+            </p:extLst>
+          </p:nvPr>
+        </p:nvGraphicFramePr>
+        <p:xfrm>
+          <a:off x="284205" y="222422"/>
+          <a:ext cx="8569412" cy="4544842"/>
+        </p:xfrm>
+        <a:graphic>
+          <a:graphicData uri="http://schemas.openxmlformats.org/drawingml/2006/table">
+            <a:tbl>
+              <a:tblPr/>
+              <a:tblGrid>
+                <a:gridCol w="8569412">
+                  <a:extLst>
+                    <a:ext uri="{9D8B030D-6E8A-4147-A177-3AD203B41FA5}">
+                      <a16:colId xmlns:a16="http://schemas.microsoft.com/office/drawing/2014/main" val="934465038"/>
+                    </a:ext>
+                  </a:extLst>
+                </a:gridCol>
+              </a:tblGrid>
+              <a:tr h="4544842">
+                <a:tc>
+                  <a:txBody>
+                    <a:bodyPr/>
+                    <a:lstStyle/>
+                    <a:p>
+                      <a:endParaRPr lang="en-AU" dirty="0"/>
+                    </a:p>
+                  </a:txBody>
+                  <a:tcPr>
+                    <a:lnL w="38100" cap="flat" cmpd="sng" algn="ctr">
+                      <a:solidFill>
+                        <a:schemeClr val="tx1"/>
+                      </a:solidFill>
+                      <a:prstDash val="solid"/>
+                      <a:round/>
+                      <a:headEnd type="none" w="med" len="med"/>
+                      <a:tailEnd type="none" w="med" len="med"/>
+                    </a:lnL>
+                    <a:lnR w="38100" cap="flat" cmpd="sng" algn="ctr">
+                      <a:solidFill>
+                        <a:schemeClr val="tx1"/>
+                      </a:solidFill>
+                      <a:prstDash val="solid"/>
+                      <a:round/>
+                      <a:headEnd type="none" w="med" len="med"/>
+                      <a:tailEnd type="none" w="med" len="med"/>
+                    </a:lnR>
+                    <a:lnT w="38100" cap="flat" cmpd="sng" algn="ctr">
+                      <a:solidFill>
+                        <a:schemeClr val="tx1"/>
+                      </a:solidFill>
+                      <a:prstDash val="solid"/>
+                      <a:round/>
+                      <a:headEnd type="none" w="med" len="med"/>
+                      <a:tailEnd type="none" w="med" len="med"/>
+                    </a:lnT>
+                    <a:lnB w="38100" cap="flat" cmpd="sng" algn="ctr">
+                      <a:solidFill>
+                        <a:schemeClr val="tx1"/>
+                      </a:solidFill>
+                      <a:prstDash val="solid"/>
+                      <a:round/>
+                      <a:headEnd type="none" w="med" len="med"/>
+                      <a:tailEnd type="none" w="med" len="med"/>
+                    </a:lnB>
+                    <a:lnTlToBr w="12700" cmpd="sng">
+                      <a:noFill/>
+                      <a:prstDash val="solid"/>
+                    </a:lnTlToBr>
+                    <a:lnBlToTr w="12700" cmpd="sng">
+                      <a:noFill/>
+                      <a:prstDash val="solid"/>
+                    </a:lnBlToTr>
+                  </a:tcPr>
+                </a:tc>
+                <a:extLst>
+                  <a:ext uri="{0D108BD9-81ED-4DB2-BD59-A6C34878D82A}">
+                    <a16:rowId xmlns:a16="http://schemas.microsoft.com/office/drawing/2014/main" val="2214954538"/>
+                  </a:ext>
+                </a:extLst>
+              </a:tr>
+            </a:tbl>
+          </a:graphicData>
+        </a:graphic>
+      </p:graphicFrame>
     </p:spTree>
     <p:extLst>
       <p:ext uri="{BB962C8B-B14F-4D97-AF65-F5344CB8AC3E}">
@@ -13374,6 +11512,109 @@
           </a:prstGeom>
         </p:spPr>
       </p:pic>
+      <p:graphicFrame>
+        <p:nvGraphicFramePr>
+          <p:cNvPr id="3" name="Table 2">
+            <a:extLst>
+              <a:ext uri="{FF2B5EF4-FFF2-40B4-BE49-F238E27FC236}">
+                <a16:creationId xmlns:a16="http://schemas.microsoft.com/office/drawing/2014/main" id="{99FA741F-03EC-3132-12A0-227DB070F40D}"/>
+              </a:ext>
+            </a:extLst>
+          </p:cNvPr>
+          <p:cNvGraphicFramePr>
+            <a:graphicFrameLocks noGrp="1"/>
+          </p:cNvGraphicFramePr>
+          <p:nvPr>
+            <p:extLst>
+              <p:ext uri="{D42A27DB-BD31-4B8C-83A1-F6EECF244321}">
+                <p14:modId xmlns:p14="http://schemas.microsoft.com/office/powerpoint/2010/main" val="3061017875"/>
+              </p:ext>
+            </p:extLst>
+          </p:nvPr>
+        </p:nvGraphicFramePr>
+        <p:xfrm>
+          <a:off x="284205" y="222422"/>
+          <a:ext cx="8569412" cy="4544842"/>
+        </p:xfrm>
+        <a:graphic>
+          <a:graphicData uri="http://schemas.openxmlformats.org/drawingml/2006/table">
+            <a:tbl>
+              <a:tblPr/>
+              <a:tblGrid>
+                <a:gridCol w="8569412">
+                  <a:extLst>
+                    <a:ext uri="{9D8B030D-6E8A-4147-A177-3AD203B41FA5}">
+                      <a16:colId xmlns:a16="http://schemas.microsoft.com/office/drawing/2014/main" val="934465038"/>
+                    </a:ext>
+                  </a:extLst>
+                </a:gridCol>
+              </a:tblGrid>
+              <a:tr h="4544842">
+                <a:tc>
+                  <a:txBody>
+                    <a:bodyPr/>
+                    <a:lstStyle/>
+                    <a:p>
+                      <a:endParaRPr lang="en-AU" dirty="0"/>
+                    </a:p>
+                  </a:txBody>
+                  <a:tcPr>
+                    <a:lnL w="38100" cap="flat" cmpd="sng" algn="ctr">
+                      <a:solidFill>
+                        <a:schemeClr val="tx1"/>
+                      </a:solidFill>
+                      <a:prstDash val="solid"/>
+                      <a:round/>
+                      <a:headEnd type="none" w="med" len="med"/>
+                      <a:tailEnd type="none" w="med" len="med"/>
+                    </a:lnL>
+                    <a:lnR w="38100" cap="flat" cmpd="sng" algn="ctr">
+                      <a:solidFill>
+                        <a:schemeClr val="tx1"/>
+                      </a:solidFill>
+                      <a:prstDash val="solid"/>
+                      <a:round/>
+                      <a:headEnd type="none" w="med" len="med"/>
+                      <a:tailEnd type="none" w="med" len="med"/>
+                    </a:lnR>
+                    <a:lnT w="38100" cap="flat" cmpd="sng" algn="ctr">
+                      <a:solidFill>
+                        <a:schemeClr val="tx1"/>
+                      </a:solidFill>
+                      <a:prstDash val="solid"/>
+                      <a:round/>
+                      <a:headEnd type="none" w="med" len="med"/>
+                      <a:tailEnd type="none" w="med" len="med"/>
+                    </a:lnT>
+                    <a:lnB w="38100" cap="flat" cmpd="sng" algn="ctr">
+                      <a:solidFill>
+                        <a:schemeClr val="tx1"/>
+                      </a:solidFill>
+                      <a:prstDash val="solid"/>
+                      <a:round/>
+                      <a:headEnd type="none" w="med" len="med"/>
+                      <a:tailEnd type="none" w="med" len="med"/>
+                    </a:lnB>
+                    <a:lnTlToBr w="12700" cmpd="sng">
+                      <a:noFill/>
+                      <a:prstDash val="solid"/>
+                    </a:lnTlToBr>
+                    <a:lnBlToTr w="12700" cmpd="sng">
+                      <a:noFill/>
+                      <a:prstDash val="solid"/>
+                    </a:lnBlToTr>
+                  </a:tcPr>
+                </a:tc>
+                <a:extLst>
+                  <a:ext uri="{0D108BD9-81ED-4DB2-BD59-A6C34878D82A}">
+                    <a16:rowId xmlns:a16="http://schemas.microsoft.com/office/drawing/2014/main" val="2214954538"/>
+                  </a:ext>
+                </a:extLst>
+              </a:tr>
+            </a:tbl>
+          </a:graphicData>
+        </a:graphic>
+      </p:graphicFrame>
     </p:spTree>
     <p:extLst>
       <p:ext uri="{BB962C8B-B14F-4D97-AF65-F5344CB8AC3E}">
@@ -13573,9 +11814,9 @@
 </file>
 
 <file path=ppt/theme/theme1.xml><?xml version="1.0" encoding="utf-8"?>
-<a:theme xmlns:a="http://schemas.openxmlformats.org/drawingml/2006/main" name="Facet">
+<a:theme xmlns:a="http://schemas.openxmlformats.org/drawingml/2006/main" name="Office Theme">
   <a:themeElements>
-    <a:clrScheme name="Facet">
+    <a:clrScheme name="Office">
       <a:dk1>
         <a:sysClr val="windowText" lastClr="000000"/>
       </a:dk1>
@@ -13583,52 +11824,52 @@
         <a:sysClr val="window" lastClr="FFFFFF"/>
       </a:lt1>
       <a:dk2>
-        <a:srgbClr val="2C3C43"/>
+        <a:srgbClr val="44546A"/>
       </a:dk2>
       <a:lt2>
-        <a:srgbClr val="EBEBEB"/>
+        <a:srgbClr val="E7E6E6"/>
       </a:lt2>
       <a:accent1>
-        <a:srgbClr val="90C226"/>
+        <a:srgbClr val="4472C4"/>
       </a:accent1>
       <a:accent2>
-        <a:srgbClr val="54A021"/>
+        <a:srgbClr val="ED7D31"/>
       </a:accent2>
       <a:accent3>
-        <a:srgbClr val="E6B91E"/>
+        <a:srgbClr val="A5A5A5"/>
       </a:accent3>
       <a:accent4>
-        <a:srgbClr val="E76618"/>
+        <a:srgbClr val="FFC000"/>
       </a:accent4>
       <a:accent5>
-        <a:srgbClr val="C42F1A"/>
+        <a:srgbClr val="5B9BD5"/>
       </a:accent5>
       <a:accent6>
-        <a:srgbClr val="918655"/>
+        <a:srgbClr val="70AD47"/>
       </a:accent6>
       <a:hlink>
-        <a:srgbClr val="99CA3C"/>
+        <a:srgbClr val="0563C1"/>
       </a:hlink>
       <a:folHlink>
-        <a:srgbClr val="B9D181"/>
+        <a:srgbClr val="954F72"/>
       </a:folHlink>
     </a:clrScheme>
-    <a:fontScheme name="Facet">
+    <a:fontScheme name="Office">
       <a:majorFont>
-        <a:latin typeface="Trebuchet MS" panose="020B0603020202020204"/>
+        <a:latin typeface="Calibri Light" panose="020F0302020204030204"/>
         <a:ea typeface=""/>
         <a:cs typeface=""/>
-        <a:font script="Jpan" typeface="メイリオ"/>
+        <a:font script="Jpan" typeface="游ゴシック Light"/>
         <a:font script="Hang" typeface="맑은 고딕"/>
-        <a:font script="Hans" typeface="方正姚体"/>
-        <a:font script="Hant" typeface="微軟正黑體"/>
-        <a:font script="Arab" typeface="Tahoma"/>
-        <a:font script="Hebr" typeface="Arial"/>
-        <a:font script="Thai" typeface="Cordia New"/>
+        <a:font script="Hans" typeface="等线 Light"/>
+        <a:font script="Hant" typeface="新細明體"/>
+        <a:font script="Arab" typeface="Times New Roman"/>
+        <a:font script="Hebr" typeface="Times New Roman"/>
+        <a:font script="Thai" typeface="Angsana New"/>
         <a:font script="Ethi" typeface="Nyala"/>
         <a:font script="Beng" typeface="Vrinda"/>
         <a:font script="Gujr" typeface="Shruti"/>
-        <a:font script="Khmr" typeface="DaunPenh"/>
+        <a:font script="Khmr" typeface="MoolBoran"/>
         <a:font script="Knda" typeface="Tunga"/>
         <a:font script="Guru" typeface="Raavi"/>
         <a:font script="Cans" typeface="Euphemia"/>
@@ -13645,21 +11886,38 @@
         <a:font script="Laoo" typeface="DokChampa"/>
         <a:font script="Sinh" typeface="Iskoola Pota"/>
         <a:font script="Mong" typeface="Mongolian Baiti"/>
-        <a:font script="Viet" typeface="Tahoma"/>
+        <a:font script="Viet" typeface="Times New Roman"/>
         <a:font script="Uigh" typeface="Microsoft Uighur"/>
         <a:font script="Geor" typeface="Sylfaen"/>
+        <a:font script="Armn" typeface="Arial"/>
+        <a:font script="Bugi" typeface="Leelawadee UI"/>
+        <a:font script="Bopo" typeface="Microsoft JhengHei"/>
+        <a:font script="Java" typeface="Javanese Text"/>
+        <a:font script="Lisu" typeface="Segoe UI"/>
+        <a:font script="Mymr" typeface="Myanmar Text"/>
+        <a:font script="Nkoo" typeface="Ebrima"/>
+        <a:font script="Olck" typeface="Nirmala UI"/>
+        <a:font script="Osma" typeface="Ebrima"/>
+        <a:font script="Phag" typeface="Phagspa"/>
+        <a:font script="Syrn" typeface="Estrangelo Edessa"/>
+        <a:font script="Syrj" typeface="Estrangelo Edessa"/>
+        <a:font script="Syre" typeface="Estrangelo Edessa"/>
+        <a:font script="Sora" typeface="Nirmala UI"/>
+        <a:font script="Tale" typeface="Microsoft Tai Le"/>
+        <a:font script="Talu" typeface="Microsoft New Tai Lue"/>
+        <a:font script="Tfng" typeface="Ebrima"/>
       </a:majorFont>
       <a:minorFont>
-        <a:latin typeface="Trebuchet MS" panose="020B0603020202020204"/>
+        <a:latin typeface="Calibri" panose="020F0502020204030204"/>
         <a:ea typeface=""/>
         <a:cs typeface=""/>
-        <a:font script="Jpan" typeface="メイリオ"/>
-        <a:font script="Hang" typeface="HY그래픽M"/>
-        <a:font script="Hans" typeface="华文新魏"/>
-        <a:font script="Hant" typeface="微軟正黑體"/>
-        <a:font script="Arab" typeface="Tahoma"/>
-        <a:font script="Hebr" typeface="Gisha"/>
-        <a:font script="Thai" typeface="IrisUPC"/>
+        <a:font script="Jpan" typeface="游ゴシック"/>
+        <a:font script="Hang" typeface="맑은 고딕"/>
+        <a:font script="Hans" typeface="等线"/>
+        <a:font script="Hant" typeface="新細明體"/>
+        <a:font script="Arab" typeface="Arial"/>
+        <a:font script="Hebr" typeface="Arial"/>
+        <a:font script="Thai" typeface="Cordia New"/>
         <a:font script="Ethi" typeface="Nyala"/>
         <a:font script="Beng" typeface="Vrinda"/>
         <a:font script="Gujr" typeface="Shruti"/>
@@ -13683,9 +11941,26 @@
         <a:font script="Viet" typeface="Arial"/>
         <a:font script="Uigh" typeface="Microsoft Uighur"/>
         <a:font script="Geor" typeface="Sylfaen"/>
+        <a:font script="Armn" typeface="Arial"/>
+        <a:font script="Bugi" typeface="Leelawadee UI"/>
+        <a:font script="Bopo" typeface="Microsoft JhengHei"/>
+        <a:font script="Java" typeface="Javanese Text"/>
+        <a:font script="Lisu" typeface="Segoe UI"/>
+        <a:font script="Mymr" typeface="Myanmar Text"/>
+        <a:font script="Nkoo" typeface="Ebrima"/>
+        <a:font script="Olck" typeface="Nirmala UI"/>
+        <a:font script="Osma" typeface="Ebrima"/>
+        <a:font script="Phag" typeface="Phagspa"/>
+        <a:font script="Syrn" typeface="Estrangelo Edessa"/>
+        <a:font script="Syrj" typeface="Estrangelo Edessa"/>
+        <a:font script="Syre" typeface="Estrangelo Edessa"/>
+        <a:font script="Sora" typeface="Nirmala UI"/>
+        <a:font script="Tale" typeface="Microsoft Tai Le"/>
+        <a:font script="Talu" typeface="Microsoft New Tai Lue"/>
+        <a:font script="Tfng" typeface="Ebrima"/>
       </a:minorFont>
     </a:fontScheme>
-    <a:fmtScheme name="Facet">
+    <a:fmtScheme name="Office">
       <a:fillStyleLst>
         <a:solidFill>
           <a:schemeClr val="phClr"/>
@@ -13694,13 +11969,23 @@
           <a:gsLst>
             <a:gs pos="0">
               <a:schemeClr val="phClr">
-                <a:tint val="65000"/>
                 <a:lumMod val="110000"/>
+                <a:satMod val="105000"/>
+                <a:tint val="67000"/>
               </a:schemeClr>
             </a:gs>
-            <a:gs pos="88000">
+            <a:gs pos="50000">
               <a:schemeClr val="phClr">
-                <a:tint val="90000"/>
+                <a:lumMod val="105000"/>
+                <a:satMod val="103000"/>
+                <a:tint val="73000"/>
+              </a:schemeClr>
+            </a:gs>
+            <a:gs pos="100000">
+              <a:schemeClr val="phClr">
+                <a:lumMod val="105000"/>
+                <a:satMod val="109000"/>
+                <a:tint val="81000"/>
               </a:schemeClr>
             </a:gs>
           </a:gsLst>
@@ -13710,14 +11995,23 @@
           <a:gsLst>
             <a:gs pos="0">
               <a:schemeClr val="phClr">
-                <a:tint val="96000"/>
-                <a:lumMod val="100000"/>
+                <a:satMod val="103000"/>
+                <a:lumMod val="102000"/>
+                <a:tint val="94000"/>
               </a:schemeClr>
             </a:gs>
-            <a:gs pos="78000">
+            <a:gs pos="50000">
               <a:schemeClr val="phClr">
-                <a:shade val="94000"/>
-                <a:lumMod val="94000"/>
+                <a:satMod val="110000"/>
+                <a:lumMod val="100000"/>
+                <a:shade val="100000"/>
+              </a:schemeClr>
+            </a:gs>
+            <a:gs pos="100000">
+              <a:schemeClr val="phClr">
+                <a:lumMod val="99000"/>
+                <a:satMod val="120000"/>
+                <a:shade val="78000"/>
               </a:schemeClr>
             </a:gs>
           </a:gsLst>
@@ -13725,23 +12019,26 @@
         </a:gradFill>
       </a:fillStyleLst>
       <a:lnStyleLst>
-        <a:ln w="12700" cap="rnd" cmpd="sng" algn="ctr">
+        <a:ln w="6350" cap="flat" cmpd="sng" algn="ctr">
           <a:solidFill>
             <a:schemeClr val="phClr"/>
           </a:solidFill>
           <a:prstDash val="solid"/>
+          <a:miter lim="800000"/>
         </a:ln>
-        <a:ln w="19050" cap="rnd" cmpd="sng" algn="ctr">
+        <a:ln w="12700" cap="flat" cmpd="sng" algn="ctr">
           <a:solidFill>
             <a:schemeClr val="phClr"/>
           </a:solidFill>
           <a:prstDash val="solid"/>
+          <a:miter lim="800000"/>
         </a:ln>
-        <a:ln w="25400" cap="rnd" cmpd="sng" algn="ctr">
+        <a:ln w="19050" cap="flat" cmpd="sng" algn="ctr">
           <a:solidFill>
             <a:schemeClr val="phClr"/>
           </a:solidFill>
           <a:prstDash val="solid"/>
+          <a:miter lim="800000"/>
         </a:ln>
       </a:lnStyleLst>
       <a:effectStyleLst>
@@ -13749,72 +12046,54 @@
           <a:effectLst/>
         </a:effectStyle>
         <a:effectStyle>
+          <a:effectLst/>
+        </a:effectStyle>
+        <a:effectStyle>
           <a:effectLst>
-            <a:outerShdw blurRad="38100" dist="25400" dir="5400000" rotWithShape="0">
+            <a:outerShdw blurRad="57150" dist="19050" dir="5400000" algn="ctr" rotWithShape="0">
               <a:srgbClr val="000000">
-                <a:alpha val="35000"/>
+                <a:alpha val="63000"/>
               </a:srgbClr>
             </a:outerShdw>
           </a:effectLst>
-        </a:effectStyle>
-        <a:effectStyle>
-          <a:effectLst>
-            <a:outerShdw blurRad="50800" dist="38100" dir="5400000" rotWithShape="0">
-              <a:srgbClr val="000000">
-                <a:alpha val="35000"/>
-              </a:srgbClr>
-            </a:outerShdw>
-          </a:effectLst>
-          <a:scene3d>
-            <a:camera prst="orthographicFront">
-              <a:rot lat="0" lon="0" rev="0"/>
-            </a:camera>
-            <a:lightRig rig="threePt" dir="tl"/>
-          </a:scene3d>
-          <a:sp3d prstMaterial="plastic">
-            <a:bevelT w="0" h="0"/>
-          </a:sp3d>
         </a:effectStyle>
       </a:effectStyleLst>
       <a:bgFillStyleLst>
         <a:solidFill>
           <a:schemeClr val="phClr"/>
         </a:solidFill>
+        <a:solidFill>
+          <a:schemeClr val="phClr">
+            <a:tint val="95000"/>
+            <a:satMod val="170000"/>
+          </a:schemeClr>
+        </a:solidFill>
         <a:gradFill rotWithShape="1">
           <a:gsLst>
             <a:gs pos="0">
               <a:schemeClr val="phClr">
-                <a:tint val="90000"/>
-                <a:lumMod val="104000"/>
+                <a:tint val="93000"/>
+                <a:satMod val="150000"/>
+                <a:shade val="98000"/>
+                <a:lumMod val="102000"/>
               </a:schemeClr>
             </a:gs>
-            <a:gs pos="94000">
+            <a:gs pos="50000">
               <a:schemeClr val="phClr">
-                <a:shade val="96000"/>
-                <a:lumMod val="82000"/>
+                <a:tint val="98000"/>
+                <a:satMod val="130000"/>
+                <a:shade val="90000"/>
+                <a:lumMod val="103000"/>
+              </a:schemeClr>
+            </a:gs>
+            <a:gs pos="100000">
+              <a:schemeClr val="phClr">
+                <a:shade val="63000"/>
+                <a:satMod val="120000"/>
               </a:schemeClr>
             </a:gs>
           </a:gsLst>
           <a:lin ang="5400000" scaled="0"/>
-        </a:gradFill>
-        <a:gradFill rotWithShape="1">
-          <a:gsLst>
-            <a:gs pos="0">
-              <a:schemeClr val="phClr">
-                <a:tint val="90000"/>
-                <a:lumMod val="110000"/>
-              </a:schemeClr>
-            </a:gs>
-            <a:gs pos="100000">
-              <a:schemeClr val="phClr">
-                <a:shade val="94000"/>
-                <a:lumMod val="96000"/>
-              </a:schemeClr>
-            </a:gs>
-          </a:gsLst>
-          <a:path path="circle">
-            <a:fillToRect l="50000" t="50000" r="100000" b="100000"/>
-          </a:path>
         </a:gradFill>
       </a:bgFillStyleLst>
     </a:fmtScheme>
@@ -13823,7 +12102,7 @@
   <a:extraClrSchemeLst/>
   <a:extLst>
     <a:ext uri="{05A4C25C-085E-4340-85A3-A5531E510DB2}">
-      <thm15:themeFamily xmlns:thm15="http://schemas.microsoft.com/office/thememl/2012/main" name="Facet" id="{C0C680CD-088A-49FC-A102-D699147F32B2}" vid="{CFBC31BA-B70F-4F30-BCAA-4F3011E16C4D}"/>
+      <thm15:themeFamily xmlns:thm15="http://schemas.microsoft.com/office/thememl/2012/main" name="Office Theme" id="{62F939B6-93AF-4DB8-9C6B-D6C7DFDC589F}" vid="{4A3C46E8-61CC-4603-A589-7422A47A8E4A}"/>
     </a:ext>
   </a:extLst>
 </a:theme>

--- a/CaseStudy-04.pptx
+++ b/CaseStudy-04.pptx
@@ -2,7 +2,7 @@
 <file path=ppt/presentation.xml><?xml version="1.0" encoding="utf-8"?>
 <p:presentation xmlns:a="http://schemas.openxmlformats.org/drawingml/2006/main" xmlns:r="http://schemas.openxmlformats.org/officeDocument/2006/relationships" xmlns:p="http://schemas.openxmlformats.org/presentationml/2006/main" strictFirstAndLastChars="0" saveSubsetFonts="1" autoCompressPictures="0">
   <p:sldMasterIdLst>
-    <p:sldMasterId id="2147484346" r:id="rId1"/>
+    <p:sldMasterId id="2147484358" r:id="rId1"/>
   </p:sldMasterIdLst>
   <p:notesMasterIdLst>
     <p:notesMasterId r:id="rId13"/>
@@ -20,7 +20,7 @@
     <p:sldId id="270" r:id="rId8"/>
     <p:sldId id="280" r:id="rId9"/>
     <p:sldId id="284" r:id="rId10"/>
-    <p:sldId id="281" r:id="rId11"/>
+    <p:sldId id="286" r:id="rId11"/>
     <p:sldId id="273" r:id="rId12"/>
   </p:sldIdLst>
   <p:sldSz cx="9144000" cy="5143500" type="screen16x9"/>
@@ -29,7 +29,7 @@
     <a:defPPr>
       <a:defRPr lang="en-US"/>
     </a:defPPr>
-    <a:lvl1pPr marL="0" algn="l" defTabSz="914400" rtl="0" eaLnBrk="1" latinLnBrk="0" hangingPunct="1">
+    <a:lvl1pPr marL="0" algn="l" defTabSz="457200" rtl="0" eaLnBrk="1" latinLnBrk="0" hangingPunct="1">
       <a:defRPr sz="1800" kern="1200">
         <a:solidFill>
           <a:schemeClr val="tx1"/>
@@ -39,7 +39,7 @@
         <a:cs typeface="+mn-cs"/>
       </a:defRPr>
     </a:lvl1pPr>
-    <a:lvl2pPr marL="457200" algn="l" defTabSz="914400" rtl="0" eaLnBrk="1" latinLnBrk="0" hangingPunct="1">
+    <a:lvl2pPr marL="457200" algn="l" defTabSz="457200" rtl="0" eaLnBrk="1" latinLnBrk="0" hangingPunct="1">
       <a:defRPr sz="1800" kern="1200">
         <a:solidFill>
           <a:schemeClr val="tx1"/>
@@ -49,7 +49,7 @@
         <a:cs typeface="+mn-cs"/>
       </a:defRPr>
     </a:lvl2pPr>
-    <a:lvl3pPr marL="914400" algn="l" defTabSz="914400" rtl="0" eaLnBrk="1" latinLnBrk="0" hangingPunct="1">
+    <a:lvl3pPr marL="914400" algn="l" defTabSz="457200" rtl="0" eaLnBrk="1" latinLnBrk="0" hangingPunct="1">
       <a:defRPr sz="1800" kern="1200">
         <a:solidFill>
           <a:schemeClr val="tx1"/>
@@ -59,7 +59,7 @@
         <a:cs typeface="+mn-cs"/>
       </a:defRPr>
     </a:lvl3pPr>
-    <a:lvl4pPr marL="1371600" algn="l" defTabSz="914400" rtl="0" eaLnBrk="1" latinLnBrk="0" hangingPunct="1">
+    <a:lvl4pPr marL="1371600" algn="l" defTabSz="457200" rtl="0" eaLnBrk="1" latinLnBrk="0" hangingPunct="1">
       <a:defRPr sz="1800" kern="1200">
         <a:solidFill>
           <a:schemeClr val="tx1"/>
@@ -69,7 +69,7 @@
         <a:cs typeface="+mn-cs"/>
       </a:defRPr>
     </a:lvl4pPr>
-    <a:lvl5pPr marL="1828800" algn="l" defTabSz="914400" rtl="0" eaLnBrk="1" latinLnBrk="0" hangingPunct="1">
+    <a:lvl5pPr marL="1828800" algn="l" defTabSz="457200" rtl="0" eaLnBrk="1" latinLnBrk="0" hangingPunct="1">
       <a:defRPr sz="1800" kern="1200">
         <a:solidFill>
           <a:schemeClr val="tx1"/>
@@ -79,7 +79,7 @@
         <a:cs typeface="+mn-cs"/>
       </a:defRPr>
     </a:lvl5pPr>
-    <a:lvl6pPr marL="2286000" algn="l" defTabSz="914400" rtl="0" eaLnBrk="1" latinLnBrk="0" hangingPunct="1">
+    <a:lvl6pPr marL="2286000" algn="l" defTabSz="457200" rtl="0" eaLnBrk="1" latinLnBrk="0" hangingPunct="1">
       <a:defRPr sz="1800" kern="1200">
         <a:solidFill>
           <a:schemeClr val="tx1"/>
@@ -89,7 +89,7 @@
         <a:cs typeface="+mn-cs"/>
       </a:defRPr>
     </a:lvl6pPr>
-    <a:lvl7pPr marL="2743200" algn="l" defTabSz="914400" rtl="0" eaLnBrk="1" latinLnBrk="0" hangingPunct="1">
+    <a:lvl7pPr marL="2743200" algn="l" defTabSz="457200" rtl="0" eaLnBrk="1" latinLnBrk="0" hangingPunct="1">
       <a:defRPr sz="1800" kern="1200">
         <a:solidFill>
           <a:schemeClr val="tx1"/>
@@ -99,7 +99,7 @@
         <a:cs typeface="+mn-cs"/>
       </a:defRPr>
     </a:lvl7pPr>
-    <a:lvl8pPr marL="3200400" algn="l" defTabSz="914400" rtl="0" eaLnBrk="1" latinLnBrk="0" hangingPunct="1">
+    <a:lvl8pPr marL="3200400" algn="l" defTabSz="457200" rtl="0" eaLnBrk="1" latinLnBrk="0" hangingPunct="1">
       <a:defRPr sz="1800" kern="1200">
         <a:solidFill>
           <a:schemeClr val="tx1"/>
@@ -109,7 +109,7 @@
         <a:cs typeface="+mn-cs"/>
       </a:defRPr>
     </a:lvl8pPr>
-    <a:lvl9pPr marL="3657600" algn="l" defTabSz="914400" rtl="0" eaLnBrk="1" latinLnBrk="0" hangingPunct="1">
+    <a:lvl9pPr marL="3657600" algn="l" defTabSz="457200" rtl="0" eaLnBrk="1" latinLnBrk="0" hangingPunct="1">
       <a:defRPr sz="1800" kern="1200">
         <a:solidFill>
           <a:schemeClr val="tx1"/>
@@ -236,7 +236,7 @@
           <a:p>
             <a:fld id="{91A95F2C-9A4B-496A-9918-2230DC420C2D}" type="datetimeFigureOut">
               <a:rPr lang="en-IN" smtClean="0"/>
-              <a:t>28-09-2023</a:t>
+              <a:t>29-09-2023</a:t>
             </a:fld>
             <a:endParaRPr lang="en-IN" dirty="0"/>
           </a:p>
@@ -1119,7 +1119,7 @@
 </file>
 
 <file path=ppt/slideLayouts/slideLayout1.xml><?xml version="1.0" encoding="utf-8"?>
-<p:sldLayout xmlns:a="http://schemas.openxmlformats.org/drawingml/2006/main" xmlns:r="http://schemas.openxmlformats.org/officeDocument/2006/relationships" xmlns:p="http://schemas.openxmlformats.org/presentationml/2006/main" type="title" preserve="1">
+<p:sldLayout xmlns:a="http://schemas.openxmlformats.org/drawingml/2006/main" xmlns:r="http://schemas.openxmlformats.org/officeDocument/2006/relationships" xmlns:p="http://schemas.openxmlformats.org/presentationml/2006/main" showMasterSp="0" type="title" preserve="1">
   <p:cSld name="Title Slide">
     <p:spTree>
       <p:nvGrpSpPr>
@@ -1137,13 +1137,83 @@
       </p:grpSpPr>
       <p:sp>
         <p:nvSpPr>
-          <p:cNvPr id="2" name="Title 1">
-            <a:extLst>
-              <a:ext uri="{FF2B5EF4-FFF2-40B4-BE49-F238E27FC236}">
-                <a16:creationId xmlns:a16="http://schemas.microsoft.com/office/drawing/2014/main" id="{B9D16EFC-C43D-8777-425C-29AE2696115E}"/>
-              </a:ext>
-            </a:extLst>
-          </p:cNvPr>
+          <p:cNvPr id="7" name="Rectangle 6"/>
+          <p:cNvSpPr/>
+          <p:nvPr/>
+        </p:nvSpPr>
+        <p:spPr>
+          <a:xfrm>
+            <a:off x="2382" y="4800600"/>
+            <a:ext cx="9141619" cy="342900"/>
+          </a:xfrm>
+          <a:prstGeom prst="rect">
+            <a:avLst/>
+          </a:prstGeom>
+          <a:solidFill>
+            <a:schemeClr val="accent2"/>
+          </a:solidFill>
+          <a:ln>
+            <a:noFill/>
+          </a:ln>
+        </p:spPr>
+        <p:style>
+          <a:lnRef idx="2">
+            <a:schemeClr val="accent1">
+              <a:shade val="50000"/>
+            </a:schemeClr>
+          </a:lnRef>
+          <a:fillRef idx="1">
+            <a:schemeClr val="accent1"/>
+          </a:fillRef>
+          <a:effectRef idx="0">
+            <a:schemeClr val="accent1"/>
+          </a:effectRef>
+          <a:fontRef idx="minor">
+            <a:schemeClr val="lt1"/>
+          </a:fontRef>
+        </p:style>
+      </p:sp>
+      <p:sp>
+        <p:nvSpPr>
+          <p:cNvPr id="8" name="Rectangle 7"/>
+          <p:cNvSpPr/>
+          <p:nvPr/>
+        </p:nvSpPr>
+        <p:spPr>
+          <a:xfrm>
+            <a:off x="12" y="4750737"/>
+            <a:ext cx="9141619" cy="48006"/>
+          </a:xfrm>
+          <a:prstGeom prst="rect">
+            <a:avLst/>
+          </a:prstGeom>
+          <a:solidFill>
+            <a:schemeClr val="accent1"/>
+          </a:solidFill>
+          <a:ln>
+            <a:noFill/>
+          </a:ln>
+        </p:spPr>
+        <p:style>
+          <a:lnRef idx="2">
+            <a:schemeClr val="accent1">
+              <a:shade val="50000"/>
+            </a:schemeClr>
+          </a:lnRef>
+          <a:fillRef idx="1">
+            <a:schemeClr val="accent1"/>
+          </a:fillRef>
+          <a:effectRef idx="0">
+            <a:schemeClr val="accent1"/>
+          </a:effectRef>
+          <a:fontRef idx="minor">
+            <a:schemeClr val="lt1"/>
+          </a:fontRef>
+        </p:style>
+      </p:sp>
+      <p:sp>
+        <p:nvSpPr>
+          <p:cNvPr id="2" name="Title 1"/>
           <p:cNvSpPr>
             <a:spLocks noGrp="1"/>
           </p:cNvSpPr>
@@ -1153,15 +1223,27 @@
         </p:nvSpPr>
         <p:spPr>
           <a:xfrm>
-            <a:off x="1143000" y="841772"/>
-            <a:ext cx="6858000" cy="1790700"/>
+            <a:off x="822960" y="569214"/>
+            <a:ext cx="7543800" cy="2674620"/>
           </a:xfrm>
         </p:spPr>
         <p:txBody>
-          <a:bodyPr anchor="b"/>
+          <a:bodyPr anchor="b">
+            <a:normAutofit/>
+          </a:bodyPr>
           <a:lstStyle>
-            <a:lvl1pPr algn="ctr">
-              <a:defRPr sz="4500"/>
+            <a:lvl1pPr algn="l">
+              <a:lnSpc>
+                <a:spcPct val="85000"/>
+              </a:lnSpc>
+              <a:defRPr sz="6000" spc="-38" baseline="0">
+                <a:solidFill>
+                  <a:schemeClr val="tx1">
+                    <a:lumMod val="85000"/>
+                    <a:lumOff val="15000"/>
+                  </a:schemeClr>
+                </a:solidFill>
+              </a:defRPr>
             </a:lvl1pPr>
           </a:lstStyle>
           <a:p>
@@ -1169,19 +1251,13 @@
               <a:rPr lang="en-US"/>
               <a:t>Click to edit Master title style</a:t>
             </a:r>
-            <a:endParaRPr lang="en-AU"/>
+            <a:endParaRPr lang="en-US" dirty="0"/>
           </a:p>
         </p:txBody>
       </p:sp>
       <p:sp>
         <p:nvSpPr>
-          <p:cNvPr id="3" name="Subtitle 2">
-            <a:extLst>
-              <a:ext uri="{FF2B5EF4-FFF2-40B4-BE49-F238E27FC236}">
-                <a16:creationId xmlns:a16="http://schemas.microsoft.com/office/drawing/2014/main" id="{98E18EA6-23EE-6821-9A97-D9B0E65BF008}"/>
-              </a:ext>
-            </a:extLst>
-          </p:cNvPr>
+          <p:cNvPr id="3" name="Subtitle 2"/>
           <p:cNvSpPr>
             <a:spLocks noGrp="1"/>
           </p:cNvSpPr>
@@ -1191,48 +1267,55 @@
         </p:nvSpPr>
         <p:spPr>
           <a:xfrm>
-            <a:off x="1143000" y="2701528"/>
-            <a:ext cx="6858000" cy="1241822"/>
+            <a:off x="825038" y="3341715"/>
+            <a:ext cx="7543800" cy="857250"/>
           </a:xfrm>
         </p:spPr>
         <p:txBody>
-          <a:bodyPr/>
+          <a:bodyPr lIns="91440" rIns="91440">
+            <a:normAutofit/>
+          </a:bodyPr>
           <a:lstStyle>
-            <a:lvl1pPr marL="0" indent="0" algn="ctr">
+            <a:lvl1pPr marL="0" indent="0" algn="l">
               <a:buNone/>
-              <a:defRPr sz="1800"/>
+              <a:defRPr sz="1800" cap="all" spc="150" baseline="0">
+                <a:solidFill>
+                  <a:schemeClr val="tx2"/>
+                </a:solidFill>
+                <a:latin typeface="+mj-lt"/>
+              </a:defRPr>
             </a:lvl1pPr>
             <a:lvl2pPr marL="342900" indent="0" algn="ctr">
               <a:buNone/>
-              <a:defRPr sz="1500"/>
+              <a:defRPr sz="1800"/>
             </a:lvl2pPr>
             <a:lvl3pPr marL="685800" indent="0" algn="ctr">
               <a:buNone/>
-              <a:defRPr sz="1350"/>
+              <a:defRPr sz="1800"/>
             </a:lvl3pPr>
             <a:lvl4pPr marL="1028700" indent="0" algn="ctr">
               <a:buNone/>
-              <a:defRPr sz="1200"/>
+              <a:defRPr sz="1500"/>
             </a:lvl4pPr>
             <a:lvl5pPr marL="1371600" indent="0" algn="ctr">
               <a:buNone/>
-              <a:defRPr sz="1200"/>
+              <a:defRPr sz="1500"/>
             </a:lvl5pPr>
             <a:lvl6pPr marL="1714500" indent="0" algn="ctr">
               <a:buNone/>
-              <a:defRPr sz="1200"/>
+              <a:defRPr sz="1500"/>
             </a:lvl6pPr>
             <a:lvl7pPr marL="2057400" indent="0" algn="ctr">
               <a:buNone/>
-              <a:defRPr sz="1200"/>
+              <a:defRPr sz="1500"/>
             </a:lvl7pPr>
             <a:lvl8pPr marL="2400300" indent="0" algn="ctr">
               <a:buNone/>
-              <a:defRPr sz="1200"/>
+              <a:defRPr sz="1500"/>
             </a:lvl8pPr>
             <a:lvl9pPr marL="2743200" indent="0" algn="ctr">
               <a:buNone/>
-              <a:defRPr sz="1200"/>
+              <a:defRPr sz="1500"/>
             </a:lvl9pPr>
           </a:lstStyle>
           <a:p>
@@ -1240,19 +1323,13 @@
               <a:rPr lang="en-US"/>
               <a:t>Click to edit Master subtitle style</a:t>
             </a:r>
-            <a:endParaRPr lang="en-AU"/>
+            <a:endParaRPr lang="en-US" dirty="0"/>
           </a:p>
         </p:txBody>
       </p:sp>
       <p:sp>
         <p:nvSpPr>
-          <p:cNvPr id="4" name="Date Placeholder 3">
-            <a:extLst>
-              <a:ext uri="{FF2B5EF4-FFF2-40B4-BE49-F238E27FC236}">
-                <a16:creationId xmlns:a16="http://schemas.microsoft.com/office/drawing/2014/main" id="{F2420D91-D30F-6769-1087-D5585F8BEB22}"/>
-              </a:ext>
-            </a:extLst>
-          </p:cNvPr>
+          <p:cNvPr id="4" name="Date Placeholder 3"/>
           <p:cNvSpPr>
             <a:spLocks noGrp="1"/>
           </p:cNvSpPr>
@@ -1275,13 +1352,7 @@
       </p:sp>
       <p:sp>
         <p:nvSpPr>
-          <p:cNvPr id="5" name="Footer Placeholder 4">
-            <a:extLst>
-              <a:ext uri="{FF2B5EF4-FFF2-40B4-BE49-F238E27FC236}">
-                <a16:creationId xmlns:a16="http://schemas.microsoft.com/office/drawing/2014/main" id="{7BCDFA94-356D-4A65-A634-60C9A22916EC}"/>
-              </a:ext>
-            </a:extLst>
-          </p:cNvPr>
+          <p:cNvPr id="5" name="Footer Placeholder 4"/>
           <p:cNvSpPr>
             <a:spLocks noGrp="1"/>
           </p:cNvSpPr>
@@ -1304,13 +1375,7 @@
       </p:sp>
       <p:sp>
         <p:nvSpPr>
-          <p:cNvPr id="6" name="Slide Number Placeholder 5">
-            <a:extLst>
-              <a:ext uri="{FF2B5EF4-FFF2-40B4-BE49-F238E27FC236}">
-                <a16:creationId xmlns:a16="http://schemas.microsoft.com/office/drawing/2014/main" id="{22E59966-A567-BB12-F846-F3F2B2417E4B}"/>
-              </a:ext>
-            </a:extLst>
-          </p:cNvPr>
+          <p:cNvPr id="6" name="Slide Number Placeholder 5"/>
           <p:cNvSpPr>
             <a:spLocks noGrp="1"/>
           </p:cNvSpPr>
@@ -1340,10 +1405,48 @@
           </a:p>
         </p:txBody>
       </p:sp>
+      <p:cxnSp>
+        <p:nvCxnSpPr>
+          <p:cNvPr id="9" name="Straight Connector 8"/>
+          <p:cNvCxnSpPr/>
+          <p:nvPr/>
+        </p:nvCxnSpPr>
+        <p:spPr>
+          <a:xfrm>
+            <a:off x="905744" y="3257550"/>
+            <a:ext cx="7406640" cy="0"/>
+          </a:xfrm>
+          <a:prstGeom prst="line">
+            <a:avLst/>
+          </a:prstGeom>
+          <a:ln w="6350">
+            <a:solidFill>
+              <a:schemeClr val="tx1">
+                <a:lumMod val="50000"/>
+                <a:lumOff val="50000"/>
+              </a:schemeClr>
+            </a:solidFill>
+          </a:ln>
+        </p:spPr>
+        <p:style>
+          <a:lnRef idx="1">
+            <a:schemeClr val="accent1"/>
+          </a:lnRef>
+          <a:fillRef idx="0">
+            <a:schemeClr val="accent1"/>
+          </a:fillRef>
+          <a:effectRef idx="0">
+            <a:schemeClr val="accent1"/>
+          </a:effectRef>
+          <a:fontRef idx="minor">
+            <a:schemeClr val="tx1"/>
+          </a:fontRef>
+        </p:style>
+      </p:cxnSp>
     </p:spTree>
     <p:extLst>
       <p:ext uri="{BB962C8B-B14F-4D97-AF65-F5344CB8AC3E}">
-        <p14:creationId xmlns:p14="http://schemas.microsoft.com/office/powerpoint/2010/main" val="3729131864"/>
+        <p14:creationId xmlns:p14="http://schemas.microsoft.com/office/powerpoint/2010/main" val="4213274350"/>
       </p:ext>
     </p:extLst>
   </p:cSld>
@@ -1372,13 +1475,7 @@
       </p:grpSpPr>
       <p:sp>
         <p:nvSpPr>
-          <p:cNvPr id="2" name="Title 1">
-            <a:extLst>
-              <a:ext uri="{FF2B5EF4-FFF2-40B4-BE49-F238E27FC236}">
-                <a16:creationId xmlns:a16="http://schemas.microsoft.com/office/drawing/2014/main" id="{BBFB7C41-FA13-5206-FF95-AC9EF231854C}"/>
-              </a:ext>
-            </a:extLst>
-          </p:cNvPr>
+          <p:cNvPr id="2" name="Title 1"/>
           <p:cNvSpPr>
             <a:spLocks noGrp="1"/>
           </p:cNvSpPr>
@@ -1395,19 +1492,13 @@
               <a:rPr lang="en-US"/>
               <a:t>Click to edit Master title style</a:t>
             </a:r>
-            <a:endParaRPr lang="en-AU"/>
+            <a:endParaRPr lang="en-US" dirty="0"/>
           </a:p>
         </p:txBody>
       </p:sp>
       <p:sp>
         <p:nvSpPr>
-          <p:cNvPr id="3" name="Vertical Text Placeholder 2">
-            <a:extLst>
-              <a:ext uri="{FF2B5EF4-FFF2-40B4-BE49-F238E27FC236}">
-                <a16:creationId xmlns:a16="http://schemas.microsoft.com/office/drawing/2014/main" id="{3AF37946-2678-53D8-75A6-97FD61DCB225}"/>
-              </a:ext>
-            </a:extLst>
-          </p:cNvPr>
+          <p:cNvPr id="3" name="Vertical Text Placeholder 2"/>
           <p:cNvSpPr>
             <a:spLocks noGrp="1"/>
           </p:cNvSpPr>
@@ -1417,7 +1508,7 @@
         </p:nvSpPr>
         <p:spPr/>
         <p:txBody>
-          <a:bodyPr vert="eaVert"/>
+          <a:bodyPr vert="eaVert" lIns="45720" tIns="0" rIns="45720" bIns="0"/>
           <a:lstStyle/>
           <a:p>
             <a:pPr lvl="0"/>
@@ -1453,19 +1544,13 @@
               <a:rPr lang="en-US"/>
               <a:t>Fifth level</a:t>
             </a:r>
-            <a:endParaRPr lang="en-AU"/>
+            <a:endParaRPr lang="en-US" dirty="0"/>
           </a:p>
         </p:txBody>
       </p:sp>
       <p:sp>
         <p:nvSpPr>
-          <p:cNvPr id="4" name="Date Placeholder 3">
-            <a:extLst>
-              <a:ext uri="{FF2B5EF4-FFF2-40B4-BE49-F238E27FC236}">
-                <a16:creationId xmlns:a16="http://schemas.microsoft.com/office/drawing/2014/main" id="{3D4FB918-B174-FB18-6C7A-D884DCFFCA64}"/>
-              </a:ext>
-            </a:extLst>
-          </p:cNvPr>
+          <p:cNvPr id="4" name="Date Placeholder 3"/>
           <p:cNvSpPr>
             <a:spLocks noGrp="1"/>
           </p:cNvSpPr>
@@ -1488,13 +1573,7 @@
       </p:sp>
       <p:sp>
         <p:nvSpPr>
-          <p:cNvPr id="5" name="Footer Placeholder 4">
-            <a:extLst>
-              <a:ext uri="{FF2B5EF4-FFF2-40B4-BE49-F238E27FC236}">
-                <a16:creationId xmlns:a16="http://schemas.microsoft.com/office/drawing/2014/main" id="{6AF3599B-A739-6FAA-7225-CBF8839C999F}"/>
-              </a:ext>
-            </a:extLst>
-          </p:cNvPr>
+          <p:cNvPr id="5" name="Footer Placeholder 4"/>
           <p:cNvSpPr>
             <a:spLocks noGrp="1"/>
           </p:cNvSpPr>
@@ -1517,13 +1596,7 @@
       </p:sp>
       <p:sp>
         <p:nvSpPr>
-          <p:cNvPr id="6" name="Slide Number Placeholder 5">
-            <a:extLst>
-              <a:ext uri="{FF2B5EF4-FFF2-40B4-BE49-F238E27FC236}">
-                <a16:creationId xmlns:a16="http://schemas.microsoft.com/office/drawing/2014/main" id="{5D54B09B-F47C-5F92-CABB-D22B94BC17ED}"/>
-              </a:ext>
-            </a:extLst>
-          </p:cNvPr>
+          <p:cNvPr id="6" name="Slide Number Placeholder 5"/>
           <p:cNvSpPr>
             <a:spLocks noGrp="1"/>
           </p:cNvSpPr>
@@ -1556,7 +1629,7 @@
     </p:spTree>
     <p:extLst>
       <p:ext uri="{BB962C8B-B14F-4D97-AF65-F5344CB8AC3E}">
-        <p14:creationId xmlns:p14="http://schemas.microsoft.com/office/powerpoint/2010/main" val="1758435328"/>
+        <p14:creationId xmlns:p14="http://schemas.microsoft.com/office/powerpoint/2010/main" val="3988248522"/>
       </p:ext>
     </p:extLst>
   </p:cSld>
@@ -1567,7 +1640,7 @@
 </file>
 
 <file path=ppt/slideLayouts/slideLayout11.xml><?xml version="1.0" encoding="utf-8"?>
-<p:sldLayout xmlns:a="http://schemas.openxmlformats.org/drawingml/2006/main" xmlns:r="http://schemas.openxmlformats.org/officeDocument/2006/relationships" xmlns:p="http://schemas.openxmlformats.org/presentationml/2006/main" type="vertTitleAndTx" preserve="1">
+<p:sldLayout xmlns:a="http://schemas.openxmlformats.org/drawingml/2006/main" xmlns:r="http://schemas.openxmlformats.org/officeDocument/2006/relationships" xmlns:p="http://schemas.openxmlformats.org/presentationml/2006/main" showMasterSp="0" type="vertTitleAndTx" preserve="1">
   <p:cSld name="Vertical Title and Text">
     <p:spTree>
       <p:nvGrpSpPr>
@@ -1585,13 +1658,83 @@
       </p:grpSpPr>
       <p:sp>
         <p:nvSpPr>
-          <p:cNvPr id="2" name="Vertical Title 1">
-            <a:extLst>
-              <a:ext uri="{FF2B5EF4-FFF2-40B4-BE49-F238E27FC236}">
-                <a16:creationId xmlns:a16="http://schemas.microsoft.com/office/drawing/2014/main" id="{1F59C605-F162-6483-0FBF-E9C9A0C04EB0}"/>
-              </a:ext>
-            </a:extLst>
-          </p:cNvPr>
+          <p:cNvPr id="7" name="Rectangle 6"/>
+          <p:cNvSpPr/>
+          <p:nvPr/>
+        </p:nvSpPr>
+        <p:spPr>
+          <a:xfrm>
+            <a:off x="2382" y="4800600"/>
+            <a:ext cx="9141619" cy="342900"/>
+          </a:xfrm>
+          <a:prstGeom prst="rect">
+            <a:avLst/>
+          </a:prstGeom>
+          <a:solidFill>
+            <a:schemeClr val="accent2"/>
+          </a:solidFill>
+          <a:ln>
+            <a:noFill/>
+          </a:ln>
+        </p:spPr>
+        <p:style>
+          <a:lnRef idx="2">
+            <a:schemeClr val="accent1">
+              <a:shade val="50000"/>
+            </a:schemeClr>
+          </a:lnRef>
+          <a:fillRef idx="1">
+            <a:schemeClr val="accent1"/>
+          </a:fillRef>
+          <a:effectRef idx="0">
+            <a:schemeClr val="accent1"/>
+          </a:effectRef>
+          <a:fontRef idx="minor">
+            <a:schemeClr val="lt1"/>
+          </a:fontRef>
+        </p:style>
+      </p:sp>
+      <p:sp>
+        <p:nvSpPr>
+          <p:cNvPr id="8" name="Rectangle 7"/>
+          <p:cNvSpPr/>
+          <p:nvPr/>
+        </p:nvSpPr>
+        <p:spPr>
+          <a:xfrm>
+            <a:off x="12" y="4750737"/>
+            <a:ext cx="9141619" cy="48006"/>
+          </a:xfrm>
+          <a:prstGeom prst="rect">
+            <a:avLst/>
+          </a:prstGeom>
+          <a:solidFill>
+            <a:schemeClr val="accent1"/>
+          </a:solidFill>
+          <a:ln>
+            <a:noFill/>
+          </a:ln>
+        </p:spPr>
+        <p:style>
+          <a:lnRef idx="2">
+            <a:schemeClr val="accent1">
+              <a:shade val="50000"/>
+            </a:schemeClr>
+          </a:lnRef>
+          <a:fillRef idx="1">
+            <a:schemeClr val="accent1"/>
+          </a:fillRef>
+          <a:effectRef idx="0">
+            <a:schemeClr val="accent1"/>
+          </a:effectRef>
+          <a:fontRef idx="minor">
+            <a:schemeClr val="lt1"/>
+          </a:fontRef>
+        </p:style>
+      </p:sp>
+      <p:sp>
+        <p:nvSpPr>
+          <p:cNvPr id="2" name="Vertical Title 1"/>
           <p:cNvSpPr>
             <a:spLocks noGrp="1"/>
           </p:cNvSpPr>
@@ -1601,8 +1744,8 @@
         </p:nvSpPr>
         <p:spPr>
           <a:xfrm>
-            <a:off x="6543675" y="273844"/>
-            <a:ext cx="1971675" cy="4358879"/>
+            <a:off x="6543675" y="311084"/>
+            <a:ext cx="1971675" cy="4318066"/>
           </a:xfrm>
         </p:spPr>
         <p:txBody>
@@ -1613,19 +1756,13 @@
               <a:rPr lang="en-US"/>
               <a:t>Click to edit Master title style</a:t>
             </a:r>
-            <a:endParaRPr lang="en-AU"/>
+            <a:endParaRPr lang="en-US" dirty="0"/>
           </a:p>
         </p:txBody>
       </p:sp>
       <p:sp>
         <p:nvSpPr>
-          <p:cNvPr id="3" name="Vertical Text Placeholder 2">
-            <a:extLst>
-              <a:ext uri="{FF2B5EF4-FFF2-40B4-BE49-F238E27FC236}">
-                <a16:creationId xmlns:a16="http://schemas.microsoft.com/office/drawing/2014/main" id="{1714BCCD-3A4B-9B62-97AF-D48B27B77A24}"/>
-              </a:ext>
-            </a:extLst>
-          </p:cNvPr>
+          <p:cNvPr id="3" name="Vertical Text Placeholder 2"/>
           <p:cNvSpPr>
             <a:spLocks noGrp="1"/>
           </p:cNvSpPr>
@@ -1635,12 +1772,12 @@
         </p:nvSpPr>
         <p:spPr>
           <a:xfrm>
-            <a:off x="628650" y="273844"/>
-            <a:ext cx="5800725" cy="4358879"/>
+            <a:off x="628650" y="311083"/>
+            <a:ext cx="5800725" cy="4318067"/>
           </a:xfrm>
         </p:spPr>
         <p:txBody>
-          <a:bodyPr vert="eaVert"/>
+          <a:bodyPr vert="eaVert" lIns="45720" tIns="0" rIns="45720" bIns="0"/>
           <a:lstStyle/>
           <a:p>
             <a:pPr lvl="0"/>
@@ -1676,19 +1813,13 @@
               <a:rPr lang="en-US"/>
               <a:t>Fifth level</a:t>
             </a:r>
-            <a:endParaRPr lang="en-AU"/>
+            <a:endParaRPr lang="en-US" dirty="0"/>
           </a:p>
         </p:txBody>
       </p:sp>
       <p:sp>
         <p:nvSpPr>
-          <p:cNvPr id="4" name="Date Placeholder 3">
-            <a:extLst>
-              <a:ext uri="{FF2B5EF4-FFF2-40B4-BE49-F238E27FC236}">
-                <a16:creationId xmlns:a16="http://schemas.microsoft.com/office/drawing/2014/main" id="{F5FB83BD-6300-4F3D-0D18-16464147B1ED}"/>
-              </a:ext>
-            </a:extLst>
-          </p:cNvPr>
+          <p:cNvPr id="4" name="Date Placeholder 3"/>
           <p:cNvSpPr>
             <a:spLocks noGrp="1"/>
           </p:cNvSpPr>
@@ -1711,13 +1842,7 @@
       </p:sp>
       <p:sp>
         <p:nvSpPr>
-          <p:cNvPr id="5" name="Footer Placeholder 4">
-            <a:extLst>
-              <a:ext uri="{FF2B5EF4-FFF2-40B4-BE49-F238E27FC236}">
-                <a16:creationId xmlns:a16="http://schemas.microsoft.com/office/drawing/2014/main" id="{88DE11CE-3196-8408-F87F-CF86CFCB0E4F}"/>
-              </a:ext>
-            </a:extLst>
-          </p:cNvPr>
+          <p:cNvPr id="5" name="Footer Placeholder 4"/>
           <p:cNvSpPr>
             <a:spLocks noGrp="1"/>
           </p:cNvSpPr>
@@ -1740,13 +1865,7 @@
       </p:sp>
       <p:sp>
         <p:nvSpPr>
-          <p:cNvPr id="6" name="Slide Number Placeholder 5">
-            <a:extLst>
-              <a:ext uri="{FF2B5EF4-FFF2-40B4-BE49-F238E27FC236}">
-                <a16:creationId xmlns:a16="http://schemas.microsoft.com/office/drawing/2014/main" id="{CF6938C5-7DA6-1C93-81C9-77E0A18415CA}"/>
-              </a:ext>
-            </a:extLst>
-          </p:cNvPr>
+          <p:cNvPr id="6" name="Slide Number Placeholder 5"/>
           <p:cNvSpPr>
             <a:spLocks noGrp="1"/>
           </p:cNvSpPr>
@@ -1779,7 +1898,7 @@
     </p:spTree>
     <p:extLst>
       <p:ext uri="{BB962C8B-B14F-4D97-AF65-F5344CB8AC3E}">
-        <p14:creationId xmlns:p14="http://schemas.microsoft.com/office/powerpoint/2010/main" val="1905369389"/>
+        <p14:creationId xmlns:p14="http://schemas.microsoft.com/office/powerpoint/2010/main" val="690205743"/>
       </p:ext>
     </p:extLst>
   </p:cSld>
@@ -1808,13 +1927,7 @@
       </p:grpSpPr>
       <p:sp>
         <p:nvSpPr>
-          <p:cNvPr id="2" name="Title 1">
-            <a:extLst>
-              <a:ext uri="{FF2B5EF4-FFF2-40B4-BE49-F238E27FC236}">
-                <a16:creationId xmlns:a16="http://schemas.microsoft.com/office/drawing/2014/main" id="{C7A75ADC-8F20-BEB3-4A92-2FB6152854C5}"/>
-              </a:ext>
-            </a:extLst>
-          </p:cNvPr>
+          <p:cNvPr id="2" name="Title 1"/>
           <p:cNvSpPr>
             <a:spLocks noGrp="1"/>
           </p:cNvSpPr>
@@ -1825,25 +1938,23 @@
         <p:spPr/>
         <p:txBody>
           <a:bodyPr/>
-          <a:lstStyle/>
+          <a:lstStyle>
+            <a:lvl1pPr marL="0">
+              <a:defRPr/>
+            </a:lvl1pPr>
+          </a:lstStyle>
           <a:p>
             <a:r>
               <a:rPr lang="en-US"/>
               <a:t>Click to edit Master title style</a:t>
             </a:r>
-            <a:endParaRPr lang="en-AU"/>
+            <a:endParaRPr lang="en-US" dirty="0"/>
           </a:p>
         </p:txBody>
       </p:sp>
       <p:sp>
         <p:nvSpPr>
-          <p:cNvPr id="3" name="Content Placeholder 2">
-            <a:extLst>
-              <a:ext uri="{FF2B5EF4-FFF2-40B4-BE49-F238E27FC236}">
-                <a16:creationId xmlns:a16="http://schemas.microsoft.com/office/drawing/2014/main" id="{39572F32-4132-535C-D314-FD8515FF5CA4}"/>
-              </a:ext>
-            </a:extLst>
-          </p:cNvPr>
+          <p:cNvPr id="3" name="Content Placeholder 2"/>
           <p:cNvSpPr>
             <a:spLocks noGrp="1"/>
           </p:cNvSpPr>
@@ -1889,19 +2000,13 @@
               <a:rPr lang="en-US"/>
               <a:t>Fifth level</a:t>
             </a:r>
-            <a:endParaRPr lang="en-AU"/>
+            <a:endParaRPr lang="en-US" dirty="0"/>
           </a:p>
         </p:txBody>
       </p:sp>
       <p:sp>
         <p:nvSpPr>
-          <p:cNvPr id="4" name="Date Placeholder 3">
-            <a:extLst>
-              <a:ext uri="{FF2B5EF4-FFF2-40B4-BE49-F238E27FC236}">
-                <a16:creationId xmlns:a16="http://schemas.microsoft.com/office/drawing/2014/main" id="{7DB3F3C9-69A4-79C4-619F-93B5FBED90A0}"/>
-              </a:ext>
-            </a:extLst>
-          </p:cNvPr>
+          <p:cNvPr id="4" name="Date Placeholder 3"/>
           <p:cNvSpPr>
             <a:spLocks noGrp="1"/>
           </p:cNvSpPr>
@@ -1924,13 +2029,7 @@
       </p:sp>
       <p:sp>
         <p:nvSpPr>
-          <p:cNvPr id="5" name="Footer Placeholder 4">
-            <a:extLst>
-              <a:ext uri="{FF2B5EF4-FFF2-40B4-BE49-F238E27FC236}">
-                <a16:creationId xmlns:a16="http://schemas.microsoft.com/office/drawing/2014/main" id="{AE678B7E-D7CA-15CA-54CD-180DC3AC4C40}"/>
-              </a:ext>
-            </a:extLst>
-          </p:cNvPr>
+          <p:cNvPr id="5" name="Footer Placeholder 4"/>
           <p:cNvSpPr>
             <a:spLocks noGrp="1"/>
           </p:cNvSpPr>
@@ -1953,13 +2052,7 @@
       </p:sp>
       <p:sp>
         <p:nvSpPr>
-          <p:cNvPr id="6" name="Slide Number Placeholder 5">
-            <a:extLst>
-              <a:ext uri="{FF2B5EF4-FFF2-40B4-BE49-F238E27FC236}">
-                <a16:creationId xmlns:a16="http://schemas.microsoft.com/office/drawing/2014/main" id="{13617665-E18C-6576-D468-3EA7414A5765}"/>
-              </a:ext>
-            </a:extLst>
-          </p:cNvPr>
+          <p:cNvPr id="6" name="Slide Number Placeholder 5"/>
           <p:cNvSpPr>
             <a:spLocks noGrp="1"/>
           </p:cNvSpPr>
@@ -1992,7 +2085,7 @@
     </p:spTree>
     <p:extLst>
       <p:ext uri="{BB962C8B-B14F-4D97-AF65-F5344CB8AC3E}">
-        <p14:creationId xmlns:p14="http://schemas.microsoft.com/office/powerpoint/2010/main" val="3575022075"/>
+        <p14:creationId xmlns:p14="http://schemas.microsoft.com/office/powerpoint/2010/main" val="713103075"/>
       </p:ext>
     </p:extLst>
   </p:cSld>
@@ -2003,8 +2096,16 @@
 </file>
 
 <file path=ppt/slideLayouts/slideLayout3.xml><?xml version="1.0" encoding="utf-8"?>
-<p:sldLayout xmlns:a="http://schemas.openxmlformats.org/drawingml/2006/main" xmlns:r="http://schemas.openxmlformats.org/officeDocument/2006/relationships" xmlns:p="http://schemas.openxmlformats.org/presentationml/2006/main" type="secHead" preserve="1">
+<p:sldLayout xmlns:a="http://schemas.openxmlformats.org/drawingml/2006/main" xmlns:r="http://schemas.openxmlformats.org/officeDocument/2006/relationships" xmlns:p="http://schemas.openxmlformats.org/presentationml/2006/main" showMasterSp="0" type="secHead" preserve="1">
   <p:cSld name="Section Header">
+    <p:bg>
+      <p:bgPr>
+        <a:solidFill>
+          <a:schemeClr val="bg1"/>
+        </a:solidFill>
+        <a:effectLst/>
+      </p:bgPr>
+    </p:bg>
     <p:spTree>
       <p:nvGrpSpPr>
         <p:cNvPr id="1" name=""/>
@@ -2021,13 +2122,83 @@
       </p:grpSpPr>
       <p:sp>
         <p:nvSpPr>
-          <p:cNvPr id="2" name="Title 1">
-            <a:extLst>
-              <a:ext uri="{FF2B5EF4-FFF2-40B4-BE49-F238E27FC236}">
-                <a16:creationId xmlns:a16="http://schemas.microsoft.com/office/drawing/2014/main" id="{D32B4328-CD1E-2501-DD1C-0DAEF5954FA9}"/>
-              </a:ext>
-            </a:extLst>
-          </p:cNvPr>
+          <p:cNvPr id="7" name="Rectangle 6"/>
+          <p:cNvSpPr/>
+          <p:nvPr/>
+        </p:nvSpPr>
+        <p:spPr>
+          <a:xfrm>
+            <a:off x="2382" y="4800600"/>
+            <a:ext cx="9141619" cy="342900"/>
+          </a:xfrm>
+          <a:prstGeom prst="rect">
+            <a:avLst/>
+          </a:prstGeom>
+          <a:solidFill>
+            <a:schemeClr val="accent2"/>
+          </a:solidFill>
+          <a:ln>
+            <a:noFill/>
+          </a:ln>
+        </p:spPr>
+        <p:style>
+          <a:lnRef idx="2">
+            <a:schemeClr val="accent1">
+              <a:shade val="50000"/>
+            </a:schemeClr>
+          </a:lnRef>
+          <a:fillRef idx="1">
+            <a:schemeClr val="accent1"/>
+          </a:fillRef>
+          <a:effectRef idx="0">
+            <a:schemeClr val="accent1"/>
+          </a:effectRef>
+          <a:fontRef idx="minor">
+            <a:schemeClr val="lt1"/>
+          </a:fontRef>
+        </p:style>
+      </p:sp>
+      <p:sp>
+        <p:nvSpPr>
+          <p:cNvPr id="8" name="Rectangle 7"/>
+          <p:cNvSpPr/>
+          <p:nvPr/>
+        </p:nvSpPr>
+        <p:spPr>
+          <a:xfrm>
+            <a:off x="12" y="4750737"/>
+            <a:ext cx="9141619" cy="48006"/>
+          </a:xfrm>
+          <a:prstGeom prst="rect">
+            <a:avLst/>
+          </a:prstGeom>
+          <a:solidFill>
+            <a:schemeClr val="accent1"/>
+          </a:solidFill>
+          <a:ln>
+            <a:noFill/>
+          </a:ln>
+        </p:spPr>
+        <p:style>
+          <a:lnRef idx="2">
+            <a:schemeClr val="accent1">
+              <a:shade val="50000"/>
+            </a:schemeClr>
+          </a:lnRef>
+          <a:fillRef idx="1">
+            <a:schemeClr val="accent1"/>
+          </a:fillRef>
+          <a:effectRef idx="0">
+            <a:schemeClr val="accent1"/>
+          </a:effectRef>
+          <a:fontRef idx="minor">
+            <a:schemeClr val="lt1"/>
+          </a:fontRef>
+        </p:style>
+      </p:sp>
+      <p:sp>
+        <p:nvSpPr>
+          <p:cNvPr id="2" name="Title 1"/>
           <p:cNvSpPr>
             <a:spLocks noGrp="1"/>
           </p:cNvSpPr>
@@ -2037,15 +2208,27 @@
         </p:nvSpPr>
         <p:spPr>
           <a:xfrm>
-            <a:off x="623888" y="1282304"/>
-            <a:ext cx="7886700" cy="2139553"/>
+            <a:off x="822960" y="569214"/>
+            <a:ext cx="7543800" cy="2674620"/>
           </a:xfrm>
         </p:spPr>
         <p:txBody>
-          <a:bodyPr anchor="b"/>
+          <a:bodyPr anchor="b" anchorCtr="0">
+            <a:normAutofit/>
+          </a:bodyPr>
           <a:lstStyle>
             <a:lvl1pPr>
-              <a:defRPr sz="4500"/>
+              <a:lnSpc>
+                <a:spcPct val="85000"/>
+              </a:lnSpc>
+              <a:defRPr sz="6000" b="0">
+                <a:solidFill>
+                  <a:schemeClr val="tx1">
+                    <a:lumMod val="85000"/>
+                    <a:lumOff val="15000"/>
+                  </a:schemeClr>
+                </a:solidFill>
+              </a:defRPr>
             </a:lvl1pPr>
           </a:lstStyle>
           <a:p>
@@ -2053,19 +2236,13 @@
               <a:rPr lang="en-US"/>
               <a:t>Click to edit Master title style</a:t>
             </a:r>
-            <a:endParaRPr lang="en-AU"/>
+            <a:endParaRPr lang="en-US" dirty="0"/>
           </a:p>
         </p:txBody>
       </p:sp>
       <p:sp>
         <p:nvSpPr>
-          <p:cNvPr id="3" name="Text Placeholder 2">
-            <a:extLst>
-              <a:ext uri="{FF2B5EF4-FFF2-40B4-BE49-F238E27FC236}">
-                <a16:creationId xmlns:a16="http://schemas.microsoft.com/office/drawing/2014/main" id="{E3E29C89-32EB-BB70-CA04-C91F1136E3EF}"/>
-              </a:ext>
-            </a:extLst>
-          </p:cNvPr>
+          <p:cNvPr id="3" name="Text Placeholder 2"/>
           <p:cNvSpPr>
             <a:spLocks noGrp="1"/>
           </p:cNvSpPr>
@@ -2075,26 +2252,27 @@
         </p:nvSpPr>
         <p:spPr>
           <a:xfrm>
-            <a:off x="623888" y="3442098"/>
-            <a:ext cx="7886700" cy="1125140"/>
+            <a:off x="822960" y="3339846"/>
+            <a:ext cx="7543800" cy="857250"/>
           </a:xfrm>
         </p:spPr>
         <p:txBody>
-          <a:bodyPr/>
+          <a:bodyPr lIns="91440" rIns="91440" anchor="t" anchorCtr="0">
+            <a:normAutofit/>
+          </a:bodyPr>
           <a:lstStyle>
             <a:lvl1pPr marL="0" indent="0">
               <a:buNone/>
-              <a:defRPr sz="1800">
+              <a:defRPr sz="1800" cap="all" spc="150" baseline="0">
                 <a:solidFill>
-                  <a:schemeClr val="tx1">
-                    <a:tint val="75000"/>
-                  </a:schemeClr>
+                  <a:schemeClr val="tx2"/>
                 </a:solidFill>
+                <a:latin typeface="+mj-lt"/>
               </a:defRPr>
             </a:lvl1pPr>
             <a:lvl2pPr marL="342900" indent="0">
               <a:buNone/>
-              <a:defRPr sz="1500">
+              <a:defRPr sz="1350">
                 <a:solidFill>
                   <a:schemeClr val="tx1">
                     <a:tint val="75000"/>
@@ -2104,7 +2282,7 @@
             </a:lvl2pPr>
             <a:lvl3pPr marL="685800" indent="0">
               <a:buNone/>
-              <a:defRPr sz="1350">
+              <a:defRPr sz="1200">
                 <a:solidFill>
                   <a:schemeClr val="tx1">
                     <a:tint val="75000"/>
@@ -2114,7 +2292,7 @@
             </a:lvl3pPr>
             <a:lvl4pPr marL="1028700" indent="0">
               <a:buNone/>
-              <a:defRPr sz="1200">
+              <a:defRPr sz="1050">
                 <a:solidFill>
                   <a:schemeClr val="tx1">
                     <a:tint val="75000"/>
@@ -2124,7 +2302,7 @@
             </a:lvl4pPr>
             <a:lvl5pPr marL="1371600" indent="0">
               <a:buNone/>
-              <a:defRPr sz="1200">
+              <a:defRPr sz="1050">
                 <a:solidFill>
                   <a:schemeClr val="tx1">
                     <a:tint val="75000"/>
@@ -2134,7 +2312,7 @@
             </a:lvl5pPr>
             <a:lvl6pPr marL="1714500" indent="0">
               <a:buNone/>
-              <a:defRPr sz="1200">
+              <a:defRPr sz="1050">
                 <a:solidFill>
                   <a:schemeClr val="tx1">
                     <a:tint val="75000"/>
@@ -2144,7 +2322,7 @@
             </a:lvl6pPr>
             <a:lvl7pPr marL="2057400" indent="0">
               <a:buNone/>
-              <a:defRPr sz="1200">
+              <a:defRPr sz="1050">
                 <a:solidFill>
                   <a:schemeClr val="tx1">
                     <a:tint val="75000"/>
@@ -2154,7 +2332,7 @@
             </a:lvl7pPr>
             <a:lvl8pPr marL="2400300" indent="0">
               <a:buNone/>
-              <a:defRPr sz="1200">
+              <a:defRPr sz="1050">
                 <a:solidFill>
                   <a:schemeClr val="tx1">
                     <a:tint val="75000"/>
@@ -2164,7 +2342,7 @@
             </a:lvl8pPr>
             <a:lvl9pPr marL="2743200" indent="0">
               <a:buNone/>
-              <a:defRPr sz="1200">
+              <a:defRPr sz="1050">
                 <a:solidFill>
                   <a:schemeClr val="tx1">
                     <a:tint val="75000"/>
@@ -2184,13 +2362,7 @@
       </p:sp>
       <p:sp>
         <p:nvSpPr>
-          <p:cNvPr id="4" name="Date Placeholder 3">
-            <a:extLst>
-              <a:ext uri="{FF2B5EF4-FFF2-40B4-BE49-F238E27FC236}">
-                <a16:creationId xmlns:a16="http://schemas.microsoft.com/office/drawing/2014/main" id="{3C815F30-0886-0E73-75CD-B6AA512F515E}"/>
-              </a:ext>
-            </a:extLst>
-          </p:cNvPr>
+          <p:cNvPr id="4" name="Date Placeholder 3"/>
           <p:cNvSpPr>
             <a:spLocks noGrp="1"/>
           </p:cNvSpPr>
@@ -2213,13 +2385,7 @@
       </p:sp>
       <p:sp>
         <p:nvSpPr>
-          <p:cNvPr id="5" name="Footer Placeholder 4">
-            <a:extLst>
-              <a:ext uri="{FF2B5EF4-FFF2-40B4-BE49-F238E27FC236}">
-                <a16:creationId xmlns:a16="http://schemas.microsoft.com/office/drawing/2014/main" id="{3B7687CE-B73B-F5A0-E47D-6A4D8203480C}"/>
-              </a:ext>
-            </a:extLst>
-          </p:cNvPr>
+          <p:cNvPr id="5" name="Footer Placeholder 4"/>
           <p:cNvSpPr>
             <a:spLocks noGrp="1"/>
           </p:cNvSpPr>
@@ -2242,13 +2408,7 @@
       </p:sp>
       <p:sp>
         <p:nvSpPr>
-          <p:cNvPr id="6" name="Slide Number Placeholder 5">
-            <a:extLst>
-              <a:ext uri="{FF2B5EF4-FFF2-40B4-BE49-F238E27FC236}">
-                <a16:creationId xmlns:a16="http://schemas.microsoft.com/office/drawing/2014/main" id="{293E4921-406E-4A79-A084-1B106B5F3F74}"/>
-              </a:ext>
-            </a:extLst>
-          </p:cNvPr>
+          <p:cNvPr id="6" name="Slide Number Placeholder 5"/>
           <p:cNvSpPr>
             <a:spLocks noGrp="1"/>
           </p:cNvSpPr>
@@ -2278,10 +2438,48 @@
           </a:p>
         </p:txBody>
       </p:sp>
+      <p:cxnSp>
+        <p:nvCxnSpPr>
+          <p:cNvPr id="9" name="Straight Connector 8"/>
+          <p:cNvCxnSpPr/>
+          <p:nvPr/>
+        </p:nvCxnSpPr>
+        <p:spPr>
+          <a:xfrm>
+            <a:off x="905744" y="3257550"/>
+            <a:ext cx="7406640" cy="0"/>
+          </a:xfrm>
+          <a:prstGeom prst="line">
+            <a:avLst/>
+          </a:prstGeom>
+          <a:ln w="6350">
+            <a:solidFill>
+              <a:schemeClr val="tx1">
+                <a:lumMod val="50000"/>
+                <a:lumOff val="50000"/>
+              </a:schemeClr>
+            </a:solidFill>
+          </a:ln>
+        </p:spPr>
+        <p:style>
+          <a:lnRef idx="1">
+            <a:schemeClr val="accent1"/>
+          </a:lnRef>
+          <a:fillRef idx="0">
+            <a:schemeClr val="accent1"/>
+          </a:fillRef>
+          <a:effectRef idx="0">
+            <a:schemeClr val="accent1"/>
+          </a:effectRef>
+          <a:fontRef idx="minor">
+            <a:schemeClr val="tx1"/>
+          </a:fontRef>
+        </p:style>
+      </p:cxnSp>
     </p:spTree>
     <p:extLst>
       <p:ext uri="{BB962C8B-B14F-4D97-AF65-F5344CB8AC3E}">
-        <p14:creationId xmlns:p14="http://schemas.microsoft.com/office/powerpoint/2010/main" val="138533961"/>
+        <p14:creationId xmlns:p14="http://schemas.microsoft.com/office/powerpoint/2010/main" val="3069859470"/>
       </p:ext>
     </p:extLst>
   </p:cSld>
@@ -2310,13 +2508,7 @@
       </p:grpSpPr>
       <p:sp>
         <p:nvSpPr>
-          <p:cNvPr id="2" name="Title 1">
-            <a:extLst>
-              <a:ext uri="{FF2B5EF4-FFF2-40B4-BE49-F238E27FC236}">
-                <a16:creationId xmlns:a16="http://schemas.microsoft.com/office/drawing/2014/main" id="{5EF039B6-A48A-0C4F-FB9B-076E741B388C}"/>
-              </a:ext>
-            </a:extLst>
-          </p:cNvPr>
+          <p:cNvPr id="8" name="Title 7"/>
           <p:cNvSpPr>
             <a:spLocks noGrp="1"/>
           </p:cNvSpPr>
@@ -2324,7 +2516,12 @@
             <p:ph type="title"/>
           </p:nvPr>
         </p:nvSpPr>
-        <p:spPr/>
+        <p:spPr>
+          <a:xfrm>
+            <a:off x="822960" y="214953"/>
+            <a:ext cx="7543800" cy="1088068"/>
+          </a:xfrm>
+        </p:spPr>
         <p:txBody>
           <a:bodyPr/>
           <a:lstStyle/>
@@ -2333,19 +2530,13 @@
               <a:rPr lang="en-US"/>
               <a:t>Click to edit Master title style</a:t>
             </a:r>
-            <a:endParaRPr lang="en-AU"/>
+            <a:endParaRPr lang="en-US" dirty="0"/>
           </a:p>
         </p:txBody>
       </p:sp>
       <p:sp>
         <p:nvSpPr>
-          <p:cNvPr id="3" name="Content Placeholder 2">
-            <a:extLst>
-              <a:ext uri="{FF2B5EF4-FFF2-40B4-BE49-F238E27FC236}">
-                <a16:creationId xmlns:a16="http://schemas.microsoft.com/office/drawing/2014/main" id="{B760B9D0-EE15-AF74-1899-7372A05075FA}"/>
-              </a:ext>
-            </a:extLst>
-          </p:cNvPr>
+          <p:cNvPr id="3" name="Content Placeholder 2"/>
           <p:cNvSpPr>
             <a:spLocks noGrp="1"/>
           </p:cNvSpPr>
@@ -2355,8 +2546,8 @@
         </p:nvSpPr>
         <p:spPr>
           <a:xfrm>
-            <a:off x="628650" y="1369219"/>
-            <a:ext cx="3886200" cy="3263504"/>
+            <a:off x="822959" y="1384301"/>
+            <a:ext cx="3703320" cy="3017520"/>
           </a:xfrm>
         </p:spPr>
         <p:txBody>
@@ -2396,19 +2587,13 @@
               <a:rPr lang="en-US"/>
               <a:t>Fifth level</a:t>
             </a:r>
-            <a:endParaRPr lang="en-AU"/>
+            <a:endParaRPr lang="en-US" dirty="0"/>
           </a:p>
         </p:txBody>
       </p:sp>
       <p:sp>
         <p:nvSpPr>
-          <p:cNvPr id="4" name="Content Placeholder 3">
-            <a:extLst>
-              <a:ext uri="{FF2B5EF4-FFF2-40B4-BE49-F238E27FC236}">
-                <a16:creationId xmlns:a16="http://schemas.microsoft.com/office/drawing/2014/main" id="{3793DDAF-308F-6D22-FEF2-B92F86BC3083}"/>
-              </a:ext>
-            </a:extLst>
-          </p:cNvPr>
+          <p:cNvPr id="4" name="Content Placeholder 3"/>
           <p:cNvSpPr>
             <a:spLocks noGrp="1"/>
           </p:cNvSpPr>
@@ -2418,8 +2603,8 @@
         </p:nvSpPr>
         <p:spPr>
           <a:xfrm>
-            <a:off x="4629150" y="1369219"/>
-            <a:ext cx="3886200" cy="3263504"/>
+            <a:off x="4663440" y="1384301"/>
+            <a:ext cx="3703320" cy="3017520"/>
           </a:xfrm>
         </p:spPr>
         <p:txBody>
@@ -2459,19 +2644,13 @@
               <a:rPr lang="en-US"/>
               <a:t>Fifth level</a:t>
             </a:r>
-            <a:endParaRPr lang="en-AU"/>
+            <a:endParaRPr lang="en-US" dirty="0"/>
           </a:p>
         </p:txBody>
       </p:sp>
       <p:sp>
         <p:nvSpPr>
-          <p:cNvPr id="5" name="Date Placeholder 4">
-            <a:extLst>
-              <a:ext uri="{FF2B5EF4-FFF2-40B4-BE49-F238E27FC236}">
-                <a16:creationId xmlns:a16="http://schemas.microsoft.com/office/drawing/2014/main" id="{4DD13B15-F7F6-294D-E3D3-1A707A545AA4}"/>
-              </a:ext>
-            </a:extLst>
-          </p:cNvPr>
+          <p:cNvPr id="5" name="Date Placeholder 4"/>
           <p:cNvSpPr>
             <a:spLocks noGrp="1"/>
           </p:cNvSpPr>
@@ -2494,13 +2673,7 @@
       </p:sp>
       <p:sp>
         <p:nvSpPr>
-          <p:cNvPr id="6" name="Footer Placeholder 5">
-            <a:extLst>
-              <a:ext uri="{FF2B5EF4-FFF2-40B4-BE49-F238E27FC236}">
-                <a16:creationId xmlns:a16="http://schemas.microsoft.com/office/drawing/2014/main" id="{5F48424D-6B76-35C1-81CB-3E3675851848}"/>
-              </a:ext>
-            </a:extLst>
-          </p:cNvPr>
+          <p:cNvPr id="6" name="Footer Placeholder 5"/>
           <p:cNvSpPr>
             <a:spLocks noGrp="1"/>
           </p:cNvSpPr>
@@ -2523,13 +2696,7 @@
       </p:sp>
       <p:sp>
         <p:nvSpPr>
-          <p:cNvPr id="7" name="Slide Number Placeholder 6">
-            <a:extLst>
-              <a:ext uri="{FF2B5EF4-FFF2-40B4-BE49-F238E27FC236}">
-                <a16:creationId xmlns:a16="http://schemas.microsoft.com/office/drawing/2014/main" id="{4F29A4AB-06A2-90FB-33BD-47599AD0B817}"/>
-              </a:ext>
-            </a:extLst>
-          </p:cNvPr>
+          <p:cNvPr id="7" name="Slide Number Placeholder 6"/>
           <p:cNvSpPr>
             <a:spLocks noGrp="1"/>
           </p:cNvSpPr>
@@ -2562,7 +2729,7 @@
     </p:spTree>
     <p:extLst>
       <p:ext uri="{BB962C8B-B14F-4D97-AF65-F5344CB8AC3E}">
-        <p14:creationId xmlns:p14="http://schemas.microsoft.com/office/powerpoint/2010/main" val="1492923212"/>
+        <p14:creationId xmlns:p14="http://schemas.microsoft.com/office/powerpoint/2010/main" val="458479766"/>
       </p:ext>
     </p:extLst>
   </p:cSld>
@@ -2591,13 +2758,7 @@
       </p:grpSpPr>
       <p:sp>
         <p:nvSpPr>
-          <p:cNvPr id="2" name="Title 1">
-            <a:extLst>
-              <a:ext uri="{FF2B5EF4-FFF2-40B4-BE49-F238E27FC236}">
-                <a16:creationId xmlns:a16="http://schemas.microsoft.com/office/drawing/2014/main" id="{E6377D48-6751-81EB-F910-7C327E38BECF}"/>
-              </a:ext>
-            </a:extLst>
-          </p:cNvPr>
+          <p:cNvPr id="10" name="Title 9"/>
           <p:cNvSpPr>
             <a:spLocks noGrp="1"/>
           </p:cNvSpPr>
@@ -2607,8 +2768,8 @@
         </p:nvSpPr>
         <p:spPr>
           <a:xfrm>
-            <a:off x="629841" y="273844"/>
-            <a:ext cx="7886700" cy="994172"/>
+            <a:off x="822960" y="214953"/>
+            <a:ext cx="7543800" cy="1088068"/>
           </a:xfrm>
         </p:spPr>
         <p:txBody>
@@ -2619,19 +2780,13 @@
               <a:rPr lang="en-US"/>
               <a:t>Click to edit Master title style</a:t>
             </a:r>
-            <a:endParaRPr lang="en-AU"/>
+            <a:endParaRPr lang="en-US" dirty="0"/>
           </a:p>
         </p:txBody>
       </p:sp>
       <p:sp>
         <p:nvSpPr>
-          <p:cNvPr id="3" name="Text Placeholder 2">
-            <a:extLst>
-              <a:ext uri="{FF2B5EF4-FFF2-40B4-BE49-F238E27FC236}">
-                <a16:creationId xmlns:a16="http://schemas.microsoft.com/office/drawing/2014/main" id="{B028B456-7F96-30A6-9602-A217C3463DC5}"/>
-              </a:ext>
-            </a:extLst>
-          </p:cNvPr>
+          <p:cNvPr id="3" name="Text Placeholder 2"/>
           <p:cNvSpPr>
             <a:spLocks noGrp="1"/>
           </p:cNvSpPr>
@@ -2641,16 +2796,22 @@
         </p:nvSpPr>
         <p:spPr>
           <a:xfrm>
-            <a:off x="629842" y="1260872"/>
-            <a:ext cx="3868340" cy="617934"/>
+            <a:off x="822960" y="1384539"/>
+            <a:ext cx="3703320" cy="552212"/>
           </a:xfrm>
         </p:spPr>
         <p:txBody>
-          <a:bodyPr anchor="b"/>
+          <a:bodyPr lIns="91440" rIns="91440" anchor="ctr">
+            <a:normAutofit/>
+          </a:bodyPr>
           <a:lstStyle>
             <a:lvl1pPr marL="0" indent="0">
               <a:buNone/>
-              <a:defRPr sz="1800" b="1"/>
+              <a:defRPr sz="1500" b="0" cap="all" baseline="0">
+                <a:solidFill>
+                  <a:schemeClr val="tx2"/>
+                </a:solidFill>
+              </a:defRPr>
             </a:lvl1pPr>
             <a:lvl2pPr marL="342900" indent="0">
               <a:buNone/>
@@ -2696,13 +2857,7 @@
       </p:sp>
       <p:sp>
         <p:nvSpPr>
-          <p:cNvPr id="4" name="Content Placeholder 3">
-            <a:extLst>
-              <a:ext uri="{FF2B5EF4-FFF2-40B4-BE49-F238E27FC236}">
-                <a16:creationId xmlns:a16="http://schemas.microsoft.com/office/drawing/2014/main" id="{770120BB-17F6-F9F0-8BA1-E8938C8B5BA0}"/>
-              </a:ext>
-            </a:extLst>
-          </p:cNvPr>
+          <p:cNvPr id="4" name="Content Placeholder 3"/>
           <p:cNvSpPr>
             <a:spLocks noGrp="1"/>
           </p:cNvSpPr>
@@ -2712,8 +2867,8 @@
         </p:nvSpPr>
         <p:spPr>
           <a:xfrm>
-            <a:off x="629842" y="1878806"/>
-            <a:ext cx="3868340" cy="2763441"/>
+            <a:off x="822960" y="1936751"/>
+            <a:ext cx="3703320" cy="2533650"/>
           </a:xfrm>
         </p:spPr>
         <p:txBody>
@@ -2753,19 +2908,13 @@
               <a:rPr lang="en-US"/>
               <a:t>Fifth level</a:t>
             </a:r>
-            <a:endParaRPr lang="en-AU"/>
+            <a:endParaRPr lang="en-US" dirty="0"/>
           </a:p>
         </p:txBody>
       </p:sp>
       <p:sp>
         <p:nvSpPr>
-          <p:cNvPr id="5" name="Text Placeholder 4">
-            <a:extLst>
-              <a:ext uri="{FF2B5EF4-FFF2-40B4-BE49-F238E27FC236}">
-                <a16:creationId xmlns:a16="http://schemas.microsoft.com/office/drawing/2014/main" id="{A3D5CB3C-AF37-DB0F-1FBB-FE9C32B4B633}"/>
-              </a:ext>
-            </a:extLst>
-          </p:cNvPr>
+          <p:cNvPr id="5" name="Text Placeholder 4"/>
           <p:cNvSpPr>
             <a:spLocks noGrp="1"/>
           </p:cNvSpPr>
@@ -2775,16 +2924,22 @@
         </p:nvSpPr>
         <p:spPr>
           <a:xfrm>
-            <a:off x="4629150" y="1260872"/>
-            <a:ext cx="3887391" cy="617934"/>
+            <a:off x="4663440" y="1384539"/>
+            <a:ext cx="3703320" cy="552212"/>
           </a:xfrm>
         </p:spPr>
         <p:txBody>
-          <a:bodyPr anchor="b"/>
+          <a:bodyPr lIns="91440" rIns="91440" anchor="ctr">
+            <a:normAutofit/>
+          </a:bodyPr>
           <a:lstStyle>
             <a:lvl1pPr marL="0" indent="0">
               <a:buNone/>
-              <a:defRPr sz="1800" b="1"/>
+              <a:defRPr sz="1500" b="0" cap="all" baseline="0">
+                <a:solidFill>
+                  <a:schemeClr val="tx2"/>
+                </a:solidFill>
+              </a:defRPr>
             </a:lvl1pPr>
             <a:lvl2pPr marL="342900" indent="0">
               <a:buNone/>
@@ -2830,13 +2985,7 @@
       </p:sp>
       <p:sp>
         <p:nvSpPr>
-          <p:cNvPr id="6" name="Content Placeholder 5">
-            <a:extLst>
-              <a:ext uri="{FF2B5EF4-FFF2-40B4-BE49-F238E27FC236}">
-                <a16:creationId xmlns:a16="http://schemas.microsoft.com/office/drawing/2014/main" id="{8727D67E-3337-AE1E-288B-B857BC168D2E}"/>
-              </a:ext>
-            </a:extLst>
-          </p:cNvPr>
+          <p:cNvPr id="6" name="Content Placeholder 5"/>
           <p:cNvSpPr>
             <a:spLocks noGrp="1"/>
           </p:cNvSpPr>
@@ -2846,8 +2995,8 @@
         </p:nvSpPr>
         <p:spPr>
           <a:xfrm>
-            <a:off x="4629150" y="1878806"/>
-            <a:ext cx="3887391" cy="2763441"/>
+            <a:off x="4663440" y="1936751"/>
+            <a:ext cx="3703320" cy="2533650"/>
           </a:xfrm>
         </p:spPr>
         <p:txBody>
@@ -2887,19 +3036,13 @@
               <a:rPr lang="en-US"/>
               <a:t>Fifth level</a:t>
             </a:r>
-            <a:endParaRPr lang="en-AU"/>
+            <a:endParaRPr lang="en-US" dirty="0"/>
           </a:p>
         </p:txBody>
       </p:sp>
       <p:sp>
         <p:nvSpPr>
-          <p:cNvPr id="7" name="Date Placeholder 6">
-            <a:extLst>
-              <a:ext uri="{FF2B5EF4-FFF2-40B4-BE49-F238E27FC236}">
-                <a16:creationId xmlns:a16="http://schemas.microsoft.com/office/drawing/2014/main" id="{E65871FD-137F-9AEC-319C-C15CB67EFFDF}"/>
-              </a:ext>
-            </a:extLst>
-          </p:cNvPr>
+          <p:cNvPr id="7" name="Date Placeholder 6"/>
           <p:cNvSpPr>
             <a:spLocks noGrp="1"/>
           </p:cNvSpPr>
@@ -2922,13 +3065,7 @@
       </p:sp>
       <p:sp>
         <p:nvSpPr>
-          <p:cNvPr id="8" name="Footer Placeholder 7">
-            <a:extLst>
-              <a:ext uri="{FF2B5EF4-FFF2-40B4-BE49-F238E27FC236}">
-                <a16:creationId xmlns:a16="http://schemas.microsoft.com/office/drawing/2014/main" id="{A4FD8D54-5792-E02C-76F3-6AF767E871C5}"/>
-              </a:ext>
-            </a:extLst>
-          </p:cNvPr>
+          <p:cNvPr id="8" name="Footer Placeholder 7"/>
           <p:cNvSpPr>
             <a:spLocks noGrp="1"/>
           </p:cNvSpPr>
@@ -2951,13 +3088,7 @@
       </p:sp>
       <p:sp>
         <p:nvSpPr>
-          <p:cNvPr id="9" name="Slide Number Placeholder 8">
-            <a:extLst>
-              <a:ext uri="{FF2B5EF4-FFF2-40B4-BE49-F238E27FC236}">
-                <a16:creationId xmlns:a16="http://schemas.microsoft.com/office/drawing/2014/main" id="{21C8EC6A-A2E2-835E-0C0E-0463DD22FD82}"/>
-              </a:ext>
-            </a:extLst>
-          </p:cNvPr>
+          <p:cNvPr id="9" name="Slide Number Placeholder 8"/>
           <p:cNvSpPr>
             <a:spLocks noGrp="1"/>
           </p:cNvSpPr>
@@ -2990,7 +3121,7 @@
     </p:spTree>
     <p:extLst>
       <p:ext uri="{BB962C8B-B14F-4D97-AF65-F5344CB8AC3E}">
-        <p14:creationId xmlns:p14="http://schemas.microsoft.com/office/powerpoint/2010/main" val="1072329799"/>
+        <p14:creationId xmlns:p14="http://schemas.microsoft.com/office/powerpoint/2010/main" val="1056915403"/>
       </p:ext>
     </p:extLst>
   </p:cSld>
@@ -3019,13 +3150,7 @@
       </p:grpSpPr>
       <p:sp>
         <p:nvSpPr>
-          <p:cNvPr id="2" name="Title 1">
-            <a:extLst>
-              <a:ext uri="{FF2B5EF4-FFF2-40B4-BE49-F238E27FC236}">
-                <a16:creationId xmlns:a16="http://schemas.microsoft.com/office/drawing/2014/main" id="{77BEC3F0-4F61-B066-A4C3-E841918D9F2D}"/>
-              </a:ext>
-            </a:extLst>
-          </p:cNvPr>
+          <p:cNvPr id="2" name="Title 1"/>
           <p:cNvSpPr>
             <a:spLocks noGrp="1"/>
           </p:cNvSpPr>
@@ -3042,19 +3167,13 @@
               <a:rPr lang="en-US"/>
               <a:t>Click to edit Master title style</a:t>
             </a:r>
-            <a:endParaRPr lang="en-AU"/>
+            <a:endParaRPr lang="en-US" dirty="0"/>
           </a:p>
         </p:txBody>
       </p:sp>
       <p:sp>
         <p:nvSpPr>
-          <p:cNvPr id="3" name="Date Placeholder 2">
-            <a:extLst>
-              <a:ext uri="{FF2B5EF4-FFF2-40B4-BE49-F238E27FC236}">
-                <a16:creationId xmlns:a16="http://schemas.microsoft.com/office/drawing/2014/main" id="{C6B11E64-D4BA-8BC9-EB7E-DCDB2495A11E}"/>
-              </a:ext>
-            </a:extLst>
-          </p:cNvPr>
+          <p:cNvPr id="3" name="Date Placeholder 2"/>
           <p:cNvSpPr>
             <a:spLocks noGrp="1"/>
           </p:cNvSpPr>
@@ -3077,13 +3196,7 @@
       </p:sp>
       <p:sp>
         <p:nvSpPr>
-          <p:cNvPr id="4" name="Footer Placeholder 3">
-            <a:extLst>
-              <a:ext uri="{FF2B5EF4-FFF2-40B4-BE49-F238E27FC236}">
-                <a16:creationId xmlns:a16="http://schemas.microsoft.com/office/drawing/2014/main" id="{2EB6A678-8B05-F5ED-C451-708A266F1AF7}"/>
-              </a:ext>
-            </a:extLst>
-          </p:cNvPr>
+          <p:cNvPr id="4" name="Footer Placeholder 3"/>
           <p:cNvSpPr>
             <a:spLocks noGrp="1"/>
           </p:cNvSpPr>
@@ -3106,13 +3219,7 @@
       </p:sp>
       <p:sp>
         <p:nvSpPr>
-          <p:cNvPr id="5" name="Slide Number Placeholder 4">
-            <a:extLst>
-              <a:ext uri="{FF2B5EF4-FFF2-40B4-BE49-F238E27FC236}">
-                <a16:creationId xmlns:a16="http://schemas.microsoft.com/office/drawing/2014/main" id="{347744CF-227C-E593-59B0-FAADEF2FDCF2}"/>
-              </a:ext>
-            </a:extLst>
-          </p:cNvPr>
+          <p:cNvPr id="5" name="Slide Number Placeholder 4"/>
           <p:cNvSpPr>
             <a:spLocks noGrp="1"/>
           </p:cNvSpPr>
@@ -3145,7 +3252,7 @@
     </p:spTree>
     <p:extLst>
       <p:ext uri="{BB962C8B-B14F-4D97-AF65-F5344CB8AC3E}">
-        <p14:creationId xmlns:p14="http://schemas.microsoft.com/office/powerpoint/2010/main" val="220730347"/>
+        <p14:creationId xmlns:p14="http://schemas.microsoft.com/office/powerpoint/2010/main" val="1405958210"/>
       </p:ext>
     </p:extLst>
   </p:cSld>
@@ -3156,7 +3263,7 @@
 </file>
 
 <file path=ppt/slideLayouts/slideLayout7.xml><?xml version="1.0" encoding="utf-8"?>
-<p:sldLayout xmlns:a="http://schemas.openxmlformats.org/drawingml/2006/main" xmlns:r="http://schemas.openxmlformats.org/officeDocument/2006/relationships" xmlns:p="http://schemas.openxmlformats.org/presentationml/2006/main" type="blank" preserve="1">
+<p:sldLayout xmlns:a="http://schemas.openxmlformats.org/drawingml/2006/main" xmlns:r="http://schemas.openxmlformats.org/officeDocument/2006/relationships" xmlns:p="http://schemas.openxmlformats.org/presentationml/2006/main" showMasterSp="0" type="blank" preserve="1">
   <p:cSld name="Blank">
     <p:spTree>
       <p:nvGrpSpPr>
@@ -3174,13 +3281,83 @@
       </p:grpSpPr>
       <p:sp>
         <p:nvSpPr>
-          <p:cNvPr id="2" name="Date Placeholder 1">
-            <a:extLst>
-              <a:ext uri="{FF2B5EF4-FFF2-40B4-BE49-F238E27FC236}">
-                <a16:creationId xmlns:a16="http://schemas.microsoft.com/office/drawing/2014/main" id="{FD0B9910-1828-BAC1-70EB-39D5E475E52C}"/>
-              </a:ext>
-            </a:extLst>
-          </p:cNvPr>
+          <p:cNvPr id="5" name="Rectangle 4"/>
+          <p:cNvSpPr/>
+          <p:nvPr/>
+        </p:nvSpPr>
+        <p:spPr>
+          <a:xfrm>
+            <a:off x="2382" y="4800600"/>
+            <a:ext cx="9141619" cy="342900"/>
+          </a:xfrm>
+          <a:prstGeom prst="rect">
+            <a:avLst/>
+          </a:prstGeom>
+          <a:solidFill>
+            <a:schemeClr val="accent2"/>
+          </a:solidFill>
+          <a:ln>
+            <a:noFill/>
+          </a:ln>
+        </p:spPr>
+        <p:style>
+          <a:lnRef idx="2">
+            <a:schemeClr val="accent1">
+              <a:shade val="50000"/>
+            </a:schemeClr>
+          </a:lnRef>
+          <a:fillRef idx="1">
+            <a:schemeClr val="accent1"/>
+          </a:fillRef>
+          <a:effectRef idx="0">
+            <a:schemeClr val="accent1"/>
+          </a:effectRef>
+          <a:fontRef idx="minor">
+            <a:schemeClr val="lt1"/>
+          </a:fontRef>
+        </p:style>
+      </p:sp>
+      <p:sp>
+        <p:nvSpPr>
+          <p:cNvPr id="6" name="Rectangle 5"/>
+          <p:cNvSpPr/>
+          <p:nvPr/>
+        </p:nvSpPr>
+        <p:spPr>
+          <a:xfrm>
+            <a:off x="12" y="4750737"/>
+            <a:ext cx="9141619" cy="48006"/>
+          </a:xfrm>
+          <a:prstGeom prst="rect">
+            <a:avLst/>
+          </a:prstGeom>
+          <a:solidFill>
+            <a:schemeClr val="accent1"/>
+          </a:solidFill>
+          <a:ln>
+            <a:noFill/>
+          </a:ln>
+        </p:spPr>
+        <p:style>
+          <a:lnRef idx="2">
+            <a:schemeClr val="accent1">
+              <a:shade val="50000"/>
+            </a:schemeClr>
+          </a:lnRef>
+          <a:fillRef idx="1">
+            <a:schemeClr val="accent1"/>
+          </a:fillRef>
+          <a:effectRef idx="0">
+            <a:schemeClr val="accent1"/>
+          </a:effectRef>
+          <a:fontRef idx="minor">
+            <a:schemeClr val="lt1"/>
+          </a:fontRef>
+        </p:style>
+      </p:sp>
+      <p:sp>
+        <p:nvSpPr>
+          <p:cNvPr id="7" name="Date Placeholder 6"/>
           <p:cNvSpPr>
             <a:spLocks noGrp="1"/>
           </p:cNvSpPr>
@@ -3203,13 +3380,7 @@
       </p:sp>
       <p:sp>
         <p:nvSpPr>
-          <p:cNvPr id="3" name="Footer Placeholder 2">
-            <a:extLst>
-              <a:ext uri="{FF2B5EF4-FFF2-40B4-BE49-F238E27FC236}">
-                <a16:creationId xmlns:a16="http://schemas.microsoft.com/office/drawing/2014/main" id="{F1BB2B0D-934E-5954-18AE-02D558352907}"/>
-              </a:ext>
-            </a:extLst>
-          </p:cNvPr>
+          <p:cNvPr id="8" name="Footer Placeholder 7"/>
           <p:cNvSpPr>
             <a:spLocks noGrp="1"/>
           </p:cNvSpPr>
@@ -3220,7 +3391,15 @@
         <p:spPr/>
         <p:txBody>
           <a:bodyPr/>
-          <a:lstStyle/>
+          <a:lstStyle>
+            <a:lvl1pPr>
+              <a:defRPr>
+                <a:solidFill>
+                  <a:srgbClr val="FFFFFF"/>
+                </a:solidFill>
+              </a:defRPr>
+            </a:lvl1pPr>
+          </a:lstStyle>
           <a:p>
             <a:r>
               <a:rPr lang="en-IN"/>
@@ -3232,13 +3411,7 @@
       </p:sp>
       <p:sp>
         <p:nvSpPr>
-          <p:cNvPr id="4" name="Slide Number Placeholder 3">
-            <a:extLst>
-              <a:ext uri="{FF2B5EF4-FFF2-40B4-BE49-F238E27FC236}">
-                <a16:creationId xmlns:a16="http://schemas.microsoft.com/office/drawing/2014/main" id="{B6813614-7D82-E049-F121-3EF27A7431A8}"/>
-              </a:ext>
-            </a:extLst>
-          </p:cNvPr>
+          <p:cNvPr id="9" name="Slide Number Placeholder 8"/>
           <p:cNvSpPr>
             <a:spLocks noGrp="1"/>
           </p:cNvSpPr>
@@ -3271,7 +3444,7 @@
     </p:spTree>
     <p:extLst>
       <p:ext uri="{BB962C8B-B14F-4D97-AF65-F5344CB8AC3E}">
-        <p14:creationId xmlns:p14="http://schemas.microsoft.com/office/powerpoint/2010/main" val="433073071"/>
+        <p14:creationId xmlns:p14="http://schemas.microsoft.com/office/powerpoint/2010/main" val="597597930"/>
       </p:ext>
     </p:extLst>
   </p:cSld>
@@ -3282,7 +3455,7 @@
 </file>
 
 <file path=ppt/slideLayouts/slideLayout8.xml><?xml version="1.0" encoding="utf-8"?>
-<p:sldLayout xmlns:a="http://schemas.openxmlformats.org/drawingml/2006/main" xmlns:r="http://schemas.openxmlformats.org/officeDocument/2006/relationships" xmlns:p="http://schemas.openxmlformats.org/presentationml/2006/main" type="objTx" preserve="1">
+<p:sldLayout xmlns:a="http://schemas.openxmlformats.org/drawingml/2006/main" xmlns:r="http://schemas.openxmlformats.org/officeDocument/2006/relationships" xmlns:p="http://schemas.openxmlformats.org/presentationml/2006/main" showMasterSp="0" type="objTx" preserve="1">
   <p:cSld name="Content with Caption">
     <p:spTree>
       <p:nvGrpSpPr>
@@ -3300,13 +3473,83 @@
       </p:grpSpPr>
       <p:sp>
         <p:nvSpPr>
-          <p:cNvPr id="2" name="Title 1">
-            <a:extLst>
-              <a:ext uri="{FF2B5EF4-FFF2-40B4-BE49-F238E27FC236}">
-                <a16:creationId xmlns:a16="http://schemas.microsoft.com/office/drawing/2014/main" id="{58A74DE0-EF6A-FF72-D7E3-266F6ED84220}"/>
-              </a:ext>
-            </a:extLst>
-          </p:cNvPr>
+          <p:cNvPr id="8" name="Rectangle 7"/>
+          <p:cNvSpPr/>
+          <p:nvPr/>
+        </p:nvSpPr>
+        <p:spPr>
+          <a:xfrm>
+            <a:off x="13" y="0"/>
+            <a:ext cx="3038093" cy="5143500"/>
+          </a:xfrm>
+          <a:prstGeom prst="rect">
+            <a:avLst/>
+          </a:prstGeom>
+          <a:solidFill>
+            <a:schemeClr val="accent2"/>
+          </a:solidFill>
+          <a:ln>
+            <a:noFill/>
+          </a:ln>
+        </p:spPr>
+        <p:style>
+          <a:lnRef idx="2">
+            <a:schemeClr val="accent1">
+              <a:shade val="50000"/>
+            </a:schemeClr>
+          </a:lnRef>
+          <a:fillRef idx="1">
+            <a:schemeClr val="accent1"/>
+          </a:fillRef>
+          <a:effectRef idx="0">
+            <a:schemeClr val="accent1"/>
+          </a:effectRef>
+          <a:fontRef idx="minor">
+            <a:schemeClr val="lt1"/>
+          </a:fontRef>
+        </p:style>
+      </p:sp>
+      <p:sp>
+        <p:nvSpPr>
+          <p:cNvPr id="9" name="Rectangle 8"/>
+          <p:cNvSpPr/>
+          <p:nvPr/>
+        </p:nvSpPr>
+        <p:spPr>
+          <a:xfrm>
+            <a:off x="3030053" y="0"/>
+            <a:ext cx="48006" cy="5143500"/>
+          </a:xfrm>
+          <a:prstGeom prst="rect">
+            <a:avLst/>
+          </a:prstGeom>
+          <a:solidFill>
+            <a:schemeClr val="accent1"/>
+          </a:solidFill>
+          <a:ln>
+            <a:noFill/>
+          </a:ln>
+        </p:spPr>
+        <p:style>
+          <a:lnRef idx="2">
+            <a:schemeClr val="accent1">
+              <a:shade val="50000"/>
+            </a:schemeClr>
+          </a:lnRef>
+          <a:fillRef idx="1">
+            <a:schemeClr val="accent1"/>
+          </a:fillRef>
+          <a:effectRef idx="0">
+            <a:schemeClr val="accent1"/>
+          </a:effectRef>
+          <a:fontRef idx="minor">
+            <a:schemeClr val="lt1"/>
+          </a:fontRef>
+        </p:style>
+      </p:sp>
+      <p:sp>
+        <p:nvSpPr>
+          <p:cNvPr id="2" name="Title 1"/>
           <p:cNvSpPr>
             <a:spLocks noGrp="1"/>
           </p:cNvSpPr>
@@ -3316,15 +3559,21 @@
         </p:nvSpPr>
         <p:spPr>
           <a:xfrm>
-            <a:off x="629841" y="342900"/>
-            <a:ext cx="2949178" cy="1200150"/>
+            <a:off x="342900" y="445769"/>
+            <a:ext cx="2400300" cy="1714500"/>
           </a:xfrm>
         </p:spPr>
         <p:txBody>
-          <a:bodyPr anchor="b"/>
+          <a:bodyPr anchor="b">
+            <a:normAutofit/>
+          </a:bodyPr>
           <a:lstStyle>
             <a:lvl1pPr>
-              <a:defRPr sz="2400"/>
+              <a:defRPr sz="2700" b="0">
+                <a:solidFill>
+                  <a:srgbClr val="FFFFFF"/>
+                </a:solidFill>
+              </a:defRPr>
             </a:lvl1pPr>
           </a:lstStyle>
           <a:p>
@@ -3332,19 +3581,13 @@
               <a:rPr lang="en-US"/>
               <a:t>Click to edit Master title style</a:t>
             </a:r>
-            <a:endParaRPr lang="en-AU"/>
+            <a:endParaRPr lang="en-US" dirty="0"/>
           </a:p>
         </p:txBody>
       </p:sp>
       <p:sp>
         <p:nvSpPr>
-          <p:cNvPr id="3" name="Content Placeholder 2">
-            <a:extLst>
-              <a:ext uri="{FF2B5EF4-FFF2-40B4-BE49-F238E27FC236}">
-                <a16:creationId xmlns:a16="http://schemas.microsoft.com/office/drawing/2014/main" id="{A0611965-7262-A1B7-A2A0-562544A6903E}"/>
-              </a:ext>
-            </a:extLst>
-          </p:cNvPr>
+          <p:cNvPr id="3" name="Content Placeholder 2"/>
           <p:cNvSpPr>
             <a:spLocks noGrp="1"/>
           </p:cNvSpPr>
@@ -3354,41 +3597,13 @@
         </p:nvSpPr>
         <p:spPr>
           <a:xfrm>
-            <a:off x="3887391" y="740569"/>
-            <a:ext cx="4629150" cy="3655219"/>
+            <a:off x="3600450" y="548640"/>
+            <a:ext cx="4869180" cy="3943350"/>
           </a:xfrm>
         </p:spPr>
         <p:txBody>
           <a:bodyPr/>
-          <a:lstStyle>
-            <a:lvl1pPr>
-              <a:defRPr sz="2400"/>
-            </a:lvl1pPr>
-            <a:lvl2pPr>
-              <a:defRPr sz="2100"/>
-            </a:lvl2pPr>
-            <a:lvl3pPr>
-              <a:defRPr sz="1800"/>
-            </a:lvl3pPr>
-            <a:lvl4pPr>
-              <a:defRPr sz="1500"/>
-            </a:lvl4pPr>
-            <a:lvl5pPr>
-              <a:defRPr sz="1500"/>
-            </a:lvl5pPr>
-            <a:lvl6pPr>
-              <a:defRPr sz="1500"/>
-            </a:lvl6pPr>
-            <a:lvl7pPr>
-              <a:defRPr sz="1500"/>
-            </a:lvl7pPr>
-            <a:lvl8pPr>
-              <a:defRPr sz="1500"/>
-            </a:lvl8pPr>
-            <a:lvl9pPr>
-              <a:defRPr sz="1500"/>
-            </a:lvl9pPr>
-          </a:lstStyle>
+          <a:lstStyle/>
           <a:p>
             <a:pPr lvl="0"/>
             <a:r>
@@ -3423,19 +3638,13 @@
               <a:rPr lang="en-US"/>
               <a:t>Fifth level</a:t>
             </a:r>
-            <a:endParaRPr lang="en-AU"/>
+            <a:endParaRPr lang="en-US" dirty="0"/>
           </a:p>
         </p:txBody>
       </p:sp>
       <p:sp>
         <p:nvSpPr>
-          <p:cNvPr id="4" name="Text Placeholder 3">
-            <a:extLst>
-              <a:ext uri="{FF2B5EF4-FFF2-40B4-BE49-F238E27FC236}">
-                <a16:creationId xmlns:a16="http://schemas.microsoft.com/office/drawing/2014/main" id="{89A43276-E700-6052-0131-94487CFC3EC8}"/>
-              </a:ext>
-            </a:extLst>
-          </p:cNvPr>
+          <p:cNvPr id="4" name="Text Placeholder 3"/>
           <p:cNvSpPr>
             <a:spLocks noGrp="1"/>
           </p:cNvSpPr>
@@ -3445,48 +3654,54 @@
         </p:nvSpPr>
         <p:spPr>
           <a:xfrm>
-            <a:off x="629841" y="1543050"/>
-            <a:ext cx="2949178" cy="2858691"/>
+            <a:off x="342900" y="2194560"/>
+            <a:ext cx="2400300" cy="2534343"/>
           </a:xfrm>
         </p:spPr>
         <p:txBody>
-          <a:bodyPr/>
+          <a:bodyPr lIns="91440" rIns="91440">
+            <a:normAutofit/>
+          </a:bodyPr>
           <a:lstStyle>
             <a:lvl1pPr marL="0" indent="0">
               <a:buNone/>
-              <a:defRPr sz="1200"/>
+              <a:defRPr sz="1125">
+                <a:solidFill>
+                  <a:srgbClr val="FFFFFF"/>
+                </a:solidFill>
+              </a:defRPr>
             </a:lvl1pPr>
             <a:lvl2pPr marL="342900" indent="0">
               <a:buNone/>
-              <a:defRPr sz="1050"/>
+              <a:defRPr sz="900"/>
             </a:lvl2pPr>
             <a:lvl3pPr marL="685800" indent="0">
               <a:buNone/>
-              <a:defRPr sz="900"/>
+              <a:defRPr sz="750"/>
             </a:lvl3pPr>
             <a:lvl4pPr marL="1028700" indent="0">
               <a:buNone/>
-              <a:defRPr sz="750"/>
+              <a:defRPr sz="675"/>
             </a:lvl4pPr>
             <a:lvl5pPr marL="1371600" indent="0">
               <a:buNone/>
-              <a:defRPr sz="750"/>
+              <a:defRPr sz="675"/>
             </a:lvl5pPr>
             <a:lvl6pPr marL="1714500" indent="0">
               <a:buNone/>
-              <a:defRPr sz="750"/>
+              <a:defRPr sz="675"/>
             </a:lvl6pPr>
             <a:lvl7pPr marL="2057400" indent="0">
               <a:buNone/>
-              <a:defRPr sz="750"/>
+              <a:defRPr sz="675"/>
             </a:lvl7pPr>
             <a:lvl8pPr marL="2400300" indent="0">
               <a:buNone/>
-              <a:defRPr sz="750"/>
+              <a:defRPr sz="675"/>
             </a:lvl8pPr>
             <a:lvl9pPr marL="2743200" indent="0">
               <a:buNone/>
-              <a:defRPr sz="750"/>
+              <a:defRPr sz="675"/>
             </a:lvl9pPr>
           </a:lstStyle>
           <a:p>
@@ -3500,13 +3715,7 @@
       </p:sp>
       <p:sp>
         <p:nvSpPr>
-          <p:cNvPr id="5" name="Date Placeholder 4">
-            <a:extLst>
-              <a:ext uri="{FF2B5EF4-FFF2-40B4-BE49-F238E27FC236}">
-                <a16:creationId xmlns:a16="http://schemas.microsoft.com/office/drawing/2014/main" id="{0CBDF7EF-551C-603D-5D2C-3442B4D524BF}"/>
-              </a:ext>
-            </a:extLst>
-          </p:cNvPr>
+          <p:cNvPr id="5" name="Date Placeholder 4"/>
           <p:cNvSpPr>
             <a:spLocks noGrp="1"/>
           </p:cNvSpPr>
@@ -3514,10 +3723,19 @@
             <p:ph type="dt" sz="half" idx="10"/>
           </p:nvPr>
         </p:nvSpPr>
-        <p:spPr/>
+        <p:spPr>
+          <a:xfrm>
+            <a:off x="349134" y="4844839"/>
+            <a:ext cx="1963883" cy="273844"/>
+          </a:xfrm>
+        </p:spPr>
         <p:txBody>
           <a:bodyPr/>
-          <a:lstStyle/>
+          <a:lstStyle>
+            <a:lvl1pPr algn="l">
+              <a:defRPr/>
+            </a:lvl1pPr>
+          </a:lstStyle>
           <a:p>
             <a:r>
               <a:rPr lang="en-US"/>
@@ -3529,13 +3747,7 @@
       </p:sp>
       <p:sp>
         <p:nvSpPr>
-          <p:cNvPr id="6" name="Footer Placeholder 5">
-            <a:extLst>
-              <a:ext uri="{FF2B5EF4-FFF2-40B4-BE49-F238E27FC236}">
-                <a16:creationId xmlns:a16="http://schemas.microsoft.com/office/drawing/2014/main" id="{BA4430E6-11B4-75A0-C0B3-06011DE44D3D}"/>
-              </a:ext>
-            </a:extLst>
-          </p:cNvPr>
+          <p:cNvPr id="6" name="Footer Placeholder 5"/>
           <p:cNvSpPr>
             <a:spLocks noGrp="1"/>
           </p:cNvSpPr>
@@ -3543,10 +3755,23 @@
             <p:ph type="ftr" sz="quarter" idx="11"/>
           </p:nvPr>
         </p:nvSpPr>
-        <p:spPr/>
+        <p:spPr>
+          <a:xfrm>
+            <a:off x="3600450" y="4844839"/>
+            <a:ext cx="3486150" cy="273844"/>
+          </a:xfrm>
+        </p:spPr>
         <p:txBody>
           <a:bodyPr/>
-          <a:lstStyle/>
+          <a:lstStyle>
+            <a:lvl1pPr algn="l">
+              <a:defRPr>
+                <a:solidFill>
+                  <a:schemeClr val="tx2"/>
+                </a:solidFill>
+              </a:defRPr>
+            </a:lvl1pPr>
+          </a:lstStyle>
           <a:p>
             <a:r>
               <a:rPr lang="en-IN"/>
@@ -3558,13 +3783,7 @@
       </p:sp>
       <p:sp>
         <p:nvSpPr>
-          <p:cNvPr id="7" name="Slide Number Placeholder 6">
-            <a:extLst>
-              <a:ext uri="{FF2B5EF4-FFF2-40B4-BE49-F238E27FC236}">
-                <a16:creationId xmlns:a16="http://schemas.microsoft.com/office/drawing/2014/main" id="{6DB08093-5E75-DE15-EB07-66E5BFF952A3}"/>
-              </a:ext>
-            </a:extLst>
-          </p:cNvPr>
+          <p:cNvPr id="7" name="Slide Number Placeholder 6"/>
           <p:cNvSpPr>
             <a:spLocks noGrp="1"/>
           </p:cNvSpPr>
@@ -3575,7 +3794,15 @@
         <p:spPr/>
         <p:txBody>
           <a:bodyPr/>
-          <a:lstStyle/>
+          <a:lstStyle>
+            <a:lvl1pPr>
+              <a:defRPr>
+                <a:solidFill>
+                  <a:schemeClr val="tx2"/>
+                </a:solidFill>
+              </a:defRPr>
+            </a:lvl1pPr>
+          </a:lstStyle>
           <a:p>
             <a:pPr marL="0" lvl="0" indent="0" algn="r" rtl="0">
               <a:spcBef>
@@ -3597,7 +3824,7 @@
     </p:spTree>
     <p:extLst>
       <p:ext uri="{BB962C8B-B14F-4D97-AF65-F5344CB8AC3E}">
-        <p14:creationId xmlns:p14="http://schemas.microsoft.com/office/powerpoint/2010/main" val="3362219516"/>
+        <p14:creationId xmlns:p14="http://schemas.microsoft.com/office/powerpoint/2010/main" val="3015161324"/>
       </p:ext>
     </p:extLst>
   </p:cSld>
@@ -3608,7 +3835,7 @@
 </file>
 
 <file path=ppt/slideLayouts/slideLayout9.xml><?xml version="1.0" encoding="utf-8"?>
-<p:sldLayout xmlns:a="http://schemas.openxmlformats.org/drawingml/2006/main" xmlns:r="http://schemas.openxmlformats.org/officeDocument/2006/relationships" xmlns:p="http://schemas.openxmlformats.org/presentationml/2006/main" type="picTx" preserve="1">
+<p:sldLayout xmlns:a="http://schemas.openxmlformats.org/drawingml/2006/main" xmlns:r="http://schemas.openxmlformats.org/officeDocument/2006/relationships" xmlns:p="http://schemas.openxmlformats.org/presentationml/2006/main" showMasterSp="0" type="picTx" preserve="1">
   <p:cSld name="Picture with Caption">
     <p:spTree>
       <p:nvGrpSpPr>
@@ -3626,13 +3853,83 @@
       </p:grpSpPr>
       <p:sp>
         <p:nvSpPr>
-          <p:cNvPr id="2" name="Title 1">
-            <a:extLst>
-              <a:ext uri="{FF2B5EF4-FFF2-40B4-BE49-F238E27FC236}">
-                <a16:creationId xmlns:a16="http://schemas.microsoft.com/office/drawing/2014/main" id="{0A9E53B4-25FD-BB97-326B-BBE7BFC55D4B}"/>
-              </a:ext>
-            </a:extLst>
-          </p:cNvPr>
+          <p:cNvPr id="8" name="Rectangle 7"/>
+          <p:cNvSpPr/>
+          <p:nvPr/>
+        </p:nvSpPr>
+        <p:spPr>
+          <a:xfrm>
+            <a:off x="0" y="3714750"/>
+            <a:ext cx="9141619" cy="1428750"/>
+          </a:xfrm>
+          <a:prstGeom prst="rect">
+            <a:avLst/>
+          </a:prstGeom>
+          <a:solidFill>
+            <a:schemeClr val="accent2"/>
+          </a:solidFill>
+          <a:ln>
+            <a:noFill/>
+          </a:ln>
+        </p:spPr>
+        <p:style>
+          <a:lnRef idx="2">
+            <a:schemeClr val="accent1">
+              <a:shade val="50000"/>
+            </a:schemeClr>
+          </a:lnRef>
+          <a:fillRef idx="1">
+            <a:schemeClr val="accent1"/>
+          </a:fillRef>
+          <a:effectRef idx="0">
+            <a:schemeClr val="accent1"/>
+          </a:effectRef>
+          <a:fontRef idx="minor">
+            <a:schemeClr val="lt1"/>
+          </a:fontRef>
+        </p:style>
+      </p:sp>
+      <p:sp>
+        <p:nvSpPr>
+          <p:cNvPr id="9" name="Rectangle 8"/>
+          <p:cNvSpPr/>
+          <p:nvPr/>
+        </p:nvSpPr>
+        <p:spPr>
+          <a:xfrm>
+            <a:off x="12" y="3686307"/>
+            <a:ext cx="9141619" cy="48006"/>
+          </a:xfrm>
+          <a:prstGeom prst="rect">
+            <a:avLst/>
+          </a:prstGeom>
+          <a:solidFill>
+            <a:schemeClr val="accent1"/>
+          </a:solidFill>
+          <a:ln>
+            <a:noFill/>
+          </a:ln>
+        </p:spPr>
+        <p:style>
+          <a:lnRef idx="2">
+            <a:schemeClr val="accent1">
+              <a:shade val="50000"/>
+            </a:schemeClr>
+          </a:lnRef>
+          <a:fillRef idx="1">
+            <a:schemeClr val="accent1"/>
+          </a:fillRef>
+          <a:effectRef idx="0">
+            <a:schemeClr val="accent1"/>
+          </a:effectRef>
+          <a:fontRef idx="minor">
+            <a:schemeClr val="lt1"/>
+          </a:fontRef>
+        </p:style>
+      </p:sp>
+      <p:sp>
+        <p:nvSpPr>
+          <p:cNvPr id="2" name="Title 1"/>
           <p:cNvSpPr>
             <a:spLocks noGrp="1"/>
           </p:cNvSpPr>
@@ -3642,15 +3939,21 @@
         </p:nvSpPr>
         <p:spPr>
           <a:xfrm>
-            <a:off x="629841" y="342900"/>
-            <a:ext cx="2949178" cy="1200150"/>
+            <a:off x="822960" y="3806190"/>
+            <a:ext cx="7584948" cy="617220"/>
           </a:xfrm>
         </p:spPr>
         <p:txBody>
-          <a:bodyPr anchor="b"/>
+          <a:bodyPr lIns="91440" tIns="0" rIns="91440" bIns="0" anchor="b">
+            <a:noAutofit/>
+          </a:bodyPr>
           <a:lstStyle>
             <a:lvl1pPr>
-              <a:defRPr sz="2400"/>
+              <a:defRPr sz="2700" b="0">
+                <a:solidFill>
+                  <a:srgbClr val="FFFFFF"/>
+                </a:solidFill>
+              </a:defRPr>
             </a:lvl1pPr>
           </a:lstStyle>
           <a:p>
@@ -3658,21 +3961,15 @@
               <a:rPr lang="en-US"/>
               <a:t>Click to edit Master title style</a:t>
             </a:r>
-            <a:endParaRPr lang="en-AU"/>
+            <a:endParaRPr lang="en-US" dirty="0"/>
           </a:p>
         </p:txBody>
       </p:sp>
       <p:sp>
         <p:nvSpPr>
-          <p:cNvPr id="3" name="Picture Placeholder 2">
-            <a:extLst>
-              <a:ext uri="{FF2B5EF4-FFF2-40B4-BE49-F238E27FC236}">
-                <a16:creationId xmlns:a16="http://schemas.microsoft.com/office/drawing/2014/main" id="{A106A208-6A65-7395-592C-D2D2F43B1276}"/>
-              </a:ext>
-            </a:extLst>
-          </p:cNvPr>
+          <p:cNvPr id="3" name="Picture Placeholder 2"/>
           <p:cNvSpPr>
-            <a:spLocks noGrp="1"/>
+            <a:spLocks noGrp="1" noChangeAspect="1"/>
           </p:cNvSpPr>
           <p:nvPr>
             <p:ph type="pic" idx="1"/>
@@ -3680,16 +3977,26 @@
         </p:nvSpPr>
         <p:spPr>
           <a:xfrm>
-            <a:off x="3887391" y="740569"/>
-            <a:ext cx="4629150" cy="3655219"/>
+            <a:off x="12" y="0"/>
+            <a:ext cx="9143989" cy="3686307"/>
           </a:xfrm>
+          <a:blipFill>
+            <a:blip r:embed="rId2"/>
+            <a:stretch>
+              <a:fillRect/>
+            </a:stretch>
+          </a:blipFill>
         </p:spPr>
         <p:txBody>
-          <a:bodyPr/>
+          <a:bodyPr lIns="457200" tIns="457200" anchor="t"/>
           <a:lstStyle>
             <a:lvl1pPr marL="0" indent="0">
               <a:buNone/>
-              <a:defRPr sz="2400"/>
+              <a:defRPr sz="2400">
+                <a:solidFill>
+                  <a:schemeClr val="bg1"/>
+                </a:solidFill>
+              </a:defRPr>
             </a:lvl1pPr>
             <a:lvl2pPr marL="342900" indent="0">
               <a:buNone/>
@@ -3725,19 +4032,17 @@
             </a:lvl9pPr>
           </a:lstStyle>
           <a:p>
-            <a:endParaRPr lang="en-AU"/>
+            <a:r>
+              <a:rPr lang="en-US"/>
+              <a:t>Click icon to add picture</a:t>
+            </a:r>
+            <a:endParaRPr lang="en-US" dirty="0"/>
           </a:p>
         </p:txBody>
       </p:sp>
       <p:sp>
         <p:nvSpPr>
-          <p:cNvPr id="4" name="Text Placeholder 3">
-            <a:extLst>
-              <a:ext uri="{FF2B5EF4-FFF2-40B4-BE49-F238E27FC236}">
-                <a16:creationId xmlns:a16="http://schemas.microsoft.com/office/drawing/2014/main" id="{9CDE081C-1E01-BE56-23C3-361251ADD2D7}"/>
-              </a:ext>
-            </a:extLst>
-          </p:cNvPr>
+          <p:cNvPr id="4" name="Text Placeholder 3"/>
           <p:cNvSpPr>
             <a:spLocks noGrp="1"/>
           </p:cNvSpPr>
@@ -3747,48 +4052,60 @@
         </p:nvSpPr>
         <p:spPr>
           <a:xfrm>
-            <a:off x="629841" y="1543050"/>
-            <a:ext cx="2949178" cy="2858691"/>
+            <a:off x="822960" y="4430267"/>
+            <a:ext cx="7584948" cy="445770"/>
           </a:xfrm>
         </p:spPr>
         <p:txBody>
-          <a:bodyPr/>
+          <a:bodyPr lIns="91440" tIns="0" rIns="91440" bIns="0">
+            <a:normAutofit/>
+          </a:bodyPr>
           <a:lstStyle>
             <a:lvl1pPr marL="0" indent="0">
+              <a:spcBef>
+                <a:spcPts val="0"/>
+              </a:spcBef>
+              <a:spcAft>
+                <a:spcPts val="450"/>
+              </a:spcAft>
               <a:buNone/>
-              <a:defRPr sz="1200"/>
+              <a:defRPr sz="1125">
+                <a:solidFill>
+                  <a:srgbClr val="FFFFFF"/>
+                </a:solidFill>
+              </a:defRPr>
             </a:lvl1pPr>
             <a:lvl2pPr marL="342900" indent="0">
               <a:buNone/>
-              <a:defRPr sz="1050"/>
+              <a:defRPr sz="900"/>
             </a:lvl2pPr>
             <a:lvl3pPr marL="685800" indent="0">
               <a:buNone/>
-              <a:defRPr sz="900"/>
+              <a:defRPr sz="750"/>
             </a:lvl3pPr>
             <a:lvl4pPr marL="1028700" indent="0">
               <a:buNone/>
-              <a:defRPr sz="750"/>
+              <a:defRPr sz="675"/>
             </a:lvl4pPr>
             <a:lvl5pPr marL="1371600" indent="0">
               <a:buNone/>
-              <a:defRPr sz="750"/>
+              <a:defRPr sz="675"/>
             </a:lvl5pPr>
             <a:lvl6pPr marL="1714500" indent="0">
               <a:buNone/>
-              <a:defRPr sz="750"/>
+              <a:defRPr sz="675"/>
             </a:lvl6pPr>
             <a:lvl7pPr marL="2057400" indent="0">
               <a:buNone/>
-              <a:defRPr sz="750"/>
+              <a:defRPr sz="675"/>
             </a:lvl7pPr>
             <a:lvl8pPr marL="2400300" indent="0">
               <a:buNone/>
-              <a:defRPr sz="750"/>
+              <a:defRPr sz="675"/>
             </a:lvl8pPr>
             <a:lvl9pPr marL="2743200" indent="0">
               <a:buNone/>
-              <a:defRPr sz="750"/>
+              <a:defRPr sz="675"/>
             </a:lvl9pPr>
           </a:lstStyle>
           <a:p>
@@ -3802,13 +4119,7 @@
       </p:sp>
       <p:sp>
         <p:nvSpPr>
-          <p:cNvPr id="5" name="Date Placeholder 4">
-            <a:extLst>
-              <a:ext uri="{FF2B5EF4-FFF2-40B4-BE49-F238E27FC236}">
-                <a16:creationId xmlns:a16="http://schemas.microsoft.com/office/drawing/2014/main" id="{6284CCCE-7EC7-A23B-B509-ADF2BBB564FB}"/>
-              </a:ext>
-            </a:extLst>
-          </p:cNvPr>
+          <p:cNvPr id="5" name="Date Placeholder 4"/>
           <p:cNvSpPr>
             <a:spLocks noGrp="1"/>
           </p:cNvSpPr>
@@ -3831,13 +4142,7 @@
       </p:sp>
       <p:sp>
         <p:nvSpPr>
-          <p:cNvPr id="6" name="Footer Placeholder 5">
-            <a:extLst>
-              <a:ext uri="{FF2B5EF4-FFF2-40B4-BE49-F238E27FC236}">
-                <a16:creationId xmlns:a16="http://schemas.microsoft.com/office/drawing/2014/main" id="{9C08ED69-6457-7DAA-F15B-AC679BA56C3C}"/>
-              </a:ext>
-            </a:extLst>
-          </p:cNvPr>
+          <p:cNvPr id="6" name="Footer Placeholder 5"/>
           <p:cNvSpPr>
             <a:spLocks noGrp="1"/>
           </p:cNvSpPr>
@@ -3860,13 +4165,7 @@
       </p:sp>
       <p:sp>
         <p:nvSpPr>
-          <p:cNvPr id="7" name="Slide Number Placeholder 6">
-            <a:extLst>
-              <a:ext uri="{FF2B5EF4-FFF2-40B4-BE49-F238E27FC236}">
-                <a16:creationId xmlns:a16="http://schemas.microsoft.com/office/drawing/2014/main" id="{7E9C3990-023B-31C7-B1A6-03D42C1A222F}"/>
-              </a:ext>
-            </a:extLst>
-          </p:cNvPr>
+          <p:cNvPr id="7" name="Slide Number Placeholder 6"/>
           <p:cNvSpPr>
             <a:spLocks noGrp="1"/>
           </p:cNvSpPr>
@@ -3899,7 +4198,7 @@
     </p:spTree>
     <p:extLst>
       <p:ext uri="{BB962C8B-B14F-4D97-AF65-F5344CB8AC3E}">
-        <p14:creationId xmlns:p14="http://schemas.microsoft.com/office/powerpoint/2010/main" val="2139989895"/>
+        <p14:creationId xmlns:p14="http://schemas.microsoft.com/office/powerpoint/2010/main" val="1328765861"/>
       </p:ext>
     </p:extLst>
   </p:cSld>
@@ -3913,36 +4212,9 @@
 <p:sldMaster xmlns:a="http://schemas.openxmlformats.org/drawingml/2006/main" xmlns:r="http://schemas.openxmlformats.org/officeDocument/2006/relationships" xmlns:p="http://schemas.openxmlformats.org/presentationml/2006/main">
   <p:cSld>
     <p:bg>
-      <p:bgPr>
-        <a:gradFill flip="none" rotWithShape="1">
-          <a:gsLst>
-            <a:gs pos="0">
-              <a:schemeClr val="accent6"/>
-            </a:gs>
-            <a:gs pos="74000">
-              <a:schemeClr val="accent1">
-                <a:lumMod val="45000"/>
-                <a:lumOff val="55000"/>
-              </a:schemeClr>
-            </a:gs>
-            <a:gs pos="83000">
-              <a:schemeClr val="accent1">
-                <a:lumMod val="45000"/>
-                <a:lumOff val="55000"/>
-              </a:schemeClr>
-            </a:gs>
-            <a:gs pos="100000">
-              <a:schemeClr val="accent1">
-                <a:lumMod val="30000"/>
-                <a:lumOff val="70000"/>
-              </a:schemeClr>
-            </a:gs>
-          </a:gsLst>
-          <a:lin ang="5400000" scaled="1"/>
-          <a:tileRect/>
-        </a:gradFill>
-        <a:effectLst/>
-      </p:bgPr>
+      <p:bgRef idx="1001">
+        <a:schemeClr val="bg1"/>
+      </p:bgRef>
     </p:bg>
     <p:spTree>
       <p:nvGrpSpPr>
@@ -3960,13 +4232,83 @@
       </p:grpSpPr>
       <p:sp>
         <p:nvSpPr>
-          <p:cNvPr id="2" name="Title Placeholder 1">
-            <a:extLst>
-              <a:ext uri="{FF2B5EF4-FFF2-40B4-BE49-F238E27FC236}">
-                <a16:creationId xmlns:a16="http://schemas.microsoft.com/office/drawing/2014/main" id="{00A25DC8-EED2-D281-CE38-298348411E3D}"/>
-              </a:ext>
-            </a:extLst>
-          </p:cNvPr>
+          <p:cNvPr id="7" name="Rectangle 6"/>
+          <p:cNvSpPr/>
+          <p:nvPr/>
+        </p:nvSpPr>
+        <p:spPr>
+          <a:xfrm>
+            <a:off x="1" y="4800600"/>
+            <a:ext cx="9144000" cy="342900"/>
+          </a:xfrm>
+          <a:prstGeom prst="rect">
+            <a:avLst/>
+          </a:prstGeom>
+          <a:solidFill>
+            <a:schemeClr val="accent2"/>
+          </a:solidFill>
+          <a:ln>
+            <a:noFill/>
+          </a:ln>
+        </p:spPr>
+        <p:style>
+          <a:lnRef idx="2">
+            <a:schemeClr val="accent1">
+              <a:shade val="50000"/>
+            </a:schemeClr>
+          </a:lnRef>
+          <a:fillRef idx="1">
+            <a:schemeClr val="accent1"/>
+          </a:fillRef>
+          <a:effectRef idx="0">
+            <a:schemeClr val="accent1"/>
+          </a:effectRef>
+          <a:fontRef idx="minor">
+            <a:schemeClr val="lt1"/>
+          </a:fontRef>
+        </p:style>
+      </p:sp>
+      <p:sp>
+        <p:nvSpPr>
+          <p:cNvPr id="9" name="Rectangle 8"/>
+          <p:cNvSpPr/>
+          <p:nvPr/>
+        </p:nvSpPr>
+        <p:spPr>
+          <a:xfrm>
+            <a:off x="0" y="4750737"/>
+            <a:ext cx="9144001" cy="49499"/>
+          </a:xfrm>
+          <a:prstGeom prst="rect">
+            <a:avLst/>
+          </a:prstGeom>
+          <a:solidFill>
+            <a:schemeClr val="accent1"/>
+          </a:solidFill>
+          <a:ln>
+            <a:noFill/>
+          </a:ln>
+        </p:spPr>
+        <p:style>
+          <a:lnRef idx="2">
+            <a:schemeClr val="accent1">
+              <a:shade val="50000"/>
+            </a:schemeClr>
+          </a:lnRef>
+          <a:fillRef idx="1">
+            <a:schemeClr val="accent1"/>
+          </a:fillRef>
+          <a:effectRef idx="0">
+            <a:schemeClr val="accent1"/>
+          </a:effectRef>
+          <a:fontRef idx="minor">
+            <a:schemeClr val="lt1"/>
+          </a:fontRef>
+        </p:style>
+      </p:sp>
+      <p:sp>
+        <p:nvSpPr>
+          <p:cNvPr id="2" name="Title Placeholder 1"/>
           <p:cNvSpPr>
             <a:spLocks noGrp="1"/>
           </p:cNvSpPr>
@@ -3976,15 +4318,15 @@
         </p:nvSpPr>
         <p:spPr>
           <a:xfrm>
-            <a:off x="628650" y="273844"/>
-            <a:ext cx="7886700" cy="994172"/>
+            <a:off x="822960" y="214953"/>
+            <a:ext cx="7543800" cy="1088068"/>
           </a:xfrm>
           <a:prstGeom prst="rect">
             <a:avLst/>
           </a:prstGeom>
         </p:spPr>
         <p:txBody>
-          <a:bodyPr vert="horz" lIns="91440" tIns="45720" rIns="91440" bIns="45720" rtlCol="0" anchor="ctr">
+          <a:bodyPr vert="horz" lIns="91440" tIns="45720" rIns="91440" bIns="45720" rtlCol="0" anchor="b">
             <a:normAutofit/>
           </a:bodyPr>
           <a:lstStyle/>
@@ -3993,19 +4335,13 @@
               <a:rPr lang="en-US"/>
               <a:t>Click to edit Master title style</a:t>
             </a:r>
-            <a:endParaRPr lang="en-AU"/>
+            <a:endParaRPr lang="en-US" dirty="0"/>
           </a:p>
         </p:txBody>
       </p:sp>
       <p:sp>
         <p:nvSpPr>
-          <p:cNvPr id="3" name="Text Placeholder 2">
-            <a:extLst>
-              <a:ext uri="{FF2B5EF4-FFF2-40B4-BE49-F238E27FC236}">
-                <a16:creationId xmlns:a16="http://schemas.microsoft.com/office/drawing/2014/main" id="{42492F06-7E85-362D-6932-6342372BD4CB}"/>
-              </a:ext>
-            </a:extLst>
-          </p:cNvPr>
+          <p:cNvPr id="3" name="Text Placeholder 2"/>
           <p:cNvSpPr>
             <a:spLocks noGrp="1"/>
           </p:cNvSpPr>
@@ -4015,15 +4351,15 @@
         </p:nvSpPr>
         <p:spPr>
           <a:xfrm>
-            <a:off x="628650" y="1369219"/>
-            <a:ext cx="7886700" cy="3263504"/>
+            <a:off x="822960" y="1384301"/>
+            <a:ext cx="7543800" cy="3017520"/>
           </a:xfrm>
           <a:prstGeom prst="rect">
             <a:avLst/>
           </a:prstGeom>
         </p:spPr>
         <p:txBody>
-          <a:bodyPr vert="horz" lIns="91440" tIns="45720" rIns="91440" bIns="45720" rtlCol="0">
+          <a:bodyPr vert="horz" lIns="0" tIns="45720" rIns="0" bIns="45720" rtlCol="0">
             <a:normAutofit/>
           </a:bodyPr>
           <a:lstStyle/>
@@ -4061,19 +4397,13 @@
               <a:rPr lang="en-US"/>
               <a:t>Fifth level</a:t>
             </a:r>
-            <a:endParaRPr lang="en-AU"/>
+            <a:endParaRPr lang="en-US" dirty="0"/>
           </a:p>
         </p:txBody>
       </p:sp>
       <p:sp>
         <p:nvSpPr>
-          <p:cNvPr id="4" name="Date Placeholder 3">
-            <a:extLst>
-              <a:ext uri="{FF2B5EF4-FFF2-40B4-BE49-F238E27FC236}">
-                <a16:creationId xmlns:a16="http://schemas.microsoft.com/office/drawing/2014/main" id="{16718940-77B0-3A4B-BE5F-9AED26230779}"/>
-              </a:ext>
-            </a:extLst>
-          </p:cNvPr>
+          <p:cNvPr id="4" name="Date Placeholder 3"/>
           <p:cNvSpPr>
             <a:spLocks noGrp="1"/>
           </p:cNvSpPr>
@@ -4083,8 +4413,8 @@
         </p:nvSpPr>
         <p:spPr>
           <a:xfrm>
-            <a:off x="628650" y="4767263"/>
-            <a:ext cx="2057400" cy="273844"/>
+            <a:off x="822961" y="4844839"/>
+            <a:ext cx="1854203" cy="273844"/>
           </a:xfrm>
           <a:prstGeom prst="rect">
             <a:avLst/>
@@ -4094,11 +4424,9 @@
           <a:bodyPr vert="horz" lIns="91440" tIns="45720" rIns="91440" bIns="45720" rtlCol="0" anchor="ctr"/>
           <a:lstStyle>
             <a:lvl1pPr algn="l">
-              <a:defRPr sz="900">
+              <a:defRPr sz="675">
                 <a:solidFill>
-                  <a:schemeClr val="tx1">
-                    <a:tint val="75000"/>
-                  </a:schemeClr>
+                  <a:srgbClr val="FFFFFF"/>
                 </a:solidFill>
               </a:defRPr>
             </a:lvl1pPr>
@@ -4114,13 +4442,7 @@
       </p:sp>
       <p:sp>
         <p:nvSpPr>
-          <p:cNvPr id="5" name="Footer Placeholder 4">
-            <a:extLst>
-              <a:ext uri="{FF2B5EF4-FFF2-40B4-BE49-F238E27FC236}">
-                <a16:creationId xmlns:a16="http://schemas.microsoft.com/office/drawing/2014/main" id="{9A7CA987-D2E3-A2D4-6BDA-70569AEDF49B}"/>
-              </a:ext>
-            </a:extLst>
-          </p:cNvPr>
+          <p:cNvPr id="5" name="Footer Placeholder 4"/>
           <p:cNvSpPr>
             <a:spLocks noGrp="1"/>
           </p:cNvSpPr>
@@ -4130,8 +4452,8 @@
         </p:nvSpPr>
         <p:spPr>
           <a:xfrm>
-            <a:off x="3028950" y="4767263"/>
-            <a:ext cx="3086100" cy="273844"/>
+            <a:off x="2764639" y="4844839"/>
+            <a:ext cx="3617103" cy="273844"/>
           </a:xfrm>
           <a:prstGeom prst="rect">
             <a:avLst/>
@@ -4141,11 +4463,9 @@
           <a:bodyPr vert="horz" lIns="91440" tIns="45720" rIns="91440" bIns="45720" rtlCol="0" anchor="ctr"/>
           <a:lstStyle>
             <a:lvl1pPr algn="ctr">
-              <a:defRPr sz="900">
+              <a:defRPr sz="675" cap="all" baseline="0">
                 <a:solidFill>
-                  <a:schemeClr val="tx1">
-                    <a:tint val="75000"/>
-                  </a:schemeClr>
+                  <a:srgbClr val="FFFFFF"/>
                 </a:solidFill>
               </a:defRPr>
             </a:lvl1pPr>
@@ -4161,13 +4481,7 @@
       </p:sp>
       <p:sp>
         <p:nvSpPr>
-          <p:cNvPr id="6" name="Slide Number Placeholder 5">
-            <a:extLst>
-              <a:ext uri="{FF2B5EF4-FFF2-40B4-BE49-F238E27FC236}">
-                <a16:creationId xmlns:a16="http://schemas.microsoft.com/office/drawing/2014/main" id="{5EB3FD3F-B661-C47C-553F-3893466A319C}"/>
-              </a:ext>
-            </a:extLst>
-          </p:cNvPr>
+          <p:cNvPr id="6" name="Slide Number Placeholder 5"/>
           <p:cNvSpPr>
             <a:spLocks noGrp="1"/>
           </p:cNvSpPr>
@@ -4177,8 +4491,8 @@
         </p:nvSpPr>
         <p:spPr>
           <a:xfrm>
-            <a:off x="6457950" y="4767263"/>
-            <a:ext cx="2057400" cy="273844"/>
+            <a:off x="7425344" y="4844839"/>
+            <a:ext cx="984019" cy="273844"/>
           </a:xfrm>
           <a:prstGeom prst="rect">
             <a:avLst/>
@@ -4188,11 +4502,9 @@
           <a:bodyPr vert="horz" lIns="91440" tIns="45720" rIns="91440" bIns="45720" rtlCol="0" anchor="ctr"/>
           <a:lstStyle>
             <a:lvl1pPr algn="r">
-              <a:defRPr sz="900">
+              <a:defRPr sz="788">
                 <a:solidFill>
-                  <a:schemeClr val="tx1">
-                    <a:tint val="75000"/>
-                  </a:schemeClr>
+                  <a:srgbClr val="FFFFFF"/>
                 </a:solidFill>
               </a:defRPr>
             </a:lvl1pPr>
@@ -4215,12 +4527,50 @@
           </a:p>
         </p:txBody>
       </p:sp>
+      <p:cxnSp>
+        <p:nvCxnSpPr>
+          <p:cNvPr id="10" name="Straight Connector 9"/>
+          <p:cNvCxnSpPr/>
+          <p:nvPr/>
+        </p:nvCxnSpPr>
+        <p:spPr>
+          <a:xfrm>
+            <a:off x="895149" y="1303384"/>
+            <a:ext cx="7475220" cy="0"/>
+          </a:xfrm>
+          <a:prstGeom prst="line">
+            <a:avLst/>
+          </a:prstGeom>
+          <a:ln w="6350">
+            <a:solidFill>
+              <a:schemeClr val="tx1">
+                <a:lumMod val="50000"/>
+                <a:lumOff val="50000"/>
+              </a:schemeClr>
+            </a:solidFill>
+          </a:ln>
+        </p:spPr>
+        <p:style>
+          <a:lnRef idx="1">
+            <a:schemeClr val="accent1"/>
+          </a:lnRef>
+          <a:fillRef idx="0">
+            <a:schemeClr val="accent1"/>
+          </a:fillRef>
+          <a:effectRef idx="0">
+            <a:schemeClr val="accent1"/>
+          </a:effectRef>
+          <a:fontRef idx="minor">
+            <a:schemeClr val="tx1"/>
+          </a:fontRef>
+        </p:style>
+      </p:cxnSp>
       <p:sp>
         <p:nvSpPr>
-          <p:cNvPr id="7" name="TextBox 6">
+          <p:cNvPr id="8" name="TextBox 7">
             <a:extLst>
               <a:ext uri="{FF2B5EF4-FFF2-40B4-BE49-F238E27FC236}">
-                <a16:creationId xmlns:a16="http://schemas.microsoft.com/office/drawing/2014/main" id="{747F3008-C535-C8FA-BC07-C5CB2F757A67}"/>
+                <a16:creationId xmlns:a16="http://schemas.microsoft.com/office/drawing/2014/main" id="{24313447-9E7A-848E-F5F0-B32354753018}"/>
               </a:ext>
             </a:extLst>
           </p:cNvPr>
@@ -4265,38 +4615,41 @@
     </p:spTree>
     <p:extLst>
       <p:ext uri="{BB962C8B-B14F-4D97-AF65-F5344CB8AC3E}">
-        <p14:creationId xmlns:p14="http://schemas.microsoft.com/office/powerpoint/2010/main" val="2963296516"/>
+        <p14:creationId xmlns:p14="http://schemas.microsoft.com/office/powerpoint/2010/main" val="938992269"/>
       </p:ext>
     </p:extLst>
   </p:cSld>
   <p:clrMap bg1="lt1" tx1="dk1" bg2="lt2" tx2="dk2" accent1="accent1" accent2="accent2" accent3="accent3" accent4="accent4" accent5="accent5" accent6="accent6" hlink="hlink" folHlink="folHlink"/>
   <p:sldLayoutIdLst>
-    <p:sldLayoutId id="2147484347" r:id="rId1"/>
-    <p:sldLayoutId id="2147484348" r:id="rId2"/>
-    <p:sldLayoutId id="2147484349" r:id="rId3"/>
-    <p:sldLayoutId id="2147484350" r:id="rId4"/>
-    <p:sldLayoutId id="2147484351" r:id="rId5"/>
-    <p:sldLayoutId id="2147484352" r:id="rId6"/>
-    <p:sldLayoutId id="2147484353" r:id="rId7"/>
-    <p:sldLayoutId id="2147484354" r:id="rId8"/>
-    <p:sldLayoutId id="2147484355" r:id="rId9"/>
-    <p:sldLayoutId id="2147484356" r:id="rId10"/>
-    <p:sldLayoutId id="2147484357" r:id="rId11"/>
+    <p:sldLayoutId id="2147484359" r:id="rId1"/>
+    <p:sldLayoutId id="2147484360" r:id="rId2"/>
+    <p:sldLayoutId id="2147484361" r:id="rId3"/>
+    <p:sldLayoutId id="2147484362" r:id="rId4"/>
+    <p:sldLayoutId id="2147484363" r:id="rId5"/>
+    <p:sldLayoutId id="2147484364" r:id="rId6"/>
+    <p:sldLayoutId id="2147484365" r:id="rId7"/>
+    <p:sldLayoutId id="2147484366" r:id="rId8"/>
+    <p:sldLayoutId id="2147484367" r:id="rId9"/>
+    <p:sldLayoutId id="2147484368" r:id="rId10"/>
+    <p:sldLayoutId id="2147484369" r:id="rId11"/>
   </p:sldLayoutIdLst>
   <p:hf hdr="0"/>
   <p:txStyles>
     <p:titleStyle>
       <a:lvl1pPr algn="l" defTabSz="685800" rtl="0" eaLnBrk="1" latinLnBrk="0" hangingPunct="1">
         <a:lnSpc>
-          <a:spcPct val="90000"/>
+          <a:spcPct val="85000"/>
         </a:lnSpc>
         <a:spcBef>
           <a:spcPct val="0"/>
         </a:spcBef>
         <a:buNone/>
-        <a:defRPr sz="3300" kern="1200">
+        <a:defRPr sz="3600" kern="1200" spc="-38" baseline="0">
           <a:solidFill>
-            <a:schemeClr val="tx1"/>
+            <a:schemeClr val="tx1">
+              <a:lumMod val="75000"/>
+              <a:lumOff val="25000"/>
+            </a:schemeClr>
           </a:solidFill>
           <a:latin typeface="+mj-lt"/>
           <a:ea typeface="+mj-ea"/>
@@ -4305,162 +4658,244 @@
       </a:lvl1pPr>
     </p:titleStyle>
     <p:bodyStyle>
-      <a:lvl1pPr marL="171450" indent="-171450" algn="l" defTabSz="685800" rtl="0" eaLnBrk="1" latinLnBrk="0" hangingPunct="1">
+      <a:lvl1pPr marL="68580" indent="-68580" algn="l" defTabSz="685800" rtl="0" eaLnBrk="1" latinLnBrk="0" hangingPunct="1">
         <a:lnSpc>
           <a:spcPct val="90000"/>
         </a:lnSpc>
         <a:spcBef>
-          <a:spcPts val="750"/>
+          <a:spcPts val="900"/>
         </a:spcBef>
-        <a:buFont typeface="Arial" panose="020B0604020202020204" pitchFamily="34" charset="0"/>
-        <a:buChar char="•"/>
-        <a:defRPr sz="2100" kern="1200">
+        <a:spcAft>
+          <a:spcPts val="150"/>
+        </a:spcAft>
+        <a:buClr>
+          <a:schemeClr val="accent1"/>
+        </a:buClr>
+        <a:buSzPct val="100000"/>
+        <a:buFont typeface="Calibri" panose="020F0502020204030204" pitchFamily="34" charset="0"/>
+        <a:buChar char=" "/>
+        <a:defRPr sz="1500" kern="1200">
           <a:solidFill>
-            <a:schemeClr val="tx1"/>
+            <a:schemeClr val="tx1">
+              <a:lumMod val="75000"/>
+              <a:lumOff val="25000"/>
+            </a:schemeClr>
           </a:solidFill>
           <a:latin typeface="+mn-lt"/>
           <a:ea typeface="+mn-ea"/>
           <a:cs typeface="+mn-cs"/>
         </a:defRPr>
       </a:lvl1pPr>
-      <a:lvl2pPr marL="514350" indent="-171450" algn="l" defTabSz="685800" rtl="0" eaLnBrk="1" latinLnBrk="0" hangingPunct="1">
+      <a:lvl2pPr marL="288036" indent="-137160" algn="l" defTabSz="685800" rtl="0" eaLnBrk="1" latinLnBrk="0" hangingPunct="1">
         <a:lnSpc>
           <a:spcPct val="90000"/>
         </a:lnSpc>
         <a:spcBef>
-          <a:spcPts val="375"/>
+          <a:spcPts val="150"/>
         </a:spcBef>
-        <a:buFont typeface="Arial" panose="020B0604020202020204" pitchFamily="34" charset="0"/>
-        <a:buChar char="•"/>
-        <a:defRPr sz="1800" kern="1200">
+        <a:spcAft>
+          <a:spcPts val="300"/>
+        </a:spcAft>
+        <a:buClr>
+          <a:schemeClr val="accent1"/>
+        </a:buClr>
+        <a:buFont typeface="Calibri" pitchFamily="34" charset="0"/>
+        <a:buChar char="◦"/>
+        <a:defRPr sz="1350" kern="1200">
           <a:solidFill>
-            <a:schemeClr val="tx1"/>
+            <a:schemeClr val="tx1">
+              <a:lumMod val="75000"/>
+              <a:lumOff val="25000"/>
+            </a:schemeClr>
           </a:solidFill>
           <a:latin typeface="+mn-lt"/>
           <a:ea typeface="+mn-ea"/>
           <a:cs typeface="+mn-cs"/>
         </a:defRPr>
       </a:lvl2pPr>
-      <a:lvl3pPr marL="857250" indent="-171450" algn="l" defTabSz="685800" rtl="0" eaLnBrk="1" latinLnBrk="0" hangingPunct="1">
+      <a:lvl3pPr marL="425196" indent="-137160" algn="l" defTabSz="685800" rtl="0" eaLnBrk="1" latinLnBrk="0" hangingPunct="1">
         <a:lnSpc>
           <a:spcPct val="90000"/>
         </a:lnSpc>
         <a:spcBef>
-          <a:spcPts val="375"/>
+          <a:spcPts val="150"/>
         </a:spcBef>
-        <a:buFont typeface="Arial" panose="020B0604020202020204" pitchFamily="34" charset="0"/>
-        <a:buChar char="•"/>
-        <a:defRPr sz="1500" kern="1200">
+        <a:spcAft>
+          <a:spcPts val="300"/>
+        </a:spcAft>
+        <a:buClr>
+          <a:schemeClr val="accent1"/>
+        </a:buClr>
+        <a:buFont typeface="Calibri" pitchFamily="34" charset="0"/>
+        <a:buChar char="◦"/>
+        <a:defRPr sz="1050" kern="1200">
           <a:solidFill>
-            <a:schemeClr val="tx1"/>
+            <a:schemeClr val="tx1">
+              <a:lumMod val="75000"/>
+              <a:lumOff val="25000"/>
+            </a:schemeClr>
           </a:solidFill>
           <a:latin typeface="+mn-lt"/>
           <a:ea typeface="+mn-ea"/>
           <a:cs typeface="+mn-cs"/>
         </a:defRPr>
       </a:lvl3pPr>
-      <a:lvl4pPr marL="1200150" indent="-171450" algn="l" defTabSz="685800" rtl="0" eaLnBrk="1" latinLnBrk="0" hangingPunct="1">
+      <a:lvl4pPr marL="562356" indent="-137160" algn="l" defTabSz="685800" rtl="0" eaLnBrk="1" latinLnBrk="0" hangingPunct="1">
         <a:lnSpc>
           <a:spcPct val="90000"/>
         </a:lnSpc>
         <a:spcBef>
-          <a:spcPts val="375"/>
+          <a:spcPts val="150"/>
         </a:spcBef>
-        <a:buFont typeface="Arial" panose="020B0604020202020204" pitchFamily="34" charset="0"/>
-        <a:buChar char="•"/>
-        <a:defRPr sz="1350" kern="1200">
+        <a:spcAft>
+          <a:spcPts val="300"/>
+        </a:spcAft>
+        <a:buClr>
+          <a:schemeClr val="accent1"/>
+        </a:buClr>
+        <a:buFont typeface="Calibri" pitchFamily="34" charset="0"/>
+        <a:buChar char="◦"/>
+        <a:defRPr sz="1050" kern="1200">
           <a:solidFill>
-            <a:schemeClr val="tx1"/>
+            <a:schemeClr val="tx1">
+              <a:lumMod val="75000"/>
+              <a:lumOff val="25000"/>
+            </a:schemeClr>
           </a:solidFill>
           <a:latin typeface="+mn-lt"/>
           <a:ea typeface="+mn-ea"/>
           <a:cs typeface="+mn-cs"/>
         </a:defRPr>
       </a:lvl4pPr>
-      <a:lvl5pPr marL="1543050" indent="-171450" algn="l" defTabSz="685800" rtl="0" eaLnBrk="1" latinLnBrk="0" hangingPunct="1">
+      <a:lvl5pPr marL="699516" indent="-137160" algn="l" defTabSz="685800" rtl="0" eaLnBrk="1" latinLnBrk="0" hangingPunct="1">
         <a:lnSpc>
           <a:spcPct val="90000"/>
         </a:lnSpc>
         <a:spcBef>
-          <a:spcPts val="375"/>
+          <a:spcPts val="150"/>
         </a:spcBef>
-        <a:buFont typeface="Arial" panose="020B0604020202020204" pitchFamily="34" charset="0"/>
-        <a:buChar char="•"/>
-        <a:defRPr sz="1350" kern="1200">
+        <a:spcAft>
+          <a:spcPts val="300"/>
+        </a:spcAft>
+        <a:buClr>
+          <a:schemeClr val="accent1"/>
+        </a:buClr>
+        <a:buFont typeface="Calibri" pitchFamily="34" charset="0"/>
+        <a:buChar char="◦"/>
+        <a:defRPr sz="1050" kern="1200">
           <a:solidFill>
-            <a:schemeClr val="tx1"/>
+            <a:schemeClr val="tx1">
+              <a:lumMod val="75000"/>
+              <a:lumOff val="25000"/>
+            </a:schemeClr>
           </a:solidFill>
           <a:latin typeface="+mn-lt"/>
           <a:ea typeface="+mn-ea"/>
           <a:cs typeface="+mn-cs"/>
         </a:defRPr>
       </a:lvl5pPr>
-      <a:lvl6pPr marL="1885950" indent="-171450" algn="l" defTabSz="685800" rtl="0" eaLnBrk="1" latinLnBrk="0" hangingPunct="1">
+      <a:lvl6pPr marL="825000" indent="-171450" algn="l" defTabSz="685800" rtl="0" eaLnBrk="1" latinLnBrk="0" hangingPunct="1">
         <a:lnSpc>
           <a:spcPct val="90000"/>
         </a:lnSpc>
         <a:spcBef>
-          <a:spcPts val="375"/>
+          <a:spcPts val="150"/>
         </a:spcBef>
-        <a:buFont typeface="Arial" panose="020B0604020202020204" pitchFamily="34" charset="0"/>
-        <a:buChar char="•"/>
-        <a:defRPr sz="1350" kern="1200">
+        <a:spcAft>
+          <a:spcPts val="300"/>
+        </a:spcAft>
+        <a:buClr>
+          <a:schemeClr val="accent1"/>
+        </a:buClr>
+        <a:buFont typeface="Calibri" pitchFamily="34" charset="0"/>
+        <a:buChar char="◦"/>
+        <a:defRPr sz="1050" kern="1200">
           <a:solidFill>
-            <a:schemeClr val="tx1"/>
+            <a:schemeClr val="tx1">
+              <a:lumMod val="75000"/>
+              <a:lumOff val="25000"/>
+            </a:schemeClr>
           </a:solidFill>
           <a:latin typeface="+mn-lt"/>
           <a:ea typeface="+mn-ea"/>
           <a:cs typeface="+mn-cs"/>
         </a:defRPr>
       </a:lvl6pPr>
-      <a:lvl7pPr marL="2228850" indent="-171450" algn="l" defTabSz="685800" rtl="0" eaLnBrk="1" latinLnBrk="0" hangingPunct="1">
+      <a:lvl7pPr marL="975000" indent="-171450" algn="l" defTabSz="685800" rtl="0" eaLnBrk="1" latinLnBrk="0" hangingPunct="1">
         <a:lnSpc>
           <a:spcPct val="90000"/>
         </a:lnSpc>
         <a:spcBef>
-          <a:spcPts val="375"/>
+          <a:spcPts val="150"/>
         </a:spcBef>
-        <a:buFont typeface="Arial" panose="020B0604020202020204" pitchFamily="34" charset="0"/>
-        <a:buChar char="•"/>
-        <a:defRPr sz="1350" kern="1200">
+        <a:spcAft>
+          <a:spcPts val="300"/>
+        </a:spcAft>
+        <a:buClr>
+          <a:schemeClr val="accent1"/>
+        </a:buClr>
+        <a:buFont typeface="Calibri" pitchFamily="34" charset="0"/>
+        <a:buChar char="◦"/>
+        <a:defRPr sz="1050" kern="1200">
           <a:solidFill>
-            <a:schemeClr val="tx1"/>
+            <a:schemeClr val="tx1">
+              <a:lumMod val="75000"/>
+              <a:lumOff val="25000"/>
+            </a:schemeClr>
           </a:solidFill>
           <a:latin typeface="+mn-lt"/>
           <a:ea typeface="+mn-ea"/>
           <a:cs typeface="+mn-cs"/>
         </a:defRPr>
       </a:lvl7pPr>
-      <a:lvl8pPr marL="2571750" indent="-171450" algn="l" defTabSz="685800" rtl="0" eaLnBrk="1" latinLnBrk="0" hangingPunct="1">
+      <a:lvl8pPr marL="1125000" indent="-171450" algn="l" defTabSz="685800" rtl="0" eaLnBrk="1" latinLnBrk="0" hangingPunct="1">
         <a:lnSpc>
           <a:spcPct val="90000"/>
         </a:lnSpc>
         <a:spcBef>
-          <a:spcPts val="375"/>
+          <a:spcPts val="150"/>
         </a:spcBef>
-        <a:buFont typeface="Arial" panose="020B0604020202020204" pitchFamily="34" charset="0"/>
-        <a:buChar char="•"/>
-        <a:defRPr sz="1350" kern="1200">
+        <a:spcAft>
+          <a:spcPts val="300"/>
+        </a:spcAft>
+        <a:buClr>
+          <a:schemeClr val="accent1"/>
+        </a:buClr>
+        <a:buFont typeface="Calibri" pitchFamily="34" charset="0"/>
+        <a:buChar char="◦"/>
+        <a:defRPr sz="1050" kern="1200">
           <a:solidFill>
-            <a:schemeClr val="tx1"/>
+            <a:schemeClr val="tx1">
+              <a:lumMod val="75000"/>
+              <a:lumOff val="25000"/>
+            </a:schemeClr>
           </a:solidFill>
           <a:latin typeface="+mn-lt"/>
           <a:ea typeface="+mn-ea"/>
           <a:cs typeface="+mn-cs"/>
         </a:defRPr>
       </a:lvl8pPr>
-      <a:lvl9pPr marL="2914650" indent="-171450" algn="l" defTabSz="685800" rtl="0" eaLnBrk="1" latinLnBrk="0" hangingPunct="1">
+      <a:lvl9pPr marL="1275000" indent="-171450" algn="l" defTabSz="685800" rtl="0" eaLnBrk="1" latinLnBrk="0" hangingPunct="1">
         <a:lnSpc>
           <a:spcPct val="90000"/>
         </a:lnSpc>
         <a:spcBef>
-          <a:spcPts val="375"/>
+          <a:spcPts val="150"/>
         </a:spcBef>
-        <a:buFont typeface="Arial" panose="020B0604020202020204" pitchFamily="34" charset="0"/>
-        <a:buChar char="•"/>
-        <a:defRPr sz="1350" kern="1200">
+        <a:spcAft>
+          <a:spcPts val="300"/>
+        </a:spcAft>
+        <a:buClr>
+          <a:schemeClr val="accent1"/>
+        </a:buClr>
+        <a:buFont typeface="Calibri" pitchFamily="34" charset="0"/>
+        <a:buChar char="◦"/>
+        <a:defRPr sz="1050" kern="1200">
           <a:solidFill>
-            <a:schemeClr val="tx1"/>
+            <a:schemeClr val="tx1">
+              <a:lumMod val="75000"/>
+              <a:lumOff val="25000"/>
+            </a:schemeClr>
           </a:solidFill>
           <a:latin typeface="+mn-lt"/>
           <a:ea typeface="+mn-ea"/>
@@ -4602,11 +5037,16 @@
         </p:nvSpPr>
         <p:spPr/>
         <p:txBody>
-          <a:bodyPr/>
+          <a:bodyPr>
+            <a:normAutofit/>
+          </a:bodyPr>
           <a:lstStyle/>
           <a:p>
             <a:r>
-              <a:rPr lang="en-IN" dirty="0"/>
+              <a:rPr lang="en-IN" sz="4800" dirty="0">
+                <a:latin typeface="Times New Roman" panose="02020603050405020304" pitchFamily="18" charset="0"/>
+                <a:cs typeface="Times New Roman" panose="02020603050405020304" pitchFamily="18" charset="0"/>
+              </a:rPr>
               <a:t>TSE CUSTOM INITIALIZR</a:t>
             </a:r>
           </a:p>
@@ -4631,27 +5071,42 @@
         <p:spPr/>
         <p:txBody>
           <a:bodyPr>
-            <a:normAutofit/>
+            <a:normAutofit fontScale="62500" lnSpcReduction="20000"/>
           </a:bodyPr>
           <a:lstStyle/>
           <a:p>
             <a:r>
-              <a:rPr lang="en-IN" b="1"/>
+              <a:rPr lang="en-IN" b="1" dirty="0">
+                <a:latin typeface="Times New Roman" panose="02020603050405020304" pitchFamily="18" charset="0"/>
+                <a:cs typeface="Times New Roman" panose="02020603050405020304" pitchFamily="18" charset="0"/>
+              </a:rPr>
               <a:t>GROUP 4:</a:t>
             </a:r>
           </a:p>
           <a:p>
             <a:r>
-              <a:rPr lang="en-IN"/>
-              <a:t>Tunir Chaudhuri, Akash Ranjan, Goutham Suresh, Rahul, Sunny Kumar</a:t>
+              <a:rPr lang="en-IN" dirty="0" err="1">
+                <a:latin typeface="Times New Roman" panose="02020603050405020304" pitchFamily="18" charset="0"/>
+                <a:cs typeface="Times New Roman" panose="02020603050405020304" pitchFamily="18" charset="0"/>
+              </a:rPr>
+              <a:t>Tunir</a:t>
             </a:r>
-          </a:p>
-          <a:p>
             <a:r>
-              <a:rPr lang="en-IN"/>
+              <a:rPr lang="en-IN" dirty="0">
+                <a:latin typeface="Times New Roman" panose="02020603050405020304" pitchFamily="18" charset="0"/>
+                <a:cs typeface="Times New Roman" panose="02020603050405020304" pitchFamily="18" charset="0"/>
+              </a:rPr>
+              <a:t> Chaudhuri, Akash Ranjan, Goutham Suresh, Rahul, Sunny Kumar</a:t>
+            </a:r>
+          </a:p>
+          <a:p>
+            <a:r>
+              <a:rPr lang="en-IN" dirty="0">
+                <a:latin typeface="Times New Roman" panose="02020603050405020304" pitchFamily="18" charset="0"/>
+                <a:cs typeface="Times New Roman" panose="02020603050405020304" pitchFamily="18" charset="0"/>
+              </a:rPr>
               <a:t> </a:t>
             </a:r>
-            <a:endParaRPr lang="en-IN" dirty="0"/>
           </a:p>
         </p:txBody>
       </p:sp>
@@ -4758,7 +5213,7 @@
         </p:blipFill>
         <p:spPr>
           <a:xfrm>
-            <a:off x="615456" y="2345467"/>
+            <a:off x="560592" y="2449604"/>
             <a:ext cx="735997" cy="735997"/>
           </a:xfrm>
           <a:prstGeom prst="rect">
@@ -5273,10 +5728,10 @@
       </p:grpSpPr>
       <p:sp>
         <p:nvSpPr>
-          <p:cNvPr id="2" name="Title 1">
+          <p:cNvPr id="2" name="Date Placeholder 1">
             <a:extLst>
               <a:ext uri="{FF2B5EF4-FFF2-40B4-BE49-F238E27FC236}">
-                <a16:creationId xmlns:a16="http://schemas.microsoft.com/office/drawing/2014/main" id="{107A66BE-3C77-EBE8-3F0D-826B91E60521}"/>
+                <a16:creationId xmlns:a16="http://schemas.microsoft.com/office/drawing/2014/main" id="{849962E6-5C12-DB03-9DBF-643697C1DB35}"/>
               </a:ext>
             </a:extLst>
           </p:cNvPr>
@@ -5284,38 +5739,28 @@
             <a:spLocks noGrp="1"/>
           </p:cNvSpPr>
           <p:nvPr>
-            <p:ph type="title"/>
+            <p:ph type="dt" sz="half" idx="10"/>
           </p:nvPr>
         </p:nvSpPr>
-        <p:spPr>
-          <a:xfrm>
-            <a:off x="508001" y="418780"/>
-            <a:ext cx="6447501" cy="533400"/>
-          </a:xfrm>
-        </p:spPr>
+        <p:spPr/>
         <p:txBody>
-          <a:bodyPr>
-            <a:normAutofit fontScale="90000"/>
-          </a:bodyPr>
+          <a:bodyPr/>
           <a:lstStyle/>
           <a:p>
             <a:r>
-              <a:rPr lang="en-IN" u="sng" dirty="0"/>
-              <a:t>TEAM</a:t>
+              <a:rPr lang="en-US"/>
+              <a:t>28/09/2023</a:t>
             </a:r>
-            <a:r>
-              <a:rPr lang="en-IN" dirty="0"/>
-              <a:t>:</a:t>
-            </a:r>
+            <a:endParaRPr lang="en-IN" dirty="0"/>
           </a:p>
         </p:txBody>
       </p:sp>
       <p:sp>
         <p:nvSpPr>
-          <p:cNvPr id="3" name="Content Placeholder 2">
+          <p:cNvPr id="3" name="Footer Placeholder 2">
             <a:extLst>
               <a:ext uri="{FF2B5EF4-FFF2-40B4-BE49-F238E27FC236}">
-                <a16:creationId xmlns:a16="http://schemas.microsoft.com/office/drawing/2014/main" id="{4E4196B8-99D5-1611-86BB-9CA80A586D85}"/>
+                <a16:creationId xmlns:a16="http://schemas.microsoft.com/office/drawing/2014/main" id="{85FAFC52-2124-34FC-0340-13F3F4F97DE8}"/>
               </a:ext>
             </a:extLst>
           </p:cNvPr>
@@ -5323,97 +5768,18 @@
             <a:spLocks noGrp="1"/>
           </p:cNvSpPr>
           <p:nvPr>
-            <p:ph idx="1"/>
+            <p:ph type="ftr" sz="quarter" idx="11"/>
           </p:nvPr>
         </p:nvSpPr>
-        <p:spPr>
-          <a:xfrm>
-            <a:off x="508001" y="1226884"/>
-            <a:ext cx="6447501" cy="3311822"/>
-          </a:xfrm>
-        </p:spPr>
+        <p:spPr/>
         <p:txBody>
-          <a:bodyPr>
-            <a:normAutofit lnSpcReduction="10000"/>
-          </a:bodyPr>
+          <a:bodyPr/>
           <a:lstStyle/>
           <a:p>
-            <a:pPr>
-              <a:buFont typeface="Wingdings" panose="05000000000000000000" pitchFamily="2" charset="2"/>
-              <a:buChar char="Ø"/>
-            </a:pPr>
             <a:r>
-              <a:rPr lang="en-IN" dirty="0"/>
-              <a:t>Tunir Chaudhuri - Software Engineering – Associate</a:t>
+              <a:rPr lang="en-IN"/>
+              <a:t>TSE Custom Initializr</a:t>
             </a:r>
-          </a:p>
-          <a:p>
-            <a:pPr marL="0" indent="0">
-              <a:buNone/>
-            </a:pPr>
-            <a:endParaRPr lang="en-IN" dirty="0"/>
-          </a:p>
-          <a:p>
-            <a:pPr>
-              <a:buFont typeface="Wingdings" panose="05000000000000000000" pitchFamily="2" charset="2"/>
-              <a:buChar char="Ø"/>
-            </a:pPr>
-            <a:r>
-              <a:rPr lang="en-IN" dirty="0"/>
-              <a:t>Akash Ranjan - Software Engineering – Associate</a:t>
-            </a:r>
-          </a:p>
-          <a:p>
-            <a:pPr marL="0" indent="0">
-              <a:buNone/>
-            </a:pPr>
-            <a:endParaRPr lang="en-IN" dirty="0"/>
-          </a:p>
-          <a:p>
-            <a:pPr>
-              <a:buFont typeface="Wingdings" panose="05000000000000000000" pitchFamily="2" charset="2"/>
-              <a:buChar char="Ø"/>
-            </a:pPr>
-            <a:r>
-              <a:rPr lang="en-IN" dirty="0"/>
-              <a:t>Goutham Suresh - Software Engineering – Associate</a:t>
-            </a:r>
-          </a:p>
-          <a:p>
-            <a:pPr>
-              <a:buFont typeface="Wingdings" panose="05000000000000000000" pitchFamily="2" charset="2"/>
-              <a:buChar char="Ø"/>
-            </a:pPr>
-            <a:endParaRPr lang="en-IN" dirty="0"/>
-          </a:p>
-          <a:p>
-            <a:pPr>
-              <a:buFont typeface="Wingdings" panose="05000000000000000000" pitchFamily="2" charset="2"/>
-              <a:buChar char="Ø"/>
-            </a:pPr>
-            <a:r>
-              <a:rPr lang="en-IN" dirty="0"/>
-              <a:t>Rahul - Software Engineering – Associate</a:t>
-            </a:r>
-          </a:p>
-          <a:p>
-            <a:pPr>
-              <a:buFont typeface="Wingdings" panose="05000000000000000000" pitchFamily="2" charset="2"/>
-              <a:buChar char="Ø"/>
-            </a:pPr>
-            <a:endParaRPr lang="en-IN" dirty="0"/>
-          </a:p>
-          <a:p>
-            <a:pPr>
-              <a:buFont typeface="Wingdings" panose="05000000000000000000" pitchFamily="2" charset="2"/>
-              <a:buChar char="Ø"/>
-            </a:pPr>
-            <a:r>
-              <a:rPr lang="en-IN" dirty="0"/>
-              <a:t>Sunny Kumar - Software Engineering – Associate</a:t>
-            </a:r>
-          </a:p>
-          <a:p>
             <a:endParaRPr lang="en-IN" dirty="0"/>
           </a:p>
         </p:txBody>
@@ -5423,7 +5789,7 @@
           <p:cNvPr id="4" name="Slide Number Placeholder 3">
             <a:extLst>
               <a:ext uri="{FF2B5EF4-FFF2-40B4-BE49-F238E27FC236}">
-                <a16:creationId xmlns:a16="http://schemas.microsoft.com/office/drawing/2014/main" id="{96BF2A79-0450-86D5-6498-E88A30302884}"/>
+                <a16:creationId xmlns:a16="http://schemas.microsoft.com/office/drawing/2014/main" id="{DCBB3DA9-4A66-3FF3-647F-29090B8FB328}"/>
               </a:ext>
             </a:extLst>
           </p:cNvPr>
@@ -5458,10 +5824,10 @@
       </p:sp>
       <p:pic>
         <p:nvPicPr>
-          <p:cNvPr id="8" name="Picture 7" descr="A person in a suit and tie&#10;&#10;Description automatically generated">
+          <p:cNvPr id="17" name="Picture 16" descr="A person in a suit and tie&#10;&#10;Description automatically generated">
             <a:extLst>
               <a:ext uri="{FF2B5EF4-FFF2-40B4-BE49-F238E27FC236}">
-                <a16:creationId xmlns:a16="http://schemas.microsoft.com/office/drawing/2014/main" id="{69CFB988-4A01-CF58-F78E-263071DC0264}"/>
+                <a16:creationId xmlns:a16="http://schemas.microsoft.com/office/drawing/2014/main" id="{94FB5DA8-5BF6-33FF-2820-75AF751F2471}"/>
               </a:ext>
             </a:extLst>
           </p:cNvPr>
@@ -5478,20 +5844,32 @@
         </p:blipFill>
         <p:spPr>
           <a:xfrm>
-            <a:off x="63006" y="1072267"/>
-            <a:ext cx="444995" cy="572136"/>
+            <a:off x="1176809" y="640670"/>
+            <a:ext cx="1758891" cy="1567646"/>
           </a:xfrm>
           <a:prstGeom prst="rect">
             <a:avLst/>
           </a:prstGeom>
+          <a:ln>
+            <a:solidFill>
+              <a:srgbClr val="24A148"/>
+            </a:solidFill>
+          </a:ln>
+          <a:effectLst>
+            <a:innerShdw blurRad="63500" dist="50800" dir="13500000">
+              <a:prstClr val="black">
+                <a:alpha val="50000"/>
+              </a:prstClr>
+            </a:innerShdw>
+          </a:effectLst>
         </p:spPr>
       </p:pic>
       <p:pic>
         <p:nvPicPr>
-          <p:cNvPr id="10" name="Picture 9" descr="A person with a beard&#10;&#10;Description automatically generated">
+          <p:cNvPr id="18" name="Picture 17" descr="A person in a pink shirt&#10;&#10;Description automatically generated">
             <a:extLst>
               <a:ext uri="{FF2B5EF4-FFF2-40B4-BE49-F238E27FC236}">
-                <a16:creationId xmlns:a16="http://schemas.microsoft.com/office/drawing/2014/main" id="{DA1CBA61-65C1-5DA1-EEA5-E63550323FA9}"/>
+                <a16:creationId xmlns:a16="http://schemas.microsoft.com/office/drawing/2014/main" id="{2F746E47-C953-9D47-2254-90CADF94BFB5}"/>
               </a:ext>
             </a:extLst>
           </p:cNvPr>
@@ -5508,20 +5886,27 @@
         </p:blipFill>
         <p:spPr>
           <a:xfrm>
-            <a:off x="63006" y="3209965"/>
-            <a:ext cx="471146" cy="471146"/>
+            <a:off x="3676401" y="631229"/>
+            <a:ext cx="1742497" cy="1562685"/>
           </a:xfrm>
           <a:prstGeom prst="rect">
             <a:avLst/>
           </a:prstGeom>
+          <a:effectLst>
+            <a:innerShdw blurRad="63500" dist="50800" dir="13500000">
+              <a:prstClr val="black">
+                <a:alpha val="50000"/>
+              </a:prstClr>
+            </a:innerShdw>
+          </a:effectLst>
         </p:spPr>
       </p:pic>
       <p:pic>
         <p:nvPicPr>
-          <p:cNvPr id="12" name="Picture 11" descr="A person standing in front of a sign&#10;&#10;Description automatically generated">
+          <p:cNvPr id="19" name="Picture 18" descr="A person in a green dress&#10;&#10;Description automatically generated">
             <a:extLst>
               <a:ext uri="{FF2B5EF4-FFF2-40B4-BE49-F238E27FC236}">
-                <a16:creationId xmlns:a16="http://schemas.microsoft.com/office/drawing/2014/main" id="{786EC5AA-049A-A7CC-4923-A515D2D3467A}"/>
+                <a16:creationId xmlns:a16="http://schemas.microsoft.com/office/drawing/2014/main" id="{82382D39-724F-EC66-059E-0BECF58C4687}"/>
               </a:ext>
             </a:extLst>
           </p:cNvPr>
@@ -5538,20 +5923,27 @@
         </p:blipFill>
         <p:spPr>
           <a:xfrm>
-            <a:off x="66229" y="3904373"/>
-            <a:ext cx="509281" cy="434147"/>
+            <a:off x="6159599" y="631229"/>
+            <a:ext cx="1742496" cy="1586528"/>
           </a:xfrm>
           <a:prstGeom prst="rect">
             <a:avLst/>
           </a:prstGeom>
+          <a:effectLst>
+            <a:innerShdw blurRad="63500" dist="50800" dir="13500000">
+              <a:prstClr val="black">
+                <a:alpha val="50000"/>
+              </a:prstClr>
+            </a:innerShdw>
+          </a:effectLst>
         </p:spPr>
       </p:pic>
       <p:pic>
         <p:nvPicPr>
-          <p:cNvPr id="19" name="Picture 18" descr="A person in a green dress&#10;&#10;Description automatically generated">
+          <p:cNvPr id="20" name="Picture 19" descr="A person with a beard&#10;&#10;Description automatically generated">
             <a:extLst>
               <a:ext uri="{FF2B5EF4-FFF2-40B4-BE49-F238E27FC236}">
-                <a16:creationId xmlns:a16="http://schemas.microsoft.com/office/drawing/2014/main" id="{31A7456B-C13A-D930-BDB0-10A326EF11DA}"/>
+                <a16:creationId xmlns:a16="http://schemas.microsoft.com/office/drawing/2014/main" id="{30352A72-E5CC-C4A6-B658-C75935D93864}"/>
               </a:ext>
             </a:extLst>
           </p:cNvPr>
@@ -5568,20 +5960,38 @@
         </p:blipFill>
         <p:spPr>
           <a:xfrm>
-            <a:off x="63006" y="2504986"/>
-            <a:ext cx="512504" cy="512504"/>
+            <a:off x="2356207" y="2807953"/>
+            <a:ext cx="1758891" cy="1554712"/>
           </a:xfrm>
           <a:prstGeom prst="rect">
             <a:avLst/>
           </a:prstGeom>
+          <a:ln>
+            <a:solidFill>
+              <a:srgbClr val="0D54FF"/>
+            </a:solidFill>
+          </a:ln>
+          <a:effectLst>
+            <a:innerShdw blurRad="63500" dist="50800" dir="13500000">
+              <a:prstClr val="black">
+                <a:alpha val="50000"/>
+              </a:prstClr>
+            </a:innerShdw>
+          </a:effectLst>
+          <a:scene3d>
+            <a:camera prst="orthographicFront">
+              <a:rot lat="0" lon="21599981" rev="0"/>
+            </a:camera>
+            <a:lightRig rig="threePt" dir="t"/>
+          </a:scene3d>
         </p:spPr>
       </p:pic>
       <p:pic>
         <p:nvPicPr>
-          <p:cNvPr id="21" name="Picture 20" descr="A person in a pink shirt&#10;&#10;Description automatically generated">
+          <p:cNvPr id="21" name="Picture 20" descr="A person standing in front of a sign&#10;&#10;Description automatically generated">
             <a:extLst>
               <a:ext uri="{FF2B5EF4-FFF2-40B4-BE49-F238E27FC236}">
-                <a16:creationId xmlns:a16="http://schemas.microsoft.com/office/drawing/2014/main" id="{A0BDE157-51EA-F241-F145-72327A39489B}"/>
+                <a16:creationId xmlns:a16="http://schemas.microsoft.com/office/drawing/2014/main" id="{E9FB3110-CFC1-9B20-C0CB-5CD310485005}"/>
               </a:ext>
             </a:extLst>
           </p:cNvPr>
@@ -5598,726 +6008,333 @@
         </p:blipFill>
         <p:spPr>
           <a:xfrm>
-            <a:off x="43938" y="1709624"/>
-            <a:ext cx="509281" cy="572100"/>
+            <a:off x="4951640" y="2828462"/>
+            <a:ext cx="1758891" cy="1561575"/>
           </a:xfrm>
           <a:prstGeom prst="rect">
             <a:avLst/>
           </a:prstGeom>
+          <a:effectLst>
+            <a:innerShdw blurRad="63500" dist="50800" dir="13500000">
+              <a:prstClr val="black">
+                <a:alpha val="50000"/>
+              </a:prstClr>
+            </a:innerShdw>
+          </a:effectLst>
         </p:spPr>
       </p:pic>
+      <p:sp>
+        <p:nvSpPr>
+          <p:cNvPr id="22" name="TextBox 21">
+            <a:extLst>
+              <a:ext uri="{FF2B5EF4-FFF2-40B4-BE49-F238E27FC236}">
+                <a16:creationId xmlns:a16="http://schemas.microsoft.com/office/drawing/2014/main" id="{A226929D-CBA1-9BC9-18C7-1A2838C9625E}"/>
+              </a:ext>
+            </a:extLst>
+          </p:cNvPr>
+          <p:cNvSpPr txBox="1"/>
+          <p:nvPr/>
+        </p:nvSpPr>
+        <p:spPr>
+          <a:xfrm>
+            <a:off x="1367952" y="2193914"/>
+            <a:ext cx="1285415" cy="461665"/>
+          </a:xfrm>
+          <a:prstGeom prst="rect">
+            <a:avLst/>
+          </a:prstGeom>
+          <a:noFill/>
+        </p:spPr>
+        <p:txBody>
+          <a:bodyPr wrap="square">
+            <a:spAutoFit/>
+          </a:bodyPr>
+          <a:lstStyle/>
+          <a:p>
+            <a:pPr algn="ctr"/>
+            <a:r>
+              <a:rPr lang="en-GB" sz="1200" dirty="0" err="1">
+                <a:latin typeface="Times New Roman" panose="02020603050405020304" pitchFamily="18" charset="0"/>
+                <a:cs typeface="Times New Roman" panose="02020603050405020304" pitchFamily="18" charset="0"/>
+              </a:rPr>
+              <a:t>Tunir</a:t>
+            </a:r>
+            <a:r>
+              <a:rPr lang="en-GB" sz="1200" dirty="0">
+                <a:latin typeface="Times New Roman" panose="02020603050405020304" pitchFamily="18" charset="0"/>
+                <a:cs typeface="Times New Roman" panose="02020603050405020304" pitchFamily="18" charset="0"/>
+              </a:rPr>
+              <a:t> Chaudhuri</a:t>
+            </a:r>
+          </a:p>
+          <a:p>
+            <a:pPr algn="ctr"/>
+            <a:r>
+              <a:rPr lang="en-GB" sz="1200" dirty="0">
+                <a:latin typeface="Times New Roman" panose="02020603050405020304" pitchFamily="18" charset="0"/>
+                <a:cs typeface="Times New Roman" panose="02020603050405020304" pitchFamily="18" charset="0"/>
+              </a:rPr>
+              <a:t>ASE</a:t>
+            </a:r>
+          </a:p>
+        </p:txBody>
+      </p:sp>
+      <p:sp>
+        <p:nvSpPr>
+          <p:cNvPr id="23" name="TextBox 22">
+            <a:extLst>
+              <a:ext uri="{FF2B5EF4-FFF2-40B4-BE49-F238E27FC236}">
+                <a16:creationId xmlns:a16="http://schemas.microsoft.com/office/drawing/2014/main" id="{1F7A4AF6-D4C8-6791-1A30-F3FB1389BEA4}"/>
+              </a:ext>
+            </a:extLst>
+          </p:cNvPr>
+          <p:cNvSpPr txBox="1"/>
+          <p:nvPr/>
+        </p:nvSpPr>
+        <p:spPr>
+          <a:xfrm>
+            <a:off x="3897676" y="2208316"/>
+            <a:ext cx="1285415" cy="461665"/>
+          </a:xfrm>
+          <a:prstGeom prst="rect">
+            <a:avLst/>
+          </a:prstGeom>
+          <a:noFill/>
+        </p:spPr>
+        <p:txBody>
+          <a:bodyPr wrap="square">
+            <a:spAutoFit/>
+          </a:bodyPr>
+          <a:lstStyle/>
+          <a:p>
+            <a:pPr algn="ctr"/>
+            <a:r>
+              <a:rPr lang="en-GB" sz="1200" dirty="0">
+                <a:latin typeface="Times New Roman" panose="02020603050405020304" pitchFamily="18" charset="0"/>
+                <a:cs typeface="Times New Roman" panose="02020603050405020304" pitchFamily="18" charset="0"/>
+              </a:rPr>
+              <a:t>Akash Ranjan</a:t>
+            </a:r>
+            <a:endParaRPr lang="en-IN" sz="1200" dirty="0">
+              <a:latin typeface="Times New Roman" panose="02020603050405020304" pitchFamily="18" charset="0"/>
+              <a:cs typeface="Times New Roman" panose="02020603050405020304" pitchFamily="18" charset="0"/>
+            </a:endParaRPr>
+          </a:p>
+          <a:p>
+            <a:pPr algn="ctr"/>
+            <a:r>
+              <a:rPr lang="en-IN" sz="1200" dirty="0">
+                <a:latin typeface="Times New Roman" panose="02020603050405020304" pitchFamily="18" charset="0"/>
+                <a:cs typeface="Times New Roman" panose="02020603050405020304" pitchFamily="18" charset="0"/>
+              </a:rPr>
+              <a:t>ASE</a:t>
+            </a:r>
+            <a:endParaRPr lang="en-GB" sz="1200" dirty="0">
+              <a:latin typeface="Times New Roman" panose="02020603050405020304" pitchFamily="18" charset="0"/>
+              <a:cs typeface="Times New Roman" panose="02020603050405020304" pitchFamily="18" charset="0"/>
+            </a:endParaRPr>
+          </a:p>
+        </p:txBody>
+      </p:sp>
+      <p:sp>
+        <p:nvSpPr>
+          <p:cNvPr id="24" name="TextBox 23">
+            <a:extLst>
+              <a:ext uri="{FF2B5EF4-FFF2-40B4-BE49-F238E27FC236}">
+                <a16:creationId xmlns:a16="http://schemas.microsoft.com/office/drawing/2014/main" id="{3617AF23-BE1A-4B9A-FCDF-41D16F4AE59A}"/>
+              </a:ext>
+            </a:extLst>
+          </p:cNvPr>
+          <p:cNvSpPr txBox="1"/>
+          <p:nvPr/>
+        </p:nvSpPr>
+        <p:spPr>
+          <a:xfrm>
+            <a:off x="6324044" y="2217757"/>
+            <a:ext cx="1413606" cy="461665"/>
+          </a:xfrm>
+          <a:prstGeom prst="rect">
+            <a:avLst/>
+          </a:prstGeom>
+          <a:noFill/>
+        </p:spPr>
+        <p:txBody>
+          <a:bodyPr wrap="square">
+            <a:spAutoFit/>
+          </a:bodyPr>
+          <a:lstStyle/>
+          <a:p>
+            <a:pPr algn="ctr"/>
+            <a:r>
+              <a:rPr lang="en-GB" sz="1200" dirty="0">
+                <a:latin typeface="Times New Roman" panose="02020603050405020304" pitchFamily="18" charset="0"/>
+                <a:cs typeface="Times New Roman" panose="02020603050405020304" pitchFamily="18" charset="0"/>
+              </a:rPr>
+              <a:t>Goutham Suresh</a:t>
+            </a:r>
+          </a:p>
+          <a:p>
+            <a:pPr algn="ctr"/>
+            <a:r>
+              <a:rPr lang="en-GB" sz="1200" dirty="0">
+                <a:latin typeface="Times New Roman" panose="02020603050405020304" pitchFamily="18" charset="0"/>
+                <a:cs typeface="Times New Roman" panose="02020603050405020304" pitchFamily="18" charset="0"/>
+              </a:rPr>
+              <a:t>ASE</a:t>
+            </a:r>
+          </a:p>
+        </p:txBody>
+      </p:sp>
+      <p:sp>
+        <p:nvSpPr>
+          <p:cNvPr id="25" name="TextBox 24">
+            <a:extLst>
+              <a:ext uri="{FF2B5EF4-FFF2-40B4-BE49-F238E27FC236}">
+                <a16:creationId xmlns:a16="http://schemas.microsoft.com/office/drawing/2014/main" id="{E79FECB5-436F-CF28-5157-FF5989CE0EE0}"/>
+              </a:ext>
+            </a:extLst>
+          </p:cNvPr>
+          <p:cNvSpPr txBox="1"/>
+          <p:nvPr/>
+        </p:nvSpPr>
+        <p:spPr>
+          <a:xfrm>
+            <a:off x="2935700" y="4342156"/>
+            <a:ext cx="611261" cy="461665"/>
+          </a:xfrm>
+          <a:prstGeom prst="rect">
+            <a:avLst/>
+          </a:prstGeom>
+          <a:noFill/>
+        </p:spPr>
+        <p:txBody>
+          <a:bodyPr wrap="square">
+            <a:spAutoFit/>
+          </a:bodyPr>
+          <a:lstStyle/>
+          <a:p>
+            <a:pPr algn="ctr"/>
+            <a:r>
+              <a:rPr lang="en-GB" sz="1200" dirty="0">
+                <a:latin typeface="Times New Roman" panose="02020603050405020304" pitchFamily="18" charset="0"/>
+                <a:cs typeface="Times New Roman" panose="02020603050405020304" pitchFamily="18" charset="0"/>
+              </a:rPr>
+              <a:t>Rahul</a:t>
+            </a:r>
+          </a:p>
+          <a:p>
+            <a:pPr algn="ctr"/>
+            <a:r>
+              <a:rPr lang="en-GB" sz="1200" dirty="0">
+                <a:latin typeface="Times New Roman" panose="02020603050405020304" pitchFamily="18" charset="0"/>
+                <a:cs typeface="Times New Roman" panose="02020603050405020304" pitchFamily="18" charset="0"/>
+              </a:rPr>
+              <a:t> ASE</a:t>
+            </a:r>
+          </a:p>
+        </p:txBody>
+      </p:sp>
+      <p:sp>
+        <p:nvSpPr>
+          <p:cNvPr id="26" name="TextBox 25">
+            <a:extLst>
+              <a:ext uri="{FF2B5EF4-FFF2-40B4-BE49-F238E27FC236}">
+                <a16:creationId xmlns:a16="http://schemas.microsoft.com/office/drawing/2014/main" id="{10DAE421-BFF2-12EE-3B21-8D6CBDCE572E}"/>
+              </a:ext>
+            </a:extLst>
+          </p:cNvPr>
+          <p:cNvSpPr txBox="1"/>
+          <p:nvPr/>
+        </p:nvSpPr>
+        <p:spPr>
+          <a:xfrm>
+            <a:off x="5220045" y="4342156"/>
+            <a:ext cx="1115938" cy="461665"/>
+          </a:xfrm>
+          <a:prstGeom prst="rect">
+            <a:avLst/>
+          </a:prstGeom>
+          <a:noFill/>
+        </p:spPr>
+        <p:txBody>
+          <a:bodyPr wrap="square">
+            <a:spAutoFit/>
+          </a:bodyPr>
+          <a:lstStyle/>
+          <a:p>
+            <a:pPr algn="ctr"/>
+            <a:r>
+              <a:rPr lang="en-GB" sz="1200" dirty="0">
+                <a:latin typeface="Times New Roman" panose="02020603050405020304" pitchFamily="18" charset="0"/>
+                <a:cs typeface="Times New Roman" panose="02020603050405020304" pitchFamily="18" charset="0"/>
+              </a:rPr>
+              <a:t>Sunny Kumar</a:t>
+            </a:r>
+          </a:p>
+          <a:p>
+            <a:pPr algn="ctr"/>
+            <a:r>
+              <a:rPr lang="en-GB" sz="1200" dirty="0">
+                <a:latin typeface="Times New Roman" panose="02020603050405020304" pitchFamily="18" charset="0"/>
+                <a:cs typeface="Times New Roman" panose="02020603050405020304" pitchFamily="18" charset="0"/>
+              </a:rPr>
+              <a:t>ASE</a:t>
+            </a:r>
+          </a:p>
+        </p:txBody>
+      </p:sp>
+      <p:sp>
+        <p:nvSpPr>
+          <p:cNvPr id="28" name="TextBox 27">
+            <a:extLst>
+              <a:ext uri="{FF2B5EF4-FFF2-40B4-BE49-F238E27FC236}">
+                <a16:creationId xmlns:a16="http://schemas.microsoft.com/office/drawing/2014/main" id="{9D671001-6BB6-4DC1-D838-D57F1197EDF1}"/>
+              </a:ext>
+            </a:extLst>
+          </p:cNvPr>
+          <p:cNvSpPr txBox="1"/>
+          <p:nvPr/>
+        </p:nvSpPr>
+        <p:spPr>
+          <a:xfrm>
+            <a:off x="3676401" y="52340"/>
+            <a:ext cx="4572000" cy="584775"/>
+          </a:xfrm>
+          <a:prstGeom prst="rect">
+            <a:avLst/>
+          </a:prstGeom>
+          <a:noFill/>
+        </p:spPr>
+        <p:txBody>
+          <a:bodyPr wrap="square">
+            <a:spAutoFit/>
+          </a:bodyPr>
+          <a:lstStyle/>
+          <a:p>
+            <a:r>
+              <a:rPr lang="en-IN" sz="3200" b="1" dirty="0">
+                <a:latin typeface="Times New Roman" panose="02020603050405020304" pitchFamily="18" charset="0"/>
+                <a:cs typeface="Times New Roman" panose="02020603050405020304" pitchFamily="18" charset="0"/>
+              </a:rPr>
+              <a:t>TEAM</a:t>
+            </a:r>
+            <a:endParaRPr lang="en-AU" sz="3200" b="1" dirty="0">
+              <a:latin typeface="Times New Roman" panose="02020603050405020304" pitchFamily="18" charset="0"/>
+              <a:cs typeface="Times New Roman" panose="02020603050405020304" pitchFamily="18" charset="0"/>
+            </a:endParaRPr>
+          </a:p>
+        </p:txBody>
+      </p:sp>
     </p:spTree>
     <p:extLst>
       <p:ext uri="{BB962C8B-B14F-4D97-AF65-F5344CB8AC3E}">
-        <p14:creationId xmlns:p14="http://schemas.microsoft.com/office/powerpoint/2010/main" val="1098888849"/>
+        <p14:creationId xmlns:p14="http://schemas.microsoft.com/office/powerpoint/2010/main" val="2383195587"/>
       </p:ext>
     </p:extLst>
   </p:cSld>
   <p:clrMapOvr>
     <a:masterClrMapping/>
   </p:clrMapOvr>
-  <p:timing>
-    <p:tnLst>
-      <p:par>
-        <p:cTn id="1" dur="indefinite" restart="never" nodeType="tmRoot">
-          <p:childTnLst>
-            <p:seq concurrent="1" nextAc="seek">
-              <p:cTn id="2" dur="indefinite" nodeType="mainSeq">
-                <p:childTnLst>
-                  <p:par>
-                    <p:cTn id="3" fill="hold">
-                      <p:stCondLst>
-                        <p:cond delay="indefinite"/>
-                      </p:stCondLst>
-                      <p:childTnLst>
-                        <p:par>
-                          <p:cTn id="4" fill="hold">
-                            <p:stCondLst>
-                              <p:cond delay="0"/>
-                            </p:stCondLst>
-                            <p:childTnLst>
-                              <p:par>
-                                <p:cTn id="5" presetID="42" presetClass="entr" presetSubtype="0" fill="hold" grpId="0" nodeType="clickEffect">
-                                  <p:stCondLst>
-                                    <p:cond delay="0"/>
-                                  </p:stCondLst>
-                                  <p:childTnLst>
-                                    <p:set>
-                                      <p:cBhvr>
-                                        <p:cTn id="6" dur="1" fill="hold">
-                                          <p:stCondLst>
-                                            <p:cond delay="0"/>
-                                          </p:stCondLst>
-                                        </p:cTn>
-                                        <p:tgtEl>
-                                          <p:spTgt spid="2"/>
-                                        </p:tgtEl>
-                                        <p:attrNameLst>
-                                          <p:attrName>style.visibility</p:attrName>
-                                        </p:attrNameLst>
-                                      </p:cBhvr>
-                                      <p:to>
-                                        <p:strVal val="visible"/>
-                                      </p:to>
-                                    </p:set>
-                                    <p:animEffect transition="in" filter="fade">
-                                      <p:cBhvr>
-                                        <p:cTn id="7" dur="1000"/>
-                                        <p:tgtEl>
-                                          <p:spTgt spid="2"/>
-                                        </p:tgtEl>
-                                      </p:cBhvr>
-                                    </p:animEffect>
-                                    <p:anim calcmode="lin" valueType="num">
-                                      <p:cBhvr>
-                                        <p:cTn id="8" dur="1000" fill="hold"/>
-                                        <p:tgtEl>
-                                          <p:spTgt spid="2"/>
-                                        </p:tgtEl>
-                                        <p:attrNameLst>
-                                          <p:attrName>ppt_x</p:attrName>
-                                        </p:attrNameLst>
-                                      </p:cBhvr>
-                                      <p:tavLst>
-                                        <p:tav tm="0">
-                                          <p:val>
-                                            <p:strVal val="#ppt_x"/>
-                                          </p:val>
-                                        </p:tav>
-                                        <p:tav tm="100000">
-                                          <p:val>
-                                            <p:strVal val="#ppt_x"/>
-                                          </p:val>
-                                        </p:tav>
-                                      </p:tavLst>
-                                    </p:anim>
-                                    <p:anim calcmode="lin" valueType="num">
-                                      <p:cBhvr>
-                                        <p:cTn id="9" dur="1000" fill="hold"/>
-                                        <p:tgtEl>
-                                          <p:spTgt spid="2"/>
-                                        </p:tgtEl>
-                                        <p:attrNameLst>
-                                          <p:attrName>ppt_y</p:attrName>
-                                        </p:attrNameLst>
-                                      </p:cBhvr>
-                                      <p:tavLst>
-                                        <p:tav tm="0">
-                                          <p:val>
-                                            <p:strVal val="#ppt_y+.1"/>
-                                          </p:val>
-                                        </p:tav>
-                                        <p:tav tm="100000">
-                                          <p:val>
-                                            <p:strVal val="#ppt_y"/>
-                                          </p:val>
-                                        </p:tav>
-                                      </p:tavLst>
-                                    </p:anim>
-                                  </p:childTnLst>
-                                </p:cTn>
-                              </p:par>
-                            </p:childTnLst>
-                          </p:cTn>
-                        </p:par>
-                      </p:childTnLst>
-                    </p:cTn>
-                  </p:par>
-                  <p:par>
-                    <p:cTn id="10" fill="hold">
-                      <p:stCondLst>
-                        <p:cond delay="indefinite"/>
-                      </p:stCondLst>
-                      <p:childTnLst>
-                        <p:par>
-                          <p:cTn id="11" fill="hold">
-                            <p:stCondLst>
-                              <p:cond delay="0"/>
-                            </p:stCondLst>
-                            <p:childTnLst>
-                              <p:par>
-                                <p:cTn id="12" presetID="14" presetClass="entr" presetSubtype="10" fill="hold" nodeType="clickEffect">
-                                  <p:stCondLst>
-                                    <p:cond delay="0"/>
-                                  </p:stCondLst>
-                                  <p:childTnLst>
-                                    <p:set>
-                                      <p:cBhvr>
-                                        <p:cTn id="13" dur="1" fill="hold">
-                                          <p:stCondLst>
-                                            <p:cond delay="0"/>
-                                          </p:stCondLst>
-                                        </p:cTn>
-                                        <p:tgtEl>
-                                          <p:spTgt spid="3">
-                                            <p:txEl>
-                                              <p:pRg st="0" end="0"/>
-                                            </p:txEl>
-                                          </p:spTgt>
-                                        </p:tgtEl>
-                                        <p:attrNameLst>
-                                          <p:attrName>style.visibility</p:attrName>
-                                        </p:attrNameLst>
-                                      </p:cBhvr>
-                                      <p:to>
-                                        <p:strVal val="visible"/>
-                                      </p:to>
-                                    </p:set>
-                                    <p:animEffect transition="in" filter="randombar(horizontal)">
-                                      <p:cBhvr>
-                                        <p:cTn id="14" dur="500"/>
-                                        <p:tgtEl>
-                                          <p:spTgt spid="3">
-                                            <p:txEl>
-                                              <p:pRg st="0" end="0"/>
-                                            </p:txEl>
-                                          </p:spTgt>
-                                        </p:tgtEl>
-                                      </p:cBhvr>
-                                    </p:animEffect>
-                                  </p:childTnLst>
-                                </p:cTn>
-                              </p:par>
-                            </p:childTnLst>
-                          </p:cTn>
-                        </p:par>
-                      </p:childTnLst>
-                    </p:cTn>
-                  </p:par>
-                  <p:par>
-                    <p:cTn id="15" fill="hold">
-                      <p:stCondLst>
-                        <p:cond delay="indefinite"/>
-                      </p:stCondLst>
-                      <p:childTnLst>
-                        <p:par>
-                          <p:cTn id="16" fill="hold">
-                            <p:stCondLst>
-                              <p:cond delay="0"/>
-                            </p:stCondLst>
-                            <p:childTnLst>
-                              <p:par>
-                                <p:cTn id="17" presetID="14" presetClass="entr" presetSubtype="10" fill="hold" nodeType="clickEffect">
-                                  <p:stCondLst>
-                                    <p:cond delay="0"/>
-                                  </p:stCondLst>
-                                  <p:childTnLst>
-                                    <p:set>
-                                      <p:cBhvr>
-                                        <p:cTn id="18" dur="1" fill="hold">
-                                          <p:stCondLst>
-                                            <p:cond delay="0"/>
-                                          </p:stCondLst>
-                                        </p:cTn>
-                                        <p:tgtEl>
-                                          <p:spTgt spid="8"/>
-                                        </p:tgtEl>
-                                        <p:attrNameLst>
-                                          <p:attrName>style.visibility</p:attrName>
-                                        </p:attrNameLst>
-                                      </p:cBhvr>
-                                      <p:to>
-                                        <p:strVal val="visible"/>
-                                      </p:to>
-                                    </p:set>
-                                    <p:animEffect transition="in" filter="randombar(horizontal)">
-                                      <p:cBhvr>
-                                        <p:cTn id="19" dur="500"/>
-                                        <p:tgtEl>
-                                          <p:spTgt spid="8"/>
-                                        </p:tgtEl>
-                                      </p:cBhvr>
-                                    </p:animEffect>
-                                  </p:childTnLst>
-                                </p:cTn>
-                              </p:par>
-                            </p:childTnLst>
-                          </p:cTn>
-                        </p:par>
-                      </p:childTnLst>
-                    </p:cTn>
-                  </p:par>
-                  <p:par>
-                    <p:cTn id="20" fill="hold">
-                      <p:stCondLst>
-                        <p:cond delay="indefinite"/>
-                      </p:stCondLst>
-                      <p:childTnLst>
-                        <p:par>
-                          <p:cTn id="21" fill="hold">
-                            <p:stCondLst>
-                              <p:cond delay="0"/>
-                            </p:stCondLst>
-                            <p:childTnLst>
-                              <p:par>
-                                <p:cTn id="22" presetID="14" presetClass="entr" presetSubtype="10" fill="hold" nodeType="clickEffect">
-                                  <p:stCondLst>
-                                    <p:cond delay="0"/>
-                                  </p:stCondLst>
-                                  <p:childTnLst>
-                                    <p:set>
-                                      <p:cBhvr>
-                                        <p:cTn id="23" dur="1" fill="hold">
-                                          <p:stCondLst>
-                                            <p:cond delay="0"/>
-                                          </p:stCondLst>
-                                        </p:cTn>
-                                        <p:tgtEl>
-                                          <p:spTgt spid="3">
-                                            <p:txEl>
-                                              <p:pRg st="2" end="2"/>
-                                            </p:txEl>
-                                          </p:spTgt>
-                                        </p:tgtEl>
-                                        <p:attrNameLst>
-                                          <p:attrName>style.visibility</p:attrName>
-                                        </p:attrNameLst>
-                                      </p:cBhvr>
-                                      <p:to>
-                                        <p:strVal val="visible"/>
-                                      </p:to>
-                                    </p:set>
-                                    <p:animEffect transition="in" filter="randombar(horizontal)">
-                                      <p:cBhvr>
-                                        <p:cTn id="24" dur="500"/>
-                                        <p:tgtEl>
-                                          <p:spTgt spid="3">
-                                            <p:txEl>
-                                              <p:pRg st="2" end="2"/>
-                                            </p:txEl>
-                                          </p:spTgt>
-                                        </p:tgtEl>
-                                      </p:cBhvr>
-                                    </p:animEffect>
-                                  </p:childTnLst>
-                                </p:cTn>
-                              </p:par>
-                            </p:childTnLst>
-                          </p:cTn>
-                        </p:par>
-                      </p:childTnLst>
-                    </p:cTn>
-                  </p:par>
-                  <p:par>
-                    <p:cTn id="25" fill="hold">
-                      <p:stCondLst>
-                        <p:cond delay="indefinite"/>
-                      </p:stCondLst>
-                      <p:childTnLst>
-                        <p:par>
-                          <p:cTn id="26" fill="hold">
-                            <p:stCondLst>
-                              <p:cond delay="0"/>
-                            </p:stCondLst>
-                            <p:childTnLst>
-                              <p:par>
-                                <p:cTn id="27" presetID="14" presetClass="entr" presetSubtype="10" fill="hold" nodeType="clickEffect">
-                                  <p:stCondLst>
-                                    <p:cond delay="0"/>
-                                  </p:stCondLst>
-                                  <p:childTnLst>
-                                    <p:set>
-                                      <p:cBhvr>
-                                        <p:cTn id="28" dur="1" fill="hold">
-                                          <p:stCondLst>
-                                            <p:cond delay="0"/>
-                                          </p:stCondLst>
-                                        </p:cTn>
-                                        <p:tgtEl>
-                                          <p:spTgt spid="21"/>
-                                        </p:tgtEl>
-                                        <p:attrNameLst>
-                                          <p:attrName>style.visibility</p:attrName>
-                                        </p:attrNameLst>
-                                      </p:cBhvr>
-                                      <p:to>
-                                        <p:strVal val="visible"/>
-                                      </p:to>
-                                    </p:set>
-                                    <p:animEffect transition="in" filter="randombar(horizontal)">
-                                      <p:cBhvr>
-                                        <p:cTn id="29" dur="500"/>
-                                        <p:tgtEl>
-                                          <p:spTgt spid="21"/>
-                                        </p:tgtEl>
-                                      </p:cBhvr>
-                                    </p:animEffect>
-                                  </p:childTnLst>
-                                </p:cTn>
-                              </p:par>
-                            </p:childTnLst>
-                          </p:cTn>
-                        </p:par>
-                      </p:childTnLst>
-                    </p:cTn>
-                  </p:par>
-                  <p:par>
-                    <p:cTn id="30" fill="hold">
-                      <p:stCondLst>
-                        <p:cond delay="indefinite"/>
-                      </p:stCondLst>
-                      <p:childTnLst>
-                        <p:par>
-                          <p:cTn id="31" fill="hold">
-                            <p:stCondLst>
-                              <p:cond delay="0"/>
-                            </p:stCondLst>
-                            <p:childTnLst>
-                              <p:par>
-                                <p:cTn id="32" presetID="14" presetClass="entr" presetSubtype="10" fill="hold" nodeType="clickEffect">
-                                  <p:stCondLst>
-                                    <p:cond delay="0"/>
-                                  </p:stCondLst>
-                                  <p:childTnLst>
-                                    <p:set>
-                                      <p:cBhvr>
-                                        <p:cTn id="33" dur="1" fill="hold">
-                                          <p:stCondLst>
-                                            <p:cond delay="0"/>
-                                          </p:stCondLst>
-                                        </p:cTn>
-                                        <p:tgtEl>
-                                          <p:spTgt spid="3">
-                                            <p:txEl>
-                                              <p:pRg st="4" end="4"/>
-                                            </p:txEl>
-                                          </p:spTgt>
-                                        </p:tgtEl>
-                                        <p:attrNameLst>
-                                          <p:attrName>style.visibility</p:attrName>
-                                        </p:attrNameLst>
-                                      </p:cBhvr>
-                                      <p:to>
-                                        <p:strVal val="visible"/>
-                                      </p:to>
-                                    </p:set>
-                                    <p:animEffect transition="in" filter="randombar(horizontal)">
-                                      <p:cBhvr>
-                                        <p:cTn id="34" dur="500"/>
-                                        <p:tgtEl>
-                                          <p:spTgt spid="3">
-                                            <p:txEl>
-                                              <p:pRg st="4" end="4"/>
-                                            </p:txEl>
-                                          </p:spTgt>
-                                        </p:tgtEl>
-                                      </p:cBhvr>
-                                    </p:animEffect>
-                                  </p:childTnLst>
-                                </p:cTn>
-                              </p:par>
-                            </p:childTnLst>
-                          </p:cTn>
-                        </p:par>
-                      </p:childTnLst>
-                    </p:cTn>
-                  </p:par>
-                  <p:par>
-                    <p:cTn id="35" fill="hold">
-                      <p:stCondLst>
-                        <p:cond delay="indefinite"/>
-                      </p:stCondLst>
-                      <p:childTnLst>
-                        <p:par>
-                          <p:cTn id="36" fill="hold">
-                            <p:stCondLst>
-                              <p:cond delay="0"/>
-                            </p:stCondLst>
-                            <p:childTnLst>
-                              <p:par>
-                                <p:cTn id="37" presetID="14" presetClass="entr" presetSubtype="10" fill="hold" nodeType="clickEffect">
-                                  <p:stCondLst>
-                                    <p:cond delay="0"/>
-                                  </p:stCondLst>
-                                  <p:childTnLst>
-                                    <p:set>
-                                      <p:cBhvr>
-                                        <p:cTn id="38" dur="1" fill="hold">
-                                          <p:stCondLst>
-                                            <p:cond delay="0"/>
-                                          </p:stCondLst>
-                                        </p:cTn>
-                                        <p:tgtEl>
-                                          <p:spTgt spid="19"/>
-                                        </p:tgtEl>
-                                        <p:attrNameLst>
-                                          <p:attrName>style.visibility</p:attrName>
-                                        </p:attrNameLst>
-                                      </p:cBhvr>
-                                      <p:to>
-                                        <p:strVal val="visible"/>
-                                      </p:to>
-                                    </p:set>
-                                    <p:animEffect transition="in" filter="randombar(horizontal)">
-                                      <p:cBhvr>
-                                        <p:cTn id="39" dur="500"/>
-                                        <p:tgtEl>
-                                          <p:spTgt spid="19"/>
-                                        </p:tgtEl>
-                                      </p:cBhvr>
-                                    </p:animEffect>
-                                  </p:childTnLst>
-                                </p:cTn>
-                              </p:par>
-                            </p:childTnLst>
-                          </p:cTn>
-                        </p:par>
-                      </p:childTnLst>
-                    </p:cTn>
-                  </p:par>
-                  <p:par>
-                    <p:cTn id="40" fill="hold">
-                      <p:stCondLst>
-                        <p:cond delay="indefinite"/>
-                      </p:stCondLst>
-                      <p:childTnLst>
-                        <p:par>
-                          <p:cTn id="41" fill="hold">
-                            <p:stCondLst>
-                              <p:cond delay="0"/>
-                            </p:stCondLst>
-                            <p:childTnLst>
-                              <p:par>
-                                <p:cTn id="42" presetID="14" presetClass="entr" presetSubtype="10" fill="hold" nodeType="clickEffect">
-                                  <p:stCondLst>
-                                    <p:cond delay="0"/>
-                                  </p:stCondLst>
-                                  <p:childTnLst>
-                                    <p:set>
-                                      <p:cBhvr>
-                                        <p:cTn id="43" dur="1" fill="hold">
-                                          <p:stCondLst>
-                                            <p:cond delay="0"/>
-                                          </p:stCondLst>
-                                        </p:cTn>
-                                        <p:tgtEl>
-                                          <p:spTgt spid="3">
-                                            <p:txEl>
-                                              <p:pRg st="6" end="6"/>
-                                            </p:txEl>
-                                          </p:spTgt>
-                                        </p:tgtEl>
-                                        <p:attrNameLst>
-                                          <p:attrName>style.visibility</p:attrName>
-                                        </p:attrNameLst>
-                                      </p:cBhvr>
-                                      <p:to>
-                                        <p:strVal val="visible"/>
-                                      </p:to>
-                                    </p:set>
-                                    <p:animEffect transition="in" filter="randombar(horizontal)">
-                                      <p:cBhvr>
-                                        <p:cTn id="44" dur="500"/>
-                                        <p:tgtEl>
-                                          <p:spTgt spid="3">
-                                            <p:txEl>
-                                              <p:pRg st="6" end="6"/>
-                                            </p:txEl>
-                                          </p:spTgt>
-                                        </p:tgtEl>
-                                      </p:cBhvr>
-                                    </p:animEffect>
-                                  </p:childTnLst>
-                                </p:cTn>
-                              </p:par>
-                            </p:childTnLst>
-                          </p:cTn>
-                        </p:par>
-                      </p:childTnLst>
-                    </p:cTn>
-                  </p:par>
-                  <p:par>
-                    <p:cTn id="45" fill="hold">
-                      <p:stCondLst>
-                        <p:cond delay="indefinite"/>
-                      </p:stCondLst>
-                      <p:childTnLst>
-                        <p:par>
-                          <p:cTn id="46" fill="hold">
-                            <p:stCondLst>
-                              <p:cond delay="0"/>
-                            </p:stCondLst>
-                            <p:childTnLst>
-                              <p:par>
-                                <p:cTn id="47" presetID="14" presetClass="entr" presetSubtype="10" fill="hold" nodeType="clickEffect">
-                                  <p:stCondLst>
-                                    <p:cond delay="0"/>
-                                  </p:stCondLst>
-                                  <p:childTnLst>
-                                    <p:set>
-                                      <p:cBhvr>
-                                        <p:cTn id="48" dur="1" fill="hold">
-                                          <p:stCondLst>
-                                            <p:cond delay="0"/>
-                                          </p:stCondLst>
-                                        </p:cTn>
-                                        <p:tgtEl>
-                                          <p:spTgt spid="10"/>
-                                        </p:tgtEl>
-                                        <p:attrNameLst>
-                                          <p:attrName>style.visibility</p:attrName>
-                                        </p:attrNameLst>
-                                      </p:cBhvr>
-                                      <p:to>
-                                        <p:strVal val="visible"/>
-                                      </p:to>
-                                    </p:set>
-                                    <p:animEffect transition="in" filter="randombar(horizontal)">
-                                      <p:cBhvr>
-                                        <p:cTn id="49" dur="500"/>
-                                        <p:tgtEl>
-                                          <p:spTgt spid="10"/>
-                                        </p:tgtEl>
-                                      </p:cBhvr>
-                                    </p:animEffect>
-                                  </p:childTnLst>
-                                </p:cTn>
-                              </p:par>
-                            </p:childTnLst>
-                          </p:cTn>
-                        </p:par>
-                      </p:childTnLst>
-                    </p:cTn>
-                  </p:par>
-                  <p:par>
-                    <p:cTn id="50" fill="hold">
-                      <p:stCondLst>
-                        <p:cond delay="indefinite"/>
-                      </p:stCondLst>
-                      <p:childTnLst>
-                        <p:par>
-                          <p:cTn id="51" fill="hold">
-                            <p:stCondLst>
-                              <p:cond delay="0"/>
-                            </p:stCondLst>
-                            <p:childTnLst>
-                              <p:par>
-                                <p:cTn id="52" presetID="14" presetClass="entr" presetSubtype="10" fill="hold" nodeType="clickEffect">
-                                  <p:stCondLst>
-                                    <p:cond delay="0"/>
-                                  </p:stCondLst>
-                                  <p:childTnLst>
-                                    <p:set>
-                                      <p:cBhvr>
-                                        <p:cTn id="53" dur="1" fill="hold">
-                                          <p:stCondLst>
-                                            <p:cond delay="0"/>
-                                          </p:stCondLst>
-                                        </p:cTn>
-                                        <p:tgtEl>
-                                          <p:spTgt spid="3">
-                                            <p:txEl>
-                                              <p:pRg st="8" end="8"/>
-                                            </p:txEl>
-                                          </p:spTgt>
-                                        </p:tgtEl>
-                                        <p:attrNameLst>
-                                          <p:attrName>style.visibility</p:attrName>
-                                        </p:attrNameLst>
-                                      </p:cBhvr>
-                                      <p:to>
-                                        <p:strVal val="visible"/>
-                                      </p:to>
-                                    </p:set>
-                                    <p:animEffect transition="in" filter="randombar(horizontal)">
-                                      <p:cBhvr>
-                                        <p:cTn id="54" dur="500"/>
-                                        <p:tgtEl>
-                                          <p:spTgt spid="3">
-                                            <p:txEl>
-                                              <p:pRg st="8" end="8"/>
-                                            </p:txEl>
-                                          </p:spTgt>
-                                        </p:tgtEl>
-                                      </p:cBhvr>
-                                    </p:animEffect>
-                                  </p:childTnLst>
-                                </p:cTn>
-                              </p:par>
-                            </p:childTnLst>
-                          </p:cTn>
-                        </p:par>
-                      </p:childTnLst>
-                    </p:cTn>
-                  </p:par>
-                  <p:par>
-                    <p:cTn id="55" fill="hold">
-                      <p:stCondLst>
-                        <p:cond delay="indefinite"/>
-                      </p:stCondLst>
-                      <p:childTnLst>
-                        <p:par>
-                          <p:cTn id="56" fill="hold">
-                            <p:stCondLst>
-                              <p:cond delay="0"/>
-                            </p:stCondLst>
-                            <p:childTnLst>
-                              <p:par>
-                                <p:cTn id="57" presetID="14" presetClass="entr" presetSubtype="10" fill="hold" nodeType="clickEffect">
-                                  <p:stCondLst>
-                                    <p:cond delay="0"/>
-                                  </p:stCondLst>
-                                  <p:childTnLst>
-                                    <p:set>
-                                      <p:cBhvr>
-                                        <p:cTn id="58" dur="1" fill="hold">
-                                          <p:stCondLst>
-                                            <p:cond delay="0"/>
-                                          </p:stCondLst>
-                                        </p:cTn>
-                                        <p:tgtEl>
-                                          <p:spTgt spid="12"/>
-                                        </p:tgtEl>
-                                        <p:attrNameLst>
-                                          <p:attrName>style.visibility</p:attrName>
-                                        </p:attrNameLst>
-                                      </p:cBhvr>
-                                      <p:to>
-                                        <p:strVal val="visible"/>
-                                      </p:to>
-                                    </p:set>
-                                    <p:animEffect transition="in" filter="randombar(horizontal)">
-                                      <p:cBhvr>
-                                        <p:cTn id="59" dur="500"/>
-                                        <p:tgtEl>
-                                          <p:spTgt spid="12"/>
-                                        </p:tgtEl>
-                                      </p:cBhvr>
-                                    </p:animEffect>
-                                  </p:childTnLst>
-                                </p:cTn>
-                              </p:par>
-                            </p:childTnLst>
-                          </p:cTn>
-                        </p:par>
-                      </p:childTnLst>
-                    </p:cTn>
-                  </p:par>
-                </p:childTnLst>
-              </p:cTn>
-              <p:prevCondLst>
-                <p:cond evt="onPrev" delay="0">
-                  <p:tgtEl>
-                    <p:sldTgt/>
-                  </p:tgtEl>
-                </p:cond>
-              </p:prevCondLst>
-              <p:nextCondLst>
-                <p:cond evt="onNext" delay="0">
-                  <p:tgtEl>
-                    <p:sldTgt/>
-                  </p:tgtEl>
-                </p:cond>
-              </p:nextCondLst>
-            </p:seq>
-          </p:childTnLst>
-        </p:cTn>
-      </p:par>
-    </p:tnLst>
-    <p:bldLst>
-      <p:bldP spid="2" grpId="0"/>
-    </p:bldLst>
-  </p:timing>
 </p:sld>
 </file>
 
@@ -7221,14 +7238,17 @@
                 <a:solidFill>
                   <a:schemeClr val="accent1"/>
                 </a:solidFill>
-                <a:latin typeface="Trebuchet MS"/>
+                <a:latin typeface="Times New Roman" panose="02020603050405020304" pitchFamily="18" charset="0"/>
                 <a:ea typeface="Trebuchet MS"/>
-                <a:cs typeface="Trebuchet MS"/>
+                <a:cs typeface="Times New Roman" panose="02020603050405020304" pitchFamily="18" charset="0"/>
                 <a:sym typeface="Trebuchet MS"/>
               </a:rPr>
               <a:t>THANK YOU</a:t>
             </a:r>
-            <a:endParaRPr sz="1100" dirty="0"/>
+            <a:endParaRPr sz="1100" dirty="0">
+              <a:latin typeface="Times New Roman" panose="02020603050405020304" pitchFamily="18" charset="0"/>
+              <a:cs typeface="Times New Roman" panose="02020603050405020304" pitchFamily="18" charset="0"/>
+            </a:endParaRPr>
           </a:p>
         </p:txBody>
       </p:sp>
@@ -7409,14 +7429,14 @@
             <a:fld id="{00000000-1234-1234-1234-123412341234}" type="slidenum">
               <a:rPr lang="en-GB" smtClean="0">
                 <a:solidFill>
-                  <a:schemeClr val="tx1"/>
+                  <a:schemeClr val="bg1"/>
                 </a:solidFill>
               </a:rPr>
               <a:t>11</a:t>
             </a:fld>
             <a:endParaRPr lang="en-GB" dirty="0">
               <a:solidFill>
-                <a:schemeClr val="tx1"/>
+                <a:schemeClr val="bg1"/>
               </a:solidFill>
             </a:endParaRPr>
           </a:p>
@@ -7562,7 +7582,10 @@
           <a:lstStyle/>
           <a:p>
             <a:r>
-              <a:rPr lang="en-IN" u="sng" dirty="0"/>
+              <a:rPr lang="en-IN" b="1" dirty="0">
+                <a:latin typeface="Times New Roman" panose="02020603050405020304" pitchFamily="18" charset="0"/>
+                <a:cs typeface="Times New Roman" panose="02020603050405020304" pitchFamily="18" charset="0"/>
+              </a:rPr>
               <a:t>INTRODUCTION</a:t>
             </a:r>
           </a:p>
@@ -7586,76 +7609,65 @@
         </p:nvSpPr>
         <p:spPr>
           <a:xfrm>
-            <a:off x="672626" y="2261711"/>
+            <a:off x="715298" y="2089907"/>
             <a:ext cx="6161989" cy="2320964"/>
           </a:xfrm>
         </p:spPr>
         <p:txBody>
           <a:bodyPr>
-            <a:normAutofit/>
+            <a:noAutofit/>
           </a:bodyPr>
           <a:lstStyle/>
           <a:p>
-            <a:pPr marL="0" indent="0">
+            <a:pPr marL="0" indent="0" algn="just">
               <a:buNone/>
             </a:pPr>
             <a:r>
-              <a:rPr lang="en-US" sz="1000" dirty="0"/>
+              <a:rPr lang="en-US" sz="1200" dirty="0">
+                <a:latin typeface="Times New Roman" panose="02020603050405020304" pitchFamily="18" charset="0"/>
+                <a:cs typeface="Times New Roman" panose="02020603050405020304" pitchFamily="18" charset="0"/>
+              </a:rPr>
               <a:t>While https://start.spring.io/ is an excellent start for your next Spring Boot project, sometimes it may be necessary to customize it to your own needs e.g., for the following reasons: </a:t>
             </a:r>
           </a:p>
           <a:p>
-            <a:pPr marL="0" indent="0">
-              <a:buNone/>
-            </a:pPr>
-            <a:endParaRPr lang="en-US" sz="1000" dirty="0"/>
-          </a:p>
-          <a:p>
-            <a:pPr>
+            <a:pPr algn="just">
               <a:buFont typeface="Wingdings" panose="05000000000000000000" pitchFamily="2" charset="2"/>
               <a:buChar char="Ø"/>
             </a:pPr>
             <a:r>
-              <a:rPr lang="en-US" sz="1000" dirty="0"/>
+              <a:rPr lang="en-US" sz="1200" dirty="0">
+                <a:latin typeface="Times New Roman" panose="02020603050405020304" pitchFamily="18" charset="0"/>
+                <a:cs typeface="Times New Roman" panose="02020603050405020304" pitchFamily="18" charset="0"/>
+              </a:rPr>
               <a:t>You may be required to provide a self-hosted instance of the Spring Initializr within your company e.g., due to network restrictions when downloading archives from the web. </a:t>
             </a:r>
           </a:p>
           <a:p>
-            <a:pPr>
-              <a:buFont typeface="Wingdings" panose="05000000000000000000" pitchFamily="2" charset="2"/>
-              <a:buChar char="Ø"/>
-            </a:pPr>
-            <a:endParaRPr lang="en-US" sz="1000" dirty="0"/>
-          </a:p>
-          <a:p>
-            <a:pPr>
+            <a:pPr algn="just">
               <a:buFont typeface="Wingdings" panose="05000000000000000000" pitchFamily="2" charset="2"/>
               <a:buChar char="Ø"/>
             </a:pPr>
             <a:r>
-              <a:rPr lang="en-US" sz="1000" dirty="0"/>
+              <a:rPr lang="en-US" sz="1200" dirty="0">
+                <a:latin typeface="Times New Roman" panose="02020603050405020304" pitchFamily="18" charset="0"/>
+                <a:cs typeface="Times New Roman" panose="02020603050405020304" pitchFamily="18" charset="0"/>
+              </a:rPr>
               <a:t>You may want to tweak or brand the UI or even build your own UI from scratch. </a:t>
             </a:r>
           </a:p>
           <a:p>
-            <a:pPr>
-              <a:buFont typeface="Wingdings" panose="05000000000000000000" pitchFamily="2" charset="2"/>
-              <a:buChar char="Ø"/>
-            </a:pPr>
-            <a:endParaRPr lang="en-US" sz="1000" dirty="0"/>
-          </a:p>
-          <a:p>
-            <a:pPr>
+            <a:pPr algn="just">
               <a:buFont typeface="Wingdings" panose="05000000000000000000" pitchFamily="2" charset="2"/>
               <a:buChar char="Ø"/>
             </a:pPr>
             <a:r>
-              <a:rPr lang="en-US" sz="1000" dirty="0"/>
+              <a:rPr lang="en-US" sz="1200" dirty="0">
+                <a:latin typeface="Times New Roman" panose="02020603050405020304" pitchFamily="18" charset="0"/>
+                <a:cs typeface="Times New Roman" panose="02020603050405020304" pitchFamily="18" charset="0"/>
+              </a:rPr>
               <a:t>You may want to provide your own project configurations and/or dependencies e.g., company internal Spring Boot starters that are not publicly available on the web.</a:t>
             </a:r>
-          </a:p>
-          <a:p>
-            <a:endParaRPr lang="en-IN" sz="1000" dirty="0"/>
           </a:p>
         </p:txBody>
       </p:sp>
@@ -7711,8 +7723,8 @@
         </p:nvSpPr>
         <p:spPr>
           <a:xfrm>
-            <a:off x="672626" y="1258910"/>
-            <a:ext cx="6019301" cy="707886"/>
+            <a:off x="593378" y="1258910"/>
+            <a:ext cx="6283909" cy="830997"/>
           </a:xfrm>
           <a:prstGeom prst="rect">
             <a:avLst/>
@@ -7725,8 +7737,9 @@
           </a:bodyPr>
           <a:lstStyle/>
           <a:p>
+            <a:pPr algn="just"/>
             <a:r>
-              <a:rPr kumimoji="0" lang="en-US" sz="1000" b="0" i="0" u="none" strike="noStrike" kern="1200" cap="none" spc="0" normalizeH="0" baseline="0" noProof="0" dirty="0">
+              <a:rPr kumimoji="0" lang="en-US" sz="1200" b="0" i="0" u="none" strike="noStrike" kern="1200" cap="none" spc="0" normalizeH="0" baseline="0" noProof="0" dirty="0">
                 <a:ln>
                   <a:noFill/>
                 </a:ln>
@@ -7739,22 +7752,24 @@
                 <a:effectLst/>
                 <a:uLnTx/>
                 <a:uFillTx/>
-                <a:latin typeface="Trebuchet MS" panose="020B0603020202020204"/>
-                <a:ea typeface="+mn-ea"/>
-                <a:cs typeface="+mn-cs"/>
+                <a:latin typeface="Times New Roman" panose="02020603050405020304" pitchFamily="18" charset="0"/>
+                <a:cs typeface="Times New Roman" panose="02020603050405020304" pitchFamily="18" charset="0"/>
               </a:rPr>
               <a:t>The Custom Spring Initializr is a tailored version of the Spring Initializr, a web-based tool that simplifies and accelerates the bootstrapping of Spring-based projects. It offers a personalized development experience by allowing developers to define custom project templates, dependencies, and metadata. </a:t>
             </a:r>
-            <a:endParaRPr lang="en-IN" sz="1000" dirty="0"/>
+            <a:endParaRPr lang="en-IN" sz="1200" dirty="0">
+              <a:latin typeface="Times New Roman" panose="02020603050405020304" pitchFamily="18" charset="0"/>
+              <a:cs typeface="Times New Roman" panose="02020603050405020304" pitchFamily="18" charset="0"/>
+            </a:endParaRPr>
           </a:p>
         </p:txBody>
       </p:sp>
       <p:graphicFrame>
         <p:nvGraphicFramePr>
-          <p:cNvPr id="5" name="Table 4">
+          <p:cNvPr id="6" name="Table 5">
             <a:extLst>
               <a:ext uri="{FF2B5EF4-FFF2-40B4-BE49-F238E27FC236}">
-                <a16:creationId xmlns:a16="http://schemas.microsoft.com/office/drawing/2014/main" id="{D0172108-5CFA-C04D-2571-B0BB79AC981C}"/>
+                <a16:creationId xmlns:a16="http://schemas.microsoft.com/office/drawing/2014/main" id="{9B709FC5-B696-5469-F5FD-01FC614EA5B5}"/>
               </a:ext>
             </a:extLst>
           </p:cNvPr>
@@ -7764,7 +7779,7 @@
           <p:nvPr>
             <p:extLst>
               <p:ext uri="{D42A27DB-BD31-4B8C-83A1-F6EECF244321}">
-                <p14:modId xmlns:p14="http://schemas.microsoft.com/office/powerpoint/2010/main" val="4246952922"/>
+                <p14:modId xmlns:p14="http://schemas.microsoft.com/office/powerpoint/2010/main" val="329044422"/>
               </p:ext>
             </p:extLst>
           </p:nvPr>
@@ -8111,7 +8126,7 @@
                                         <p:tgtEl>
                                           <p:spTgt spid="3">
                                             <p:txEl>
-                                              <p:pRg st="2" end="2"/>
+                                              <p:pRg st="1" end="1"/>
                                             </p:txEl>
                                           </p:spTgt>
                                         </p:tgtEl>
@@ -8129,7 +8144,7 @@
                                         <p:tgtEl>
                                           <p:spTgt spid="3">
                                             <p:txEl>
-                                              <p:pRg st="2" end="2"/>
+                                              <p:pRg st="1" end="1"/>
                                             </p:txEl>
                                           </p:spTgt>
                                         </p:tgtEl>
@@ -8172,7 +8187,7 @@
                                         <p:tgtEl>
                                           <p:spTgt spid="3">
                                             <p:txEl>
-                                              <p:pRg st="4" end="4"/>
+                                              <p:pRg st="2" end="2"/>
                                             </p:txEl>
                                           </p:spTgt>
                                         </p:tgtEl>
@@ -8190,7 +8205,7 @@
                                         <p:tgtEl>
                                           <p:spTgt spid="3">
                                             <p:txEl>
-                                              <p:pRg st="4" end="4"/>
+                                              <p:pRg st="2" end="2"/>
                                             </p:txEl>
                                           </p:spTgt>
                                         </p:tgtEl>
@@ -8233,7 +8248,7 @@
                                         <p:tgtEl>
                                           <p:spTgt spid="3">
                                             <p:txEl>
-                                              <p:pRg st="6" end="6"/>
+                                              <p:pRg st="3" end="3"/>
                                             </p:txEl>
                                           </p:spTgt>
                                         </p:tgtEl>
@@ -8251,7 +8266,7 @@
                                         <p:tgtEl>
                                           <p:spTgt spid="3">
                                             <p:txEl>
-                                              <p:pRg st="6" end="6"/>
+                                              <p:pRg st="3" end="3"/>
                                             </p:txEl>
                                           </p:spTgt>
                                         </p:tgtEl>
@@ -8342,7 +8357,10 @@
           <a:lstStyle/>
           <a:p>
             <a:r>
-              <a:rPr lang="en-IN" u="sng" dirty="0"/>
+              <a:rPr lang="en-IN" b="1" dirty="0">
+                <a:latin typeface="Times New Roman" panose="02020603050405020304" pitchFamily="18" charset="0"/>
+                <a:cs typeface="Times New Roman" panose="02020603050405020304" pitchFamily="18" charset="0"/>
+              </a:rPr>
               <a:t>OBJECTIVES</a:t>
             </a:r>
           </a:p>
@@ -8401,7 +8419,7 @@
         <p:spPr>
           <a:xfrm>
             <a:off x="508001" y="1281733"/>
-            <a:ext cx="6197132" cy="923330"/>
+            <a:ext cx="6197132" cy="738664"/>
           </a:xfrm>
           <a:prstGeom prst="rect">
             <a:avLst/>
@@ -8414,7 +8432,7 @@
           </a:bodyPr>
           <a:lstStyle/>
           <a:p>
-            <a:pPr marL="0" marR="0" lvl="0" indent="0" algn="l" defTabSz="457200" rtl="0" eaLnBrk="1" fontAlgn="auto" latinLnBrk="0" hangingPunct="1">
+            <a:pPr marL="0" marR="0" lvl="0" indent="0" algn="just" defTabSz="457200" rtl="0" eaLnBrk="1" fontAlgn="auto" latinLnBrk="0" hangingPunct="1">
               <a:lnSpc>
                 <a:spcPct val="100000"/>
               </a:lnSpc>
@@ -8442,8 +8460,9 @@
                 <a:effectLst/>
                 <a:uLnTx/>
                 <a:uFillTx/>
+                <a:latin typeface="Times New Roman" panose="02020603050405020304" pitchFamily="18" charset="0"/>
                 <a:ea typeface="Arial"/>
-                <a:cs typeface="Arial"/>
+                <a:cs typeface="Times New Roman" panose="02020603050405020304" pitchFamily="18" charset="0"/>
                 <a:sym typeface="Arial"/>
               </a:rPr>
               <a:t>The aim of our project is to simulate an instance of the Spring Initializr on localhost with added custom dependencies and other special features along with all the features in the user stories.</a:t>
@@ -8458,13 +8477,18 @@
               <a:effectLst/>
               <a:uLnTx/>
               <a:uFillTx/>
+              <a:latin typeface="Times New Roman" panose="02020603050405020304" pitchFamily="18" charset="0"/>
               <a:ea typeface="Trebuchet MS"/>
-              <a:cs typeface="Trebuchet MS"/>
+              <a:cs typeface="Times New Roman" panose="02020603050405020304" pitchFamily="18" charset="0"/>
               <a:sym typeface="Trebuchet MS"/>
             </a:endParaRPr>
           </a:p>
           <a:p>
-            <a:endParaRPr lang="en-IN" dirty="0"/>
+            <a:pPr algn="just"/>
+            <a:endParaRPr lang="en-IN" dirty="0">
+              <a:latin typeface="Times New Roman" panose="02020603050405020304" pitchFamily="18" charset="0"/>
+              <a:cs typeface="Times New Roman" panose="02020603050405020304" pitchFamily="18" charset="0"/>
+            </a:endParaRPr>
           </a:p>
         </p:txBody>
       </p:sp>
@@ -8490,7 +8514,7 @@
         </p:blipFill>
         <p:spPr>
           <a:xfrm>
-            <a:off x="1605420" y="2205063"/>
+            <a:off x="1605420" y="2076498"/>
             <a:ext cx="4787695" cy="2617486"/>
           </a:xfrm>
           <a:prstGeom prst="rect">
@@ -8500,10 +8524,10 @@
       </p:pic>
       <p:graphicFrame>
         <p:nvGraphicFramePr>
-          <p:cNvPr id="4" name="Table 3">
+          <p:cNvPr id="8" name="Table 7">
             <a:extLst>
               <a:ext uri="{FF2B5EF4-FFF2-40B4-BE49-F238E27FC236}">
-                <a16:creationId xmlns:a16="http://schemas.microsoft.com/office/drawing/2014/main" id="{D3D1A2F3-E789-70D3-E812-6815FA4DC84C}"/>
+                <a16:creationId xmlns:a16="http://schemas.microsoft.com/office/drawing/2014/main" id="{8135F16D-865F-BCC7-BB5F-2E8073AFC9A2}"/>
               </a:ext>
             </a:extLst>
           </p:cNvPr>
@@ -8513,14 +8537,14 @@
           <p:nvPr>
             <p:extLst>
               <p:ext uri="{D42A27DB-BD31-4B8C-83A1-F6EECF244321}">
-                <p14:modId xmlns:p14="http://schemas.microsoft.com/office/powerpoint/2010/main" val="3605375910"/>
+                <p14:modId xmlns:p14="http://schemas.microsoft.com/office/powerpoint/2010/main" val="329044422"/>
               </p:ext>
             </p:extLst>
           </p:nvPr>
         </p:nvGraphicFramePr>
         <p:xfrm>
           <a:off x="284205" y="222422"/>
-          <a:ext cx="8569412" cy="4600127"/>
+          <a:ext cx="8569412" cy="4544842"/>
         </p:xfrm>
         <a:graphic>
           <a:graphicData uri="http://schemas.openxmlformats.org/drawingml/2006/table">
@@ -8535,7 +8559,7 @@
                   </a:extLst>
                 </a:gridCol>
               </a:tblGrid>
-              <a:tr h="4600127">
+              <a:tr h="4544842">
                 <a:tc>
                   <a:txBody>
                     <a:bodyPr/>
@@ -8872,64 +8896,6 @@
       </p:grpSpPr>
       <p:sp>
         <p:nvSpPr>
-          <p:cNvPr id="4" name="Date Placeholder 3">
-            <a:extLst>
-              <a:ext uri="{FF2B5EF4-FFF2-40B4-BE49-F238E27FC236}">
-                <a16:creationId xmlns:a16="http://schemas.microsoft.com/office/drawing/2014/main" id="{58A5A5F8-DD2F-094A-7A3D-156D36BA663A}"/>
-              </a:ext>
-            </a:extLst>
-          </p:cNvPr>
-          <p:cNvSpPr>
-            <a:spLocks noGrp="1"/>
-          </p:cNvSpPr>
-          <p:nvPr>
-            <p:ph type="dt" sz="half" idx="10"/>
-          </p:nvPr>
-        </p:nvSpPr>
-        <p:spPr/>
-        <p:txBody>
-          <a:bodyPr/>
-          <a:lstStyle/>
-          <a:p>
-            <a:r>
-              <a:rPr lang="en-US"/>
-              <a:t>28/09/2023</a:t>
-            </a:r>
-            <a:endParaRPr lang="en-IN" dirty="0"/>
-          </a:p>
-        </p:txBody>
-      </p:sp>
-      <p:sp>
-        <p:nvSpPr>
-          <p:cNvPr id="5" name="Footer Placeholder 4">
-            <a:extLst>
-              <a:ext uri="{FF2B5EF4-FFF2-40B4-BE49-F238E27FC236}">
-                <a16:creationId xmlns:a16="http://schemas.microsoft.com/office/drawing/2014/main" id="{ED250863-BCB9-E027-DCA7-82731E5ABD3B}"/>
-              </a:ext>
-            </a:extLst>
-          </p:cNvPr>
-          <p:cNvSpPr>
-            <a:spLocks noGrp="1"/>
-          </p:cNvSpPr>
-          <p:nvPr>
-            <p:ph type="ftr" sz="quarter" idx="11"/>
-          </p:nvPr>
-        </p:nvSpPr>
-        <p:spPr/>
-        <p:txBody>
-          <a:bodyPr/>
-          <a:lstStyle/>
-          <a:p>
-            <a:r>
-              <a:rPr lang="en-IN"/>
-              <a:t>TSE Custom Initializr</a:t>
-            </a:r>
-            <a:endParaRPr lang="en-IN" dirty="0"/>
-          </a:p>
-        </p:txBody>
-      </p:sp>
-      <p:sp>
-        <p:nvSpPr>
           <p:cNvPr id="6" name="Slide Number Placeholder 5">
             <a:extLst>
               <a:ext uri="{FF2B5EF4-FFF2-40B4-BE49-F238E27FC236}">
@@ -8998,10 +8964,10 @@
       </p:pic>
       <p:graphicFrame>
         <p:nvGraphicFramePr>
-          <p:cNvPr id="2" name="Table 1">
+          <p:cNvPr id="3" name="Table 2">
             <a:extLst>
               <a:ext uri="{FF2B5EF4-FFF2-40B4-BE49-F238E27FC236}">
-                <a16:creationId xmlns:a16="http://schemas.microsoft.com/office/drawing/2014/main" id="{073D9802-B9B6-0329-CD3B-63E55893FE05}"/>
+                <a16:creationId xmlns:a16="http://schemas.microsoft.com/office/drawing/2014/main" id="{B48431B0-DFF4-4725-92E9-8938C18CDB35}"/>
               </a:ext>
             </a:extLst>
           </p:cNvPr>
@@ -9011,7 +8977,7 @@
           <p:nvPr>
             <p:extLst>
               <p:ext uri="{D42A27DB-BD31-4B8C-83A1-F6EECF244321}">
-                <p14:modId xmlns:p14="http://schemas.microsoft.com/office/powerpoint/2010/main" val="3061017875"/>
+                <p14:modId xmlns:p14="http://schemas.microsoft.com/office/powerpoint/2010/main" val="329044422"/>
               </p:ext>
             </p:extLst>
           </p:nvPr>
@@ -9230,21 +9196,22 @@
         </p:nvSpPr>
         <p:spPr>
           <a:xfrm>
-            <a:off x="484949" y="429623"/>
+            <a:off x="1348249" y="307899"/>
             <a:ext cx="6447501" cy="656771"/>
           </a:xfrm>
         </p:spPr>
         <p:txBody>
-          <a:bodyPr/>
+          <a:bodyPr>
+            <a:normAutofit/>
+          </a:bodyPr>
           <a:lstStyle/>
           <a:p>
             <a:pPr algn="ctr"/>
             <a:r>
-              <a:rPr lang="en-IN" dirty="0"/>
-              <a:t>        </a:t>
-            </a:r>
-            <a:r>
-              <a:rPr lang="en-IN" u="sng" dirty="0"/>
+              <a:rPr lang="en-IN" sz="3200" b="1" dirty="0">
+                <a:latin typeface="Times New Roman" panose="02020603050405020304" pitchFamily="18" charset="0"/>
+                <a:cs typeface="Times New Roman" panose="02020603050405020304" pitchFamily="18" charset="0"/>
+              </a:rPr>
               <a:t>INITIALIZR WORKFLOW</a:t>
             </a:r>
           </a:p>
@@ -9354,10 +9321,10 @@
       </p:pic>
       <p:graphicFrame>
         <p:nvGraphicFramePr>
-          <p:cNvPr id="6" name="Table 5">
+          <p:cNvPr id="7" name="Table 6">
             <a:extLst>
               <a:ext uri="{FF2B5EF4-FFF2-40B4-BE49-F238E27FC236}">
-                <a16:creationId xmlns:a16="http://schemas.microsoft.com/office/drawing/2014/main" id="{37FA707E-D495-0287-CDC3-4E578D31F2DD}"/>
+                <a16:creationId xmlns:a16="http://schemas.microsoft.com/office/drawing/2014/main" id="{62F725EA-8352-5250-FB0F-CD3274087A91}"/>
               </a:ext>
             </a:extLst>
           </p:cNvPr>
@@ -9367,7 +9334,7 @@
           <p:nvPr>
             <p:extLst>
               <p:ext uri="{D42A27DB-BD31-4B8C-83A1-F6EECF244321}">
-                <p14:modId xmlns:p14="http://schemas.microsoft.com/office/powerpoint/2010/main" val="3061017875"/>
+                <p14:modId xmlns:p14="http://schemas.microsoft.com/office/powerpoint/2010/main" val="329044422"/>
               </p:ext>
             </p:extLst>
           </p:nvPr>
@@ -9780,20 +9747,14 @@
           <a:lstStyle/>
           <a:p>
             <a:r>
-              <a:rPr lang="en-IN" u="sng" dirty="0">
+              <a:rPr lang="en-IN" b="1" dirty="0">
                 <a:solidFill>
                   <a:schemeClr val="tx1"/>
                 </a:solidFill>
+                <a:latin typeface="Times New Roman" panose="02020603050405020304" pitchFamily="18" charset="0"/>
+                <a:cs typeface="Times New Roman" panose="02020603050405020304" pitchFamily="18" charset="0"/>
               </a:rPr>
-              <a:t>USER INTERFACE</a:t>
-            </a:r>
-            <a:r>
-              <a:rPr lang="en-IN" dirty="0">
-                <a:solidFill>
-                  <a:schemeClr val="tx1"/>
-                </a:solidFill>
-              </a:rPr>
-              <a:t>:</a:t>
+              <a:t>USER INTERFACE:</a:t>
             </a:r>
           </a:p>
         </p:txBody>
@@ -9918,7 +9879,7 @@
         </p:blipFill>
         <p:spPr>
           <a:xfrm>
-            <a:off x="402773" y="2841171"/>
+            <a:off x="422062" y="2618918"/>
             <a:ext cx="2095177" cy="2019300"/>
           </a:xfrm>
           <a:prstGeom prst="rect">
@@ -9948,7 +9909,7 @@
         </p:blipFill>
         <p:spPr>
           <a:xfrm>
-            <a:off x="3238470" y="2841171"/>
+            <a:off x="3238470" y="2649676"/>
             <a:ext cx="2095177" cy="2019300"/>
           </a:xfrm>
           <a:prstGeom prst="rect">
@@ -9978,7 +9939,7 @@
         </p:blipFill>
         <p:spPr>
           <a:xfrm>
-            <a:off x="6074167" y="2841171"/>
+            <a:off x="6054878" y="2690035"/>
             <a:ext cx="2051480" cy="2019301"/>
           </a:xfrm>
           <a:prstGeom prst="rect">
@@ -10079,8 +10040,8 @@
         </p:nvCxnSpPr>
         <p:spPr>
           <a:xfrm>
-            <a:off x="2497950" y="3850821"/>
-            <a:ext cx="740520" cy="0"/>
+            <a:off x="2517239" y="3628568"/>
+            <a:ext cx="721231" cy="30758"/>
           </a:xfrm>
           <a:prstGeom prst="straightConnector1">
             <a:avLst/>
@@ -10122,8 +10083,8 @@
         </p:nvCxnSpPr>
         <p:spPr>
           <a:xfrm>
-            <a:off x="5333647" y="3850821"/>
-            <a:ext cx="740520" cy="1"/>
+            <a:off x="5333647" y="3659326"/>
+            <a:ext cx="721231" cy="40360"/>
           </a:xfrm>
           <a:prstGeom prst="straightConnector1">
             <a:avLst/>
@@ -10819,18 +10780,21 @@
               <a:buNone/>
             </a:pPr>
             <a:r>
-              <a:rPr lang="en-GB" sz="4100" b="1" cap="none" dirty="0">
+              <a:rPr lang="en-GB" sz="3600" b="1" cap="none" dirty="0">
                 <a:solidFill>
                   <a:schemeClr val="dk1"/>
                 </a:solidFill>
-                <a:latin typeface="Trebuchet MS"/>
+                <a:latin typeface="Times New Roman" panose="02020603050405020304" pitchFamily="18" charset="0"/>
                 <a:ea typeface="Trebuchet MS"/>
-                <a:cs typeface="Trebuchet MS"/>
+                <a:cs typeface="Times New Roman" panose="02020603050405020304" pitchFamily="18" charset="0"/>
                 <a:sym typeface="Trebuchet MS"/>
               </a:rPr>
               <a:t>LIVE DEMONSTRATION</a:t>
             </a:r>
-            <a:endParaRPr sz="1100" dirty="0"/>
+            <a:endParaRPr sz="3600" dirty="0">
+              <a:latin typeface="Times New Roman" panose="02020603050405020304" pitchFamily="18" charset="0"/>
+              <a:cs typeface="Times New Roman" panose="02020603050405020304" pitchFamily="18" charset="0"/>
+            </a:endParaRPr>
           </a:p>
         </p:txBody>
       </p:sp>
@@ -10874,10 +10838,10 @@
       </p:sp>
       <p:graphicFrame>
         <p:nvGraphicFramePr>
-          <p:cNvPr id="3" name="Table 2">
+          <p:cNvPr id="4" name="Table 3">
             <a:extLst>
               <a:ext uri="{FF2B5EF4-FFF2-40B4-BE49-F238E27FC236}">
-                <a16:creationId xmlns:a16="http://schemas.microsoft.com/office/drawing/2014/main" id="{F19F2883-2DFF-BEB3-BBA4-35225BC33EA6}"/>
+                <a16:creationId xmlns:a16="http://schemas.microsoft.com/office/drawing/2014/main" id="{4765D5FA-360D-425E-5DFE-81ADE0032D44}"/>
               </a:ext>
             </a:extLst>
           </p:cNvPr>
@@ -10887,7 +10851,7 @@
           <p:nvPr>
             <p:extLst>
               <p:ext uri="{D42A27DB-BD31-4B8C-83A1-F6EECF244321}">
-                <p14:modId xmlns:p14="http://schemas.microsoft.com/office/powerpoint/2010/main" val="3061017875"/>
+                <p14:modId xmlns:p14="http://schemas.microsoft.com/office/powerpoint/2010/main" val="329044422"/>
               </p:ext>
             </p:extLst>
           </p:nvPr>
@@ -11814,54 +11778,54 @@
 </file>
 
 <file path=ppt/theme/theme1.xml><?xml version="1.0" encoding="utf-8"?>
-<a:theme xmlns:a="http://schemas.openxmlformats.org/drawingml/2006/main" name="Office Theme">
+<a:theme xmlns:a="http://schemas.openxmlformats.org/drawingml/2006/main" name="Retrospect">
   <a:themeElements>
-    <a:clrScheme name="Office">
+    <a:clrScheme name="Retrospect">
       <a:dk1>
-        <a:sysClr val="windowText" lastClr="000000"/>
+        <a:srgbClr val="000000"/>
       </a:dk1>
       <a:lt1>
         <a:sysClr val="window" lastClr="FFFFFF"/>
       </a:lt1>
       <a:dk2>
-        <a:srgbClr val="44546A"/>
+        <a:srgbClr val="637052"/>
       </a:dk2>
       <a:lt2>
-        <a:srgbClr val="E7E6E6"/>
+        <a:srgbClr val="CCDDEA"/>
       </a:lt2>
       <a:accent1>
-        <a:srgbClr val="4472C4"/>
+        <a:srgbClr val="E48312"/>
       </a:accent1>
       <a:accent2>
-        <a:srgbClr val="ED7D31"/>
+        <a:srgbClr val="BD582C"/>
       </a:accent2>
       <a:accent3>
-        <a:srgbClr val="A5A5A5"/>
+        <a:srgbClr val="865640"/>
       </a:accent3>
       <a:accent4>
-        <a:srgbClr val="FFC000"/>
+        <a:srgbClr val="9B8357"/>
       </a:accent4>
       <a:accent5>
-        <a:srgbClr val="5B9BD5"/>
+        <a:srgbClr val="C2BC80"/>
       </a:accent5>
       <a:accent6>
-        <a:srgbClr val="70AD47"/>
+        <a:srgbClr val="94A088"/>
       </a:accent6>
       <a:hlink>
-        <a:srgbClr val="0563C1"/>
+        <a:srgbClr val="2998E3"/>
       </a:hlink>
       <a:folHlink>
-        <a:srgbClr val="954F72"/>
+        <a:srgbClr val="8C8C8C"/>
       </a:folHlink>
     </a:clrScheme>
-    <a:fontScheme name="Office">
+    <a:fontScheme name="Retrospect">
       <a:majorFont>
         <a:latin typeface="Calibri Light" panose="020F0302020204030204"/>
         <a:ea typeface=""/>
         <a:cs typeface=""/>
-        <a:font script="Jpan" typeface="游ゴシック Light"/>
+        <a:font script="Jpan" typeface="ＭＳ Ｐゴシック"/>
         <a:font script="Hang" typeface="맑은 고딕"/>
-        <a:font script="Hans" typeface="等线 Light"/>
+        <a:font script="Hans" typeface="宋体"/>
         <a:font script="Hant" typeface="新細明體"/>
         <a:font script="Arab" typeface="Times New Roman"/>
         <a:font script="Hebr" typeface="Times New Roman"/>
@@ -11889,31 +11853,14 @@
         <a:font script="Viet" typeface="Times New Roman"/>
         <a:font script="Uigh" typeface="Microsoft Uighur"/>
         <a:font script="Geor" typeface="Sylfaen"/>
-        <a:font script="Armn" typeface="Arial"/>
-        <a:font script="Bugi" typeface="Leelawadee UI"/>
-        <a:font script="Bopo" typeface="Microsoft JhengHei"/>
-        <a:font script="Java" typeface="Javanese Text"/>
-        <a:font script="Lisu" typeface="Segoe UI"/>
-        <a:font script="Mymr" typeface="Myanmar Text"/>
-        <a:font script="Nkoo" typeface="Ebrima"/>
-        <a:font script="Olck" typeface="Nirmala UI"/>
-        <a:font script="Osma" typeface="Ebrima"/>
-        <a:font script="Phag" typeface="Phagspa"/>
-        <a:font script="Syrn" typeface="Estrangelo Edessa"/>
-        <a:font script="Syrj" typeface="Estrangelo Edessa"/>
-        <a:font script="Syre" typeface="Estrangelo Edessa"/>
-        <a:font script="Sora" typeface="Nirmala UI"/>
-        <a:font script="Tale" typeface="Microsoft Tai Le"/>
-        <a:font script="Talu" typeface="Microsoft New Tai Lue"/>
-        <a:font script="Tfng" typeface="Ebrima"/>
       </a:majorFont>
       <a:minorFont>
         <a:latin typeface="Calibri" panose="020F0502020204030204"/>
         <a:ea typeface=""/>
         <a:cs typeface=""/>
-        <a:font script="Jpan" typeface="游ゴシック"/>
+        <a:font script="Jpan" typeface="ＭＳ Ｐゴシック"/>
         <a:font script="Hang" typeface="맑은 고딕"/>
-        <a:font script="Hans" typeface="等线"/>
+        <a:font script="Hans" typeface="宋体"/>
         <a:font script="Hant" typeface="新細明體"/>
         <a:font script="Arab" typeface="Arial"/>
         <a:font script="Hebr" typeface="Arial"/>
@@ -11941,26 +11888,9 @@
         <a:font script="Viet" typeface="Arial"/>
         <a:font script="Uigh" typeface="Microsoft Uighur"/>
         <a:font script="Geor" typeface="Sylfaen"/>
-        <a:font script="Armn" typeface="Arial"/>
-        <a:font script="Bugi" typeface="Leelawadee UI"/>
-        <a:font script="Bopo" typeface="Microsoft JhengHei"/>
-        <a:font script="Java" typeface="Javanese Text"/>
-        <a:font script="Lisu" typeface="Segoe UI"/>
-        <a:font script="Mymr" typeface="Myanmar Text"/>
-        <a:font script="Nkoo" typeface="Ebrima"/>
-        <a:font script="Olck" typeface="Nirmala UI"/>
-        <a:font script="Osma" typeface="Ebrima"/>
-        <a:font script="Phag" typeface="Phagspa"/>
-        <a:font script="Syrn" typeface="Estrangelo Edessa"/>
-        <a:font script="Syrj" typeface="Estrangelo Edessa"/>
-        <a:font script="Syre" typeface="Estrangelo Edessa"/>
-        <a:font script="Sora" typeface="Nirmala UI"/>
-        <a:font script="Tale" typeface="Microsoft Tai Le"/>
-        <a:font script="Talu" typeface="Microsoft New Tai Lue"/>
-        <a:font script="Tfng" typeface="Ebrima"/>
       </a:minorFont>
     </a:fontScheme>
-    <a:fmtScheme name="Office">
+    <a:fmtScheme name="Retrospect">
       <a:fillStyleLst>
         <a:solidFill>
           <a:schemeClr val="phClr"/>
@@ -11969,76 +11899,81 @@
           <a:gsLst>
             <a:gs pos="0">
               <a:schemeClr val="phClr">
-                <a:lumMod val="110000"/>
-                <a:satMod val="105000"/>
-                <a:tint val="67000"/>
+                <a:tint val="65000"/>
+                <a:shade val="92000"/>
+                <a:satMod val="130000"/>
               </a:schemeClr>
             </a:gs>
-            <a:gs pos="50000">
+            <a:gs pos="45000">
               <a:schemeClr val="phClr">
-                <a:lumMod val="105000"/>
-                <a:satMod val="103000"/>
-                <a:tint val="73000"/>
+                <a:tint val="60000"/>
+                <a:shade val="99000"/>
+                <a:satMod val="120000"/>
               </a:schemeClr>
             </a:gs>
             <a:gs pos="100000">
               <a:schemeClr val="phClr">
-                <a:lumMod val="105000"/>
-                <a:satMod val="109000"/>
-                <a:tint val="81000"/>
+                <a:tint val="55000"/>
+                <a:satMod val="140000"/>
               </a:schemeClr>
             </a:gs>
           </a:gsLst>
-          <a:lin ang="5400000" scaled="0"/>
+          <a:path path="circle">
+            <a:fillToRect l="100000" t="100000" r="100000" b="100000"/>
+          </a:path>
         </a:gradFill>
         <a:gradFill rotWithShape="1">
           <a:gsLst>
             <a:gs pos="0">
               <a:schemeClr val="phClr">
-                <a:satMod val="103000"/>
-                <a:lumMod val="102000"/>
-                <a:tint val="94000"/>
+                <a:shade val="85000"/>
+                <a:satMod val="130000"/>
               </a:schemeClr>
             </a:gs>
-            <a:gs pos="50000">
+            <a:gs pos="34000">
               <a:schemeClr val="phClr">
-                <a:satMod val="110000"/>
-                <a:lumMod val="100000"/>
-                <a:shade val="100000"/>
+                <a:shade val="87000"/>
+                <a:satMod val="125000"/>
+              </a:schemeClr>
+            </a:gs>
+            <a:gs pos="70000">
+              <a:schemeClr val="phClr">
+                <a:tint val="100000"/>
+                <a:shade val="90000"/>
+                <a:satMod val="130000"/>
               </a:schemeClr>
             </a:gs>
             <a:gs pos="100000">
               <a:schemeClr val="phClr">
-                <a:lumMod val="99000"/>
-                <a:satMod val="120000"/>
-                <a:shade val="78000"/>
+                <a:tint val="100000"/>
+                <a:shade val="100000"/>
+                <a:satMod val="110000"/>
               </a:schemeClr>
             </a:gs>
           </a:gsLst>
-          <a:lin ang="5400000" scaled="0"/>
+          <a:path path="circle">
+            <a:fillToRect l="100000" t="100000" r="100000" b="100000"/>
+          </a:path>
         </a:gradFill>
       </a:fillStyleLst>
       <a:lnStyleLst>
-        <a:ln w="6350" cap="flat" cmpd="sng" algn="ctr">
-          <a:solidFill>
-            <a:schemeClr val="phClr"/>
-          </a:solidFill>
-          <a:prstDash val="solid"/>
-          <a:miter lim="800000"/>
-        </a:ln>
         <a:ln w="12700" cap="flat" cmpd="sng" algn="ctr">
           <a:solidFill>
             <a:schemeClr val="phClr"/>
           </a:solidFill>
           <a:prstDash val="solid"/>
-          <a:miter lim="800000"/>
         </a:ln>
-        <a:ln w="19050" cap="flat" cmpd="sng" algn="ctr">
+        <a:ln w="15875" cap="flat" cmpd="sng" algn="ctr">
           <a:solidFill>
             <a:schemeClr val="phClr"/>
           </a:solidFill>
           <a:prstDash val="solid"/>
-          <a:miter lim="800000"/>
+        </a:ln>
+        <a:ln w="25400" cap="flat" cmpd="sng" algn="ctr">
+          <a:solidFill>
+            <a:schemeClr val="phClr"/>
+          </a:solidFill>
+          <a:prstDash val="solid"/>
         </a:ln>
       </a:lnStyleLst>
       <a:effectStyleLst>
@@ -12046,16 +11981,33 @@
           <a:effectLst/>
         </a:effectStyle>
         <a:effectStyle>
-          <a:effectLst/>
+          <a:effectLst>
+            <a:outerShdw blurRad="38100" dist="25400" dir="2700000" algn="br" rotWithShape="0">
+              <a:srgbClr val="000000">
+                <a:alpha val="60000"/>
+              </a:srgbClr>
+            </a:outerShdw>
+          </a:effectLst>
         </a:effectStyle>
         <a:effectStyle>
           <a:effectLst>
-            <a:outerShdw blurRad="57150" dist="19050" dir="5400000" algn="ctr" rotWithShape="0">
+            <a:outerShdw blurRad="44450" dist="25400" dir="2700000" algn="br" rotWithShape="0">
               <a:srgbClr val="000000">
-                <a:alpha val="63000"/>
+                <a:alpha val="60000"/>
               </a:srgbClr>
             </a:outerShdw>
           </a:effectLst>
+          <a:scene3d>
+            <a:camera prst="orthographicFront">
+              <a:rot lat="0" lon="0" rev="0"/>
+            </a:camera>
+            <a:lightRig rig="threePt" dir="t">
+              <a:rot lat="0" lon="0" rev="19800000"/>
+            </a:lightRig>
+          </a:scene3d>
+          <a:sp3d prstMaterial="flat">
+            <a:bevelT w="25400" h="31750"/>
+          </a:sp3d>
         </a:effectStyle>
       </a:effectStyleLst>
       <a:bgFillStyleLst>
@@ -12064,36 +12016,36 @@
         </a:solidFill>
         <a:solidFill>
           <a:schemeClr val="phClr">
-            <a:tint val="95000"/>
-            <a:satMod val="170000"/>
+            <a:tint val="90000"/>
+            <a:shade val="97000"/>
+            <a:satMod val="130000"/>
           </a:schemeClr>
         </a:solidFill>
         <a:gradFill rotWithShape="1">
           <a:gsLst>
             <a:gs pos="0">
               <a:schemeClr val="phClr">
-                <a:tint val="93000"/>
-                <a:satMod val="150000"/>
-                <a:shade val="98000"/>
-                <a:lumMod val="102000"/>
+                <a:tint val="96000"/>
+                <a:shade val="99000"/>
+                <a:satMod val="140000"/>
               </a:schemeClr>
             </a:gs>
-            <a:gs pos="50000">
+            <a:gs pos="65000">
               <a:schemeClr val="phClr">
-                <a:tint val="98000"/>
+                <a:tint val="100000"/>
+                <a:shade val="80000"/>
                 <a:satMod val="130000"/>
-                <a:shade val="90000"/>
-                <a:lumMod val="103000"/>
               </a:schemeClr>
             </a:gs>
             <a:gs pos="100000">
               <a:schemeClr val="phClr">
-                <a:shade val="63000"/>
+                <a:tint val="100000"/>
+                <a:shade val="48000"/>
                 <a:satMod val="120000"/>
               </a:schemeClr>
             </a:gs>
           </a:gsLst>
-          <a:lin ang="5400000" scaled="0"/>
+          <a:lin ang="16200000" scaled="0"/>
         </a:gradFill>
       </a:bgFillStyleLst>
     </a:fmtScheme>
@@ -12102,7 +12054,7 @@
   <a:extraClrSchemeLst/>
   <a:extLst>
     <a:ext uri="{05A4C25C-085E-4340-85A3-A5531E510DB2}">
-      <thm15:themeFamily xmlns:thm15="http://schemas.microsoft.com/office/thememl/2012/main" name="Office Theme" id="{62F939B6-93AF-4DB8-9C6B-D6C7DFDC589F}" vid="{4A3C46E8-61CC-4603-A589-7422A47A8E4A}"/>
+      <thm15:themeFamily xmlns:thm15="http://schemas.microsoft.com/office/thememl/2012/main" name="Retrospect" id="{5F128B03-DCCA-4EEB-AB3B-CF2899314A46}" vid="{3F1AAB62-24C6-49D2-8E01-B56FAC9A3DCD}"/>
     </a:ext>
   </a:extLst>
 </a:theme>
